--- a/presentations/aws_ha_workshops.pptx
+++ b/presentations/aws_ha_workshops.pptx
@@ -5,47 +5,50 @@
     <p:sldMasterId id="2147483648" r:id="rId1"/>
   </p:sldMasterIdLst>
   <p:notesMasterIdLst>
-    <p:notesMasterId r:id="rId40"/>
+    <p:notesMasterId r:id="rId43"/>
   </p:notesMasterIdLst>
   <p:sldIdLst>
     <p:sldId id="256" r:id="rId2"/>
     <p:sldId id="257" r:id="rId3"/>
     <p:sldId id="260" r:id="rId4"/>
     <p:sldId id="274" r:id="rId5"/>
-    <p:sldId id="258" r:id="rId6"/>
-    <p:sldId id="290" r:id="rId7"/>
-    <p:sldId id="291" r:id="rId8"/>
-    <p:sldId id="287" r:id="rId9"/>
-    <p:sldId id="265" r:id="rId10"/>
-    <p:sldId id="263" r:id="rId11"/>
-    <p:sldId id="288" r:id="rId12"/>
-    <p:sldId id="264" r:id="rId13"/>
-    <p:sldId id="266" r:id="rId14"/>
-    <p:sldId id="267" r:id="rId15"/>
-    <p:sldId id="261" r:id="rId16"/>
-    <p:sldId id="273" r:id="rId17"/>
-    <p:sldId id="268" r:id="rId18"/>
-    <p:sldId id="269" r:id="rId19"/>
-    <p:sldId id="272" r:id="rId20"/>
-    <p:sldId id="271" r:id="rId21"/>
-    <p:sldId id="270" r:id="rId22"/>
-    <p:sldId id="276" r:id="rId23"/>
-    <p:sldId id="277" r:id="rId24"/>
-    <p:sldId id="278" r:id="rId25"/>
-    <p:sldId id="259" r:id="rId26"/>
-    <p:sldId id="279" r:id="rId27"/>
-    <p:sldId id="295" r:id="rId28"/>
-    <p:sldId id="285" r:id="rId29"/>
-    <p:sldId id="289" r:id="rId30"/>
-    <p:sldId id="298" r:id="rId31"/>
-    <p:sldId id="293" r:id="rId32"/>
-    <p:sldId id="280" r:id="rId33"/>
-    <p:sldId id="294" r:id="rId34"/>
-    <p:sldId id="296" r:id="rId35"/>
-    <p:sldId id="283" r:id="rId36"/>
-    <p:sldId id="282" r:id="rId37"/>
-    <p:sldId id="286" r:id="rId38"/>
-    <p:sldId id="297" r:id="rId39"/>
+    <p:sldId id="287" r:id="rId6"/>
+    <p:sldId id="300" r:id="rId7"/>
+    <p:sldId id="258" r:id="rId8"/>
+    <p:sldId id="290" r:id="rId9"/>
+    <p:sldId id="291" r:id="rId10"/>
+    <p:sldId id="265" r:id="rId11"/>
+    <p:sldId id="263" r:id="rId12"/>
+    <p:sldId id="288" r:id="rId13"/>
+    <p:sldId id="264" r:id="rId14"/>
+    <p:sldId id="266" r:id="rId15"/>
+    <p:sldId id="301" r:id="rId16"/>
+    <p:sldId id="267" r:id="rId17"/>
+    <p:sldId id="261" r:id="rId18"/>
+    <p:sldId id="273" r:id="rId19"/>
+    <p:sldId id="268" r:id="rId20"/>
+    <p:sldId id="269" r:id="rId21"/>
+    <p:sldId id="272" r:id="rId22"/>
+    <p:sldId id="271" r:id="rId23"/>
+    <p:sldId id="270" r:id="rId24"/>
+    <p:sldId id="276" r:id="rId25"/>
+    <p:sldId id="277" r:id="rId26"/>
+    <p:sldId id="278" r:id="rId27"/>
+    <p:sldId id="259" r:id="rId28"/>
+    <p:sldId id="279" r:id="rId29"/>
+    <p:sldId id="295" r:id="rId30"/>
+    <p:sldId id="285" r:id="rId31"/>
+    <p:sldId id="289" r:id="rId32"/>
+    <p:sldId id="298" r:id="rId33"/>
+    <p:sldId id="293" r:id="rId34"/>
+    <p:sldId id="280" r:id="rId35"/>
+    <p:sldId id="294" r:id="rId36"/>
+    <p:sldId id="296" r:id="rId37"/>
+    <p:sldId id="283" r:id="rId38"/>
+    <p:sldId id="282" r:id="rId39"/>
+    <p:sldId id="286" r:id="rId40"/>
+    <p:sldId id="297" r:id="rId41"/>
+    <p:sldId id="299" r:id="rId42"/>
   </p:sldIdLst>
   <p:sldSz cx="9144000" cy="6858000" type="screen4x3"/>
   <p:notesSz cx="6858000" cy="9144000"/>
@@ -229,7 +232,7 @@
           <a:p>
             <a:fld id="{4FCB940D-A35E-492A-9AF7-403ECB6582B3}" type="datetimeFigureOut">
               <a:rPr lang="pl-PL" smtClean="0"/>
-              <a:t>2014-09-19</a:t>
+              <a:t>2014-09-21</a:t>
             </a:fld>
             <a:endParaRPr lang="pl-PL"/>
           </a:p>
@@ -562,7 +565,7 @@
           <a:p>
             <a:fld id="{B968731D-1AB3-4882-B6B0-BF5E3F29E4E1}" type="slidenum">
               <a:rPr lang="pl-PL" smtClean="0"/>
-              <a:t>30</a:t>
+              <a:t>32</a:t>
             </a:fld>
             <a:endParaRPr lang="pl-PL"/>
           </a:p>
@@ -846,7 +849,7 @@
           <a:p>
             <a:fld id="{457CC8CD-1B12-42F7-8F2A-8D88273D1FDC}" type="datetimeFigureOut">
               <a:rPr lang="pl-PL" smtClean="0"/>
-              <a:t>2014-09-19</a:t>
+              <a:t>2014-09-21</a:t>
             </a:fld>
             <a:endParaRPr lang="pl-PL"/>
           </a:p>
@@ -1026,7 +1029,7 @@
           <a:p>
             <a:fld id="{457CC8CD-1B12-42F7-8F2A-8D88273D1FDC}" type="datetimeFigureOut">
               <a:rPr lang="pl-PL" smtClean="0"/>
-              <a:t>2014-09-19</a:t>
+              <a:t>2014-09-21</a:t>
             </a:fld>
             <a:endParaRPr lang="pl-PL"/>
           </a:p>
@@ -1196,7 +1199,7 @@
           <a:p>
             <a:fld id="{457CC8CD-1B12-42F7-8F2A-8D88273D1FDC}" type="datetimeFigureOut">
               <a:rPr lang="pl-PL" smtClean="0"/>
-              <a:t>2014-09-19</a:t>
+              <a:t>2014-09-21</a:t>
             </a:fld>
             <a:endParaRPr lang="pl-PL"/>
           </a:p>
@@ -1442,7 +1445,7 @@
           <a:p>
             <a:fld id="{457CC8CD-1B12-42F7-8F2A-8D88273D1FDC}" type="datetimeFigureOut">
               <a:rPr lang="pl-PL" smtClean="0"/>
-              <a:t>2014-09-19</a:t>
+              <a:t>2014-09-21</a:t>
             </a:fld>
             <a:endParaRPr lang="pl-PL"/>
           </a:p>
@@ -1737,7 +1740,7 @@
           <a:p>
             <a:fld id="{457CC8CD-1B12-42F7-8F2A-8D88273D1FDC}" type="datetimeFigureOut">
               <a:rPr lang="pl-PL" smtClean="0"/>
-              <a:t>2014-09-19</a:t>
+              <a:t>2014-09-21</a:t>
             </a:fld>
             <a:endParaRPr lang="pl-PL"/>
           </a:p>
@@ -2166,7 +2169,7 @@
           <a:p>
             <a:fld id="{457CC8CD-1B12-42F7-8F2A-8D88273D1FDC}" type="datetimeFigureOut">
               <a:rPr lang="pl-PL" smtClean="0"/>
-              <a:t>2014-09-19</a:t>
+              <a:t>2014-09-21</a:t>
             </a:fld>
             <a:endParaRPr lang="pl-PL"/>
           </a:p>
@@ -2291,7 +2294,7 @@
           <a:p>
             <a:fld id="{457CC8CD-1B12-42F7-8F2A-8D88273D1FDC}" type="datetimeFigureOut">
               <a:rPr lang="pl-PL" smtClean="0"/>
-              <a:t>2014-09-19</a:t>
+              <a:t>2014-09-21</a:t>
             </a:fld>
             <a:endParaRPr lang="pl-PL"/>
           </a:p>
@@ -2393,7 +2396,7 @@
           <a:p>
             <a:fld id="{457CC8CD-1B12-42F7-8F2A-8D88273D1FDC}" type="datetimeFigureOut">
               <a:rPr lang="pl-PL" smtClean="0"/>
-              <a:t>2014-09-19</a:t>
+              <a:t>2014-09-21</a:t>
             </a:fld>
             <a:endParaRPr lang="pl-PL"/>
           </a:p>
@@ -2670,7 +2673,7 @@
           <a:p>
             <a:fld id="{457CC8CD-1B12-42F7-8F2A-8D88273D1FDC}" type="datetimeFigureOut">
               <a:rPr lang="pl-PL" smtClean="0"/>
-              <a:t>2014-09-19</a:t>
+              <a:t>2014-09-21</a:t>
             </a:fld>
             <a:endParaRPr lang="pl-PL"/>
           </a:p>
@@ -2923,7 +2926,7 @@
           <a:p>
             <a:fld id="{457CC8CD-1B12-42F7-8F2A-8D88273D1FDC}" type="datetimeFigureOut">
               <a:rPr lang="pl-PL" smtClean="0"/>
-              <a:t>2014-09-19</a:t>
+              <a:t>2014-09-21</a:t>
             </a:fld>
             <a:endParaRPr lang="pl-PL"/>
           </a:p>
@@ -3136,7 +3139,7 @@
           <a:p>
             <a:fld id="{457CC8CD-1B12-42F7-8F2A-8D88273D1FDC}" type="datetimeFigureOut">
               <a:rPr lang="pl-PL" smtClean="0"/>
-              <a:t>2014-09-19</a:t>
+              <a:t>2014-09-21</a:t>
             </a:fld>
             <a:endParaRPr lang="pl-PL"/>
           </a:p>
@@ -3683,6 +3686,252 @@
       </p:grpSpPr>
       <p:sp>
         <p:nvSpPr>
+          <p:cNvPr id="2" name="Title 1"/>
+          <p:cNvSpPr>
+            <a:spLocks noGrp="1"/>
+          </p:cNvSpPr>
+          <p:nvPr>
+            <p:ph type="title"/>
+          </p:nvPr>
+        </p:nvSpPr>
+        <p:spPr/>
+        <p:txBody>
+          <a:bodyPr>
+            <a:normAutofit/>
+          </a:bodyPr>
+          <a:lstStyle/>
+          <a:p>
+            <a:r>
+              <a:rPr lang="en-US" sz="3600" dirty="0" smtClean="0"/>
+              <a:t>Example JEE 7 Service structure</a:t>
+            </a:r>
+            <a:endParaRPr lang="pl-PL" sz="3600" dirty="0"/>
+          </a:p>
+        </p:txBody>
+      </p:sp>
+      <p:pic>
+        <p:nvPicPr>
+          <p:cNvPr id="4" name="Picture 2"/>
+          <p:cNvPicPr>
+            <a:picLocks noChangeAspect="1" noChangeArrowheads="1"/>
+          </p:cNvPicPr>
+          <p:nvPr/>
+        </p:nvPicPr>
+        <p:blipFill>
+          <a:blip r:embed="rId2">
+            <a:extLst>
+              <a:ext uri="{28A0092B-C50C-407E-A947-70E740481C1C}">
+                <a14:useLocalDpi xmlns:a14="http://schemas.microsoft.com/office/drawing/2010/main" val="0"/>
+              </a:ext>
+            </a:extLst>
+          </a:blip>
+          <a:srcRect/>
+          <a:stretch>
+            <a:fillRect/>
+          </a:stretch>
+        </p:blipFill>
+        <p:spPr bwMode="auto">
+          <a:xfrm>
+            <a:off x="2411760" y="2343784"/>
+            <a:ext cx="4032448" cy="3821520"/>
+          </a:xfrm>
+          <a:prstGeom prst="rect">
+            <a:avLst/>
+          </a:prstGeom>
+          <a:noFill/>
+          <a:ln>
+            <a:noFill/>
+          </a:ln>
+          <a:extLst>
+            <a:ext uri="{909E8E84-426E-40DD-AFC4-6F175D3DCCD1}">
+              <a14:hiddenFill xmlns:a14="http://schemas.microsoft.com/office/drawing/2010/main">
+                <a:solidFill>
+                  <a:schemeClr val="accent1"/>
+                </a:solidFill>
+              </a14:hiddenFill>
+            </a:ext>
+            <a:ext uri="{91240B29-F687-4F45-9708-019B960494DF}">
+              <a14:hiddenLine xmlns:a14="http://schemas.microsoft.com/office/drawing/2010/main" w="9525">
+                <a:solidFill>
+                  <a:schemeClr val="tx1"/>
+                </a:solidFill>
+                <a:miter lim="800000"/>
+                <a:headEnd/>
+                <a:tailEnd/>
+              </a14:hiddenLine>
+            </a:ext>
+          </a:extLst>
+        </p:spPr>
+      </p:pic>
+      <p:sp>
+        <p:nvSpPr>
+          <p:cNvPr id="3" name="Rectangle 2"/>
+          <p:cNvSpPr/>
+          <p:nvPr/>
+        </p:nvSpPr>
+        <p:spPr>
+          <a:xfrm rot="542673">
+            <a:off x="4772348" y="5612854"/>
+            <a:ext cx="4001416" cy="461665"/>
+          </a:xfrm>
+          <a:prstGeom prst="rect">
+            <a:avLst/>
+          </a:prstGeom>
+        </p:spPr>
+        <p:txBody>
+          <a:bodyPr wrap="none">
+            <a:spAutoFit/>
+          </a:bodyPr>
+          <a:lstStyle/>
+          <a:p>
+            <a:r>
+              <a:rPr lang="pl-PL" sz="2400" dirty="0" err="1" smtClean="0"/>
+              <a:t>Entity</a:t>
+            </a:r>
+            <a:r>
+              <a:rPr lang="pl-PL" sz="2400" dirty="0" smtClean="0"/>
+              <a:t>-Control-</a:t>
+            </a:r>
+            <a:r>
+              <a:rPr lang="pl-PL" sz="2400" dirty="0" err="1" smtClean="0"/>
+              <a:t>Boundar</a:t>
+            </a:r>
+            <a:r>
+              <a:rPr lang="en-US" sz="2400" dirty="0" smtClean="0"/>
+              <a:t>y</a:t>
+            </a:r>
+            <a:endParaRPr lang="pl-PL" sz="2400" dirty="0"/>
+          </a:p>
+        </p:txBody>
+      </p:sp>
+      <p:pic>
+        <p:nvPicPr>
+          <p:cNvPr id="5" name="Picture 2"/>
+          <p:cNvPicPr>
+            <a:picLocks noChangeAspect="1" noChangeArrowheads="1"/>
+          </p:cNvPicPr>
+          <p:nvPr/>
+        </p:nvPicPr>
+        <p:blipFill>
+          <a:blip r:embed="rId3">
+            <a:extLst>
+              <a:ext uri="{28A0092B-C50C-407E-A947-70E740481C1C}">
+                <a14:useLocalDpi xmlns:a14="http://schemas.microsoft.com/office/drawing/2010/main" val="0"/>
+              </a:ext>
+            </a:extLst>
+          </a:blip>
+          <a:srcRect/>
+          <a:stretch>
+            <a:fillRect/>
+          </a:stretch>
+        </p:blipFill>
+        <p:spPr bwMode="auto">
+          <a:xfrm>
+            <a:off x="89173" y="6263811"/>
+            <a:ext cx="2114209" cy="549565"/>
+          </a:xfrm>
+          <a:prstGeom prst="rect">
+            <a:avLst/>
+          </a:prstGeom>
+          <a:noFill/>
+          <a:ln>
+            <a:noFill/>
+          </a:ln>
+          <a:effectLst>
+            <a:outerShdw blurRad="50800" dist="50800" dir="5400000" algn="ctr" rotWithShape="0">
+              <a:srgbClr val="000000">
+                <a:alpha val="3000"/>
+              </a:srgbClr>
+            </a:outerShdw>
+          </a:effectLst>
+          <a:extLst>
+            <a:ext uri="{909E8E84-426E-40DD-AFC4-6F175D3DCCD1}">
+              <a14:hiddenFill xmlns:a14="http://schemas.microsoft.com/office/drawing/2010/main">
+                <a:solidFill>
+                  <a:schemeClr val="accent1"/>
+                </a:solidFill>
+              </a14:hiddenFill>
+            </a:ext>
+            <a:ext uri="{91240B29-F687-4F45-9708-019B960494DF}">
+              <a14:hiddenLine xmlns:a14="http://schemas.microsoft.com/office/drawing/2010/main" w="9525">
+                <a:solidFill>
+                  <a:schemeClr val="tx1"/>
+                </a:solidFill>
+                <a:miter lim="800000"/>
+                <a:headEnd/>
+                <a:tailEnd/>
+              </a14:hiddenLine>
+            </a:ext>
+          </a:extLst>
+        </p:spPr>
+      </p:pic>
+      <p:sp>
+        <p:nvSpPr>
+          <p:cNvPr id="6" name="Rectangle 5"/>
+          <p:cNvSpPr/>
+          <p:nvPr/>
+        </p:nvSpPr>
+        <p:spPr>
+          <a:xfrm>
+            <a:off x="1150912" y="1700808"/>
+            <a:ext cx="7021488" cy="461665"/>
+          </a:xfrm>
+          <a:prstGeom prst="rect">
+            <a:avLst/>
+          </a:prstGeom>
+        </p:spPr>
+        <p:txBody>
+          <a:bodyPr wrap="square">
+            <a:spAutoFit/>
+          </a:bodyPr>
+          <a:lstStyle/>
+          <a:p>
+            <a:r>
+              <a:rPr lang="pl-PL" sz="2400" dirty="0"/>
+              <a:t>https://github.com/smolnik?tab=repositories</a:t>
+            </a:r>
+          </a:p>
+        </p:txBody>
+      </p:sp>
+    </p:spTree>
+    <p:extLst>
+      <p:ext uri="{BB962C8B-B14F-4D97-AF65-F5344CB8AC3E}">
+        <p14:creationId xmlns:p14="http://schemas.microsoft.com/office/powerpoint/2010/main" val="1793727934"/>
+      </p:ext>
+    </p:extLst>
+  </p:cSld>
+  <p:clrMapOvr>
+    <a:masterClrMapping/>
+  </p:clrMapOvr>
+  <p:timing>
+    <p:tnLst>
+      <p:par>
+        <p:cTn id="1" dur="indefinite" restart="never" nodeType="tmRoot"/>
+      </p:par>
+    </p:tnLst>
+  </p:timing>
+</p:sld>
+</file>
+
+<file path=ppt/slides/slide11.xml><?xml version="1.0" encoding="utf-8"?>
+<p:sld xmlns:a="http://schemas.openxmlformats.org/drawingml/2006/main" xmlns:r="http://schemas.openxmlformats.org/officeDocument/2006/relationships" xmlns:p="http://schemas.openxmlformats.org/presentationml/2006/main">
+  <p:cSld>
+    <p:spTree>
+      <p:nvGrpSpPr>
+        <p:cNvPr id="1" name=""/>
+        <p:cNvGrpSpPr/>
+        <p:nvPr/>
+      </p:nvGrpSpPr>
+      <p:grpSpPr>
+        <a:xfrm>
+          <a:off x="0" y="0"/>
+          <a:ext cx="0" cy="0"/>
+          <a:chOff x="0" y="0"/>
+          <a:chExt cx="0" cy="0"/>
+        </a:xfrm>
+      </p:grpSpPr>
+      <p:sp>
+        <p:nvSpPr>
           <p:cNvPr id="4" name="Title 3"/>
           <p:cNvSpPr>
             <a:spLocks noGrp="1"/>
@@ -3729,7 +3978,7 @@
         </p:blipFill>
         <p:spPr bwMode="auto">
           <a:xfrm>
-            <a:off x="1224136" y="1268760"/>
+            <a:off x="827584" y="1268760"/>
             <a:ext cx="7740352" cy="4343839"/>
           </a:xfrm>
           <a:prstGeom prst="rect">
@@ -3882,7 +4131,7 @@
 </p:sld>
 </file>
 
-<file path=ppt/slides/slide11.xml><?xml version="1.0" encoding="utf-8"?>
+<file path=ppt/slides/slide12.xml><?xml version="1.0" encoding="utf-8"?>
 <p:sld xmlns:a="http://schemas.openxmlformats.org/drawingml/2006/main" xmlns:r="http://schemas.openxmlformats.org/officeDocument/2006/relationships" xmlns:p="http://schemas.openxmlformats.org/presentationml/2006/main">
   <p:cSld>
     <p:spTree>
@@ -4427,7 +4676,7 @@
 </p:sld>
 </file>
 
-<file path=ppt/slides/slide12.xml><?xml version="1.0" encoding="utf-8"?>
+<file path=ppt/slides/slide13.xml><?xml version="1.0" encoding="utf-8"?>
 <p:sld xmlns:a="http://schemas.openxmlformats.org/drawingml/2006/main" xmlns:r="http://schemas.openxmlformats.org/officeDocument/2006/relationships" xmlns:p="http://schemas.openxmlformats.org/presentationml/2006/main">
   <p:cSld>
     <p:spTree>
@@ -4658,7 +4907,7 @@
 </p:sld>
 </file>
 
-<file path=ppt/slides/slide13.xml><?xml version="1.0" encoding="utf-8"?>
+<file path=ppt/slides/slide14.xml><?xml version="1.0" encoding="utf-8"?>
 <p:sld xmlns:a="http://schemas.openxmlformats.org/drawingml/2006/main" xmlns:r="http://schemas.openxmlformats.org/officeDocument/2006/relationships" xmlns:p="http://schemas.openxmlformats.org/presentationml/2006/main">
   <p:cSld>
     <p:spTree>
@@ -4835,7 +5084,101 @@
 </p:sld>
 </file>
 
-<file path=ppt/slides/slide14.xml><?xml version="1.0" encoding="utf-8"?>
+<file path=ppt/slides/slide15.xml><?xml version="1.0" encoding="utf-8"?>
+<p:sld xmlns:a="http://schemas.openxmlformats.org/drawingml/2006/main" xmlns:r="http://schemas.openxmlformats.org/officeDocument/2006/relationships" xmlns:p="http://schemas.openxmlformats.org/presentationml/2006/main">
+  <p:cSld>
+    <p:spTree>
+      <p:nvGrpSpPr>
+        <p:cNvPr id="1" name=""/>
+        <p:cNvGrpSpPr/>
+        <p:nvPr/>
+      </p:nvGrpSpPr>
+      <p:grpSpPr>
+        <a:xfrm>
+          <a:off x="0" y="0"/>
+          <a:ext cx="0" cy="0"/>
+          <a:chOff x="0" y="0"/>
+          <a:chExt cx="0" cy="0"/>
+        </a:xfrm>
+      </p:grpSpPr>
+      <p:sp>
+        <p:nvSpPr>
+          <p:cNvPr id="2" name="Title 1"/>
+          <p:cNvSpPr>
+            <a:spLocks noGrp="1"/>
+          </p:cNvSpPr>
+          <p:nvPr>
+            <p:ph type="title"/>
+          </p:nvPr>
+        </p:nvSpPr>
+        <p:spPr/>
+        <p:txBody>
+          <a:bodyPr>
+            <a:noAutofit/>
+          </a:bodyPr>
+          <a:lstStyle/>
+          <a:p>
+            <a:r>
+              <a:rPr lang="pl-PL" sz="3600" dirty="0" err="1"/>
+              <a:t>Manifesto</a:t>
+            </a:r>
+            <a:r>
+              <a:rPr lang="pl-PL" sz="3600" dirty="0"/>
+              <a:t>: Java Enterprise Edition </a:t>
+            </a:r>
+            <a:r>
+              <a:rPr lang="pl-PL" sz="3600" dirty="0" err="1"/>
+              <a:t>Cloud</a:t>
+            </a:r>
+            <a:r>
+              <a:rPr lang="pl-PL" sz="3600" dirty="0"/>
+              <a:t> API JSR </a:t>
+            </a:r>
+          </a:p>
+        </p:txBody>
+      </p:sp>
+      <p:sp>
+        <p:nvSpPr>
+          <p:cNvPr id="5" name="Rectangle 4"/>
+          <p:cNvSpPr/>
+          <p:nvPr/>
+        </p:nvSpPr>
+        <p:spPr>
+          <a:xfrm>
+            <a:off x="323528" y="3105835"/>
+            <a:ext cx="8640960" cy="369332"/>
+          </a:xfrm>
+          <a:prstGeom prst="rect">
+            <a:avLst/>
+          </a:prstGeom>
+        </p:spPr>
+        <p:txBody>
+          <a:bodyPr wrap="square">
+            <a:spAutoFit/>
+          </a:bodyPr>
+          <a:lstStyle/>
+          <a:p>
+            <a:r>
+              <a:rPr lang="pl-PL" dirty="0"/>
+              <a:t>https://forums.aws.amazon.com/thread.jspa?threadID=161000&amp;tstart=0</a:t>
+            </a:r>
+          </a:p>
+        </p:txBody>
+      </p:sp>
+    </p:spTree>
+    <p:extLst>
+      <p:ext uri="{BB962C8B-B14F-4D97-AF65-F5344CB8AC3E}">
+        <p14:creationId xmlns:p14="http://schemas.microsoft.com/office/powerpoint/2010/main" val="946032297"/>
+      </p:ext>
+    </p:extLst>
+  </p:cSld>
+  <p:clrMapOvr>
+    <a:masterClrMapping/>
+  </p:clrMapOvr>
+</p:sld>
+</file>
+
+<file path=ppt/slides/slide16.xml><?xml version="1.0" encoding="utf-8"?>
 <p:sld xmlns:a="http://schemas.openxmlformats.org/drawingml/2006/main" xmlns:r="http://schemas.openxmlformats.org/officeDocument/2006/relationships" xmlns:p="http://schemas.openxmlformats.org/presentationml/2006/main">
   <p:cSld>
     <p:spTree>
@@ -4894,9 +5237,22 @@
           <a:p>
             <a:r>
               <a:rPr lang="en-US" dirty="0" smtClean="0"/>
-              <a:t>Central Maven’s repository issue</a:t>
-            </a:r>
-            <a:endParaRPr lang="pl-PL" dirty="0"/>
+              <a:t>Central Maven’s repository </a:t>
+            </a:r>
+            <a:r>
+              <a:rPr lang="en-US" dirty="0" smtClean="0"/>
+              <a:t>issue</a:t>
+            </a:r>
+          </a:p>
+          <a:p>
+            <a:pPr marL="0" indent="0">
+              <a:buNone/>
+            </a:pPr>
+            <a:r>
+              <a:rPr lang="pl-PL" sz="1600" dirty="0"/>
+              <a:t>https://forums.aws.amazon.com/thread.jspa?threadID=160097&amp;tstart=0</a:t>
+            </a:r>
+            <a:endParaRPr lang="pl-PL" sz="1600" dirty="0"/>
           </a:p>
         </p:txBody>
       </p:sp>
@@ -4961,6 +5317,60 @@
           </a:extLst>
         </p:spPr>
       </p:pic>
+      <p:pic>
+        <p:nvPicPr>
+          <p:cNvPr id="2050" name="Picture 2"/>
+          <p:cNvPicPr>
+            <a:picLocks noChangeAspect="1" noChangeArrowheads="1"/>
+          </p:cNvPicPr>
+          <p:nvPr/>
+        </p:nvPicPr>
+        <p:blipFill>
+          <a:blip r:embed="rId3">
+            <a:extLst>
+              <a:ext uri="{28A0092B-C50C-407E-A947-70E740481C1C}">
+                <a14:useLocalDpi xmlns:a14="http://schemas.microsoft.com/office/drawing/2010/main" val="0"/>
+              </a:ext>
+            </a:extLst>
+          </a:blip>
+          <a:srcRect/>
+          <a:stretch>
+            <a:fillRect/>
+          </a:stretch>
+        </p:blipFill>
+        <p:spPr bwMode="auto">
+          <a:xfrm>
+            <a:off x="1115616" y="2615034"/>
+            <a:ext cx="6768752" cy="3478262"/>
+          </a:xfrm>
+          <a:prstGeom prst="rect">
+            <a:avLst/>
+          </a:prstGeom>
+          <a:noFill/>
+          <a:ln>
+            <a:noFill/>
+          </a:ln>
+          <a:extLst>
+            <a:ext uri="{909E8E84-426E-40DD-AFC4-6F175D3DCCD1}">
+              <a14:hiddenFill xmlns:a14="http://schemas.microsoft.com/office/drawing/2010/main">
+                <a:solidFill>
+                  <a:schemeClr val="accent1"/>
+                </a:solidFill>
+              </a14:hiddenFill>
+            </a:ext>
+            <a:ext uri="{91240B29-F687-4F45-9708-019B960494DF}">
+              <a14:hiddenLine xmlns:a14="http://schemas.microsoft.com/office/drawing/2010/main" w="9525">
+                <a:solidFill>
+                  <a:schemeClr val="tx1"/>
+                </a:solidFill>
+                <a:miter lim="800000"/>
+                <a:headEnd/>
+                <a:tailEnd/>
+              </a14:hiddenLine>
+            </a:ext>
+          </a:extLst>
+        </p:spPr>
+      </p:pic>
     </p:spTree>
     <p:extLst>
       <p:ext uri="{BB962C8B-B14F-4D97-AF65-F5344CB8AC3E}">
@@ -4981,7 +5391,7 @@
 </p:sld>
 </file>
 
-<file path=ppt/slides/slide15.xml><?xml version="1.0" encoding="utf-8"?>
+<file path=ppt/slides/slide17.xml><?xml version="1.0" encoding="utf-8"?>
 <p:sld xmlns:a="http://schemas.openxmlformats.org/drawingml/2006/main" xmlns:r="http://schemas.openxmlformats.org/officeDocument/2006/relationships" xmlns:p="http://schemas.openxmlformats.org/presentationml/2006/main">
   <p:cSld>
     <p:spTree>
@@ -5165,7 +5575,7 @@
 </p:sld>
 </file>
 
-<file path=ppt/slides/slide16.xml><?xml version="1.0" encoding="utf-8"?>
+<file path=ppt/slides/slide18.xml><?xml version="1.0" encoding="utf-8"?>
 <p:sld xmlns:a="http://schemas.openxmlformats.org/drawingml/2006/main" xmlns:r="http://schemas.openxmlformats.org/officeDocument/2006/relationships" xmlns:p="http://schemas.openxmlformats.org/presentationml/2006/main">
   <p:cSld>
     <p:spTree>
@@ -5342,7 +5752,7 @@
 </p:sld>
 </file>
 
-<file path=ppt/slides/slide17.xml><?xml version="1.0" encoding="utf-8"?>
+<file path=ppt/slides/slide19.xml><?xml version="1.0" encoding="utf-8"?>
 <p:sld xmlns:a="http://schemas.openxmlformats.org/drawingml/2006/main" xmlns:r="http://schemas.openxmlformats.org/officeDocument/2006/relationships" xmlns:p="http://schemas.openxmlformats.org/presentationml/2006/main">
   <p:cSld>
     <p:spTree>
@@ -5523,368 +5933,6 @@
 </p:sld>
 </file>
 
-<file path=ppt/slides/slide18.xml><?xml version="1.0" encoding="utf-8"?>
-<p:sld xmlns:a="http://schemas.openxmlformats.org/drawingml/2006/main" xmlns:r="http://schemas.openxmlformats.org/officeDocument/2006/relationships" xmlns:p="http://schemas.openxmlformats.org/presentationml/2006/main">
-  <p:cSld>
-    <p:spTree>
-      <p:nvGrpSpPr>
-        <p:cNvPr id="1" name=""/>
-        <p:cNvGrpSpPr/>
-        <p:nvPr/>
-      </p:nvGrpSpPr>
-      <p:grpSpPr>
-        <a:xfrm>
-          <a:off x="0" y="0"/>
-          <a:ext cx="0" cy="0"/>
-          <a:chOff x="0" y="0"/>
-          <a:chExt cx="0" cy="0"/>
-        </a:xfrm>
-      </p:grpSpPr>
-      <p:sp>
-        <p:nvSpPr>
-          <p:cNvPr id="2" name="Title 1"/>
-          <p:cNvSpPr>
-            <a:spLocks noGrp="1"/>
-          </p:cNvSpPr>
-          <p:nvPr>
-            <p:ph type="title"/>
-          </p:nvPr>
-        </p:nvSpPr>
-        <p:spPr/>
-        <p:txBody>
-          <a:bodyPr>
-            <a:normAutofit/>
-          </a:bodyPr>
-          <a:lstStyle/>
-          <a:p>
-            <a:r>
-              <a:rPr lang="en-US" sz="3600" dirty="0"/>
-              <a:t>Exercise 1. </a:t>
-            </a:r>
-            <a:r>
-              <a:rPr lang="en-US" sz="3600" dirty="0" smtClean="0"/>
-              <a:t>Step 3</a:t>
-            </a:r>
-            <a:endParaRPr lang="pl-PL" sz="3600" dirty="0"/>
-          </a:p>
-        </p:txBody>
-      </p:sp>
-      <p:pic>
-        <p:nvPicPr>
-          <p:cNvPr id="2050" name="Picture 2"/>
-          <p:cNvPicPr>
-            <a:picLocks noChangeAspect="1" noChangeArrowheads="1"/>
-          </p:cNvPicPr>
-          <p:nvPr/>
-        </p:nvPicPr>
-        <p:blipFill>
-          <a:blip r:embed="rId2">
-            <a:extLst>
-              <a:ext uri="{28A0092B-C50C-407E-A947-70E740481C1C}">
-                <a14:useLocalDpi xmlns:a14="http://schemas.microsoft.com/office/drawing/2010/main" val="0"/>
-              </a:ext>
-            </a:extLst>
-          </a:blip>
-          <a:srcRect/>
-          <a:stretch>
-            <a:fillRect/>
-          </a:stretch>
-        </p:blipFill>
-        <p:spPr bwMode="auto">
-          <a:xfrm>
-            <a:off x="600075" y="1700808"/>
-            <a:ext cx="7943850" cy="4714875"/>
-          </a:xfrm>
-          <a:prstGeom prst="rect">
-            <a:avLst/>
-          </a:prstGeom>
-          <a:noFill/>
-          <a:ln>
-            <a:noFill/>
-          </a:ln>
-          <a:extLst>
-            <a:ext uri="{909E8E84-426E-40DD-AFC4-6F175D3DCCD1}">
-              <a14:hiddenFill xmlns:a14="http://schemas.microsoft.com/office/drawing/2010/main">
-                <a:solidFill>
-                  <a:schemeClr val="accent1"/>
-                </a:solidFill>
-              </a14:hiddenFill>
-            </a:ext>
-            <a:ext uri="{91240B29-F687-4F45-9708-019B960494DF}">
-              <a14:hiddenLine xmlns:a14="http://schemas.microsoft.com/office/drawing/2010/main" w="9525">
-                <a:solidFill>
-                  <a:schemeClr val="tx1"/>
-                </a:solidFill>
-                <a:miter lim="800000"/>
-                <a:headEnd/>
-                <a:tailEnd/>
-              </a14:hiddenLine>
-            </a:ext>
-          </a:extLst>
-        </p:spPr>
-      </p:pic>
-      <p:pic>
-        <p:nvPicPr>
-          <p:cNvPr id="4" name="Picture 2"/>
-          <p:cNvPicPr>
-            <a:picLocks noChangeAspect="1" noChangeArrowheads="1"/>
-          </p:cNvPicPr>
-          <p:nvPr/>
-        </p:nvPicPr>
-        <p:blipFill>
-          <a:blip r:embed="rId3">
-            <a:extLst>
-              <a:ext uri="{28A0092B-C50C-407E-A947-70E740481C1C}">
-                <a14:useLocalDpi xmlns:a14="http://schemas.microsoft.com/office/drawing/2010/main" val="0"/>
-              </a:ext>
-            </a:extLst>
-          </a:blip>
-          <a:srcRect/>
-          <a:stretch>
-            <a:fillRect/>
-          </a:stretch>
-        </p:blipFill>
-        <p:spPr bwMode="auto">
-          <a:xfrm>
-            <a:off x="89173" y="6263811"/>
-            <a:ext cx="2114209" cy="549565"/>
-          </a:xfrm>
-          <a:prstGeom prst="rect">
-            <a:avLst/>
-          </a:prstGeom>
-          <a:noFill/>
-          <a:ln>
-            <a:noFill/>
-          </a:ln>
-          <a:effectLst>
-            <a:outerShdw blurRad="50800" dist="50800" dir="5400000" algn="ctr" rotWithShape="0">
-              <a:srgbClr val="000000">
-                <a:alpha val="3000"/>
-              </a:srgbClr>
-            </a:outerShdw>
-          </a:effectLst>
-          <a:extLst>
-            <a:ext uri="{909E8E84-426E-40DD-AFC4-6F175D3DCCD1}">
-              <a14:hiddenFill xmlns:a14="http://schemas.microsoft.com/office/drawing/2010/main">
-                <a:solidFill>
-                  <a:schemeClr val="accent1"/>
-                </a:solidFill>
-              </a14:hiddenFill>
-            </a:ext>
-            <a:ext uri="{91240B29-F687-4F45-9708-019B960494DF}">
-              <a14:hiddenLine xmlns:a14="http://schemas.microsoft.com/office/drawing/2010/main" w="9525">
-                <a:solidFill>
-                  <a:schemeClr val="tx1"/>
-                </a:solidFill>
-                <a:miter lim="800000"/>
-                <a:headEnd/>
-                <a:tailEnd/>
-              </a14:hiddenLine>
-            </a:ext>
-          </a:extLst>
-        </p:spPr>
-      </p:pic>
-    </p:spTree>
-    <p:extLst>
-      <p:ext uri="{BB962C8B-B14F-4D97-AF65-F5344CB8AC3E}">
-        <p14:creationId xmlns:p14="http://schemas.microsoft.com/office/powerpoint/2010/main" val="536178963"/>
-      </p:ext>
-    </p:extLst>
-  </p:cSld>
-  <p:clrMapOvr>
-    <a:masterClrMapping/>
-  </p:clrMapOvr>
-  <p:timing>
-    <p:tnLst>
-      <p:par>
-        <p:cTn id="1" dur="indefinite" restart="never" nodeType="tmRoot"/>
-      </p:par>
-    </p:tnLst>
-  </p:timing>
-</p:sld>
-</file>
-
-<file path=ppt/slides/slide19.xml><?xml version="1.0" encoding="utf-8"?>
-<p:sld xmlns:a="http://schemas.openxmlformats.org/drawingml/2006/main" xmlns:r="http://schemas.openxmlformats.org/officeDocument/2006/relationships" xmlns:p="http://schemas.openxmlformats.org/presentationml/2006/main">
-  <p:cSld>
-    <p:spTree>
-      <p:nvGrpSpPr>
-        <p:cNvPr id="1" name=""/>
-        <p:cNvGrpSpPr/>
-        <p:nvPr/>
-      </p:nvGrpSpPr>
-      <p:grpSpPr>
-        <a:xfrm>
-          <a:off x="0" y="0"/>
-          <a:ext cx="0" cy="0"/>
-          <a:chOff x="0" y="0"/>
-          <a:chExt cx="0" cy="0"/>
-        </a:xfrm>
-      </p:grpSpPr>
-      <p:sp>
-        <p:nvSpPr>
-          <p:cNvPr id="2" name="Title 1"/>
-          <p:cNvSpPr>
-            <a:spLocks noGrp="1"/>
-          </p:cNvSpPr>
-          <p:nvPr>
-            <p:ph type="title"/>
-          </p:nvPr>
-        </p:nvSpPr>
-        <p:spPr/>
-        <p:txBody>
-          <a:bodyPr>
-            <a:normAutofit/>
-          </a:bodyPr>
-          <a:lstStyle/>
-          <a:p>
-            <a:r>
-              <a:rPr lang="en-US" sz="3600" dirty="0"/>
-              <a:t>Exercise 1. </a:t>
-            </a:r>
-            <a:r>
-              <a:rPr lang="en-US" sz="3600" dirty="0" smtClean="0"/>
-              <a:t>Step 5</a:t>
-            </a:r>
-            <a:endParaRPr lang="pl-PL" sz="3600" dirty="0"/>
-          </a:p>
-        </p:txBody>
-      </p:sp>
-      <p:pic>
-        <p:nvPicPr>
-          <p:cNvPr id="3075" name="Picture 3"/>
-          <p:cNvPicPr>
-            <a:picLocks noChangeAspect="1" noChangeArrowheads="1"/>
-          </p:cNvPicPr>
-          <p:nvPr/>
-        </p:nvPicPr>
-        <p:blipFill>
-          <a:blip r:embed="rId2">
-            <a:extLst>
-              <a:ext uri="{28A0092B-C50C-407E-A947-70E740481C1C}">
-                <a14:useLocalDpi xmlns:a14="http://schemas.microsoft.com/office/drawing/2010/main" val="0"/>
-              </a:ext>
-            </a:extLst>
-          </a:blip>
-          <a:srcRect/>
-          <a:stretch>
-            <a:fillRect/>
-          </a:stretch>
-        </p:blipFill>
-        <p:spPr bwMode="auto">
-          <a:xfrm>
-            <a:off x="632023" y="1613495"/>
-            <a:ext cx="7972425" cy="4695825"/>
-          </a:xfrm>
-          <a:prstGeom prst="rect">
-            <a:avLst/>
-          </a:prstGeom>
-          <a:noFill/>
-          <a:ln>
-            <a:noFill/>
-          </a:ln>
-          <a:extLst>
-            <a:ext uri="{909E8E84-426E-40DD-AFC4-6F175D3DCCD1}">
-              <a14:hiddenFill xmlns:a14="http://schemas.microsoft.com/office/drawing/2010/main">
-                <a:solidFill>
-                  <a:schemeClr val="accent1"/>
-                </a:solidFill>
-              </a14:hiddenFill>
-            </a:ext>
-            <a:ext uri="{91240B29-F687-4F45-9708-019B960494DF}">
-              <a14:hiddenLine xmlns:a14="http://schemas.microsoft.com/office/drawing/2010/main" w="9525">
-                <a:solidFill>
-                  <a:schemeClr val="tx1"/>
-                </a:solidFill>
-                <a:miter lim="800000"/>
-                <a:headEnd/>
-                <a:tailEnd/>
-              </a14:hiddenLine>
-            </a:ext>
-          </a:extLst>
-        </p:spPr>
-      </p:pic>
-      <p:pic>
-        <p:nvPicPr>
-          <p:cNvPr id="4" name="Picture 2"/>
-          <p:cNvPicPr>
-            <a:picLocks noChangeAspect="1" noChangeArrowheads="1"/>
-          </p:cNvPicPr>
-          <p:nvPr/>
-        </p:nvPicPr>
-        <p:blipFill>
-          <a:blip r:embed="rId3">
-            <a:extLst>
-              <a:ext uri="{28A0092B-C50C-407E-A947-70E740481C1C}">
-                <a14:useLocalDpi xmlns:a14="http://schemas.microsoft.com/office/drawing/2010/main" val="0"/>
-              </a:ext>
-            </a:extLst>
-          </a:blip>
-          <a:srcRect/>
-          <a:stretch>
-            <a:fillRect/>
-          </a:stretch>
-        </p:blipFill>
-        <p:spPr bwMode="auto">
-          <a:xfrm>
-            <a:off x="89173" y="6263811"/>
-            <a:ext cx="2114209" cy="549565"/>
-          </a:xfrm>
-          <a:prstGeom prst="rect">
-            <a:avLst/>
-          </a:prstGeom>
-          <a:noFill/>
-          <a:ln>
-            <a:noFill/>
-          </a:ln>
-          <a:effectLst>
-            <a:outerShdw blurRad="50800" dist="50800" dir="5400000" algn="ctr" rotWithShape="0">
-              <a:srgbClr val="000000">
-                <a:alpha val="3000"/>
-              </a:srgbClr>
-            </a:outerShdw>
-          </a:effectLst>
-          <a:extLst>
-            <a:ext uri="{909E8E84-426E-40DD-AFC4-6F175D3DCCD1}">
-              <a14:hiddenFill xmlns:a14="http://schemas.microsoft.com/office/drawing/2010/main">
-                <a:solidFill>
-                  <a:schemeClr val="accent1"/>
-                </a:solidFill>
-              </a14:hiddenFill>
-            </a:ext>
-            <a:ext uri="{91240B29-F687-4F45-9708-019B960494DF}">
-              <a14:hiddenLine xmlns:a14="http://schemas.microsoft.com/office/drawing/2010/main" w="9525">
-                <a:solidFill>
-                  <a:schemeClr val="tx1"/>
-                </a:solidFill>
-                <a:miter lim="800000"/>
-                <a:headEnd/>
-                <a:tailEnd/>
-              </a14:hiddenLine>
-            </a:ext>
-          </a:extLst>
-        </p:spPr>
-      </p:pic>
-    </p:spTree>
-    <p:extLst>
-      <p:ext uri="{BB962C8B-B14F-4D97-AF65-F5344CB8AC3E}">
-        <p14:creationId xmlns:p14="http://schemas.microsoft.com/office/powerpoint/2010/main" val="1998524337"/>
-      </p:ext>
-    </p:extLst>
-  </p:cSld>
-  <p:clrMapOvr>
-    <a:masterClrMapping/>
-  </p:clrMapOvr>
-  <p:timing>
-    <p:tnLst>
-      <p:par>
-        <p:cTn id="1" dur="indefinite" restart="never" nodeType="tmRoot"/>
-      </p:par>
-    </p:tnLst>
-  </p:timing>
-</p:sld>
-</file>
-
 <file path=ppt/slides/slide2.xml><?xml version="1.0" encoding="utf-8"?>
 <p:sld xmlns:a="http://schemas.openxmlformats.org/drawingml/2006/main" xmlns:r="http://schemas.openxmlformats.org/officeDocument/2006/relationships" xmlns:p="http://schemas.openxmlformats.org/presentationml/2006/main">
   <p:cSld>
@@ -6005,7 +6053,7 @@
           </a:p>
           <a:p>
             <a:r>
-              <a:rPr lang="en-US" sz="2800" b="1" dirty="0"/>
+              <a:rPr lang="en-US" sz="2800" b="1" dirty="0" smtClean="0"/>
               <a:t>Exercise </a:t>
             </a:r>
             <a:r>
@@ -6149,7 +6197,7 @@
             </a:r>
             <a:r>
               <a:rPr lang="en-US" sz="3600" dirty="0" smtClean="0"/>
-              <a:t>Step 6</a:t>
+              <a:t>Step 3</a:t>
             </a:r>
             <a:endParaRPr lang="pl-PL" sz="3600" dirty="0"/>
           </a:p>
@@ -6157,7 +6205,7 @@
       </p:sp>
       <p:pic>
         <p:nvPicPr>
-          <p:cNvPr id="4098" name="Picture 2"/>
+          <p:cNvPr id="2050" name="Picture 2"/>
           <p:cNvPicPr>
             <a:picLocks noChangeAspect="1" noChangeArrowheads="1"/>
           </p:cNvPicPr>
@@ -6178,8 +6226,8 @@
         </p:blipFill>
         <p:spPr bwMode="auto">
           <a:xfrm>
-            <a:off x="623887" y="1584920"/>
-            <a:ext cx="7896225" cy="4724400"/>
+            <a:off x="600075" y="1700808"/>
+            <a:ext cx="7943850" cy="4714875"/>
           </a:xfrm>
           <a:prstGeom prst="rect">
             <a:avLst/>
@@ -6273,6 +6321,368 @@
     </p:spTree>
     <p:extLst>
       <p:ext uri="{BB962C8B-B14F-4D97-AF65-F5344CB8AC3E}">
+        <p14:creationId xmlns:p14="http://schemas.microsoft.com/office/powerpoint/2010/main" val="536178963"/>
+      </p:ext>
+    </p:extLst>
+  </p:cSld>
+  <p:clrMapOvr>
+    <a:masterClrMapping/>
+  </p:clrMapOvr>
+  <p:timing>
+    <p:tnLst>
+      <p:par>
+        <p:cTn id="1" dur="indefinite" restart="never" nodeType="tmRoot"/>
+      </p:par>
+    </p:tnLst>
+  </p:timing>
+</p:sld>
+</file>
+
+<file path=ppt/slides/slide21.xml><?xml version="1.0" encoding="utf-8"?>
+<p:sld xmlns:a="http://schemas.openxmlformats.org/drawingml/2006/main" xmlns:r="http://schemas.openxmlformats.org/officeDocument/2006/relationships" xmlns:p="http://schemas.openxmlformats.org/presentationml/2006/main">
+  <p:cSld>
+    <p:spTree>
+      <p:nvGrpSpPr>
+        <p:cNvPr id="1" name=""/>
+        <p:cNvGrpSpPr/>
+        <p:nvPr/>
+      </p:nvGrpSpPr>
+      <p:grpSpPr>
+        <a:xfrm>
+          <a:off x="0" y="0"/>
+          <a:ext cx="0" cy="0"/>
+          <a:chOff x="0" y="0"/>
+          <a:chExt cx="0" cy="0"/>
+        </a:xfrm>
+      </p:grpSpPr>
+      <p:sp>
+        <p:nvSpPr>
+          <p:cNvPr id="2" name="Title 1"/>
+          <p:cNvSpPr>
+            <a:spLocks noGrp="1"/>
+          </p:cNvSpPr>
+          <p:nvPr>
+            <p:ph type="title"/>
+          </p:nvPr>
+        </p:nvSpPr>
+        <p:spPr/>
+        <p:txBody>
+          <a:bodyPr>
+            <a:normAutofit/>
+          </a:bodyPr>
+          <a:lstStyle/>
+          <a:p>
+            <a:r>
+              <a:rPr lang="en-US" sz="3600" dirty="0"/>
+              <a:t>Exercise 1. </a:t>
+            </a:r>
+            <a:r>
+              <a:rPr lang="en-US" sz="3600" dirty="0" smtClean="0"/>
+              <a:t>Step 5</a:t>
+            </a:r>
+            <a:endParaRPr lang="pl-PL" sz="3600" dirty="0"/>
+          </a:p>
+        </p:txBody>
+      </p:sp>
+      <p:pic>
+        <p:nvPicPr>
+          <p:cNvPr id="3075" name="Picture 3"/>
+          <p:cNvPicPr>
+            <a:picLocks noChangeAspect="1" noChangeArrowheads="1"/>
+          </p:cNvPicPr>
+          <p:nvPr/>
+        </p:nvPicPr>
+        <p:blipFill>
+          <a:blip r:embed="rId2">
+            <a:extLst>
+              <a:ext uri="{28A0092B-C50C-407E-A947-70E740481C1C}">
+                <a14:useLocalDpi xmlns:a14="http://schemas.microsoft.com/office/drawing/2010/main" val="0"/>
+              </a:ext>
+            </a:extLst>
+          </a:blip>
+          <a:srcRect/>
+          <a:stretch>
+            <a:fillRect/>
+          </a:stretch>
+        </p:blipFill>
+        <p:spPr bwMode="auto">
+          <a:xfrm>
+            <a:off x="632023" y="1613495"/>
+            <a:ext cx="7972425" cy="4695825"/>
+          </a:xfrm>
+          <a:prstGeom prst="rect">
+            <a:avLst/>
+          </a:prstGeom>
+          <a:noFill/>
+          <a:ln>
+            <a:noFill/>
+          </a:ln>
+          <a:extLst>
+            <a:ext uri="{909E8E84-426E-40DD-AFC4-6F175D3DCCD1}">
+              <a14:hiddenFill xmlns:a14="http://schemas.microsoft.com/office/drawing/2010/main">
+                <a:solidFill>
+                  <a:schemeClr val="accent1"/>
+                </a:solidFill>
+              </a14:hiddenFill>
+            </a:ext>
+            <a:ext uri="{91240B29-F687-4F45-9708-019B960494DF}">
+              <a14:hiddenLine xmlns:a14="http://schemas.microsoft.com/office/drawing/2010/main" w="9525">
+                <a:solidFill>
+                  <a:schemeClr val="tx1"/>
+                </a:solidFill>
+                <a:miter lim="800000"/>
+                <a:headEnd/>
+                <a:tailEnd/>
+              </a14:hiddenLine>
+            </a:ext>
+          </a:extLst>
+        </p:spPr>
+      </p:pic>
+      <p:pic>
+        <p:nvPicPr>
+          <p:cNvPr id="4" name="Picture 2"/>
+          <p:cNvPicPr>
+            <a:picLocks noChangeAspect="1" noChangeArrowheads="1"/>
+          </p:cNvPicPr>
+          <p:nvPr/>
+        </p:nvPicPr>
+        <p:blipFill>
+          <a:blip r:embed="rId3">
+            <a:extLst>
+              <a:ext uri="{28A0092B-C50C-407E-A947-70E740481C1C}">
+                <a14:useLocalDpi xmlns:a14="http://schemas.microsoft.com/office/drawing/2010/main" val="0"/>
+              </a:ext>
+            </a:extLst>
+          </a:blip>
+          <a:srcRect/>
+          <a:stretch>
+            <a:fillRect/>
+          </a:stretch>
+        </p:blipFill>
+        <p:spPr bwMode="auto">
+          <a:xfrm>
+            <a:off x="89173" y="6263811"/>
+            <a:ext cx="2114209" cy="549565"/>
+          </a:xfrm>
+          <a:prstGeom prst="rect">
+            <a:avLst/>
+          </a:prstGeom>
+          <a:noFill/>
+          <a:ln>
+            <a:noFill/>
+          </a:ln>
+          <a:effectLst>
+            <a:outerShdw blurRad="50800" dist="50800" dir="5400000" algn="ctr" rotWithShape="0">
+              <a:srgbClr val="000000">
+                <a:alpha val="3000"/>
+              </a:srgbClr>
+            </a:outerShdw>
+          </a:effectLst>
+          <a:extLst>
+            <a:ext uri="{909E8E84-426E-40DD-AFC4-6F175D3DCCD1}">
+              <a14:hiddenFill xmlns:a14="http://schemas.microsoft.com/office/drawing/2010/main">
+                <a:solidFill>
+                  <a:schemeClr val="accent1"/>
+                </a:solidFill>
+              </a14:hiddenFill>
+            </a:ext>
+            <a:ext uri="{91240B29-F687-4F45-9708-019B960494DF}">
+              <a14:hiddenLine xmlns:a14="http://schemas.microsoft.com/office/drawing/2010/main" w="9525">
+                <a:solidFill>
+                  <a:schemeClr val="tx1"/>
+                </a:solidFill>
+                <a:miter lim="800000"/>
+                <a:headEnd/>
+                <a:tailEnd/>
+              </a14:hiddenLine>
+            </a:ext>
+          </a:extLst>
+        </p:spPr>
+      </p:pic>
+    </p:spTree>
+    <p:extLst>
+      <p:ext uri="{BB962C8B-B14F-4D97-AF65-F5344CB8AC3E}">
+        <p14:creationId xmlns:p14="http://schemas.microsoft.com/office/powerpoint/2010/main" val="1998524337"/>
+      </p:ext>
+    </p:extLst>
+  </p:cSld>
+  <p:clrMapOvr>
+    <a:masterClrMapping/>
+  </p:clrMapOvr>
+  <p:timing>
+    <p:tnLst>
+      <p:par>
+        <p:cTn id="1" dur="indefinite" restart="never" nodeType="tmRoot"/>
+      </p:par>
+    </p:tnLst>
+  </p:timing>
+</p:sld>
+</file>
+
+<file path=ppt/slides/slide22.xml><?xml version="1.0" encoding="utf-8"?>
+<p:sld xmlns:a="http://schemas.openxmlformats.org/drawingml/2006/main" xmlns:r="http://schemas.openxmlformats.org/officeDocument/2006/relationships" xmlns:p="http://schemas.openxmlformats.org/presentationml/2006/main">
+  <p:cSld>
+    <p:spTree>
+      <p:nvGrpSpPr>
+        <p:cNvPr id="1" name=""/>
+        <p:cNvGrpSpPr/>
+        <p:nvPr/>
+      </p:nvGrpSpPr>
+      <p:grpSpPr>
+        <a:xfrm>
+          <a:off x="0" y="0"/>
+          <a:ext cx="0" cy="0"/>
+          <a:chOff x="0" y="0"/>
+          <a:chExt cx="0" cy="0"/>
+        </a:xfrm>
+      </p:grpSpPr>
+      <p:sp>
+        <p:nvSpPr>
+          <p:cNvPr id="2" name="Title 1"/>
+          <p:cNvSpPr>
+            <a:spLocks noGrp="1"/>
+          </p:cNvSpPr>
+          <p:nvPr>
+            <p:ph type="title"/>
+          </p:nvPr>
+        </p:nvSpPr>
+        <p:spPr/>
+        <p:txBody>
+          <a:bodyPr>
+            <a:normAutofit/>
+          </a:bodyPr>
+          <a:lstStyle/>
+          <a:p>
+            <a:r>
+              <a:rPr lang="en-US" sz="3600" dirty="0"/>
+              <a:t>Exercise 1. </a:t>
+            </a:r>
+            <a:r>
+              <a:rPr lang="en-US" sz="3600" dirty="0" smtClean="0"/>
+              <a:t>Step 6</a:t>
+            </a:r>
+            <a:endParaRPr lang="pl-PL" sz="3600" dirty="0"/>
+          </a:p>
+        </p:txBody>
+      </p:sp>
+      <p:pic>
+        <p:nvPicPr>
+          <p:cNvPr id="4098" name="Picture 2"/>
+          <p:cNvPicPr>
+            <a:picLocks noChangeAspect="1" noChangeArrowheads="1"/>
+          </p:cNvPicPr>
+          <p:nvPr/>
+        </p:nvPicPr>
+        <p:blipFill>
+          <a:blip r:embed="rId2">
+            <a:extLst>
+              <a:ext uri="{28A0092B-C50C-407E-A947-70E740481C1C}">
+                <a14:useLocalDpi xmlns:a14="http://schemas.microsoft.com/office/drawing/2010/main" val="0"/>
+              </a:ext>
+            </a:extLst>
+          </a:blip>
+          <a:srcRect/>
+          <a:stretch>
+            <a:fillRect/>
+          </a:stretch>
+        </p:blipFill>
+        <p:spPr bwMode="auto">
+          <a:xfrm>
+            <a:off x="623887" y="1584920"/>
+            <a:ext cx="7896225" cy="4724400"/>
+          </a:xfrm>
+          <a:prstGeom prst="rect">
+            <a:avLst/>
+          </a:prstGeom>
+          <a:noFill/>
+          <a:ln>
+            <a:noFill/>
+          </a:ln>
+          <a:extLst>
+            <a:ext uri="{909E8E84-426E-40DD-AFC4-6F175D3DCCD1}">
+              <a14:hiddenFill xmlns:a14="http://schemas.microsoft.com/office/drawing/2010/main">
+                <a:solidFill>
+                  <a:schemeClr val="accent1"/>
+                </a:solidFill>
+              </a14:hiddenFill>
+            </a:ext>
+            <a:ext uri="{91240B29-F687-4F45-9708-019B960494DF}">
+              <a14:hiddenLine xmlns:a14="http://schemas.microsoft.com/office/drawing/2010/main" w="9525">
+                <a:solidFill>
+                  <a:schemeClr val="tx1"/>
+                </a:solidFill>
+                <a:miter lim="800000"/>
+                <a:headEnd/>
+                <a:tailEnd/>
+              </a14:hiddenLine>
+            </a:ext>
+          </a:extLst>
+        </p:spPr>
+      </p:pic>
+      <p:pic>
+        <p:nvPicPr>
+          <p:cNvPr id="4" name="Picture 2"/>
+          <p:cNvPicPr>
+            <a:picLocks noChangeAspect="1" noChangeArrowheads="1"/>
+          </p:cNvPicPr>
+          <p:nvPr/>
+        </p:nvPicPr>
+        <p:blipFill>
+          <a:blip r:embed="rId3">
+            <a:extLst>
+              <a:ext uri="{28A0092B-C50C-407E-A947-70E740481C1C}">
+                <a14:useLocalDpi xmlns:a14="http://schemas.microsoft.com/office/drawing/2010/main" val="0"/>
+              </a:ext>
+            </a:extLst>
+          </a:blip>
+          <a:srcRect/>
+          <a:stretch>
+            <a:fillRect/>
+          </a:stretch>
+        </p:blipFill>
+        <p:spPr bwMode="auto">
+          <a:xfrm>
+            <a:off x="89173" y="6263811"/>
+            <a:ext cx="2114209" cy="549565"/>
+          </a:xfrm>
+          <a:prstGeom prst="rect">
+            <a:avLst/>
+          </a:prstGeom>
+          <a:noFill/>
+          <a:ln>
+            <a:noFill/>
+          </a:ln>
+          <a:effectLst>
+            <a:outerShdw blurRad="50800" dist="50800" dir="5400000" algn="ctr" rotWithShape="0">
+              <a:srgbClr val="000000">
+                <a:alpha val="3000"/>
+              </a:srgbClr>
+            </a:outerShdw>
+          </a:effectLst>
+          <a:extLst>
+            <a:ext uri="{909E8E84-426E-40DD-AFC4-6F175D3DCCD1}">
+              <a14:hiddenFill xmlns:a14="http://schemas.microsoft.com/office/drawing/2010/main">
+                <a:solidFill>
+                  <a:schemeClr val="accent1"/>
+                </a:solidFill>
+              </a14:hiddenFill>
+            </a:ext>
+            <a:ext uri="{91240B29-F687-4F45-9708-019B960494DF}">
+              <a14:hiddenLine xmlns:a14="http://schemas.microsoft.com/office/drawing/2010/main" w="9525">
+                <a:solidFill>
+                  <a:schemeClr val="tx1"/>
+                </a:solidFill>
+                <a:miter lim="800000"/>
+                <a:headEnd/>
+                <a:tailEnd/>
+              </a14:hiddenLine>
+            </a:ext>
+          </a:extLst>
+        </p:spPr>
+      </p:pic>
+    </p:spTree>
+    <p:extLst>
+      <p:ext uri="{BB962C8B-B14F-4D97-AF65-F5344CB8AC3E}">
         <p14:creationId xmlns:p14="http://schemas.microsoft.com/office/powerpoint/2010/main" val="3709511674"/>
       </p:ext>
     </p:extLst>
@@ -6290,7 +6700,7 @@
 </p:sld>
 </file>
 
-<file path=ppt/slides/slide21.xml><?xml version="1.0" encoding="utf-8"?>
+<file path=ppt/slides/slide23.xml><?xml version="1.0" encoding="utf-8"?>
 <p:sld xmlns:a="http://schemas.openxmlformats.org/drawingml/2006/main" xmlns:r="http://schemas.openxmlformats.org/officeDocument/2006/relationships" xmlns:p="http://schemas.openxmlformats.org/presentationml/2006/main">
   <p:cSld>
     <p:spTree>
@@ -6471,7 +6881,7 @@
 </p:sld>
 </file>
 
-<file path=ppt/slides/slide22.xml><?xml version="1.0" encoding="utf-8"?>
+<file path=ppt/slides/slide24.xml><?xml version="1.0" encoding="utf-8"?>
 <p:sld xmlns:a="http://schemas.openxmlformats.org/drawingml/2006/main" xmlns:r="http://schemas.openxmlformats.org/officeDocument/2006/relationships" xmlns:p="http://schemas.openxmlformats.org/presentationml/2006/main">
   <p:cSld>
     <p:spTree>
@@ -6652,7 +7062,7 @@
 </p:sld>
 </file>
 
-<file path=ppt/slides/slide23.xml><?xml version="1.0" encoding="utf-8"?>
+<file path=ppt/slides/slide25.xml><?xml version="1.0" encoding="utf-8"?>
 <p:sld xmlns:a="http://schemas.openxmlformats.org/drawingml/2006/main" xmlns:r="http://schemas.openxmlformats.org/officeDocument/2006/relationships" xmlns:p="http://schemas.openxmlformats.org/presentationml/2006/main">
   <p:cSld>
     <p:spTree>
@@ -6863,423 +7273,6 @@
     <p:extLst>
       <p:ext uri="{BB962C8B-B14F-4D97-AF65-F5344CB8AC3E}">
         <p14:creationId xmlns:p14="http://schemas.microsoft.com/office/powerpoint/2010/main" val="2867255644"/>
-      </p:ext>
-    </p:extLst>
-  </p:cSld>
-  <p:clrMapOvr>
-    <a:masterClrMapping/>
-  </p:clrMapOvr>
-  <p:timing>
-    <p:tnLst>
-      <p:par>
-        <p:cTn id="1" dur="indefinite" restart="never" nodeType="tmRoot"/>
-      </p:par>
-    </p:tnLst>
-  </p:timing>
-</p:sld>
-</file>
-
-<file path=ppt/slides/slide24.xml><?xml version="1.0" encoding="utf-8"?>
-<p:sld xmlns:a="http://schemas.openxmlformats.org/drawingml/2006/main" xmlns:r="http://schemas.openxmlformats.org/officeDocument/2006/relationships" xmlns:p="http://schemas.openxmlformats.org/presentationml/2006/main">
-  <p:cSld>
-    <p:spTree>
-      <p:nvGrpSpPr>
-        <p:cNvPr id="1" name=""/>
-        <p:cNvGrpSpPr/>
-        <p:nvPr/>
-      </p:nvGrpSpPr>
-      <p:grpSpPr>
-        <a:xfrm>
-          <a:off x="0" y="0"/>
-          <a:ext cx="0" cy="0"/>
-          <a:chOff x="0" y="0"/>
-          <a:chExt cx="0" cy="0"/>
-        </a:xfrm>
-      </p:grpSpPr>
-      <p:sp>
-        <p:nvSpPr>
-          <p:cNvPr id="2" name="Title 1"/>
-          <p:cNvSpPr>
-            <a:spLocks noGrp="1"/>
-          </p:cNvSpPr>
-          <p:nvPr>
-            <p:ph type="title"/>
-          </p:nvPr>
-        </p:nvSpPr>
-        <p:spPr/>
-        <p:txBody>
-          <a:bodyPr>
-            <a:normAutofit/>
-          </a:bodyPr>
-          <a:lstStyle/>
-          <a:p>
-            <a:r>
-              <a:rPr lang="en-US" sz="3600" dirty="0"/>
-              <a:t>Exercise 1. </a:t>
-            </a:r>
-            <a:r>
-              <a:rPr lang="en-US" sz="3600" dirty="0" smtClean="0"/>
-              <a:t>Call the service</a:t>
-            </a:r>
-            <a:endParaRPr lang="pl-PL" sz="3600" dirty="0"/>
-          </a:p>
-        </p:txBody>
-      </p:sp>
-      <p:pic>
-        <p:nvPicPr>
-          <p:cNvPr id="10243" name="Picture 3"/>
-          <p:cNvPicPr>
-            <a:picLocks noChangeAspect="1" noChangeArrowheads="1"/>
-          </p:cNvPicPr>
-          <p:nvPr/>
-        </p:nvPicPr>
-        <p:blipFill>
-          <a:blip r:embed="rId2">
-            <a:extLst>
-              <a:ext uri="{28A0092B-C50C-407E-A947-70E740481C1C}">
-                <a14:useLocalDpi xmlns:a14="http://schemas.microsoft.com/office/drawing/2010/main" val="0"/>
-              </a:ext>
-            </a:extLst>
-          </a:blip>
-          <a:srcRect/>
-          <a:stretch>
-            <a:fillRect/>
-          </a:stretch>
-        </p:blipFill>
-        <p:spPr bwMode="auto">
-          <a:xfrm>
-            <a:off x="93290" y="2132856"/>
-            <a:ext cx="8953500" cy="4505325"/>
-          </a:xfrm>
-          <a:prstGeom prst="rect">
-            <a:avLst/>
-          </a:prstGeom>
-          <a:noFill/>
-          <a:ln>
-            <a:noFill/>
-          </a:ln>
-          <a:extLst>
-            <a:ext uri="{909E8E84-426E-40DD-AFC4-6F175D3DCCD1}">
-              <a14:hiddenFill xmlns:a14="http://schemas.microsoft.com/office/drawing/2010/main">
-                <a:solidFill>
-                  <a:schemeClr val="accent1"/>
-                </a:solidFill>
-              </a14:hiddenFill>
-            </a:ext>
-            <a:ext uri="{91240B29-F687-4F45-9708-019B960494DF}">
-              <a14:hiddenLine xmlns:a14="http://schemas.microsoft.com/office/drawing/2010/main" w="9525">
-                <a:solidFill>
-                  <a:schemeClr val="tx1"/>
-                </a:solidFill>
-                <a:miter lim="800000"/>
-                <a:headEnd/>
-                <a:tailEnd/>
-              </a14:hiddenLine>
-            </a:ext>
-          </a:extLst>
-        </p:spPr>
-      </p:pic>
-      <p:pic>
-        <p:nvPicPr>
-          <p:cNvPr id="10242" name="Picture 2"/>
-          <p:cNvPicPr>
-            <a:picLocks noChangeAspect="1" noChangeArrowheads="1"/>
-          </p:cNvPicPr>
-          <p:nvPr/>
-        </p:nvPicPr>
-        <p:blipFill>
-          <a:blip r:embed="rId3">
-            <a:extLst>
-              <a:ext uri="{28A0092B-C50C-407E-A947-70E740481C1C}">
-                <a14:useLocalDpi xmlns:a14="http://schemas.microsoft.com/office/drawing/2010/main" val="0"/>
-              </a:ext>
-            </a:extLst>
-          </a:blip>
-          <a:srcRect/>
-          <a:stretch>
-            <a:fillRect/>
-          </a:stretch>
-        </p:blipFill>
-        <p:spPr bwMode="auto">
-          <a:xfrm>
-            <a:off x="5148064" y="1700808"/>
-            <a:ext cx="3781425" cy="1676400"/>
-          </a:xfrm>
-          <a:prstGeom prst="rect">
-            <a:avLst/>
-          </a:prstGeom>
-          <a:noFill/>
-          <a:ln>
-            <a:noFill/>
-          </a:ln>
-          <a:extLst>
-            <a:ext uri="{909E8E84-426E-40DD-AFC4-6F175D3DCCD1}">
-              <a14:hiddenFill xmlns:a14="http://schemas.microsoft.com/office/drawing/2010/main">
-                <a:solidFill>
-                  <a:schemeClr val="accent1"/>
-                </a:solidFill>
-              </a14:hiddenFill>
-            </a:ext>
-            <a:ext uri="{91240B29-F687-4F45-9708-019B960494DF}">
-              <a14:hiddenLine xmlns:a14="http://schemas.microsoft.com/office/drawing/2010/main" w="9525">
-                <a:solidFill>
-                  <a:schemeClr val="tx1"/>
-                </a:solidFill>
-                <a:miter lim="800000"/>
-                <a:headEnd/>
-                <a:tailEnd/>
-              </a14:hiddenLine>
-            </a:ext>
-          </a:extLst>
-        </p:spPr>
-      </p:pic>
-    </p:spTree>
-    <p:extLst>
-      <p:ext uri="{BB962C8B-B14F-4D97-AF65-F5344CB8AC3E}">
-        <p14:creationId xmlns:p14="http://schemas.microsoft.com/office/powerpoint/2010/main" val="2365543400"/>
-      </p:ext>
-    </p:extLst>
-  </p:cSld>
-  <p:clrMapOvr>
-    <a:masterClrMapping/>
-  </p:clrMapOvr>
-  <p:timing>
-    <p:tnLst>
-      <p:par>
-        <p:cTn id="1" dur="indefinite" restart="never" nodeType="tmRoot"/>
-      </p:par>
-    </p:tnLst>
-  </p:timing>
-</p:sld>
-</file>
-
-<file path=ppt/slides/slide25.xml><?xml version="1.0" encoding="utf-8"?>
-<p:sld xmlns:a="http://schemas.openxmlformats.org/drawingml/2006/main" xmlns:r="http://schemas.openxmlformats.org/officeDocument/2006/relationships" xmlns:p="http://schemas.openxmlformats.org/presentationml/2006/main">
-  <p:cSld>
-    <p:spTree>
-      <p:nvGrpSpPr>
-        <p:cNvPr id="1" name=""/>
-        <p:cNvGrpSpPr/>
-        <p:nvPr/>
-      </p:nvGrpSpPr>
-      <p:grpSpPr>
-        <a:xfrm>
-          <a:off x="0" y="0"/>
-          <a:ext cx="0" cy="0"/>
-          <a:chOff x="0" y="0"/>
-          <a:chExt cx="0" cy="0"/>
-        </a:xfrm>
-      </p:grpSpPr>
-      <p:sp>
-        <p:nvSpPr>
-          <p:cNvPr id="2" name="Title 1"/>
-          <p:cNvSpPr>
-            <a:spLocks noGrp="1"/>
-          </p:cNvSpPr>
-          <p:nvPr>
-            <p:ph type="title"/>
-          </p:nvPr>
-        </p:nvSpPr>
-        <p:spPr/>
-        <p:txBody>
-          <a:bodyPr>
-            <a:normAutofit/>
-          </a:bodyPr>
-          <a:lstStyle/>
-          <a:p>
-            <a:r>
-              <a:rPr lang="en-US" sz="3600" dirty="0" smtClean="0"/>
-              <a:t>Exercise 2. Scaling out</a:t>
-            </a:r>
-            <a:endParaRPr lang="pl-PL" sz="3600" dirty="0"/>
-          </a:p>
-        </p:txBody>
-      </p:sp>
-      <p:sp>
-        <p:nvSpPr>
-          <p:cNvPr id="3" name="Content Placeholder 2"/>
-          <p:cNvSpPr>
-            <a:spLocks noGrp="1"/>
-          </p:cNvSpPr>
-          <p:nvPr>
-            <p:ph idx="1"/>
-          </p:nvPr>
-        </p:nvSpPr>
-        <p:spPr>
-          <a:xfrm>
-            <a:off x="457200" y="1600200"/>
-            <a:ext cx="8435280" cy="4853136"/>
-          </a:xfrm>
-        </p:spPr>
-        <p:txBody>
-          <a:bodyPr>
-            <a:normAutofit fontScale="85000" lnSpcReduction="10000"/>
-          </a:bodyPr>
-          <a:lstStyle/>
-          <a:p>
-            <a:r>
-              <a:rPr lang="en-US" dirty="0" smtClean="0"/>
-              <a:t>No programming at all – declarative and out-of-the-box way</a:t>
-            </a:r>
-          </a:p>
-          <a:p>
-            <a:r>
-              <a:rPr lang="en-US" dirty="0" smtClean="0"/>
-              <a:t>Ingredients</a:t>
-            </a:r>
-          </a:p>
-          <a:p>
-            <a:pPr>
-              <a:buFontTx/>
-              <a:buChar char="-"/>
-            </a:pPr>
-            <a:r>
-              <a:rPr lang="en-US" dirty="0" smtClean="0"/>
-              <a:t>Java, JEE, Glassfish, </a:t>
-            </a:r>
-            <a:r>
-              <a:rPr lang="en-US" dirty="0" err="1" smtClean="0"/>
-              <a:t>webapp</a:t>
-            </a:r>
-            <a:r>
-              <a:rPr lang="en-US" dirty="0" smtClean="0"/>
-              <a:t> (</a:t>
-            </a:r>
-            <a:r>
-              <a:rPr lang="en-US" dirty="0" err="1" smtClean="0"/>
-              <a:t>webservice</a:t>
-            </a:r>
-            <a:r>
-              <a:rPr lang="en-US" dirty="0" smtClean="0"/>
-              <a:t>)</a:t>
-            </a:r>
-          </a:p>
-          <a:p>
-            <a:pPr>
-              <a:buFontTx/>
-              <a:buChar char="-"/>
-            </a:pPr>
-            <a:r>
-              <a:rPr lang="en-US" dirty="0" smtClean="0"/>
-              <a:t>AWS Services: EC2, ELB, ASG, </a:t>
-            </a:r>
-            <a:r>
-              <a:rPr lang="en-US" dirty="0" err="1" smtClean="0"/>
-              <a:t>CloudWatch</a:t>
-            </a:r>
-            <a:endParaRPr lang="en-US" dirty="0" smtClean="0"/>
-          </a:p>
-          <a:p>
-            <a:r>
-              <a:rPr lang="en-US" dirty="0" smtClean="0"/>
-              <a:t>Expected results</a:t>
-            </a:r>
-          </a:p>
-          <a:p>
-            <a:pPr>
-              <a:buFontTx/>
-              <a:buChar char="-"/>
-            </a:pPr>
-            <a:r>
-              <a:rPr lang="en-US" dirty="0" smtClean="0"/>
-              <a:t>Machines with app(s) are added automatically once a workload threshold </a:t>
-            </a:r>
-            <a:r>
-              <a:rPr lang="en-US" dirty="0"/>
-              <a:t>is </a:t>
-            </a:r>
-            <a:r>
-              <a:rPr lang="en-US" dirty="0" smtClean="0"/>
-              <a:t>surpassed -  </a:t>
-            </a:r>
-            <a:r>
-              <a:rPr lang="en-US" dirty="0"/>
-              <a:t>without human intervention</a:t>
-            </a:r>
-            <a:endParaRPr lang="en-US" dirty="0" smtClean="0"/>
-          </a:p>
-          <a:p>
-            <a:pPr>
-              <a:buFontTx/>
-              <a:buChar char="-"/>
-            </a:pPr>
-            <a:r>
-              <a:rPr lang="en-US" dirty="0" smtClean="0"/>
-              <a:t>Respectively, the number of server instances diminishes in </a:t>
-            </a:r>
-            <a:r>
-              <a:rPr lang="en-US" dirty="0"/>
-              <a:t>the opposite settings</a:t>
-            </a:r>
-            <a:endParaRPr lang="pl-PL" dirty="0"/>
-          </a:p>
-        </p:txBody>
-      </p:sp>
-      <p:pic>
-        <p:nvPicPr>
-          <p:cNvPr id="4" name="Picture 2"/>
-          <p:cNvPicPr>
-            <a:picLocks noChangeAspect="1" noChangeArrowheads="1"/>
-          </p:cNvPicPr>
-          <p:nvPr/>
-        </p:nvPicPr>
-        <p:blipFill>
-          <a:blip r:embed="rId2">
-            <a:extLst>
-              <a:ext uri="{28A0092B-C50C-407E-A947-70E740481C1C}">
-                <a14:useLocalDpi xmlns:a14="http://schemas.microsoft.com/office/drawing/2010/main" val="0"/>
-              </a:ext>
-            </a:extLst>
-          </a:blip>
-          <a:srcRect/>
-          <a:stretch>
-            <a:fillRect/>
-          </a:stretch>
-        </p:blipFill>
-        <p:spPr bwMode="auto">
-          <a:xfrm>
-            <a:off x="89173" y="6263811"/>
-            <a:ext cx="2114209" cy="549565"/>
-          </a:xfrm>
-          <a:prstGeom prst="rect">
-            <a:avLst/>
-          </a:prstGeom>
-          <a:noFill/>
-          <a:ln>
-            <a:noFill/>
-          </a:ln>
-          <a:effectLst>
-            <a:outerShdw blurRad="50800" dist="50800" dir="5400000" algn="ctr" rotWithShape="0">
-              <a:srgbClr val="000000">
-                <a:alpha val="3000"/>
-              </a:srgbClr>
-            </a:outerShdw>
-          </a:effectLst>
-          <a:extLst>
-            <a:ext uri="{909E8E84-426E-40DD-AFC4-6F175D3DCCD1}">
-              <a14:hiddenFill xmlns:a14="http://schemas.microsoft.com/office/drawing/2010/main">
-                <a:solidFill>
-                  <a:schemeClr val="accent1"/>
-                </a:solidFill>
-              </a14:hiddenFill>
-            </a:ext>
-            <a:ext uri="{91240B29-F687-4F45-9708-019B960494DF}">
-              <a14:hiddenLine xmlns:a14="http://schemas.microsoft.com/office/drawing/2010/main" w="9525">
-                <a:solidFill>
-                  <a:schemeClr val="tx1"/>
-                </a:solidFill>
-                <a:miter lim="800000"/>
-                <a:headEnd/>
-                <a:tailEnd/>
-              </a14:hiddenLine>
-            </a:ext>
-          </a:extLst>
-        </p:spPr>
-      </p:pic>
-    </p:spTree>
-    <p:extLst>
-      <p:ext uri="{BB962C8B-B14F-4D97-AF65-F5344CB8AC3E}">
-        <p14:creationId xmlns:p14="http://schemas.microsoft.com/office/powerpoint/2010/main" val="1652323955"/>
       </p:ext>
     </p:extLst>
   </p:cSld>
@@ -7331,8 +7324,12 @@
           <a:lstStyle/>
           <a:p>
             <a:r>
+              <a:rPr lang="en-US" sz="3600" dirty="0"/>
+              <a:t>Exercise 1. </a:t>
+            </a:r>
+            <a:r>
               <a:rPr lang="en-US" sz="3600" dirty="0" smtClean="0"/>
-              <a:t>AMI from working instance</a:t>
+              <a:t>Call the service</a:t>
             </a:r>
             <a:endParaRPr lang="pl-PL" sz="3600" dirty="0"/>
           </a:p>
@@ -7340,7 +7337,7 @@
       </p:sp>
       <p:pic>
         <p:nvPicPr>
-          <p:cNvPr id="1027" name="Picture 3"/>
+          <p:cNvPr id="10243" name="Picture 3"/>
           <p:cNvPicPr>
             <a:picLocks noChangeAspect="1" noChangeArrowheads="1"/>
           </p:cNvPicPr>
@@ -7361,8 +7358,8 @@
         </p:blipFill>
         <p:spPr bwMode="auto">
           <a:xfrm>
-            <a:off x="681655" y="1477707"/>
-            <a:ext cx="7800975" cy="4619625"/>
+            <a:off x="93290" y="2132856"/>
+            <a:ext cx="8953500" cy="4505325"/>
           </a:xfrm>
           <a:prstGeom prst="rect">
             <a:avLst/>
@@ -7394,7 +7391,7 @@
       </p:pic>
       <p:pic>
         <p:nvPicPr>
-          <p:cNvPr id="4" name="Picture 2"/>
+          <p:cNvPr id="10242" name="Picture 2"/>
           <p:cNvPicPr>
             <a:picLocks noChangeAspect="1" noChangeArrowheads="1"/>
           </p:cNvPicPr>
@@ -7415,8 +7412,8 @@
         </p:blipFill>
         <p:spPr bwMode="auto">
           <a:xfrm>
-            <a:off x="89173" y="6263811"/>
-            <a:ext cx="2114209" cy="549565"/>
+            <a:off x="5148064" y="1700808"/>
+            <a:ext cx="3781425" cy="1676400"/>
           </a:xfrm>
           <a:prstGeom prst="rect">
             <a:avLst/>
@@ -7425,13 +7422,6 @@
           <a:ln>
             <a:noFill/>
           </a:ln>
-          <a:effectLst>
-            <a:outerShdw blurRad="50800" dist="50800" dir="5400000" algn="ctr" rotWithShape="0">
-              <a:srgbClr val="000000">
-                <a:alpha val="3000"/>
-              </a:srgbClr>
-            </a:outerShdw>
-          </a:effectLst>
           <a:extLst>
             <a:ext uri="{909E8E84-426E-40DD-AFC4-6F175D3DCCD1}">
               <a14:hiddenFill xmlns:a14="http://schemas.microsoft.com/office/drawing/2010/main">
@@ -7508,12 +7498,8 @@
           <a:lstStyle/>
           <a:p>
             <a:r>
-              <a:rPr lang="en-US" sz="3600" dirty="0"/>
-              <a:t>Exercise 2</a:t>
-            </a:r>
-            <a:r>
               <a:rPr lang="en-US" sz="3600" dirty="0" smtClean="0"/>
-              <a:t>. Go ahead</a:t>
+              <a:t>Exercise 2. Scaling out</a:t>
             </a:r>
             <a:endParaRPr lang="pl-PL" sz="3600" dirty="0"/>
           </a:p>
@@ -7529,48 +7515,112 @@
             <p:ph idx="1"/>
           </p:nvPr>
         </p:nvSpPr>
-        <p:spPr/>
+        <p:spPr>
+          <a:xfrm>
+            <a:off x="457200" y="1600200"/>
+            <a:ext cx="8435280" cy="4853136"/>
+          </a:xfrm>
+        </p:spPr>
         <p:txBody>
-          <a:bodyPr/>
+          <a:bodyPr>
+            <a:normAutofit fontScale="85000" lnSpcReduction="10000"/>
+          </a:bodyPr>
           <a:lstStyle/>
           <a:p>
-            <a:pPr marL="0" indent="0">
-              <a:buNone/>
+            <a:r>
+              <a:rPr lang="en-US" dirty="0" smtClean="0"/>
+              <a:t>No programming at all – declarative and out-of-the-box approach</a:t>
+            </a:r>
+          </a:p>
+          <a:p>
+            <a:r>
+              <a:rPr lang="en-US" dirty="0" smtClean="0"/>
+              <a:t>Ingredients</a:t>
+            </a:r>
+          </a:p>
+          <a:p>
+            <a:pPr>
+              <a:buFontTx/>
+              <a:buChar char="-"/>
             </a:pPr>
+            <a:r>
+              <a:rPr lang="en-US" dirty="0" smtClean="0"/>
+              <a:t>Java, JEE, Glassfish, </a:t>
+            </a:r>
+            <a:r>
+              <a:rPr lang="en-US" dirty="0" err="1" smtClean="0"/>
+              <a:t>webapp</a:t>
+            </a:r>
+            <a:r>
+              <a:rPr lang="en-US" dirty="0" smtClean="0"/>
+              <a:t> (</a:t>
+            </a:r>
+            <a:r>
+              <a:rPr lang="en-US" dirty="0" err="1" smtClean="0"/>
+              <a:t>webservice</a:t>
+            </a:r>
+            <a:r>
+              <a:rPr lang="en-US" dirty="0" smtClean="0"/>
+              <a:t>)</a:t>
+            </a:r>
+          </a:p>
+          <a:p>
+            <a:pPr>
+              <a:buFontTx/>
+              <a:buChar char="-"/>
+            </a:pPr>
+            <a:r>
+              <a:rPr lang="en-US" dirty="0" smtClean="0"/>
+              <a:t>AWS Services: EC2, ELB, ASG, </a:t>
+            </a:r>
+            <a:r>
+              <a:rPr lang="en-US" dirty="0" err="1" smtClean="0"/>
+              <a:t>CloudWatch</a:t>
+            </a:r>
             <a:endParaRPr lang="en-US" dirty="0" smtClean="0"/>
           </a:p>
           <a:p>
-            <a:pPr marL="0" indent="0">
-              <a:buNone/>
+            <a:r>
+              <a:rPr lang="en-US" dirty="0" smtClean="0"/>
+              <a:t>Expected results:</a:t>
+            </a:r>
+          </a:p>
+          <a:p>
+            <a:pPr>
+              <a:buFontTx/>
+              <a:buChar char="-"/>
             </a:pPr>
-            <a:endParaRPr lang="en-US" dirty="0"/>
-          </a:p>
-          <a:p>
-            <a:pPr marL="0" indent="0">
-              <a:buNone/>
+            <a:r>
+              <a:rPr lang="en-US" dirty="0" smtClean="0"/>
+              <a:t>Machines with app(s) are added automatically once a workload threshold </a:t>
+            </a:r>
+            <a:r>
+              <a:rPr lang="en-US" dirty="0"/>
+              <a:t>is </a:t>
+            </a:r>
+            <a:r>
+              <a:rPr lang="en-US" dirty="0" smtClean="0"/>
+              <a:t>surpassed -  </a:t>
+            </a:r>
+            <a:r>
+              <a:rPr lang="en-US" dirty="0"/>
+              <a:t>without human intervention</a:t>
+            </a:r>
+            <a:endParaRPr lang="en-US" dirty="0" smtClean="0"/>
+          </a:p>
+          <a:p>
+            <a:pPr>
+              <a:buFontTx/>
+              <a:buChar char="-"/>
             </a:pPr>
-            <a:endParaRPr lang="en-US" dirty="0" smtClean="0"/>
-          </a:p>
-          <a:p>
-            <a:pPr marL="0" indent="0" algn="ctr">
-              <a:buNone/>
-            </a:pPr>
             <a:r>
               <a:rPr lang="en-US" dirty="0" smtClean="0"/>
-              <a:t>Just proceed and follow me!</a:t>
-            </a:r>
-            <a:endParaRPr lang="en-US" dirty="0"/>
-          </a:p>
-          <a:p>
-            <a:pPr marL="0" indent="0">
-              <a:buNone/>
-            </a:pPr>
-            <a:endParaRPr lang="en-US" dirty="0" smtClean="0"/>
-          </a:p>
-          <a:p>
-            <a:pPr marL="0" indent="0">
-              <a:buNone/>
-            </a:pPr>
+              <a:t>Respectively, the number of server instances diminishes in </a:t>
+            </a:r>
+            <a:r>
+              <a:rPr lang="en-US" dirty="0"/>
+              <a:t>the opposite settings</a:t>
+            </a:r>
             <a:endParaRPr lang="pl-PL" dirty="0"/>
           </a:p>
         </p:txBody>
@@ -7639,7 +7689,7 @@
     </p:spTree>
     <p:extLst>
       <p:ext uri="{BB962C8B-B14F-4D97-AF65-F5344CB8AC3E}">
-        <p14:creationId xmlns:p14="http://schemas.microsoft.com/office/powerpoint/2010/main" val="3663977603"/>
+        <p14:creationId xmlns:p14="http://schemas.microsoft.com/office/powerpoint/2010/main" val="1652323955"/>
       </p:ext>
     </p:extLst>
   </p:cSld>
@@ -7692,6 +7742,526 @@
           <a:p>
             <a:r>
               <a:rPr lang="en-US" sz="3600" dirty="0" smtClean="0"/>
+              <a:t>AMI from working instance</a:t>
+            </a:r>
+            <a:endParaRPr lang="pl-PL" sz="3600" dirty="0"/>
+          </a:p>
+        </p:txBody>
+      </p:sp>
+      <p:pic>
+        <p:nvPicPr>
+          <p:cNvPr id="1027" name="Picture 3"/>
+          <p:cNvPicPr>
+            <a:picLocks noChangeAspect="1" noChangeArrowheads="1"/>
+          </p:cNvPicPr>
+          <p:nvPr/>
+        </p:nvPicPr>
+        <p:blipFill>
+          <a:blip r:embed="rId2">
+            <a:extLst>
+              <a:ext uri="{28A0092B-C50C-407E-A947-70E740481C1C}">
+                <a14:useLocalDpi xmlns:a14="http://schemas.microsoft.com/office/drawing/2010/main" val="0"/>
+              </a:ext>
+            </a:extLst>
+          </a:blip>
+          <a:srcRect/>
+          <a:stretch>
+            <a:fillRect/>
+          </a:stretch>
+        </p:blipFill>
+        <p:spPr bwMode="auto">
+          <a:xfrm>
+            <a:off x="681655" y="1477707"/>
+            <a:ext cx="7800975" cy="4619625"/>
+          </a:xfrm>
+          <a:prstGeom prst="rect">
+            <a:avLst/>
+          </a:prstGeom>
+          <a:noFill/>
+          <a:ln>
+            <a:noFill/>
+          </a:ln>
+          <a:extLst>
+            <a:ext uri="{909E8E84-426E-40DD-AFC4-6F175D3DCCD1}">
+              <a14:hiddenFill xmlns:a14="http://schemas.microsoft.com/office/drawing/2010/main">
+                <a:solidFill>
+                  <a:schemeClr val="accent1"/>
+                </a:solidFill>
+              </a14:hiddenFill>
+            </a:ext>
+            <a:ext uri="{91240B29-F687-4F45-9708-019B960494DF}">
+              <a14:hiddenLine xmlns:a14="http://schemas.microsoft.com/office/drawing/2010/main" w="9525">
+                <a:solidFill>
+                  <a:schemeClr val="tx1"/>
+                </a:solidFill>
+                <a:miter lim="800000"/>
+                <a:headEnd/>
+                <a:tailEnd/>
+              </a14:hiddenLine>
+            </a:ext>
+          </a:extLst>
+        </p:spPr>
+      </p:pic>
+      <p:pic>
+        <p:nvPicPr>
+          <p:cNvPr id="4" name="Picture 2"/>
+          <p:cNvPicPr>
+            <a:picLocks noChangeAspect="1" noChangeArrowheads="1"/>
+          </p:cNvPicPr>
+          <p:nvPr/>
+        </p:nvPicPr>
+        <p:blipFill>
+          <a:blip r:embed="rId3">
+            <a:extLst>
+              <a:ext uri="{28A0092B-C50C-407E-A947-70E740481C1C}">
+                <a14:useLocalDpi xmlns:a14="http://schemas.microsoft.com/office/drawing/2010/main" val="0"/>
+              </a:ext>
+            </a:extLst>
+          </a:blip>
+          <a:srcRect/>
+          <a:stretch>
+            <a:fillRect/>
+          </a:stretch>
+        </p:blipFill>
+        <p:spPr bwMode="auto">
+          <a:xfrm>
+            <a:off x="89173" y="6263811"/>
+            <a:ext cx="2114209" cy="549565"/>
+          </a:xfrm>
+          <a:prstGeom prst="rect">
+            <a:avLst/>
+          </a:prstGeom>
+          <a:noFill/>
+          <a:ln>
+            <a:noFill/>
+          </a:ln>
+          <a:effectLst>
+            <a:outerShdw blurRad="50800" dist="50800" dir="5400000" algn="ctr" rotWithShape="0">
+              <a:srgbClr val="000000">
+                <a:alpha val="3000"/>
+              </a:srgbClr>
+            </a:outerShdw>
+          </a:effectLst>
+          <a:extLst>
+            <a:ext uri="{909E8E84-426E-40DD-AFC4-6F175D3DCCD1}">
+              <a14:hiddenFill xmlns:a14="http://schemas.microsoft.com/office/drawing/2010/main">
+                <a:solidFill>
+                  <a:schemeClr val="accent1"/>
+                </a:solidFill>
+              </a14:hiddenFill>
+            </a:ext>
+            <a:ext uri="{91240B29-F687-4F45-9708-019B960494DF}">
+              <a14:hiddenLine xmlns:a14="http://schemas.microsoft.com/office/drawing/2010/main" w="9525">
+                <a:solidFill>
+                  <a:schemeClr val="tx1"/>
+                </a:solidFill>
+                <a:miter lim="800000"/>
+                <a:headEnd/>
+                <a:tailEnd/>
+              </a14:hiddenLine>
+            </a:ext>
+          </a:extLst>
+        </p:spPr>
+      </p:pic>
+    </p:spTree>
+    <p:extLst>
+      <p:ext uri="{BB962C8B-B14F-4D97-AF65-F5344CB8AC3E}">
+        <p14:creationId xmlns:p14="http://schemas.microsoft.com/office/powerpoint/2010/main" val="2365543400"/>
+      </p:ext>
+    </p:extLst>
+  </p:cSld>
+  <p:clrMapOvr>
+    <a:masterClrMapping/>
+  </p:clrMapOvr>
+  <p:timing>
+    <p:tnLst>
+      <p:par>
+        <p:cTn id="1" dur="indefinite" restart="never" nodeType="tmRoot"/>
+      </p:par>
+    </p:tnLst>
+  </p:timing>
+</p:sld>
+</file>
+
+<file path=ppt/slides/slide29.xml><?xml version="1.0" encoding="utf-8"?>
+<p:sld xmlns:a="http://schemas.openxmlformats.org/drawingml/2006/main" xmlns:r="http://schemas.openxmlformats.org/officeDocument/2006/relationships" xmlns:p="http://schemas.openxmlformats.org/presentationml/2006/main">
+  <p:cSld>
+    <p:spTree>
+      <p:nvGrpSpPr>
+        <p:cNvPr id="1" name=""/>
+        <p:cNvGrpSpPr/>
+        <p:nvPr/>
+      </p:nvGrpSpPr>
+      <p:grpSpPr>
+        <a:xfrm>
+          <a:off x="0" y="0"/>
+          <a:ext cx="0" cy="0"/>
+          <a:chOff x="0" y="0"/>
+          <a:chExt cx="0" cy="0"/>
+        </a:xfrm>
+      </p:grpSpPr>
+      <p:sp>
+        <p:nvSpPr>
+          <p:cNvPr id="2" name="Title 1"/>
+          <p:cNvSpPr>
+            <a:spLocks noGrp="1"/>
+          </p:cNvSpPr>
+          <p:nvPr>
+            <p:ph type="title"/>
+          </p:nvPr>
+        </p:nvSpPr>
+        <p:spPr/>
+        <p:txBody>
+          <a:bodyPr>
+            <a:normAutofit/>
+          </a:bodyPr>
+          <a:lstStyle/>
+          <a:p>
+            <a:r>
+              <a:rPr lang="en-US" sz="3600" dirty="0"/>
+              <a:t>Exercise 2</a:t>
+            </a:r>
+            <a:r>
+              <a:rPr lang="en-US" sz="3600" dirty="0" smtClean="0"/>
+              <a:t>. Go ahead</a:t>
+            </a:r>
+            <a:endParaRPr lang="pl-PL" sz="3600" dirty="0"/>
+          </a:p>
+        </p:txBody>
+      </p:sp>
+      <p:sp>
+        <p:nvSpPr>
+          <p:cNvPr id="3" name="Content Placeholder 2"/>
+          <p:cNvSpPr>
+            <a:spLocks noGrp="1"/>
+          </p:cNvSpPr>
+          <p:nvPr>
+            <p:ph idx="1"/>
+          </p:nvPr>
+        </p:nvSpPr>
+        <p:spPr/>
+        <p:txBody>
+          <a:bodyPr/>
+          <a:lstStyle/>
+          <a:p>
+            <a:pPr marL="0" indent="0">
+              <a:buNone/>
+            </a:pPr>
+            <a:endParaRPr lang="en-US" dirty="0" smtClean="0"/>
+          </a:p>
+          <a:p>
+            <a:pPr marL="0" indent="0">
+              <a:buNone/>
+            </a:pPr>
+            <a:endParaRPr lang="en-US" dirty="0"/>
+          </a:p>
+          <a:p>
+            <a:pPr marL="0" indent="0">
+              <a:buNone/>
+            </a:pPr>
+            <a:endParaRPr lang="en-US" dirty="0" smtClean="0"/>
+          </a:p>
+          <a:p>
+            <a:pPr marL="0" indent="0" algn="ctr">
+              <a:buNone/>
+            </a:pPr>
+            <a:r>
+              <a:rPr lang="en-US" dirty="0" smtClean="0"/>
+              <a:t>Just proceed and follow me!</a:t>
+            </a:r>
+            <a:endParaRPr lang="en-US" dirty="0"/>
+          </a:p>
+          <a:p>
+            <a:pPr marL="0" indent="0">
+              <a:buNone/>
+            </a:pPr>
+            <a:endParaRPr lang="en-US" dirty="0" smtClean="0"/>
+          </a:p>
+          <a:p>
+            <a:pPr marL="0" indent="0">
+              <a:buNone/>
+            </a:pPr>
+            <a:endParaRPr lang="pl-PL" dirty="0"/>
+          </a:p>
+        </p:txBody>
+      </p:sp>
+      <p:pic>
+        <p:nvPicPr>
+          <p:cNvPr id="4" name="Picture 2"/>
+          <p:cNvPicPr>
+            <a:picLocks noChangeAspect="1" noChangeArrowheads="1"/>
+          </p:cNvPicPr>
+          <p:nvPr/>
+        </p:nvPicPr>
+        <p:blipFill>
+          <a:blip r:embed="rId2">
+            <a:extLst>
+              <a:ext uri="{28A0092B-C50C-407E-A947-70E740481C1C}">
+                <a14:useLocalDpi xmlns:a14="http://schemas.microsoft.com/office/drawing/2010/main" val="0"/>
+              </a:ext>
+            </a:extLst>
+          </a:blip>
+          <a:srcRect/>
+          <a:stretch>
+            <a:fillRect/>
+          </a:stretch>
+        </p:blipFill>
+        <p:spPr bwMode="auto">
+          <a:xfrm>
+            <a:off x="89173" y="6263811"/>
+            <a:ext cx="2114209" cy="549565"/>
+          </a:xfrm>
+          <a:prstGeom prst="rect">
+            <a:avLst/>
+          </a:prstGeom>
+          <a:noFill/>
+          <a:ln>
+            <a:noFill/>
+          </a:ln>
+          <a:effectLst>
+            <a:outerShdw blurRad="50800" dist="50800" dir="5400000" algn="ctr" rotWithShape="0">
+              <a:srgbClr val="000000">
+                <a:alpha val="3000"/>
+              </a:srgbClr>
+            </a:outerShdw>
+          </a:effectLst>
+          <a:extLst>
+            <a:ext uri="{909E8E84-426E-40DD-AFC4-6F175D3DCCD1}">
+              <a14:hiddenFill xmlns:a14="http://schemas.microsoft.com/office/drawing/2010/main">
+                <a:solidFill>
+                  <a:schemeClr val="accent1"/>
+                </a:solidFill>
+              </a14:hiddenFill>
+            </a:ext>
+            <a:ext uri="{91240B29-F687-4F45-9708-019B960494DF}">
+              <a14:hiddenLine xmlns:a14="http://schemas.microsoft.com/office/drawing/2010/main" w="9525">
+                <a:solidFill>
+                  <a:schemeClr val="tx1"/>
+                </a:solidFill>
+                <a:miter lim="800000"/>
+                <a:headEnd/>
+                <a:tailEnd/>
+              </a14:hiddenLine>
+            </a:ext>
+          </a:extLst>
+        </p:spPr>
+      </p:pic>
+    </p:spTree>
+    <p:extLst>
+      <p:ext uri="{BB962C8B-B14F-4D97-AF65-F5344CB8AC3E}">
+        <p14:creationId xmlns:p14="http://schemas.microsoft.com/office/powerpoint/2010/main" val="3663977603"/>
+      </p:ext>
+    </p:extLst>
+  </p:cSld>
+  <p:clrMapOvr>
+    <a:masterClrMapping/>
+  </p:clrMapOvr>
+  <p:timing>
+    <p:tnLst>
+      <p:par>
+        <p:cTn id="1" dur="indefinite" restart="never" nodeType="tmRoot"/>
+      </p:par>
+    </p:tnLst>
+  </p:timing>
+</p:sld>
+</file>
+
+<file path=ppt/slides/slide3.xml><?xml version="1.0" encoding="utf-8"?>
+<p:sld xmlns:a="http://schemas.openxmlformats.org/drawingml/2006/main" xmlns:r="http://schemas.openxmlformats.org/officeDocument/2006/relationships" xmlns:p="http://schemas.openxmlformats.org/presentationml/2006/main">
+  <p:cSld>
+    <p:spTree>
+      <p:nvGrpSpPr>
+        <p:cNvPr id="1" name=""/>
+        <p:cNvGrpSpPr/>
+        <p:nvPr/>
+      </p:nvGrpSpPr>
+      <p:grpSpPr>
+        <a:xfrm>
+          <a:off x="0" y="0"/>
+          <a:ext cx="0" cy="0"/>
+          <a:chOff x="0" y="0"/>
+          <a:chExt cx="0" cy="0"/>
+        </a:xfrm>
+      </p:grpSpPr>
+      <p:sp>
+        <p:nvSpPr>
+          <p:cNvPr id="2" name="Title 1"/>
+          <p:cNvSpPr>
+            <a:spLocks noGrp="1"/>
+          </p:cNvSpPr>
+          <p:nvPr>
+            <p:ph type="title"/>
+          </p:nvPr>
+        </p:nvSpPr>
+        <p:spPr/>
+        <p:txBody>
+          <a:bodyPr>
+            <a:normAutofit/>
+          </a:bodyPr>
+          <a:lstStyle/>
+          <a:p>
+            <a:r>
+              <a:rPr lang="en-US" sz="3600" dirty="0" smtClean="0"/>
+              <a:t>Goals</a:t>
+            </a:r>
+            <a:endParaRPr lang="pl-PL" sz="3600" dirty="0"/>
+          </a:p>
+        </p:txBody>
+      </p:sp>
+      <p:sp>
+        <p:nvSpPr>
+          <p:cNvPr id="3" name="Content Placeholder 2"/>
+          <p:cNvSpPr>
+            <a:spLocks noGrp="1"/>
+          </p:cNvSpPr>
+          <p:nvPr>
+            <p:ph idx="1"/>
+          </p:nvPr>
+        </p:nvSpPr>
+        <p:spPr/>
+        <p:txBody>
+          <a:bodyPr>
+            <a:normAutofit/>
+          </a:bodyPr>
+          <a:lstStyle/>
+          <a:p>
+            <a:r>
+              <a:rPr lang="en-US" sz="2400" dirty="0" smtClean="0"/>
+              <a:t>Show you - as a Java/JEE developer a handful of new opportunities which has come with the advent of Cloud era</a:t>
+            </a:r>
+          </a:p>
+          <a:p>
+            <a:r>
+              <a:rPr lang="en-US" sz="2400" dirty="0" smtClean="0"/>
+              <a:t>Get you familiar with AWS Services and their rich Java SDK</a:t>
+            </a:r>
+          </a:p>
+          <a:p>
+            <a:r>
+              <a:rPr lang="en-US" sz="2400" dirty="0" smtClean="0"/>
+              <a:t>Bring your attention to new challenges you will face while dealing with Cloud solutions</a:t>
+            </a:r>
+            <a:endParaRPr lang="pl-PL" sz="2400" dirty="0"/>
+          </a:p>
+        </p:txBody>
+      </p:sp>
+      <p:pic>
+        <p:nvPicPr>
+          <p:cNvPr id="4" name="Picture 2"/>
+          <p:cNvPicPr>
+            <a:picLocks noChangeAspect="1" noChangeArrowheads="1"/>
+          </p:cNvPicPr>
+          <p:nvPr/>
+        </p:nvPicPr>
+        <p:blipFill>
+          <a:blip r:embed="rId2">
+            <a:extLst>
+              <a:ext uri="{28A0092B-C50C-407E-A947-70E740481C1C}">
+                <a14:useLocalDpi xmlns:a14="http://schemas.microsoft.com/office/drawing/2010/main" val="0"/>
+              </a:ext>
+            </a:extLst>
+          </a:blip>
+          <a:srcRect/>
+          <a:stretch>
+            <a:fillRect/>
+          </a:stretch>
+        </p:blipFill>
+        <p:spPr bwMode="auto">
+          <a:xfrm>
+            <a:off x="89173" y="6263811"/>
+            <a:ext cx="2114209" cy="549565"/>
+          </a:xfrm>
+          <a:prstGeom prst="rect">
+            <a:avLst/>
+          </a:prstGeom>
+          <a:noFill/>
+          <a:ln>
+            <a:noFill/>
+          </a:ln>
+          <a:effectLst>
+            <a:outerShdw blurRad="50800" dist="50800" dir="5400000" algn="ctr" rotWithShape="0">
+              <a:srgbClr val="000000">
+                <a:alpha val="3000"/>
+              </a:srgbClr>
+            </a:outerShdw>
+          </a:effectLst>
+          <a:extLst>
+            <a:ext uri="{909E8E84-426E-40DD-AFC4-6F175D3DCCD1}">
+              <a14:hiddenFill xmlns:a14="http://schemas.microsoft.com/office/drawing/2010/main">
+                <a:solidFill>
+                  <a:schemeClr val="accent1"/>
+                </a:solidFill>
+              </a14:hiddenFill>
+            </a:ext>
+            <a:ext uri="{91240B29-F687-4F45-9708-019B960494DF}">
+              <a14:hiddenLine xmlns:a14="http://schemas.microsoft.com/office/drawing/2010/main" w="9525">
+                <a:solidFill>
+                  <a:schemeClr val="tx1"/>
+                </a:solidFill>
+                <a:miter lim="800000"/>
+                <a:headEnd/>
+                <a:tailEnd/>
+              </a14:hiddenLine>
+            </a:ext>
+          </a:extLst>
+        </p:spPr>
+      </p:pic>
+    </p:spTree>
+    <p:extLst>
+      <p:ext uri="{BB962C8B-B14F-4D97-AF65-F5344CB8AC3E}">
+        <p14:creationId xmlns:p14="http://schemas.microsoft.com/office/powerpoint/2010/main" val="85648535"/>
+      </p:ext>
+    </p:extLst>
+  </p:cSld>
+  <p:clrMapOvr>
+    <a:masterClrMapping/>
+  </p:clrMapOvr>
+  <p:timing>
+    <p:tnLst>
+      <p:par>
+        <p:cTn id="1" dur="indefinite" restart="never" nodeType="tmRoot"/>
+      </p:par>
+    </p:tnLst>
+  </p:timing>
+</p:sld>
+</file>
+
+<file path=ppt/slides/slide30.xml><?xml version="1.0" encoding="utf-8"?>
+<p:sld xmlns:a="http://schemas.openxmlformats.org/drawingml/2006/main" xmlns:r="http://schemas.openxmlformats.org/officeDocument/2006/relationships" xmlns:p="http://schemas.openxmlformats.org/presentationml/2006/main">
+  <p:cSld>
+    <p:spTree>
+      <p:nvGrpSpPr>
+        <p:cNvPr id="1" name=""/>
+        <p:cNvGrpSpPr/>
+        <p:nvPr/>
+      </p:nvGrpSpPr>
+      <p:grpSpPr>
+        <a:xfrm>
+          <a:off x="0" y="0"/>
+          <a:ext cx="0" cy="0"/>
+          <a:chOff x="0" y="0"/>
+          <a:chExt cx="0" cy="0"/>
+        </a:xfrm>
+      </p:grpSpPr>
+      <p:sp>
+        <p:nvSpPr>
+          <p:cNvPr id="2" name="Title 1"/>
+          <p:cNvSpPr>
+            <a:spLocks noGrp="1"/>
+          </p:cNvSpPr>
+          <p:nvPr>
+            <p:ph type="title"/>
+          </p:nvPr>
+        </p:nvSpPr>
+        <p:spPr/>
+        <p:txBody>
+          <a:bodyPr>
+            <a:normAutofit/>
+          </a:bodyPr>
+          <a:lstStyle/>
+          <a:p>
+            <a:r>
+              <a:rPr lang="en-US" sz="3600" dirty="0" smtClean="0"/>
               <a:t>Exercise 3. The essence</a:t>
             </a:r>
             <a:endParaRPr lang="pl-PL" sz="3600" dirty="0"/>
@@ -8670,7 +9240,7 @@
 </p:sld>
 </file>
 
-<file path=ppt/slides/slide29.xml><?xml version="1.0" encoding="utf-8"?>
+<file path=ppt/slides/slide31.xml><?xml version="1.0" encoding="utf-8"?>
 <p:sld xmlns:a="http://schemas.openxmlformats.org/drawingml/2006/main" xmlns:r="http://schemas.openxmlformats.org/officeDocument/2006/relationships" xmlns:p="http://schemas.openxmlformats.org/presentationml/2006/main">
   <p:cSld>
     <p:spTree>
@@ -8859,167 +9429,7 @@
 </p:sld>
 </file>
 
-<file path=ppt/slides/slide3.xml><?xml version="1.0" encoding="utf-8"?>
-<p:sld xmlns:a="http://schemas.openxmlformats.org/drawingml/2006/main" xmlns:r="http://schemas.openxmlformats.org/officeDocument/2006/relationships" xmlns:p="http://schemas.openxmlformats.org/presentationml/2006/main">
-  <p:cSld>
-    <p:spTree>
-      <p:nvGrpSpPr>
-        <p:cNvPr id="1" name=""/>
-        <p:cNvGrpSpPr/>
-        <p:nvPr/>
-      </p:nvGrpSpPr>
-      <p:grpSpPr>
-        <a:xfrm>
-          <a:off x="0" y="0"/>
-          <a:ext cx="0" cy="0"/>
-          <a:chOff x="0" y="0"/>
-          <a:chExt cx="0" cy="0"/>
-        </a:xfrm>
-      </p:grpSpPr>
-      <p:sp>
-        <p:nvSpPr>
-          <p:cNvPr id="2" name="Title 1"/>
-          <p:cNvSpPr>
-            <a:spLocks noGrp="1"/>
-          </p:cNvSpPr>
-          <p:nvPr>
-            <p:ph type="title"/>
-          </p:nvPr>
-        </p:nvSpPr>
-        <p:spPr/>
-        <p:txBody>
-          <a:bodyPr>
-            <a:normAutofit/>
-          </a:bodyPr>
-          <a:lstStyle/>
-          <a:p>
-            <a:r>
-              <a:rPr lang="en-US" sz="3600" dirty="0" smtClean="0"/>
-              <a:t>Goals</a:t>
-            </a:r>
-            <a:endParaRPr lang="pl-PL" sz="3600" dirty="0"/>
-          </a:p>
-        </p:txBody>
-      </p:sp>
-      <p:sp>
-        <p:nvSpPr>
-          <p:cNvPr id="3" name="Content Placeholder 2"/>
-          <p:cNvSpPr>
-            <a:spLocks noGrp="1"/>
-          </p:cNvSpPr>
-          <p:nvPr>
-            <p:ph idx="1"/>
-          </p:nvPr>
-        </p:nvSpPr>
-        <p:spPr/>
-        <p:txBody>
-          <a:bodyPr>
-            <a:normAutofit/>
-          </a:bodyPr>
-          <a:lstStyle/>
-          <a:p>
-            <a:r>
-              <a:rPr lang="en-US" sz="2400" dirty="0" smtClean="0"/>
-              <a:t>Show you - as a Java/JEE developer a handful of new opportunities which has come with the advent of Cloud era</a:t>
-            </a:r>
-          </a:p>
-          <a:p>
-            <a:r>
-              <a:rPr lang="en-US" sz="2400" dirty="0" smtClean="0"/>
-              <a:t>Get you familiar with AWS Services and their rich Java SDK</a:t>
-            </a:r>
-          </a:p>
-          <a:p>
-            <a:r>
-              <a:rPr lang="en-US" sz="2400" dirty="0" smtClean="0"/>
-              <a:t>Bring your attention to new challenges you will face while dealing with Cloud solutions</a:t>
-            </a:r>
-            <a:endParaRPr lang="pl-PL" sz="2400" dirty="0"/>
-          </a:p>
-        </p:txBody>
-      </p:sp>
-      <p:pic>
-        <p:nvPicPr>
-          <p:cNvPr id="4" name="Picture 2"/>
-          <p:cNvPicPr>
-            <a:picLocks noChangeAspect="1" noChangeArrowheads="1"/>
-          </p:cNvPicPr>
-          <p:nvPr/>
-        </p:nvPicPr>
-        <p:blipFill>
-          <a:blip r:embed="rId2">
-            <a:extLst>
-              <a:ext uri="{28A0092B-C50C-407E-A947-70E740481C1C}">
-                <a14:useLocalDpi xmlns:a14="http://schemas.microsoft.com/office/drawing/2010/main" val="0"/>
-              </a:ext>
-            </a:extLst>
-          </a:blip>
-          <a:srcRect/>
-          <a:stretch>
-            <a:fillRect/>
-          </a:stretch>
-        </p:blipFill>
-        <p:spPr bwMode="auto">
-          <a:xfrm>
-            <a:off x="89173" y="6263811"/>
-            <a:ext cx="2114209" cy="549565"/>
-          </a:xfrm>
-          <a:prstGeom prst="rect">
-            <a:avLst/>
-          </a:prstGeom>
-          <a:noFill/>
-          <a:ln>
-            <a:noFill/>
-          </a:ln>
-          <a:effectLst>
-            <a:outerShdw blurRad="50800" dist="50800" dir="5400000" algn="ctr" rotWithShape="0">
-              <a:srgbClr val="000000">
-                <a:alpha val="3000"/>
-              </a:srgbClr>
-            </a:outerShdw>
-          </a:effectLst>
-          <a:extLst>
-            <a:ext uri="{909E8E84-426E-40DD-AFC4-6F175D3DCCD1}">
-              <a14:hiddenFill xmlns:a14="http://schemas.microsoft.com/office/drawing/2010/main">
-                <a:solidFill>
-                  <a:schemeClr val="accent1"/>
-                </a:solidFill>
-              </a14:hiddenFill>
-            </a:ext>
-            <a:ext uri="{91240B29-F687-4F45-9708-019B960494DF}">
-              <a14:hiddenLine xmlns:a14="http://schemas.microsoft.com/office/drawing/2010/main" w="9525">
-                <a:solidFill>
-                  <a:schemeClr val="tx1"/>
-                </a:solidFill>
-                <a:miter lim="800000"/>
-                <a:headEnd/>
-                <a:tailEnd/>
-              </a14:hiddenLine>
-            </a:ext>
-          </a:extLst>
-        </p:spPr>
-      </p:pic>
-    </p:spTree>
-    <p:extLst>
-      <p:ext uri="{BB962C8B-B14F-4D97-AF65-F5344CB8AC3E}">
-        <p14:creationId xmlns:p14="http://schemas.microsoft.com/office/powerpoint/2010/main" val="85648535"/>
-      </p:ext>
-    </p:extLst>
-  </p:cSld>
-  <p:clrMapOvr>
-    <a:masterClrMapping/>
-  </p:clrMapOvr>
-  <p:timing>
-    <p:tnLst>
-      <p:par>
-        <p:cTn id="1" dur="indefinite" restart="never" nodeType="tmRoot"/>
-      </p:par>
-    </p:tnLst>
-  </p:timing>
-</p:sld>
-</file>
-
-<file path=ppt/slides/slide30.xml><?xml version="1.0" encoding="utf-8"?>
+<file path=ppt/slides/slide32.xml><?xml version="1.0" encoding="utf-8"?>
 <p:sld xmlns:a="http://schemas.openxmlformats.org/drawingml/2006/main" xmlns:r="http://schemas.openxmlformats.org/officeDocument/2006/relationships" xmlns:p="http://schemas.openxmlformats.org/presentationml/2006/main">
   <p:cSld>
     <p:spTree>
@@ -12843,7 +13253,7 @@
 </p:sld>
 </file>
 
-<file path=ppt/slides/slide31.xml><?xml version="1.0" encoding="utf-8"?>
+<file path=ppt/slides/slide33.xml><?xml version="1.0" encoding="utf-8"?>
 <p:sld xmlns:a="http://schemas.openxmlformats.org/drawingml/2006/main" xmlns:r="http://schemas.openxmlformats.org/officeDocument/2006/relationships" xmlns:p="http://schemas.openxmlformats.org/presentationml/2006/main">
   <p:cSld>
     <p:spTree>
@@ -12957,16 +13367,12 @@
               <a:rPr lang="en-US" sz="1800" dirty="0"/>
             </a:br>
             <a:r>
-              <a:rPr lang="en-US" sz="1800" b="1" dirty="0" err="1"/>
-              <a:t>warsjava</a:t>
-            </a:r>
-            <a:r>
-              <a:rPr lang="en-US" sz="1800" b="1" dirty="0"/>
-              <a:t>-apps/exercise-digest-dispatcher-service</a:t>
-            </a:r>
-            <a:r>
-              <a:rPr lang="en-US" sz="1800" dirty="0"/>
-              <a:t> </a:t>
+              <a:rPr lang="en-US" sz="1800" b="1" dirty="0" err="1" smtClean="0"/>
+              <a:t>warsjawa</a:t>
+            </a:r>
+            <a:r>
+              <a:rPr lang="en-US" sz="1800" b="1" dirty="0" smtClean="0"/>
+              <a:t>-apps/exercise-digest-dispatcher-service.zip</a:t>
             </a:r>
             <a:endParaRPr lang="en-US" sz="1800" dirty="0" smtClean="0"/>
           </a:p>
@@ -14301,7 +14707,7 @@
 </p:sld>
 </file>
 
-<file path=ppt/slides/slide32.xml><?xml version="1.0" encoding="utf-8"?>
+<file path=ppt/slides/slide34.xml><?xml version="1.0" encoding="utf-8"?>
 <p:sld xmlns:a="http://schemas.openxmlformats.org/drawingml/2006/main" xmlns:r="http://schemas.openxmlformats.org/officeDocument/2006/relationships" xmlns:p="http://schemas.openxmlformats.org/presentationml/2006/main">
   <p:cSld>
     <p:spTree>
@@ -14318,6 +14724,60 @@
           <a:chExt cx="0" cy="0"/>
         </a:xfrm>
       </p:grpSpPr>
+      <p:pic>
+        <p:nvPicPr>
+          <p:cNvPr id="1026" name="Picture 2"/>
+          <p:cNvPicPr>
+            <a:picLocks noChangeAspect="1" noChangeArrowheads="1"/>
+          </p:cNvPicPr>
+          <p:nvPr/>
+        </p:nvPicPr>
+        <p:blipFill>
+          <a:blip r:embed="rId2">
+            <a:extLst>
+              <a:ext uri="{28A0092B-C50C-407E-A947-70E740481C1C}">
+                <a14:useLocalDpi xmlns:a14="http://schemas.microsoft.com/office/drawing/2010/main" val="0"/>
+              </a:ext>
+            </a:extLst>
+          </a:blip>
+          <a:srcRect/>
+          <a:stretch>
+            <a:fillRect/>
+          </a:stretch>
+        </p:blipFill>
+        <p:spPr bwMode="auto">
+          <a:xfrm>
+            <a:off x="1181100" y="2119313"/>
+            <a:ext cx="6781800" cy="2619375"/>
+          </a:xfrm>
+          <a:prstGeom prst="rect">
+            <a:avLst/>
+          </a:prstGeom>
+          <a:noFill/>
+          <a:ln>
+            <a:noFill/>
+          </a:ln>
+          <a:extLst>
+            <a:ext uri="{909E8E84-426E-40DD-AFC4-6F175D3DCCD1}">
+              <a14:hiddenFill xmlns:a14="http://schemas.microsoft.com/office/drawing/2010/main">
+                <a:solidFill>
+                  <a:schemeClr val="accent1"/>
+                </a:solidFill>
+              </a14:hiddenFill>
+            </a:ext>
+            <a:ext uri="{91240B29-F687-4F45-9708-019B960494DF}">
+              <a14:hiddenLine xmlns:a14="http://schemas.microsoft.com/office/drawing/2010/main" w="9525">
+                <a:solidFill>
+                  <a:schemeClr val="tx1"/>
+                </a:solidFill>
+                <a:miter lim="800000"/>
+                <a:headEnd/>
+                <a:tailEnd/>
+              </a14:hiddenLine>
+            </a:ext>
+          </a:extLst>
+        </p:spPr>
+      </p:pic>
       <p:sp>
         <p:nvSpPr>
           <p:cNvPr id="2" name="Title 1"/>
@@ -14356,60 +14816,6 @@
           </a:p>
         </p:txBody>
       </p:sp>
-      <p:pic>
-        <p:nvPicPr>
-          <p:cNvPr id="2050" name="Picture 2"/>
-          <p:cNvPicPr>
-            <a:picLocks noChangeAspect="1" noChangeArrowheads="1"/>
-          </p:cNvPicPr>
-          <p:nvPr/>
-        </p:nvPicPr>
-        <p:blipFill>
-          <a:blip r:embed="rId2">
-            <a:extLst>
-              <a:ext uri="{28A0092B-C50C-407E-A947-70E740481C1C}">
-                <a14:useLocalDpi xmlns:a14="http://schemas.microsoft.com/office/drawing/2010/main" val="0"/>
-              </a:ext>
-            </a:extLst>
-          </a:blip>
-          <a:srcRect/>
-          <a:stretch>
-            <a:fillRect/>
-          </a:stretch>
-        </p:blipFill>
-        <p:spPr bwMode="auto">
-          <a:xfrm>
-            <a:off x="1259632" y="1914361"/>
-            <a:ext cx="6257925" cy="2657475"/>
-          </a:xfrm>
-          <a:prstGeom prst="rect">
-            <a:avLst/>
-          </a:prstGeom>
-          <a:noFill/>
-          <a:ln>
-            <a:noFill/>
-          </a:ln>
-          <a:extLst>
-            <a:ext uri="{909E8E84-426E-40DD-AFC4-6F175D3DCCD1}">
-              <a14:hiddenFill xmlns:a14="http://schemas.microsoft.com/office/drawing/2010/main">
-                <a:solidFill>
-                  <a:schemeClr val="accent1"/>
-                </a:solidFill>
-              </a14:hiddenFill>
-            </a:ext>
-            <a:ext uri="{91240B29-F687-4F45-9708-019B960494DF}">
-              <a14:hiddenLine xmlns:a14="http://schemas.microsoft.com/office/drawing/2010/main" w="9525">
-                <a:solidFill>
-                  <a:schemeClr val="tx1"/>
-                </a:solidFill>
-                <a:miter lim="800000"/>
-                <a:headEnd/>
-                <a:tailEnd/>
-              </a14:hiddenLine>
-            </a:ext>
-          </a:extLst>
-        </p:spPr>
-      </p:pic>
       <p:sp>
         <p:nvSpPr>
           <p:cNvPr id="3" name="Rectangle 2"/>
@@ -14418,8 +14824,8 @@
         </p:nvSpPr>
         <p:spPr>
           <a:xfrm>
-            <a:off x="4393530" y="3498537"/>
-            <a:ext cx="2970685" cy="369332"/>
+            <a:off x="4568528" y="3858577"/>
+            <a:ext cx="3603872" cy="369332"/>
           </a:xfrm>
           <a:prstGeom prst="rect">
             <a:avLst/>
@@ -14432,7 +14838,7 @@
           <a:lstStyle/>
           <a:p>
             <a:r>
-              <a:rPr lang="pl-PL" dirty="0" err="1" smtClean="0">
+              <a:rPr lang="pl-PL" dirty="0" err="1">
                 <a:solidFill>
                   <a:srgbClr val="000000"/>
                 </a:solidFill>
@@ -14441,10 +14847,10 @@
                 </a:highlight>
                 <a:latin typeface="Consolas"/>
               </a:rPr>
-              <a:t>bucketName</a:t>
-            </a:r>
-            <a:r>
-              <a:rPr lang="pl-PL" dirty="0" smtClean="0">
+              <a:t>environmentName</a:t>
+            </a:r>
+            <a:r>
+              <a:rPr lang="pl-PL" dirty="0">
                 <a:solidFill>
                   <a:srgbClr val="000000"/>
                 </a:solidFill>
@@ -14503,8 +14909,8 @@
         </p:nvSpPr>
         <p:spPr>
           <a:xfrm>
-            <a:off x="5148064" y="4571836"/>
-            <a:ext cx="2844048" cy="369332"/>
+            <a:off x="5292080" y="4941168"/>
+            <a:ext cx="3477234" cy="369332"/>
           </a:xfrm>
           <a:prstGeom prst="rect">
             <a:avLst/>
@@ -14517,7 +14923,7 @@
           <a:lstStyle/>
           <a:p>
             <a:r>
-              <a:rPr lang="pl-PL" dirty="0" err="1" smtClean="0">
+              <a:rPr lang="pl-PL" dirty="0" err="1">
                 <a:solidFill>
                   <a:srgbClr val="000000"/>
                 </a:solidFill>
@@ -14526,10 +14932,10 @@
                 </a:highlight>
                 <a:latin typeface="Consolas"/>
               </a:rPr>
-              <a:t>bucketName</a:t>
-            </a:r>
-            <a:r>
-              <a:rPr lang="pl-PL" dirty="0" smtClean="0">
+              <a:t>environmentName</a:t>
+            </a:r>
+            <a:r>
+              <a:rPr lang="pl-PL" dirty="0">
                 <a:solidFill>
                   <a:srgbClr val="000000"/>
                 </a:solidFill>
@@ -14576,7 +14982,7 @@
         </p:nvSpPr>
         <p:spPr>
           <a:xfrm rot="2735126">
-            <a:off x="6897819" y="4020592"/>
+            <a:off x="7294131" y="4380632"/>
             <a:ext cx="894693" cy="432048"/>
           </a:xfrm>
           <a:prstGeom prst="rightArrow">
@@ -14689,7 +15095,7 @@
 </p:sld>
 </file>
 
-<file path=ppt/slides/slide33.xml><?xml version="1.0" encoding="utf-8"?>
+<file path=ppt/slides/slide35.xml><?xml version="1.0" encoding="utf-8"?>
 <p:sld xmlns:a="http://schemas.openxmlformats.org/drawingml/2006/main" xmlns:r="http://schemas.openxmlformats.org/officeDocument/2006/relationships" xmlns:p="http://schemas.openxmlformats.org/presentationml/2006/main">
   <p:cSld>
     <p:spTree>
@@ -14875,7 +15281,7 @@
 </p:sld>
 </file>
 
-<file path=ppt/slides/slide34.xml><?xml version="1.0" encoding="utf-8"?>
+<file path=ppt/slides/slide36.xml><?xml version="1.0" encoding="utf-8"?>
 <p:sld xmlns:a="http://schemas.openxmlformats.org/drawingml/2006/main" xmlns:r="http://schemas.openxmlformats.org/officeDocument/2006/relationships" xmlns:p="http://schemas.openxmlformats.org/presentationml/2006/main">
   <p:cSld>
     <p:spTree>
@@ -15002,7 +15408,7 @@
 </p:sld>
 </file>
 
-<file path=ppt/slides/slide35.xml><?xml version="1.0" encoding="utf-8"?>
+<file path=ppt/slides/slide37.xml><?xml version="1.0" encoding="utf-8"?>
 <p:sld xmlns:a="http://schemas.openxmlformats.org/drawingml/2006/main" xmlns:r="http://schemas.openxmlformats.org/officeDocument/2006/relationships" xmlns:p="http://schemas.openxmlformats.org/presentationml/2006/main">
   <p:cSld>
     <p:spTree>
@@ -15188,7 +15594,7 @@
 </p:sld>
 </file>
 
-<file path=ppt/slides/slide36.xml><?xml version="1.0" encoding="utf-8"?>
+<file path=ppt/slides/slide38.xml><?xml version="1.0" encoding="utf-8"?>
 <p:sld xmlns:a="http://schemas.openxmlformats.org/drawingml/2006/main" xmlns:r="http://schemas.openxmlformats.org/officeDocument/2006/relationships" xmlns:p="http://schemas.openxmlformats.org/presentationml/2006/main">
   <p:cSld>
     <p:spTree>
@@ -15377,7 +15783,7 @@
 </p:sld>
 </file>
 
-<file path=ppt/slides/slide37.xml><?xml version="1.0" encoding="utf-8"?>
+<file path=ppt/slides/slide39.xml><?xml version="1.0" encoding="utf-8"?>
 <p:sld xmlns:a="http://schemas.openxmlformats.org/drawingml/2006/main" xmlns:r="http://schemas.openxmlformats.org/officeDocument/2006/relationships" xmlns:p="http://schemas.openxmlformats.org/presentationml/2006/main">
   <p:cSld>
     <p:spTree>
@@ -17026,174 +17432,6 @@
     <p:extLst>
       <p:ext uri="{BB962C8B-B14F-4D97-AF65-F5344CB8AC3E}">
         <p14:creationId xmlns:p14="http://schemas.microsoft.com/office/powerpoint/2010/main" val="2796664311"/>
-      </p:ext>
-    </p:extLst>
-  </p:cSld>
-  <p:clrMapOvr>
-    <a:masterClrMapping/>
-  </p:clrMapOvr>
-  <p:timing>
-    <p:tnLst>
-      <p:par>
-        <p:cTn id="1" dur="indefinite" restart="never" nodeType="tmRoot"/>
-      </p:par>
-    </p:tnLst>
-  </p:timing>
-</p:sld>
-</file>
-
-<file path=ppt/slides/slide38.xml><?xml version="1.0" encoding="utf-8"?>
-<p:sld xmlns:a="http://schemas.openxmlformats.org/drawingml/2006/main" xmlns:r="http://schemas.openxmlformats.org/officeDocument/2006/relationships" xmlns:p="http://schemas.openxmlformats.org/presentationml/2006/main">
-  <p:cSld>
-    <p:spTree>
-      <p:nvGrpSpPr>
-        <p:cNvPr id="1" name=""/>
-        <p:cNvGrpSpPr/>
-        <p:nvPr/>
-      </p:nvGrpSpPr>
-      <p:grpSpPr>
-        <a:xfrm>
-          <a:off x="0" y="0"/>
-          <a:ext cx="0" cy="0"/>
-          <a:chOff x="0" y="0"/>
-          <a:chExt cx="0" cy="0"/>
-        </a:xfrm>
-      </p:grpSpPr>
-      <p:sp>
-        <p:nvSpPr>
-          <p:cNvPr id="2" name="Title 1"/>
-          <p:cNvSpPr>
-            <a:spLocks noGrp="1"/>
-          </p:cNvSpPr>
-          <p:nvPr>
-            <p:ph type="title"/>
-          </p:nvPr>
-        </p:nvSpPr>
-        <p:spPr/>
-        <p:txBody>
-          <a:bodyPr>
-            <a:normAutofit/>
-          </a:bodyPr>
-          <a:lstStyle/>
-          <a:p>
-            <a:r>
-              <a:rPr lang="en-US" sz="3600" dirty="0"/>
-              <a:t>Exercise 4. </a:t>
-            </a:r>
-            <a:r>
-              <a:rPr lang="en-US" sz="3600" dirty="0" smtClean="0"/>
-              <a:t>More complex flow</a:t>
-            </a:r>
-            <a:endParaRPr lang="pl-PL" sz="3600" dirty="0"/>
-          </a:p>
-        </p:txBody>
-      </p:sp>
-      <p:pic>
-        <p:nvPicPr>
-          <p:cNvPr id="1026" name="Picture 2" descr="C:\visio\fallback.bmp"/>
-          <p:cNvPicPr>
-            <a:picLocks noChangeAspect="1" noChangeArrowheads="1"/>
-          </p:cNvPicPr>
-          <p:nvPr/>
-        </p:nvPicPr>
-        <p:blipFill>
-          <a:blip r:embed="rId2">
-            <a:extLst>
-              <a:ext uri="{28A0092B-C50C-407E-A947-70E740481C1C}">
-                <a14:useLocalDpi xmlns:a14="http://schemas.microsoft.com/office/drawing/2010/main" val="0"/>
-              </a:ext>
-            </a:extLst>
-          </a:blip>
-          <a:srcRect/>
-          <a:stretch>
-            <a:fillRect/>
-          </a:stretch>
-        </p:blipFill>
-        <p:spPr bwMode="auto">
-          <a:xfrm>
-            <a:off x="251520" y="1628800"/>
-            <a:ext cx="8640960" cy="4447192"/>
-          </a:xfrm>
-          <a:prstGeom prst="rect">
-            <a:avLst/>
-          </a:prstGeom>
-          <a:noFill/>
-          <a:extLst>
-            <a:ext uri="{909E8E84-426E-40DD-AFC4-6F175D3DCCD1}">
-              <a14:hiddenFill xmlns:a14="http://schemas.microsoft.com/office/drawing/2010/main">
-                <a:solidFill>
-                  <a:srgbClr val="FFFFFF"/>
-                </a:solidFill>
-              </a14:hiddenFill>
-            </a:ext>
-          </a:extLst>
-        </p:spPr>
-      </p:pic>
-      <p:pic>
-        <p:nvPicPr>
-          <p:cNvPr id="5" name="Picture 2"/>
-          <p:cNvPicPr>
-            <a:picLocks noChangeAspect="1" noChangeArrowheads="1"/>
-          </p:cNvPicPr>
-          <p:nvPr/>
-        </p:nvPicPr>
-        <p:blipFill>
-          <a:blip r:embed="rId3">
-            <a:extLst>
-              <a:ext uri="{28A0092B-C50C-407E-A947-70E740481C1C}">
-                <a14:useLocalDpi xmlns:a14="http://schemas.microsoft.com/office/drawing/2010/main" val="0"/>
-              </a:ext>
-            </a:extLst>
-          </a:blip>
-          <a:srcRect/>
-          <a:stretch>
-            <a:fillRect/>
-          </a:stretch>
-        </p:blipFill>
-        <p:spPr bwMode="auto">
-          <a:xfrm>
-            <a:off x="89173" y="6263811"/>
-            <a:ext cx="2114209" cy="549565"/>
-          </a:xfrm>
-          <a:prstGeom prst="rect">
-            <a:avLst/>
-          </a:prstGeom>
-          <a:noFill/>
-          <a:ln>
-            <a:noFill/>
-          </a:ln>
-          <a:effectLst>
-            <a:outerShdw blurRad="50800" dist="50800" dir="5400000" algn="ctr" rotWithShape="0">
-              <a:srgbClr val="000000">
-                <a:alpha val="3000"/>
-              </a:srgbClr>
-            </a:outerShdw>
-          </a:effectLst>
-          <a:extLst>
-            <a:ext uri="{909E8E84-426E-40DD-AFC4-6F175D3DCCD1}">
-              <a14:hiddenFill xmlns:a14="http://schemas.microsoft.com/office/drawing/2010/main">
-                <a:solidFill>
-                  <a:schemeClr val="accent1"/>
-                </a:solidFill>
-              </a14:hiddenFill>
-            </a:ext>
-            <a:ext uri="{91240B29-F687-4F45-9708-019B960494DF}">
-              <a14:hiddenLine xmlns:a14="http://schemas.microsoft.com/office/drawing/2010/main" w="9525">
-                <a:solidFill>
-                  <a:schemeClr val="tx1"/>
-                </a:solidFill>
-                <a:miter lim="800000"/>
-                <a:headEnd/>
-                <a:tailEnd/>
-              </a14:hiddenLine>
-            </a:ext>
-          </a:extLst>
-        </p:spPr>
-      </p:pic>
-    </p:spTree>
-    <p:extLst>
-      <p:ext uri="{BB962C8B-B14F-4D97-AF65-F5344CB8AC3E}">
-        <p14:creationId xmlns:p14="http://schemas.microsoft.com/office/powerpoint/2010/main" val="3654672351"/>
       </p:ext>
     </p:extLst>
   </p:cSld>
@@ -17391,6 +17629,285 @@
 </p:sld>
 </file>
 
+<file path=ppt/slides/slide40.xml><?xml version="1.0" encoding="utf-8"?>
+<p:sld xmlns:a="http://schemas.openxmlformats.org/drawingml/2006/main" xmlns:r="http://schemas.openxmlformats.org/officeDocument/2006/relationships" xmlns:p="http://schemas.openxmlformats.org/presentationml/2006/main">
+  <p:cSld>
+    <p:spTree>
+      <p:nvGrpSpPr>
+        <p:cNvPr id="1" name=""/>
+        <p:cNvGrpSpPr/>
+        <p:nvPr/>
+      </p:nvGrpSpPr>
+      <p:grpSpPr>
+        <a:xfrm>
+          <a:off x="0" y="0"/>
+          <a:ext cx="0" cy="0"/>
+          <a:chOff x="0" y="0"/>
+          <a:chExt cx="0" cy="0"/>
+        </a:xfrm>
+      </p:grpSpPr>
+      <p:sp>
+        <p:nvSpPr>
+          <p:cNvPr id="2" name="Title 1"/>
+          <p:cNvSpPr>
+            <a:spLocks noGrp="1"/>
+          </p:cNvSpPr>
+          <p:nvPr>
+            <p:ph type="title"/>
+          </p:nvPr>
+        </p:nvSpPr>
+        <p:spPr/>
+        <p:txBody>
+          <a:bodyPr>
+            <a:normAutofit/>
+          </a:bodyPr>
+          <a:lstStyle/>
+          <a:p>
+            <a:r>
+              <a:rPr lang="en-US" sz="3600" dirty="0"/>
+              <a:t>Exercise 4. </a:t>
+            </a:r>
+            <a:r>
+              <a:rPr lang="en-US" sz="3600" dirty="0" smtClean="0"/>
+              <a:t>More complex flow</a:t>
+            </a:r>
+            <a:endParaRPr lang="pl-PL" sz="3600" dirty="0"/>
+          </a:p>
+        </p:txBody>
+      </p:sp>
+      <p:pic>
+        <p:nvPicPr>
+          <p:cNvPr id="1026" name="Picture 2" descr="C:\visio\fallback.bmp"/>
+          <p:cNvPicPr>
+            <a:picLocks noChangeAspect="1" noChangeArrowheads="1"/>
+          </p:cNvPicPr>
+          <p:nvPr/>
+        </p:nvPicPr>
+        <p:blipFill>
+          <a:blip r:embed="rId2">
+            <a:extLst>
+              <a:ext uri="{28A0092B-C50C-407E-A947-70E740481C1C}">
+                <a14:useLocalDpi xmlns:a14="http://schemas.microsoft.com/office/drawing/2010/main" val="0"/>
+              </a:ext>
+            </a:extLst>
+          </a:blip>
+          <a:srcRect/>
+          <a:stretch>
+            <a:fillRect/>
+          </a:stretch>
+        </p:blipFill>
+        <p:spPr bwMode="auto">
+          <a:xfrm>
+            <a:off x="251520" y="1628800"/>
+            <a:ext cx="8640960" cy="4447192"/>
+          </a:xfrm>
+          <a:prstGeom prst="rect">
+            <a:avLst/>
+          </a:prstGeom>
+          <a:noFill/>
+          <a:extLst>
+            <a:ext uri="{909E8E84-426E-40DD-AFC4-6F175D3DCCD1}">
+              <a14:hiddenFill xmlns:a14="http://schemas.microsoft.com/office/drawing/2010/main">
+                <a:solidFill>
+                  <a:srgbClr val="FFFFFF"/>
+                </a:solidFill>
+              </a14:hiddenFill>
+            </a:ext>
+          </a:extLst>
+        </p:spPr>
+      </p:pic>
+      <p:pic>
+        <p:nvPicPr>
+          <p:cNvPr id="5" name="Picture 2"/>
+          <p:cNvPicPr>
+            <a:picLocks noChangeAspect="1" noChangeArrowheads="1"/>
+          </p:cNvPicPr>
+          <p:nvPr/>
+        </p:nvPicPr>
+        <p:blipFill>
+          <a:blip r:embed="rId3">
+            <a:extLst>
+              <a:ext uri="{28A0092B-C50C-407E-A947-70E740481C1C}">
+                <a14:useLocalDpi xmlns:a14="http://schemas.microsoft.com/office/drawing/2010/main" val="0"/>
+              </a:ext>
+            </a:extLst>
+          </a:blip>
+          <a:srcRect/>
+          <a:stretch>
+            <a:fillRect/>
+          </a:stretch>
+        </p:blipFill>
+        <p:spPr bwMode="auto">
+          <a:xfrm>
+            <a:off x="89173" y="6263811"/>
+            <a:ext cx="2114209" cy="549565"/>
+          </a:xfrm>
+          <a:prstGeom prst="rect">
+            <a:avLst/>
+          </a:prstGeom>
+          <a:noFill/>
+          <a:ln>
+            <a:noFill/>
+          </a:ln>
+          <a:effectLst>
+            <a:outerShdw blurRad="50800" dist="50800" dir="5400000" algn="ctr" rotWithShape="0">
+              <a:srgbClr val="000000">
+                <a:alpha val="3000"/>
+              </a:srgbClr>
+            </a:outerShdw>
+          </a:effectLst>
+          <a:extLst>
+            <a:ext uri="{909E8E84-426E-40DD-AFC4-6F175D3DCCD1}">
+              <a14:hiddenFill xmlns:a14="http://schemas.microsoft.com/office/drawing/2010/main">
+                <a:solidFill>
+                  <a:schemeClr val="accent1"/>
+                </a:solidFill>
+              </a14:hiddenFill>
+            </a:ext>
+            <a:ext uri="{91240B29-F687-4F45-9708-019B960494DF}">
+              <a14:hiddenLine xmlns:a14="http://schemas.microsoft.com/office/drawing/2010/main" w="9525">
+                <a:solidFill>
+                  <a:schemeClr val="tx1"/>
+                </a:solidFill>
+                <a:miter lim="800000"/>
+                <a:headEnd/>
+                <a:tailEnd/>
+              </a14:hiddenLine>
+            </a:ext>
+          </a:extLst>
+        </p:spPr>
+      </p:pic>
+    </p:spTree>
+    <p:extLst>
+      <p:ext uri="{BB962C8B-B14F-4D97-AF65-F5344CB8AC3E}">
+        <p14:creationId xmlns:p14="http://schemas.microsoft.com/office/powerpoint/2010/main" val="3654672351"/>
+      </p:ext>
+    </p:extLst>
+  </p:cSld>
+  <p:clrMapOvr>
+    <a:masterClrMapping/>
+  </p:clrMapOvr>
+  <p:timing>
+    <p:tnLst>
+      <p:par>
+        <p:cTn id="1" dur="indefinite" restart="never" nodeType="tmRoot"/>
+      </p:par>
+    </p:tnLst>
+  </p:timing>
+</p:sld>
+</file>
+
+<file path=ppt/slides/slide41.xml><?xml version="1.0" encoding="utf-8"?>
+<p:sld xmlns:a="http://schemas.openxmlformats.org/drawingml/2006/main" xmlns:r="http://schemas.openxmlformats.org/officeDocument/2006/relationships" xmlns:p="http://schemas.openxmlformats.org/presentationml/2006/main">
+  <p:cSld>
+    <p:spTree>
+      <p:nvGrpSpPr>
+        <p:cNvPr id="1" name=""/>
+        <p:cNvGrpSpPr/>
+        <p:nvPr/>
+      </p:nvGrpSpPr>
+      <p:grpSpPr>
+        <a:xfrm>
+          <a:off x="0" y="0"/>
+          <a:ext cx="0" cy="0"/>
+          <a:chOff x="0" y="0"/>
+          <a:chExt cx="0" cy="0"/>
+        </a:xfrm>
+      </p:grpSpPr>
+      <p:sp>
+        <p:nvSpPr>
+          <p:cNvPr id="2" name="Title 1"/>
+          <p:cNvSpPr>
+            <a:spLocks noGrp="1"/>
+          </p:cNvSpPr>
+          <p:nvPr>
+            <p:ph type="title"/>
+          </p:nvPr>
+        </p:nvSpPr>
+        <p:spPr/>
+        <p:txBody>
+          <a:bodyPr/>
+          <a:lstStyle/>
+          <a:p>
+            <a:r>
+              <a:rPr lang="en-US" dirty="0" smtClean="0"/>
+              <a:t>Challenges</a:t>
+            </a:r>
+            <a:endParaRPr lang="pl-PL" dirty="0"/>
+          </a:p>
+        </p:txBody>
+      </p:sp>
+      <p:sp>
+        <p:nvSpPr>
+          <p:cNvPr id="3" name="Content Placeholder 2"/>
+          <p:cNvSpPr>
+            <a:spLocks noGrp="1"/>
+          </p:cNvSpPr>
+          <p:nvPr>
+            <p:ph idx="1"/>
+          </p:nvPr>
+        </p:nvSpPr>
+        <p:spPr/>
+        <p:txBody>
+          <a:bodyPr/>
+          <a:lstStyle/>
+          <a:p>
+            <a:r>
+              <a:rPr lang="en-US" dirty="0" smtClean="0"/>
+              <a:t>Scaling down is extremely tricky…</a:t>
+            </a:r>
+          </a:p>
+          <a:p>
+            <a:r>
+              <a:rPr lang="en-US" dirty="0" smtClean="0"/>
+              <a:t>Our approach: Assassin and Seppuku</a:t>
+            </a:r>
+          </a:p>
+          <a:p>
+            <a:r>
+              <a:rPr lang="en-US" dirty="0" smtClean="0"/>
+              <a:t>Think of a “machine” as sort of a</a:t>
+            </a:r>
+            <a:r>
+              <a:rPr lang="en-US" dirty="0"/>
+              <a:t> </a:t>
+            </a:r>
+            <a:r>
+              <a:rPr lang="en-US" dirty="0" smtClean="0"/>
+              <a:t>process or thread rather than a stable </a:t>
+            </a:r>
+            <a:r>
+              <a:rPr lang="en-US" dirty="0"/>
+              <a:t>infrastructure </a:t>
+            </a:r>
+            <a:r>
+              <a:rPr lang="en-US" dirty="0" smtClean="0"/>
+              <a:t>component</a:t>
+            </a:r>
+            <a:endParaRPr lang="pl-PL" dirty="0"/>
+          </a:p>
+        </p:txBody>
+      </p:sp>
+    </p:spTree>
+    <p:extLst>
+      <p:ext uri="{BB962C8B-B14F-4D97-AF65-F5344CB8AC3E}">
+        <p14:creationId xmlns:p14="http://schemas.microsoft.com/office/powerpoint/2010/main" val="1378695000"/>
+      </p:ext>
+    </p:extLst>
+  </p:cSld>
+  <p:clrMapOvr>
+    <a:masterClrMapping/>
+  </p:clrMapOvr>
+  <p:timing>
+    <p:tnLst>
+      <p:par>
+        <p:cTn id="1" dur="indefinite" restart="never" nodeType="tmRoot"/>
+      </p:par>
+    </p:tnLst>
+  </p:timing>
+</p:sld>
+</file>
+
 <file path=ppt/slides/slide5.xml><?xml version="1.0" encoding="utf-8"?>
 <p:sld xmlns:a="http://schemas.openxmlformats.org/drawingml/2006/main" xmlns:r="http://schemas.openxmlformats.org/officeDocument/2006/relationships" xmlns:p="http://schemas.openxmlformats.org/presentationml/2006/main">
   <p:cSld>
@@ -17427,7 +17944,7 @@
           <a:p>
             <a:r>
               <a:rPr lang="en-US" sz="3600" dirty="0" smtClean="0"/>
-              <a:t>AWS overview</a:t>
+              <a:t>AWS Console</a:t>
             </a:r>
             <a:endParaRPr lang="pl-PL" sz="3600" dirty="0"/>
           </a:p>
@@ -17445,20 +17962,275 @@
         </p:nvSpPr>
         <p:spPr/>
         <p:txBody>
-          <a:bodyPr/>
+          <a:bodyPr>
+            <a:normAutofit/>
+          </a:bodyPr>
           <a:lstStyle/>
           <a:p>
-            <a:r>
-              <a:rPr lang="en-US" dirty="0" smtClean="0"/>
-              <a:t>Just call up AWS Console</a:t>
-            </a:r>
-            <a:endParaRPr lang="pl-PL" dirty="0"/>
+            <a:pPr marL="0" indent="0">
+              <a:buNone/>
+            </a:pPr>
+            <a:r>
+              <a:rPr lang="en-US" sz="2700" dirty="0" smtClean="0">
+                <a:hlinkClick r:id="rId2"/>
+              </a:rPr>
+              <a:t>https</a:t>
+            </a:r>
+            <a:r>
+              <a:rPr lang="en-US" sz="2700" dirty="0">
+                <a:hlinkClick r:id="rId2"/>
+              </a:rPr>
+              <a:t>://</a:t>
+            </a:r>
+            <a:r>
+              <a:rPr lang="en-US" sz="2700" dirty="0" smtClean="0">
+                <a:hlinkClick r:id="rId2"/>
+              </a:rPr>
+              <a:t>adams.signin.aws.amazon.com/console</a:t>
+            </a:r>
+            <a:endParaRPr lang="en-US" sz="2700" dirty="0" smtClean="0"/>
+          </a:p>
+          <a:p>
+            <a:pPr marL="0" indent="0">
+              <a:buNone/>
+            </a:pPr>
+            <a:endParaRPr lang="en-US" sz="2700" dirty="0" smtClean="0"/>
+          </a:p>
+          <a:p>
+            <a:pPr marL="0" indent="0">
+              <a:buNone/>
+            </a:pPr>
+            <a:r>
+              <a:rPr lang="en-US" sz="2400" dirty="0" smtClean="0"/>
+              <a:t>Account: </a:t>
+            </a:r>
+            <a:r>
+              <a:rPr lang="en-US" sz="2400" dirty="0" err="1" smtClean="0"/>
+              <a:t>adams</a:t>
+            </a:r>
+            <a:endParaRPr lang="en-US" sz="2400" dirty="0"/>
+          </a:p>
+          <a:p>
+            <a:pPr marL="0" indent="0">
+              <a:buNone/>
+            </a:pPr>
+            <a:r>
+              <a:rPr lang="en-US" sz="2400" dirty="0" smtClean="0"/>
+              <a:t>User Name: </a:t>
+            </a:r>
+            <a:r>
+              <a:rPr lang="en-US" sz="2400" dirty="0" err="1" smtClean="0"/>
+              <a:t>studentXYZ</a:t>
+            </a:r>
+            <a:r>
+              <a:rPr lang="en-US" sz="2400" dirty="0" smtClean="0"/>
+              <a:t> e.g. student002</a:t>
+            </a:r>
+          </a:p>
+          <a:p>
+            <a:pPr marL="0" indent="0">
+              <a:buNone/>
+            </a:pPr>
+            <a:r>
+              <a:rPr lang="en-US" sz="2400" dirty="0" smtClean="0"/>
+              <a:t>Password: </a:t>
+            </a:r>
+            <a:r>
+              <a:rPr lang="en-US" sz="2400" dirty="0" err="1" smtClean="0"/>
+              <a:t>wj!studentXYZ</a:t>
+            </a:r>
+            <a:r>
+              <a:rPr lang="en-US" sz="2400" dirty="0" smtClean="0"/>
+              <a:t>@# e.g. </a:t>
+            </a:r>
+            <a:r>
+              <a:rPr lang="en-US" sz="2400" dirty="0"/>
+              <a:t>wj!student002@#</a:t>
+            </a:r>
+            <a:endParaRPr lang="pl-PL" sz="2400" dirty="0"/>
           </a:p>
         </p:txBody>
       </p:sp>
       <p:pic>
         <p:nvPicPr>
           <p:cNvPr id="1026" name="Picture 2"/>
+          <p:cNvPicPr>
+            <a:picLocks noChangeAspect="1" noChangeArrowheads="1"/>
+          </p:cNvPicPr>
+          <p:nvPr/>
+        </p:nvPicPr>
+        <p:blipFill>
+          <a:blip r:embed="rId3">
+            <a:extLst>
+              <a:ext uri="{28A0092B-C50C-407E-A947-70E740481C1C}">
+                <a14:useLocalDpi xmlns:a14="http://schemas.microsoft.com/office/drawing/2010/main" val="0"/>
+              </a:ext>
+            </a:extLst>
+          </a:blip>
+          <a:srcRect/>
+          <a:stretch>
+            <a:fillRect/>
+          </a:stretch>
+        </p:blipFill>
+        <p:spPr bwMode="auto">
+          <a:xfrm>
+            <a:off x="4644008" y="4293096"/>
+            <a:ext cx="3781425" cy="1895475"/>
+          </a:xfrm>
+          <a:prstGeom prst="rect">
+            <a:avLst/>
+          </a:prstGeom>
+          <a:noFill/>
+          <a:ln>
+            <a:noFill/>
+          </a:ln>
+          <a:extLst>
+            <a:ext uri="{909E8E84-426E-40DD-AFC4-6F175D3DCCD1}">
+              <a14:hiddenFill xmlns:a14="http://schemas.microsoft.com/office/drawing/2010/main">
+                <a:solidFill>
+                  <a:schemeClr val="accent1"/>
+                </a:solidFill>
+              </a14:hiddenFill>
+            </a:ext>
+            <a:ext uri="{91240B29-F687-4F45-9708-019B960494DF}">
+              <a14:hiddenLine xmlns:a14="http://schemas.microsoft.com/office/drawing/2010/main" w="9525">
+                <a:solidFill>
+                  <a:schemeClr val="tx1"/>
+                </a:solidFill>
+                <a:miter lim="800000"/>
+                <a:headEnd/>
+                <a:tailEnd/>
+              </a14:hiddenLine>
+            </a:ext>
+          </a:extLst>
+        </p:spPr>
+      </p:pic>
+      <p:pic>
+        <p:nvPicPr>
+          <p:cNvPr id="5" name="Picture 2"/>
+          <p:cNvPicPr>
+            <a:picLocks noChangeAspect="1" noChangeArrowheads="1"/>
+          </p:cNvPicPr>
+          <p:nvPr/>
+        </p:nvPicPr>
+        <p:blipFill>
+          <a:blip r:embed="rId4">
+            <a:extLst>
+              <a:ext uri="{28A0092B-C50C-407E-A947-70E740481C1C}">
+                <a14:useLocalDpi xmlns:a14="http://schemas.microsoft.com/office/drawing/2010/main" val="0"/>
+              </a:ext>
+            </a:extLst>
+          </a:blip>
+          <a:srcRect/>
+          <a:stretch>
+            <a:fillRect/>
+          </a:stretch>
+        </p:blipFill>
+        <p:spPr bwMode="auto">
+          <a:xfrm>
+            <a:off x="89173" y="6263811"/>
+            <a:ext cx="2114209" cy="549565"/>
+          </a:xfrm>
+          <a:prstGeom prst="rect">
+            <a:avLst/>
+          </a:prstGeom>
+          <a:noFill/>
+          <a:ln>
+            <a:noFill/>
+          </a:ln>
+          <a:effectLst>
+            <a:outerShdw blurRad="50800" dist="50800" dir="5400000" algn="ctr" rotWithShape="0">
+              <a:srgbClr val="000000">
+                <a:alpha val="3000"/>
+              </a:srgbClr>
+            </a:outerShdw>
+          </a:effectLst>
+          <a:extLst>
+            <a:ext uri="{909E8E84-426E-40DD-AFC4-6F175D3DCCD1}">
+              <a14:hiddenFill xmlns:a14="http://schemas.microsoft.com/office/drawing/2010/main">
+                <a:solidFill>
+                  <a:schemeClr val="accent1"/>
+                </a:solidFill>
+              </a14:hiddenFill>
+            </a:ext>
+            <a:ext uri="{91240B29-F687-4F45-9708-019B960494DF}">
+              <a14:hiddenLine xmlns:a14="http://schemas.microsoft.com/office/drawing/2010/main" w="9525">
+                <a:solidFill>
+                  <a:schemeClr val="tx1"/>
+                </a:solidFill>
+                <a:miter lim="800000"/>
+                <a:headEnd/>
+                <a:tailEnd/>
+              </a14:hiddenLine>
+            </a:ext>
+          </a:extLst>
+        </p:spPr>
+      </p:pic>
+    </p:spTree>
+    <p:extLst>
+      <p:ext uri="{BB962C8B-B14F-4D97-AF65-F5344CB8AC3E}">
+        <p14:creationId xmlns:p14="http://schemas.microsoft.com/office/powerpoint/2010/main" val="1026100270"/>
+      </p:ext>
+    </p:extLst>
+  </p:cSld>
+  <p:clrMapOvr>
+    <a:masterClrMapping/>
+  </p:clrMapOvr>
+  <p:timing>
+    <p:tnLst>
+      <p:par>
+        <p:cTn id="1" dur="indefinite" restart="never" nodeType="tmRoot"/>
+      </p:par>
+    </p:tnLst>
+  </p:timing>
+</p:sld>
+</file>
+
+<file path=ppt/slides/slide6.xml><?xml version="1.0" encoding="utf-8"?>
+<p:sld xmlns:a="http://schemas.openxmlformats.org/drawingml/2006/main" xmlns:r="http://schemas.openxmlformats.org/officeDocument/2006/relationships" xmlns:p="http://schemas.openxmlformats.org/presentationml/2006/main">
+  <p:cSld>
+    <p:spTree>
+      <p:nvGrpSpPr>
+        <p:cNvPr id="1" name=""/>
+        <p:cNvGrpSpPr/>
+        <p:nvPr/>
+      </p:nvGrpSpPr>
+      <p:grpSpPr>
+        <a:xfrm>
+          <a:off x="0" y="0"/>
+          <a:ext cx="0" cy="0"/>
+          <a:chOff x="0" y="0"/>
+          <a:chExt cx="0" cy="0"/>
+        </a:xfrm>
+      </p:grpSpPr>
+      <p:sp>
+        <p:nvSpPr>
+          <p:cNvPr id="2" name="Title 1"/>
+          <p:cNvSpPr>
+            <a:spLocks noGrp="1"/>
+          </p:cNvSpPr>
+          <p:nvPr>
+            <p:ph type="title"/>
+          </p:nvPr>
+        </p:nvSpPr>
+        <p:spPr/>
+        <p:txBody>
+          <a:bodyPr>
+            <a:normAutofit/>
+          </a:bodyPr>
+          <a:lstStyle/>
+          <a:p>
+            <a:r>
+              <a:rPr lang="en-US" sz="3600" dirty="0" smtClean="0"/>
+              <a:t>Set appropriate Region</a:t>
+            </a:r>
+            <a:endParaRPr lang="pl-PL" sz="3600" dirty="0"/>
+          </a:p>
+        </p:txBody>
+      </p:sp>
+      <p:pic>
+        <p:nvPicPr>
+          <p:cNvPr id="4" name="Picture 2"/>
           <p:cNvPicPr>
             <a:picLocks noChangeAspect="1" noChangeArrowheads="1"/>
           </p:cNvPicPr>
@@ -17479,8 +18251,8 @@
         </p:blipFill>
         <p:spPr bwMode="auto">
           <a:xfrm>
-            <a:off x="1475656" y="2348880"/>
-            <a:ext cx="6134100" cy="3876675"/>
+            <a:off x="2627784" y="2924944"/>
+            <a:ext cx="3619500" cy="1438275"/>
           </a:xfrm>
           <a:prstGeom prst="rect">
             <a:avLst/>
@@ -17574,6 +18346,206 @@
     </p:spTree>
     <p:extLst>
       <p:ext uri="{BB962C8B-B14F-4D97-AF65-F5344CB8AC3E}">
+        <p14:creationId xmlns:p14="http://schemas.microsoft.com/office/powerpoint/2010/main" val="605658626"/>
+      </p:ext>
+    </p:extLst>
+  </p:cSld>
+  <p:clrMapOvr>
+    <a:masterClrMapping/>
+  </p:clrMapOvr>
+  <p:timing>
+    <p:tnLst>
+      <p:par>
+        <p:cTn id="1" dur="indefinite" restart="never" nodeType="tmRoot"/>
+      </p:par>
+    </p:tnLst>
+  </p:timing>
+</p:sld>
+</file>
+
+<file path=ppt/slides/slide7.xml><?xml version="1.0" encoding="utf-8"?>
+<p:sld xmlns:a="http://schemas.openxmlformats.org/drawingml/2006/main" xmlns:r="http://schemas.openxmlformats.org/officeDocument/2006/relationships" xmlns:p="http://schemas.openxmlformats.org/presentationml/2006/main">
+  <p:cSld>
+    <p:spTree>
+      <p:nvGrpSpPr>
+        <p:cNvPr id="1" name=""/>
+        <p:cNvGrpSpPr/>
+        <p:nvPr/>
+      </p:nvGrpSpPr>
+      <p:grpSpPr>
+        <a:xfrm>
+          <a:off x="0" y="0"/>
+          <a:ext cx="0" cy="0"/>
+          <a:chOff x="0" y="0"/>
+          <a:chExt cx="0" cy="0"/>
+        </a:xfrm>
+      </p:grpSpPr>
+      <p:sp>
+        <p:nvSpPr>
+          <p:cNvPr id="2" name="Title 1"/>
+          <p:cNvSpPr>
+            <a:spLocks noGrp="1"/>
+          </p:cNvSpPr>
+          <p:nvPr>
+            <p:ph type="title"/>
+          </p:nvPr>
+        </p:nvSpPr>
+        <p:spPr/>
+        <p:txBody>
+          <a:bodyPr>
+            <a:normAutofit/>
+          </a:bodyPr>
+          <a:lstStyle/>
+          <a:p>
+            <a:r>
+              <a:rPr lang="en-US" sz="3600" dirty="0" smtClean="0"/>
+              <a:t>AWS overview</a:t>
+            </a:r>
+            <a:endParaRPr lang="pl-PL" sz="3600" dirty="0"/>
+          </a:p>
+        </p:txBody>
+      </p:sp>
+      <p:sp>
+        <p:nvSpPr>
+          <p:cNvPr id="3" name="Content Placeholder 2"/>
+          <p:cNvSpPr>
+            <a:spLocks noGrp="1"/>
+          </p:cNvSpPr>
+          <p:nvPr>
+            <p:ph idx="1"/>
+          </p:nvPr>
+        </p:nvSpPr>
+        <p:spPr/>
+        <p:txBody>
+          <a:bodyPr/>
+          <a:lstStyle/>
+          <a:p>
+            <a:r>
+              <a:rPr lang="en-US" dirty="0" smtClean="0"/>
+              <a:t>Just call up AWS Console</a:t>
+            </a:r>
+            <a:endParaRPr lang="pl-PL" dirty="0"/>
+          </a:p>
+        </p:txBody>
+      </p:sp>
+      <p:pic>
+        <p:nvPicPr>
+          <p:cNvPr id="1026" name="Picture 2"/>
+          <p:cNvPicPr>
+            <a:picLocks noChangeAspect="1" noChangeArrowheads="1"/>
+          </p:cNvPicPr>
+          <p:nvPr/>
+        </p:nvPicPr>
+        <p:blipFill>
+          <a:blip r:embed="rId2">
+            <a:extLst>
+              <a:ext uri="{28A0092B-C50C-407E-A947-70E740481C1C}">
+                <a14:useLocalDpi xmlns:a14="http://schemas.microsoft.com/office/drawing/2010/main" val="0"/>
+              </a:ext>
+            </a:extLst>
+          </a:blip>
+          <a:srcRect/>
+          <a:stretch>
+            <a:fillRect/>
+          </a:stretch>
+        </p:blipFill>
+        <p:spPr bwMode="auto">
+          <a:xfrm>
+            <a:off x="1475656" y="2348880"/>
+            <a:ext cx="6134100" cy="3876675"/>
+          </a:xfrm>
+          <a:prstGeom prst="rect">
+            <a:avLst/>
+          </a:prstGeom>
+          <a:noFill/>
+          <a:ln>
+            <a:noFill/>
+          </a:ln>
+          <a:extLst>
+            <a:ext uri="{909E8E84-426E-40DD-AFC4-6F175D3DCCD1}">
+              <a14:hiddenFill xmlns:a14="http://schemas.microsoft.com/office/drawing/2010/main">
+                <a:solidFill>
+                  <a:schemeClr val="accent1"/>
+                </a:solidFill>
+              </a14:hiddenFill>
+            </a:ext>
+            <a:ext uri="{91240B29-F687-4F45-9708-019B960494DF}">
+              <a14:hiddenLine xmlns:a14="http://schemas.microsoft.com/office/drawing/2010/main" w="9525">
+                <a:solidFill>
+                  <a:schemeClr val="tx1"/>
+                </a:solidFill>
+                <a:miter lim="800000"/>
+                <a:headEnd/>
+                <a:tailEnd/>
+              </a14:hiddenLine>
+            </a:ext>
+          </a:extLst>
+        </p:spPr>
+      </p:pic>
+      <p:pic>
+        <p:nvPicPr>
+          <p:cNvPr id="5" name="Picture 2"/>
+          <p:cNvPicPr>
+            <a:picLocks noChangeAspect="1" noChangeArrowheads="1"/>
+          </p:cNvPicPr>
+          <p:nvPr/>
+        </p:nvPicPr>
+        <p:blipFill>
+          <a:blip r:embed="rId3">
+            <a:extLst>
+              <a:ext uri="{28A0092B-C50C-407E-A947-70E740481C1C}">
+                <a14:useLocalDpi xmlns:a14="http://schemas.microsoft.com/office/drawing/2010/main" val="0"/>
+              </a:ext>
+            </a:extLst>
+          </a:blip>
+          <a:srcRect/>
+          <a:stretch>
+            <a:fillRect/>
+          </a:stretch>
+        </p:blipFill>
+        <p:spPr bwMode="auto">
+          <a:xfrm>
+            <a:off x="89173" y="6263811"/>
+            <a:ext cx="2114209" cy="549565"/>
+          </a:xfrm>
+          <a:prstGeom prst="rect">
+            <a:avLst/>
+          </a:prstGeom>
+          <a:noFill/>
+          <a:ln>
+            <a:noFill/>
+          </a:ln>
+          <a:effectLst>
+            <a:outerShdw blurRad="50800" dist="50800" dir="5400000" algn="ctr" rotWithShape="0">
+              <a:srgbClr val="000000">
+                <a:alpha val="3000"/>
+              </a:srgbClr>
+            </a:outerShdw>
+          </a:effectLst>
+          <a:extLst>
+            <a:ext uri="{909E8E84-426E-40DD-AFC4-6F175D3DCCD1}">
+              <a14:hiddenFill xmlns:a14="http://schemas.microsoft.com/office/drawing/2010/main">
+                <a:solidFill>
+                  <a:schemeClr val="accent1"/>
+                </a:solidFill>
+              </a14:hiddenFill>
+            </a:ext>
+            <a:ext uri="{91240B29-F687-4F45-9708-019B960494DF}">
+              <a14:hiddenLine xmlns:a14="http://schemas.microsoft.com/office/drawing/2010/main" w="9525">
+                <a:solidFill>
+                  <a:schemeClr val="tx1"/>
+                </a:solidFill>
+                <a:miter lim="800000"/>
+                <a:headEnd/>
+                <a:tailEnd/>
+              </a14:hiddenLine>
+            </a:ext>
+          </a:extLst>
+        </p:spPr>
+      </p:pic>
+    </p:spTree>
+    <p:extLst>
+      <p:ext uri="{BB962C8B-B14F-4D97-AF65-F5344CB8AC3E}">
         <p14:creationId xmlns:p14="http://schemas.microsoft.com/office/powerpoint/2010/main" val="2108775211"/>
       </p:ext>
     </p:extLst>
@@ -17591,7 +18563,7 @@
 </p:sld>
 </file>
 
-<file path=ppt/slides/slide6.xml><?xml version="1.0" encoding="utf-8"?>
+<file path=ppt/slides/slide8.xml><?xml version="1.0" encoding="utf-8"?>
 <p:sld xmlns:a="http://schemas.openxmlformats.org/drawingml/2006/main" xmlns:r="http://schemas.openxmlformats.org/officeDocument/2006/relationships" xmlns:p="http://schemas.openxmlformats.org/presentationml/2006/main">
   <p:cSld>
     <p:spTree>
@@ -18039,7 +19011,7 @@
 </p:sld>
 </file>
 
-<file path=ppt/slides/slide7.xml><?xml version="1.0" encoding="utf-8"?>
+<file path=ppt/slides/slide9.xml><?xml version="1.0" encoding="utf-8"?>
 <p:sld xmlns:a="http://schemas.openxmlformats.org/drawingml/2006/main" xmlns:r="http://schemas.openxmlformats.org/officeDocument/2006/relationships" xmlns:p="http://schemas.openxmlformats.org/presentationml/2006/main">
   <p:cSld>
     <p:spTree>
@@ -18162,502 +19134,6 @@
     <p:extLst>
       <p:ext uri="{BB962C8B-B14F-4D97-AF65-F5344CB8AC3E}">
         <p14:creationId xmlns:p14="http://schemas.microsoft.com/office/powerpoint/2010/main" val="1309258623"/>
-      </p:ext>
-    </p:extLst>
-  </p:cSld>
-  <p:clrMapOvr>
-    <a:masterClrMapping/>
-  </p:clrMapOvr>
-  <p:timing>
-    <p:tnLst>
-      <p:par>
-        <p:cTn id="1" dur="indefinite" restart="never" nodeType="tmRoot"/>
-      </p:par>
-    </p:tnLst>
-  </p:timing>
-</p:sld>
-</file>
-
-<file path=ppt/slides/slide8.xml><?xml version="1.0" encoding="utf-8"?>
-<p:sld xmlns:a="http://schemas.openxmlformats.org/drawingml/2006/main" xmlns:r="http://schemas.openxmlformats.org/officeDocument/2006/relationships" xmlns:p="http://schemas.openxmlformats.org/presentationml/2006/main">
-  <p:cSld>
-    <p:spTree>
-      <p:nvGrpSpPr>
-        <p:cNvPr id="1" name=""/>
-        <p:cNvGrpSpPr/>
-        <p:nvPr/>
-      </p:nvGrpSpPr>
-      <p:grpSpPr>
-        <a:xfrm>
-          <a:off x="0" y="0"/>
-          <a:ext cx="0" cy="0"/>
-          <a:chOff x="0" y="0"/>
-          <a:chExt cx="0" cy="0"/>
-        </a:xfrm>
-      </p:grpSpPr>
-      <p:sp>
-        <p:nvSpPr>
-          <p:cNvPr id="2" name="Title 1"/>
-          <p:cNvSpPr>
-            <a:spLocks noGrp="1"/>
-          </p:cNvSpPr>
-          <p:nvPr>
-            <p:ph type="title"/>
-          </p:nvPr>
-        </p:nvSpPr>
-        <p:spPr/>
-        <p:txBody>
-          <a:bodyPr>
-            <a:normAutofit/>
-          </a:bodyPr>
-          <a:lstStyle/>
-          <a:p>
-            <a:r>
-              <a:rPr lang="en-US" sz="3600" dirty="0" smtClean="0"/>
-              <a:t>AWS Console</a:t>
-            </a:r>
-            <a:endParaRPr lang="pl-PL" sz="3600" dirty="0"/>
-          </a:p>
-        </p:txBody>
-      </p:sp>
-      <p:sp>
-        <p:nvSpPr>
-          <p:cNvPr id="3" name="Content Placeholder 2"/>
-          <p:cNvSpPr>
-            <a:spLocks noGrp="1"/>
-          </p:cNvSpPr>
-          <p:nvPr>
-            <p:ph idx="1"/>
-          </p:nvPr>
-        </p:nvSpPr>
-        <p:spPr/>
-        <p:txBody>
-          <a:bodyPr>
-            <a:normAutofit/>
-          </a:bodyPr>
-          <a:lstStyle/>
-          <a:p>
-            <a:pPr marL="0" indent="0">
-              <a:buNone/>
-            </a:pPr>
-            <a:r>
-              <a:rPr lang="en-US" sz="2700" dirty="0" smtClean="0">
-                <a:hlinkClick r:id="rId2"/>
-              </a:rPr>
-              <a:t>https</a:t>
-            </a:r>
-            <a:r>
-              <a:rPr lang="en-US" sz="2700" dirty="0">
-                <a:hlinkClick r:id="rId2"/>
-              </a:rPr>
-              <a:t>://</a:t>
-            </a:r>
-            <a:r>
-              <a:rPr lang="en-US" sz="2700" dirty="0" smtClean="0">
-                <a:hlinkClick r:id="rId2"/>
-              </a:rPr>
-              <a:t>adams.signin.aws.amazon.com/console</a:t>
-            </a:r>
-            <a:endParaRPr lang="en-US" sz="2700" dirty="0" smtClean="0"/>
-          </a:p>
-          <a:p>
-            <a:pPr marL="0" indent="0">
-              <a:buNone/>
-            </a:pPr>
-            <a:endParaRPr lang="en-US" sz="2700" dirty="0" smtClean="0"/>
-          </a:p>
-          <a:p>
-            <a:pPr marL="0" indent="0">
-              <a:buNone/>
-            </a:pPr>
-            <a:r>
-              <a:rPr lang="en-US" sz="2400" dirty="0" smtClean="0"/>
-              <a:t>Account: </a:t>
-            </a:r>
-            <a:r>
-              <a:rPr lang="en-US" sz="2400" dirty="0" err="1" smtClean="0"/>
-              <a:t>adams</a:t>
-            </a:r>
-            <a:endParaRPr lang="en-US" sz="2400" dirty="0"/>
-          </a:p>
-          <a:p>
-            <a:pPr marL="0" indent="0">
-              <a:buNone/>
-            </a:pPr>
-            <a:r>
-              <a:rPr lang="en-US" sz="2400" dirty="0" smtClean="0"/>
-              <a:t>User Name: </a:t>
-            </a:r>
-            <a:r>
-              <a:rPr lang="en-US" sz="2400" dirty="0" err="1" smtClean="0"/>
-              <a:t>studentXYZ</a:t>
-            </a:r>
-            <a:r>
-              <a:rPr lang="en-US" sz="2400" dirty="0" smtClean="0"/>
-              <a:t> e.g. student002</a:t>
-            </a:r>
-          </a:p>
-          <a:p>
-            <a:pPr marL="0" indent="0">
-              <a:buNone/>
-            </a:pPr>
-            <a:r>
-              <a:rPr lang="en-US" sz="2400" dirty="0" smtClean="0"/>
-              <a:t>Password: </a:t>
-            </a:r>
-            <a:r>
-              <a:rPr lang="en-US" sz="2400" dirty="0" err="1" smtClean="0"/>
-              <a:t>wj!studentXYZ</a:t>
-            </a:r>
-            <a:r>
-              <a:rPr lang="en-US" sz="2400" dirty="0" smtClean="0"/>
-              <a:t>@# e.g. </a:t>
-            </a:r>
-            <a:r>
-              <a:rPr lang="en-US" sz="2400" dirty="0"/>
-              <a:t>wj!student002@#</a:t>
-            </a:r>
-            <a:endParaRPr lang="pl-PL" sz="2400" dirty="0"/>
-          </a:p>
-        </p:txBody>
-      </p:sp>
-      <p:pic>
-        <p:nvPicPr>
-          <p:cNvPr id="1026" name="Picture 2"/>
-          <p:cNvPicPr>
-            <a:picLocks noChangeAspect="1" noChangeArrowheads="1"/>
-          </p:cNvPicPr>
-          <p:nvPr/>
-        </p:nvPicPr>
-        <p:blipFill>
-          <a:blip r:embed="rId3">
-            <a:extLst>
-              <a:ext uri="{28A0092B-C50C-407E-A947-70E740481C1C}">
-                <a14:useLocalDpi xmlns:a14="http://schemas.microsoft.com/office/drawing/2010/main" val="0"/>
-              </a:ext>
-            </a:extLst>
-          </a:blip>
-          <a:srcRect/>
-          <a:stretch>
-            <a:fillRect/>
-          </a:stretch>
-        </p:blipFill>
-        <p:spPr bwMode="auto">
-          <a:xfrm>
-            <a:off x="4644008" y="4293096"/>
-            <a:ext cx="3781425" cy="1895475"/>
-          </a:xfrm>
-          <a:prstGeom prst="rect">
-            <a:avLst/>
-          </a:prstGeom>
-          <a:noFill/>
-          <a:ln>
-            <a:noFill/>
-          </a:ln>
-          <a:extLst>
-            <a:ext uri="{909E8E84-426E-40DD-AFC4-6F175D3DCCD1}">
-              <a14:hiddenFill xmlns:a14="http://schemas.microsoft.com/office/drawing/2010/main">
-                <a:solidFill>
-                  <a:schemeClr val="accent1"/>
-                </a:solidFill>
-              </a14:hiddenFill>
-            </a:ext>
-            <a:ext uri="{91240B29-F687-4F45-9708-019B960494DF}">
-              <a14:hiddenLine xmlns:a14="http://schemas.microsoft.com/office/drawing/2010/main" w="9525">
-                <a:solidFill>
-                  <a:schemeClr val="tx1"/>
-                </a:solidFill>
-                <a:miter lim="800000"/>
-                <a:headEnd/>
-                <a:tailEnd/>
-              </a14:hiddenLine>
-            </a:ext>
-          </a:extLst>
-        </p:spPr>
-      </p:pic>
-      <p:pic>
-        <p:nvPicPr>
-          <p:cNvPr id="5" name="Picture 2"/>
-          <p:cNvPicPr>
-            <a:picLocks noChangeAspect="1" noChangeArrowheads="1"/>
-          </p:cNvPicPr>
-          <p:nvPr/>
-        </p:nvPicPr>
-        <p:blipFill>
-          <a:blip r:embed="rId4">
-            <a:extLst>
-              <a:ext uri="{28A0092B-C50C-407E-A947-70E740481C1C}">
-                <a14:useLocalDpi xmlns:a14="http://schemas.microsoft.com/office/drawing/2010/main" val="0"/>
-              </a:ext>
-            </a:extLst>
-          </a:blip>
-          <a:srcRect/>
-          <a:stretch>
-            <a:fillRect/>
-          </a:stretch>
-        </p:blipFill>
-        <p:spPr bwMode="auto">
-          <a:xfrm>
-            <a:off x="89173" y="6263811"/>
-            <a:ext cx="2114209" cy="549565"/>
-          </a:xfrm>
-          <a:prstGeom prst="rect">
-            <a:avLst/>
-          </a:prstGeom>
-          <a:noFill/>
-          <a:ln>
-            <a:noFill/>
-          </a:ln>
-          <a:effectLst>
-            <a:outerShdw blurRad="50800" dist="50800" dir="5400000" algn="ctr" rotWithShape="0">
-              <a:srgbClr val="000000">
-                <a:alpha val="3000"/>
-              </a:srgbClr>
-            </a:outerShdw>
-          </a:effectLst>
-          <a:extLst>
-            <a:ext uri="{909E8E84-426E-40DD-AFC4-6F175D3DCCD1}">
-              <a14:hiddenFill xmlns:a14="http://schemas.microsoft.com/office/drawing/2010/main">
-                <a:solidFill>
-                  <a:schemeClr val="accent1"/>
-                </a:solidFill>
-              </a14:hiddenFill>
-            </a:ext>
-            <a:ext uri="{91240B29-F687-4F45-9708-019B960494DF}">
-              <a14:hiddenLine xmlns:a14="http://schemas.microsoft.com/office/drawing/2010/main" w="9525">
-                <a:solidFill>
-                  <a:schemeClr val="tx1"/>
-                </a:solidFill>
-                <a:miter lim="800000"/>
-                <a:headEnd/>
-                <a:tailEnd/>
-              </a14:hiddenLine>
-            </a:ext>
-          </a:extLst>
-        </p:spPr>
-      </p:pic>
-    </p:spTree>
-    <p:extLst>
-      <p:ext uri="{BB962C8B-B14F-4D97-AF65-F5344CB8AC3E}">
-        <p14:creationId xmlns:p14="http://schemas.microsoft.com/office/powerpoint/2010/main" val="1026100270"/>
-      </p:ext>
-    </p:extLst>
-  </p:cSld>
-  <p:clrMapOvr>
-    <a:masterClrMapping/>
-  </p:clrMapOvr>
-  <p:timing>
-    <p:tnLst>
-      <p:par>
-        <p:cTn id="1" dur="indefinite" restart="never" nodeType="tmRoot"/>
-      </p:par>
-    </p:tnLst>
-  </p:timing>
-</p:sld>
-</file>
-
-<file path=ppt/slides/slide9.xml><?xml version="1.0" encoding="utf-8"?>
-<p:sld xmlns:a="http://schemas.openxmlformats.org/drawingml/2006/main" xmlns:r="http://schemas.openxmlformats.org/officeDocument/2006/relationships" xmlns:p="http://schemas.openxmlformats.org/presentationml/2006/main">
-  <p:cSld>
-    <p:spTree>
-      <p:nvGrpSpPr>
-        <p:cNvPr id="1" name=""/>
-        <p:cNvGrpSpPr/>
-        <p:nvPr/>
-      </p:nvGrpSpPr>
-      <p:grpSpPr>
-        <a:xfrm>
-          <a:off x="0" y="0"/>
-          <a:ext cx="0" cy="0"/>
-          <a:chOff x="0" y="0"/>
-          <a:chExt cx="0" cy="0"/>
-        </a:xfrm>
-      </p:grpSpPr>
-      <p:sp>
-        <p:nvSpPr>
-          <p:cNvPr id="2" name="Title 1"/>
-          <p:cNvSpPr>
-            <a:spLocks noGrp="1"/>
-          </p:cNvSpPr>
-          <p:nvPr>
-            <p:ph type="title"/>
-          </p:nvPr>
-        </p:nvSpPr>
-        <p:spPr/>
-        <p:txBody>
-          <a:bodyPr>
-            <a:normAutofit/>
-          </a:bodyPr>
-          <a:lstStyle/>
-          <a:p>
-            <a:r>
-              <a:rPr lang="en-US" sz="3600" dirty="0" smtClean="0"/>
-              <a:t>Example JEE 7 Service structure</a:t>
-            </a:r>
-            <a:endParaRPr lang="pl-PL" sz="3600" dirty="0"/>
-          </a:p>
-        </p:txBody>
-      </p:sp>
-      <p:pic>
-        <p:nvPicPr>
-          <p:cNvPr id="4" name="Picture 2"/>
-          <p:cNvPicPr>
-            <a:picLocks noChangeAspect="1" noChangeArrowheads="1"/>
-          </p:cNvPicPr>
-          <p:nvPr/>
-        </p:nvPicPr>
-        <p:blipFill>
-          <a:blip r:embed="rId2">
-            <a:extLst>
-              <a:ext uri="{28A0092B-C50C-407E-A947-70E740481C1C}">
-                <a14:useLocalDpi xmlns:a14="http://schemas.microsoft.com/office/drawing/2010/main" val="0"/>
-              </a:ext>
-            </a:extLst>
-          </a:blip>
-          <a:srcRect/>
-          <a:stretch>
-            <a:fillRect/>
-          </a:stretch>
-        </p:blipFill>
-        <p:spPr bwMode="auto">
-          <a:xfrm>
-            <a:off x="2411760" y="1834370"/>
-            <a:ext cx="4032448" cy="3821520"/>
-          </a:xfrm>
-          <a:prstGeom prst="rect">
-            <a:avLst/>
-          </a:prstGeom>
-          <a:noFill/>
-          <a:ln>
-            <a:noFill/>
-          </a:ln>
-          <a:extLst>
-            <a:ext uri="{909E8E84-426E-40DD-AFC4-6F175D3DCCD1}">
-              <a14:hiddenFill xmlns:a14="http://schemas.microsoft.com/office/drawing/2010/main">
-                <a:solidFill>
-                  <a:schemeClr val="accent1"/>
-                </a:solidFill>
-              </a14:hiddenFill>
-            </a:ext>
-            <a:ext uri="{91240B29-F687-4F45-9708-019B960494DF}">
-              <a14:hiddenLine xmlns:a14="http://schemas.microsoft.com/office/drawing/2010/main" w="9525">
-                <a:solidFill>
-                  <a:schemeClr val="tx1"/>
-                </a:solidFill>
-                <a:miter lim="800000"/>
-                <a:headEnd/>
-                <a:tailEnd/>
-              </a14:hiddenLine>
-            </a:ext>
-          </a:extLst>
-        </p:spPr>
-      </p:pic>
-      <p:sp>
-        <p:nvSpPr>
-          <p:cNvPr id="3" name="Rectangle 2"/>
-          <p:cNvSpPr/>
-          <p:nvPr/>
-        </p:nvSpPr>
-        <p:spPr>
-          <a:xfrm rot="542673">
-            <a:off x="4799436" y="5324823"/>
-            <a:ext cx="4001416" cy="461665"/>
-          </a:xfrm>
-          <a:prstGeom prst="rect">
-            <a:avLst/>
-          </a:prstGeom>
-        </p:spPr>
-        <p:txBody>
-          <a:bodyPr wrap="none">
-            <a:spAutoFit/>
-          </a:bodyPr>
-          <a:lstStyle/>
-          <a:p>
-            <a:r>
-              <a:rPr lang="pl-PL" sz="2400" dirty="0" err="1" smtClean="0"/>
-              <a:t>Entity</a:t>
-            </a:r>
-            <a:r>
-              <a:rPr lang="pl-PL" sz="2400" dirty="0" smtClean="0"/>
-              <a:t>-Control-</a:t>
-            </a:r>
-            <a:r>
-              <a:rPr lang="pl-PL" sz="2400" dirty="0" err="1" smtClean="0"/>
-              <a:t>Boundar</a:t>
-            </a:r>
-            <a:r>
-              <a:rPr lang="en-US" sz="2400" dirty="0" smtClean="0"/>
-              <a:t>y</a:t>
-            </a:r>
-            <a:endParaRPr lang="pl-PL" sz="2400" dirty="0"/>
-          </a:p>
-        </p:txBody>
-      </p:sp>
-      <p:pic>
-        <p:nvPicPr>
-          <p:cNvPr id="5" name="Picture 2"/>
-          <p:cNvPicPr>
-            <a:picLocks noChangeAspect="1" noChangeArrowheads="1"/>
-          </p:cNvPicPr>
-          <p:nvPr/>
-        </p:nvPicPr>
-        <p:blipFill>
-          <a:blip r:embed="rId3">
-            <a:extLst>
-              <a:ext uri="{28A0092B-C50C-407E-A947-70E740481C1C}">
-                <a14:useLocalDpi xmlns:a14="http://schemas.microsoft.com/office/drawing/2010/main" val="0"/>
-              </a:ext>
-            </a:extLst>
-          </a:blip>
-          <a:srcRect/>
-          <a:stretch>
-            <a:fillRect/>
-          </a:stretch>
-        </p:blipFill>
-        <p:spPr bwMode="auto">
-          <a:xfrm>
-            <a:off x="89173" y="6263811"/>
-            <a:ext cx="2114209" cy="549565"/>
-          </a:xfrm>
-          <a:prstGeom prst="rect">
-            <a:avLst/>
-          </a:prstGeom>
-          <a:noFill/>
-          <a:ln>
-            <a:noFill/>
-          </a:ln>
-          <a:effectLst>
-            <a:outerShdw blurRad="50800" dist="50800" dir="5400000" algn="ctr" rotWithShape="0">
-              <a:srgbClr val="000000">
-                <a:alpha val="3000"/>
-              </a:srgbClr>
-            </a:outerShdw>
-          </a:effectLst>
-          <a:extLst>
-            <a:ext uri="{909E8E84-426E-40DD-AFC4-6F175D3DCCD1}">
-              <a14:hiddenFill xmlns:a14="http://schemas.microsoft.com/office/drawing/2010/main">
-                <a:solidFill>
-                  <a:schemeClr val="accent1"/>
-                </a:solidFill>
-              </a14:hiddenFill>
-            </a:ext>
-            <a:ext uri="{91240B29-F687-4F45-9708-019B960494DF}">
-              <a14:hiddenLine xmlns:a14="http://schemas.microsoft.com/office/drawing/2010/main" w="9525">
-                <a:solidFill>
-                  <a:schemeClr val="tx1"/>
-                </a:solidFill>
-                <a:miter lim="800000"/>
-                <a:headEnd/>
-                <a:tailEnd/>
-              </a14:hiddenLine>
-            </a:ext>
-          </a:extLst>
-        </p:spPr>
-      </p:pic>
-    </p:spTree>
-    <p:extLst>
-      <p:ext uri="{BB962C8B-B14F-4D97-AF65-F5344CB8AC3E}">
-        <p14:creationId xmlns:p14="http://schemas.microsoft.com/office/powerpoint/2010/main" val="1793727934"/>
       </p:ext>
     </p:extLst>
   </p:cSld>

--- a/presentations/aws_ha_workshops.pptx
+++ b/presentations/aws_ha_workshops.pptx
@@ -5,7 +5,7 @@
     <p:sldMasterId id="2147483648" r:id="rId1"/>
   </p:sldMasterIdLst>
   <p:notesMasterIdLst>
-    <p:notesMasterId r:id="rId43"/>
+    <p:notesMasterId r:id="rId45"/>
   </p:notesMasterIdLst>
   <p:sldIdLst>
     <p:sldId id="256" r:id="rId2"/>
@@ -34,21 +34,23 @@
     <p:sldId id="276" r:id="rId25"/>
     <p:sldId id="277" r:id="rId26"/>
     <p:sldId id="278" r:id="rId27"/>
-    <p:sldId id="259" r:id="rId28"/>
-    <p:sldId id="279" r:id="rId29"/>
-    <p:sldId id="295" r:id="rId30"/>
-    <p:sldId id="285" r:id="rId31"/>
-    <p:sldId id="289" r:id="rId32"/>
-    <p:sldId id="298" r:id="rId33"/>
-    <p:sldId id="293" r:id="rId34"/>
-    <p:sldId id="280" r:id="rId35"/>
-    <p:sldId id="294" r:id="rId36"/>
-    <p:sldId id="296" r:id="rId37"/>
-    <p:sldId id="283" r:id="rId38"/>
-    <p:sldId id="282" r:id="rId39"/>
-    <p:sldId id="286" r:id="rId40"/>
-    <p:sldId id="297" r:id="rId41"/>
-    <p:sldId id="299" r:id="rId42"/>
+    <p:sldId id="302" r:id="rId28"/>
+    <p:sldId id="259" r:id="rId29"/>
+    <p:sldId id="279" r:id="rId30"/>
+    <p:sldId id="295" r:id="rId31"/>
+    <p:sldId id="285" r:id="rId32"/>
+    <p:sldId id="303" r:id="rId33"/>
+    <p:sldId id="289" r:id="rId34"/>
+    <p:sldId id="298" r:id="rId35"/>
+    <p:sldId id="293" r:id="rId36"/>
+    <p:sldId id="280" r:id="rId37"/>
+    <p:sldId id="294" r:id="rId38"/>
+    <p:sldId id="296" r:id="rId39"/>
+    <p:sldId id="283" r:id="rId40"/>
+    <p:sldId id="282" r:id="rId41"/>
+    <p:sldId id="286" r:id="rId42"/>
+    <p:sldId id="297" r:id="rId43"/>
+    <p:sldId id="299" r:id="rId44"/>
   </p:sldIdLst>
   <p:sldSz cx="9144000" cy="6858000" type="screen4x3"/>
   <p:notesSz cx="6858000" cy="9144000"/>
@@ -232,7 +234,7 @@
           <a:p>
             <a:fld id="{4FCB940D-A35E-492A-9AF7-403ECB6582B3}" type="datetimeFigureOut">
               <a:rPr lang="pl-PL" smtClean="0"/>
-              <a:t>2014-09-21</a:t>
+              <a:t>2014-09-22</a:t>
             </a:fld>
             <a:endParaRPr lang="pl-PL"/>
           </a:p>
@@ -565,7 +567,7 @@
           <a:p>
             <a:fld id="{B968731D-1AB3-4882-B6B0-BF5E3F29E4E1}" type="slidenum">
               <a:rPr lang="pl-PL" smtClean="0"/>
-              <a:t>32</a:t>
+              <a:t>34</a:t>
             </a:fld>
             <a:endParaRPr lang="pl-PL"/>
           </a:p>
@@ -849,7 +851,7 @@
           <a:p>
             <a:fld id="{457CC8CD-1B12-42F7-8F2A-8D88273D1FDC}" type="datetimeFigureOut">
               <a:rPr lang="pl-PL" smtClean="0"/>
-              <a:t>2014-09-21</a:t>
+              <a:t>2014-09-22</a:t>
             </a:fld>
             <a:endParaRPr lang="pl-PL"/>
           </a:p>
@@ -1029,7 +1031,7 @@
           <a:p>
             <a:fld id="{457CC8CD-1B12-42F7-8F2A-8D88273D1FDC}" type="datetimeFigureOut">
               <a:rPr lang="pl-PL" smtClean="0"/>
-              <a:t>2014-09-21</a:t>
+              <a:t>2014-09-22</a:t>
             </a:fld>
             <a:endParaRPr lang="pl-PL"/>
           </a:p>
@@ -1199,7 +1201,7 @@
           <a:p>
             <a:fld id="{457CC8CD-1B12-42F7-8F2A-8D88273D1FDC}" type="datetimeFigureOut">
               <a:rPr lang="pl-PL" smtClean="0"/>
-              <a:t>2014-09-21</a:t>
+              <a:t>2014-09-22</a:t>
             </a:fld>
             <a:endParaRPr lang="pl-PL"/>
           </a:p>
@@ -1445,7 +1447,7 @@
           <a:p>
             <a:fld id="{457CC8CD-1B12-42F7-8F2A-8D88273D1FDC}" type="datetimeFigureOut">
               <a:rPr lang="pl-PL" smtClean="0"/>
-              <a:t>2014-09-21</a:t>
+              <a:t>2014-09-22</a:t>
             </a:fld>
             <a:endParaRPr lang="pl-PL"/>
           </a:p>
@@ -1740,7 +1742,7 @@
           <a:p>
             <a:fld id="{457CC8CD-1B12-42F7-8F2A-8D88273D1FDC}" type="datetimeFigureOut">
               <a:rPr lang="pl-PL" smtClean="0"/>
-              <a:t>2014-09-21</a:t>
+              <a:t>2014-09-22</a:t>
             </a:fld>
             <a:endParaRPr lang="pl-PL"/>
           </a:p>
@@ -2169,7 +2171,7 @@
           <a:p>
             <a:fld id="{457CC8CD-1B12-42F7-8F2A-8D88273D1FDC}" type="datetimeFigureOut">
               <a:rPr lang="pl-PL" smtClean="0"/>
-              <a:t>2014-09-21</a:t>
+              <a:t>2014-09-22</a:t>
             </a:fld>
             <a:endParaRPr lang="pl-PL"/>
           </a:p>
@@ -2294,7 +2296,7 @@
           <a:p>
             <a:fld id="{457CC8CD-1B12-42F7-8F2A-8D88273D1FDC}" type="datetimeFigureOut">
               <a:rPr lang="pl-PL" smtClean="0"/>
-              <a:t>2014-09-21</a:t>
+              <a:t>2014-09-22</a:t>
             </a:fld>
             <a:endParaRPr lang="pl-PL"/>
           </a:p>
@@ -2396,7 +2398,7 @@
           <a:p>
             <a:fld id="{457CC8CD-1B12-42F7-8F2A-8D88273D1FDC}" type="datetimeFigureOut">
               <a:rPr lang="pl-PL" smtClean="0"/>
-              <a:t>2014-09-21</a:t>
+              <a:t>2014-09-22</a:t>
             </a:fld>
             <a:endParaRPr lang="pl-PL"/>
           </a:p>
@@ -2673,7 +2675,7 @@
           <a:p>
             <a:fld id="{457CC8CD-1B12-42F7-8F2A-8D88273D1FDC}" type="datetimeFigureOut">
               <a:rPr lang="pl-PL" smtClean="0"/>
-              <a:t>2014-09-21</a:t>
+              <a:t>2014-09-22</a:t>
             </a:fld>
             <a:endParaRPr lang="pl-PL"/>
           </a:p>
@@ -2926,7 +2928,7 @@
           <a:p>
             <a:fld id="{457CC8CD-1B12-42F7-8F2A-8D88273D1FDC}" type="datetimeFigureOut">
               <a:rPr lang="pl-PL" smtClean="0"/>
-              <a:t>2014-09-21</a:t>
+              <a:t>2014-09-22</a:t>
             </a:fld>
             <a:endParaRPr lang="pl-PL"/>
           </a:p>
@@ -3139,7 +3141,7 @@
           <a:p>
             <a:fld id="{457CC8CD-1B12-42F7-8F2A-8D88273D1FDC}" type="datetimeFigureOut">
               <a:rPr lang="pl-PL" smtClean="0"/>
-              <a:t>2014-09-21</a:t>
+              <a:t>2014-09-22</a:t>
             </a:fld>
             <a:endParaRPr lang="pl-PL"/>
           </a:p>
@@ -5145,7 +5147,7 @@
         </p:nvSpPr>
         <p:spPr>
           <a:xfrm>
-            <a:off x="323528" y="3105835"/>
+            <a:off x="251520" y="3347700"/>
             <a:ext cx="8640960" cy="369332"/>
           </a:xfrm>
           <a:prstGeom prst="rect">
@@ -5162,97 +5164,6 @@
               <a:rPr lang="pl-PL" dirty="0"/>
               <a:t>https://forums.aws.amazon.com/thread.jspa?threadID=161000&amp;tstart=0</a:t>
             </a:r>
-          </a:p>
-        </p:txBody>
-      </p:sp>
-    </p:spTree>
-    <p:extLst>
-      <p:ext uri="{BB962C8B-B14F-4D97-AF65-F5344CB8AC3E}">
-        <p14:creationId xmlns:p14="http://schemas.microsoft.com/office/powerpoint/2010/main" val="946032297"/>
-      </p:ext>
-    </p:extLst>
-  </p:cSld>
-  <p:clrMapOvr>
-    <a:masterClrMapping/>
-  </p:clrMapOvr>
-</p:sld>
-</file>
-
-<file path=ppt/slides/slide16.xml><?xml version="1.0" encoding="utf-8"?>
-<p:sld xmlns:a="http://schemas.openxmlformats.org/drawingml/2006/main" xmlns:r="http://schemas.openxmlformats.org/officeDocument/2006/relationships" xmlns:p="http://schemas.openxmlformats.org/presentationml/2006/main">
-  <p:cSld>
-    <p:spTree>
-      <p:nvGrpSpPr>
-        <p:cNvPr id="1" name=""/>
-        <p:cNvGrpSpPr/>
-        <p:nvPr/>
-      </p:nvGrpSpPr>
-      <p:grpSpPr>
-        <a:xfrm>
-          <a:off x="0" y="0"/>
-          <a:ext cx="0" cy="0"/>
-          <a:chOff x="0" y="0"/>
-          <a:chExt cx="0" cy="0"/>
-        </a:xfrm>
-      </p:grpSpPr>
-      <p:sp>
-        <p:nvSpPr>
-          <p:cNvPr id="2" name="Title 1"/>
-          <p:cNvSpPr>
-            <a:spLocks noGrp="1"/>
-          </p:cNvSpPr>
-          <p:nvPr>
-            <p:ph type="title"/>
-          </p:nvPr>
-        </p:nvSpPr>
-        <p:spPr/>
-        <p:txBody>
-          <a:bodyPr>
-            <a:normAutofit/>
-          </a:bodyPr>
-          <a:lstStyle/>
-          <a:p>
-            <a:r>
-              <a:rPr lang="en-US" sz="3600" dirty="0" smtClean="0"/>
-              <a:t>Setbacks happens</a:t>
-            </a:r>
-            <a:endParaRPr lang="pl-PL" sz="3600" dirty="0"/>
-          </a:p>
-        </p:txBody>
-      </p:sp>
-      <p:sp>
-        <p:nvSpPr>
-          <p:cNvPr id="3" name="Content Placeholder 2"/>
-          <p:cNvSpPr>
-            <a:spLocks noGrp="1"/>
-          </p:cNvSpPr>
-          <p:nvPr>
-            <p:ph idx="1"/>
-          </p:nvPr>
-        </p:nvSpPr>
-        <p:spPr/>
-        <p:txBody>
-          <a:bodyPr/>
-          <a:lstStyle/>
-          <a:p>
-            <a:r>
-              <a:rPr lang="en-US" dirty="0" smtClean="0"/>
-              <a:t>Central Maven’s repository </a:t>
-            </a:r>
-            <a:r>
-              <a:rPr lang="en-US" dirty="0" smtClean="0"/>
-              <a:t>issue</a:t>
-            </a:r>
-          </a:p>
-          <a:p>
-            <a:pPr marL="0" indent="0">
-              <a:buNone/>
-            </a:pPr>
-            <a:r>
-              <a:rPr lang="pl-PL" sz="1600" dirty="0"/>
-              <a:t>https://forums.aws.amazon.com/thread.jspa?threadID=160097&amp;tstart=0</a:t>
-            </a:r>
-            <a:endParaRPr lang="pl-PL" sz="1600" dirty="0"/>
           </a:p>
         </p:txBody>
       </p:sp>
@@ -5317,6 +5228,160 @@
           </a:extLst>
         </p:spPr>
       </p:pic>
+    </p:spTree>
+    <p:extLst>
+      <p:ext uri="{BB962C8B-B14F-4D97-AF65-F5344CB8AC3E}">
+        <p14:creationId xmlns:p14="http://schemas.microsoft.com/office/powerpoint/2010/main" val="946032297"/>
+      </p:ext>
+    </p:extLst>
+  </p:cSld>
+  <p:clrMapOvr>
+    <a:masterClrMapping/>
+  </p:clrMapOvr>
+  <p:timing>
+    <p:tnLst>
+      <p:par>
+        <p:cTn id="1" dur="indefinite" restart="never" nodeType="tmRoot"/>
+      </p:par>
+    </p:tnLst>
+  </p:timing>
+</p:sld>
+</file>
+
+<file path=ppt/slides/slide16.xml><?xml version="1.0" encoding="utf-8"?>
+<p:sld xmlns:a="http://schemas.openxmlformats.org/drawingml/2006/main" xmlns:r="http://schemas.openxmlformats.org/officeDocument/2006/relationships" xmlns:p="http://schemas.openxmlformats.org/presentationml/2006/main">
+  <p:cSld>
+    <p:spTree>
+      <p:nvGrpSpPr>
+        <p:cNvPr id="1" name=""/>
+        <p:cNvGrpSpPr/>
+        <p:nvPr/>
+      </p:nvGrpSpPr>
+      <p:grpSpPr>
+        <a:xfrm>
+          <a:off x="0" y="0"/>
+          <a:ext cx="0" cy="0"/>
+          <a:chOff x="0" y="0"/>
+          <a:chExt cx="0" cy="0"/>
+        </a:xfrm>
+      </p:grpSpPr>
+      <p:sp>
+        <p:nvSpPr>
+          <p:cNvPr id="2" name="Title 1"/>
+          <p:cNvSpPr>
+            <a:spLocks noGrp="1"/>
+          </p:cNvSpPr>
+          <p:nvPr>
+            <p:ph type="title"/>
+          </p:nvPr>
+        </p:nvSpPr>
+        <p:spPr/>
+        <p:txBody>
+          <a:bodyPr>
+            <a:normAutofit/>
+          </a:bodyPr>
+          <a:lstStyle/>
+          <a:p>
+            <a:r>
+              <a:rPr lang="en-US" sz="3600" dirty="0" smtClean="0"/>
+              <a:t>At times setbacks happens</a:t>
+            </a:r>
+            <a:endParaRPr lang="pl-PL" sz="3600" dirty="0"/>
+          </a:p>
+        </p:txBody>
+      </p:sp>
+      <p:sp>
+        <p:nvSpPr>
+          <p:cNvPr id="3" name="Content Placeholder 2"/>
+          <p:cNvSpPr>
+            <a:spLocks noGrp="1"/>
+          </p:cNvSpPr>
+          <p:nvPr>
+            <p:ph idx="1"/>
+          </p:nvPr>
+        </p:nvSpPr>
+        <p:spPr/>
+        <p:txBody>
+          <a:bodyPr/>
+          <a:lstStyle/>
+          <a:p>
+            <a:r>
+              <a:rPr lang="en-US" dirty="0" smtClean="0"/>
+              <a:t>Central Maven’s repository issue</a:t>
+            </a:r>
+          </a:p>
+          <a:p>
+            <a:pPr marL="0" indent="0">
+              <a:buNone/>
+            </a:pPr>
+            <a:r>
+              <a:rPr lang="pl-PL" sz="1600" dirty="0"/>
+              <a:t>https://forums.aws.amazon.com/thread.jspa?threadID=160097&amp;tstart=0</a:t>
+            </a:r>
+          </a:p>
+        </p:txBody>
+      </p:sp>
+      <p:pic>
+        <p:nvPicPr>
+          <p:cNvPr id="4" name="Picture 2"/>
+          <p:cNvPicPr>
+            <a:picLocks noChangeAspect="1" noChangeArrowheads="1"/>
+          </p:cNvPicPr>
+          <p:nvPr/>
+        </p:nvPicPr>
+        <p:blipFill>
+          <a:blip r:embed="rId2">
+            <a:extLst>
+              <a:ext uri="{28A0092B-C50C-407E-A947-70E740481C1C}">
+                <a14:useLocalDpi xmlns:a14="http://schemas.microsoft.com/office/drawing/2010/main" val="0"/>
+              </a:ext>
+            </a:extLst>
+          </a:blip>
+          <a:srcRect/>
+          <a:stretch>
+            <a:fillRect/>
+          </a:stretch>
+        </p:blipFill>
+        <p:spPr bwMode="auto">
+          <a:xfrm>
+            <a:off x="89173" y="6263811"/>
+            <a:ext cx="2114209" cy="549565"/>
+          </a:xfrm>
+          <a:prstGeom prst="rect">
+            <a:avLst/>
+          </a:prstGeom>
+          <a:noFill/>
+          <a:ln>
+            <a:noFill/>
+          </a:ln>
+          <a:effectLst>
+            <a:outerShdw blurRad="50800" dist="50800" dir="5400000" algn="ctr" rotWithShape="0">
+              <a:srgbClr val="000000">
+                <a:alpha val="3000"/>
+              </a:srgbClr>
+            </a:outerShdw>
+          </a:effectLst>
+          <a:extLst>
+            <a:ext uri="{909E8E84-426E-40DD-AFC4-6F175D3DCCD1}">
+              <a14:hiddenFill xmlns:a14="http://schemas.microsoft.com/office/drawing/2010/main">
+                <a:solidFill>
+                  <a:schemeClr val="accent1"/>
+                </a:solidFill>
+              </a14:hiddenFill>
+            </a:ext>
+            <a:ext uri="{91240B29-F687-4F45-9708-019B960494DF}">
+              <a14:hiddenLine xmlns:a14="http://schemas.microsoft.com/office/drawing/2010/main" w="9525">
+                <a:solidFill>
+                  <a:schemeClr val="tx1"/>
+                </a:solidFill>
+                <a:miter lim="800000"/>
+                <a:headEnd/>
+                <a:tailEnd/>
+              </a14:hiddenLine>
+            </a:ext>
+          </a:extLst>
+        </p:spPr>
+      </p:pic>
       <p:pic>
         <p:nvPicPr>
           <p:cNvPr id="2050" name="Picture 2"/>
@@ -5340,8 +5405,8 @@
         </p:blipFill>
         <p:spPr bwMode="auto">
           <a:xfrm>
-            <a:off x="1115616" y="2615034"/>
-            <a:ext cx="6768752" cy="3478262"/>
+            <a:off x="1331640" y="2777723"/>
+            <a:ext cx="6522067" cy="3351498"/>
           </a:xfrm>
           <a:prstGeom prst="rect">
             <a:avLst/>
@@ -6054,11 +6119,7 @@
           <a:p>
             <a:r>
               <a:rPr lang="en-US" sz="2800" b="1" dirty="0" smtClean="0"/>
-              <a:t>Exercise </a:t>
-            </a:r>
-            <a:r>
-              <a:rPr lang="en-US" sz="2800" b="1" dirty="0" smtClean="0"/>
-              <a:t>4.</a:t>
+              <a:t>Exercise 4.</a:t>
             </a:r>
             <a:r>
               <a:rPr lang="en-US" sz="2400" dirty="0" smtClean="0"/>
@@ -6950,8 +7011,8 @@
         </p:blipFill>
         <p:spPr bwMode="auto">
           <a:xfrm>
-            <a:off x="488755" y="1916832"/>
-            <a:ext cx="8134350" cy="3943350"/>
+            <a:off x="776787" y="2006205"/>
+            <a:ext cx="7539629" cy="3655043"/>
           </a:xfrm>
           <a:prstGeom prst="rect">
             <a:avLst/>
@@ -7110,7 +7171,7 @@
       </p:sp>
       <p:pic>
         <p:nvPicPr>
-          <p:cNvPr id="9218" name="Picture 2"/>
+          <p:cNvPr id="5" name="Picture 2"/>
           <p:cNvPicPr>
             <a:picLocks noChangeAspect="1" noChangeArrowheads="1"/>
           </p:cNvPicPr>
@@ -7118,106 +7179,6 @@
         </p:nvPicPr>
         <p:blipFill>
           <a:blip r:embed="rId2">
-            <a:extLst>
-              <a:ext uri="{28A0092B-C50C-407E-A947-70E740481C1C}">
-                <a14:useLocalDpi xmlns:a14="http://schemas.microsoft.com/office/drawing/2010/main" val="0"/>
-              </a:ext>
-            </a:extLst>
-          </a:blip>
-          <a:srcRect/>
-          <a:stretch>
-            <a:fillRect/>
-          </a:stretch>
-        </p:blipFill>
-        <p:spPr bwMode="auto">
-          <a:xfrm>
-            <a:off x="432048" y="1630910"/>
-            <a:ext cx="8172400" cy="4750418"/>
-          </a:xfrm>
-          <a:prstGeom prst="rect">
-            <a:avLst/>
-          </a:prstGeom>
-          <a:noFill/>
-          <a:ln>
-            <a:noFill/>
-          </a:ln>
-          <a:extLst>
-            <a:ext uri="{909E8E84-426E-40DD-AFC4-6F175D3DCCD1}">
-              <a14:hiddenFill xmlns:a14="http://schemas.microsoft.com/office/drawing/2010/main">
-                <a:solidFill>
-                  <a:schemeClr val="accent1"/>
-                </a:solidFill>
-              </a14:hiddenFill>
-            </a:ext>
-            <a:ext uri="{91240B29-F687-4F45-9708-019B960494DF}">
-              <a14:hiddenLine xmlns:a14="http://schemas.microsoft.com/office/drawing/2010/main" w="9525">
-                <a:solidFill>
-                  <a:schemeClr val="tx1"/>
-                </a:solidFill>
-                <a:miter lim="800000"/>
-                <a:headEnd/>
-                <a:tailEnd/>
-              </a14:hiddenLine>
-            </a:ext>
-          </a:extLst>
-        </p:spPr>
-      </p:pic>
-      <p:sp>
-        <p:nvSpPr>
-          <p:cNvPr id="3" name="Rounded Rectangle 2"/>
-          <p:cNvSpPr/>
-          <p:nvPr/>
-        </p:nvSpPr>
-        <p:spPr>
-          <a:xfrm>
-            <a:off x="3203848" y="4135735"/>
-            <a:ext cx="2376264" cy="504056"/>
-          </a:xfrm>
-          <a:prstGeom prst="roundRect">
-            <a:avLst/>
-          </a:prstGeom>
-          <a:noFill/>
-          <a:ln w="57150">
-            <a:solidFill>
-              <a:srgbClr val="FF0000"/>
-            </a:solidFill>
-          </a:ln>
-        </p:spPr>
-        <p:style>
-          <a:lnRef idx="2">
-            <a:schemeClr val="accent1">
-              <a:shade val="50000"/>
-            </a:schemeClr>
-          </a:lnRef>
-          <a:fillRef idx="1">
-            <a:schemeClr val="accent1"/>
-          </a:fillRef>
-          <a:effectRef idx="0">
-            <a:schemeClr val="accent1"/>
-          </a:effectRef>
-          <a:fontRef idx="minor">
-            <a:schemeClr val="lt1"/>
-          </a:fontRef>
-        </p:style>
-        <p:txBody>
-          <a:bodyPr rtlCol="0" anchor="ctr"/>
-          <a:lstStyle/>
-          <a:p>
-            <a:pPr algn="ctr"/>
-            <a:endParaRPr lang="pl-PL"/>
-          </a:p>
-        </p:txBody>
-      </p:sp>
-      <p:pic>
-        <p:nvPicPr>
-          <p:cNvPr id="5" name="Picture 2"/>
-          <p:cNvPicPr>
-            <a:picLocks noChangeAspect="1" noChangeArrowheads="1"/>
-          </p:cNvPicPr>
-          <p:nvPr/>
-        </p:nvPicPr>
-        <p:blipFill>
-          <a:blip r:embed="rId3">
             <a:extLst>
               <a:ext uri="{28A0092B-C50C-407E-A947-70E740481C1C}">
                 <a14:useLocalDpi xmlns:a14="http://schemas.microsoft.com/office/drawing/2010/main" val="0"/>
@@ -7269,6 +7230,175 @@
           </a:extLst>
         </p:spPr>
       </p:pic>
+      <p:pic>
+        <p:nvPicPr>
+          <p:cNvPr id="1026" name="Picture 2"/>
+          <p:cNvPicPr>
+            <a:picLocks noChangeAspect="1" noChangeArrowheads="1"/>
+          </p:cNvPicPr>
+          <p:nvPr/>
+        </p:nvPicPr>
+        <p:blipFill>
+          <a:blip r:embed="rId3">
+            <a:extLst>
+              <a:ext uri="{28A0092B-C50C-407E-A947-70E740481C1C}">
+                <a14:useLocalDpi xmlns:a14="http://schemas.microsoft.com/office/drawing/2010/main" val="0"/>
+              </a:ext>
+            </a:extLst>
+          </a:blip>
+          <a:srcRect/>
+          <a:stretch>
+            <a:fillRect/>
+          </a:stretch>
+        </p:blipFill>
+        <p:spPr bwMode="auto">
+          <a:xfrm>
+            <a:off x="179512" y="1556792"/>
+            <a:ext cx="2933700" cy="2419350"/>
+          </a:xfrm>
+          <a:prstGeom prst="rect">
+            <a:avLst/>
+          </a:prstGeom>
+          <a:noFill/>
+          <a:ln>
+            <a:noFill/>
+          </a:ln>
+          <a:extLst>
+            <a:ext uri="{909E8E84-426E-40DD-AFC4-6F175D3DCCD1}">
+              <a14:hiddenFill xmlns:a14="http://schemas.microsoft.com/office/drawing/2010/main">
+                <a:solidFill>
+                  <a:schemeClr val="accent1"/>
+                </a:solidFill>
+              </a14:hiddenFill>
+            </a:ext>
+            <a:ext uri="{91240B29-F687-4F45-9708-019B960494DF}">
+              <a14:hiddenLine xmlns:a14="http://schemas.microsoft.com/office/drawing/2010/main" w="9525">
+                <a:solidFill>
+                  <a:schemeClr val="tx1"/>
+                </a:solidFill>
+                <a:miter lim="800000"/>
+                <a:headEnd/>
+                <a:tailEnd/>
+              </a14:hiddenLine>
+            </a:ext>
+          </a:extLst>
+        </p:spPr>
+      </p:pic>
+      <p:grpSp>
+        <p:nvGrpSpPr>
+          <p:cNvPr id="6" name="Group 5"/>
+          <p:cNvGrpSpPr/>
+          <p:nvPr/>
+        </p:nvGrpSpPr>
+        <p:grpSpPr>
+          <a:xfrm>
+            <a:off x="2877991" y="2725627"/>
+            <a:ext cx="5835246" cy="3391887"/>
+            <a:chOff x="683568" y="1772816"/>
+            <a:chExt cx="7560840" cy="4394933"/>
+          </a:xfrm>
+        </p:grpSpPr>
+        <p:pic>
+          <p:nvPicPr>
+            <p:cNvPr id="9218" name="Picture 2"/>
+            <p:cNvPicPr>
+              <a:picLocks noChangeAspect="1" noChangeArrowheads="1"/>
+            </p:cNvPicPr>
+            <p:nvPr/>
+          </p:nvPicPr>
+          <p:blipFill>
+            <a:blip r:embed="rId4">
+              <a:extLst>
+                <a:ext uri="{28A0092B-C50C-407E-A947-70E740481C1C}">
+                  <a14:useLocalDpi xmlns:a14="http://schemas.microsoft.com/office/drawing/2010/main" val="0"/>
+                </a:ext>
+              </a:extLst>
+            </a:blip>
+            <a:srcRect/>
+            <a:stretch>
+              <a:fillRect/>
+            </a:stretch>
+          </p:blipFill>
+          <p:spPr bwMode="auto">
+            <a:xfrm>
+              <a:off x="683568" y="1772816"/>
+              <a:ext cx="7560840" cy="4394933"/>
+            </a:xfrm>
+            <a:prstGeom prst="rect">
+              <a:avLst/>
+            </a:prstGeom>
+            <a:noFill/>
+            <a:ln>
+              <a:noFill/>
+            </a:ln>
+            <a:extLst>
+              <a:ext uri="{909E8E84-426E-40DD-AFC4-6F175D3DCCD1}">
+                <a14:hiddenFill xmlns:a14="http://schemas.microsoft.com/office/drawing/2010/main">
+                  <a:solidFill>
+                    <a:schemeClr val="accent1"/>
+                  </a:solidFill>
+                </a14:hiddenFill>
+              </a:ext>
+              <a:ext uri="{91240B29-F687-4F45-9708-019B960494DF}">
+                <a14:hiddenLine xmlns:a14="http://schemas.microsoft.com/office/drawing/2010/main" w="9525">
+                  <a:solidFill>
+                    <a:schemeClr val="tx1"/>
+                  </a:solidFill>
+                  <a:miter lim="800000"/>
+                  <a:headEnd/>
+                  <a:tailEnd/>
+                </a14:hiddenLine>
+              </a:ext>
+            </a:extLst>
+          </p:spPr>
+        </p:pic>
+        <p:sp>
+          <p:nvSpPr>
+            <p:cNvPr id="3" name="Rounded Rectangle 2"/>
+            <p:cNvSpPr/>
+            <p:nvPr/>
+          </p:nvSpPr>
+          <p:spPr>
+            <a:xfrm>
+              <a:off x="3233126" y="4106350"/>
+              <a:ext cx="2232248" cy="432048"/>
+            </a:xfrm>
+            <a:prstGeom prst="roundRect">
+              <a:avLst/>
+            </a:prstGeom>
+            <a:noFill/>
+            <a:ln w="57150">
+              <a:solidFill>
+                <a:srgbClr val="FF0000"/>
+              </a:solidFill>
+            </a:ln>
+          </p:spPr>
+          <p:style>
+            <a:lnRef idx="2">
+              <a:schemeClr val="accent1">
+                <a:shade val="50000"/>
+              </a:schemeClr>
+            </a:lnRef>
+            <a:fillRef idx="1">
+              <a:schemeClr val="accent1"/>
+            </a:fillRef>
+            <a:effectRef idx="0">
+              <a:schemeClr val="accent1"/>
+            </a:effectRef>
+            <a:fontRef idx="minor">
+              <a:schemeClr val="lt1"/>
+            </a:fontRef>
+          </p:style>
+          <p:txBody>
+            <a:bodyPr rtlCol="0" anchor="ctr"/>
+            <a:lstStyle/>
+            <a:p>
+              <a:pPr algn="ctr"/>
+              <a:endParaRPr lang="pl-PL"/>
+            </a:p>
+          </p:txBody>
+        </p:sp>
+      </p:grpSp>
     </p:spTree>
     <p:extLst>
       <p:ext uri="{BB962C8B-B14F-4D97-AF65-F5344CB8AC3E}">
@@ -7499,135 +7629,15 @@
           <a:p>
             <a:r>
               <a:rPr lang="en-US" sz="3600" dirty="0" smtClean="0"/>
-              <a:t>Exercise 2. Scaling out</a:t>
+              <a:t>Before going into Exercise 2.</a:t>
             </a:r>
             <a:endParaRPr lang="pl-PL" sz="3600" dirty="0"/>
-          </a:p>
-        </p:txBody>
-      </p:sp>
-      <p:sp>
-        <p:nvSpPr>
-          <p:cNvPr id="3" name="Content Placeholder 2"/>
-          <p:cNvSpPr>
-            <a:spLocks noGrp="1"/>
-          </p:cNvSpPr>
-          <p:nvPr>
-            <p:ph idx="1"/>
-          </p:nvPr>
-        </p:nvSpPr>
-        <p:spPr>
-          <a:xfrm>
-            <a:off x="457200" y="1600200"/>
-            <a:ext cx="8435280" cy="4853136"/>
-          </a:xfrm>
-        </p:spPr>
-        <p:txBody>
-          <a:bodyPr>
-            <a:normAutofit fontScale="85000" lnSpcReduction="10000"/>
-          </a:bodyPr>
-          <a:lstStyle/>
-          <a:p>
-            <a:r>
-              <a:rPr lang="en-US" dirty="0" smtClean="0"/>
-              <a:t>No programming at all – declarative and out-of-the-box approach</a:t>
-            </a:r>
-          </a:p>
-          <a:p>
-            <a:r>
-              <a:rPr lang="en-US" dirty="0" smtClean="0"/>
-              <a:t>Ingredients</a:t>
-            </a:r>
-          </a:p>
-          <a:p>
-            <a:pPr>
-              <a:buFontTx/>
-              <a:buChar char="-"/>
-            </a:pPr>
-            <a:r>
-              <a:rPr lang="en-US" dirty="0" smtClean="0"/>
-              <a:t>Java, JEE, Glassfish, </a:t>
-            </a:r>
-            <a:r>
-              <a:rPr lang="en-US" dirty="0" err="1" smtClean="0"/>
-              <a:t>webapp</a:t>
-            </a:r>
-            <a:r>
-              <a:rPr lang="en-US" dirty="0" smtClean="0"/>
-              <a:t> (</a:t>
-            </a:r>
-            <a:r>
-              <a:rPr lang="en-US" dirty="0" err="1" smtClean="0"/>
-              <a:t>webservice</a:t>
-            </a:r>
-            <a:r>
-              <a:rPr lang="en-US" dirty="0" smtClean="0"/>
-              <a:t>)</a:t>
-            </a:r>
-          </a:p>
-          <a:p>
-            <a:pPr>
-              <a:buFontTx/>
-              <a:buChar char="-"/>
-            </a:pPr>
-            <a:r>
-              <a:rPr lang="en-US" dirty="0" smtClean="0"/>
-              <a:t>AWS Services: EC2, ELB, ASG, </a:t>
-            </a:r>
-            <a:r>
-              <a:rPr lang="en-US" dirty="0" err="1" smtClean="0"/>
-              <a:t>CloudWatch</a:t>
-            </a:r>
-            <a:endParaRPr lang="en-US" dirty="0" smtClean="0"/>
-          </a:p>
-          <a:p>
-            <a:r>
-              <a:rPr lang="en-US" dirty="0" smtClean="0"/>
-              <a:t>Expected results:</a:t>
-            </a:r>
-          </a:p>
-          <a:p>
-            <a:pPr>
-              <a:buFontTx/>
-              <a:buChar char="-"/>
-            </a:pPr>
-            <a:r>
-              <a:rPr lang="en-US" dirty="0" smtClean="0"/>
-              <a:t>Machines with app(s) are added automatically once a workload threshold </a:t>
-            </a:r>
-            <a:r>
-              <a:rPr lang="en-US" dirty="0"/>
-              <a:t>is </a:t>
-            </a:r>
-            <a:r>
-              <a:rPr lang="en-US" dirty="0" smtClean="0"/>
-              <a:t>surpassed -  </a:t>
-            </a:r>
-            <a:r>
-              <a:rPr lang="en-US" dirty="0"/>
-              <a:t>without human intervention</a:t>
-            </a:r>
-            <a:endParaRPr lang="en-US" dirty="0" smtClean="0"/>
-          </a:p>
-          <a:p>
-            <a:pPr>
-              <a:buFontTx/>
-              <a:buChar char="-"/>
-            </a:pPr>
-            <a:r>
-              <a:rPr lang="en-US" dirty="0" smtClean="0"/>
-              <a:t>Respectively, the number of server instances diminishes in </a:t>
-            </a:r>
-            <a:r>
-              <a:rPr lang="en-US" dirty="0"/>
-              <a:t>the opposite settings</a:t>
-            </a:r>
-            <a:endParaRPr lang="pl-PL" dirty="0"/>
           </a:p>
         </p:txBody>
       </p:sp>
       <p:pic>
         <p:nvPicPr>
-          <p:cNvPr id="4" name="Picture 2"/>
+          <p:cNvPr id="1026" name="Picture 2"/>
           <p:cNvPicPr>
             <a:picLocks noChangeAspect="1" noChangeArrowheads="1"/>
           </p:cNvPicPr>
@@ -7648,131 +7658,8 @@
         </p:blipFill>
         <p:spPr bwMode="auto">
           <a:xfrm>
-            <a:off x="89173" y="6263811"/>
-            <a:ext cx="2114209" cy="549565"/>
-          </a:xfrm>
-          <a:prstGeom prst="rect">
-            <a:avLst/>
-          </a:prstGeom>
-          <a:noFill/>
-          <a:ln>
-            <a:noFill/>
-          </a:ln>
-          <a:effectLst>
-            <a:outerShdw blurRad="50800" dist="50800" dir="5400000" algn="ctr" rotWithShape="0">
-              <a:srgbClr val="000000">
-                <a:alpha val="3000"/>
-              </a:srgbClr>
-            </a:outerShdw>
-          </a:effectLst>
-          <a:extLst>
-            <a:ext uri="{909E8E84-426E-40DD-AFC4-6F175D3DCCD1}">
-              <a14:hiddenFill xmlns:a14="http://schemas.microsoft.com/office/drawing/2010/main">
-                <a:solidFill>
-                  <a:schemeClr val="accent1"/>
-                </a:solidFill>
-              </a14:hiddenFill>
-            </a:ext>
-            <a:ext uri="{91240B29-F687-4F45-9708-019B960494DF}">
-              <a14:hiddenLine xmlns:a14="http://schemas.microsoft.com/office/drawing/2010/main" w="9525">
-                <a:solidFill>
-                  <a:schemeClr val="tx1"/>
-                </a:solidFill>
-                <a:miter lim="800000"/>
-                <a:headEnd/>
-                <a:tailEnd/>
-              </a14:hiddenLine>
-            </a:ext>
-          </a:extLst>
-        </p:spPr>
-      </p:pic>
-    </p:spTree>
-    <p:extLst>
-      <p:ext uri="{BB962C8B-B14F-4D97-AF65-F5344CB8AC3E}">
-        <p14:creationId xmlns:p14="http://schemas.microsoft.com/office/powerpoint/2010/main" val="1652323955"/>
-      </p:ext>
-    </p:extLst>
-  </p:cSld>
-  <p:clrMapOvr>
-    <a:masterClrMapping/>
-  </p:clrMapOvr>
-  <p:timing>
-    <p:tnLst>
-      <p:par>
-        <p:cTn id="1" dur="indefinite" restart="never" nodeType="tmRoot"/>
-      </p:par>
-    </p:tnLst>
-  </p:timing>
-</p:sld>
-</file>
-
-<file path=ppt/slides/slide28.xml><?xml version="1.0" encoding="utf-8"?>
-<p:sld xmlns:a="http://schemas.openxmlformats.org/drawingml/2006/main" xmlns:r="http://schemas.openxmlformats.org/officeDocument/2006/relationships" xmlns:p="http://schemas.openxmlformats.org/presentationml/2006/main">
-  <p:cSld>
-    <p:spTree>
-      <p:nvGrpSpPr>
-        <p:cNvPr id="1" name=""/>
-        <p:cNvGrpSpPr/>
-        <p:nvPr/>
-      </p:nvGrpSpPr>
-      <p:grpSpPr>
-        <a:xfrm>
-          <a:off x="0" y="0"/>
-          <a:ext cx="0" cy="0"/>
-          <a:chOff x="0" y="0"/>
-          <a:chExt cx="0" cy="0"/>
-        </a:xfrm>
-      </p:grpSpPr>
-      <p:sp>
-        <p:nvSpPr>
-          <p:cNvPr id="2" name="Title 1"/>
-          <p:cNvSpPr>
-            <a:spLocks noGrp="1"/>
-          </p:cNvSpPr>
-          <p:nvPr>
-            <p:ph type="title"/>
-          </p:nvPr>
-        </p:nvSpPr>
-        <p:spPr/>
-        <p:txBody>
-          <a:bodyPr>
-            <a:normAutofit/>
-          </a:bodyPr>
-          <a:lstStyle/>
-          <a:p>
-            <a:r>
-              <a:rPr lang="en-US" sz="3600" dirty="0" smtClean="0"/>
-              <a:t>AMI from working instance</a:t>
-            </a:r>
-            <a:endParaRPr lang="pl-PL" sz="3600" dirty="0"/>
-          </a:p>
-        </p:txBody>
-      </p:sp>
-      <p:pic>
-        <p:nvPicPr>
-          <p:cNvPr id="1027" name="Picture 3"/>
-          <p:cNvPicPr>
-            <a:picLocks noChangeAspect="1" noChangeArrowheads="1"/>
-          </p:cNvPicPr>
-          <p:nvPr/>
-        </p:nvPicPr>
-        <p:blipFill>
-          <a:blip r:embed="rId2">
-            <a:extLst>
-              <a:ext uri="{28A0092B-C50C-407E-A947-70E740481C1C}">
-                <a14:useLocalDpi xmlns:a14="http://schemas.microsoft.com/office/drawing/2010/main" val="0"/>
-              </a:ext>
-            </a:extLst>
-          </a:blip>
-          <a:srcRect/>
-          <a:stretch>
-            <a:fillRect/>
-          </a:stretch>
-        </p:blipFill>
-        <p:spPr bwMode="auto">
-          <a:xfrm>
-            <a:off x="681655" y="1477707"/>
-            <a:ext cx="7800975" cy="4619625"/>
+            <a:off x="1287735" y="1303362"/>
+            <a:ext cx="6524625" cy="4933950"/>
           </a:xfrm>
           <a:prstGeom prst="rect">
             <a:avLst/>
@@ -7866,7 +7753,250 @@
     </p:spTree>
     <p:extLst>
       <p:ext uri="{BB962C8B-B14F-4D97-AF65-F5344CB8AC3E}">
-        <p14:creationId xmlns:p14="http://schemas.microsoft.com/office/powerpoint/2010/main" val="2365543400"/>
+        <p14:creationId xmlns:p14="http://schemas.microsoft.com/office/powerpoint/2010/main" val="48574112"/>
+      </p:ext>
+    </p:extLst>
+  </p:cSld>
+  <p:clrMapOvr>
+    <a:masterClrMapping/>
+  </p:clrMapOvr>
+  <p:timing>
+    <p:tnLst>
+      <p:par>
+        <p:cTn id="1" dur="indefinite" restart="never" nodeType="tmRoot"/>
+      </p:par>
+    </p:tnLst>
+  </p:timing>
+</p:sld>
+</file>
+
+<file path=ppt/slides/slide28.xml><?xml version="1.0" encoding="utf-8"?>
+<p:sld xmlns:a="http://schemas.openxmlformats.org/drawingml/2006/main" xmlns:r="http://schemas.openxmlformats.org/officeDocument/2006/relationships" xmlns:p="http://schemas.openxmlformats.org/presentationml/2006/main">
+  <p:cSld>
+    <p:spTree>
+      <p:nvGrpSpPr>
+        <p:cNvPr id="1" name=""/>
+        <p:cNvGrpSpPr/>
+        <p:nvPr/>
+      </p:nvGrpSpPr>
+      <p:grpSpPr>
+        <a:xfrm>
+          <a:off x="0" y="0"/>
+          <a:ext cx="0" cy="0"/>
+          <a:chOff x="0" y="0"/>
+          <a:chExt cx="0" cy="0"/>
+        </a:xfrm>
+      </p:grpSpPr>
+      <p:sp>
+        <p:nvSpPr>
+          <p:cNvPr id="2" name="Title 1"/>
+          <p:cNvSpPr>
+            <a:spLocks noGrp="1"/>
+          </p:cNvSpPr>
+          <p:nvPr>
+            <p:ph type="title"/>
+          </p:nvPr>
+        </p:nvSpPr>
+        <p:spPr/>
+        <p:txBody>
+          <a:bodyPr>
+            <a:normAutofit/>
+          </a:bodyPr>
+          <a:lstStyle/>
+          <a:p>
+            <a:r>
+              <a:rPr lang="en-US" sz="3600" dirty="0" smtClean="0"/>
+              <a:t>Exercise 2. Scaling out</a:t>
+            </a:r>
+            <a:endParaRPr lang="pl-PL" sz="3600" dirty="0"/>
+          </a:p>
+        </p:txBody>
+      </p:sp>
+      <p:sp>
+        <p:nvSpPr>
+          <p:cNvPr id="3" name="Content Placeholder 2"/>
+          <p:cNvSpPr>
+            <a:spLocks noGrp="1"/>
+          </p:cNvSpPr>
+          <p:nvPr>
+            <p:ph idx="1"/>
+          </p:nvPr>
+        </p:nvSpPr>
+        <p:spPr>
+          <a:xfrm>
+            <a:off x="457200" y="1600200"/>
+            <a:ext cx="8435280" cy="4853136"/>
+          </a:xfrm>
+        </p:spPr>
+        <p:txBody>
+          <a:bodyPr>
+            <a:normAutofit fontScale="85000" lnSpcReduction="10000"/>
+          </a:bodyPr>
+          <a:lstStyle/>
+          <a:p>
+            <a:r>
+              <a:rPr lang="en-US" dirty="0" smtClean="0"/>
+              <a:t>No programming at all – declarative and out-of-the-box approach</a:t>
+            </a:r>
+          </a:p>
+          <a:p>
+            <a:r>
+              <a:rPr lang="en-US" dirty="0" smtClean="0"/>
+              <a:t>Ingredients</a:t>
+            </a:r>
+          </a:p>
+          <a:p>
+            <a:pPr>
+              <a:buFontTx/>
+              <a:buChar char="-"/>
+            </a:pPr>
+            <a:r>
+              <a:rPr lang="en-US" dirty="0" smtClean="0"/>
+              <a:t>Java, JEE, Glassfish, </a:t>
+            </a:r>
+            <a:r>
+              <a:rPr lang="en-US" dirty="0" err="1" smtClean="0"/>
+              <a:t>webapp</a:t>
+            </a:r>
+            <a:r>
+              <a:rPr lang="en-US" dirty="0" smtClean="0"/>
+              <a:t> (</a:t>
+            </a:r>
+            <a:r>
+              <a:rPr lang="en-US" dirty="0" err="1" smtClean="0"/>
+              <a:t>webservice</a:t>
+            </a:r>
+            <a:r>
+              <a:rPr lang="en-US" dirty="0" smtClean="0"/>
+              <a:t>)</a:t>
+            </a:r>
+          </a:p>
+          <a:p>
+            <a:pPr>
+              <a:buFontTx/>
+              <a:buChar char="-"/>
+            </a:pPr>
+            <a:r>
+              <a:rPr lang="en-US" dirty="0" smtClean="0"/>
+              <a:t>AWS Services: EC2, ELB, ASG, </a:t>
+            </a:r>
+            <a:r>
+              <a:rPr lang="en-US" dirty="0" err="1" smtClean="0"/>
+              <a:t>CloudWatch</a:t>
+            </a:r>
+            <a:endParaRPr lang="en-US" dirty="0" smtClean="0"/>
+          </a:p>
+          <a:p>
+            <a:r>
+              <a:rPr lang="en-US" dirty="0" smtClean="0"/>
+              <a:t>Expected results:</a:t>
+            </a:r>
+          </a:p>
+          <a:p>
+            <a:pPr>
+              <a:buFontTx/>
+              <a:buChar char="-"/>
+            </a:pPr>
+            <a:r>
+              <a:rPr lang="en-US" dirty="0" smtClean="0"/>
+              <a:t>Machines with app(s) are added automatically once a workload threshold </a:t>
+            </a:r>
+            <a:r>
+              <a:rPr lang="en-US" dirty="0"/>
+              <a:t>is </a:t>
+            </a:r>
+            <a:r>
+              <a:rPr lang="en-US" dirty="0" smtClean="0"/>
+              <a:t>surpassed -  </a:t>
+            </a:r>
+            <a:r>
+              <a:rPr lang="en-US" dirty="0"/>
+              <a:t>without human intervention</a:t>
+            </a:r>
+            <a:endParaRPr lang="en-US" dirty="0" smtClean="0"/>
+          </a:p>
+          <a:p>
+            <a:pPr>
+              <a:buFontTx/>
+              <a:buChar char="-"/>
+            </a:pPr>
+            <a:r>
+              <a:rPr lang="en-US" dirty="0" smtClean="0"/>
+              <a:t>Respectively, the number of server instances diminishes in </a:t>
+            </a:r>
+            <a:r>
+              <a:rPr lang="en-US" dirty="0"/>
+              <a:t>the opposite settings</a:t>
+            </a:r>
+            <a:endParaRPr lang="pl-PL" dirty="0"/>
+          </a:p>
+        </p:txBody>
+      </p:sp>
+      <p:pic>
+        <p:nvPicPr>
+          <p:cNvPr id="4" name="Picture 2"/>
+          <p:cNvPicPr>
+            <a:picLocks noChangeAspect="1" noChangeArrowheads="1"/>
+          </p:cNvPicPr>
+          <p:nvPr/>
+        </p:nvPicPr>
+        <p:blipFill>
+          <a:blip r:embed="rId2">
+            <a:extLst>
+              <a:ext uri="{28A0092B-C50C-407E-A947-70E740481C1C}">
+                <a14:useLocalDpi xmlns:a14="http://schemas.microsoft.com/office/drawing/2010/main" val="0"/>
+              </a:ext>
+            </a:extLst>
+          </a:blip>
+          <a:srcRect/>
+          <a:stretch>
+            <a:fillRect/>
+          </a:stretch>
+        </p:blipFill>
+        <p:spPr bwMode="auto">
+          <a:xfrm>
+            <a:off x="89173" y="6263811"/>
+            <a:ext cx="2114209" cy="549565"/>
+          </a:xfrm>
+          <a:prstGeom prst="rect">
+            <a:avLst/>
+          </a:prstGeom>
+          <a:noFill/>
+          <a:ln>
+            <a:noFill/>
+          </a:ln>
+          <a:effectLst>
+            <a:outerShdw blurRad="50800" dist="50800" dir="5400000" algn="ctr" rotWithShape="0">
+              <a:srgbClr val="000000">
+                <a:alpha val="3000"/>
+              </a:srgbClr>
+            </a:outerShdw>
+          </a:effectLst>
+          <a:extLst>
+            <a:ext uri="{909E8E84-426E-40DD-AFC4-6F175D3DCCD1}">
+              <a14:hiddenFill xmlns:a14="http://schemas.microsoft.com/office/drawing/2010/main">
+                <a:solidFill>
+                  <a:schemeClr val="accent1"/>
+                </a:solidFill>
+              </a14:hiddenFill>
+            </a:ext>
+            <a:ext uri="{91240B29-F687-4F45-9708-019B960494DF}">
+              <a14:hiddenLine xmlns:a14="http://schemas.microsoft.com/office/drawing/2010/main" w="9525">
+                <a:solidFill>
+                  <a:schemeClr val="tx1"/>
+                </a:solidFill>
+                <a:miter lim="800000"/>
+                <a:headEnd/>
+                <a:tailEnd/>
+              </a14:hiddenLine>
+            </a:ext>
+          </a:extLst>
+        </p:spPr>
+      </p:pic>
+    </p:spTree>
+    <p:extLst>
+      <p:ext uri="{BB962C8B-B14F-4D97-AF65-F5344CB8AC3E}">
+        <p14:creationId xmlns:p14="http://schemas.microsoft.com/office/powerpoint/2010/main" val="1652323955"/>
       </p:ext>
     </p:extLst>
   </p:cSld>
@@ -7918,73 +8048,67 @@
           <a:lstStyle/>
           <a:p>
             <a:r>
-              <a:rPr lang="en-US" sz="3600" dirty="0"/>
-              <a:t>Exercise 2</a:t>
-            </a:r>
-            <a:r>
               <a:rPr lang="en-US" sz="3600" dirty="0" smtClean="0"/>
-              <a:t>. Go ahead</a:t>
+              <a:t>AMI from working instance</a:t>
             </a:r>
             <a:endParaRPr lang="pl-PL" sz="3600" dirty="0"/>
           </a:p>
         </p:txBody>
       </p:sp>
-      <p:sp>
-        <p:nvSpPr>
-          <p:cNvPr id="3" name="Content Placeholder 2"/>
-          <p:cNvSpPr>
-            <a:spLocks noGrp="1"/>
-          </p:cNvSpPr>
-          <p:nvPr>
-            <p:ph idx="1"/>
-          </p:nvPr>
-        </p:nvSpPr>
-        <p:spPr/>
-        <p:txBody>
-          <a:bodyPr/>
-          <a:lstStyle/>
-          <a:p>
-            <a:pPr marL="0" indent="0">
-              <a:buNone/>
-            </a:pPr>
-            <a:endParaRPr lang="en-US" dirty="0" smtClean="0"/>
-          </a:p>
-          <a:p>
-            <a:pPr marL="0" indent="0">
-              <a:buNone/>
-            </a:pPr>
-            <a:endParaRPr lang="en-US" dirty="0"/>
-          </a:p>
-          <a:p>
-            <a:pPr marL="0" indent="0">
-              <a:buNone/>
-            </a:pPr>
-            <a:endParaRPr lang="en-US" dirty="0" smtClean="0"/>
-          </a:p>
-          <a:p>
-            <a:pPr marL="0" indent="0" algn="ctr">
-              <a:buNone/>
-            </a:pPr>
-            <a:r>
-              <a:rPr lang="en-US" dirty="0" smtClean="0"/>
-              <a:t>Just proceed and follow me!</a:t>
-            </a:r>
-            <a:endParaRPr lang="en-US" dirty="0"/>
-          </a:p>
-          <a:p>
-            <a:pPr marL="0" indent="0">
-              <a:buNone/>
-            </a:pPr>
-            <a:endParaRPr lang="en-US" dirty="0" smtClean="0"/>
-          </a:p>
-          <a:p>
-            <a:pPr marL="0" indent="0">
-              <a:buNone/>
-            </a:pPr>
-            <a:endParaRPr lang="pl-PL" dirty="0"/>
-          </a:p>
-        </p:txBody>
-      </p:sp>
+      <p:pic>
+        <p:nvPicPr>
+          <p:cNvPr id="1027" name="Picture 3"/>
+          <p:cNvPicPr>
+            <a:picLocks noChangeAspect="1" noChangeArrowheads="1"/>
+          </p:cNvPicPr>
+          <p:nvPr/>
+        </p:nvPicPr>
+        <p:blipFill>
+          <a:blip r:embed="rId2">
+            <a:extLst>
+              <a:ext uri="{28A0092B-C50C-407E-A947-70E740481C1C}">
+                <a14:useLocalDpi xmlns:a14="http://schemas.microsoft.com/office/drawing/2010/main" val="0"/>
+              </a:ext>
+            </a:extLst>
+          </a:blip>
+          <a:srcRect/>
+          <a:stretch>
+            <a:fillRect/>
+          </a:stretch>
+        </p:blipFill>
+        <p:spPr bwMode="auto">
+          <a:xfrm>
+            <a:off x="681655" y="1477707"/>
+            <a:ext cx="7800975" cy="4619625"/>
+          </a:xfrm>
+          <a:prstGeom prst="rect">
+            <a:avLst/>
+          </a:prstGeom>
+          <a:noFill/>
+          <a:ln>
+            <a:noFill/>
+          </a:ln>
+          <a:extLst>
+            <a:ext uri="{909E8E84-426E-40DD-AFC4-6F175D3DCCD1}">
+              <a14:hiddenFill xmlns:a14="http://schemas.microsoft.com/office/drawing/2010/main">
+                <a:solidFill>
+                  <a:schemeClr val="accent1"/>
+                </a:solidFill>
+              </a14:hiddenFill>
+            </a:ext>
+            <a:ext uri="{91240B29-F687-4F45-9708-019B960494DF}">
+              <a14:hiddenLine xmlns:a14="http://schemas.microsoft.com/office/drawing/2010/main" w="9525">
+                <a:solidFill>
+                  <a:schemeClr val="tx1"/>
+                </a:solidFill>
+                <a:miter lim="800000"/>
+                <a:headEnd/>
+                <a:tailEnd/>
+              </a14:hiddenLine>
+            </a:ext>
+          </a:extLst>
+        </p:spPr>
+      </p:pic>
       <p:pic>
         <p:nvPicPr>
           <p:cNvPr id="4" name="Picture 2"/>
@@ -7994,7 +8118,7 @@
           <p:nvPr/>
         </p:nvPicPr>
         <p:blipFill>
-          <a:blip r:embed="rId2">
+          <a:blip r:embed="rId3">
             <a:extLst>
               <a:ext uri="{28A0092B-C50C-407E-A947-70E740481C1C}">
                 <a14:useLocalDpi xmlns:a14="http://schemas.microsoft.com/office/drawing/2010/main" val="0"/>
@@ -8049,7 +8173,7 @@
     </p:spTree>
     <p:extLst>
       <p:ext uri="{BB962C8B-B14F-4D97-AF65-F5344CB8AC3E}">
-        <p14:creationId xmlns:p14="http://schemas.microsoft.com/office/powerpoint/2010/main" val="3663977603"/>
+        <p14:creationId xmlns:p14="http://schemas.microsoft.com/office/powerpoint/2010/main" val="2365543400"/>
       </p:ext>
     </p:extLst>
   </p:cSld>
@@ -8261,6 +8385,189 @@
           <a:lstStyle/>
           <a:p>
             <a:r>
+              <a:rPr lang="en-US" sz="3600" dirty="0"/>
+              <a:t>Exercise 2</a:t>
+            </a:r>
+            <a:r>
+              <a:rPr lang="en-US" sz="3600" dirty="0" smtClean="0"/>
+              <a:t>. Go ahead</a:t>
+            </a:r>
+            <a:endParaRPr lang="pl-PL" sz="3600" dirty="0"/>
+          </a:p>
+        </p:txBody>
+      </p:sp>
+      <p:sp>
+        <p:nvSpPr>
+          <p:cNvPr id="3" name="Content Placeholder 2"/>
+          <p:cNvSpPr>
+            <a:spLocks noGrp="1"/>
+          </p:cNvSpPr>
+          <p:nvPr>
+            <p:ph idx="1"/>
+          </p:nvPr>
+        </p:nvSpPr>
+        <p:spPr/>
+        <p:txBody>
+          <a:bodyPr/>
+          <a:lstStyle/>
+          <a:p>
+            <a:pPr marL="0" indent="0">
+              <a:buNone/>
+            </a:pPr>
+            <a:endParaRPr lang="en-US" dirty="0" smtClean="0"/>
+          </a:p>
+          <a:p>
+            <a:pPr marL="0" indent="0">
+              <a:buNone/>
+            </a:pPr>
+            <a:endParaRPr lang="en-US" dirty="0"/>
+          </a:p>
+          <a:p>
+            <a:pPr marL="0" indent="0">
+              <a:buNone/>
+            </a:pPr>
+            <a:endParaRPr lang="en-US" dirty="0" smtClean="0"/>
+          </a:p>
+          <a:p>
+            <a:pPr marL="0" indent="0" algn="ctr">
+              <a:buNone/>
+            </a:pPr>
+            <a:r>
+              <a:rPr lang="en-US" dirty="0" smtClean="0"/>
+              <a:t>Just proceed and follow me!</a:t>
+            </a:r>
+            <a:endParaRPr lang="en-US" dirty="0"/>
+          </a:p>
+          <a:p>
+            <a:pPr marL="0" indent="0">
+              <a:buNone/>
+            </a:pPr>
+            <a:endParaRPr lang="en-US" dirty="0" smtClean="0"/>
+          </a:p>
+          <a:p>
+            <a:pPr marL="0" indent="0">
+              <a:buNone/>
+            </a:pPr>
+            <a:endParaRPr lang="pl-PL" dirty="0"/>
+          </a:p>
+        </p:txBody>
+      </p:sp>
+      <p:pic>
+        <p:nvPicPr>
+          <p:cNvPr id="4" name="Picture 2"/>
+          <p:cNvPicPr>
+            <a:picLocks noChangeAspect="1" noChangeArrowheads="1"/>
+          </p:cNvPicPr>
+          <p:nvPr/>
+        </p:nvPicPr>
+        <p:blipFill>
+          <a:blip r:embed="rId2">
+            <a:extLst>
+              <a:ext uri="{28A0092B-C50C-407E-A947-70E740481C1C}">
+                <a14:useLocalDpi xmlns:a14="http://schemas.microsoft.com/office/drawing/2010/main" val="0"/>
+              </a:ext>
+            </a:extLst>
+          </a:blip>
+          <a:srcRect/>
+          <a:stretch>
+            <a:fillRect/>
+          </a:stretch>
+        </p:blipFill>
+        <p:spPr bwMode="auto">
+          <a:xfrm>
+            <a:off x="89173" y="6263811"/>
+            <a:ext cx="2114209" cy="549565"/>
+          </a:xfrm>
+          <a:prstGeom prst="rect">
+            <a:avLst/>
+          </a:prstGeom>
+          <a:noFill/>
+          <a:ln>
+            <a:noFill/>
+          </a:ln>
+          <a:effectLst>
+            <a:outerShdw blurRad="50800" dist="50800" dir="5400000" algn="ctr" rotWithShape="0">
+              <a:srgbClr val="000000">
+                <a:alpha val="3000"/>
+              </a:srgbClr>
+            </a:outerShdw>
+          </a:effectLst>
+          <a:extLst>
+            <a:ext uri="{909E8E84-426E-40DD-AFC4-6F175D3DCCD1}">
+              <a14:hiddenFill xmlns:a14="http://schemas.microsoft.com/office/drawing/2010/main">
+                <a:solidFill>
+                  <a:schemeClr val="accent1"/>
+                </a:solidFill>
+              </a14:hiddenFill>
+            </a:ext>
+            <a:ext uri="{91240B29-F687-4F45-9708-019B960494DF}">
+              <a14:hiddenLine xmlns:a14="http://schemas.microsoft.com/office/drawing/2010/main" w="9525">
+                <a:solidFill>
+                  <a:schemeClr val="tx1"/>
+                </a:solidFill>
+                <a:miter lim="800000"/>
+                <a:headEnd/>
+                <a:tailEnd/>
+              </a14:hiddenLine>
+            </a:ext>
+          </a:extLst>
+        </p:spPr>
+      </p:pic>
+    </p:spTree>
+    <p:extLst>
+      <p:ext uri="{BB962C8B-B14F-4D97-AF65-F5344CB8AC3E}">
+        <p14:creationId xmlns:p14="http://schemas.microsoft.com/office/powerpoint/2010/main" val="3663977603"/>
+      </p:ext>
+    </p:extLst>
+  </p:cSld>
+  <p:clrMapOvr>
+    <a:masterClrMapping/>
+  </p:clrMapOvr>
+  <p:timing>
+    <p:tnLst>
+      <p:par>
+        <p:cTn id="1" dur="indefinite" restart="never" nodeType="tmRoot"/>
+      </p:par>
+    </p:tnLst>
+  </p:timing>
+</p:sld>
+</file>
+
+<file path=ppt/slides/slide31.xml><?xml version="1.0" encoding="utf-8"?>
+<p:sld xmlns:a="http://schemas.openxmlformats.org/drawingml/2006/main" xmlns:r="http://schemas.openxmlformats.org/officeDocument/2006/relationships" xmlns:p="http://schemas.openxmlformats.org/presentationml/2006/main">
+  <p:cSld>
+    <p:spTree>
+      <p:nvGrpSpPr>
+        <p:cNvPr id="1" name=""/>
+        <p:cNvGrpSpPr/>
+        <p:nvPr/>
+      </p:nvGrpSpPr>
+      <p:grpSpPr>
+        <a:xfrm>
+          <a:off x="0" y="0"/>
+          <a:ext cx="0" cy="0"/>
+          <a:chOff x="0" y="0"/>
+          <a:chExt cx="0" cy="0"/>
+        </a:xfrm>
+      </p:grpSpPr>
+      <p:sp>
+        <p:nvSpPr>
+          <p:cNvPr id="2" name="Title 1"/>
+          <p:cNvSpPr>
+            <a:spLocks noGrp="1"/>
+          </p:cNvSpPr>
+          <p:nvPr>
+            <p:ph type="title"/>
+          </p:nvPr>
+        </p:nvSpPr>
+        <p:spPr/>
+        <p:txBody>
+          <a:bodyPr>
+            <a:normAutofit/>
+          </a:bodyPr>
+          <a:lstStyle/>
+          <a:p>
+            <a:r>
               <a:rPr lang="en-US" sz="3600" dirty="0" smtClean="0"/>
               <a:t>Exercise 3. The essence</a:t>
             </a:r>
@@ -9240,7 +9547,227 @@
 </p:sld>
 </file>
 
-<file path=ppt/slides/slide31.xml><?xml version="1.0" encoding="utf-8"?>
+<file path=ppt/slides/slide32.xml><?xml version="1.0" encoding="utf-8"?>
+<p:sld xmlns:a="http://schemas.openxmlformats.org/drawingml/2006/main" xmlns:r="http://schemas.openxmlformats.org/officeDocument/2006/relationships" xmlns:p="http://schemas.openxmlformats.org/presentationml/2006/main">
+  <p:cSld>
+    <p:spTree>
+      <p:nvGrpSpPr>
+        <p:cNvPr id="1" name=""/>
+        <p:cNvGrpSpPr/>
+        <p:nvPr/>
+      </p:nvGrpSpPr>
+      <p:grpSpPr>
+        <a:xfrm>
+          <a:off x="0" y="0"/>
+          <a:ext cx="0" cy="0"/>
+          <a:chOff x="0" y="0"/>
+          <a:chExt cx="0" cy="0"/>
+        </a:xfrm>
+      </p:grpSpPr>
+      <p:sp>
+        <p:nvSpPr>
+          <p:cNvPr id="2" name="Title 1"/>
+          <p:cNvSpPr>
+            <a:spLocks noGrp="1"/>
+          </p:cNvSpPr>
+          <p:nvPr>
+            <p:ph type="title"/>
+          </p:nvPr>
+        </p:nvSpPr>
+        <p:spPr/>
+        <p:txBody>
+          <a:bodyPr>
+            <a:normAutofit/>
+          </a:bodyPr>
+          <a:lstStyle/>
+          <a:p>
+            <a:r>
+              <a:rPr lang="en-US" sz="3600" dirty="0" smtClean="0"/>
+              <a:t>Before turning to Exercise 3.</a:t>
+            </a:r>
+            <a:endParaRPr lang="pl-PL" sz="3600" dirty="0"/>
+          </a:p>
+        </p:txBody>
+      </p:sp>
+      <p:sp>
+        <p:nvSpPr>
+          <p:cNvPr id="3" name="Content Placeholder 2"/>
+          <p:cNvSpPr>
+            <a:spLocks noGrp="1"/>
+          </p:cNvSpPr>
+          <p:nvPr>
+            <p:ph idx="1"/>
+          </p:nvPr>
+        </p:nvSpPr>
+        <p:spPr/>
+        <p:txBody>
+          <a:bodyPr>
+            <a:normAutofit/>
+          </a:bodyPr>
+          <a:lstStyle/>
+          <a:p>
+            <a:r>
+              <a:rPr lang="en-US" sz="2400" dirty="0" smtClean="0"/>
+              <a:t>Digest Service has been used to mimic memory- and CPU-intensive </a:t>
+            </a:r>
+            <a:r>
+              <a:rPr lang="en-US" sz="2400" dirty="0"/>
+              <a:t>consuming</a:t>
+            </a:r>
+            <a:r>
+              <a:rPr lang="en-US" sz="2400" dirty="0" smtClean="0"/>
+              <a:t> work</a:t>
+            </a:r>
+          </a:p>
+          <a:p>
+            <a:r>
+              <a:rPr lang="en-US" sz="2400" dirty="0"/>
+              <a:t>To recall “Message digests are secure one-way hash functions that take arbitrary-sized data and output a fixed-length hash </a:t>
+            </a:r>
+            <a:r>
+              <a:rPr lang="en-US" sz="2400" dirty="0" smtClean="0"/>
+              <a:t>value” </a:t>
+            </a:r>
+            <a:endParaRPr lang="pl-PL" sz="2400" dirty="0"/>
+          </a:p>
+        </p:txBody>
+      </p:sp>
+      <p:pic>
+        <p:nvPicPr>
+          <p:cNvPr id="1026" name="Picture 2"/>
+          <p:cNvPicPr>
+            <a:picLocks noChangeAspect="1" noChangeArrowheads="1"/>
+          </p:cNvPicPr>
+          <p:nvPr/>
+        </p:nvPicPr>
+        <p:blipFill>
+          <a:blip r:embed="rId2">
+            <a:extLst>
+              <a:ext uri="{28A0092B-C50C-407E-A947-70E740481C1C}">
+                <a14:useLocalDpi xmlns:a14="http://schemas.microsoft.com/office/drawing/2010/main" val="0"/>
+              </a:ext>
+            </a:extLst>
+          </a:blip>
+          <a:srcRect/>
+          <a:stretch>
+            <a:fillRect/>
+          </a:stretch>
+        </p:blipFill>
+        <p:spPr bwMode="auto">
+          <a:xfrm>
+            <a:off x="527248" y="3861048"/>
+            <a:ext cx="8058150" cy="2085975"/>
+          </a:xfrm>
+          <a:prstGeom prst="rect">
+            <a:avLst/>
+          </a:prstGeom>
+          <a:noFill/>
+          <a:ln>
+            <a:noFill/>
+          </a:ln>
+          <a:extLst>
+            <a:ext uri="{909E8E84-426E-40DD-AFC4-6F175D3DCCD1}">
+              <a14:hiddenFill xmlns:a14="http://schemas.microsoft.com/office/drawing/2010/main">
+                <a:solidFill>
+                  <a:schemeClr val="accent1"/>
+                </a:solidFill>
+              </a14:hiddenFill>
+            </a:ext>
+            <a:ext uri="{91240B29-F687-4F45-9708-019B960494DF}">
+              <a14:hiddenLine xmlns:a14="http://schemas.microsoft.com/office/drawing/2010/main" w="9525">
+                <a:solidFill>
+                  <a:schemeClr val="tx1"/>
+                </a:solidFill>
+                <a:miter lim="800000"/>
+                <a:headEnd/>
+                <a:tailEnd/>
+              </a14:hiddenLine>
+            </a:ext>
+          </a:extLst>
+        </p:spPr>
+      </p:pic>
+      <p:pic>
+        <p:nvPicPr>
+          <p:cNvPr id="5" name="Picture 2"/>
+          <p:cNvPicPr>
+            <a:picLocks noChangeAspect="1" noChangeArrowheads="1"/>
+          </p:cNvPicPr>
+          <p:nvPr/>
+        </p:nvPicPr>
+        <p:blipFill>
+          <a:blip r:embed="rId3">
+            <a:extLst>
+              <a:ext uri="{28A0092B-C50C-407E-A947-70E740481C1C}">
+                <a14:useLocalDpi xmlns:a14="http://schemas.microsoft.com/office/drawing/2010/main" val="0"/>
+              </a:ext>
+            </a:extLst>
+          </a:blip>
+          <a:srcRect/>
+          <a:stretch>
+            <a:fillRect/>
+          </a:stretch>
+        </p:blipFill>
+        <p:spPr bwMode="auto">
+          <a:xfrm>
+            <a:off x="89173" y="6263811"/>
+            <a:ext cx="2114209" cy="549565"/>
+          </a:xfrm>
+          <a:prstGeom prst="rect">
+            <a:avLst/>
+          </a:prstGeom>
+          <a:noFill/>
+          <a:ln>
+            <a:noFill/>
+          </a:ln>
+          <a:effectLst>
+            <a:outerShdw blurRad="50800" dist="50800" dir="5400000" algn="ctr" rotWithShape="0">
+              <a:srgbClr val="000000">
+                <a:alpha val="3000"/>
+              </a:srgbClr>
+            </a:outerShdw>
+          </a:effectLst>
+          <a:extLst>
+            <a:ext uri="{909E8E84-426E-40DD-AFC4-6F175D3DCCD1}">
+              <a14:hiddenFill xmlns:a14="http://schemas.microsoft.com/office/drawing/2010/main">
+                <a:solidFill>
+                  <a:schemeClr val="accent1"/>
+                </a:solidFill>
+              </a14:hiddenFill>
+            </a:ext>
+            <a:ext uri="{91240B29-F687-4F45-9708-019B960494DF}">
+              <a14:hiddenLine xmlns:a14="http://schemas.microsoft.com/office/drawing/2010/main" w="9525">
+                <a:solidFill>
+                  <a:schemeClr val="tx1"/>
+                </a:solidFill>
+                <a:miter lim="800000"/>
+                <a:headEnd/>
+                <a:tailEnd/>
+              </a14:hiddenLine>
+            </a:ext>
+          </a:extLst>
+        </p:spPr>
+      </p:pic>
+    </p:spTree>
+    <p:extLst>
+      <p:ext uri="{BB962C8B-B14F-4D97-AF65-F5344CB8AC3E}">
+        <p14:creationId xmlns:p14="http://schemas.microsoft.com/office/powerpoint/2010/main" val="683244129"/>
+      </p:ext>
+    </p:extLst>
+  </p:cSld>
+  <p:clrMapOvr>
+    <a:masterClrMapping/>
+  </p:clrMapOvr>
+  <p:timing>
+    <p:tnLst>
+      <p:par>
+        <p:cTn id="1" dur="indefinite" restart="never" nodeType="tmRoot"/>
+      </p:par>
+    </p:tnLst>
+  </p:timing>
+</p:sld>
+</file>
+
+<file path=ppt/slides/slide33.xml><?xml version="1.0" encoding="utf-8"?>
 <p:sld xmlns:a="http://schemas.openxmlformats.org/drawingml/2006/main" xmlns:r="http://schemas.openxmlformats.org/officeDocument/2006/relationships" xmlns:p="http://schemas.openxmlformats.org/presentationml/2006/main">
   <p:cSld>
     <p:spTree>
@@ -9429,7 +9956,7 @@
 </p:sld>
 </file>
 
-<file path=ppt/slides/slide32.xml><?xml version="1.0" encoding="utf-8"?>
+<file path=ppt/slides/slide34.xml><?xml version="1.0" encoding="utf-8"?>
 <p:sld xmlns:a="http://schemas.openxmlformats.org/drawingml/2006/main" xmlns:r="http://schemas.openxmlformats.org/officeDocument/2006/relationships" xmlns:p="http://schemas.openxmlformats.org/presentationml/2006/main">
   <p:cSld>
     <p:spTree>
@@ -11079,7 +11606,14 @@
                 <a:latin typeface="Helvetica Neue"/>
                 <a:cs typeface="Helvetica Neue"/>
               </a:rPr>
-              <a:t>studentXYZ</a:t>
+              <a:t>student</a:t>
+            </a:r>
+            <a:r>
+              <a:rPr lang="en-US" sz="1000" b="1" dirty="0" err="1" smtClean="0">
+                <a:latin typeface="Helvetica Neue"/>
+                <a:cs typeface="Helvetica Neue"/>
+              </a:rPr>
+              <a:t>XYZ</a:t>
             </a:r>
             <a:r>
               <a:rPr lang="en-US" sz="1000" dirty="0" smtClean="0">
@@ -13253,7 +13787,7 @@
 </p:sld>
 </file>
 
-<file path=ppt/slides/slide33.xml><?xml version="1.0" encoding="utf-8"?>
+<file path=ppt/slides/slide35.xml><?xml version="1.0" encoding="utf-8"?>
 <p:sld xmlns:a="http://schemas.openxmlformats.org/drawingml/2006/main" xmlns:r="http://schemas.openxmlformats.org/officeDocument/2006/relationships" xmlns:p="http://schemas.openxmlformats.org/presentationml/2006/main">
   <p:cSld>
     <p:spTree>
@@ -14707,7 +15241,7 @@
 </p:sld>
 </file>
 
-<file path=ppt/slides/slide34.xml><?xml version="1.0" encoding="utf-8"?>
+<file path=ppt/slides/slide36.xml><?xml version="1.0" encoding="utf-8"?>
 <p:sld xmlns:a="http://schemas.openxmlformats.org/drawingml/2006/main" xmlns:r="http://schemas.openxmlformats.org/officeDocument/2006/relationships" xmlns:p="http://schemas.openxmlformats.org/presentationml/2006/main">
   <p:cSld>
     <p:spTree>
@@ -15095,7 +15629,7 @@
 </p:sld>
 </file>
 
-<file path=ppt/slides/slide35.xml><?xml version="1.0" encoding="utf-8"?>
+<file path=ppt/slides/slide37.xml><?xml version="1.0" encoding="utf-8"?>
 <p:sld xmlns:a="http://schemas.openxmlformats.org/drawingml/2006/main" xmlns:r="http://schemas.openxmlformats.org/officeDocument/2006/relationships" xmlns:p="http://schemas.openxmlformats.org/presentationml/2006/main">
   <p:cSld>
     <p:spTree>
@@ -15281,7 +15815,7 @@
 </p:sld>
 </file>
 
-<file path=ppt/slides/slide36.xml><?xml version="1.0" encoding="utf-8"?>
+<file path=ppt/slides/slide38.xml><?xml version="1.0" encoding="utf-8"?>
 <p:sld xmlns:a="http://schemas.openxmlformats.org/drawingml/2006/main" xmlns:r="http://schemas.openxmlformats.org/officeDocument/2006/relationships" xmlns:p="http://schemas.openxmlformats.org/presentationml/2006/main">
   <p:cSld>
     <p:spTree>
@@ -15408,7 +15942,7 @@
 </p:sld>
 </file>
 
-<file path=ppt/slides/slide37.xml><?xml version="1.0" encoding="utf-8"?>
+<file path=ppt/slides/slide39.xml><?xml version="1.0" encoding="utf-8"?>
 <p:sld xmlns:a="http://schemas.openxmlformats.org/drawingml/2006/main" xmlns:r="http://schemas.openxmlformats.org/officeDocument/2006/relationships" xmlns:p="http://schemas.openxmlformats.org/presentationml/2006/main">
   <p:cSld>
     <p:spTree>
@@ -15578,1860 +16112,6 @@
     <p:extLst>
       <p:ext uri="{BB962C8B-B14F-4D97-AF65-F5344CB8AC3E}">
         <p14:creationId xmlns:p14="http://schemas.microsoft.com/office/powerpoint/2010/main" val="4061465987"/>
-      </p:ext>
-    </p:extLst>
-  </p:cSld>
-  <p:clrMapOvr>
-    <a:masterClrMapping/>
-  </p:clrMapOvr>
-  <p:timing>
-    <p:tnLst>
-      <p:par>
-        <p:cTn id="1" dur="indefinite" restart="never" nodeType="tmRoot"/>
-      </p:par>
-    </p:tnLst>
-  </p:timing>
-</p:sld>
-</file>
-
-<file path=ppt/slides/slide38.xml><?xml version="1.0" encoding="utf-8"?>
-<p:sld xmlns:a="http://schemas.openxmlformats.org/drawingml/2006/main" xmlns:r="http://schemas.openxmlformats.org/officeDocument/2006/relationships" xmlns:p="http://schemas.openxmlformats.org/presentationml/2006/main">
-  <p:cSld>
-    <p:spTree>
-      <p:nvGrpSpPr>
-        <p:cNvPr id="1" name=""/>
-        <p:cNvGrpSpPr/>
-        <p:nvPr/>
-      </p:nvGrpSpPr>
-      <p:grpSpPr>
-        <a:xfrm>
-          <a:off x="0" y="0"/>
-          <a:ext cx="0" cy="0"/>
-          <a:chOff x="0" y="0"/>
-          <a:chExt cx="0" cy="0"/>
-        </a:xfrm>
-      </p:grpSpPr>
-      <p:sp>
-        <p:nvSpPr>
-          <p:cNvPr id="2" name="Title 1"/>
-          <p:cNvSpPr>
-            <a:spLocks noGrp="1"/>
-          </p:cNvSpPr>
-          <p:nvPr>
-            <p:ph type="title"/>
-          </p:nvPr>
-        </p:nvSpPr>
-        <p:spPr/>
-        <p:txBody>
-          <a:bodyPr>
-            <a:normAutofit/>
-          </a:bodyPr>
-          <a:lstStyle/>
-          <a:p>
-            <a:r>
-              <a:rPr lang="en-US" sz="3600" dirty="0"/>
-              <a:t>Exercise 3</a:t>
-            </a:r>
-            <a:r>
-              <a:rPr lang="en-US" sz="3600" dirty="0" smtClean="0"/>
-              <a:t>. </a:t>
-            </a:r>
-            <a:r>
-              <a:rPr lang="en-US" sz="3600" dirty="0"/>
-              <a:t>F</a:t>
-            </a:r>
-            <a:r>
-              <a:rPr lang="en-US" sz="3600" dirty="0" smtClean="0"/>
-              <a:t>ire the flow</a:t>
-            </a:r>
-            <a:endParaRPr lang="pl-PL" sz="3600" dirty="0"/>
-          </a:p>
-        </p:txBody>
-      </p:sp>
-      <p:pic>
-        <p:nvPicPr>
-          <p:cNvPr id="1027" name="Picture 3"/>
-          <p:cNvPicPr>
-            <a:picLocks noChangeAspect="1" noChangeArrowheads="1"/>
-          </p:cNvPicPr>
-          <p:nvPr/>
-        </p:nvPicPr>
-        <p:blipFill>
-          <a:blip r:embed="rId2">
-            <a:extLst>
-              <a:ext uri="{28A0092B-C50C-407E-A947-70E740481C1C}">
-                <a14:useLocalDpi xmlns:a14="http://schemas.microsoft.com/office/drawing/2010/main" val="0"/>
-              </a:ext>
-            </a:extLst>
-          </a:blip>
-          <a:srcRect/>
-          <a:stretch>
-            <a:fillRect/>
-          </a:stretch>
-        </p:blipFill>
-        <p:spPr bwMode="auto">
-          <a:xfrm>
-            <a:off x="395536" y="1545080"/>
-            <a:ext cx="8280920" cy="4692232"/>
-          </a:xfrm>
-          <a:prstGeom prst="rect">
-            <a:avLst/>
-          </a:prstGeom>
-          <a:noFill/>
-          <a:ln>
-            <a:noFill/>
-          </a:ln>
-          <a:extLst>
-            <a:ext uri="{909E8E84-426E-40DD-AFC4-6F175D3DCCD1}">
-              <a14:hiddenFill xmlns:a14="http://schemas.microsoft.com/office/drawing/2010/main">
-                <a:solidFill>
-                  <a:schemeClr val="accent1"/>
-                </a:solidFill>
-              </a14:hiddenFill>
-            </a:ext>
-            <a:ext uri="{91240B29-F687-4F45-9708-019B960494DF}">
-              <a14:hiddenLine xmlns:a14="http://schemas.microsoft.com/office/drawing/2010/main" w="9525">
-                <a:solidFill>
-                  <a:schemeClr val="tx1"/>
-                </a:solidFill>
-                <a:miter lim="800000"/>
-                <a:headEnd/>
-                <a:tailEnd/>
-              </a14:hiddenLine>
-            </a:ext>
-          </a:extLst>
-        </p:spPr>
-      </p:pic>
-      <p:pic>
-        <p:nvPicPr>
-          <p:cNvPr id="4" name="Picture 2"/>
-          <p:cNvPicPr>
-            <a:picLocks noChangeAspect="1" noChangeArrowheads="1"/>
-          </p:cNvPicPr>
-          <p:nvPr/>
-        </p:nvPicPr>
-        <p:blipFill>
-          <a:blip r:embed="rId3">
-            <a:extLst>
-              <a:ext uri="{28A0092B-C50C-407E-A947-70E740481C1C}">
-                <a14:useLocalDpi xmlns:a14="http://schemas.microsoft.com/office/drawing/2010/main" val="0"/>
-              </a:ext>
-            </a:extLst>
-          </a:blip>
-          <a:srcRect/>
-          <a:stretch>
-            <a:fillRect/>
-          </a:stretch>
-        </p:blipFill>
-        <p:spPr bwMode="auto">
-          <a:xfrm>
-            <a:off x="89173" y="6263811"/>
-            <a:ext cx="2114209" cy="549565"/>
-          </a:xfrm>
-          <a:prstGeom prst="rect">
-            <a:avLst/>
-          </a:prstGeom>
-          <a:noFill/>
-          <a:ln>
-            <a:noFill/>
-          </a:ln>
-          <a:effectLst>
-            <a:outerShdw blurRad="50800" dist="50800" dir="5400000" algn="ctr" rotWithShape="0">
-              <a:srgbClr val="000000">
-                <a:alpha val="3000"/>
-              </a:srgbClr>
-            </a:outerShdw>
-          </a:effectLst>
-          <a:extLst>
-            <a:ext uri="{909E8E84-426E-40DD-AFC4-6F175D3DCCD1}">
-              <a14:hiddenFill xmlns:a14="http://schemas.microsoft.com/office/drawing/2010/main">
-                <a:solidFill>
-                  <a:schemeClr val="accent1"/>
-                </a:solidFill>
-              </a14:hiddenFill>
-            </a:ext>
-            <a:ext uri="{91240B29-F687-4F45-9708-019B960494DF}">
-              <a14:hiddenLine xmlns:a14="http://schemas.microsoft.com/office/drawing/2010/main" w="9525">
-                <a:solidFill>
-                  <a:schemeClr val="tx1"/>
-                </a:solidFill>
-                <a:miter lim="800000"/>
-                <a:headEnd/>
-                <a:tailEnd/>
-              </a14:hiddenLine>
-            </a:ext>
-          </a:extLst>
-        </p:spPr>
-      </p:pic>
-    </p:spTree>
-    <p:extLst>
-      <p:ext uri="{BB962C8B-B14F-4D97-AF65-F5344CB8AC3E}">
-        <p14:creationId xmlns:p14="http://schemas.microsoft.com/office/powerpoint/2010/main" val="2365543400"/>
-      </p:ext>
-    </p:extLst>
-  </p:cSld>
-  <p:clrMapOvr>
-    <a:masterClrMapping/>
-  </p:clrMapOvr>
-  <p:timing>
-    <p:tnLst>
-      <p:par>
-        <p:cTn id="1" dur="indefinite" restart="never" nodeType="tmRoot"/>
-      </p:par>
-    </p:tnLst>
-  </p:timing>
-</p:sld>
-</file>
-
-<file path=ppt/slides/slide39.xml><?xml version="1.0" encoding="utf-8"?>
-<p:sld xmlns:a="http://schemas.openxmlformats.org/drawingml/2006/main" xmlns:r="http://schemas.openxmlformats.org/officeDocument/2006/relationships" xmlns:p="http://schemas.openxmlformats.org/presentationml/2006/main">
-  <p:cSld>
-    <p:spTree>
-      <p:nvGrpSpPr>
-        <p:cNvPr id="1" name=""/>
-        <p:cNvGrpSpPr/>
-        <p:nvPr/>
-      </p:nvGrpSpPr>
-      <p:grpSpPr>
-        <a:xfrm>
-          <a:off x="0" y="0"/>
-          <a:ext cx="0" cy="0"/>
-          <a:chOff x="0" y="0"/>
-          <a:chExt cx="0" cy="0"/>
-        </a:xfrm>
-      </p:grpSpPr>
-      <p:sp>
-        <p:nvSpPr>
-          <p:cNvPr id="2" name="Title 1"/>
-          <p:cNvSpPr>
-            <a:spLocks noGrp="1"/>
-          </p:cNvSpPr>
-          <p:nvPr>
-            <p:ph type="title"/>
-          </p:nvPr>
-        </p:nvSpPr>
-        <p:spPr/>
-        <p:txBody>
-          <a:bodyPr>
-            <a:normAutofit/>
-          </a:bodyPr>
-          <a:lstStyle/>
-          <a:p>
-            <a:r>
-              <a:rPr lang="en-US" sz="3600" dirty="0"/>
-              <a:t>Exercise </a:t>
-            </a:r>
-            <a:r>
-              <a:rPr lang="en-US" sz="3600" dirty="0" smtClean="0"/>
-              <a:t>4. More involved case</a:t>
-            </a:r>
-            <a:endParaRPr lang="pl-PL" sz="3600" dirty="0"/>
-          </a:p>
-        </p:txBody>
-      </p:sp>
-      <p:sp>
-        <p:nvSpPr>
-          <p:cNvPr id="4" name="Rectangle 3"/>
-          <p:cNvSpPr/>
-          <p:nvPr/>
-        </p:nvSpPr>
-        <p:spPr>
-          <a:xfrm>
-            <a:off x="179512" y="1916832"/>
-            <a:ext cx="8784976" cy="4154984"/>
-          </a:xfrm>
-          <a:prstGeom prst="rect">
-            <a:avLst/>
-          </a:prstGeom>
-        </p:spPr>
-        <p:txBody>
-          <a:bodyPr wrap="square">
-            <a:spAutoFit/>
-          </a:bodyPr>
-          <a:lstStyle/>
-          <a:p>
-            <a:r>
-              <a:rPr lang="pl-PL" sz="1100" dirty="0" err="1" smtClean="0">
-                <a:solidFill>
-                  <a:srgbClr val="000000"/>
-                </a:solidFill>
-                <a:latin typeface="Consolas"/>
-              </a:rPr>
-              <a:t>FallbackServerInstanceBuilder</a:t>
-            </a:r>
-            <a:r>
-              <a:rPr lang="pl-PL" sz="1100" dirty="0" smtClean="0">
-                <a:solidFill>
-                  <a:srgbClr val="000000"/>
-                </a:solidFill>
-                <a:latin typeface="Consolas"/>
-              </a:rPr>
-              <a:t> </a:t>
-            </a:r>
-            <a:r>
-              <a:rPr lang="pl-PL" sz="1100" dirty="0" err="1" smtClean="0">
-                <a:solidFill>
-                  <a:srgbClr val="0000C0"/>
-                </a:solidFill>
-                <a:latin typeface="Consolas"/>
-              </a:rPr>
-              <a:t>fsib</a:t>
-            </a:r>
-            <a:r>
-              <a:rPr lang="en-US" sz="1100" dirty="0" smtClean="0">
-                <a:solidFill>
-                  <a:srgbClr val="0000C0"/>
-                </a:solidFill>
-                <a:latin typeface="Consolas"/>
-              </a:rPr>
-              <a:t> = ...</a:t>
-            </a:r>
-            <a:r>
-              <a:rPr lang="pl-PL" sz="1100" dirty="0" smtClean="0">
-                <a:solidFill>
-                  <a:srgbClr val="000000"/>
-                </a:solidFill>
-                <a:latin typeface="Consolas"/>
-              </a:rPr>
-              <a:t>;</a:t>
-            </a:r>
-            <a:endParaRPr lang="pl-PL" sz="1100" dirty="0">
-              <a:solidFill>
-                <a:srgbClr val="000000"/>
-              </a:solidFill>
-              <a:latin typeface="Consolas"/>
-            </a:endParaRPr>
-          </a:p>
-          <a:p>
-            <a:r>
-              <a:rPr lang="en-US" sz="1100" dirty="0" smtClean="0">
-                <a:solidFill>
-                  <a:srgbClr val="000000"/>
-                </a:solidFill>
-                <a:latin typeface="Consolas"/>
-              </a:rPr>
-              <a:t>   </a:t>
-            </a:r>
-          </a:p>
-          <a:p>
-            <a:r>
-              <a:rPr lang="en-US" sz="1100" b="1" dirty="0" smtClean="0">
-                <a:solidFill>
-                  <a:srgbClr val="7F0055"/>
-                </a:solidFill>
-                <a:latin typeface="Consolas"/>
-              </a:rPr>
-              <a:t>      </a:t>
-            </a:r>
-            <a:r>
-              <a:rPr lang="pl-PL" sz="1100" b="1" dirty="0" err="1" smtClean="0">
-                <a:solidFill>
-                  <a:srgbClr val="7F0055"/>
-                </a:solidFill>
-                <a:latin typeface="Consolas"/>
-              </a:rPr>
-              <a:t>try</a:t>
-            </a:r>
-            <a:r>
-              <a:rPr lang="pl-PL" sz="1100" b="1" dirty="0" smtClean="0">
-                <a:solidFill>
-                  <a:srgbClr val="000000"/>
-                </a:solidFill>
-                <a:latin typeface="Consolas"/>
-              </a:rPr>
-              <a:t> </a:t>
-            </a:r>
-            <a:r>
-              <a:rPr lang="pl-PL" sz="1100" dirty="0">
-                <a:solidFill>
-                  <a:srgbClr val="000000"/>
-                </a:solidFill>
-                <a:latin typeface="Consolas"/>
-              </a:rPr>
-              <a:t>{</a:t>
-            </a:r>
-          </a:p>
-          <a:p>
-            <a:r>
-              <a:rPr lang="pl-PL" sz="1100" dirty="0" smtClean="0">
-                <a:solidFill>
-                  <a:srgbClr val="000000"/>
-                </a:solidFill>
-                <a:latin typeface="Consolas"/>
-              </a:rPr>
-              <a:t>      </a:t>
-            </a:r>
-            <a:r>
-              <a:rPr lang="en-US" sz="1100" dirty="0" smtClean="0">
-                <a:solidFill>
-                  <a:srgbClr val="000000"/>
-                </a:solidFill>
-                <a:latin typeface="Consolas"/>
-              </a:rPr>
-              <a:t>  </a:t>
-            </a:r>
-            <a:r>
-              <a:rPr lang="pl-PL" sz="1100" dirty="0" err="1" smtClean="0">
-                <a:solidFill>
-                  <a:srgbClr val="0000C0"/>
-                </a:solidFill>
-                <a:latin typeface="Consolas"/>
-              </a:rPr>
-              <a:t>sender</a:t>
-            </a:r>
-            <a:r>
-              <a:rPr lang="pl-PL" sz="1100" dirty="0" err="1" smtClean="0">
-                <a:solidFill>
-                  <a:srgbClr val="000000"/>
-                </a:solidFill>
-                <a:latin typeface="Consolas"/>
-              </a:rPr>
-              <a:t>.trySending</a:t>
-            </a:r>
-            <a:r>
-              <a:rPr lang="pl-PL" sz="1100" dirty="0" smtClean="0">
-                <a:solidFill>
-                  <a:srgbClr val="000000"/>
-                </a:solidFill>
-                <a:latin typeface="Consolas"/>
-              </a:rPr>
-              <a:t>(</a:t>
-            </a:r>
-            <a:r>
-              <a:rPr lang="pl-PL" sz="1100" dirty="0" err="1" smtClean="0">
-                <a:solidFill>
-                  <a:srgbClr val="0000C0"/>
-                </a:solidFill>
-                <a:latin typeface="Consolas"/>
-              </a:rPr>
-              <a:t>basicServiceUrl</a:t>
-            </a:r>
-            <a:r>
-              <a:rPr lang="pl-PL" sz="1100" dirty="0">
-                <a:solidFill>
-                  <a:srgbClr val="000000"/>
-                </a:solidFill>
-                <a:latin typeface="Consolas"/>
-              </a:rPr>
-              <a:t>, </a:t>
-            </a:r>
-            <a:r>
-              <a:rPr lang="pl-PL" sz="1100" dirty="0" err="1">
-                <a:solidFill>
-                  <a:srgbClr val="0000C0"/>
-                </a:solidFill>
-                <a:latin typeface="Consolas"/>
-              </a:rPr>
-              <a:t>digestRequest</a:t>
-            </a:r>
-            <a:r>
-              <a:rPr lang="pl-PL" sz="1100" dirty="0">
-                <a:solidFill>
-                  <a:srgbClr val="000000"/>
-                </a:solidFill>
-                <a:latin typeface="Consolas"/>
-              </a:rPr>
-              <a:t>);</a:t>
-            </a:r>
-          </a:p>
-          <a:p>
-            <a:r>
-              <a:rPr lang="pl-PL" sz="1100" dirty="0" smtClean="0">
-                <a:solidFill>
-                  <a:srgbClr val="000000"/>
-                </a:solidFill>
-                <a:latin typeface="Consolas"/>
-              </a:rPr>
-              <a:t>      </a:t>
-            </a:r>
-            <a:r>
-              <a:rPr lang="pl-PL" sz="1100" dirty="0">
-                <a:solidFill>
-                  <a:srgbClr val="000000"/>
-                </a:solidFill>
-                <a:latin typeface="Consolas"/>
-              </a:rPr>
-              <a:t>} </a:t>
-            </a:r>
-            <a:r>
-              <a:rPr lang="pl-PL" sz="1100" b="1" dirty="0" err="1">
-                <a:solidFill>
-                  <a:srgbClr val="7F0055"/>
-                </a:solidFill>
-                <a:latin typeface="Consolas"/>
-              </a:rPr>
-              <a:t>catch</a:t>
-            </a:r>
-            <a:r>
-              <a:rPr lang="pl-PL" sz="1100" b="1" dirty="0">
-                <a:solidFill>
-                  <a:srgbClr val="000000"/>
-                </a:solidFill>
-                <a:latin typeface="Consolas"/>
-              </a:rPr>
-              <a:t> (</a:t>
-            </a:r>
-            <a:r>
-              <a:rPr lang="pl-PL" sz="1100" b="1" dirty="0" err="1">
-                <a:solidFill>
-                  <a:srgbClr val="000000"/>
-                </a:solidFill>
-                <a:latin typeface="Consolas"/>
-              </a:rPr>
-              <a:t>OutOfMemoryError</a:t>
-            </a:r>
-            <a:r>
-              <a:rPr lang="pl-PL" sz="1100" b="1" dirty="0">
-                <a:solidFill>
-                  <a:srgbClr val="000000"/>
-                </a:solidFill>
-                <a:latin typeface="Consolas"/>
-              </a:rPr>
-              <a:t> </a:t>
-            </a:r>
-            <a:r>
-              <a:rPr lang="pl-PL" sz="1100" b="1" dirty="0" err="1">
-                <a:solidFill>
-                  <a:srgbClr val="6A3E3E"/>
-                </a:solidFill>
-                <a:latin typeface="Consolas"/>
-              </a:rPr>
-              <a:t>outOfMemoryErrorFromTargetServerMachineInstance</a:t>
-            </a:r>
-            <a:r>
-              <a:rPr lang="pl-PL" sz="1100" b="1" dirty="0">
-                <a:solidFill>
-                  <a:srgbClr val="000000"/>
-                </a:solidFill>
-                <a:latin typeface="Consolas"/>
-              </a:rPr>
-              <a:t>) {</a:t>
-            </a:r>
-          </a:p>
-          <a:p>
-            <a:r>
-              <a:rPr lang="pl-PL" sz="1100" dirty="0" smtClean="0">
-                <a:solidFill>
-                  <a:srgbClr val="000000"/>
-                </a:solidFill>
-                <a:latin typeface="Consolas"/>
-              </a:rPr>
-              <a:t>         </a:t>
-            </a:r>
-            <a:endParaRPr lang="pl-PL" sz="1100" dirty="0">
-              <a:solidFill>
-                <a:srgbClr val="000000"/>
-              </a:solidFill>
-              <a:latin typeface="Consolas"/>
-            </a:endParaRPr>
-          </a:p>
-          <a:p>
-            <a:r>
-              <a:rPr lang="pl-PL" sz="1100" dirty="0" smtClean="0">
-                <a:solidFill>
-                  <a:srgbClr val="000000"/>
-                </a:solidFill>
-                <a:latin typeface="Consolas"/>
-              </a:rPr>
-              <a:t>          </a:t>
-            </a:r>
-            <a:r>
-              <a:rPr lang="pl-PL" sz="1100" b="1" dirty="0" err="1">
-                <a:solidFill>
-                  <a:srgbClr val="7F0055"/>
-                </a:solidFill>
-                <a:latin typeface="Consolas"/>
-              </a:rPr>
-              <a:t>try</a:t>
-            </a:r>
-            <a:r>
-              <a:rPr lang="pl-PL" sz="1100" b="1" dirty="0">
-                <a:solidFill>
-                  <a:srgbClr val="000000"/>
-                </a:solidFill>
-                <a:latin typeface="Consolas"/>
-              </a:rPr>
-              <a:t> {</a:t>
-            </a:r>
-          </a:p>
-          <a:p>
-            <a:r>
-              <a:rPr lang="en-US" sz="1100" dirty="0" smtClean="0">
-                <a:solidFill>
-                  <a:srgbClr val="000000"/>
-                </a:solidFill>
-                <a:latin typeface="Consolas"/>
-              </a:rPr>
-              <a:t>              </a:t>
-            </a:r>
-            <a:r>
-              <a:rPr lang="en-US" sz="1100" dirty="0" err="1">
-                <a:solidFill>
-                  <a:srgbClr val="000000"/>
-                </a:solidFill>
-                <a:latin typeface="Consolas"/>
-              </a:rPr>
-              <a:t>FallbackSetupParams</a:t>
-            </a:r>
-            <a:r>
-              <a:rPr lang="en-US" sz="1100" dirty="0">
-                <a:solidFill>
-                  <a:srgbClr val="000000"/>
-                </a:solidFill>
-                <a:latin typeface="Consolas"/>
-              </a:rPr>
-              <a:t> </a:t>
-            </a:r>
-            <a:r>
-              <a:rPr lang="en-US" sz="1100" dirty="0" err="1">
-                <a:solidFill>
-                  <a:srgbClr val="6A3E3E"/>
-                </a:solidFill>
-                <a:latin typeface="Consolas"/>
-              </a:rPr>
-              <a:t>fsp</a:t>
-            </a:r>
-            <a:r>
-              <a:rPr lang="en-US" sz="1100" dirty="0">
-                <a:solidFill>
-                  <a:srgbClr val="000000"/>
-                </a:solidFill>
-                <a:latin typeface="Consolas"/>
-              </a:rPr>
-              <a:t> = </a:t>
-            </a:r>
-            <a:r>
-              <a:rPr lang="en-US" sz="1100" b="1" dirty="0">
-                <a:solidFill>
-                  <a:srgbClr val="7F0055"/>
-                </a:solidFill>
-                <a:latin typeface="Consolas"/>
-              </a:rPr>
-              <a:t>new</a:t>
-            </a:r>
-            <a:r>
-              <a:rPr lang="en-US" sz="1100" b="1" dirty="0">
-                <a:solidFill>
-                  <a:srgbClr val="000000"/>
-                </a:solidFill>
-                <a:latin typeface="Consolas"/>
-              </a:rPr>
-              <a:t> </a:t>
-            </a:r>
-            <a:r>
-              <a:rPr lang="en-US" sz="1100" b="1" dirty="0" err="1">
-                <a:solidFill>
-                  <a:srgbClr val="000000"/>
-                </a:solidFill>
-                <a:latin typeface="Consolas"/>
-              </a:rPr>
-              <a:t>FallbackSetupParams</a:t>
-            </a:r>
-            <a:r>
-              <a:rPr lang="en-US" sz="1100" b="1" dirty="0">
-                <a:solidFill>
-                  <a:srgbClr val="000000"/>
-                </a:solidFill>
-                <a:latin typeface="Consolas"/>
-              </a:rPr>
-              <a:t>().</a:t>
-            </a:r>
-            <a:r>
-              <a:rPr lang="en-US" sz="1100" b="1" dirty="0" err="1">
-                <a:solidFill>
-                  <a:srgbClr val="000000"/>
-                </a:solidFill>
-                <a:latin typeface="Consolas"/>
-              </a:rPr>
-              <a:t>withLabel</a:t>
-            </a:r>
-            <a:r>
-              <a:rPr lang="en-US" sz="1100" b="1" dirty="0">
-                <a:solidFill>
-                  <a:srgbClr val="000000"/>
-                </a:solidFill>
-                <a:latin typeface="Consolas"/>
-              </a:rPr>
-              <a:t>(</a:t>
-            </a:r>
-            <a:r>
-              <a:rPr lang="en-US" sz="1100" b="1" dirty="0">
-                <a:solidFill>
-                  <a:srgbClr val="2A00FF"/>
-                </a:solidFill>
-                <a:latin typeface="Consolas"/>
-              </a:rPr>
-              <a:t>"..."</a:t>
-            </a:r>
-            <a:r>
-              <a:rPr lang="en-US" sz="1100" b="1" dirty="0">
-                <a:solidFill>
-                  <a:srgbClr val="000000"/>
-                </a:solidFill>
-                <a:latin typeface="Consolas"/>
-              </a:rPr>
-              <a:t>);</a:t>
-            </a:r>
-          </a:p>
-          <a:p>
-            <a:r>
-              <a:rPr lang="pl-PL" sz="1100" dirty="0" smtClean="0">
-                <a:solidFill>
-                  <a:srgbClr val="000000"/>
-                </a:solidFill>
-                <a:latin typeface="Consolas"/>
-              </a:rPr>
-              <a:t>              </a:t>
-            </a:r>
-            <a:r>
-              <a:rPr lang="pl-PL" sz="1100" dirty="0" err="1">
-                <a:solidFill>
-                  <a:srgbClr val="000000"/>
-                </a:solidFill>
-                <a:latin typeface="Consolas"/>
-              </a:rPr>
-              <a:t>FallbackServerInstance</a:t>
-            </a:r>
-            <a:r>
-              <a:rPr lang="pl-PL" sz="1100" dirty="0">
-                <a:solidFill>
-                  <a:srgbClr val="000000"/>
-                </a:solidFill>
-                <a:latin typeface="Consolas"/>
-              </a:rPr>
-              <a:t> </a:t>
-            </a:r>
-            <a:r>
-              <a:rPr lang="pl-PL" sz="1100" dirty="0" err="1">
-                <a:solidFill>
-                  <a:srgbClr val="6A3E3E"/>
-                </a:solidFill>
-                <a:latin typeface="Consolas"/>
-              </a:rPr>
-              <a:t>newMediumFallbackInstance</a:t>
-            </a:r>
-            <a:r>
-              <a:rPr lang="pl-PL" sz="1100" dirty="0">
-                <a:solidFill>
-                  <a:srgbClr val="000000"/>
-                </a:solidFill>
-                <a:latin typeface="Consolas"/>
-              </a:rPr>
-              <a:t> = </a:t>
-            </a:r>
-            <a:r>
-              <a:rPr lang="pl-PL" sz="1100" dirty="0" err="1">
-                <a:solidFill>
-                  <a:srgbClr val="0000C0"/>
-                </a:solidFill>
-                <a:latin typeface="Consolas"/>
-              </a:rPr>
-              <a:t>fsib</a:t>
-            </a:r>
-            <a:r>
-              <a:rPr lang="pl-PL" sz="1100" dirty="0" err="1">
-                <a:solidFill>
-                  <a:srgbClr val="000000"/>
-                </a:solidFill>
-                <a:latin typeface="Consolas"/>
-              </a:rPr>
-              <a:t>.build</a:t>
-            </a:r>
-            <a:r>
-              <a:rPr lang="pl-PL" sz="1100" dirty="0">
-                <a:solidFill>
-                  <a:srgbClr val="000000"/>
-                </a:solidFill>
-                <a:latin typeface="Consolas"/>
-              </a:rPr>
-              <a:t>(</a:t>
-            </a:r>
-            <a:r>
-              <a:rPr lang="pl-PL" sz="1100" dirty="0" err="1">
-                <a:solidFill>
-                  <a:srgbClr val="6A3E3E"/>
-                </a:solidFill>
-                <a:latin typeface="Consolas"/>
-              </a:rPr>
-              <a:t>fsp</a:t>
-            </a:r>
-            <a:r>
-              <a:rPr lang="pl-PL" sz="1100" dirty="0">
-                <a:solidFill>
-                  <a:srgbClr val="000000"/>
-                </a:solidFill>
-                <a:latin typeface="Consolas"/>
-              </a:rPr>
-              <a:t>);</a:t>
-            </a:r>
-          </a:p>
-          <a:p>
-            <a:r>
-              <a:rPr lang="pl-PL" sz="1100" dirty="0" smtClean="0">
-                <a:solidFill>
-                  <a:srgbClr val="000000"/>
-                </a:solidFill>
-                <a:latin typeface="Consolas"/>
-              </a:rPr>
-              <a:t>              </a:t>
-            </a:r>
-            <a:r>
-              <a:rPr lang="pl-PL" sz="1100" dirty="0">
-                <a:solidFill>
-                  <a:srgbClr val="000000"/>
-                </a:solidFill>
-                <a:latin typeface="Consolas"/>
-              </a:rPr>
-              <a:t>String </a:t>
-            </a:r>
-            <a:r>
-              <a:rPr lang="pl-PL" sz="1100" dirty="0" err="1">
-                <a:solidFill>
-                  <a:srgbClr val="6A3E3E"/>
-                </a:solidFill>
-                <a:latin typeface="Consolas"/>
-              </a:rPr>
-              <a:t>newMediumServiceUrl</a:t>
-            </a:r>
-            <a:r>
-              <a:rPr lang="pl-PL" sz="1100" dirty="0">
-                <a:solidFill>
-                  <a:srgbClr val="000000"/>
-                </a:solidFill>
-                <a:latin typeface="Consolas"/>
-              </a:rPr>
-              <a:t> = </a:t>
-            </a:r>
-            <a:r>
-              <a:rPr lang="pl-PL" sz="1100" dirty="0" err="1">
-                <a:solidFill>
-                  <a:srgbClr val="000000"/>
-                </a:solidFill>
-                <a:latin typeface="Consolas"/>
-              </a:rPr>
-              <a:t>buildServiceUrl</a:t>
-            </a:r>
-            <a:r>
-              <a:rPr lang="pl-PL" sz="1100" dirty="0">
-                <a:solidFill>
-                  <a:srgbClr val="000000"/>
-                </a:solidFill>
-                <a:latin typeface="Consolas"/>
-              </a:rPr>
-              <a:t>(</a:t>
-            </a:r>
-            <a:r>
-              <a:rPr lang="pl-PL" sz="1100" dirty="0" err="1">
-                <a:solidFill>
-                  <a:srgbClr val="6A3E3E"/>
-                </a:solidFill>
-                <a:latin typeface="Consolas"/>
-              </a:rPr>
-              <a:t>newMediumFallbackInstance</a:t>
-            </a:r>
-            <a:r>
-              <a:rPr lang="pl-PL" sz="1100" dirty="0" err="1">
-                <a:solidFill>
-                  <a:srgbClr val="000000"/>
-                </a:solidFill>
-                <a:latin typeface="Consolas"/>
-              </a:rPr>
-              <a:t>.getPublicIpAddress</a:t>
-            </a:r>
-            <a:r>
-              <a:rPr lang="pl-PL" sz="1100" dirty="0">
-                <a:solidFill>
-                  <a:srgbClr val="000000"/>
-                </a:solidFill>
-                <a:latin typeface="Consolas"/>
-              </a:rPr>
-              <a:t>());</a:t>
-            </a:r>
-          </a:p>
-          <a:p>
-            <a:r>
-              <a:rPr lang="pl-PL" sz="1100" dirty="0" smtClean="0">
-                <a:solidFill>
-                  <a:srgbClr val="000000"/>
-                </a:solidFill>
-                <a:latin typeface="Consolas"/>
-              </a:rPr>
-              <a:t>              </a:t>
-            </a:r>
-            <a:r>
-              <a:rPr lang="pl-PL" sz="1100" dirty="0" err="1">
-                <a:solidFill>
-                  <a:srgbClr val="000000"/>
-                </a:solidFill>
-                <a:latin typeface="Consolas"/>
-              </a:rPr>
-              <a:t>DigestResponse</a:t>
-            </a:r>
-            <a:r>
-              <a:rPr lang="pl-PL" sz="1100" dirty="0">
-                <a:solidFill>
-                  <a:srgbClr val="000000"/>
-                </a:solidFill>
-                <a:latin typeface="Consolas"/>
-              </a:rPr>
-              <a:t> </a:t>
-            </a:r>
-            <a:r>
-              <a:rPr lang="pl-PL" sz="1100" dirty="0" err="1">
-                <a:solidFill>
-                  <a:srgbClr val="6A3E3E"/>
-                </a:solidFill>
-                <a:latin typeface="Consolas"/>
-              </a:rPr>
-              <a:t>response</a:t>
-            </a:r>
-            <a:r>
-              <a:rPr lang="pl-PL" sz="1100" dirty="0">
-                <a:solidFill>
-                  <a:srgbClr val="000000"/>
-                </a:solidFill>
-                <a:latin typeface="Consolas"/>
-              </a:rPr>
-              <a:t> = </a:t>
-            </a:r>
-            <a:r>
-              <a:rPr lang="pl-PL" sz="1100" dirty="0" err="1">
-                <a:solidFill>
-                  <a:srgbClr val="0000C0"/>
-                </a:solidFill>
-                <a:latin typeface="Consolas"/>
-              </a:rPr>
-              <a:t>sender</a:t>
-            </a:r>
-            <a:r>
-              <a:rPr lang="pl-PL" sz="1100" dirty="0" err="1">
-                <a:solidFill>
-                  <a:srgbClr val="000000"/>
-                </a:solidFill>
-                <a:latin typeface="Consolas"/>
-              </a:rPr>
-              <a:t>.trySending</a:t>
-            </a:r>
-            <a:r>
-              <a:rPr lang="pl-PL" sz="1100" dirty="0">
-                <a:solidFill>
-                  <a:srgbClr val="000000"/>
-                </a:solidFill>
-                <a:latin typeface="Consolas"/>
-              </a:rPr>
-              <a:t>(</a:t>
-            </a:r>
-            <a:r>
-              <a:rPr lang="pl-PL" sz="1100" dirty="0" err="1">
-                <a:solidFill>
-                  <a:srgbClr val="6A3E3E"/>
-                </a:solidFill>
-                <a:latin typeface="Consolas"/>
-              </a:rPr>
-              <a:t>newMediumServiceUrl</a:t>
-            </a:r>
-            <a:r>
-              <a:rPr lang="pl-PL" sz="1100" dirty="0">
-                <a:solidFill>
-                  <a:srgbClr val="000000"/>
-                </a:solidFill>
-                <a:latin typeface="Consolas"/>
-              </a:rPr>
-              <a:t>, </a:t>
-            </a:r>
-            <a:r>
-              <a:rPr lang="pl-PL" sz="1100" dirty="0" err="1">
-                <a:solidFill>
-                  <a:srgbClr val="0000C0"/>
-                </a:solidFill>
-                <a:latin typeface="Consolas"/>
-              </a:rPr>
-              <a:t>digestRequest</a:t>
-            </a:r>
-            <a:r>
-              <a:rPr lang="pl-PL" sz="1100" dirty="0">
-                <a:solidFill>
-                  <a:srgbClr val="000000"/>
-                </a:solidFill>
-                <a:latin typeface="Consolas"/>
-              </a:rPr>
-              <a:t>);</a:t>
-            </a:r>
-          </a:p>
-          <a:p>
-            <a:r>
-              <a:rPr lang="pl-PL" sz="1100" dirty="0" smtClean="0">
-                <a:solidFill>
-                  <a:srgbClr val="000000"/>
-                </a:solidFill>
-                <a:latin typeface="Consolas"/>
-              </a:rPr>
-              <a:t>              </a:t>
-            </a:r>
-            <a:r>
-              <a:rPr lang="pl-PL" sz="1100" dirty="0" err="1">
-                <a:solidFill>
-                  <a:srgbClr val="6A3E3E"/>
-                </a:solidFill>
-                <a:latin typeface="Consolas"/>
-              </a:rPr>
-              <a:t>newMediumFallbackInstance</a:t>
-            </a:r>
-            <a:r>
-              <a:rPr lang="pl-PL" sz="1100" dirty="0" err="1">
-                <a:solidFill>
-                  <a:srgbClr val="000000"/>
-                </a:solidFill>
-                <a:latin typeface="Consolas"/>
-              </a:rPr>
-              <a:t>.scheduleCleanup</a:t>
-            </a:r>
-            <a:r>
-              <a:rPr lang="pl-PL" sz="1100" dirty="0">
-                <a:solidFill>
-                  <a:srgbClr val="000000"/>
-                </a:solidFill>
-                <a:latin typeface="Consolas"/>
-              </a:rPr>
-              <a:t>(55, </a:t>
-            </a:r>
-            <a:r>
-              <a:rPr lang="pl-PL" sz="1100" dirty="0" err="1">
-                <a:solidFill>
-                  <a:srgbClr val="000000"/>
-                </a:solidFill>
-                <a:latin typeface="Consolas"/>
-              </a:rPr>
-              <a:t>TimeUnit.</a:t>
-            </a:r>
-            <a:r>
-              <a:rPr lang="pl-PL" sz="1100" b="1" i="1" dirty="0" err="1">
-                <a:solidFill>
-                  <a:srgbClr val="0000C0"/>
-                </a:solidFill>
-                <a:latin typeface="Consolas"/>
-              </a:rPr>
-              <a:t>MINUTES</a:t>
-            </a:r>
-            <a:r>
-              <a:rPr lang="pl-PL" sz="1100" b="1" i="1" dirty="0">
-                <a:solidFill>
-                  <a:srgbClr val="000000"/>
-                </a:solidFill>
-                <a:latin typeface="Consolas"/>
-              </a:rPr>
-              <a:t>);</a:t>
-            </a:r>
-          </a:p>
-          <a:p>
-            <a:r>
-              <a:rPr lang="pl-PL" sz="1100" dirty="0" smtClean="0">
-                <a:solidFill>
-                  <a:srgbClr val="000000"/>
-                </a:solidFill>
-                <a:latin typeface="Consolas"/>
-              </a:rPr>
-              <a:t>              </a:t>
-            </a:r>
-            <a:r>
-              <a:rPr lang="pl-PL" sz="1100" b="1" dirty="0">
-                <a:solidFill>
-                  <a:srgbClr val="7F0055"/>
-                </a:solidFill>
-                <a:latin typeface="Consolas"/>
-              </a:rPr>
-              <a:t>return</a:t>
-            </a:r>
-            <a:r>
-              <a:rPr lang="pl-PL" sz="1100" b="1" dirty="0">
-                <a:solidFill>
-                  <a:srgbClr val="000000"/>
-                </a:solidFill>
-                <a:latin typeface="Consolas"/>
-              </a:rPr>
-              <a:t> </a:t>
-            </a:r>
-            <a:r>
-              <a:rPr lang="pl-PL" sz="1100" b="1" dirty="0" err="1">
-                <a:solidFill>
-                  <a:srgbClr val="6A3E3E"/>
-                </a:solidFill>
-                <a:latin typeface="Consolas"/>
-              </a:rPr>
-              <a:t>response</a:t>
-            </a:r>
-            <a:r>
-              <a:rPr lang="pl-PL" sz="1100" b="1" dirty="0">
-                <a:solidFill>
-                  <a:srgbClr val="000000"/>
-                </a:solidFill>
-                <a:latin typeface="Consolas"/>
-              </a:rPr>
-              <a:t>;</a:t>
-            </a:r>
-          </a:p>
-          <a:p>
-            <a:r>
-              <a:rPr lang="pl-PL" sz="1100" dirty="0" smtClean="0">
-                <a:solidFill>
-                  <a:srgbClr val="000000"/>
-                </a:solidFill>
-                <a:latin typeface="Consolas"/>
-              </a:rPr>
-              <a:t>          </a:t>
-            </a:r>
-            <a:r>
-              <a:rPr lang="pl-PL" sz="1100" dirty="0">
-                <a:solidFill>
-                  <a:srgbClr val="000000"/>
-                </a:solidFill>
-                <a:latin typeface="Consolas"/>
-              </a:rPr>
-              <a:t>} </a:t>
-            </a:r>
-            <a:r>
-              <a:rPr lang="pl-PL" sz="1100" b="1" dirty="0" err="1">
-                <a:solidFill>
-                  <a:srgbClr val="7F0055"/>
-                </a:solidFill>
-                <a:latin typeface="Consolas"/>
-              </a:rPr>
-              <a:t>catch</a:t>
-            </a:r>
-            <a:r>
-              <a:rPr lang="pl-PL" sz="1100" b="1" dirty="0">
-                <a:solidFill>
-                  <a:srgbClr val="000000"/>
-                </a:solidFill>
-                <a:latin typeface="Consolas"/>
-              </a:rPr>
-              <a:t> (</a:t>
-            </a:r>
-            <a:r>
-              <a:rPr lang="pl-PL" sz="1100" b="1" dirty="0" err="1">
-                <a:solidFill>
-                  <a:srgbClr val="000000"/>
-                </a:solidFill>
-                <a:latin typeface="Consolas"/>
-              </a:rPr>
-              <a:t>OutOfMemoryError</a:t>
-            </a:r>
-            <a:r>
-              <a:rPr lang="pl-PL" sz="1100" b="1" dirty="0">
-                <a:solidFill>
-                  <a:srgbClr val="000000"/>
-                </a:solidFill>
-                <a:latin typeface="Consolas"/>
-              </a:rPr>
-              <a:t> </a:t>
-            </a:r>
-            <a:r>
-              <a:rPr lang="pl-PL" sz="1100" b="1" dirty="0" err="1">
-                <a:solidFill>
-                  <a:srgbClr val="6A3E3E"/>
-                </a:solidFill>
-                <a:latin typeface="Consolas"/>
-              </a:rPr>
-              <a:t>outOfMemoryFromMediumTargetServerMachineInstance</a:t>
-            </a:r>
-            <a:r>
-              <a:rPr lang="pl-PL" sz="1100" b="1" dirty="0">
-                <a:solidFill>
-                  <a:srgbClr val="000000"/>
-                </a:solidFill>
-                <a:latin typeface="Consolas"/>
-              </a:rPr>
-              <a:t>) {</a:t>
-            </a:r>
-          </a:p>
-          <a:p>
-            <a:r>
-              <a:rPr lang="pl-PL" sz="1100" dirty="0" smtClean="0">
-                <a:solidFill>
-                  <a:srgbClr val="000000"/>
-                </a:solidFill>
-                <a:latin typeface="Consolas"/>
-              </a:rPr>
-              <a:t>              </a:t>
-            </a:r>
-            <a:endParaRPr lang="pl-PL" sz="1100" dirty="0">
-              <a:solidFill>
-                <a:srgbClr val="000000"/>
-              </a:solidFill>
-              <a:latin typeface="Consolas"/>
-            </a:endParaRPr>
-          </a:p>
-          <a:p>
-            <a:r>
-              <a:rPr lang="en-US" sz="1100" dirty="0" smtClean="0">
-                <a:solidFill>
-                  <a:srgbClr val="000000"/>
-                </a:solidFill>
-                <a:latin typeface="Consolas"/>
-              </a:rPr>
-              <a:t>              </a:t>
-            </a:r>
-            <a:r>
-              <a:rPr lang="en-US" sz="1100" dirty="0" err="1">
-                <a:solidFill>
-                  <a:srgbClr val="000000"/>
-                </a:solidFill>
-                <a:latin typeface="Consolas"/>
-              </a:rPr>
-              <a:t>FallbackSetupParams</a:t>
-            </a:r>
-            <a:r>
-              <a:rPr lang="en-US" sz="1100" dirty="0">
-                <a:solidFill>
-                  <a:srgbClr val="000000"/>
-                </a:solidFill>
-                <a:latin typeface="Consolas"/>
-              </a:rPr>
-              <a:t> </a:t>
-            </a:r>
-            <a:r>
-              <a:rPr lang="en-US" sz="1100" dirty="0" err="1">
-                <a:solidFill>
-                  <a:srgbClr val="6A3E3E"/>
-                </a:solidFill>
-                <a:latin typeface="Consolas"/>
-              </a:rPr>
-              <a:t>fsp</a:t>
-            </a:r>
-            <a:r>
-              <a:rPr lang="en-US" sz="1100" dirty="0">
-                <a:solidFill>
-                  <a:srgbClr val="000000"/>
-                </a:solidFill>
-                <a:latin typeface="Consolas"/>
-              </a:rPr>
-              <a:t> = </a:t>
-            </a:r>
-            <a:r>
-              <a:rPr lang="en-US" sz="1100" b="1" dirty="0">
-                <a:solidFill>
-                  <a:srgbClr val="7F0055"/>
-                </a:solidFill>
-                <a:latin typeface="Consolas"/>
-              </a:rPr>
-              <a:t>new</a:t>
-            </a:r>
-            <a:r>
-              <a:rPr lang="en-US" sz="1100" b="1" dirty="0">
-                <a:solidFill>
-                  <a:srgbClr val="000000"/>
-                </a:solidFill>
-                <a:latin typeface="Consolas"/>
-              </a:rPr>
-              <a:t> </a:t>
-            </a:r>
-            <a:r>
-              <a:rPr lang="en-US" sz="1100" b="1" dirty="0" err="1">
-                <a:solidFill>
-                  <a:srgbClr val="000000"/>
-                </a:solidFill>
-                <a:latin typeface="Consolas"/>
-              </a:rPr>
-              <a:t>FallbackSetupParams</a:t>
-            </a:r>
-            <a:r>
-              <a:rPr lang="en-US" sz="1100" b="1" dirty="0">
-                <a:solidFill>
-                  <a:srgbClr val="000000"/>
-                </a:solidFill>
-                <a:latin typeface="Consolas"/>
-              </a:rPr>
-              <a:t>().</a:t>
-            </a:r>
-            <a:r>
-              <a:rPr lang="en-US" sz="1100" b="1" dirty="0" err="1">
-                <a:solidFill>
-                  <a:srgbClr val="000000"/>
-                </a:solidFill>
-                <a:latin typeface="Consolas"/>
-              </a:rPr>
-              <a:t>withLabel</a:t>
-            </a:r>
-            <a:r>
-              <a:rPr lang="en-US" sz="1100" b="1" dirty="0">
-                <a:solidFill>
-                  <a:srgbClr val="000000"/>
-                </a:solidFill>
-                <a:latin typeface="Consolas"/>
-              </a:rPr>
-              <a:t>(</a:t>
-            </a:r>
-            <a:r>
-              <a:rPr lang="en-US" sz="1100" b="1" dirty="0">
-                <a:solidFill>
-                  <a:srgbClr val="2A00FF"/>
-                </a:solidFill>
-                <a:latin typeface="Consolas"/>
-              </a:rPr>
-              <a:t>"..."</a:t>
-            </a:r>
-            <a:r>
-              <a:rPr lang="en-US" sz="1100" b="1" dirty="0">
-                <a:solidFill>
-                  <a:srgbClr val="000000"/>
-                </a:solidFill>
-                <a:latin typeface="Consolas"/>
-              </a:rPr>
-              <a:t>);</a:t>
-            </a:r>
-          </a:p>
-          <a:p>
-            <a:r>
-              <a:rPr lang="pl-PL" sz="1100" dirty="0" smtClean="0">
-                <a:solidFill>
-                  <a:srgbClr val="000000"/>
-                </a:solidFill>
-                <a:latin typeface="Consolas"/>
-              </a:rPr>
-              <a:t>              </a:t>
-            </a:r>
-            <a:r>
-              <a:rPr lang="pl-PL" sz="1100" dirty="0" err="1">
-                <a:solidFill>
-                  <a:srgbClr val="000000"/>
-                </a:solidFill>
-                <a:latin typeface="Consolas"/>
-              </a:rPr>
-              <a:t>FallbackServerInstance</a:t>
-            </a:r>
-            <a:r>
-              <a:rPr lang="pl-PL" sz="1100" dirty="0">
-                <a:solidFill>
-                  <a:srgbClr val="000000"/>
-                </a:solidFill>
-                <a:latin typeface="Consolas"/>
-              </a:rPr>
-              <a:t> </a:t>
-            </a:r>
-            <a:r>
-              <a:rPr lang="pl-PL" sz="1100" dirty="0" err="1">
-                <a:solidFill>
-                  <a:srgbClr val="6A3E3E"/>
-                </a:solidFill>
-                <a:latin typeface="Consolas"/>
-              </a:rPr>
-              <a:t>newLargestFallbackInstance</a:t>
-            </a:r>
-            <a:r>
-              <a:rPr lang="pl-PL" sz="1100" dirty="0">
-                <a:solidFill>
-                  <a:srgbClr val="000000"/>
-                </a:solidFill>
-                <a:latin typeface="Consolas"/>
-              </a:rPr>
-              <a:t> = </a:t>
-            </a:r>
-            <a:r>
-              <a:rPr lang="pl-PL" sz="1100" dirty="0" err="1">
-                <a:solidFill>
-                  <a:srgbClr val="0000C0"/>
-                </a:solidFill>
-                <a:latin typeface="Consolas"/>
-              </a:rPr>
-              <a:t>fsib</a:t>
-            </a:r>
-            <a:r>
-              <a:rPr lang="pl-PL" sz="1100" dirty="0" err="1">
-                <a:solidFill>
-                  <a:srgbClr val="000000"/>
-                </a:solidFill>
-                <a:latin typeface="Consolas"/>
-              </a:rPr>
-              <a:t>.build</a:t>
-            </a:r>
-            <a:r>
-              <a:rPr lang="pl-PL" sz="1100" dirty="0">
-                <a:solidFill>
-                  <a:srgbClr val="000000"/>
-                </a:solidFill>
-                <a:latin typeface="Consolas"/>
-              </a:rPr>
-              <a:t>(</a:t>
-            </a:r>
-            <a:r>
-              <a:rPr lang="pl-PL" sz="1100" dirty="0" err="1">
-                <a:solidFill>
-                  <a:srgbClr val="6A3E3E"/>
-                </a:solidFill>
-                <a:latin typeface="Consolas"/>
-              </a:rPr>
-              <a:t>fsp</a:t>
-            </a:r>
-            <a:r>
-              <a:rPr lang="pl-PL" sz="1100" dirty="0">
-                <a:solidFill>
-                  <a:srgbClr val="000000"/>
-                </a:solidFill>
-                <a:latin typeface="Consolas"/>
-              </a:rPr>
-              <a:t>);</a:t>
-            </a:r>
-          </a:p>
-          <a:p>
-            <a:r>
-              <a:rPr lang="pl-PL" sz="1100" dirty="0" smtClean="0">
-                <a:solidFill>
-                  <a:srgbClr val="000000"/>
-                </a:solidFill>
-                <a:latin typeface="Consolas"/>
-              </a:rPr>
-              <a:t>              </a:t>
-            </a:r>
-            <a:r>
-              <a:rPr lang="pl-PL" sz="1100" dirty="0">
-                <a:solidFill>
-                  <a:srgbClr val="000000"/>
-                </a:solidFill>
-                <a:latin typeface="Consolas"/>
-              </a:rPr>
-              <a:t>String </a:t>
-            </a:r>
-            <a:r>
-              <a:rPr lang="pl-PL" sz="1100" dirty="0" err="1">
-                <a:solidFill>
-                  <a:srgbClr val="6A3E3E"/>
-                </a:solidFill>
-                <a:latin typeface="Consolas"/>
-              </a:rPr>
-              <a:t>newLargestServiceUrl</a:t>
-            </a:r>
-            <a:r>
-              <a:rPr lang="pl-PL" sz="1100" dirty="0">
-                <a:solidFill>
-                  <a:srgbClr val="000000"/>
-                </a:solidFill>
-                <a:latin typeface="Consolas"/>
-              </a:rPr>
-              <a:t> = </a:t>
-            </a:r>
-            <a:r>
-              <a:rPr lang="pl-PL" sz="1100" dirty="0" err="1">
-                <a:solidFill>
-                  <a:srgbClr val="000000"/>
-                </a:solidFill>
-                <a:latin typeface="Consolas"/>
-              </a:rPr>
-              <a:t>buildServiceUrl</a:t>
-            </a:r>
-            <a:r>
-              <a:rPr lang="pl-PL" sz="1100" dirty="0">
-                <a:solidFill>
-                  <a:srgbClr val="000000"/>
-                </a:solidFill>
-                <a:latin typeface="Consolas"/>
-              </a:rPr>
-              <a:t>(</a:t>
-            </a:r>
-            <a:r>
-              <a:rPr lang="pl-PL" sz="1100" dirty="0" err="1">
-                <a:solidFill>
-                  <a:srgbClr val="6A3E3E"/>
-                </a:solidFill>
-                <a:latin typeface="Consolas"/>
-              </a:rPr>
-              <a:t>newLargestFallbackInstance</a:t>
-            </a:r>
-            <a:r>
-              <a:rPr lang="pl-PL" sz="1100" dirty="0" err="1">
-                <a:solidFill>
-                  <a:srgbClr val="000000"/>
-                </a:solidFill>
-                <a:latin typeface="Consolas"/>
-              </a:rPr>
-              <a:t>.getPublicIpAddress</a:t>
-            </a:r>
-            <a:r>
-              <a:rPr lang="pl-PL" sz="1100" dirty="0">
-                <a:solidFill>
-                  <a:srgbClr val="000000"/>
-                </a:solidFill>
-                <a:latin typeface="Consolas"/>
-              </a:rPr>
-              <a:t>());</a:t>
-            </a:r>
-          </a:p>
-          <a:p>
-            <a:r>
-              <a:rPr lang="pl-PL" sz="1100" dirty="0" smtClean="0">
-                <a:solidFill>
-                  <a:srgbClr val="000000"/>
-                </a:solidFill>
-                <a:latin typeface="Consolas"/>
-              </a:rPr>
-              <a:t>              </a:t>
-            </a:r>
-            <a:r>
-              <a:rPr lang="pl-PL" sz="1100" dirty="0" err="1">
-                <a:solidFill>
-                  <a:srgbClr val="000000"/>
-                </a:solidFill>
-                <a:latin typeface="Consolas"/>
-              </a:rPr>
-              <a:t>DigestResponse</a:t>
-            </a:r>
-            <a:r>
-              <a:rPr lang="pl-PL" sz="1100" dirty="0">
-                <a:solidFill>
-                  <a:srgbClr val="000000"/>
-                </a:solidFill>
-                <a:latin typeface="Consolas"/>
-              </a:rPr>
-              <a:t> </a:t>
-            </a:r>
-            <a:r>
-              <a:rPr lang="pl-PL" sz="1100" dirty="0" err="1">
-                <a:solidFill>
-                  <a:srgbClr val="6A3E3E"/>
-                </a:solidFill>
-                <a:latin typeface="Consolas"/>
-              </a:rPr>
-              <a:t>response</a:t>
-            </a:r>
-            <a:r>
-              <a:rPr lang="pl-PL" sz="1100" dirty="0">
-                <a:solidFill>
-                  <a:srgbClr val="000000"/>
-                </a:solidFill>
-                <a:latin typeface="Consolas"/>
-              </a:rPr>
-              <a:t> = </a:t>
-            </a:r>
-            <a:r>
-              <a:rPr lang="pl-PL" sz="1100" dirty="0" err="1">
-                <a:solidFill>
-                  <a:srgbClr val="0000C0"/>
-                </a:solidFill>
-                <a:latin typeface="Consolas"/>
-              </a:rPr>
-              <a:t>sender</a:t>
-            </a:r>
-            <a:r>
-              <a:rPr lang="pl-PL" sz="1100" dirty="0" err="1">
-                <a:solidFill>
-                  <a:srgbClr val="000000"/>
-                </a:solidFill>
-                <a:latin typeface="Consolas"/>
-              </a:rPr>
-              <a:t>.trySending</a:t>
-            </a:r>
-            <a:r>
-              <a:rPr lang="pl-PL" sz="1100" dirty="0">
-                <a:solidFill>
-                  <a:srgbClr val="000000"/>
-                </a:solidFill>
-                <a:latin typeface="Consolas"/>
-              </a:rPr>
-              <a:t>(</a:t>
-            </a:r>
-            <a:r>
-              <a:rPr lang="pl-PL" sz="1100" dirty="0" err="1">
-                <a:solidFill>
-                  <a:srgbClr val="6A3E3E"/>
-                </a:solidFill>
-                <a:latin typeface="Consolas"/>
-              </a:rPr>
-              <a:t>newLargestServiceUrl</a:t>
-            </a:r>
-            <a:r>
-              <a:rPr lang="pl-PL" sz="1100" dirty="0">
-                <a:solidFill>
-                  <a:srgbClr val="000000"/>
-                </a:solidFill>
-                <a:latin typeface="Consolas"/>
-              </a:rPr>
-              <a:t>, </a:t>
-            </a:r>
-            <a:r>
-              <a:rPr lang="pl-PL" sz="1100" dirty="0" err="1">
-                <a:solidFill>
-                  <a:srgbClr val="0000C0"/>
-                </a:solidFill>
-                <a:latin typeface="Consolas"/>
-              </a:rPr>
-              <a:t>digestRequest</a:t>
-            </a:r>
-            <a:r>
-              <a:rPr lang="pl-PL" sz="1100" dirty="0">
-                <a:solidFill>
-                  <a:srgbClr val="000000"/>
-                </a:solidFill>
-                <a:latin typeface="Consolas"/>
-              </a:rPr>
-              <a:t>);</a:t>
-            </a:r>
-          </a:p>
-          <a:p>
-            <a:r>
-              <a:rPr lang="pl-PL" sz="1100" dirty="0" smtClean="0">
-                <a:solidFill>
-                  <a:srgbClr val="000000"/>
-                </a:solidFill>
-                <a:latin typeface="Consolas"/>
-              </a:rPr>
-              <a:t>              </a:t>
-            </a:r>
-            <a:r>
-              <a:rPr lang="pl-PL" sz="1100" dirty="0" err="1">
-                <a:solidFill>
-                  <a:srgbClr val="6A3E3E"/>
-                </a:solidFill>
-                <a:latin typeface="Consolas"/>
-              </a:rPr>
-              <a:t>newLargestFallbackInstance</a:t>
-            </a:r>
-            <a:r>
-              <a:rPr lang="pl-PL" sz="1100" dirty="0" err="1">
-                <a:solidFill>
-                  <a:srgbClr val="000000"/>
-                </a:solidFill>
-                <a:latin typeface="Consolas"/>
-              </a:rPr>
-              <a:t>.scheduleCleanup</a:t>
-            </a:r>
-            <a:r>
-              <a:rPr lang="pl-PL" sz="1100" dirty="0">
-                <a:solidFill>
-                  <a:srgbClr val="000000"/>
-                </a:solidFill>
-                <a:latin typeface="Consolas"/>
-              </a:rPr>
-              <a:t>(55, </a:t>
-            </a:r>
-            <a:r>
-              <a:rPr lang="pl-PL" sz="1100" dirty="0" err="1">
-                <a:solidFill>
-                  <a:srgbClr val="000000"/>
-                </a:solidFill>
-                <a:latin typeface="Consolas"/>
-              </a:rPr>
-              <a:t>TimeUnit.</a:t>
-            </a:r>
-            <a:r>
-              <a:rPr lang="pl-PL" sz="1100" b="1" i="1" dirty="0" err="1">
-                <a:solidFill>
-                  <a:srgbClr val="0000C0"/>
-                </a:solidFill>
-                <a:latin typeface="Consolas"/>
-              </a:rPr>
-              <a:t>MINUTES</a:t>
-            </a:r>
-            <a:r>
-              <a:rPr lang="pl-PL" sz="1100" b="1" i="1" dirty="0">
-                <a:solidFill>
-                  <a:srgbClr val="000000"/>
-                </a:solidFill>
-                <a:latin typeface="Consolas"/>
-              </a:rPr>
-              <a:t>);</a:t>
-            </a:r>
-          </a:p>
-          <a:p>
-            <a:r>
-              <a:rPr lang="pl-PL" sz="1100" dirty="0" smtClean="0">
-                <a:solidFill>
-                  <a:srgbClr val="000000"/>
-                </a:solidFill>
-                <a:latin typeface="Consolas"/>
-              </a:rPr>
-              <a:t>              </a:t>
-            </a:r>
-            <a:r>
-              <a:rPr lang="pl-PL" sz="1100" b="1" dirty="0">
-                <a:solidFill>
-                  <a:srgbClr val="7F0055"/>
-                </a:solidFill>
-                <a:latin typeface="Consolas"/>
-              </a:rPr>
-              <a:t>return</a:t>
-            </a:r>
-            <a:r>
-              <a:rPr lang="pl-PL" sz="1100" b="1" dirty="0">
-                <a:solidFill>
-                  <a:srgbClr val="000000"/>
-                </a:solidFill>
-                <a:latin typeface="Consolas"/>
-              </a:rPr>
-              <a:t> </a:t>
-            </a:r>
-            <a:r>
-              <a:rPr lang="pl-PL" sz="1100" b="1" dirty="0" err="1">
-                <a:solidFill>
-                  <a:srgbClr val="6A3E3E"/>
-                </a:solidFill>
-                <a:latin typeface="Consolas"/>
-              </a:rPr>
-              <a:t>response</a:t>
-            </a:r>
-            <a:r>
-              <a:rPr lang="pl-PL" sz="1100" b="1" dirty="0">
-                <a:solidFill>
-                  <a:srgbClr val="000000"/>
-                </a:solidFill>
-                <a:latin typeface="Consolas"/>
-              </a:rPr>
-              <a:t>;</a:t>
-            </a:r>
-          </a:p>
-          <a:p>
-            <a:r>
-              <a:rPr lang="pl-PL" sz="1100" dirty="0" smtClean="0">
-                <a:solidFill>
-                  <a:srgbClr val="000000"/>
-                </a:solidFill>
-                <a:latin typeface="Consolas"/>
-              </a:rPr>
-              <a:t>          </a:t>
-            </a:r>
-            <a:r>
-              <a:rPr lang="pl-PL" sz="1100" dirty="0">
-                <a:solidFill>
-                  <a:srgbClr val="000000"/>
-                </a:solidFill>
-                <a:latin typeface="Consolas"/>
-              </a:rPr>
-              <a:t>}</a:t>
-            </a:r>
-          </a:p>
-          <a:p>
-            <a:r>
-              <a:rPr lang="pl-PL" sz="1100" dirty="0" smtClean="0">
-                <a:solidFill>
-                  <a:srgbClr val="000000"/>
-                </a:solidFill>
-                <a:latin typeface="Consolas"/>
-              </a:rPr>
-              <a:t>      </a:t>
-            </a:r>
-            <a:r>
-              <a:rPr lang="pl-PL" sz="1100" dirty="0">
-                <a:solidFill>
-                  <a:srgbClr val="000000"/>
-                </a:solidFill>
-                <a:latin typeface="Consolas"/>
-              </a:rPr>
-              <a:t>}</a:t>
-            </a:r>
-          </a:p>
-          <a:p>
-            <a:r>
-              <a:rPr lang="pl-PL" sz="1100" dirty="0" smtClean="0">
-                <a:solidFill>
-                  <a:srgbClr val="000000"/>
-                </a:solidFill>
-                <a:latin typeface="Consolas"/>
-              </a:rPr>
-              <a:t>      </a:t>
-            </a:r>
-            <a:r>
-              <a:rPr lang="pl-PL" sz="1100" b="1" dirty="0">
-                <a:solidFill>
-                  <a:srgbClr val="7F0055"/>
-                </a:solidFill>
-                <a:latin typeface="Consolas"/>
-              </a:rPr>
-              <a:t>return</a:t>
-            </a:r>
-            <a:r>
-              <a:rPr lang="pl-PL" sz="1100" b="1" dirty="0">
-                <a:solidFill>
-                  <a:srgbClr val="000000"/>
-                </a:solidFill>
-                <a:latin typeface="Consolas"/>
-              </a:rPr>
-              <a:t> </a:t>
-            </a:r>
-            <a:r>
-              <a:rPr lang="pl-PL" sz="1100" b="1" dirty="0" err="1">
-                <a:solidFill>
-                  <a:srgbClr val="0000C0"/>
-                </a:solidFill>
-                <a:latin typeface="Consolas"/>
-              </a:rPr>
-              <a:t>response</a:t>
-            </a:r>
-            <a:r>
-              <a:rPr lang="pl-PL" sz="1100" b="1" dirty="0">
-                <a:solidFill>
-                  <a:srgbClr val="000000"/>
-                </a:solidFill>
-                <a:latin typeface="Consolas"/>
-              </a:rPr>
-              <a:t>;</a:t>
-            </a:r>
-            <a:endParaRPr lang="pl-PL" sz="1100" dirty="0"/>
-          </a:p>
-        </p:txBody>
-      </p:sp>
-      <p:pic>
-        <p:nvPicPr>
-          <p:cNvPr id="5" name="Picture 2"/>
-          <p:cNvPicPr>
-            <a:picLocks noChangeAspect="1" noChangeArrowheads="1"/>
-          </p:cNvPicPr>
-          <p:nvPr/>
-        </p:nvPicPr>
-        <p:blipFill>
-          <a:blip r:embed="rId2">
-            <a:extLst>
-              <a:ext uri="{28A0092B-C50C-407E-A947-70E740481C1C}">
-                <a14:useLocalDpi xmlns:a14="http://schemas.microsoft.com/office/drawing/2010/main" val="0"/>
-              </a:ext>
-            </a:extLst>
-          </a:blip>
-          <a:srcRect/>
-          <a:stretch>
-            <a:fillRect/>
-          </a:stretch>
-        </p:blipFill>
-        <p:spPr bwMode="auto">
-          <a:xfrm>
-            <a:off x="89173" y="6263811"/>
-            <a:ext cx="2114209" cy="549565"/>
-          </a:xfrm>
-          <a:prstGeom prst="rect">
-            <a:avLst/>
-          </a:prstGeom>
-          <a:noFill/>
-          <a:ln>
-            <a:noFill/>
-          </a:ln>
-          <a:effectLst>
-            <a:outerShdw blurRad="50800" dist="50800" dir="5400000" algn="ctr" rotWithShape="0">
-              <a:srgbClr val="000000">
-                <a:alpha val="3000"/>
-              </a:srgbClr>
-            </a:outerShdw>
-          </a:effectLst>
-          <a:extLst>
-            <a:ext uri="{909E8E84-426E-40DD-AFC4-6F175D3DCCD1}">
-              <a14:hiddenFill xmlns:a14="http://schemas.microsoft.com/office/drawing/2010/main">
-                <a:solidFill>
-                  <a:schemeClr val="accent1"/>
-                </a:solidFill>
-              </a14:hiddenFill>
-            </a:ext>
-            <a:ext uri="{91240B29-F687-4F45-9708-019B960494DF}">
-              <a14:hiddenLine xmlns:a14="http://schemas.microsoft.com/office/drawing/2010/main" w="9525">
-                <a:solidFill>
-                  <a:schemeClr val="tx1"/>
-                </a:solidFill>
-                <a:miter lim="800000"/>
-                <a:headEnd/>
-                <a:tailEnd/>
-              </a14:hiddenLine>
-            </a:ext>
-          </a:extLst>
-        </p:spPr>
-      </p:pic>
-    </p:spTree>
-    <p:extLst>
-      <p:ext uri="{BB962C8B-B14F-4D97-AF65-F5344CB8AC3E}">
-        <p14:creationId xmlns:p14="http://schemas.microsoft.com/office/powerpoint/2010/main" val="2796664311"/>
       </p:ext>
     </p:extLst>
   </p:cSld>
@@ -17665,6 +16345,1860 @@
           <a:p>
             <a:r>
               <a:rPr lang="en-US" sz="3600" dirty="0"/>
+              <a:t>Exercise 3</a:t>
+            </a:r>
+            <a:r>
+              <a:rPr lang="en-US" sz="3600" dirty="0" smtClean="0"/>
+              <a:t>. </a:t>
+            </a:r>
+            <a:r>
+              <a:rPr lang="en-US" sz="3600" dirty="0"/>
+              <a:t>F</a:t>
+            </a:r>
+            <a:r>
+              <a:rPr lang="en-US" sz="3600" dirty="0" smtClean="0"/>
+              <a:t>ire the flow</a:t>
+            </a:r>
+            <a:endParaRPr lang="pl-PL" sz="3600" dirty="0"/>
+          </a:p>
+        </p:txBody>
+      </p:sp>
+      <p:pic>
+        <p:nvPicPr>
+          <p:cNvPr id="1027" name="Picture 3"/>
+          <p:cNvPicPr>
+            <a:picLocks noChangeAspect="1" noChangeArrowheads="1"/>
+          </p:cNvPicPr>
+          <p:nvPr/>
+        </p:nvPicPr>
+        <p:blipFill>
+          <a:blip r:embed="rId2">
+            <a:extLst>
+              <a:ext uri="{28A0092B-C50C-407E-A947-70E740481C1C}">
+                <a14:useLocalDpi xmlns:a14="http://schemas.microsoft.com/office/drawing/2010/main" val="0"/>
+              </a:ext>
+            </a:extLst>
+          </a:blip>
+          <a:srcRect/>
+          <a:stretch>
+            <a:fillRect/>
+          </a:stretch>
+        </p:blipFill>
+        <p:spPr bwMode="auto">
+          <a:xfrm>
+            <a:off x="395536" y="1545080"/>
+            <a:ext cx="8280920" cy="4692232"/>
+          </a:xfrm>
+          <a:prstGeom prst="rect">
+            <a:avLst/>
+          </a:prstGeom>
+          <a:noFill/>
+          <a:ln>
+            <a:noFill/>
+          </a:ln>
+          <a:extLst>
+            <a:ext uri="{909E8E84-426E-40DD-AFC4-6F175D3DCCD1}">
+              <a14:hiddenFill xmlns:a14="http://schemas.microsoft.com/office/drawing/2010/main">
+                <a:solidFill>
+                  <a:schemeClr val="accent1"/>
+                </a:solidFill>
+              </a14:hiddenFill>
+            </a:ext>
+            <a:ext uri="{91240B29-F687-4F45-9708-019B960494DF}">
+              <a14:hiddenLine xmlns:a14="http://schemas.microsoft.com/office/drawing/2010/main" w="9525">
+                <a:solidFill>
+                  <a:schemeClr val="tx1"/>
+                </a:solidFill>
+                <a:miter lim="800000"/>
+                <a:headEnd/>
+                <a:tailEnd/>
+              </a14:hiddenLine>
+            </a:ext>
+          </a:extLst>
+        </p:spPr>
+      </p:pic>
+      <p:pic>
+        <p:nvPicPr>
+          <p:cNvPr id="4" name="Picture 2"/>
+          <p:cNvPicPr>
+            <a:picLocks noChangeAspect="1" noChangeArrowheads="1"/>
+          </p:cNvPicPr>
+          <p:nvPr/>
+        </p:nvPicPr>
+        <p:blipFill>
+          <a:blip r:embed="rId3">
+            <a:extLst>
+              <a:ext uri="{28A0092B-C50C-407E-A947-70E740481C1C}">
+                <a14:useLocalDpi xmlns:a14="http://schemas.microsoft.com/office/drawing/2010/main" val="0"/>
+              </a:ext>
+            </a:extLst>
+          </a:blip>
+          <a:srcRect/>
+          <a:stretch>
+            <a:fillRect/>
+          </a:stretch>
+        </p:blipFill>
+        <p:spPr bwMode="auto">
+          <a:xfrm>
+            <a:off x="89173" y="6263811"/>
+            <a:ext cx="2114209" cy="549565"/>
+          </a:xfrm>
+          <a:prstGeom prst="rect">
+            <a:avLst/>
+          </a:prstGeom>
+          <a:noFill/>
+          <a:ln>
+            <a:noFill/>
+          </a:ln>
+          <a:effectLst>
+            <a:outerShdw blurRad="50800" dist="50800" dir="5400000" algn="ctr" rotWithShape="0">
+              <a:srgbClr val="000000">
+                <a:alpha val="3000"/>
+              </a:srgbClr>
+            </a:outerShdw>
+          </a:effectLst>
+          <a:extLst>
+            <a:ext uri="{909E8E84-426E-40DD-AFC4-6F175D3DCCD1}">
+              <a14:hiddenFill xmlns:a14="http://schemas.microsoft.com/office/drawing/2010/main">
+                <a:solidFill>
+                  <a:schemeClr val="accent1"/>
+                </a:solidFill>
+              </a14:hiddenFill>
+            </a:ext>
+            <a:ext uri="{91240B29-F687-4F45-9708-019B960494DF}">
+              <a14:hiddenLine xmlns:a14="http://schemas.microsoft.com/office/drawing/2010/main" w="9525">
+                <a:solidFill>
+                  <a:schemeClr val="tx1"/>
+                </a:solidFill>
+                <a:miter lim="800000"/>
+                <a:headEnd/>
+                <a:tailEnd/>
+              </a14:hiddenLine>
+            </a:ext>
+          </a:extLst>
+        </p:spPr>
+      </p:pic>
+    </p:spTree>
+    <p:extLst>
+      <p:ext uri="{BB962C8B-B14F-4D97-AF65-F5344CB8AC3E}">
+        <p14:creationId xmlns:p14="http://schemas.microsoft.com/office/powerpoint/2010/main" val="2365543400"/>
+      </p:ext>
+    </p:extLst>
+  </p:cSld>
+  <p:clrMapOvr>
+    <a:masterClrMapping/>
+  </p:clrMapOvr>
+  <p:timing>
+    <p:tnLst>
+      <p:par>
+        <p:cTn id="1" dur="indefinite" restart="never" nodeType="tmRoot"/>
+      </p:par>
+    </p:tnLst>
+  </p:timing>
+</p:sld>
+</file>
+
+<file path=ppt/slides/slide41.xml><?xml version="1.0" encoding="utf-8"?>
+<p:sld xmlns:a="http://schemas.openxmlformats.org/drawingml/2006/main" xmlns:r="http://schemas.openxmlformats.org/officeDocument/2006/relationships" xmlns:p="http://schemas.openxmlformats.org/presentationml/2006/main">
+  <p:cSld>
+    <p:spTree>
+      <p:nvGrpSpPr>
+        <p:cNvPr id="1" name=""/>
+        <p:cNvGrpSpPr/>
+        <p:nvPr/>
+      </p:nvGrpSpPr>
+      <p:grpSpPr>
+        <a:xfrm>
+          <a:off x="0" y="0"/>
+          <a:ext cx="0" cy="0"/>
+          <a:chOff x="0" y="0"/>
+          <a:chExt cx="0" cy="0"/>
+        </a:xfrm>
+      </p:grpSpPr>
+      <p:sp>
+        <p:nvSpPr>
+          <p:cNvPr id="2" name="Title 1"/>
+          <p:cNvSpPr>
+            <a:spLocks noGrp="1"/>
+          </p:cNvSpPr>
+          <p:nvPr>
+            <p:ph type="title"/>
+          </p:nvPr>
+        </p:nvSpPr>
+        <p:spPr/>
+        <p:txBody>
+          <a:bodyPr>
+            <a:normAutofit/>
+          </a:bodyPr>
+          <a:lstStyle/>
+          <a:p>
+            <a:r>
+              <a:rPr lang="en-US" sz="3600" dirty="0"/>
+              <a:t>Exercise </a:t>
+            </a:r>
+            <a:r>
+              <a:rPr lang="en-US" sz="3600" dirty="0" smtClean="0"/>
+              <a:t>4. More involved case</a:t>
+            </a:r>
+            <a:endParaRPr lang="pl-PL" sz="3600" dirty="0"/>
+          </a:p>
+        </p:txBody>
+      </p:sp>
+      <p:sp>
+        <p:nvSpPr>
+          <p:cNvPr id="4" name="Rectangle 3"/>
+          <p:cNvSpPr/>
+          <p:nvPr/>
+        </p:nvSpPr>
+        <p:spPr>
+          <a:xfrm>
+            <a:off x="179512" y="1916832"/>
+            <a:ext cx="8784976" cy="4154984"/>
+          </a:xfrm>
+          <a:prstGeom prst="rect">
+            <a:avLst/>
+          </a:prstGeom>
+        </p:spPr>
+        <p:txBody>
+          <a:bodyPr wrap="square">
+            <a:spAutoFit/>
+          </a:bodyPr>
+          <a:lstStyle/>
+          <a:p>
+            <a:r>
+              <a:rPr lang="pl-PL" sz="1100" dirty="0" err="1" smtClean="0">
+                <a:solidFill>
+                  <a:srgbClr val="000000"/>
+                </a:solidFill>
+                <a:latin typeface="Consolas"/>
+              </a:rPr>
+              <a:t>FallbackServerInstanceBuilder</a:t>
+            </a:r>
+            <a:r>
+              <a:rPr lang="pl-PL" sz="1100" dirty="0" smtClean="0">
+                <a:solidFill>
+                  <a:srgbClr val="000000"/>
+                </a:solidFill>
+                <a:latin typeface="Consolas"/>
+              </a:rPr>
+              <a:t> </a:t>
+            </a:r>
+            <a:r>
+              <a:rPr lang="pl-PL" sz="1100" dirty="0" err="1" smtClean="0">
+                <a:solidFill>
+                  <a:srgbClr val="0000C0"/>
+                </a:solidFill>
+                <a:latin typeface="Consolas"/>
+              </a:rPr>
+              <a:t>fsib</a:t>
+            </a:r>
+            <a:r>
+              <a:rPr lang="en-US" sz="1100" dirty="0" smtClean="0">
+                <a:solidFill>
+                  <a:srgbClr val="0000C0"/>
+                </a:solidFill>
+                <a:latin typeface="Consolas"/>
+              </a:rPr>
+              <a:t> = ...</a:t>
+            </a:r>
+            <a:r>
+              <a:rPr lang="pl-PL" sz="1100" dirty="0" smtClean="0">
+                <a:solidFill>
+                  <a:srgbClr val="000000"/>
+                </a:solidFill>
+                <a:latin typeface="Consolas"/>
+              </a:rPr>
+              <a:t>;</a:t>
+            </a:r>
+            <a:endParaRPr lang="pl-PL" sz="1100" dirty="0">
+              <a:solidFill>
+                <a:srgbClr val="000000"/>
+              </a:solidFill>
+              <a:latin typeface="Consolas"/>
+            </a:endParaRPr>
+          </a:p>
+          <a:p>
+            <a:r>
+              <a:rPr lang="en-US" sz="1100" dirty="0" smtClean="0">
+                <a:solidFill>
+                  <a:srgbClr val="000000"/>
+                </a:solidFill>
+                <a:latin typeface="Consolas"/>
+              </a:rPr>
+              <a:t>   </a:t>
+            </a:r>
+          </a:p>
+          <a:p>
+            <a:r>
+              <a:rPr lang="en-US" sz="1100" b="1" dirty="0" smtClean="0">
+                <a:solidFill>
+                  <a:srgbClr val="7F0055"/>
+                </a:solidFill>
+                <a:latin typeface="Consolas"/>
+              </a:rPr>
+              <a:t>      </a:t>
+            </a:r>
+            <a:r>
+              <a:rPr lang="pl-PL" sz="1100" b="1" dirty="0" err="1" smtClean="0">
+                <a:solidFill>
+                  <a:srgbClr val="7F0055"/>
+                </a:solidFill>
+                <a:latin typeface="Consolas"/>
+              </a:rPr>
+              <a:t>try</a:t>
+            </a:r>
+            <a:r>
+              <a:rPr lang="pl-PL" sz="1100" b="1" dirty="0" smtClean="0">
+                <a:solidFill>
+                  <a:srgbClr val="000000"/>
+                </a:solidFill>
+                <a:latin typeface="Consolas"/>
+              </a:rPr>
+              <a:t> </a:t>
+            </a:r>
+            <a:r>
+              <a:rPr lang="pl-PL" sz="1100" dirty="0">
+                <a:solidFill>
+                  <a:srgbClr val="000000"/>
+                </a:solidFill>
+                <a:latin typeface="Consolas"/>
+              </a:rPr>
+              <a:t>{</a:t>
+            </a:r>
+          </a:p>
+          <a:p>
+            <a:r>
+              <a:rPr lang="pl-PL" sz="1100" dirty="0" smtClean="0">
+                <a:solidFill>
+                  <a:srgbClr val="000000"/>
+                </a:solidFill>
+                <a:latin typeface="Consolas"/>
+              </a:rPr>
+              <a:t>      </a:t>
+            </a:r>
+            <a:r>
+              <a:rPr lang="en-US" sz="1100" dirty="0" smtClean="0">
+                <a:solidFill>
+                  <a:srgbClr val="000000"/>
+                </a:solidFill>
+                <a:latin typeface="Consolas"/>
+              </a:rPr>
+              <a:t>  </a:t>
+            </a:r>
+            <a:r>
+              <a:rPr lang="pl-PL" sz="1100" dirty="0" err="1" smtClean="0">
+                <a:solidFill>
+                  <a:srgbClr val="0000C0"/>
+                </a:solidFill>
+                <a:latin typeface="Consolas"/>
+              </a:rPr>
+              <a:t>sender</a:t>
+            </a:r>
+            <a:r>
+              <a:rPr lang="pl-PL" sz="1100" dirty="0" err="1" smtClean="0">
+                <a:solidFill>
+                  <a:srgbClr val="000000"/>
+                </a:solidFill>
+                <a:latin typeface="Consolas"/>
+              </a:rPr>
+              <a:t>.trySending</a:t>
+            </a:r>
+            <a:r>
+              <a:rPr lang="pl-PL" sz="1100" dirty="0" smtClean="0">
+                <a:solidFill>
+                  <a:srgbClr val="000000"/>
+                </a:solidFill>
+                <a:latin typeface="Consolas"/>
+              </a:rPr>
+              <a:t>(</a:t>
+            </a:r>
+            <a:r>
+              <a:rPr lang="pl-PL" sz="1100" dirty="0" err="1" smtClean="0">
+                <a:solidFill>
+                  <a:srgbClr val="0000C0"/>
+                </a:solidFill>
+                <a:latin typeface="Consolas"/>
+              </a:rPr>
+              <a:t>basicServiceUrl</a:t>
+            </a:r>
+            <a:r>
+              <a:rPr lang="pl-PL" sz="1100" dirty="0">
+                <a:solidFill>
+                  <a:srgbClr val="000000"/>
+                </a:solidFill>
+                <a:latin typeface="Consolas"/>
+              </a:rPr>
+              <a:t>, </a:t>
+            </a:r>
+            <a:r>
+              <a:rPr lang="pl-PL" sz="1100" dirty="0" err="1">
+                <a:solidFill>
+                  <a:srgbClr val="0000C0"/>
+                </a:solidFill>
+                <a:latin typeface="Consolas"/>
+              </a:rPr>
+              <a:t>digestRequest</a:t>
+            </a:r>
+            <a:r>
+              <a:rPr lang="pl-PL" sz="1100" dirty="0">
+                <a:solidFill>
+                  <a:srgbClr val="000000"/>
+                </a:solidFill>
+                <a:latin typeface="Consolas"/>
+              </a:rPr>
+              <a:t>);</a:t>
+            </a:r>
+          </a:p>
+          <a:p>
+            <a:r>
+              <a:rPr lang="pl-PL" sz="1100" dirty="0" smtClean="0">
+                <a:solidFill>
+                  <a:srgbClr val="000000"/>
+                </a:solidFill>
+                <a:latin typeface="Consolas"/>
+              </a:rPr>
+              <a:t>      </a:t>
+            </a:r>
+            <a:r>
+              <a:rPr lang="pl-PL" sz="1100" dirty="0">
+                <a:solidFill>
+                  <a:srgbClr val="000000"/>
+                </a:solidFill>
+                <a:latin typeface="Consolas"/>
+              </a:rPr>
+              <a:t>} </a:t>
+            </a:r>
+            <a:r>
+              <a:rPr lang="pl-PL" sz="1100" b="1" dirty="0" err="1">
+                <a:solidFill>
+                  <a:srgbClr val="7F0055"/>
+                </a:solidFill>
+                <a:latin typeface="Consolas"/>
+              </a:rPr>
+              <a:t>catch</a:t>
+            </a:r>
+            <a:r>
+              <a:rPr lang="pl-PL" sz="1100" b="1" dirty="0">
+                <a:solidFill>
+                  <a:srgbClr val="000000"/>
+                </a:solidFill>
+                <a:latin typeface="Consolas"/>
+              </a:rPr>
+              <a:t> (</a:t>
+            </a:r>
+            <a:r>
+              <a:rPr lang="pl-PL" sz="1100" b="1" dirty="0" err="1">
+                <a:solidFill>
+                  <a:srgbClr val="000000"/>
+                </a:solidFill>
+                <a:latin typeface="Consolas"/>
+              </a:rPr>
+              <a:t>OutOfMemoryError</a:t>
+            </a:r>
+            <a:r>
+              <a:rPr lang="pl-PL" sz="1100" b="1" dirty="0">
+                <a:solidFill>
+                  <a:srgbClr val="000000"/>
+                </a:solidFill>
+                <a:latin typeface="Consolas"/>
+              </a:rPr>
+              <a:t> </a:t>
+            </a:r>
+            <a:r>
+              <a:rPr lang="pl-PL" sz="1100" b="1" dirty="0" err="1">
+                <a:solidFill>
+                  <a:srgbClr val="6A3E3E"/>
+                </a:solidFill>
+                <a:latin typeface="Consolas"/>
+              </a:rPr>
+              <a:t>outOfMemoryErrorFromTargetServerMachineInstance</a:t>
+            </a:r>
+            <a:r>
+              <a:rPr lang="pl-PL" sz="1100" b="1" dirty="0">
+                <a:solidFill>
+                  <a:srgbClr val="000000"/>
+                </a:solidFill>
+                <a:latin typeface="Consolas"/>
+              </a:rPr>
+              <a:t>) {</a:t>
+            </a:r>
+          </a:p>
+          <a:p>
+            <a:r>
+              <a:rPr lang="pl-PL" sz="1100" dirty="0" smtClean="0">
+                <a:solidFill>
+                  <a:srgbClr val="000000"/>
+                </a:solidFill>
+                <a:latin typeface="Consolas"/>
+              </a:rPr>
+              <a:t>         </a:t>
+            </a:r>
+            <a:endParaRPr lang="pl-PL" sz="1100" dirty="0">
+              <a:solidFill>
+                <a:srgbClr val="000000"/>
+              </a:solidFill>
+              <a:latin typeface="Consolas"/>
+            </a:endParaRPr>
+          </a:p>
+          <a:p>
+            <a:r>
+              <a:rPr lang="pl-PL" sz="1100" dirty="0" smtClean="0">
+                <a:solidFill>
+                  <a:srgbClr val="000000"/>
+                </a:solidFill>
+                <a:latin typeface="Consolas"/>
+              </a:rPr>
+              <a:t>          </a:t>
+            </a:r>
+            <a:r>
+              <a:rPr lang="pl-PL" sz="1100" b="1" dirty="0" err="1">
+                <a:solidFill>
+                  <a:srgbClr val="7F0055"/>
+                </a:solidFill>
+                <a:latin typeface="Consolas"/>
+              </a:rPr>
+              <a:t>try</a:t>
+            </a:r>
+            <a:r>
+              <a:rPr lang="pl-PL" sz="1100" b="1" dirty="0">
+                <a:solidFill>
+                  <a:srgbClr val="000000"/>
+                </a:solidFill>
+                <a:latin typeface="Consolas"/>
+              </a:rPr>
+              <a:t> {</a:t>
+            </a:r>
+          </a:p>
+          <a:p>
+            <a:r>
+              <a:rPr lang="en-US" sz="1100" dirty="0" smtClean="0">
+                <a:solidFill>
+                  <a:srgbClr val="000000"/>
+                </a:solidFill>
+                <a:latin typeface="Consolas"/>
+              </a:rPr>
+              <a:t>              </a:t>
+            </a:r>
+            <a:r>
+              <a:rPr lang="en-US" sz="1100" dirty="0" err="1">
+                <a:solidFill>
+                  <a:srgbClr val="000000"/>
+                </a:solidFill>
+                <a:latin typeface="Consolas"/>
+              </a:rPr>
+              <a:t>FallbackSetupParams</a:t>
+            </a:r>
+            <a:r>
+              <a:rPr lang="en-US" sz="1100" dirty="0">
+                <a:solidFill>
+                  <a:srgbClr val="000000"/>
+                </a:solidFill>
+                <a:latin typeface="Consolas"/>
+              </a:rPr>
+              <a:t> </a:t>
+            </a:r>
+            <a:r>
+              <a:rPr lang="en-US" sz="1100" dirty="0" err="1">
+                <a:solidFill>
+                  <a:srgbClr val="6A3E3E"/>
+                </a:solidFill>
+                <a:latin typeface="Consolas"/>
+              </a:rPr>
+              <a:t>fsp</a:t>
+            </a:r>
+            <a:r>
+              <a:rPr lang="en-US" sz="1100" dirty="0">
+                <a:solidFill>
+                  <a:srgbClr val="000000"/>
+                </a:solidFill>
+                <a:latin typeface="Consolas"/>
+              </a:rPr>
+              <a:t> = </a:t>
+            </a:r>
+            <a:r>
+              <a:rPr lang="en-US" sz="1100" b="1" dirty="0">
+                <a:solidFill>
+                  <a:srgbClr val="7F0055"/>
+                </a:solidFill>
+                <a:latin typeface="Consolas"/>
+              </a:rPr>
+              <a:t>new</a:t>
+            </a:r>
+            <a:r>
+              <a:rPr lang="en-US" sz="1100" b="1" dirty="0">
+                <a:solidFill>
+                  <a:srgbClr val="000000"/>
+                </a:solidFill>
+                <a:latin typeface="Consolas"/>
+              </a:rPr>
+              <a:t> </a:t>
+            </a:r>
+            <a:r>
+              <a:rPr lang="en-US" sz="1100" b="1" dirty="0" err="1">
+                <a:solidFill>
+                  <a:srgbClr val="000000"/>
+                </a:solidFill>
+                <a:latin typeface="Consolas"/>
+              </a:rPr>
+              <a:t>FallbackSetupParams</a:t>
+            </a:r>
+            <a:r>
+              <a:rPr lang="en-US" sz="1100" b="1" dirty="0">
+                <a:solidFill>
+                  <a:srgbClr val="000000"/>
+                </a:solidFill>
+                <a:latin typeface="Consolas"/>
+              </a:rPr>
+              <a:t>().</a:t>
+            </a:r>
+            <a:r>
+              <a:rPr lang="en-US" sz="1100" b="1" dirty="0" err="1">
+                <a:solidFill>
+                  <a:srgbClr val="000000"/>
+                </a:solidFill>
+                <a:latin typeface="Consolas"/>
+              </a:rPr>
+              <a:t>withLabel</a:t>
+            </a:r>
+            <a:r>
+              <a:rPr lang="en-US" sz="1100" b="1" dirty="0">
+                <a:solidFill>
+                  <a:srgbClr val="000000"/>
+                </a:solidFill>
+                <a:latin typeface="Consolas"/>
+              </a:rPr>
+              <a:t>(</a:t>
+            </a:r>
+            <a:r>
+              <a:rPr lang="en-US" sz="1100" b="1" dirty="0">
+                <a:solidFill>
+                  <a:srgbClr val="2A00FF"/>
+                </a:solidFill>
+                <a:latin typeface="Consolas"/>
+              </a:rPr>
+              <a:t>"..."</a:t>
+            </a:r>
+            <a:r>
+              <a:rPr lang="en-US" sz="1100" b="1" dirty="0">
+                <a:solidFill>
+                  <a:srgbClr val="000000"/>
+                </a:solidFill>
+                <a:latin typeface="Consolas"/>
+              </a:rPr>
+              <a:t>);</a:t>
+            </a:r>
+          </a:p>
+          <a:p>
+            <a:r>
+              <a:rPr lang="pl-PL" sz="1100" dirty="0" smtClean="0">
+                <a:solidFill>
+                  <a:srgbClr val="000000"/>
+                </a:solidFill>
+                <a:latin typeface="Consolas"/>
+              </a:rPr>
+              <a:t>              </a:t>
+            </a:r>
+            <a:r>
+              <a:rPr lang="pl-PL" sz="1100" dirty="0" err="1">
+                <a:solidFill>
+                  <a:srgbClr val="000000"/>
+                </a:solidFill>
+                <a:latin typeface="Consolas"/>
+              </a:rPr>
+              <a:t>FallbackServerInstance</a:t>
+            </a:r>
+            <a:r>
+              <a:rPr lang="pl-PL" sz="1100" dirty="0">
+                <a:solidFill>
+                  <a:srgbClr val="000000"/>
+                </a:solidFill>
+                <a:latin typeface="Consolas"/>
+              </a:rPr>
+              <a:t> </a:t>
+            </a:r>
+            <a:r>
+              <a:rPr lang="pl-PL" sz="1100" dirty="0" err="1">
+                <a:solidFill>
+                  <a:srgbClr val="6A3E3E"/>
+                </a:solidFill>
+                <a:latin typeface="Consolas"/>
+              </a:rPr>
+              <a:t>newMediumFallbackInstance</a:t>
+            </a:r>
+            <a:r>
+              <a:rPr lang="pl-PL" sz="1100" dirty="0">
+                <a:solidFill>
+                  <a:srgbClr val="000000"/>
+                </a:solidFill>
+                <a:latin typeface="Consolas"/>
+              </a:rPr>
+              <a:t> = </a:t>
+            </a:r>
+            <a:r>
+              <a:rPr lang="pl-PL" sz="1100" dirty="0" err="1">
+                <a:solidFill>
+                  <a:srgbClr val="0000C0"/>
+                </a:solidFill>
+                <a:latin typeface="Consolas"/>
+              </a:rPr>
+              <a:t>fsib</a:t>
+            </a:r>
+            <a:r>
+              <a:rPr lang="pl-PL" sz="1100" dirty="0" err="1">
+                <a:solidFill>
+                  <a:srgbClr val="000000"/>
+                </a:solidFill>
+                <a:latin typeface="Consolas"/>
+              </a:rPr>
+              <a:t>.build</a:t>
+            </a:r>
+            <a:r>
+              <a:rPr lang="pl-PL" sz="1100" dirty="0">
+                <a:solidFill>
+                  <a:srgbClr val="000000"/>
+                </a:solidFill>
+                <a:latin typeface="Consolas"/>
+              </a:rPr>
+              <a:t>(</a:t>
+            </a:r>
+            <a:r>
+              <a:rPr lang="pl-PL" sz="1100" dirty="0" err="1">
+                <a:solidFill>
+                  <a:srgbClr val="6A3E3E"/>
+                </a:solidFill>
+                <a:latin typeface="Consolas"/>
+              </a:rPr>
+              <a:t>fsp</a:t>
+            </a:r>
+            <a:r>
+              <a:rPr lang="pl-PL" sz="1100" dirty="0">
+                <a:solidFill>
+                  <a:srgbClr val="000000"/>
+                </a:solidFill>
+                <a:latin typeface="Consolas"/>
+              </a:rPr>
+              <a:t>);</a:t>
+            </a:r>
+          </a:p>
+          <a:p>
+            <a:r>
+              <a:rPr lang="pl-PL" sz="1100" dirty="0" smtClean="0">
+                <a:solidFill>
+                  <a:srgbClr val="000000"/>
+                </a:solidFill>
+                <a:latin typeface="Consolas"/>
+              </a:rPr>
+              <a:t>              </a:t>
+            </a:r>
+            <a:r>
+              <a:rPr lang="pl-PL" sz="1100" dirty="0">
+                <a:solidFill>
+                  <a:srgbClr val="000000"/>
+                </a:solidFill>
+                <a:latin typeface="Consolas"/>
+              </a:rPr>
+              <a:t>String </a:t>
+            </a:r>
+            <a:r>
+              <a:rPr lang="pl-PL" sz="1100" dirty="0" err="1">
+                <a:solidFill>
+                  <a:srgbClr val="6A3E3E"/>
+                </a:solidFill>
+                <a:latin typeface="Consolas"/>
+              </a:rPr>
+              <a:t>newMediumServiceUrl</a:t>
+            </a:r>
+            <a:r>
+              <a:rPr lang="pl-PL" sz="1100" dirty="0">
+                <a:solidFill>
+                  <a:srgbClr val="000000"/>
+                </a:solidFill>
+                <a:latin typeface="Consolas"/>
+              </a:rPr>
+              <a:t> = </a:t>
+            </a:r>
+            <a:r>
+              <a:rPr lang="pl-PL" sz="1100" dirty="0" err="1">
+                <a:solidFill>
+                  <a:srgbClr val="000000"/>
+                </a:solidFill>
+                <a:latin typeface="Consolas"/>
+              </a:rPr>
+              <a:t>buildServiceUrl</a:t>
+            </a:r>
+            <a:r>
+              <a:rPr lang="pl-PL" sz="1100" dirty="0">
+                <a:solidFill>
+                  <a:srgbClr val="000000"/>
+                </a:solidFill>
+                <a:latin typeface="Consolas"/>
+              </a:rPr>
+              <a:t>(</a:t>
+            </a:r>
+            <a:r>
+              <a:rPr lang="pl-PL" sz="1100" dirty="0" err="1">
+                <a:solidFill>
+                  <a:srgbClr val="6A3E3E"/>
+                </a:solidFill>
+                <a:latin typeface="Consolas"/>
+              </a:rPr>
+              <a:t>newMediumFallbackInstance</a:t>
+            </a:r>
+            <a:r>
+              <a:rPr lang="pl-PL" sz="1100" dirty="0" err="1">
+                <a:solidFill>
+                  <a:srgbClr val="000000"/>
+                </a:solidFill>
+                <a:latin typeface="Consolas"/>
+              </a:rPr>
+              <a:t>.getPublicIpAddress</a:t>
+            </a:r>
+            <a:r>
+              <a:rPr lang="pl-PL" sz="1100" dirty="0">
+                <a:solidFill>
+                  <a:srgbClr val="000000"/>
+                </a:solidFill>
+                <a:latin typeface="Consolas"/>
+              </a:rPr>
+              <a:t>());</a:t>
+            </a:r>
+          </a:p>
+          <a:p>
+            <a:r>
+              <a:rPr lang="pl-PL" sz="1100" dirty="0" smtClean="0">
+                <a:solidFill>
+                  <a:srgbClr val="000000"/>
+                </a:solidFill>
+                <a:latin typeface="Consolas"/>
+              </a:rPr>
+              <a:t>              </a:t>
+            </a:r>
+            <a:r>
+              <a:rPr lang="pl-PL" sz="1100" dirty="0" err="1">
+                <a:solidFill>
+                  <a:srgbClr val="000000"/>
+                </a:solidFill>
+                <a:latin typeface="Consolas"/>
+              </a:rPr>
+              <a:t>DigestResponse</a:t>
+            </a:r>
+            <a:r>
+              <a:rPr lang="pl-PL" sz="1100" dirty="0">
+                <a:solidFill>
+                  <a:srgbClr val="000000"/>
+                </a:solidFill>
+                <a:latin typeface="Consolas"/>
+              </a:rPr>
+              <a:t> </a:t>
+            </a:r>
+            <a:r>
+              <a:rPr lang="pl-PL" sz="1100" dirty="0" err="1">
+                <a:solidFill>
+                  <a:srgbClr val="6A3E3E"/>
+                </a:solidFill>
+                <a:latin typeface="Consolas"/>
+              </a:rPr>
+              <a:t>response</a:t>
+            </a:r>
+            <a:r>
+              <a:rPr lang="pl-PL" sz="1100" dirty="0">
+                <a:solidFill>
+                  <a:srgbClr val="000000"/>
+                </a:solidFill>
+                <a:latin typeface="Consolas"/>
+              </a:rPr>
+              <a:t> = </a:t>
+            </a:r>
+            <a:r>
+              <a:rPr lang="pl-PL" sz="1100" dirty="0" err="1">
+                <a:solidFill>
+                  <a:srgbClr val="0000C0"/>
+                </a:solidFill>
+                <a:latin typeface="Consolas"/>
+              </a:rPr>
+              <a:t>sender</a:t>
+            </a:r>
+            <a:r>
+              <a:rPr lang="pl-PL" sz="1100" dirty="0" err="1">
+                <a:solidFill>
+                  <a:srgbClr val="000000"/>
+                </a:solidFill>
+                <a:latin typeface="Consolas"/>
+              </a:rPr>
+              <a:t>.trySending</a:t>
+            </a:r>
+            <a:r>
+              <a:rPr lang="pl-PL" sz="1100" dirty="0">
+                <a:solidFill>
+                  <a:srgbClr val="000000"/>
+                </a:solidFill>
+                <a:latin typeface="Consolas"/>
+              </a:rPr>
+              <a:t>(</a:t>
+            </a:r>
+            <a:r>
+              <a:rPr lang="pl-PL" sz="1100" dirty="0" err="1">
+                <a:solidFill>
+                  <a:srgbClr val="6A3E3E"/>
+                </a:solidFill>
+                <a:latin typeface="Consolas"/>
+              </a:rPr>
+              <a:t>newMediumServiceUrl</a:t>
+            </a:r>
+            <a:r>
+              <a:rPr lang="pl-PL" sz="1100" dirty="0">
+                <a:solidFill>
+                  <a:srgbClr val="000000"/>
+                </a:solidFill>
+                <a:latin typeface="Consolas"/>
+              </a:rPr>
+              <a:t>, </a:t>
+            </a:r>
+            <a:r>
+              <a:rPr lang="pl-PL" sz="1100" dirty="0" err="1">
+                <a:solidFill>
+                  <a:srgbClr val="0000C0"/>
+                </a:solidFill>
+                <a:latin typeface="Consolas"/>
+              </a:rPr>
+              <a:t>digestRequest</a:t>
+            </a:r>
+            <a:r>
+              <a:rPr lang="pl-PL" sz="1100" dirty="0">
+                <a:solidFill>
+                  <a:srgbClr val="000000"/>
+                </a:solidFill>
+                <a:latin typeface="Consolas"/>
+              </a:rPr>
+              <a:t>);</a:t>
+            </a:r>
+          </a:p>
+          <a:p>
+            <a:r>
+              <a:rPr lang="pl-PL" sz="1100" dirty="0" smtClean="0">
+                <a:solidFill>
+                  <a:srgbClr val="000000"/>
+                </a:solidFill>
+                <a:latin typeface="Consolas"/>
+              </a:rPr>
+              <a:t>              </a:t>
+            </a:r>
+            <a:r>
+              <a:rPr lang="pl-PL" sz="1100" dirty="0" err="1">
+                <a:solidFill>
+                  <a:srgbClr val="6A3E3E"/>
+                </a:solidFill>
+                <a:latin typeface="Consolas"/>
+              </a:rPr>
+              <a:t>newMediumFallbackInstance</a:t>
+            </a:r>
+            <a:r>
+              <a:rPr lang="pl-PL" sz="1100" dirty="0" err="1">
+                <a:solidFill>
+                  <a:srgbClr val="000000"/>
+                </a:solidFill>
+                <a:latin typeface="Consolas"/>
+              </a:rPr>
+              <a:t>.scheduleCleanup</a:t>
+            </a:r>
+            <a:r>
+              <a:rPr lang="pl-PL" sz="1100" dirty="0">
+                <a:solidFill>
+                  <a:srgbClr val="000000"/>
+                </a:solidFill>
+                <a:latin typeface="Consolas"/>
+              </a:rPr>
+              <a:t>(55, </a:t>
+            </a:r>
+            <a:r>
+              <a:rPr lang="pl-PL" sz="1100" dirty="0" err="1">
+                <a:solidFill>
+                  <a:srgbClr val="000000"/>
+                </a:solidFill>
+                <a:latin typeface="Consolas"/>
+              </a:rPr>
+              <a:t>TimeUnit.</a:t>
+            </a:r>
+            <a:r>
+              <a:rPr lang="pl-PL" sz="1100" b="1" i="1" dirty="0" err="1">
+                <a:solidFill>
+                  <a:srgbClr val="0000C0"/>
+                </a:solidFill>
+                <a:latin typeface="Consolas"/>
+              </a:rPr>
+              <a:t>MINUTES</a:t>
+            </a:r>
+            <a:r>
+              <a:rPr lang="pl-PL" sz="1100" b="1" i="1" dirty="0">
+                <a:solidFill>
+                  <a:srgbClr val="000000"/>
+                </a:solidFill>
+                <a:latin typeface="Consolas"/>
+              </a:rPr>
+              <a:t>);</a:t>
+            </a:r>
+          </a:p>
+          <a:p>
+            <a:r>
+              <a:rPr lang="pl-PL" sz="1100" dirty="0" smtClean="0">
+                <a:solidFill>
+                  <a:srgbClr val="000000"/>
+                </a:solidFill>
+                <a:latin typeface="Consolas"/>
+              </a:rPr>
+              <a:t>              </a:t>
+            </a:r>
+            <a:r>
+              <a:rPr lang="pl-PL" sz="1100" b="1" dirty="0">
+                <a:solidFill>
+                  <a:srgbClr val="7F0055"/>
+                </a:solidFill>
+                <a:latin typeface="Consolas"/>
+              </a:rPr>
+              <a:t>return</a:t>
+            </a:r>
+            <a:r>
+              <a:rPr lang="pl-PL" sz="1100" b="1" dirty="0">
+                <a:solidFill>
+                  <a:srgbClr val="000000"/>
+                </a:solidFill>
+                <a:latin typeface="Consolas"/>
+              </a:rPr>
+              <a:t> </a:t>
+            </a:r>
+            <a:r>
+              <a:rPr lang="pl-PL" sz="1100" b="1" dirty="0" err="1">
+                <a:solidFill>
+                  <a:srgbClr val="6A3E3E"/>
+                </a:solidFill>
+                <a:latin typeface="Consolas"/>
+              </a:rPr>
+              <a:t>response</a:t>
+            </a:r>
+            <a:r>
+              <a:rPr lang="pl-PL" sz="1100" b="1" dirty="0">
+                <a:solidFill>
+                  <a:srgbClr val="000000"/>
+                </a:solidFill>
+                <a:latin typeface="Consolas"/>
+              </a:rPr>
+              <a:t>;</a:t>
+            </a:r>
+          </a:p>
+          <a:p>
+            <a:r>
+              <a:rPr lang="pl-PL" sz="1100" dirty="0" smtClean="0">
+                <a:solidFill>
+                  <a:srgbClr val="000000"/>
+                </a:solidFill>
+                <a:latin typeface="Consolas"/>
+              </a:rPr>
+              <a:t>          </a:t>
+            </a:r>
+            <a:r>
+              <a:rPr lang="pl-PL" sz="1100" dirty="0">
+                <a:solidFill>
+                  <a:srgbClr val="000000"/>
+                </a:solidFill>
+                <a:latin typeface="Consolas"/>
+              </a:rPr>
+              <a:t>} </a:t>
+            </a:r>
+            <a:r>
+              <a:rPr lang="pl-PL" sz="1100" b="1" dirty="0" err="1">
+                <a:solidFill>
+                  <a:srgbClr val="7F0055"/>
+                </a:solidFill>
+                <a:latin typeface="Consolas"/>
+              </a:rPr>
+              <a:t>catch</a:t>
+            </a:r>
+            <a:r>
+              <a:rPr lang="pl-PL" sz="1100" b="1" dirty="0">
+                <a:solidFill>
+                  <a:srgbClr val="000000"/>
+                </a:solidFill>
+                <a:latin typeface="Consolas"/>
+              </a:rPr>
+              <a:t> (</a:t>
+            </a:r>
+            <a:r>
+              <a:rPr lang="pl-PL" sz="1100" b="1" dirty="0" err="1">
+                <a:solidFill>
+                  <a:srgbClr val="000000"/>
+                </a:solidFill>
+                <a:latin typeface="Consolas"/>
+              </a:rPr>
+              <a:t>OutOfMemoryError</a:t>
+            </a:r>
+            <a:r>
+              <a:rPr lang="pl-PL" sz="1100" b="1" dirty="0">
+                <a:solidFill>
+                  <a:srgbClr val="000000"/>
+                </a:solidFill>
+                <a:latin typeface="Consolas"/>
+              </a:rPr>
+              <a:t> </a:t>
+            </a:r>
+            <a:r>
+              <a:rPr lang="pl-PL" sz="1100" b="1" dirty="0" err="1">
+                <a:solidFill>
+                  <a:srgbClr val="6A3E3E"/>
+                </a:solidFill>
+                <a:latin typeface="Consolas"/>
+              </a:rPr>
+              <a:t>outOfMemoryFromMediumTargetServerMachineInstance</a:t>
+            </a:r>
+            <a:r>
+              <a:rPr lang="pl-PL" sz="1100" b="1" dirty="0">
+                <a:solidFill>
+                  <a:srgbClr val="000000"/>
+                </a:solidFill>
+                <a:latin typeface="Consolas"/>
+              </a:rPr>
+              <a:t>) {</a:t>
+            </a:r>
+          </a:p>
+          <a:p>
+            <a:r>
+              <a:rPr lang="pl-PL" sz="1100" dirty="0" smtClean="0">
+                <a:solidFill>
+                  <a:srgbClr val="000000"/>
+                </a:solidFill>
+                <a:latin typeface="Consolas"/>
+              </a:rPr>
+              <a:t>              </a:t>
+            </a:r>
+            <a:endParaRPr lang="pl-PL" sz="1100" dirty="0">
+              <a:solidFill>
+                <a:srgbClr val="000000"/>
+              </a:solidFill>
+              <a:latin typeface="Consolas"/>
+            </a:endParaRPr>
+          </a:p>
+          <a:p>
+            <a:r>
+              <a:rPr lang="en-US" sz="1100" dirty="0" smtClean="0">
+                <a:solidFill>
+                  <a:srgbClr val="000000"/>
+                </a:solidFill>
+                <a:latin typeface="Consolas"/>
+              </a:rPr>
+              <a:t>              </a:t>
+            </a:r>
+            <a:r>
+              <a:rPr lang="en-US" sz="1100" dirty="0" err="1">
+                <a:solidFill>
+                  <a:srgbClr val="000000"/>
+                </a:solidFill>
+                <a:latin typeface="Consolas"/>
+              </a:rPr>
+              <a:t>FallbackSetupParams</a:t>
+            </a:r>
+            <a:r>
+              <a:rPr lang="en-US" sz="1100" dirty="0">
+                <a:solidFill>
+                  <a:srgbClr val="000000"/>
+                </a:solidFill>
+                <a:latin typeface="Consolas"/>
+              </a:rPr>
+              <a:t> </a:t>
+            </a:r>
+            <a:r>
+              <a:rPr lang="en-US" sz="1100" dirty="0" err="1">
+                <a:solidFill>
+                  <a:srgbClr val="6A3E3E"/>
+                </a:solidFill>
+                <a:latin typeface="Consolas"/>
+              </a:rPr>
+              <a:t>fsp</a:t>
+            </a:r>
+            <a:r>
+              <a:rPr lang="en-US" sz="1100" dirty="0">
+                <a:solidFill>
+                  <a:srgbClr val="000000"/>
+                </a:solidFill>
+                <a:latin typeface="Consolas"/>
+              </a:rPr>
+              <a:t> = </a:t>
+            </a:r>
+            <a:r>
+              <a:rPr lang="en-US" sz="1100" b="1" dirty="0">
+                <a:solidFill>
+                  <a:srgbClr val="7F0055"/>
+                </a:solidFill>
+                <a:latin typeface="Consolas"/>
+              </a:rPr>
+              <a:t>new</a:t>
+            </a:r>
+            <a:r>
+              <a:rPr lang="en-US" sz="1100" b="1" dirty="0">
+                <a:solidFill>
+                  <a:srgbClr val="000000"/>
+                </a:solidFill>
+                <a:latin typeface="Consolas"/>
+              </a:rPr>
+              <a:t> </a:t>
+            </a:r>
+            <a:r>
+              <a:rPr lang="en-US" sz="1100" b="1" dirty="0" err="1">
+                <a:solidFill>
+                  <a:srgbClr val="000000"/>
+                </a:solidFill>
+                <a:latin typeface="Consolas"/>
+              </a:rPr>
+              <a:t>FallbackSetupParams</a:t>
+            </a:r>
+            <a:r>
+              <a:rPr lang="en-US" sz="1100" b="1" dirty="0">
+                <a:solidFill>
+                  <a:srgbClr val="000000"/>
+                </a:solidFill>
+                <a:latin typeface="Consolas"/>
+              </a:rPr>
+              <a:t>().</a:t>
+            </a:r>
+            <a:r>
+              <a:rPr lang="en-US" sz="1100" b="1" dirty="0" err="1">
+                <a:solidFill>
+                  <a:srgbClr val="000000"/>
+                </a:solidFill>
+                <a:latin typeface="Consolas"/>
+              </a:rPr>
+              <a:t>withLabel</a:t>
+            </a:r>
+            <a:r>
+              <a:rPr lang="en-US" sz="1100" b="1" dirty="0">
+                <a:solidFill>
+                  <a:srgbClr val="000000"/>
+                </a:solidFill>
+                <a:latin typeface="Consolas"/>
+              </a:rPr>
+              <a:t>(</a:t>
+            </a:r>
+            <a:r>
+              <a:rPr lang="en-US" sz="1100" b="1" dirty="0">
+                <a:solidFill>
+                  <a:srgbClr val="2A00FF"/>
+                </a:solidFill>
+                <a:latin typeface="Consolas"/>
+              </a:rPr>
+              <a:t>"..."</a:t>
+            </a:r>
+            <a:r>
+              <a:rPr lang="en-US" sz="1100" b="1" dirty="0">
+                <a:solidFill>
+                  <a:srgbClr val="000000"/>
+                </a:solidFill>
+                <a:latin typeface="Consolas"/>
+              </a:rPr>
+              <a:t>);</a:t>
+            </a:r>
+          </a:p>
+          <a:p>
+            <a:r>
+              <a:rPr lang="pl-PL" sz="1100" dirty="0" smtClean="0">
+                <a:solidFill>
+                  <a:srgbClr val="000000"/>
+                </a:solidFill>
+                <a:latin typeface="Consolas"/>
+              </a:rPr>
+              <a:t>              </a:t>
+            </a:r>
+            <a:r>
+              <a:rPr lang="pl-PL" sz="1100" dirty="0" err="1">
+                <a:solidFill>
+                  <a:srgbClr val="000000"/>
+                </a:solidFill>
+                <a:latin typeface="Consolas"/>
+              </a:rPr>
+              <a:t>FallbackServerInstance</a:t>
+            </a:r>
+            <a:r>
+              <a:rPr lang="pl-PL" sz="1100" dirty="0">
+                <a:solidFill>
+                  <a:srgbClr val="000000"/>
+                </a:solidFill>
+                <a:latin typeface="Consolas"/>
+              </a:rPr>
+              <a:t> </a:t>
+            </a:r>
+            <a:r>
+              <a:rPr lang="pl-PL" sz="1100" dirty="0" err="1">
+                <a:solidFill>
+                  <a:srgbClr val="6A3E3E"/>
+                </a:solidFill>
+                <a:latin typeface="Consolas"/>
+              </a:rPr>
+              <a:t>newLargestFallbackInstance</a:t>
+            </a:r>
+            <a:r>
+              <a:rPr lang="pl-PL" sz="1100" dirty="0">
+                <a:solidFill>
+                  <a:srgbClr val="000000"/>
+                </a:solidFill>
+                <a:latin typeface="Consolas"/>
+              </a:rPr>
+              <a:t> = </a:t>
+            </a:r>
+            <a:r>
+              <a:rPr lang="pl-PL" sz="1100" dirty="0" err="1">
+                <a:solidFill>
+                  <a:srgbClr val="0000C0"/>
+                </a:solidFill>
+                <a:latin typeface="Consolas"/>
+              </a:rPr>
+              <a:t>fsib</a:t>
+            </a:r>
+            <a:r>
+              <a:rPr lang="pl-PL" sz="1100" dirty="0" err="1">
+                <a:solidFill>
+                  <a:srgbClr val="000000"/>
+                </a:solidFill>
+                <a:latin typeface="Consolas"/>
+              </a:rPr>
+              <a:t>.build</a:t>
+            </a:r>
+            <a:r>
+              <a:rPr lang="pl-PL" sz="1100" dirty="0">
+                <a:solidFill>
+                  <a:srgbClr val="000000"/>
+                </a:solidFill>
+                <a:latin typeface="Consolas"/>
+              </a:rPr>
+              <a:t>(</a:t>
+            </a:r>
+            <a:r>
+              <a:rPr lang="pl-PL" sz="1100" dirty="0" err="1">
+                <a:solidFill>
+                  <a:srgbClr val="6A3E3E"/>
+                </a:solidFill>
+                <a:latin typeface="Consolas"/>
+              </a:rPr>
+              <a:t>fsp</a:t>
+            </a:r>
+            <a:r>
+              <a:rPr lang="pl-PL" sz="1100" dirty="0">
+                <a:solidFill>
+                  <a:srgbClr val="000000"/>
+                </a:solidFill>
+                <a:latin typeface="Consolas"/>
+              </a:rPr>
+              <a:t>);</a:t>
+            </a:r>
+          </a:p>
+          <a:p>
+            <a:r>
+              <a:rPr lang="pl-PL" sz="1100" dirty="0" smtClean="0">
+                <a:solidFill>
+                  <a:srgbClr val="000000"/>
+                </a:solidFill>
+                <a:latin typeface="Consolas"/>
+              </a:rPr>
+              <a:t>              </a:t>
+            </a:r>
+            <a:r>
+              <a:rPr lang="pl-PL" sz="1100" dirty="0">
+                <a:solidFill>
+                  <a:srgbClr val="000000"/>
+                </a:solidFill>
+                <a:latin typeface="Consolas"/>
+              </a:rPr>
+              <a:t>String </a:t>
+            </a:r>
+            <a:r>
+              <a:rPr lang="pl-PL" sz="1100" dirty="0" err="1">
+                <a:solidFill>
+                  <a:srgbClr val="6A3E3E"/>
+                </a:solidFill>
+                <a:latin typeface="Consolas"/>
+              </a:rPr>
+              <a:t>newLargestServiceUrl</a:t>
+            </a:r>
+            <a:r>
+              <a:rPr lang="pl-PL" sz="1100" dirty="0">
+                <a:solidFill>
+                  <a:srgbClr val="000000"/>
+                </a:solidFill>
+                <a:latin typeface="Consolas"/>
+              </a:rPr>
+              <a:t> = </a:t>
+            </a:r>
+            <a:r>
+              <a:rPr lang="pl-PL" sz="1100" dirty="0" err="1">
+                <a:solidFill>
+                  <a:srgbClr val="000000"/>
+                </a:solidFill>
+                <a:latin typeface="Consolas"/>
+              </a:rPr>
+              <a:t>buildServiceUrl</a:t>
+            </a:r>
+            <a:r>
+              <a:rPr lang="pl-PL" sz="1100" dirty="0">
+                <a:solidFill>
+                  <a:srgbClr val="000000"/>
+                </a:solidFill>
+                <a:latin typeface="Consolas"/>
+              </a:rPr>
+              <a:t>(</a:t>
+            </a:r>
+            <a:r>
+              <a:rPr lang="pl-PL" sz="1100" dirty="0" err="1">
+                <a:solidFill>
+                  <a:srgbClr val="6A3E3E"/>
+                </a:solidFill>
+                <a:latin typeface="Consolas"/>
+              </a:rPr>
+              <a:t>newLargestFallbackInstance</a:t>
+            </a:r>
+            <a:r>
+              <a:rPr lang="pl-PL" sz="1100" dirty="0" err="1">
+                <a:solidFill>
+                  <a:srgbClr val="000000"/>
+                </a:solidFill>
+                <a:latin typeface="Consolas"/>
+              </a:rPr>
+              <a:t>.getPublicIpAddress</a:t>
+            </a:r>
+            <a:r>
+              <a:rPr lang="pl-PL" sz="1100" dirty="0">
+                <a:solidFill>
+                  <a:srgbClr val="000000"/>
+                </a:solidFill>
+                <a:latin typeface="Consolas"/>
+              </a:rPr>
+              <a:t>());</a:t>
+            </a:r>
+          </a:p>
+          <a:p>
+            <a:r>
+              <a:rPr lang="pl-PL" sz="1100" dirty="0" smtClean="0">
+                <a:solidFill>
+                  <a:srgbClr val="000000"/>
+                </a:solidFill>
+                <a:latin typeface="Consolas"/>
+              </a:rPr>
+              <a:t>              </a:t>
+            </a:r>
+            <a:r>
+              <a:rPr lang="pl-PL" sz="1100" dirty="0" err="1">
+                <a:solidFill>
+                  <a:srgbClr val="000000"/>
+                </a:solidFill>
+                <a:latin typeface="Consolas"/>
+              </a:rPr>
+              <a:t>DigestResponse</a:t>
+            </a:r>
+            <a:r>
+              <a:rPr lang="pl-PL" sz="1100" dirty="0">
+                <a:solidFill>
+                  <a:srgbClr val="000000"/>
+                </a:solidFill>
+                <a:latin typeface="Consolas"/>
+              </a:rPr>
+              <a:t> </a:t>
+            </a:r>
+            <a:r>
+              <a:rPr lang="pl-PL" sz="1100" dirty="0" err="1">
+                <a:solidFill>
+                  <a:srgbClr val="6A3E3E"/>
+                </a:solidFill>
+                <a:latin typeface="Consolas"/>
+              </a:rPr>
+              <a:t>response</a:t>
+            </a:r>
+            <a:r>
+              <a:rPr lang="pl-PL" sz="1100" dirty="0">
+                <a:solidFill>
+                  <a:srgbClr val="000000"/>
+                </a:solidFill>
+                <a:latin typeface="Consolas"/>
+              </a:rPr>
+              <a:t> = </a:t>
+            </a:r>
+            <a:r>
+              <a:rPr lang="pl-PL" sz="1100" dirty="0" err="1">
+                <a:solidFill>
+                  <a:srgbClr val="0000C0"/>
+                </a:solidFill>
+                <a:latin typeface="Consolas"/>
+              </a:rPr>
+              <a:t>sender</a:t>
+            </a:r>
+            <a:r>
+              <a:rPr lang="pl-PL" sz="1100" dirty="0" err="1">
+                <a:solidFill>
+                  <a:srgbClr val="000000"/>
+                </a:solidFill>
+                <a:latin typeface="Consolas"/>
+              </a:rPr>
+              <a:t>.trySending</a:t>
+            </a:r>
+            <a:r>
+              <a:rPr lang="pl-PL" sz="1100" dirty="0">
+                <a:solidFill>
+                  <a:srgbClr val="000000"/>
+                </a:solidFill>
+                <a:latin typeface="Consolas"/>
+              </a:rPr>
+              <a:t>(</a:t>
+            </a:r>
+            <a:r>
+              <a:rPr lang="pl-PL" sz="1100" dirty="0" err="1">
+                <a:solidFill>
+                  <a:srgbClr val="6A3E3E"/>
+                </a:solidFill>
+                <a:latin typeface="Consolas"/>
+              </a:rPr>
+              <a:t>newLargestServiceUrl</a:t>
+            </a:r>
+            <a:r>
+              <a:rPr lang="pl-PL" sz="1100" dirty="0">
+                <a:solidFill>
+                  <a:srgbClr val="000000"/>
+                </a:solidFill>
+                <a:latin typeface="Consolas"/>
+              </a:rPr>
+              <a:t>, </a:t>
+            </a:r>
+            <a:r>
+              <a:rPr lang="pl-PL" sz="1100" dirty="0" err="1">
+                <a:solidFill>
+                  <a:srgbClr val="0000C0"/>
+                </a:solidFill>
+                <a:latin typeface="Consolas"/>
+              </a:rPr>
+              <a:t>digestRequest</a:t>
+            </a:r>
+            <a:r>
+              <a:rPr lang="pl-PL" sz="1100" dirty="0">
+                <a:solidFill>
+                  <a:srgbClr val="000000"/>
+                </a:solidFill>
+                <a:latin typeface="Consolas"/>
+              </a:rPr>
+              <a:t>);</a:t>
+            </a:r>
+          </a:p>
+          <a:p>
+            <a:r>
+              <a:rPr lang="pl-PL" sz="1100" dirty="0" smtClean="0">
+                <a:solidFill>
+                  <a:srgbClr val="000000"/>
+                </a:solidFill>
+                <a:latin typeface="Consolas"/>
+              </a:rPr>
+              <a:t>              </a:t>
+            </a:r>
+            <a:r>
+              <a:rPr lang="pl-PL" sz="1100" dirty="0" err="1">
+                <a:solidFill>
+                  <a:srgbClr val="6A3E3E"/>
+                </a:solidFill>
+                <a:latin typeface="Consolas"/>
+              </a:rPr>
+              <a:t>newLargestFallbackInstance</a:t>
+            </a:r>
+            <a:r>
+              <a:rPr lang="pl-PL" sz="1100" dirty="0" err="1">
+                <a:solidFill>
+                  <a:srgbClr val="000000"/>
+                </a:solidFill>
+                <a:latin typeface="Consolas"/>
+              </a:rPr>
+              <a:t>.scheduleCleanup</a:t>
+            </a:r>
+            <a:r>
+              <a:rPr lang="pl-PL" sz="1100" dirty="0">
+                <a:solidFill>
+                  <a:srgbClr val="000000"/>
+                </a:solidFill>
+                <a:latin typeface="Consolas"/>
+              </a:rPr>
+              <a:t>(55, </a:t>
+            </a:r>
+            <a:r>
+              <a:rPr lang="pl-PL" sz="1100" dirty="0" err="1">
+                <a:solidFill>
+                  <a:srgbClr val="000000"/>
+                </a:solidFill>
+                <a:latin typeface="Consolas"/>
+              </a:rPr>
+              <a:t>TimeUnit.</a:t>
+            </a:r>
+            <a:r>
+              <a:rPr lang="pl-PL" sz="1100" b="1" i="1" dirty="0" err="1">
+                <a:solidFill>
+                  <a:srgbClr val="0000C0"/>
+                </a:solidFill>
+                <a:latin typeface="Consolas"/>
+              </a:rPr>
+              <a:t>MINUTES</a:t>
+            </a:r>
+            <a:r>
+              <a:rPr lang="pl-PL" sz="1100" b="1" i="1" dirty="0">
+                <a:solidFill>
+                  <a:srgbClr val="000000"/>
+                </a:solidFill>
+                <a:latin typeface="Consolas"/>
+              </a:rPr>
+              <a:t>);</a:t>
+            </a:r>
+          </a:p>
+          <a:p>
+            <a:r>
+              <a:rPr lang="pl-PL" sz="1100" dirty="0" smtClean="0">
+                <a:solidFill>
+                  <a:srgbClr val="000000"/>
+                </a:solidFill>
+                <a:latin typeface="Consolas"/>
+              </a:rPr>
+              <a:t>              </a:t>
+            </a:r>
+            <a:r>
+              <a:rPr lang="pl-PL" sz="1100" b="1" dirty="0">
+                <a:solidFill>
+                  <a:srgbClr val="7F0055"/>
+                </a:solidFill>
+                <a:latin typeface="Consolas"/>
+              </a:rPr>
+              <a:t>return</a:t>
+            </a:r>
+            <a:r>
+              <a:rPr lang="pl-PL" sz="1100" b="1" dirty="0">
+                <a:solidFill>
+                  <a:srgbClr val="000000"/>
+                </a:solidFill>
+                <a:latin typeface="Consolas"/>
+              </a:rPr>
+              <a:t> </a:t>
+            </a:r>
+            <a:r>
+              <a:rPr lang="pl-PL" sz="1100" b="1" dirty="0" err="1">
+                <a:solidFill>
+                  <a:srgbClr val="6A3E3E"/>
+                </a:solidFill>
+                <a:latin typeface="Consolas"/>
+              </a:rPr>
+              <a:t>response</a:t>
+            </a:r>
+            <a:r>
+              <a:rPr lang="pl-PL" sz="1100" b="1" dirty="0">
+                <a:solidFill>
+                  <a:srgbClr val="000000"/>
+                </a:solidFill>
+                <a:latin typeface="Consolas"/>
+              </a:rPr>
+              <a:t>;</a:t>
+            </a:r>
+          </a:p>
+          <a:p>
+            <a:r>
+              <a:rPr lang="pl-PL" sz="1100" dirty="0" smtClean="0">
+                <a:solidFill>
+                  <a:srgbClr val="000000"/>
+                </a:solidFill>
+                <a:latin typeface="Consolas"/>
+              </a:rPr>
+              <a:t>          </a:t>
+            </a:r>
+            <a:r>
+              <a:rPr lang="pl-PL" sz="1100" dirty="0">
+                <a:solidFill>
+                  <a:srgbClr val="000000"/>
+                </a:solidFill>
+                <a:latin typeface="Consolas"/>
+              </a:rPr>
+              <a:t>}</a:t>
+            </a:r>
+          </a:p>
+          <a:p>
+            <a:r>
+              <a:rPr lang="pl-PL" sz="1100" dirty="0" smtClean="0">
+                <a:solidFill>
+                  <a:srgbClr val="000000"/>
+                </a:solidFill>
+                <a:latin typeface="Consolas"/>
+              </a:rPr>
+              <a:t>      </a:t>
+            </a:r>
+            <a:r>
+              <a:rPr lang="pl-PL" sz="1100" dirty="0">
+                <a:solidFill>
+                  <a:srgbClr val="000000"/>
+                </a:solidFill>
+                <a:latin typeface="Consolas"/>
+              </a:rPr>
+              <a:t>}</a:t>
+            </a:r>
+          </a:p>
+          <a:p>
+            <a:r>
+              <a:rPr lang="pl-PL" sz="1100" dirty="0" smtClean="0">
+                <a:solidFill>
+                  <a:srgbClr val="000000"/>
+                </a:solidFill>
+                <a:latin typeface="Consolas"/>
+              </a:rPr>
+              <a:t>      </a:t>
+            </a:r>
+            <a:r>
+              <a:rPr lang="pl-PL" sz="1100" b="1" dirty="0">
+                <a:solidFill>
+                  <a:srgbClr val="7F0055"/>
+                </a:solidFill>
+                <a:latin typeface="Consolas"/>
+              </a:rPr>
+              <a:t>return</a:t>
+            </a:r>
+            <a:r>
+              <a:rPr lang="pl-PL" sz="1100" b="1" dirty="0">
+                <a:solidFill>
+                  <a:srgbClr val="000000"/>
+                </a:solidFill>
+                <a:latin typeface="Consolas"/>
+              </a:rPr>
+              <a:t> </a:t>
+            </a:r>
+            <a:r>
+              <a:rPr lang="pl-PL" sz="1100" b="1" dirty="0" err="1">
+                <a:solidFill>
+                  <a:srgbClr val="0000C0"/>
+                </a:solidFill>
+                <a:latin typeface="Consolas"/>
+              </a:rPr>
+              <a:t>response</a:t>
+            </a:r>
+            <a:r>
+              <a:rPr lang="pl-PL" sz="1100" b="1" dirty="0">
+                <a:solidFill>
+                  <a:srgbClr val="000000"/>
+                </a:solidFill>
+                <a:latin typeface="Consolas"/>
+              </a:rPr>
+              <a:t>;</a:t>
+            </a:r>
+            <a:endParaRPr lang="pl-PL" sz="1100" dirty="0"/>
+          </a:p>
+        </p:txBody>
+      </p:sp>
+      <p:pic>
+        <p:nvPicPr>
+          <p:cNvPr id="5" name="Picture 2"/>
+          <p:cNvPicPr>
+            <a:picLocks noChangeAspect="1" noChangeArrowheads="1"/>
+          </p:cNvPicPr>
+          <p:nvPr/>
+        </p:nvPicPr>
+        <p:blipFill>
+          <a:blip r:embed="rId2">
+            <a:extLst>
+              <a:ext uri="{28A0092B-C50C-407E-A947-70E740481C1C}">
+                <a14:useLocalDpi xmlns:a14="http://schemas.microsoft.com/office/drawing/2010/main" val="0"/>
+              </a:ext>
+            </a:extLst>
+          </a:blip>
+          <a:srcRect/>
+          <a:stretch>
+            <a:fillRect/>
+          </a:stretch>
+        </p:blipFill>
+        <p:spPr bwMode="auto">
+          <a:xfrm>
+            <a:off x="89173" y="6263811"/>
+            <a:ext cx="2114209" cy="549565"/>
+          </a:xfrm>
+          <a:prstGeom prst="rect">
+            <a:avLst/>
+          </a:prstGeom>
+          <a:noFill/>
+          <a:ln>
+            <a:noFill/>
+          </a:ln>
+          <a:effectLst>
+            <a:outerShdw blurRad="50800" dist="50800" dir="5400000" algn="ctr" rotWithShape="0">
+              <a:srgbClr val="000000">
+                <a:alpha val="3000"/>
+              </a:srgbClr>
+            </a:outerShdw>
+          </a:effectLst>
+          <a:extLst>
+            <a:ext uri="{909E8E84-426E-40DD-AFC4-6F175D3DCCD1}">
+              <a14:hiddenFill xmlns:a14="http://schemas.microsoft.com/office/drawing/2010/main">
+                <a:solidFill>
+                  <a:schemeClr val="accent1"/>
+                </a:solidFill>
+              </a14:hiddenFill>
+            </a:ext>
+            <a:ext uri="{91240B29-F687-4F45-9708-019B960494DF}">
+              <a14:hiddenLine xmlns:a14="http://schemas.microsoft.com/office/drawing/2010/main" w="9525">
+                <a:solidFill>
+                  <a:schemeClr val="tx1"/>
+                </a:solidFill>
+                <a:miter lim="800000"/>
+                <a:headEnd/>
+                <a:tailEnd/>
+              </a14:hiddenLine>
+            </a:ext>
+          </a:extLst>
+        </p:spPr>
+      </p:pic>
+    </p:spTree>
+    <p:extLst>
+      <p:ext uri="{BB962C8B-B14F-4D97-AF65-F5344CB8AC3E}">
+        <p14:creationId xmlns:p14="http://schemas.microsoft.com/office/powerpoint/2010/main" val="2796664311"/>
+      </p:ext>
+    </p:extLst>
+  </p:cSld>
+  <p:clrMapOvr>
+    <a:masterClrMapping/>
+  </p:clrMapOvr>
+  <p:timing>
+    <p:tnLst>
+      <p:par>
+        <p:cTn id="1" dur="indefinite" restart="never" nodeType="tmRoot"/>
+      </p:par>
+    </p:tnLst>
+  </p:timing>
+</p:sld>
+</file>
+
+<file path=ppt/slides/slide42.xml><?xml version="1.0" encoding="utf-8"?>
+<p:sld xmlns:a="http://schemas.openxmlformats.org/drawingml/2006/main" xmlns:r="http://schemas.openxmlformats.org/officeDocument/2006/relationships" xmlns:p="http://schemas.openxmlformats.org/presentationml/2006/main">
+  <p:cSld>
+    <p:spTree>
+      <p:nvGrpSpPr>
+        <p:cNvPr id="1" name=""/>
+        <p:cNvGrpSpPr/>
+        <p:nvPr/>
+      </p:nvGrpSpPr>
+      <p:grpSpPr>
+        <a:xfrm>
+          <a:off x="0" y="0"/>
+          <a:ext cx="0" cy="0"/>
+          <a:chOff x="0" y="0"/>
+          <a:chExt cx="0" cy="0"/>
+        </a:xfrm>
+      </p:grpSpPr>
+      <p:sp>
+        <p:nvSpPr>
+          <p:cNvPr id="2" name="Title 1"/>
+          <p:cNvSpPr>
+            <a:spLocks noGrp="1"/>
+          </p:cNvSpPr>
+          <p:nvPr>
+            <p:ph type="title"/>
+          </p:nvPr>
+        </p:nvSpPr>
+        <p:spPr/>
+        <p:txBody>
+          <a:bodyPr>
+            <a:normAutofit/>
+          </a:bodyPr>
+          <a:lstStyle/>
+          <a:p>
+            <a:r>
+              <a:rPr lang="en-US" sz="3600" dirty="0"/>
               <a:t>Exercise 4. </a:t>
             </a:r>
             <a:r>
@@ -17797,7 +18331,7 @@
 </p:sld>
 </file>
 
-<file path=ppt/slides/slide41.xml><?xml version="1.0" encoding="utf-8"?>
+<file path=ppt/slides/slide43.xml><?xml version="1.0" encoding="utf-8"?>
 <p:sld xmlns:a="http://schemas.openxmlformats.org/drawingml/2006/main" xmlns:r="http://schemas.openxmlformats.org/officeDocument/2006/relationships" xmlns:p="http://schemas.openxmlformats.org/presentationml/2006/main">
   <p:cSld>
     <p:spTree>
@@ -17830,7 +18364,7 @@
           <a:lstStyle/>
           <a:p>
             <a:r>
-              <a:rPr lang="en-US" dirty="0" smtClean="0"/>
+              <a:rPr lang="en-US" sz="3600" dirty="0" smtClean="0"/>
               <a:t>Challenges</a:t>
             </a:r>
             <a:endParaRPr lang="pl-PL" dirty="0"/>
@@ -17847,47 +18381,124 @@
             <p:ph idx="1"/>
           </p:nvPr>
         </p:nvSpPr>
-        <p:spPr/>
+        <p:spPr>
+          <a:xfrm>
+            <a:off x="457200" y="1600200"/>
+            <a:ext cx="8229600" cy="4997152"/>
+          </a:xfrm>
+        </p:spPr>
         <p:txBody>
-          <a:bodyPr/>
+          <a:bodyPr>
+            <a:normAutofit fontScale="85000" lnSpcReduction="20000"/>
+          </a:bodyPr>
           <a:lstStyle/>
           <a:p>
             <a:r>
-              <a:rPr lang="en-US" dirty="0" smtClean="0"/>
+              <a:rPr lang="en-US" sz="2800" dirty="0" smtClean="0"/>
               <a:t>Scaling down is extremely tricky…</a:t>
             </a:r>
           </a:p>
           <a:p>
-            <a:r>
-              <a:rPr lang="en-US" dirty="0" smtClean="0"/>
+            <a:endParaRPr lang="en-US" sz="2800" dirty="0" smtClean="0"/>
+          </a:p>
+          <a:p>
+            <a:endParaRPr lang="en-US" sz="2800" dirty="0"/>
+          </a:p>
+          <a:p>
+            <a:endParaRPr lang="en-US" sz="2800" dirty="0" smtClean="0"/>
+          </a:p>
+          <a:p>
+            <a:endParaRPr lang="en-US" sz="2800" dirty="0"/>
+          </a:p>
+          <a:p>
+            <a:endParaRPr lang="en-US" sz="2800" dirty="0" smtClean="0"/>
+          </a:p>
+          <a:p>
+            <a:endParaRPr lang="en-US" sz="2800" dirty="0"/>
+          </a:p>
+          <a:p>
+            <a:endParaRPr lang="en-US" sz="2800" dirty="0" smtClean="0"/>
+          </a:p>
+          <a:p>
+            <a:endParaRPr lang="en-US" sz="2800" dirty="0" smtClean="0"/>
+          </a:p>
+          <a:p>
+            <a:r>
+              <a:rPr lang="en-US" sz="2800" dirty="0" smtClean="0"/>
               <a:t>Our approach: Assassin and Seppuku</a:t>
             </a:r>
           </a:p>
           <a:p>
             <a:r>
-              <a:rPr lang="en-US" dirty="0" smtClean="0"/>
+              <a:rPr lang="en-US" sz="2800" dirty="0" smtClean="0"/>
               <a:t>Think of a “machine” as sort of a</a:t>
             </a:r>
             <a:r>
-              <a:rPr lang="en-US" dirty="0"/>
+              <a:rPr lang="en-US" sz="2800" dirty="0"/>
               <a:t> </a:t>
             </a:r>
             <a:r>
-              <a:rPr lang="en-US" dirty="0" smtClean="0"/>
-              <a:t>process or thread rather than a stable </a:t>
-            </a:r>
-            <a:r>
-              <a:rPr lang="en-US" dirty="0"/>
-              <a:t>infrastructure </a:t>
-            </a:r>
-            <a:r>
-              <a:rPr lang="en-US" dirty="0" smtClean="0"/>
-              <a:t>component</a:t>
-            </a:r>
-            <a:endParaRPr lang="pl-PL" dirty="0"/>
+              <a:rPr lang="en-US" sz="2800" dirty="0" smtClean="0"/>
+              <a:t>process or thread rather than a stable infrastructure component</a:t>
+            </a:r>
+            <a:endParaRPr lang="pl-PL" sz="2800" dirty="0"/>
           </a:p>
         </p:txBody>
       </p:sp>
+      <p:pic>
+        <p:nvPicPr>
+          <p:cNvPr id="1026" name="Picture 2"/>
+          <p:cNvPicPr>
+            <a:picLocks noChangeAspect="1" noChangeArrowheads="1"/>
+          </p:cNvPicPr>
+          <p:nvPr/>
+        </p:nvPicPr>
+        <p:blipFill>
+          <a:blip r:embed="rId2">
+            <a:extLst>
+              <a:ext uri="{28A0092B-C50C-407E-A947-70E740481C1C}">
+                <a14:useLocalDpi xmlns:a14="http://schemas.microsoft.com/office/drawing/2010/main" val="0"/>
+              </a:ext>
+            </a:extLst>
+          </a:blip>
+          <a:srcRect/>
+          <a:stretch>
+            <a:fillRect/>
+          </a:stretch>
+        </p:blipFill>
+        <p:spPr bwMode="auto">
+          <a:xfrm>
+            <a:off x="1115616" y="2067873"/>
+            <a:ext cx="6624736" cy="2585263"/>
+          </a:xfrm>
+          <a:prstGeom prst="rect">
+            <a:avLst/>
+          </a:prstGeom>
+          <a:noFill/>
+          <a:ln>
+            <a:noFill/>
+          </a:ln>
+          <a:extLst>
+            <a:ext uri="{909E8E84-426E-40DD-AFC4-6F175D3DCCD1}">
+              <a14:hiddenFill xmlns:a14="http://schemas.microsoft.com/office/drawing/2010/main">
+                <a:solidFill>
+                  <a:schemeClr val="accent1"/>
+                </a:solidFill>
+              </a14:hiddenFill>
+            </a:ext>
+            <a:ext uri="{91240B29-F687-4F45-9708-019B960494DF}">
+              <a14:hiddenLine xmlns:a14="http://schemas.microsoft.com/office/drawing/2010/main" w="9525">
+                <a:solidFill>
+                  <a:schemeClr val="tx1"/>
+                </a:solidFill>
+                <a:miter lim="800000"/>
+                <a:headEnd/>
+                <a:tailEnd/>
+              </a14:hiddenLine>
+            </a:ext>
+          </a:extLst>
+        </p:spPr>
+      </p:pic>
     </p:spTree>
     <p:extLst>
       <p:ext uri="{BB962C8B-B14F-4D97-AF65-F5344CB8AC3E}">
@@ -18222,7 +18833,11 @@
           <a:p>
             <a:r>
               <a:rPr lang="en-US" sz="3600" dirty="0" smtClean="0"/>
-              <a:t>Set appropriate Region</a:t>
+              <a:t>Set the </a:t>
+            </a:r>
+            <a:r>
+              <a:rPr lang="en-US" sz="3600" dirty="0" smtClean="0"/>
+              <a:t>appropriate Region</a:t>
             </a:r>
             <a:endParaRPr lang="pl-PL" sz="3600" dirty="0"/>
           </a:p>
@@ -18251,7 +18866,7 @@
         </p:blipFill>
         <p:spPr bwMode="auto">
           <a:xfrm>
-            <a:off x="2627784" y="2924944"/>
+            <a:off x="2699792" y="2924944"/>
             <a:ext cx="3619500" cy="1438275"/>
           </a:xfrm>
           <a:prstGeom prst="rect">
@@ -19051,7 +19666,7 @@
         </p:blipFill>
         <p:spPr bwMode="auto">
           <a:xfrm>
-            <a:off x="179512" y="404664"/>
+            <a:off x="107504" y="332656"/>
             <a:ext cx="8712968" cy="5289077"/>
           </a:xfrm>
           <a:prstGeom prst="rect">
@@ -19130,6 +19745,93 @@
           </a:extLst>
         </p:spPr>
       </p:pic>
+      <p:sp>
+        <p:nvSpPr>
+          <p:cNvPr id="2" name="TextBox 1"/>
+          <p:cNvSpPr txBox="1"/>
+          <p:nvPr/>
+        </p:nvSpPr>
+        <p:spPr>
+          <a:xfrm>
+            <a:off x="179512" y="345430"/>
+            <a:ext cx="4259268" cy="923330"/>
+          </a:xfrm>
+          <a:prstGeom prst="rect">
+            <a:avLst/>
+          </a:prstGeom>
+          <a:noFill/>
+        </p:spPr>
+        <p:txBody>
+          <a:bodyPr wrap="square" rtlCol="0">
+            <a:spAutoFit/>
+          </a:bodyPr>
+          <a:lstStyle/>
+          <a:p>
+            <a:r>
+              <a:rPr lang="en-US" dirty="0" smtClean="0"/>
+              <a:t>You say “</a:t>
+            </a:r>
+            <a:r>
+              <a:rPr lang="en-US" dirty="0"/>
+              <a:t>web </a:t>
+            </a:r>
+            <a:r>
+              <a:rPr lang="en-US" dirty="0" smtClean="0"/>
+              <a:t>service” or “web app” - you typically think of</a:t>
+            </a:r>
+            <a:br>
+              <a:rPr lang="en-US" dirty="0" smtClean="0"/>
+            </a:br>
+            <a:r>
+              <a:rPr lang="en-US" b="1" dirty="0" smtClean="0"/>
+              <a:t>“war” or “ear” file</a:t>
+            </a:r>
+            <a:endParaRPr lang="pl-PL" b="1" dirty="0"/>
+          </a:p>
+        </p:txBody>
+      </p:sp>
+      <p:sp>
+        <p:nvSpPr>
+          <p:cNvPr id="5" name="TextBox 4"/>
+          <p:cNvSpPr txBox="1"/>
+          <p:nvPr/>
+        </p:nvSpPr>
+        <p:spPr>
+          <a:xfrm>
+            <a:off x="3282067" y="5802146"/>
+            <a:ext cx="5718400" cy="923330"/>
+          </a:xfrm>
+          <a:prstGeom prst="rect">
+            <a:avLst/>
+          </a:prstGeom>
+          <a:noFill/>
+        </p:spPr>
+        <p:txBody>
+          <a:bodyPr wrap="square" rtlCol="0">
+            <a:spAutoFit/>
+          </a:bodyPr>
+          <a:lstStyle/>
+          <a:p>
+            <a:r>
+              <a:rPr lang="en-US" dirty="0" smtClean="0"/>
+              <a:t>I say “</a:t>
+            </a:r>
+            <a:r>
+              <a:rPr lang="en-US" dirty="0"/>
+              <a:t>web </a:t>
+            </a:r>
+            <a:r>
+              <a:rPr lang="en-US" dirty="0" smtClean="0"/>
+              <a:t>service” or “web app” - I think of set of components making up a new notion of “service”: </a:t>
+            </a:r>
+            <a:r>
+              <a:rPr lang="en-US" b="1" dirty="0" smtClean="0"/>
+              <a:t>“war/ear” file + ASG + ELB</a:t>
+            </a:r>
+            <a:endParaRPr lang="pl-PL" b="1" dirty="0"/>
+          </a:p>
+        </p:txBody>
+      </p:sp>
     </p:spTree>
     <p:extLst>
       <p:ext uri="{BB962C8B-B14F-4D97-AF65-F5344CB8AC3E}">

--- a/presentations/aws_ha_workshops.pptx
+++ b/presentations/aws_ha_workshops.pptx
@@ -5,7 +5,7 @@
     <p:sldMasterId id="2147483648" r:id="rId1"/>
   </p:sldMasterIdLst>
   <p:notesMasterIdLst>
-    <p:notesMasterId r:id="rId45"/>
+    <p:notesMasterId r:id="rId51"/>
   </p:notesMasterIdLst>
   <p:sldIdLst>
     <p:sldId id="256" r:id="rId2"/>
@@ -17,40 +17,46 @@
     <p:sldId id="258" r:id="rId8"/>
     <p:sldId id="290" r:id="rId9"/>
     <p:sldId id="291" r:id="rId10"/>
-    <p:sldId id="265" r:id="rId11"/>
-    <p:sldId id="263" r:id="rId12"/>
-    <p:sldId id="288" r:id="rId13"/>
-    <p:sldId id="264" r:id="rId14"/>
-    <p:sldId id="266" r:id="rId15"/>
-    <p:sldId id="301" r:id="rId16"/>
-    <p:sldId id="267" r:id="rId17"/>
-    <p:sldId id="261" r:id="rId18"/>
-    <p:sldId id="273" r:id="rId19"/>
-    <p:sldId id="268" r:id="rId20"/>
-    <p:sldId id="269" r:id="rId21"/>
-    <p:sldId id="272" r:id="rId22"/>
-    <p:sldId id="271" r:id="rId23"/>
-    <p:sldId id="270" r:id="rId24"/>
-    <p:sldId id="276" r:id="rId25"/>
-    <p:sldId id="277" r:id="rId26"/>
-    <p:sldId id="278" r:id="rId27"/>
-    <p:sldId id="302" r:id="rId28"/>
-    <p:sldId id="259" r:id="rId29"/>
-    <p:sldId id="279" r:id="rId30"/>
-    <p:sldId id="295" r:id="rId31"/>
-    <p:sldId id="285" r:id="rId32"/>
-    <p:sldId id="303" r:id="rId33"/>
-    <p:sldId id="289" r:id="rId34"/>
-    <p:sldId id="298" r:id="rId35"/>
-    <p:sldId id="293" r:id="rId36"/>
-    <p:sldId id="280" r:id="rId37"/>
-    <p:sldId id="294" r:id="rId38"/>
-    <p:sldId id="296" r:id="rId39"/>
-    <p:sldId id="283" r:id="rId40"/>
-    <p:sldId id="282" r:id="rId41"/>
-    <p:sldId id="286" r:id="rId42"/>
-    <p:sldId id="297" r:id="rId43"/>
-    <p:sldId id="299" r:id="rId44"/>
+    <p:sldId id="308" r:id="rId11"/>
+    <p:sldId id="265" r:id="rId12"/>
+    <p:sldId id="263" r:id="rId13"/>
+    <p:sldId id="288" r:id="rId14"/>
+    <p:sldId id="264" r:id="rId15"/>
+    <p:sldId id="266" r:id="rId16"/>
+    <p:sldId id="301" r:id="rId17"/>
+    <p:sldId id="267" r:id="rId18"/>
+    <p:sldId id="261" r:id="rId19"/>
+    <p:sldId id="273" r:id="rId20"/>
+    <p:sldId id="268" r:id="rId21"/>
+    <p:sldId id="269" r:id="rId22"/>
+    <p:sldId id="272" r:id="rId23"/>
+    <p:sldId id="271" r:id="rId24"/>
+    <p:sldId id="270" r:id="rId25"/>
+    <p:sldId id="276" r:id="rId26"/>
+    <p:sldId id="277" r:id="rId27"/>
+    <p:sldId id="278" r:id="rId28"/>
+    <p:sldId id="302" r:id="rId29"/>
+    <p:sldId id="259" r:id="rId30"/>
+    <p:sldId id="279" r:id="rId31"/>
+    <p:sldId id="295" r:id="rId32"/>
+    <p:sldId id="304" r:id="rId33"/>
+    <p:sldId id="305" r:id="rId34"/>
+    <p:sldId id="306" r:id="rId35"/>
+    <p:sldId id="309" r:id="rId36"/>
+    <p:sldId id="307" r:id="rId37"/>
+    <p:sldId id="285" r:id="rId38"/>
+    <p:sldId id="303" r:id="rId39"/>
+    <p:sldId id="289" r:id="rId40"/>
+    <p:sldId id="298" r:id="rId41"/>
+    <p:sldId id="293" r:id="rId42"/>
+    <p:sldId id="280" r:id="rId43"/>
+    <p:sldId id="294" r:id="rId44"/>
+    <p:sldId id="283" r:id="rId45"/>
+    <p:sldId id="282" r:id="rId46"/>
+    <p:sldId id="296" r:id="rId47"/>
+    <p:sldId id="286" r:id="rId48"/>
+    <p:sldId id="297" r:id="rId49"/>
+    <p:sldId id="299" r:id="rId50"/>
   </p:sldIdLst>
   <p:sldSz cx="9144000" cy="6858000" type="screen4x3"/>
   <p:notesSz cx="6858000" cy="9144000"/>
@@ -234,7 +240,7 @@
           <a:p>
             <a:fld id="{4FCB940D-A35E-492A-9AF7-403ECB6582B3}" type="datetimeFigureOut">
               <a:rPr lang="pl-PL" smtClean="0"/>
-              <a:t>2014-09-22</a:t>
+              <a:t>2014-09-23</a:t>
             </a:fld>
             <a:endParaRPr lang="pl-PL"/>
           </a:p>
@@ -567,7 +573,7 @@
           <a:p>
             <a:fld id="{B968731D-1AB3-4882-B6B0-BF5E3F29E4E1}" type="slidenum">
               <a:rPr lang="pl-PL" smtClean="0"/>
-              <a:t>34</a:t>
+              <a:t>40</a:t>
             </a:fld>
             <a:endParaRPr lang="pl-PL"/>
           </a:p>
@@ -851,7 +857,7 @@
           <a:p>
             <a:fld id="{457CC8CD-1B12-42F7-8F2A-8D88273D1FDC}" type="datetimeFigureOut">
               <a:rPr lang="pl-PL" smtClean="0"/>
-              <a:t>2014-09-22</a:t>
+              <a:t>2014-09-23</a:t>
             </a:fld>
             <a:endParaRPr lang="pl-PL"/>
           </a:p>
@@ -1031,7 +1037,7 @@
           <a:p>
             <a:fld id="{457CC8CD-1B12-42F7-8F2A-8D88273D1FDC}" type="datetimeFigureOut">
               <a:rPr lang="pl-PL" smtClean="0"/>
-              <a:t>2014-09-22</a:t>
+              <a:t>2014-09-23</a:t>
             </a:fld>
             <a:endParaRPr lang="pl-PL"/>
           </a:p>
@@ -1201,7 +1207,7 @@
           <a:p>
             <a:fld id="{457CC8CD-1B12-42F7-8F2A-8D88273D1FDC}" type="datetimeFigureOut">
               <a:rPr lang="pl-PL" smtClean="0"/>
-              <a:t>2014-09-22</a:t>
+              <a:t>2014-09-23</a:t>
             </a:fld>
             <a:endParaRPr lang="pl-PL"/>
           </a:p>
@@ -1447,7 +1453,7 @@
           <a:p>
             <a:fld id="{457CC8CD-1B12-42F7-8F2A-8D88273D1FDC}" type="datetimeFigureOut">
               <a:rPr lang="pl-PL" smtClean="0"/>
-              <a:t>2014-09-22</a:t>
+              <a:t>2014-09-23</a:t>
             </a:fld>
             <a:endParaRPr lang="pl-PL"/>
           </a:p>
@@ -1742,7 +1748,7 @@
           <a:p>
             <a:fld id="{457CC8CD-1B12-42F7-8F2A-8D88273D1FDC}" type="datetimeFigureOut">
               <a:rPr lang="pl-PL" smtClean="0"/>
-              <a:t>2014-09-22</a:t>
+              <a:t>2014-09-23</a:t>
             </a:fld>
             <a:endParaRPr lang="pl-PL"/>
           </a:p>
@@ -2171,7 +2177,7 @@
           <a:p>
             <a:fld id="{457CC8CD-1B12-42F7-8F2A-8D88273D1FDC}" type="datetimeFigureOut">
               <a:rPr lang="pl-PL" smtClean="0"/>
-              <a:t>2014-09-22</a:t>
+              <a:t>2014-09-23</a:t>
             </a:fld>
             <a:endParaRPr lang="pl-PL"/>
           </a:p>
@@ -2296,7 +2302,7 @@
           <a:p>
             <a:fld id="{457CC8CD-1B12-42F7-8F2A-8D88273D1FDC}" type="datetimeFigureOut">
               <a:rPr lang="pl-PL" smtClean="0"/>
-              <a:t>2014-09-22</a:t>
+              <a:t>2014-09-23</a:t>
             </a:fld>
             <a:endParaRPr lang="pl-PL"/>
           </a:p>
@@ -2398,7 +2404,7 @@
           <a:p>
             <a:fld id="{457CC8CD-1B12-42F7-8F2A-8D88273D1FDC}" type="datetimeFigureOut">
               <a:rPr lang="pl-PL" smtClean="0"/>
-              <a:t>2014-09-22</a:t>
+              <a:t>2014-09-23</a:t>
             </a:fld>
             <a:endParaRPr lang="pl-PL"/>
           </a:p>
@@ -2675,7 +2681,7 @@
           <a:p>
             <a:fld id="{457CC8CD-1B12-42F7-8F2A-8D88273D1FDC}" type="datetimeFigureOut">
               <a:rPr lang="pl-PL" smtClean="0"/>
-              <a:t>2014-09-22</a:t>
+              <a:t>2014-09-23</a:t>
             </a:fld>
             <a:endParaRPr lang="pl-PL"/>
           </a:p>
@@ -2928,7 +2934,7 @@
           <a:p>
             <a:fld id="{457CC8CD-1B12-42F7-8F2A-8D88273D1FDC}" type="datetimeFigureOut">
               <a:rPr lang="pl-PL" smtClean="0"/>
-              <a:t>2014-09-22</a:t>
+              <a:t>2014-09-23</a:t>
             </a:fld>
             <a:endParaRPr lang="pl-PL"/>
           </a:p>
@@ -3141,7 +3147,7 @@
           <a:p>
             <a:fld id="{457CC8CD-1B12-42F7-8F2A-8D88273D1FDC}" type="datetimeFigureOut">
               <a:rPr lang="pl-PL" smtClean="0"/>
-              <a:t>2014-09-22</a:t>
+              <a:t>2014-09-23</a:t>
             </a:fld>
             <a:endParaRPr lang="pl-PL"/>
           </a:p>
@@ -3686,6 +3692,234 @@
           <a:chExt cx="0" cy="0"/>
         </a:xfrm>
       </p:grpSpPr>
+      <p:pic>
+        <p:nvPicPr>
+          <p:cNvPr id="2050" name="Picture 2" descr="C:\visio\ns_arch.png"/>
+          <p:cNvPicPr>
+            <a:picLocks noChangeAspect="1" noChangeArrowheads="1"/>
+          </p:cNvPicPr>
+          <p:nvPr/>
+        </p:nvPicPr>
+        <p:blipFill>
+          <a:blip r:embed="rId2">
+            <a:extLst>
+              <a:ext uri="{28A0092B-C50C-407E-A947-70E740481C1C}">
+                <a14:useLocalDpi xmlns:a14="http://schemas.microsoft.com/office/drawing/2010/main" val="0"/>
+              </a:ext>
+            </a:extLst>
+          </a:blip>
+          <a:srcRect/>
+          <a:stretch>
+            <a:fillRect/>
+          </a:stretch>
+        </p:blipFill>
+        <p:spPr bwMode="auto">
+          <a:xfrm>
+            <a:off x="179512" y="1308275"/>
+            <a:ext cx="8712968" cy="5289077"/>
+          </a:xfrm>
+          <a:prstGeom prst="rect">
+            <a:avLst/>
+          </a:prstGeom>
+          <a:noFill/>
+          <a:extLst>
+            <a:ext uri="{909E8E84-426E-40DD-AFC4-6F175D3DCCD1}">
+              <a14:hiddenFill xmlns:a14="http://schemas.microsoft.com/office/drawing/2010/main">
+                <a:solidFill>
+                  <a:srgbClr val="FFFFFF"/>
+                </a:solidFill>
+              </a14:hiddenFill>
+            </a:ext>
+          </a:extLst>
+        </p:spPr>
+      </p:pic>
+      <p:pic>
+        <p:nvPicPr>
+          <p:cNvPr id="3" name="Picture 2"/>
+          <p:cNvPicPr>
+            <a:picLocks noChangeAspect="1" noChangeArrowheads="1"/>
+          </p:cNvPicPr>
+          <p:nvPr/>
+        </p:nvPicPr>
+        <p:blipFill>
+          <a:blip r:embed="rId3">
+            <a:extLst>
+              <a:ext uri="{28A0092B-C50C-407E-A947-70E740481C1C}">
+                <a14:useLocalDpi xmlns:a14="http://schemas.microsoft.com/office/drawing/2010/main" val="0"/>
+              </a:ext>
+            </a:extLst>
+          </a:blip>
+          <a:srcRect/>
+          <a:stretch>
+            <a:fillRect/>
+          </a:stretch>
+        </p:blipFill>
+        <p:spPr bwMode="auto">
+          <a:xfrm>
+            <a:off x="89173" y="6263811"/>
+            <a:ext cx="2114209" cy="549565"/>
+          </a:xfrm>
+          <a:prstGeom prst="rect">
+            <a:avLst/>
+          </a:prstGeom>
+          <a:noFill/>
+          <a:ln>
+            <a:noFill/>
+          </a:ln>
+          <a:effectLst>
+            <a:outerShdw blurRad="50800" dist="50800" dir="5400000" algn="ctr" rotWithShape="0">
+              <a:srgbClr val="000000">
+                <a:alpha val="3000"/>
+              </a:srgbClr>
+            </a:outerShdw>
+          </a:effectLst>
+          <a:extLst>
+            <a:ext uri="{909E8E84-426E-40DD-AFC4-6F175D3DCCD1}">
+              <a14:hiddenFill xmlns:a14="http://schemas.microsoft.com/office/drawing/2010/main">
+                <a:solidFill>
+                  <a:schemeClr val="accent1"/>
+                </a:solidFill>
+              </a14:hiddenFill>
+            </a:ext>
+            <a:ext uri="{91240B29-F687-4F45-9708-019B960494DF}">
+              <a14:hiddenLine xmlns:a14="http://schemas.microsoft.com/office/drawing/2010/main" w="9525">
+                <a:solidFill>
+                  <a:schemeClr val="tx1"/>
+                </a:solidFill>
+                <a:miter lim="800000"/>
+                <a:headEnd/>
+                <a:tailEnd/>
+              </a14:hiddenLine>
+            </a:ext>
+          </a:extLst>
+        </p:spPr>
+      </p:pic>
+      <p:sp>
+        <p:nvSpPr>
+          <p:cNvPr id="5" name="TextBox 4"/>
+          <p:cNvSpPr txBox="1"/>
+          <p:nvPr/>
+        </p:nvSpPr>
+        <p:spPr>
+          <a:xfrm>
+            <a:off x="1937257" y="270093"/>
+            <a:ext cx="6768752" cy="1015663"/>
+          </a:xfrm>
+          <a:prstGeom prst="rect">
+            <a:avLst/>
+          </a:prstGeom>
+          <a:noFill/>
+        </p:spPr>
+        <p:txBody>
+          <a:bodyPr wrap="square" rtlCol="0">
+            <a:spAutoFit/>
+          </a:bodyPr>
+          <a:lstStyle/>
+          <a:p>
+            <a:r>
+              <a:rPr lang="en-US" sz="2000" dirty="0" smtClean="0"/>
+              <a:t>I say “</a:t>
+            </a:r>
+            <a:r>
+              <a:rPr lang="en-US" sz="2000" dirty="0"/>
+              <a:t>web </a:t>
+            </a:r>
+            <a:r>
+              <a:rPr lang="en-US" sz="2000" dirty="0" smtClean="0"/>
+              <a:t>service” or “web app” and</a:t>
+            </a:r>
+          </a:p>
+          <a:p>
+            <a:r>
+              <a:rPr lang="en-US" sz="2000" dirty="0" smtClean="0"/>
+              <a:t>I think of a set of components making up a new notion of “service”: </a:t>
+            </a:r>
+            <a:r>
+              <a:rPr lang="en-US" sz="2000" b="1" u="sng" dirty="0" smtClean="0"/>
+              <a:t>“war/ear” file + ASG + ELB</a:t>
+            </a:r>
+            <a:endParaRPr lang="pl-PL" sz="2000" b="1" u="sng" dirty="0"/>
+          </a:p>
+        </p:txBody>
+      </p:sp>
+      <p:pic>
+        <p:nvPicPr>
+          <p:cNvPr id="4" name="Picture 2" descr="C:\Users\asmolnik\AppData\Local\Microsoft\Windows\Temporary Internet Files\Content.IE5\3AD9IA2Y\MC900097891[1].wmf"/>
+          <p:cNvPicPr>
+            <a:picLocks noChangeAspect="1" noChangeArrowheads="1"/>
+          </p:cNvPicPr>
+          <p:nvPr/>
+        </p:nvPicPr>
+        <p:blipFill>
+          <a:blip r:embed="rId4" cstate="print">
+            <a:extLst>
+              <a:ext uri="{28A0092B-C50C-407E-A947-70E740481C1C}">
+                <a14:useLocalDpi xmlns:a14="http://schemas.microsoft.com/office/drawing/2010/main" val="0"/>
+              </a:ext>
+            </a:extLst>
+          </a:blip>
+          <a:srcRect/>
+          <a:stretch>
+            <a:fillRect/>
+          </a:stretch>
+        </p:blipFill>
+        <p:spPr bwMode="auto">
+          <a:xfrm>
+            <a:off x="145008" y="188640"/>
+            <a:ext cx="1690688" cy="1773237"/>
+          </a:xfrm>
+          <a:prstGeom prst="rect">
+            <a:avLst/>
+          </a:prstGeom>
+          <a:noFill/>
+          <a:extLst>
+            <a:ext uri="{909E8E84-426E-40DD-AFC4-6F175D3DCCD1}">
+              <a14:hiddenFill xmlns:a14="http://schemas.microsoft.com/office/drawing/2010/main">
+                <a:solidFill>
+                  <a:srgbClr val="FFFFFF"/>
+                </a:solidFill>
+              </a14:hiddenFill>
+            </a:ext>
+          </a:extLst>
+        </p:spPr>
+      </p:pic>
+    </p:spTree>
+    <p:extLst>
+      <p:ext uri="{BB962C8B-B14F-4D97-AF65-F5344CB8AC3E}">
+        <p14:creationId xmlns:p14="http://schemas.microsoft.com/office/powerpoint/2010/main" val="278228891"/>
+      </p:ext>
+    </p:extLst>
+  </p:cSld>
+  <p:clrMapOvr>
+    <a:masterClrMapping/>
+  </p:clrMapOvr>
+  <p:timing>
+    <p:tnLst>
+      <p:par>
+        <p:cTn id="1" dur="indefinite" restart="never" nodeType="tmRoot"/>
+      </p:par>
+    </p:tnLst>
+  </p:timing>
+</p:sld>
+</file>
+
+<file path=ppt/slides/slide11.xml><?xml version="1.0" encoding="utf-8"?>
+<p:sld xmlns:a="http://schemas.openxmlformats.org/drawingml/2006/main" xmlns:r="http://schemas.openxmlformats.org/officeDocument/2006/relationships" xmlns:p="http://schemas.openxmlformats.org/presentationml/2006/main">
+  <p:cSld>
+    <p:spTree>
+      <p:nvGrpSpPr>
+        <p:cNvPr id="1" name=""/>
+        <p:cNvGrpSpPr/>
+        <p:nvPr/>
+      </p:nvGrpSpPr>
+      <p:grpSpPr>
+        <a:xfrm>
+          <a:off x="0" y="0"/>
+          <a:ext cx="0" cy="0"/>
+          <a:chOff x="0" y="0"/>
+          <a:chExt cx="0" cy="0"/>
+        </a:xfrm>
+      </p:grpSpPr>
       <p:sp>
         <p:nvSpPr>
           <p:cNvPr id="2" name="Title 1"/>
@@ -3915,7 +4149,7 @@
 </p:sld>
 </file>
 
-<file path=ppt/slides/slide11.xml><?xml version="1.0" encoding="utf-8"?>
+<file path=ppt/slides/slide12.xml><?xml version="1.0" encoding="utf-8"?>
 <p:sld xmlns:a="http://schemas.openxmlformats.org/drawingml/2006/main" xmlns:r="http://schemas.openxmlformats.org/officeDocument/2006/relationships" xmlns:p="http://schemas.openxmlformats.org/presentationml/2006/main">
   <p:cSld>
     <p:spTree>
@@ -4133,7 +4367,7 @@
 </p:sld>
 </file>
 
-<file path=ppt/slides/slide12.xml><?xml version="1.0" encoding="utf-8"?>
+<file path=ppt/slides/slide13.xml><?xml version="1.0" encoding="utf-8"?>
 <p:sld xmlns:a="http://schemas.openxmlformats.org/drawingml/2006/main" xmlns:r="http://schemas.openxmlformats.org/officeDocument/2006/relationships" xmlns:p="http://schemas.openxmlformats.org/presentationml/2006/main">
   <p:cSld>
     <p:spTree>
@@ -4678,7 +4912,7 @@
 </p:sld>
 </file>
 
-<file path=ppt/slides/slide13.xml><?xml version="1.0" encoding="utf-8"?>
+<file path=ppt/slides/slide14.xml><?xml version="1.0" encoding="utf-8"?>
 <p:sld xmlns:a="http://schemas.openxmlformats.org/drawingml/2006/main" xmlns:r="http://schemas.openxmlformats.org/officeDocument/2006/relationships" xmlns:p="http://schemas.openxmlformats.org/presentationml/2006/main">
   <p:cSld>
     <p:spTree>
@@ -4909,7 +5143,7 @@
 </p:sld>
 </file>
 
-<file path=ppt/slides/slide14.xml><?xml version="1.0" encoding="utf-8"?>
+<file path=ppt/slides/slide15.xml><?xml version="1.0" encoding="utf-8"?>
 <p:sld xmlns:a="http://schemas.openxmlformats.org/drawingml/2006/main" xmlns:r="http://schemas.openxmlformats.org/officeDocument/2006/relationships" xmlns:p="http://schemas.openxmlformats.org/presentationml/2006/main">
   <p:cSld>
     <p:spTree>
@@ -5086,7 +5320,7 @@
 </p:sld>
 </file>
 
-<file path=ppt/slides/slide15.xml><?xml version="1.0" encoding="utf-8"?>
+<file path=ppt/slides/slide16.xml><?xml version="1.0" encoding="utf-8"?>
 <p:sld xmlns:a="http://schemas.openxmlformats.org/drawingml/2006/main" xmlns:r="http://schemas.openxmlformats.org/officeDocument/2006/relationships" xmlns:p="http://schemas.openxmlformats.org/presentationml/2006/main">
   <p:cSld>
     <p:spTree>
@@ -5232,214 +5466,6 @@
     <p:extLst>
       <p:ext uri="{BB962C8B-B14F-4D97-AF65-F5344CB8AC3E}">
         <p14:creationId xmlns:p14="http://schemas.microsoft.com/office/powerpoint/2010/main" val="946032297"/>
-      </p:ext>
-    </p:extLst>
-  </p:cSld>
-  <p:clrMapOvr>
-    <a:masterClrMapping/>
-  </p:clrMapOvr>
-  <p:timing>
-    <p:tnLst>
-      <p:par>
-        <p:cTn id="1" dur="indefinite" restart="never" nodeType="tmRoot"/>
-      </p:par>
-    </p:tnLst>
-  </p:timing>
-</p:sld>
-</file>
-
-<file path=ppt/slides/slide16.xml><?xml version="1.0" encoding="utf-8"?>
-<p:sld xmlns:a="http://schemas.openxmlformats.org/drawingml/2006/main" xmlns:r="http://schemas.openxmlformats.org/officeDocument/2006/relationships" xmlns:p="http://schemas.openxmlformats.org/presentationml/2006/main">
-  <p:cSld>
-    <p:spTree>
-      <p:nvGrpSpPr>
-        <p:cNvPr id="1" name=""/>
-        <p:cNvGrpSpPr/>
-        <p:nvPr/>
-      </p:nvGrpSpPr>
-      <p:grpSpPr>
-        <a:xfrm>
-          <a:off x="0" y="0"/>
-          <a:ext cx="0" cy="0"/>
-          <a:chOff x="0" y="0"/>
-          <a:chExt cx="0" cy="0"/>
-        </a:xfrm>
-      </p:grpSpPr>
-      <p:sp>
-        <p:nvSpPr>
-          <p:cNvPr id="2" name="Title 1"/>
-          <p:cNvSpPr>
-            <a:spLocks noGrp="1"/>
-          </p:cNvSpPr>
-          <p:nvPr>
-            <p:ph type="title"/>
-          </p:nvPr>
-        </p:nvSpPr>
-        <p:spPr/>
-        <p:txBody>
-          <a:bodyPr>
-            <a:normAutofit/>
-          </a:bodyPr>
-          <a:lstStyle/>
-          <a:p>
-            <a:r>
-              <a:rPr lang="en-US" sz="3600" dirty="0" smtClean="0"/>
-              <a:t>At times setbacks happens</a:t>
-            </a:r>
-            <a:endParaRPr lang="pl-PL" sz="3600" dirty="0"/>
-          </a:p>
-        </p:txBody>
-      </p:sp>
-      <p:sp>
-        <p:nvSpPr>
-          <p:cNvPr id="3" name="Content Placeholder 2"/>
-          <p:cNvSpPr>
-            <a:spLocks noGrp="1"/>
-          </p:cNvSpPr>
-          <p:nvPr>
-            <p:ph idx="1"/>
-          </p:nvPr>
-        </p:nvSpPr>
-        <p:spPr/>
-        <p:txBody>
-          <a:bodyPr/>
-          <a:lstStyle/>
-          <a:p>
-            <a:r>
-              <a:rPr lang="en-US" dirty="0" smtClean="0"/>
-              <a:t>Central Maven’s repository issue</a:t>
-            </a:r>
-          </a:p>
-          <a:p>
-            <a:pPr marL="0" indent="0">
-              <a:buNone/>
-            </a:pPr>
-            <a:r>
-              <a:rPr lang="pl-PL" sz="1600" dirty="0"/>
-              <a:t>https://forums.aws.amazon.com/thread.jspa?threadID=160097&amp;tstart=0</a:t>
-            </a:r>
-          </a:p>
-        </p:txBody>
-      </p:sp>
-      <p:pic>
-        <p:nvPicPr>
-          <p:cNvPr id="4" name="Picture 2"/>
-          <p:cNvPicPr>
-            <a:picLocks noChangeAspect="1" noChangeArrowheads="1"/>
-          </p:cNvPicPr>
-          <p:nvPr/>
-        </p:nvPicPr>
-        <p:blipFill>
-          <a:blip r:embed="rId2">
-            <a:extLst>
-              <a:ext uri="{28A0092B-C50C-407E-A947-70E740481C1C}">
-                <a14:useLocalDpi xmlns:a14="http://schemas.microsoft.com/office/drawing/2010/main" val="0"/>
-              </a:ext>
-            </a:extLst>
-          </a:blip>
-          <a:srcRect/>
-          <a:stretch>
-            <a:fillRect/>
-          </a:stretch>
-        </p:blipFill>
-        <p:spPr bwMode="auto">
-          <a:xfrm>
-            <a:off x="89173" y="6263811"/>
-            <a:ext cx="2114209" cy="549565"/>
-          </a:xfrm>
-          <a:prstGeom prst="rect">
-            <a:avLst/>
-          </a:prstGeom>
-          <a:noFill/>
-          <a:ln>
-            <a:noFill/>
-          </a:ln>
-          <a:effectLst>
-            <a:outerShdw blurRad="50800" dist="50800" dir="5400000" algn="ctr" rotWithShape="0">
-              <a:srgbClr val="000000">
-                <a:alpha val="3000"/>
-              </a:srgbClr>
-            </a:outerShdw>
-          </a:effectLst>
-          <a:extLst>
-            <a:ext uri="{909E8E84-426E-40DD-AFC4-6F175D3DCCD1}">
-              <a14:hiddenFill xmlns:a14="http://schemas.microsoft.com/office/drawing/2010/main">
-                <a:solidFill>
-                  <a:schemeClr val="accent1"/>
-                </a:solidFill>
-              </a14:hiddenFill>
-            </a:ext>
-            <a:ext uri="{91240B29-F687-4F45-9708-019B960494DF}">
-              <a14:hiddenLine xmlns:a14="http://schemas.microsoft.com/office/drawing/2010/main" w="9525">
-                <a:solidFill>
-                  <a:schemeClr val="tx1"/>
-                </a:solidFill>
-                <a:miter lim="800000"/>
-                <a:headEnd/>
-                <a:tailEnd/>
-              </a14:hiddenLine>
-            </a:ext>
-          </a:extLst>
-        </p:spPr>
-      </p:pic>
-      <p:pic>
-        <p:nvPicPr>
-          <p:cNvPr id="2050" name="Picture 2"/>
-          <p:cNvPicPr>
-            <a:picLocks noChangeAspect="1" noChangeArrowheads="1"/>
-          </p:cNvPicPr>
-          <p:nvPr/>
-        </p:nvPicPr>
-        <p:blipFill>
-          <a:blip r:embed="rId3">
-            <a:extLst>
-              <a:ext uri="{28A0092B-C50C-407E-A947-70E740481C1C}">
-                <a14:useLocalDpi xmlns:a14="http://schemas.microsoft.com/office/drawing/2010/main" val="0"/>
-              </a:ext>
-            </a:extLst>
-          </a:blip>
-          <a:srcRect/>
-          <a:stretch>
-            <a:fillRect/>
-          </a:stretch>
-        </p:blipFill>
-        <p:spPr bwMode="auto">
-          <a:xfrm>
-            <a:off x="1331640" y="2777723"/>
-            <a:ext cx="6522067" cy="3351498"/>
-          </a:xfrm>
-          <a:prstGeom prst="rect">
-            <a:avLst/>
-          </a:prstGeom>
-          <a:noFill/>
-          <a:ln>
-            <a:noFill/>
-          </a:ln>
-          <a:extLst>
-            <a:ext uri="{909E8E84-426E-40DD-AFC4-6F175D3DCCD1}">
-              <a14:hiddenFill xmlns:a14="http://schemas.microsoft.com/office/drawing/2010/main">
-                <a:solidFill>
-                  <a:schemeClr val="accent1"/>
-                </a:solidFill>
-              </a14:hiddenFill>
-            </a:ext>
-            <a:ext uri="{91240B29-F687-4F45-9708-019B960494DF}">
-              <a14:hiddenLine xmlns:a14="http://schemas.microsoft.com/office/drawing/2010/main" w="9525">
-                <a:solidFill>
-                  <a:schemeClr val="tx1"/>
-                </a:solidFill>
-                <a:miter lim="800000"/>
-                <a:headEnd/>
-                <a:tailEnd/>
-              </a14:hiddenLine>
-            </a:ext>
-          </a:extLst>
-        </p:spPr>
-      </p:pic>
-    </p:spTree>
-    <p:extLst>
-      <p:ext uri="{BB962C8B-B14F-4D97-AF65-F5344CB8AC3E}">
-        <p14:creationId xmlns:p14="http://schemas.microsoft.com/office/powerpoint/2010/main" val="1976520967"/>
       </p:ext>
     </p:extLst>
   </p:cSld>
@@ -5492,7 +5518,11 @@
           <a:p>
             <a:r>
               <a:rPr lang="en-US" sz="3600" dirty="0" smtClean="0"/>
-              <a:t>Exercise 1. Set up EC2</a:t>
+              <a:t>At times setbacks </a:t>
+            </a:r>
+            <a:r>
+              <a:rPr lang="en-US" sz="3600" dirty="0" smtClean="0"/>
+              <a:t>happen</a:t>
             </a:r>
             <a:endParaRPr lang="pl-PL" sz="3600" dirty="0"/>
           </a:p>
@@ -5515,47 +5545,17 @@
           <a:p>
             <a:r>
               <a:rPr lang="en-US" dirty="0" smtClean="0"/>
-              <a:t>Goal: Make the EC2 instance work and ready for deployment of apps</a:t>
-            </a:r>
-          </a:p>
-          <a:p>
-            <a:r>
-              <a:rPr lang="en-US" dirty="0" smtClean="0"/>
-              <a:t>Worth to mention here: </a:t>
-            </a:r>
-          </a:p>
-          <a:p>
-            <a:pPr lvl="1"/>
-            <a:r>
-              <a:rPr lang="en-US" dirty="0" smtClean="0"/>
-              <a:t>Bakery process used by us to bake</a:t>
-            </a:r>
-            <a:br>
-              <a:rPr lang="en-US" dirty="0" smtClean="0"/>
-            </a:br>
-            <a:r>
-              <a:rPr lang="en-US" dirty="0" smtClean="0"/>
-              <a:t>the right machine instance image</a:t>
-            </a:r>
-          </a:p>
-          <a:p>
-            <a:pPr lvl="1"/>
-            <a:r>
-              <a:rPr lang="en-US" dirty="0" smtClean="0"/>
-              <a:t>Free tier instances</a:t>
-            </a:r>
-          </a:p>
-          <a:p>
-            <a:pPr lvl="1"/>
-            <a:r>
-              <a:rPr lang="pl-PL" dirty="0"/>
-              <a:t>CPU </a:t>
-            </a:r>
-            <a:r>
-              <a:rPr lang="pl-PL" dirty="0" err="1"/>
-              <a:t>Credits</a:t>
-            </a:r>
-            <a:endParaRPr lang="pl-PL" dirty="0"/>
+              <a:t>Central Maven’s repository issue</a:t>
+            </a:r>
+          </a:p>
+          <a:p>
+            <a:pPr marL="0" indent="0">
+              <a:buNone/>
+            </a:pPr>
+            <a:r>
+              <a:rPr lang="pl-PL" sz="1600" dirty="0"/>
+              <a:t>https://forums.aws.amazon.com/thread.jspa?threadID=160097&amp;tstart=0</a:t>
+            </a:r>
           </a:p>
         </p:txBody>
       </p:sp>
@@ -5620,6 +5620,244 @@
           </a:extLst>
         </p:spPr>
       </p:pic>
+      <p:pic>
+        <p:nvPicPr>
+          <p:cNvPr id="2050" name="Picture 2"/>
+          <p:cNvPicPr>
+            <a:picLocks noChangeAspect="1" noChangeArrowheads="1"/>
+          </p:cNvPicPr>
+          <p:nvPr/>
+        </p:nvPicPr>
+        <p:blipFill>
+          <a:blip r:embed="rId3">
+            <a:extLst>
+              <a:ext uri="{28A0092B-C50C-407E-A947-70E740481C1C}">
+                <a14:useLocalDpi xmlns:a14="http://schemas.microsoft.com/office/drawing/2010/main" val="0"/>
+              </a:ext>
+            </a:extLst>
+          </a:blip>
+          <a:srcRect/>
+          <a:stretch>
+            <a:fillRect/>
+          </a:stretch>
+        </p:blipFill>
+        <p:spPr bwMode="auto">
+          <a:xfrm>
+            <a:off x="1331640" y="2777723"/>
+            <a:ext cx="6522067" cy="3351498"/>
+          </a:xfrm>
+          <a:prstGeom prst="rect">
+            <a:avLst/>
+          </a:prstGeom>
+          <a:noFill/>
+          <a:ln>
+            <a:noFill/>
+          </a:ln>
+          <a:extLst>
+            <a:ext uri="{909E8E84-426E-40DD-AFC4-6F175D3DCCD1}">
+              <a14:hiddenFill xmlns:a14="http://schemas.microsoft.com/office/drawing/2010/main">
+                <a:solidFill>
+                  <a:schemeClr val="accent1"/>
+                </a:solidFill>
+              </a14:hiddenFill>
+            </a:ext>
+            <a:ext uri="{91240B29-F687-4F45-9708-019B960494DF}">
+              <a14:hiddenLine xmlns:a14="http://schemas.microsoft.com/office/drawing/2010/main" w="9525">
+                <a:solidFill>
+                  <a:schemeClr val="tx1"/>
+                </a:solidFill>
+                <a:miter lim="800000"/>
+                <a:headEnd/>
+                <a:tailEnd/>
+              </a14:hiddenLine>
+            </a:ext>
+          </a:extLst>
+        </p:spPr>
+      </p:pic>
+    </p:spTree>
+    <p:extLst>
+      <p:ext uri="{BB962C8B-B14F-4D97-AF65-F5344CB8AC3E}">
+        <p14:creationId xmlns:p14="http://schemas.microsoft.com/office/powerpoint/2010/main" val="1976520967"/>
+      </p:ext>
+    </p:extLst>
+  </p:cSld>
+  <p:clrMapOvr>
+    <a:masterClrMapping/>
+  </p:clrMapOvr>
+  <p:timing>
+    <p:tnLst>
+      <p:par>
+        <p:cTn id="1" dur="indefinite" restart="never" nodeType="tmRoot"/>
+      </p:par>
+    </p:tnLst>
+  </p:timing>
+</p:sld>
+</file>
+
+<file path=ppt/slides/slide18.xml><?xml version="1.0" encoding="utf-8"?>
+<p:sld xmlns:a="http://schemas.openxmlformats.org/drawingml/2006/main" xmlns:r="http://schemas.openxmlformats.org/officeDocument/2006/relationships" xmlns:p="http://schemas.openxmlformats.org/presentationml/2006/main">
+  <p:cSld>
+    <p:spTree>
+      <p:nvGrpSpPr>
+        <p:cNvPr id="1" name=""/>
+        <p:cNvGrpSpPr/>
+        <p:nvPr/>
+      </p:nvGrpSpPr>
+      <p:grpSpPr>
+        <a:xfrm>
+          <a:off x="0" y="0"/>
+          <a:ext cx="0" cy="0"/>
+          <a:chOff x="0" y="0"/>
+          <a:chExt cx="0" cy="0"/>
+        </a:xfrm>
+      </p:grpSpPr>
+      <p:sp>
+        <p:nvSpPr>
+          <p:cNvPr id="2" name="Title 1"/>
+          <p:cNvSpPr>
+            <a:spLocks noGrp="1"/>
+          </p:cNvSpPr>
+          <p:nvPr>
+            <p:ph type="title"/>
+          </p:nvPr>
+        </p:nvSpPr>
+        <p:spPr/>
+        <p:txBody>
+          <a:bodyPr>
+            <a:normAutofit/>
+          </a:bodyPr>
+          <a:lstStyle/>
+          <a:p>
+            <a:r>
+              <a:rPr lang="en-US" sz="3600" dirty="0" smtClean="0"/>
+              <a:t>Exercise 1. Set up EC2</a:t>
+            </a:r>
+            <a:endParaRPr lang="pl-PL" sz="3600" dirty="0"/>
+          </a:p>
+        </p:txBody>
+      </p:sp>
+      <p:sp>
+        <p:nvSpPr>
+          <p:cNvPr id="3" name="Content Placeholder 2"/>
+          <p:cNvSpPr>
+            <a:spLocks noGrp="1"/>
+          </p:cNvSpPr>
+          <p:nvPr>
+            <p:ph idx="1"/>
+          </p:nvPr>
+        </p:nvSpPr>
+        <p:spPr/>
+        <p:txBody>
+          <a:bodyPr/>
+          <a:lstStyle/>
+          <a:p>
+            <a:r>
+              <a:rPr lang="en-US" dirty="0" smtClean="0"/>
+              <a:t>Goal: Make the EC2 instance work and ready for deployment of apps</a:t>
+            </a:r>
+          </a:p>
+          <a:p>
+            <a:r>
+              <a:rPr lang="en-US" dirty="0" smtClean="0"/>
+              <a:t>Worth to mention here: </a:t>
+            </a:r>
+          </a:p>
+          <a:p>
+            <a:pPr lvl="1"/>
+            <a:r>
+              <a:rPr lang="en-US" dirty="0" smtClean="0"/>
+              <a:t>Bakery process used by us to bake</a:t>
+            </a:r>
+            <a:br>
+              <a:rPr lang="en-US" dirty="0" smtClean="0"/>
+            </a:br>
+            <a:r>
+              <a:rPr lang="en-US" dirty="0" smtClean="0"/>
+              <a:t>the right machine instance image</a:t>
+            </a:r>
+          </a:p>
+          <a:p>
+            <a:pPr lvl="1"/>
+            <a:r>
+              <a:rPr lang="en-US" dirty="0" smtClean="0"/>
+              <a:t>Free tier instances</a:t>
+            </a:r>
+          </a:p>
+          <a:p>
+            <a:pPr lvl="1"/>
+            <a:r>
+              <a:rPr lang="pl-PL" dirty="0"/>
+              <a:t>CPU </a:t>
+            </a:r>
+            <a:r>
+              <a:rPr lang="pl-PL" dirty="0" err="1"/>
+              <a:t>Credits</a:t>
+            </a:r>
+            <a:endParaRPr lang="pl-PL" dirty="0"/>
+          </a:p>
+        </p:txBody>
+      </p:sp>
+      <p:pic>
+        <p:nvPicPr>
+          <p:cNvPr id="4" name="Picture 2"/>
+          <p:cNvPicPr>
+            <a:picLocks noChangeAspect="1" noChangeArrowheads="1"/>
+          </p:cNvPicPr>
+          <p:nvPr/>
+        </p:nvPicPr>
+        <p:blipFill>
+          <a:blip r:embed="rId2">
+            <a:extLst>
+              <a:ext uri="{28A0092B-C50C-407E-A947-70E740481C1C}">
+                <a14:useLocalDpi xmlns:a14="http://schemas.microsoft.com/office/drawing/2010/main" val="0"/>
+              </a:ext>
+            </a:extLst>
+          </a:blip>
+          <a:srcRect/>
+          <a:stretch>
+            <a:fillRect/>
+          </a:stretch>
+        </p:blipFill>
+        <p:spPr bwMode="auto">
+          <a:xfrm>
+            <a:off x="89173" y="6263811"/>
+            <a:ext cx="2114209" cy="549565"/>
+          </a:xfrm>
+          <a:prstGeom prst="rect">
+            <a:avLst/>
+          </a:prstGeom>
+          <a:noFill/>
+          <a:ln>
+            <a:noFill/>
+          </a:ln>
+          <a:effectLst>
+            <a:outerShdw blurRad="50800" dist="50800" dir="5400000" algn="ctr" rotWithShape="0">
+              <a:srgbClr val="000000">
+                <a:alpha val="3000"/>
+              </a:srgbClr>
+            </a:outerShdw>
+          </a:effectLst>
+          <a:extLst>
+            <a:ext uri="{909E8E84-426E-40DD-AFC4-6F175D3DCCD1}">
+              <a14:hiddenFill xmlns:a14="http://schemas.microsoft.com/office/drawing/2010/main">
+                <a:solidFill>
+                  <a:schemeClr val="accent1"/>
+                </a:solidFill>
+              </a14:hiddenFill>
+            </a:ext>
+            <a:ext uri="{91240B29-F687-4F45-9708-019B960494DF}">
+              <a14:hiddenLine xmlns:a14="http://schemas.microsoft.com/office/drawing/2010/main" w="9525">
+                <a:solidFill>
+                  <a:schemeClr val="tx1"/>
+                </a:solidFill>
+                <a:miter lim="800000"/>
+                <a:headEnd/>
+                <a:tailEnd/>
+              </a14:hiddenLine>
+            </a:ext>
+          </a:extLst>
+        </p:spPr>
+      </p:pic>
     </p:spTree>
     <p:extLst>
       <p:ext uri="{BB962C8B-B14F-4D97-AF65-F5344CB8AC3E}">
@@ -5640,7 +5878,7 @@
 </p:sld>
 </file>
 
-<file path=ppt/slides/slide18.xml><?xml version="1.0" encoding="utf-8"?>
+<file path=ppt/slides/slide19.xml><?xml version="1.0" encoding="utf-8"?>
 <p:sld xmlns:a="http://schemas.openxmlformats.org/drawingml/2006/main" xmlns:r="http://schemas.openxmlformats.org/officeDocument/2006/relationships" xmlns:p="http://schemas.openxmlformats.org/presentationml/2006/main">
   <p:cSld>
     <p:spTree>
@@ -5801,187 +6039,6 @@
     <p:extLst>
       <p:ext uri="{BB962C8B-B14F-4D97-AF65-F5344CB8AC3E}">
         <p14:creationId xmlns:p14="http://schemas.microsoft.com/office/powerpoint/2010/main" val="3306854436"/>
-      </p:ext>
-    </p:extLst>
-  </p:cSld>
-  <p:clrMapOvr>
-    <a:masterClrMapping/>
-  </p:clrMapOvr>
-  <p:timing>
-    <p:tnLst>
-      <p:par>
-        <p:cTn id="1" dur="indefinite" restart="never" nodeType="tmRoot"/>
-      </p:par>
-    </p:tnLst>
-  </p:timing>
-</p:sld>
-</file>
-
-<file path=ppt/slides/slide19.xml><?xml version="1.0" encoding="utf-8"?>
-<p:sld xmlns:a="http://schemas.openxmlformats.org/drawingml/2006/main" xmlns:r="http://schemas.openxmlformats.org/officeDocument/2006/relationships" xmlns:p="http://schemas.openxmlformats.org/presentationml/2006/main">
-  <p:cSld>
-    <p:spTree>
-      <p:nvGrpSpPr>
-        <p:cNvPr id="1" name=""/>
-        <p:cNvGrpSpPr/>
-        <p:nvPr/>
-      </p:nvGrpSpPr>
-      <p:grpSpPr>
-        <a:xfrm>
-          <a:off x="0" y="0"/>
-          <a:ext cx="0" cy="0"/>
-          <a:chOff x="0" y="0"/>
-          <a:chExt cx="0" cy="0"/>
-        </a:xfrm>
-      </p:grpSpPr>
-      <p:sp>
-        <p:nvSpPr>
-          <p:cNvPr id="2" name="Title 1"/>
-          <p:cNvSpPr>
-            <a:spLocks noGrp="1"/>
-          </p:cNvSpPr>
-          <p:nvPr>
-            <p:ph type="title"/>
-          </p:nvPr>
-        </p:nvSpPr>
-        <p:spPr/>
-        <p:txBody>
-          <a:bodyPr>
-            <a:normAutofit/>
-          </a:bodyPr>
-          <a:lstStyle/>
-          <a:p>
-            <a:r>
-              <a:rPr lang="en-US" sz="3600" dirty="0"/>
-              <a:t>Exercise 1. </a:t>
-            </a:r>
-            <a:r>
-              <a:rPr lang="en-US" sz="3600" dirty="0" smtClean="0"/>
-              <a:t>Step 2</a:t>
-            </a:r>
-            <a:endParaRPr lang="pl-PL" sz="3600" dirty="0"/>
-          </a:p>
-        </p:txBody>
-      </p:sp>
-      <p:pic>
-        <p:nvPicPr>
-          <p:cNvPr id="1026" name="Picture 2"/>
-          <p:cNvPicPr>
-            <a:picLocks noChangeAspect="1" noChangeArrowheads="1"/>
-          </p:cNvPicPr>
-          <p:nvPr/>
-        </p:nvPicPr>
-        <p:blipFill>
-          <a:blip r:embed="rId2">
-            <a:extLst>
-              <a:ext uri="{28A0092B-C50C-407E-A947-70E740481C1C}">
-                <a14:useLocalDpi xmlns:a14="http://schemas.microsoft.com/office/drawing/2010/main" val="0"/>
-              </a:ext>
-            </a:extLst>
-          </a:blip>
-          <a:srcRect/>
-          <a:stretch>
-            <a:fillRect/>
-          </a:stretch>
-        </p:blipFill>
-        <p:spPr bwMode="auto">
-          <a:xfrm>
-            <a:off x="582917" y="1572568"/>
-            <a:ext cx="7953375" cy="4724400"/>
-          </a:xfrm>
-          <a:prstGeom prst="rect">
-            <a:avLst/>
-          </a:prstGeom>
-          <a:noFill/>
-          <a:ln>
-            <a:noFill/>
-          </a:ln>
-          <a:extLst>
-            <a:ext uri="{909E8E84-426E-40DD-AFC4-6F175D3DCCD1}">
-              <a14:hiddenFill xmlns:a14="http://schemas.microsoft.com/office/drawing/2010/main">
-                <a:solidFill>
-                  <a:schemeClr val="accent1"/>
-                </a:solidFill>
-              </a14:hiddenFill>
-            </a:ext>
-            <a:ext uri="{91240B29-F687-4F45-9708-019B960494DF}">
-              <a14:hiddenLine xmlns:a14="http://schemas.microsoft.com/office/drawing/2010/main" w="9525">
-                <a:solidFill>
-                  <a:schemeClr val="tx1"/>
-                </a:solidFill>
-                <a:miter lim="800000"/>
-                <a:headEnd/>
-                <a:tailEnd/>
-              </a14:hiddenLine>
-            </a:ext>
-          </a:extLst>
-        </p:spPr>
-      </p:pic>
-      <p:pic>
-        <p:nvPicPr>
-          <p:cNvPr id="4" name="Picture 2"/>
-          <p:cNvPicPr>
-            <a:picLocks noChangeAspect="1" noChangeArrowheads="1"/>
-          </p:cNvPicPr>
-          <p:nvPr/>
-        </p:nvPicPr>
-        <p:blipFill>
-          <a:blip r:embed="rId3">
-            <a:extLst>
-              <a:ext uri="{28A0092B-C50C-407E-A947-70E740481C1C}">
-                <a14:useLocalDpi xmlns:a14="http://schemas.microsoft.com/office/drawing/2010/main" val="0"/>
-              </a:ext>
-            </a:extLst>
-          </a:blip>
-          <a:srcRect/>
-          <a:stretch>
-            <a:fillRect/>
-          </a:stretch>
-        </p:blipFill>
-        <p:spPr bwMode="auto">
-          <a:xfrm>
-            <a:off x="89173" y="6263811"/>
-            <a:ext cx="2114209" cy="549565"/>
-          </a:xfrm>
-          <a:prstGeom prst="rect">
-            <a:avLst/>
-          </a:prstGeom>
-          <a:noFill/>
-          <a:ln>
-            <a:noFill/>
-          </a:ln>
-          <a:effectLst>
-            <a:outerShdw blurRad="50800" dist="50800" dir="5400000" algn="ctr" rotWithShape="0">
-              <a:srgbClr val="000000">
-                <a:alpha val="3000"/>
-              </a:srgbClr>
-            </a:outerShdw>
-          </a:effectLst>
-          <a:extLst>
-            <a:ext uri="{909E8E84-426E-40DD-AFC4-6F175D3DCCD1}">
-              <a14:hiddenFill xmlns:a14="http://schemas.microsoft.com/office/drawing/2010/main">
-                <a:solidFill>
-                  <a:schemeClr val="accent1"/>
-                </a:solidFill>
-              </a14:hiddenFill>
-            </a:ext>
-            <a:ext uri="{91240B29-F687-4F45-9708-019B960494DF}">
-              <a14:hiddenLine xmlns:a14="http://schemas.microsoft.com/office/drawing/2010/main" w="9525">
-                <a:solidFill>
-                  <a:schemeClr val="tx1"/>
-                </a:solidFill>
-                <a:miter lim="800000"/>
-                <a:headEnd/>
-                <a:tailEnd/>
-              </a14:hiddenLine>
-            </a:ext>
-          </a:extLst>
-        </p:spPr>
-      </p:pic>
-    </p:spTree>
-    <p:extLst>
-      <p:ext uri="{BB962C8B-B14F-4D97-AF65-F5344CB8AC3E}">
-        <p14:creationId xmlns:p14="http://schemas.microsoft.com/office/powerpoint/2010/main" val="3468092928"/>
       </p:ext>
     </p:extLst>
   </p:cSld>
@@ -6258,7 +6315,7 @@
             </a:r>
             <a:r>
               <a:rPr lang="en-US" sz="3600" dirty="0" smtClean="0"/>
-              <a:t>Step 3</a:t>
+              <a:t>Step 2</a:t>
             </a:r>
             <a:endParaRPr lang="pl-PL" sz="3600" dirty="0"/>
           </a:p>
@@ -6266,7 +6323,7 @@
       </p:sp>
       <p:pic>
         <p:nvPicPr>
-          <p:cNvPr id="2050" name="Picture 2"/>
+          <p:cNvPr id="1026" name="Picture 2"/>
           <p:cNvPicPr>
             <a:picLocks noChangeAspect="1" noChangeArrowheads="1"/>
           </p:cNvPicPr>
@@ -6287,8 +6344,8 @@
         </p:blipFill>
         <p:spPr bwMode="auto">
           <a:xfrm>
-            <a:off x="600075" y="1700808"/>
-            <a:ext cx="7943850" cy="4714875"/>
+            <a:off x="582917" y="1572568"/>
+            <a:ext cx="7953375" cy="4724400"/>
           </a:xfrm>
           <a:prstGeom prst="rect">
             <a:avLst/>
@@ -6382,7 +6439,7 @@
     </p:spTree>
     <p:extLst>
       <p:ext uri="{BB962C8B-B14F-4D97-AF65-F5344CB8AC3E}">
-        <p14:creationId xmlns:p14="http://schemas.microsoft.com/office/powerpoint/2010/main" val="536178963"/>
+        <p14:creationId xmlns:p14="http://schemas.microsoft.com/office/powerpoint/2010/main" val="3468092928"/>
       </p:ext>
     </p:extLst>
   </p:cSld>
@@ -6439,7 +6496,7 @@
             </a:r>
             <a:r>
               <a:rPr lang="en-US" sz="3600" dirty="0" smtClean="0"/>
-              <a:t>Step 5</a:t>
+              <a:t>Step 3</a:t>
             </a:r>
             <a:endParaRPr lang="pl-PL" sz="3600" dirty="0"/>
           </a:p>
@@ -6447,7 +6504,7 @@
       </p:sp>
       <p:pic>
         <p:nvPicPr>
-          <p:cNvPr id="3075" name="Picture 3"/>
+          <p:cNvPr id="2050" name="Picture 2"/>
           <p:cNvPicPr>
             <a:picLocks noChangeAspect="1" noChangeArrowheads="1"/>
           </p:cNvPicPr>
@@ -6468,8 +6525,8 @@
         </p:blipFill>
         <p:spPr bwMode="auto">
           <a:xfrm>
-            <a:off x="632023" y="1613495"/>
-            <a:ext cx="7972425" cy="4695825"/>
+            <a:off x="600075" y="1700808"/>
+            <a:ext cx="7943850" cy="4714875"/>
           </a:xfrm>
           <a:prstGeom prst="rect">
             <a:avLst/>
@@ -6563,7 +6620,7 @@
     </p:spTree>
     <p:extLst>
       <p:ext uri="{BB962C8B-B14F-4D97-AF65-F5344CB8AC3E}">
-        <p14:creationId xmlns:p14="http://schemas.microsoft.com/office/powerpoint/2010/main" val="1998524337"/>
+        <p14:creationId xmlns:p14="http://schemas.microsoft.com/office/powerpoint/2010/main" val="536178963"/>
       </p:ext>
     </p:extLst>
   </p:cSld>
@@ -6620,7 +6677,7 @@
             </a:r>
             <a:r>
               <a:rPr lang="en-US" sz="3600" dirty="0" smtClean="0"/>
-              <a:t>Step 6</a:t>
+              <a:t>Step 5</a:t>
             </a:r>
             <a:endParaRPr lang="pl-PL" sz="3600" dirty="0"/>
           </a:p>
@@ -6628,7 +6685,7 @@
       </p:sp>
       <p:pic>
         <p:nvPicPr>
-          <p:cNvPr id="4098" name="Picture 2"/>
+          <p:cNvPr id="3075" name="Picture 3"/>
           <p:cNvPicPr>
             <a:picLocks noChangeAspect="1" noChangeArrowheads="1"/>
           </p:cNvPicPr>
@@ -6649,8 +6706,8 @@
         </p:blipFill>
         <p:spPr bwMode="auto">
           <a:xfrm>
-            <a:off x="623887" y="1584920"/>
-            <a:ext cx="7896225" cy="4724400"/>
+            <a:off x="632023" y="1613495"/>
+            <a:ext cx="7972425" cy="4695825"/>
           </a:xfrm>
           <a:prstGeom prst="rect">
             <a:avLst/>
@@ -6744,6 +6801,187 @@
     </p:spTree>
     <p:extLst>
       <p:ext uri="{BB962C8B-B14F-4D97-AF65-F5344CB8AC3E}">
+        <p14:creationId xmlns:p14="http://schemas.microsoft.com/office/powerpoint/2010/main" val="1998524337"/>
+      </p:ext>
+    </p:extLst>
+  </p:cSld>
+  <p:clrMapOvr>
+    <a:masterClrMapping/>
+  </p:clrMapOvr>
+  <p:timing>
+    <p:tnLst>
+      <p:par>
+        <p:cTn id="1" dur="indefinite" restart="never" nodeType="tmRoot"/>
+      </p:par>
+    </p:tnLst>
+  </p:timing>
+</p:sld>
+</file>
+
+<file path=ppt/slides/slide23.xml><?xml version="1.0" encoding="utf-8"?>
+<p:sld xmlns:a="http://schemas.openxmlformats.org/drawingml/2006/main" xmlns:r="http://schemas.openxmlformats.org/officeDocument/2006/relationships" xmlns:p="http://schemas.openxmlformats.org/presentationml/2006/main">
+  <p:cSld>
+    <p:spTree>
+      <p:nvGrpSpPr>
+        <p:cNvPr id="1" name=""/>
+        <p:cNvGrpSpPr/>
+        <p:nvPr/>
+      </p:nvGrpSpPr>
+      <p:grpSpPr>
+        <a:xfrm>
+          <a:off x="0" y="0"/>
+          <a:ext cx="0" cy="0"/>
+          <a:chOff x="0" y="0"/>
+          <a:chExt cx="0" cy="0"/>
+        </a:xfrm>
+      </p:grpSpPr>
+      <p:sp>
+        <p:nvSpPr>
+          <p:cNvPr id="2" name="Title 1"/>
+          <p:cNvSpPr>
+            <a:spLocks noGrp="1"/>
+          </p:cNvSpPr>
+          <p:nvPr>
+            <p:ph type="title"/>
+          </p:nvPr>
+        </p:nvSpPr>
+        <p:spPr/>
+        <p:txBody>
+          <a:bodyPr>
+            <a:normAutofit/>
+          </a:bodyPr>
+          <a:lstStyle/>
+          <a:p>
+            <a:r>
+              <a:rPr lang="en-US" sz="3600" dirty="0"/>
+              <a:t>Exercise 1. </a:t>
+            </a:r>
+            <a:r>
+              <a:rPr lang="en-US" sz="3600" dirty="0" smtClean="0"/>
+              <a:t>Step 6</a:t>
+            </a:r>
+            <a:endParaRPr lang="pl-PL" sz="3600" dirty="0"/>
+          </a:p>
+        </p:txBody>
+      </p:sp>
+      <p:pic>
+        <p:nvPicPr>
+          <p:cNvPr id="4098" name="Picture 2"/>
+          <p:cNvPicPr>
+            <a:picLocks noChangeAspect="1" noChangeArrowheads="1"/>
+          </p:cNvPicPr>
+          <p:nvPr/>
+        </p:nvPicPr>
+        <p:blipFill>
+          <a:blip r:embed="rId2">
+            <a:extLst>
+              <a:ext uri="{28A0092B-C50C-407E-A947-70E740481C1C}">
+                <a14:useLocalDpi xmlns:a14="http://schemas.microsoft.com/office/drawing/2010/main" val="0"/>
+              </a:ext>
+            </a:extLst>
+          </a:blip>
+          <a:srcRect/>
+          <a:stretch>
+            <a:fillRect/>
+          </a:stretch>
+        </p:blipFill>
+        <p:spPr bwMode="auto">
+          <a:xfrm>
+            <a:off x="623887" y="1584920"/>
+            <a:ext cx="7896225" cy="4724400"/>
+          </a:xfrm>
+          <a:prstGeom prst="rect">
+            <a:avLst/>
+          </a:prstGeom>
+          <a:noFill/>
+          <a:ln>
+            <a:noFill/>
+          </a:ln>
+          <a:extLst>
+            <a:ext uri="{909E8E84-426E-40DD-AFC4-6F175D3DCCD1}">
+              <a14:hiddenFill xmlns:a14="http://schemas.microsoft.com/office/drawing/2010/main">
+                <a:solidFill>
+                  <a:schemeClr val="accent1"/>
+                </a:solidFill>
+              </a14:hiddenFill>
+            </a:ext>
+            <a:ext uri="{91240B29-F687-4F45-9708-019B960494DF}">
+              <a14:hiddenLine xmlns:a14="http://schemas.microsoft.com/office/drawing/2010/main" w="9525">
+                <a:solidFill>
+                  <a:schemeClr val="tx1"/>
+                </a:solidFill>
+                <a:miter lim="800000"/>
+                <a:headEnd/>
+                <a:tailEnd/>
+              </a14:hiddenLine>
+            </a:ext>
+          </a:extLst>
+        </p:spPr>
+      </p:pic>
+      <p:pic>
+        <p:nvPicPr>
+          <p:cNvPr id="4" name="Picture 2"/>
+          <p:cNvPicPr>
+            <a:picLocks noChangeAspect="1" noChangeArrowheads="1"/>
+          </p:cNvPicPr>
+          <p:nvPr/>
+        </p:nvPicPr>
+        <p:blipFill>
+          <a:blip r:embed="rId3">
+            <a:extLst>
+              <a:ext uri="{28A0092B-C50C-407E-A947-70E740481C1C}">
+                <a14:useLocalDpi xmlns:a14="http://schemas.microsoft.com/office/drawing/2010/main" val="0"/>
+              </a:ext>
+            </a:extLst>
+          </a:blip>
+          <a:srcRect/>
+          <a:stretch>
+            <a:fillRect/>
+          </a:stretch>
+        </p:blipFill>
+        <p:spPr bwMode="auto">
+          <a:xfrm>
+            <a:off x="89173" y="6263811"/>
+            <a:ext cx="2114209" cy="549565"/>
+          </a:xfrm>
+          <a:prstGeom prst="rect">
+            <a:avLst/>
+          </a:prstGeom>
+          <a:noFill/>
+          <a:ln>
+            <a:noFill/>
+          </a:ln>
+          <a:effectLst>
+            <a:outerShdw blurRad="50800" dist="50800" dir="5400000" algn="ctr" rotWithShape="0">
+              <a:srgbClr val="000000">
+                <a:alpha val="3000"/>
+              </a:srgbClr>
+            </a:outerShdw>
+          </a:effectLst>
+          <a:extLst>
+            <a:ext uri="{909E8E84-426E-40DD-AFC4-6F175D3DCCD1}">
+              <a14:hiddenFill xmlns:a14="http://schemas.microsoft.com/office/drawing/2010/main">
+                <a:solidFill>
+                  <a:schemeClr val="accent1"/>
+                </a:solidFill>
+              </a14:hiddenFill>
+            </a:ext>
+            <a:ext uri="{91240B29-F687-4F45-9708-019B960494DF}">
+              <a14:hiddenLine xmlns:a14="http://schemas.microsoft.com/office/drawing/2010/main" w="9525">
+                <a:solidFill>
+                  <a:schemeClr val="tx1"/>
+                </a:solidFill>
+                <a:miter lim="800000"/>
+                <a:headEnd/>
+                <a:tailEnd/>
+              </a14:hiddenLine>
+            </a:ext>
+          </a:extLst>
+        </p:spPr>
+      </p:pic>
+    </p:spTree>
+    <p:extLst>
+      <p:ext uri="{BB962C8B-B14F-4D97-AF65-F5344CB8AC3E}">
         <p14:creationId xmlns:p14="http://schemas.microsoft.com/office/powerpoint/2010/main" val="3709511674"/>
       </p:ext>
     </p:extLst>
@@ -6761,7 +6999,7 @@
 </p:sld>
 </file>
 
-<file path=ppt/slides/slide23.xml><?xml version="1.0" encoding="utf-8"?>
+<file path=ppt/slides/slide24.xml><?xml version="1.0" encoding="utf-8"?>
 <p:sld xmlns:a="http://schemas.openxmlformats.org/drawingml/2006/main" xmlns:r="http://schemas.openxmlformats.org/officeDocument/2006/relationships" xmlns:p="http://schemas.openxmlformats.org/presentationml/2006/main">
   <p:cSld>
     <p:spTree>
@@ -6942,7 +7180,7 @@
 </p:sld>
 </file>
 
-<file path=ppt/slides/slide24.xml><?xml version="1.0" encoding="utf-8"?>
+<file path=ppt/slides/slide25.xml><?xml version="1.0" encoding="utf-8"?>
 <p:sld xmlns:a="http://schemas.openxmlformats.org/drawingml/2006/main" xmlns:r="http://schemas.openxmlformats.org/officeDocument/2006/relationships" xmlns:p="http://schemas.openxmlformats.org/presentationml/2006/main">
   <p:cSld>
     <p:spTree>
@@ -7123,7 +7361,7 @@
 </p:sld>
 </file>
 
-<file path=ppt/slides/slide25.xml><?xml version="1.0" encoding="utf-8"?>
+<file path=ppt/slides/slide26.xml><?xml version="1.0" encoding="utf-8"?>
 <p:sld xmlns:a="http://schemas.openxmlformats.org/drawingml/2006/main" xmlns:r="http://schemas.openxmlformats.org/officeDocument/2006/relationships" xmlns:p="http://schemas.openxmlformats.org/presentationml/2006/main">
   <p:cSld>
     <p:spTree>
@@ -7419,7 +7657,7 @@
 </p:sld>
 </file>
 
-<file path=ppt/slides/slide26.xml><?xml version="1.0" encoding="utf-8"?>
+<file path=ppt/slides/slide27.xml><?xml version="1.0" encoding="utf-8"?>
 <p:sld xmlns:a="http://schemas.openxmlformats.org/drawingml/2006/main" xmlns:r="http://schemas.openxmlformats.org/officeDocument/2006/relationships" xmlns:p="http://schemas.openxmlformats.org/presentationml/2006/main">
   <p:cSld>
     <p:spTree>
@@ -7593,7 +7831,7 @@
 </p:sld>
 </file>
 
-<file path=ppt/slides/slide27.xml><?xml version="1.0" encoding="utf-8"?>
+<file path=ppt/slides/slide28.xml><?xml version="1.0" encoding="utf-8"?>
 <p:sld xmlns:a="http://schemas.openxmlformats.org/drawingml/2006/main" xmlns:r="http://schemas.openxmlformats.org/officeDocument/2006/relationships" xmlns:p="http://schemas.openxmlformats.org/presentationml/2006/main">
   <p:cSld>
     <p:spTree>
@@ -7770,7 +8008,7 @@
 </p:sld>
 </file>
 
-<file path=ppt/slides/slide28.xml><?xml version="1.0" encoding="utf-8"?>
+<file path=ppt/slides/slide29.xml><?xml version="1.0" encoding="utf-8"?>
 <p:sld xmlns:a="http://schemas.openxmlformats.org/drawingml/2006/main" xmlns:r="http://schemas.openxmlformats.org/officeDocument/2006/relationships" xmlns:p="http://schemas.openxmlformats.org/presentationml/2006/main">
   <p:cSld>
     <p:spTree>
@@ -7997,183 +8235,6 @@
     <p:extLst>
       <p:ext uri="{BB962C8B-B14F-4D97-AF65-F5344CB8AC3E}">
         <p14:creationId xmlns:p14="http://schemas.microsoft.com/office/powerpoint/2010/main" val="1652323955"/>
-      </p:ext>
-    </p:extLst>
-  </p:cSld>
-  <p:clrMapOvr>
-    <a:masterClrMapping/>
-  </p:clrMapOvr>
-  <p:timing>
-    <p:tnLst>
-      <p:par>
-        <p:cTn id="1" dur="indefinite" restart="never" nodeType="tmRoot"/>
-      </p:par>
-    </p:tnLst>
-  </p:timing>
-</p:sld>
-</file>
-
-<file path=ppt/slides/slide29.xml><?xml version="1.0" encoding="utf-8"?>
-<p:sld xmlns:a="http://schemas.openxmlformats.org/drawingml/2006/main" xmlns:r="http://schemas.openxmlformats.org/officeDocument/2006/relationships" xmlns:p="http://schemas.openxmlformats.org/presentationml/2006/main">
-  <p:cSld>
-    <p:spTree>
-      <p:nvGrpSpPr>
-        <p:cNvPr id="1" name=""/>
-        <p:cNvGrpSpPr/>
-        <p:nvPr/>
-      </p:nvGrpSpPr>
-      <p:grpSpPr>
-        <a:xfrm>
-          <a:off x="0" y="0"/>
-          <a:ext cx="0" cy="0"/>
-          <a:chOff x="0" y="0"/>
-          <a:chExt cx="0" cy="0"/>
-        </a:xfrm>
-      </p:grpSpPr>
-      <p:sp>
-        <p:nvSpPr>
-          <p:cNvPr id="2" name="Title 1"/>
-          <p:cNvSpPr>
-            <a:spLocks noGrp="1"/>
-          </p:cNvSpPr>
-          <p:nvPr>
-            <p:ph type="title"/>
-          </p:nvPr>
-        </p:nvSpPr>
-        <p:spPr/>
-        <p:txBody>
-          <a:bodyPr>
-            <a:normAutofit/>
-          </a:bodyPr>
-          <a:lstStyle/>
-          <a:p>
-            <a:r>
-              <a:rPr lang="en-US" sz="3600" dirty="0" smtClean="0"/>
-              <a:t>AMI from working instance</a:t>
-            </a:r>
-            <a:endParaRPr lang="pl-PL" sz="3600" dirty="0"/>
-          </a:p>
-        </p:txBody>
-      </p:sp>
-      <p:pic>
-        <p:nvPicPr>
-          <p:cNvPr id="1027" name="Picture 3"/>
-          <p:cNvPicPr>
-            <a:picLocks noChangeAspect="1" noChangeArrowheads="1"/>
-          </p:cNvPicPr>
-          <p:nvPr/>
-        </p:nvPicPr>
-        <p:blipFill>
-          <a:blip r:embed="rId2">
-            <a:extLst>
-              <a:ext uri="{28A0092B-C50C-407E-A947-70E740481C1C}">
-                <a14:useLocalDpi xmlns:a14="http://schemas.microsoft.com/office/drawing/2010/main" val="0"/>
-              </a:ext>
-            </a:extLst>
-          </a:blip>
-          <a:srcRect/>
-          <a:stretch>
-            <a:fillRect/>
-          </a:stretch>
-        </p:blipFill>
-        <p:spPr bwMode="auto">
-          <a:xfrm>
-            <a:off x="681655" y="1477707"/>
-            <a:ext cx="7800975" cy="4619625"/>
-          </a:xfrm>
-          <a:prstGeom prst="rect">
-            <a:avLst/>
-          </a:prstGeom>
-          <a:noFill/>
-          <a:ln>
-            <a:noFill/>
-          </a:ln>
-          <a:extLst>
-            <a:ext uri="{909E8E84-426E-40DD-AFC4-6F175D3DCCD1}">
-              <a14:hiddenFill xmlns:a14="http://schemas.microsoft.com/office/drawing/2010/main">
-                <a:solidFill>
-                  <a:schemeClr val="accent1"/>
-                </a:solidFill>
-              </a14:hiddenFill>
-            </a:ext>
-            <a:ext uri="{91240B29-F687-4F45-9708-019B960494DF}">
-              <a14:hiddenLine xmlns:a14="http://schemas.microsoft.com/office/drawing/2010/main" w="9525">
-                <a:solidFill>
-                  <a:schemeClr val="tx1"/>
-                </a:solidFill>
-                <a:miter lim="800000"/>
-                <a:headEnd/>
-                <a:tailEnd/>
-              </a14:hiddenLine>
-            </a:ext>
-          </a:extLst>
-        </p:spPr>
-      </p:pic>
-      <p:pic>
-        <p:nvPicPr>
-          <p:cNvPr id="4" name="Picture 2"/>
-          <p:cNvPicPr>
-            <a:picLocks noChangeAspect="1" noChangeArrowheads="1"/>
-          </p:cNvPicPr>
-          <p:nvPr/>
-        </p:nvPicPr>
-        <p:blipFill>
-          <a:blip r:embed="rId3">
-            <a:extLst>
-              <a:ext uri="{28A0092B-C50C-407E-A947-70E740481C1C}">
-                <a14:useLocalDpi xmlns:a14="http://schemas.microsoft.com/office/drawing/2010/main" val="0"/>
-              </a:ext>
-            </a:extLst>
-          </a:blip>
-          <a:srcRect/>
-          <a:stretch>
-            <a:fillRect/>
-          </a:stretch>
-        </p:blipFill>
-        <p:spPr bwMode="auto">
-          <a:xfrm>
-            <a:off x="89173" y="6263811"/>
-            <a:ext cx="2114209" cy="549565"/>
-          </a:xfrm>
-          <a:prstGeom prst="rect">
-            <a:avLst/>
-          </a:prstGeom>
-          <a:noFill/>
-          <a:ln>
-            <a:noFill/>
-          </a:ln>
-          <a:effectLst>
-            <a:outerShdw blurRad="50800" dist="50800" dir="5400000" algn="ctr" rotWithShape="0">
-              <a:srgbClr val="000000">
-                <a:alpha val="3000"/>
-              </a:srgbClr>
-            </a:outerShdw>
-          </a:effectLst>
-          <a:extLst>
-            <a:ext uri="{909E8E84-426E-40DD-AFC4-6F175D3DCCD1}">
-              <a14:hiddenFill xmlns:a14="http://schemas.microsoft.com/office/drawing/2010/main">
-                <a:solidFill>
-                  <a:schemeClr val="accent1"/>
-                </a:solidFill>
-              </a14:hiddenFill>
-            </a:ext>
-            <a:ext uri="{91240B29-F687-4F45-9708-019B960494DF}">
-              <a14:hiddenLine xmlns:a14="http://schemas.microsoft.com/office/drawing/2010/main" w="9525">
-                <a:solidFill>
-                  <a:schemeClr val="tx1"/>
-                </a:solidFill>
-                <a:miter lim="800000"/>
-                <a:headEnd/>
-                <a:tailEnd/>
-              </a14:hiddenLine>
-            </a:ext>
-          </a:extLst>
-        </p:spPr>
-      </p:pic>
-    </p:spTree>
-    <p:extLst>
-      <p:ext uri="{BB962C8B-B14F-4D97-AF65-F5344CB8AC3E}">
-        <p14:creationId xmlns:p14="http://schemas.microsoft.com/office/powerpoint/2010/main" val="2365543400"/>
       </p:ext>
     </p:extLst>
   </p:cSld>
@@ -8385,73 +8446,67 @@
           <a:lstStyle/>
           <a:p>
             <a:r>
-              <a:rPr lang="en-US" sz="3600" dirty="0"/>
-              <a:t>Exercise 2</a:t>
-            </a:r>
-            <a:r>
               <a:rPr lang="en-US" sz="3600" dirty="0" smtClean="0"/>
-              <a:t>. Go ahead</a:t>
+              <a:t>AMI from working instance</a:t>
             </a:r>
             <a:endParaRPr lang="pl-PL" sz="3600" dirty="0"/>
           </a:p>
         </p:txBody>
       </p:sp>
-      <p:sp>
-        <p:nvSpPr>
-          <p:cNvPr id="3" name="Content Placeholder 2"/>
-          <p:cNvSpPr>
-            <a:spLocks noGrp="1"/>
-          </p:cNvSpPr>
-          <p:nvPr>
-            <p:ph idx="1"/>
-          </p:nvPr>
-        </p:nvSpPr>
-        <p:spPr/>
-        <p:txBody>
-          <a:bodyPr/>
-          <a:lstStyle/>
-          <a:p>
-            <a:pPr marL="0" indent="0">
-              <a:buNone/>
-            </a:pPr>
-            <a:endParaRPr lang="en-US" dirty="0" smtClean="0"/>
-          </a:p>
-          <a:p>
-            <a:pPr marL="0" indent="0">
-              <a:buNone/>
-            </a:pPr>
-            <a:endParaRPr lang="en-US" dirty="0"/>
-          </a:p>
-          <a:p>
-            <a:pPr marL="0" indent="0">
-              <a:buNone/>
-            </a:pPr>
-            <a:endParaRPr lang="en-US" dirty="0" smtClean="0"/>
-          </a:p>
-          <a:p>
-            <a:pPr marL="0" indent="0" algn="ctr">
-              <a:buNone/>
-            </a:pPr>
-            <a:r>
-              <a:rPr lang="en-US" dirty="0" smtClean="0"/>
-              <a:t>Just proceed and follow me!</a:t>
-            </a:r>
-            <a:endParaRPr lang="en-US" dirty="0"/>
-          </a:p>
-          <a:p>
-            <a:pPr marL="0" indent="0">
-              <a:buNone/>
-            </a:pPr>
-            <a:endParaRPr lang="en-US" dirty="0" smtClean="0"/>
-          </a:p>
-          <a:p>
-            <a:pPr marL="0" indent="0">
-              <a:buNone/>
-            </a:pPr>
-            <a:endParaRPr lang="pl-PL" dirty="0"/>
-          </a:p>
-        </p:txBody>
-      </p:sp>
+      <p:pic>
+        <p:nvPicPr>
+          <p:cNvPr id="1027" name="Picture 3"/>
+          <p:cNvPicPr>
+            <a:picLocks noChangeAspect="1" noChangeArrowheads="1"/>
+          </p:cNvPicPr>
+          <p:nvPr/>
+        </p:nvPicPr>
+        <p:blipFill>
+          <a:blip r:embed="rId2">
+            <a:extLst>
+              <a:ext uri="{28A0092B-C50C-407E-A947-70E740481C1C}">
+                <a14:useLocalDpi xmlns:a14="http://schemas.microsoft.com/office/drawing/2010/main" val="0"/>
+              </a:ext>
+            </a:extLst>
+          </a:blip>
+          <a:srcRect/>
+          <a:stretch>
+            <a:fillRect/>
+          </a:stretch>
+        </p:blipFill>
+        <p:spPr bwMode="auto">
+          <a:xfrm>
+            <a:off x="681655" y="1477707"/>
+            <a:ext cx="7800975" cy="4619625"/>
+          </a:xfrm>
+          <a:prstGeom prst="rect">
+            <a:avLst/>
+          </a:prstGeom>
+          <a:noFill/>
+          <a:ln>
+            <a:noFill/>
+          </a:ln>
+          <a:extLst>
+            <a:ext uri="{909E8E84-426E-40DD-AFC4-6F175D3DCCD1}">
+              <a14:hiddenFill xmlns:a14="http://schemas.microsoft.com/office/drawing/2010/main">
+                <a:solidFill>
+                  <a:schemeClr val="accent1"/>
+                </a:solidFill>
+              </a14:hiddenFill>
+            </a:ext>
+            <a:ext uri="{91240B29-F687-4F45-9708-019B960494DF}">
+              <a14:hiddenLine xmlns:a14="http://schemas.microsoft.com/office/drawing/2010/main" w="9525">
+                <a:solidFill>
+                  <a:schemeClr val="tx1"/>
+                </a:solidFill>
+                <a:miter lim="800000"/>
+                <a:headEnd/>
+                <a:tailEnd/>
+              </a14:hiddenLine>
+            </a:ext>
+          </a:extLst>
+        </p:spPr>
+      </p:pic>
       <p:pic>
         <p:nvPicPr>
           <p:cNvPr id="4" name="Picture 2"/>
@@ -8461,7 +8516,7 @@
           <p:nvPr/>
         </p:nvPicPr>
         <p:blipFill>
-          <a:blip r:embed="rId2">
+          <a:blip r:embed="rId3">
             <a:extLst>
               <a:ext uri="{28A0092B-C50C-407E-A947-70E740481C1C}">
                 <a14:useLocalDpi xmlns:a14="http://schemas.microsoft.com/office/drawing/2010/main" val="0"/>
@@ -8516,7 +8571,7 @@
     </p:spTree>
     <p:extLst>
       <p:ext uri="{BB962C8B-B14F-4D97-AF65-F5344CB8AC3E}">
-        <p14:creationId xmlns:p14="http://schemas.microsoft.com/office/powerpoint/2010/main" val="3663977603"/>
+        <p14:creationId xmlns:p14="http://schemas.microsoft.com/office/powerpoint/2010/main" val="2365543400"/>
       </p:ext>
     </p:extLst>
   </p:cSld>
@@ -8568,6 +8623,1026 @@
           <a:lstStyle/>
           <a:p>
             <a:r>
+              <a:rPr lang="en-US" sz="3600" dirty="0"/>
+              <a:t>Exercise 2</a:t>
+            </a:r>
+            <a:r>
+              <a:rPr lang="en-US" sz="3600" dirty="0" smtClean="0"/>
+              <a:t>. Go ahead</a:t>
+            </a:r>
+            <a:endParaRPr lang="pl-PL" sz="3600" dirty="0"/>
+          </a:p>
+        </p:txBody>
+      </p:sp>
+      <p:sp>
+        <p:nvSpPr>
+          <p:cNvPr id="3" name="Content Placeholder 2"/>
+          <p:cNvSpPr>
+            <a:spLocks noGrp="1"/>
+          </p:cNvSpPr>
+          <p:nvPr>
+            <p:ph idx="1"/>
+          </p:nvPr>
+        </p:nvSpPr>
+        <p:spPr/>
+        <p:txBody>
+          <a:bodyPr/>
+          <a:lstStyle/>
+          <a:p>
+            <a:pPr marL="0" indent="0">
+              <a:buNone/>
+            </a:pPr>
+            <a:endParaRPr lang="en-US" dirty="0" smtClean="0"/>
+          </a:p>
+          <a:p>
+            <a:pPr marL="0" indent="0">
+              <a:buNone/>
+            </a:pPr>
+            <a:endParaRPr lang="en-US" dirty="0"/>
+          </a:p>
+          <a:p>
+            <a:pPr marL="0" indent="0">
+              <a:buNone/>
+            </a:pPr>
+            <a:endParaRPr lang="en-US" dirty="0" smtClean="0"/>
+          </a:p>
+          <a:p>
+            <a:pPr marL="0" indent="0" algn="ctr">
+              <a:buNone/>
+            </a:pPr>
+            <a:r>
+              <a:rPr lang="en-US" dirty="0" smtClean="0"/>
+              <a:t>Just proceed and follow me!</a:t>
+            </a:r>
+            <a:endParaRPr lang="en-US" dirty="0"/>
+          </a:p>
+          <a:p>
+            <a:pPr marL="0" indent="0">
+              <a:buNone/>
+            </a:pPr>
+            <a:endParaRPr lang="en-US" dirty="0" smtClean="0"/>
+          </a:p>
+          <a:p>
+            <a:pPr marL="0" indent="0">
+              <a:buNone/>
+            </a:pPr>
+            <a:endParaRPr lang="pl-PL" dirty="0"/>
+          </a:p>
+        </p:txBody>
+      </p:sp>
+      <p:pic>
+        <p:nvPicPr>
+          <p:cNvPr id="4" name="Picture 2"/>
+          <p:cNvPicPr>
+            <a:picLocks noChangeAspect="1" noChangeArrowheads="1"/>
+          </p:cNvPicPr>
+          <p:nvPr/>
+        </p:nvPicPr>
+        <p:blipFill>
+          <a:blip r:embed="rId2">
+            <a:extLst>
+              <a:ext uri="{28A0092B-C50C-407E-A947-70E740481C1C}">
+                <a14:useLocalDpi xmlns:a14="http://schemas.microsoft.com/office/drawing/2010/main" val="0"/>
+              </a:ext>
+            </a:extLst>
+          </a:blip>
+          <a:srcRect/>
+          <a:stretch>
+            <a:fillRect/>
+          </a:stretch>
+        </p:blipFill>
+        <p:spPr bwMode="auto">
+          <a:xfrm>
+            <a:off x="89173" y="6263811"/>
+            <a:ext cx="2114209" cy="549565"/>
+          </a:xfrm>
+          <a:prstGeom prst="rect">
+            <a:avLst/>
+          </a:prstGeom>
+          <a:noFill/>
+          <a:ln>
+            <a:noFill/>
+          </a:ln>
+          <a:effectLst>
+            <a:outerShdw blurRad="50800" dist="50800" dir="5400000" algn="ctr" rotWithShape="0">
+              <a:srgbClr val="000000">
+                <a:alpha val="3000"/>
+              </a:srgbClr>
+            </a:outerShdw>
+          </a:effectLst>
+          <a:extLst>
+            <a:ext uri="{909E8E84-426E-40DD-AFC4-6F175D3DCCD1}">
+              <a14:hiddenFill xmlns:a14="http://schemas.microsoft.com/office/drawing/2010/main">
+                <a:solidFill>
+                  <a:schemeClr val="accent1"/>
+                </a:solidFill>
+              </a14:hiddenFill>
+            </a:ext>
+            <a:ext uri="{91240B29-F687-4F45-9708-019B960494DF}">
+              <a14:hiddenLine xmlns:a14="http://schemas.microsoft.com/office/drawing/2010/main" w="9525">
+                <a:solidFill>
+                  <a:schemeClr val="tx1"/>
+                </a:solidFill>
+                <a:miter lim="800000"/>
+                <a:headEnd/>
+                <a:tailEnd/>
+              </a14:hiddenLine>
+            </a:ext>
+          </a:extLst>
+        </p:spPr>
+      </p:pic>
+    </p:spTree>
+    <p:extLst>
+      <p:ext uri="{BB962C8B-B14F-4D97-AF65-F5344CB8AC3E}">
+        <p14:creationId xmlns:p14="http://schemas.microsoft.com/office/powerpoint/2010/main" val="3663977603"/>
+      </p:ext>
+    </p:extLst>
+  </p:cSld>
+  <p:clrMapOvr>
+    <a:masterClrMapping/>
+  </p:clrMapOvr>
+  <p:timing>
+    <p:tnLst>
+      <p:par>
+        <p:cTn id="1" dur="indefinite" restart="never" nodeType="tmRoot"/>
+      </p:par>
+    </p:tnLst>
+  </p:timing>
+</p:sld>
+</file>
+
+<file path=ppt/slides/slide32.xml><?xml version="1.0" encoding="utf-8"?>
+<p:sld xmlns:a="http://schemas.openxmlformats.org/drawingml/2006/main" xmlns:r="http://schemas.openxmlformats.org/officeDocument/2006/relationships" xmlns:p="http://schemas.openxmlformats.org/presentationml/2006/main">
+  <p:cSld>
+    <p:spTree>
+      <p:nvGrpSpPr>
+        <p:cNvPr id="1" name=""/>
+        <p:cNvGrpSpPr/>
+        <p:nvPr/>
+      </p:nvGrpSpPr>
+      <p:grpSpPr>
+        <a:xfrm>
+          <a:off x="0" y="0"/>
+          <a:ext cx="0" cy="0"/>
+          <a:chOff x="0" y="0"/>
+          <a:chExt cx="0" cy="0"/>
+        </a:xfrm>
+      </p:grpSpPr>
+      <p:sp>
+        <p:nvSpPr>
+          <p:cNvPr id="2" name="Title 1"/>
+          <p:cNvSpPr>
+            <a:spLocks noGrp="1"/>
+          </p:cNvSpPr>
+          <p:nvPr>
+            <p:ph type="title"/>
+          </p:nvPr>
+        </p:nvSpPr>
+        <p:spPr/>
+        <p:txBody>
+          <a:bodyPr>
+            <a:normAutofit/>
+          </a:bodyPr>
+          <a:lstStyle/>
+          <a:p>
+            <a:r>
+              <a:rPr lang="en-US" sz="3600" dirty="0" smtClean="0"/>
+              <a:t>This is where ELB comes into play</a:t>
+            </a:r>
+            <a:endParaRPr lang="pl-PL" sz="3600" dirty="0"/>
+          </a:p>
+        </p:txBody>
+      </p:sp>
+      <p:pic>
+        <p:nvPicPr>
+          <p:cNvPr id="1029" name="Picture 5"/>
+          <p:cNvPicPr>
+            <a:picLocks noChangeAspect="1" noChangeArrowheads="1"/>
+          </p:cNvPicPr>
+          <p:nvPr/>
+        </p:nvPicPr>
+        <p:blipFill>
+          <a:blip r:embed="rId2">
+            <a:extLst>
+              <a:ext uri="{28A0092B-C50C-407E-A947-70E740481C1C}">
+                <a14:useLocalDpi xmlns:a14="http://schemas.microsoft.com/office/drawing/2010/main" val="0"/>
+              </a:ext>
+            </a:extLst>
+          </a:blip>
+          <a:srcRect/>
+          <a:stretch>
+            <a:fillRect/>
+          </a:stretch>
+        </p:blipFill>
+        <p:spPr bwMode="auto">
+          <a:xfrm>
+            <a:off x="481635" y="1515638"/>
+            <a:ext cx="8239125" cy="4933950"/>
+          </a:xfrm>
+          <a:prstGeom prst="rect">
+            <a:avLst/>
+          </a:prstGeom>
+          <a:noFill/>
+          <a:ln>
+            <a:noFill/>
+          </a:ln>
+          <a:extLst>
+            <a:ext uri="{909E8E84-426E-40DD-AFC4-6F175D3DCCD1}">
+              <a14:hiddenFill xmlns:a14="http://schemas.microsoft.com/office/drawing/2010/main">
+                <a:solidFill>
+                  <a:schemeClr val="accent1"/>
+                </a:solidFill>
+              </a14:hiddenFill>
+            </a:ext>
+            <a:ext uri="{91240B29-F687-4F45-9708-019B960494DF}">
+              <a14:hiddenLine xmlns:a14="http://schemas.microsoft.com/office/drawing/2010/main" w="9525">
+                <a:solidFill>
+                  <a:schemeClr val="tx1"/>
+                </a:solidFill>
+                <a:miter lim="800000"/>
+                <a:headEnd/>
+                <a:tailEnd/>
+              </a14:hiddenLine>
+            </a:ext>
+          </a:extLst>
+        </p:spPr>
+      </p:pic>
+      <p:sp>
+        <p:nvSpPr>
+          <p:cNvPr id="5" name="Rectangle 4"/>
+          <p:cNvSpPr/>
+          <p:nvPr/>
+        </p:nvSpPr>
+        <p:spPr>
+          <a:xfrm>
+            <a:off x="3995936" y="3982613"/>
+            <a:ext cx="3207929" cy="369332"/>
+          </a:xfrm>
+          <a:prstGeom prst="rect">
+            <a:avLst/>
+          </a:prstGeom>
+        </p:spPr>
+        <p:txBody>
+          <a:bodyPr wrap="none">
+            <a:spAutoFit/>
+          </a:bodyPr>
+          <a:lstStyle/>
+          <a:p>
+            <a:r>
+              <a:rPr lang="pl-PL" dirty="0"/>
+              <a:t>/</a:t>
+            </a:r>
+            <a:r>
+              <a:rPr lang="pl-PL" dirty="0" err="1"/>
+              <a:t>digest</a:t>
+            </a:r>
+            <a:r>
+              <a:rPr lang="pl-PL" dirty="0"/>
+              <a:t>-service-no-limit/</a:t>
+            </a:r>
+            <a:r>
+              <a:rPr lang="pl-PL" dirty="0" err="1"/>
+              <a:t>hc</a:t>
+            </a:r>
+            <a:endParaRPr lang="pl-PL" dirty="0"/>
+          </a:p>
+        </p:txBody>
+      </p:sp>
+    </p:spTree>
+    <p:extLst>
+      <p:ext uri="{BB962C8B-B14F-4D97-AF65-F5344CB8AC3E}">
+        <p14:creationId xmlns:p14="http://schemas.microsoft.com/office/powerpoint/2010/main" val="2591488914"/>
+      </p:ext>
+    </p:extLst>
+  </p:cSld>
+  <p:clrMapOvr>
+    <a:masterClrMapping/>
+  </p:clrMapOvr>
+  <p:timing>
+    <p:tnLst>
+      <p:par>
+        <p:cTn id="1" dur="indefinite" restart="never" nodeType="tmRoot"/>
+      </p:par>
+    </p:tnLst>
+  </p:timing>
+</p:sld>
+</file>
+
+<file path=ppt/slides/slide33.xml><?xml version="1.0" encoding="utf-8"?>
+<p:sld xmlns:a="http://schemas.openxmlformats.org/drawingml/2006/main" xmlns:r="http://schemas.openxmlformats.org/officeDocument/2006/relationships" xmlns:p="http://schemas.openxmlformats.org/presentationml/2006/main">
+  <p:cSld>
+    <p:spTree>
+      <p:nvGrpSpPr>
+        <p:cNvPr id="1" name=""/>
+        <p:cNvGrpSpPr/>
+        <p:nvPr/>
+      </p:nvGrpSpPr>
+      <p:grpSpPr>
+        <a:xfrm>
+          <a:off x="0" y="0"/>
+          <a:ext cx="0" cy="0"/>
+          <a:chOff x="0" y="0"/>
+          <a:chExt cx="0" cy="0"/>
+        </a:xfrm>
+      </p:grpSpPr>
+      <p:sp>
+        <p:nvSpPr>
+          <p:cNvPr id="2" name="Title 1"/>
+          <p:cNvSpPr>
+            <a:spLocks noGrp="1"/>
+          </p:cNvSpPr>
+          <p:nvPr>
+            <p:ph type="title"/>
+          </p:nvPr>
+        </p:nvSpPr>
+        <p:spPr/>
+        <p:txBody>
+          <a:bodyPr/>
+          <a:lstStyle/>
+          <a:p>
+            <a:r>
+              <a:rPr lang="en-US" dirty="0" smtClean="0"/>
+              <a:t>ASG comes in</a:t>
+            </a:r>
+            <a:endParaRPr lang="pl-PL" dirty="0"/>
+          </a:p>
+        </p:txBody>
+      </p:sp>
+      <p:pic>
+        <p:nvPicPr>
+          <p:cNvPr id="1027" name="Picture 3"/>
+          <p:cNvPicPr>
+            <a:picLocks noChangeAspect="1" noChangeArrowheads="1"/>
+          </p:cNvPicPr>
+          <p:nvPr/>
+        </p:nvPicPr>
+        <p:blipFill>
+          <a:blip r:embed="rId2">
+            <a:extLst>
+              <a:ext uri="{28A0092B-C50C-407E-A947-70E740481C1C}">
+                <a14:useLocalDpi xmlns:a14="http://schemas.microsoft.com/office/drawing/2010/main" val="0"/>
+              </a:ext>
+            </a:extLst>
+          </a:blip>
+          <a:srcRect/>
+          <a:stretch>
+            <a:fillRect/>
+          </a:stretch>
+        </p:blipFill>
+        <p:spPr bwMode="auto">
+          <a:xfrm>
+            <a:off x="2843808" y="4221088"/>
+            <a:ext cx="6120680" cy="2331259"/>
+          </a:xfrm>
+          <a:prstGeom prst="rect">
+            <a:avLst/>
+          </a:prstGeom>
+          <a:noFill/>
+          <a:ln>
+            <a:noFill/>
+          </a:ln>
+          <a:extLst>
+            <a:ext uri="{909E8E84-426E-40DD-AFC4-6F175D3DCCD1}">
+              <a14:hiddenFill xmlns:a14="http://schemas.microsoft.com/office/drawing/2010/main">
+                <a:solidFill>
+                  <a:schemeClr val="accent1"/>
+                </a:solidFill>
+              </a14:hiddenFill>
+            </a:ext>
+            <a:ext uri="{91240B29-F687-4F45-9708-019B960494DF}">
+              <a14:hiddenLine xmlns:a14="http://schemas.microsoft.com/office/drawing/2010/main" w="9525">
+                <a:solidFill>
+                  <a:schemeClr val="tx1"/>
+                </a:solidFill>
+                <a:miter lim="800000"/>
+                <a:headEnd/>
+                <a:tailEnd/>
+              </a14:hiddenLine>
+            </a:ext>
+          </a:extLst>
+        </p:spPr>
+      </p:pic>
+      <p:pic>
+        <p:nvPicPr>
+          <p:cNvPr id="1026" name="Picture 2"/>
+          <p:cNvPicPr>
+            <a:picLocks noChangeAspect="1" noChangeArrowheads="1"/>
+          </p:cNvPicPr>
+          <p:nvPr/>
+        </p:nvPicPr>
+        <p:blipFill>
+          <a:blip r:embed="rId3">
+            <a:extLst>
+              <a:ext uri="{28A0092B-C50C-407E-A947-70E740481C1C}">
+                <a14:useLocalDpi xmlns:a14="http://schemas.microsoft.com/office/drawing/2010/main" val="0"/>
+              </a:ext>
+            </a:extLst>
+          </a:blip>
+          <a:srcRect/>
+          <a:stretch>
+            <a:fillRect/>
+          </a:stretch>
+        </p:blipFill>
+        <p:spPr bwMode="auto">
+          <a:xfrm>
+            <a:off x="323528" y="1441084"/>
+            <a:ext cx="6768752" cy="2635988"/>
+          </a:xfrm>
+          <a:prstGeom prst="rect">
+            <a:avLst/>
+          </a:prstGeom>
+          <a:noFill/>
+          <a:ln>
+            <a:noFill/>
+          </a:ln>
+          <a:extLst>
+            <a:ext uri="{909E8E84-426E-40DD-AFC4-6F175D3DCCD1}">
+              <a14:hiddenFill xmlns:a14="http://schemas.microsoft.com/office/drawing/2010/main">
+                <a:solidFill>
+                  <a:schemeClr val="accent1"/>
+                </a:solidFill>
+              </a14:hiddenFill>
+            </a:ext>
+            <a:ext uri="{91240B29-F687-4F45-9708-019B960494DF}">
+              <a14:hiddenLine xmlns:a14="http://schemas.microsoft.com/office/drawing/2010/main" w="9525">
+                <a:solidFill>
+                  <a:schemeClr val="tx1"/>
+                </a:solidFill>
+                <a:miter lim="800000"/>
+                <a:headEnd/>
+                <a:tailEnd/>
+              </a14:hiddenLine>
+            </a:ext>
+          </a:extLst>
+        </p:spPr>
+      </p:pic>
+    </p:spTree>
+    <p:extLst>
+      <p:ext uri="{BB962C8B-B14F-4D97-AF65-F5344CB8AC3E}">
+        <p14:creationId xmlns:p14="http://schemas.microsoft.com/office/powerpoint/2010/main" val="3179578343"/>
+      </p:ext>
+    </p:extLst>
+  </p:cSld>
+  <p:clrMapOvr>
+    <a:masterClrMapping/>
+  </p:clrMapOvr>
+  <p:timing>
+    <p:tnLst>
+      <p:par>
+        <p:cTn id="1" dur="indefinite" restart="never" nodeType="tmRoot"/>
+      </p:par>
+    </p:tnLst>
+  </p:timing>
+</p:sld>
+</file>
+
+<file path=ppt/slides/slide34.xml><?xml version="1.0" encoding="utf-8"?>
+<p:sld xmlns:a="http://schemas.openxmlformats.org/drawingml/2006/main" xmlns:r="http://schemas.openxmlformats.org/officeDocument/2006/relationships" xmlns:p="http://schemas.openxmlformats.org/presentationml/2006/main">
+  <p:cSld>
+    <p:spTree>
+      <p:nvGrpSpPr>
+        <p:cNvPr id="1" name=""/>
+        <p:cNvGrpSpPr/>
+        <p:nvPr/>
+      </p:nvGrpSpPr>
+      <p:grpSpPr>
+        <a:xfrm>
+          <a:off x="0" y="0"/>
+          <a:ext cx="0" cy="0"/>
+          <a:chOff x="0" y="0"/>
+          <a:chExt cx="0" cy="0"/>
+        </a:xfrm>
+      </p:grpSpPr>
+      <p:sp>
+        <p:nvSpPr>
+          <p:cNvPr id="2" name="Title 1"/>
+          <p:cNvSpPr>
+            <a:spLocks noGrp="1"/>
+          </p:cNvSpPr>
+          <p:nvPr>
+            <p:ph type="title"/>
+          </p:nvPr>
+        </p:nvSpPr>
+        <p:spPr/>
+        <p:txBody>
+          <a:bodyPr/>
+          <a:lstStyle/>
+          <a:p>
+            <a:r>
+              <a:rPr lang="en-US" dirty="0" smtClean="0"/>
+              <a:t>ASG and Alarms</a:t>
+            </a:r>
+            <a:endParaRPr lang="pl-PL" dirty="0"/>
+          </a:p>
+        </p:txBody>
+      </p:sp>
+      <p:pic>
+        <p:nvPicPr>
+          <p:cNvPr id="1026" name="Picture 2"/>
+          <p:cNvPicPr>
+            <a:picLocks noChangeAspect="1" noChangeArrowheads="1"/>
+          </p:cNvPicPr>
+          <p:nvPr/>
+        </p:nvPicPr>
+        <p:blipFill>
+          <a:blip r:embed="rId2">
+            <a:extLst>
+              <a:ext uri="{28A0092B-C50C-407E-A947-70E740481C1C}">
+                <a14:useLocalDpi xmlns:a14="http://schemas.microsoft.com/office/drawing/2010/main" val="0"/>
+              </a:ext>
+            </a:extLst>
+          </a:blip>
+          <a:srcRect/>
+          <a:stretch>
+            <a:fillRect/>
+          </a:stretch>
+        </p:blipFill>
+        <p:spPr bwMode="auto">
+          <a:xfrm>
+            <a:off x="960834" y="1988840"/>
+            <a:ext cx="7067550" cy="3971925"/>
+          </a:xfrm>
+          <a:prstGeom prst="rect">
+            <a:avLst/>
+          </a:prstGeom>
+          <a:noFill/>
+          <a:ln>
+            <a:noFill/>
+          </a:ln>
+          <a:extLst>
+            <a:ext uri="{909E8E84-426E-40DD-AFC4-6F175D3DCCD1}">
+              <a14:hiddenFill xmlns:a14="http://schemas.microsoft.com/office/drawing/2010/main">
+                <a:solidFill>
+                  <a:schemeClr val="accent1"/>
+                </a:solidFill>
+              </a14:hiddenFill>
+            </a:ext>
+            <a:ext uri="{91240B29-F687-4F45-9708-019B960494DF}">
+              <a14:hiddenLine xmlns:a14="http://schemas.microsoft.com/office/drawing/2010/main" w="9525">
+                <a:solidFill>
+                  <a:schemeClr val="tx1"/>
+                </a:solidFill>
+                <a:miter lim="800000"/>
+                <a:headEnd/>
+                <a:tailEnd/>
+              </a14:hiddenLine>
+            </a:ext>
+          </a:extLst>
+        </p:spPr>
+      </p:pic>
+    </p:spTree>
+    <p:extLst>
+      <p:ext uri="{BB962C8B-B14F-4D97-AF65-F5344CB8AC3E}">
+        <p14:creationId xmlns:p14="http://schemas.microsoft.com/office/powerpoint/2010/main" val="3346383675"/>
+      </p:ext>
+    </p:extLst>
+  </p:cSld>
+  <p:clrMapOvr>
+    <a:masterClrMapping/>
+  </p:clrMapOvr>
+  <p:timing>
+    <p:tnLst>
+      <p:par>
+        <p:cTn id="1" dur="indefinite" restart="never" nodeType="tmRoot"/>
+      </p:par>
+    </p:tnLst>
+  </p:timing>
+</p:sld>
+</file>
+
+<file path=ppt/slides/slide35.xml><?xml version="1.0" encoding="utf-8"?>
+<p:sld xmlns:a="http://schemas.openxmlformats.org/drawingml/2006/main" xmlns:r="http://schemas.openxmlformats.org/officeDocument/2006/relationships" xmlns:p="http://schemas.openxmlformats.org/presentationml/2006/main">
+  <p:cSld>
+    <p:spTree>
+      <p:nvGrpSpPr>
+        <p:cNvPr id="1" name=""/>
+        <p:cNvGrpSpPr/>
+        <p:nvPr/>
+      </p:nvGrpSpPr>
+      <p:grpSpPr>
+        <a:xfrm>
+          <a:off x="0" y="0"/>
+          <a:ext cx="0" cy="0"/>
+          <a:chOff x="0" y="0"/>
+          <a:chExt cx="0" cy="0"/>
+        </a:xfrm>
+      </p:grpSpPr>
+      <p:sp>
+        <p:nvSpPr>
+          <p:cNvPr id="2" name="Title 1"/>
+          <p:cNvSpPr>
+            <a:spLocks noGrp="1"/>
+          </p:cNvSpPr>
+          <p:nvPr>
+            <p:ph type="title"/>
+          </p:nvPr>
+        </p:nvSpPr>
+        <p:spPr/>
+        <p:txBody>
+          <a:bodyPr/>
+          <a:lstStyle/>
+          <a:p>
+            <a:r>
+              <a:rPr lang="en-US" dirty="0" smtClean="0"/>
+              <a:t>ASG Review</a:t>
+            </a:r>
+            <a:endParaRPr lang="pl-PL" dirty="0"/>
+          </a:p>
+        </p:txBody>
+      </p:sp>
+      <p:pic>
+        <p:nvPicPr>
+          <p:cNvPr id="4" name="Picture 2"/>
+          <p:cNvPicPr>
+            <a:picLocks noChangeAspect="1" noChangeArrowheads="1"/>
+          </p:cNvPicPr>
+          <p:nvPr/>
+        </p:nvPicPr>
+        <p:blipFill>
+          <a:blip r:embed="rId2">
+            <a:extLst>
+              <a:ext uri="{28A0092B-C50C-407E-A947-70E740481C1C}">
+                <a14:useLocalDpi xmlns:a14="http://schemas.microsoft.com/office/drawing/2010/main" val="0"/>
+              </a:ext>
+            </a:extLst>
+          </a:blip>
+          <a:srcRect/>
+          <a:stretch>
+            <a:fillRect/>
+          </a:stretch>
+        </p:blipFill>
+        <p:spPr bwMode="auto">
+          <a:xfrm>
+            <a:off x="395536" y="2479415"/>
+            <a:ext cx="8186237" cy="3335439"/>
+          </a:xfrm>
+          <a:prstGeom prst="rect">
+            <a:avLst/>
+          </a:prstGeom>
+          <a:noFill/>
+          <a:ln>
+            <a:noFill/>
+          </a:ln>
+          <a:extLst>
+            <a:ext uri="{909E8E84-426E-40DD-AFC4-6F175D3DCCD1}">
+              <a14:hiddenFill xmlns:a14="http://schemas.microsoft.com/office/drawing/2010/main">
+                <a:solidFill>
+                  <a:schemeClr val="accent1"/>
+                </a:solidFill>
+              </a14:hiddenFill>
+            </a:ext>
+            <a:ext uri="{91240B29-F687-4F45-9708-019B960494DF}">
+              <a14:hiddenLine xmlns:a14="http://schemas.microsoft.com/office/drawing/2010/main" w="9525">
+                <a:solidFill>
+                  <a:schemeClr val="tx1"/>
+                </a:solidFill>
+                <a:miter lim="800000"/>
+                <a:headEnd/>
+                <a:tailEnd/>
+              </a14:hiddenLine>
+            </a:ext>
+          </a:extLst>
+        </p:spPr>
+      </p:pic>
+    </p:spTree>
+    <p:extLst>
+      <p:ext uri="{BB962C8B-B14F-4D97-AF65-F5344CB8AC3E}">
+        <p14:creationId xmlns:p14="http://schemas.microsoft.com/office/powerpoint/2010/main" val="2691900793"/>
+      </p:ext>
+    </p:extLst>
+  </p:cSld>
+  <p:clrMapOvr>
+    <a:masterClrMapping/>
+  </p:clrMapOvr>
+  <p:timing>
+    <p:tnLst>
+      <p:par>
+        <p:cTn id="1" dur="indefinite" restart="never" nodeType="tmRoot"/>
+      </p:par>
+    </p:tnLst>
+  </p:timing>
+</p:sld>
+</file>
+
+<file path=ppt/slides/slide36.xml><?xml version="1.0" encoding="utf-8"?>
+<p:sld xmlns:a="http://schemas.openxmlformats.org/drawingml/2006/main" xmlns:r="http://schemas.openxmlformats.org/officeDocument/2006/relationships" xmlns:p="http://schemas.openxmlformats.org/presentationml/2006/main">
+  <p:cSld>
+    <p:spTree>
+      <p:nvGrpSpPr>
+        <p:cNvPr id="1" name=""/>
+        <p:cNvGrpSpPr/>
+        <p:nvPr/>
+      </p:nvGrpSpPr>
+      <p:grpSpPr>
+        <a:xfrm>
+          <a:off x="0" y="0"/>
+          <a:ext cx="0" cy="0"/>
+          <a:chOff x="0" y="0"/>
+          <a:chExt cx="0" cy="0"/>
+        </a:xfrm>
+      </p:grpSpPr>
+      <p:sp>
+        <p:nvSpPr>
+          <p:cNvPr id="2" name="Title 1"/>
+          <p:cNvSpPr>
+            <a:spLocks noGrp="1"/>
+          </p:cNvSpPr>
+          <p:nvPr>
+            <p:ph type="title"/>
+          </p:nvPr>
+        </p:nvSpPr>
+        <p:spPr/>
+        <p:txBody>
+          <a:bodyPr/>
+          <a:lstStyle/>
+          <a:p>
+            <a:r>
+              <a:rPr lang="en-US" dirty="0" smtClean="0"/>
+              <a:t>ASG at work</a:t>
+            </a:r>
+            <a:endParaRPr lang="pl-PL" dirty="0"/>
+          </a:p>
+        </p:txBody>
+      </p:sp>
+      <p:pic>
+        <p:nvPicPr>
+          <p:cNvPr id="1026" name="Picture 2"/>
+          <p:cNvPicPr>
+            <a:picLocks noChangeAspect="1" noChangeArrowheads="1"/>
+          </p:cNvPicPr>
+          <p:nvPr/>
+        </p:nvPicPr>
+        <p:blipFill>
+          <a:blip r:embed="rId2">
+            <a:extLst>
+              <a:ext uri="{28A0092B-C50C-407E-A947-70E740481C1C}">
+                <a14:useLocalDpi xmlns:a14="http://schemas.microsoft.com/office/drawing/2010/main" val="0"/>
+              </a:ext>
+            </a:extLst>
+          </a:blip>
+          <a:srcRect/>
+          <a:stretch>
+            <a:fillRect/>
+          </a:stretch>
+        </p:blipFill>
+        <p:spPr bwMode="auto">
+          <a:xfrm>
+            <a:off x="200218" y="1710934"/>
+            <a:ext cx="8496944" cy="1629783"/>
+          </a:xfrm>
+          <a:prstGeom prst="rect">
+            <a:avLst/>
+          </a:prstGeom>
+          <a:noFill/>
+          <a:ln>
+            <a:noFill/>
+          </a:ln>
+          <a:extLst>
+            <a:ext uri="{909E8E84-426E-40DD-AFC4-6F175D3DCCD1}">
+              <a14:hiddenFill xmlns:a14="http://schemas.microsoft.com/office/drawing/2010/main">
+                <a:solidFill>
+                  <a:schemeClr val="accent1"/>
+                </a:solidFill>
+              </a14:hiddenFill>
+            </a:ext>
+            <a:ext uri="{91240B29-F687-4F45-9708-019B960494DF}">
+              <a14:hiddenLine xmlns:a14="http://schemas.microsoft.com/office/drawing/2010/main" w="9525">
+                <a:solidFill>
+                  <a:schemeClr val="tx1"/>
+                </a:solidFill>
+                <a:miter lim="800000"/>
+                <a:headEnd/>
+                <a:tailEnd/>
+              </a14:hiddenLine>
+            </a:ext>
+          </a:extLst>
+        </p:spPr>
+      </p:pic>
+      <p:pic>
+        <p:nvPicPr>
+          <p:cNvPr id="2050" name="Picture 2"/>
+          <p:cNvPicPr>
+            <a:picLocks noChangeAspect="1" noChangeArrowheads="1"/>
+          </p:cNvPicPr>
+          <p:nvPr/>
+        </p:nvPicPr>
+        <p:blipFill>
+          <a:blip r:embed="rId3">
+            <a:extLst>
+              <a:ext uri="{28A0092B-C50C-407E-A947-70E740481C1C}">
+                <a14:useLocalDpi xmlns:a14="http://schemas.microsoft.com/office/drawing/2010/main" val="0"/>
+              </a:ext>
+            </a:extLst>
+          </a:blip>
+          <a:srcRect/>
+          <a:stretch>
+            <a:fillRect/>
+          </a:stretch>
+        </p:blipFill>
+        <p:spPr bwMode="auto">
+          <a:xfrm>
+            <a:off x="2123728" y="3573016"/>
+            <a:ext cx="6696075" cy="2971800"/>
+          </a:xfrm>
+          <a:prstGeom prst="rect">
+            <a:avLst/>
+          </a:prstGeom>
+          <a:noFill/>
+          <a:ln>
+            <a:noFill/>
+          </a:ln>
+          <a:extLst>
+            <a:ext uri="{909E8E84-426E-40DD-AFC4-6F175D3DCCD1}">
+              <a14:hiddenFill xmlns:a14="http://schemas.microsoft.com/office/drawing/2010/main">
+                <a:solidFill>
+                  <a:schemeClr val="accent1"/>
+                </a:solidFill>
+              </a14:hiddenFill>
+            </a:ext>
+            <a:ext uri="{91240B29-F687-4F45-9708-019B960494DF}">
+              <a14:hiddenLine xmlns:a14="http://schemas.microsoft.com/office/drawing/2010/main" w="9525">
+                <a:solidFill>
+                  <a:schemeClr val="tx1"/>
+                </a:solidFill>
+                <a:miter lim="800000"/>
+                <a:headEnd/>
+                <a:tailEnd/>
+              </a14:hiddenLine>
+            </a:ext>
+          </a:extLst>
+        </p:spPr>
+      </p:pic>
+      <p:sp>
+        <p:nvSpPr>
+          <p:cNvPr id="5" name="Freeform 4"/>
+          <p:cNvSpPr/>
+          <p:nvPr/>
+        </p:nvSpPr>
+        <p:spPr>
+          <a:xfrm>
+            <a:off x="822424" y="2776741"/>
+            <a:ext cx="4300002" cy="2521652"/>
+          </a:xfrm>
+          <a:custGeom>
+            <a:avLst/>
+            <a:gdLst>
+              <a:gd name="connsiteX0" fmla="*/ 4300002 w 4300002"/>
+              <a:gd name="connsiteY0" fmla="*/ 2521652 h 2521652"/>
+              <a:gd name="connsiteX1" fmla="*/ 3197595 w 4300002"/>
+              <a:gd name="connsiteY1" fmla="*/ 2034542 h 2521652"/>
+              <a:gd name="connsiteX2" fmla="*/ 1061146 w 4300002"/>
+              <a:gd name="connsiteY2" fmla="*/ 2239641 h 2521652"/>
+              <a:gd name="connsiteX3" fmla="*/ 1468 w 4300002"/>
+              <a:gd name="connsiteY3" fmla="*/ 1051775 h 2521652"/>
+              <a:gd name="connsiteX4" fmla="*/ 881685 w 4300002"/>
+              <a:gd name="connsiteY4" fmla="*/ 103192 h 2521652"/>
+              <a:gd name="connsiteX5" fmla="*/ 2872855 w 4300002"/>
+              <a:gd name="connsiteY5" fmla="*/ 69009 h 2521652"/>
+            </a:gdLst>
+            <a:ahLst/>
+            <a:cxnLst>
+              <a:cxn ang="0">
+                <a:pos x="connsiteX0" y="connsiteY0"/>
+              </a:cxn>
+              <a:cxn ang="0">
+                <a:pos x="connsiteX1" y="connsiteY1"/>
+              </a:cxn>
+              <a:cxn ang="0">
+                <a:pos x="connsiteX2" y="connsiteY2"/>
+              </a:cxn>
+              <a:cxn ang="0">
+                <a:pos x="connsiteX3" y="connsiteY3"/>
+              </a:cxn>
+              <a:cxn ang="0">
+                <a:pos x="connsiteX4" y="connsiteY4"/>
+              </a:cxn>
+              <a:cxn ang="0">
+                <a:pos x="connsiteX5" y="connsiteY5"/>
+              </a:cxn>
+            </a:cxnLst>
+            <a:rect l="l" t="t" r="r" b="b"/>
+            <a:pathLst>
+              <a:path w="4300002" h="2521652">
+                <a:moveTo>
+                  <a:pt x="4300002" y="2521652"/>
+                </a:moveTo>
+                <a:cubicBezTo>
+                  <a:pt x="4018703" y="2301598"/>
+                  <a:pt x="3737404" y="2081544"/>
+                  <a:pt x="3197595" y="2034542"/>
+                </a:cubicBezTo>
+                <a:cubicBezTo>
+                  <a:pt x="2657786" y="1987540"/>
+                  <a:pt x="1593834" y="2403435"/>
+                  <a:pt x="1061146" y="2239641"/>
+                </a:cubicBezTo>
+                <a:cubicBezTo>
+                  <a:pt x="528458" y="2075847"/>
+                  <a:pt x="31378" y="1407850"/>
+                  <a:pt x="1468" y="1051775"/>
+                </a:cubicBezTo>
+                <a:cubicBezTo>
+                  <a:pt x="-28442" y="695700"/>
+                  <a:pt x="403121" y="266986"/>
+                  <a:pt x="881685" y="103192"/>
+                </a:cubicBezTo>
+                <a:cubicBezTo>
+                  <a:pt x="1360249" y="-60602"/>
+                  <a:pt x="2116552" y="4203"/>
+                  <a:pt x="2872855" y="69009"/>
+                </a:cubicBezTo>
+              </a:path>
+            </a:pathLst>
+          </a:custGeom>
+          <a:noFill/>
+          <a:ln w="38100">
+            <a:solidFill>
+              <a:srgbClr val="FF0000"/>
+            </a:solidFill>
+            <a:headEnd type="oval" w="med" len="med"/>
+            <a:tailEnd type="triangle" w="med" len="med"/>
+          </a:ln>
+        </p:spPr>
+        <p:style>
+          <a:lnRef idx="2">
+            <a:schemeClr val="accent1">
+              <a:shade val="50000"/>
+            </a:schemeClr>
+          </a:lnRef>
+          <a:fillRef idx="1">
+            <a:schemeClr val="accent1"/>
+          </a:fillRef>
+          <a:effectRef idx="0">
+            <a:schemeClr val="accent1"/>
+          </a:effectRef>
+          <a:fontRef idx="minor">
+            <a:schemeClr val="lt1"/>
+          </a:fontRef>
+        </p:style>
+        <p:txBody>
+          <a:bodyPr rtlCol="0" anchor="ctr"/>
+          <a:lstStyle/>
+          <a:p>
+            <a:pPr algn="ctr"/>
+            <a:endParaRPr lang="pl-PL"/>
+          </a:p>
+        </p:txBody>
+      </p:sp>
+    </p:spTree>
+    <p:extLst>
+      <p:ext uri="{BB962C8B-B14F-4D97-AF65-F5344CB8AC3E}">
+        <p14:creationId xmlns:p14="http://schemas.microsoft.com/office/powerpoint/2010/main" val="251910622"/>
+      </p:ext>
+    </p:extLst>
+  </p:cSld>
+  <p:clrMapOvr>
+    <a:masterClrMapping/>
+  </p:clrMapOvr>
+  <p:timing>
+    <p:tnLst>
+      <p:par>
+        <p:cTn id="1" dur="indefinite" restart="never" nodeType="tmRoot"/>
+      </p:par>
+    </p:tnLst>
+  </p:timing>
+</p:sld>
+</file>
+
+<file path=ppt/slides/slide37.xml><?xml version="1.0" encoding="utf-8"?>
+<p:sld xmlns:a="http://schemas.openxmlformats.org/drawingml/2006/main" xmlns:r="http://schemas.openxmlformats.org/officeDocument/2006/relationships" xmlns:p="http://schemas.openxmlformats.org/presentationml/2006/main">
+  <p:cSld>
+    <p:spTree>
+      <p:nvGrpSpPr>
+        <p:cNvPr id="1" name=""/>
+        <p:cNvGrpSpPr/>
+        <p:nvPr/>
+      </p:nvGrpSpPr>
+      <p:grpSpPr>
+        <a:xfrm>
+          <a:off x="0" y="0"/>
+          <a:ext cx="0" cy="0"/>
+          <a:chOff x="0" y="0"/>
+          <a:chExt cx="0" cy="0"/>
+        </a:xfrm>
+      </p:grpSpPr>
+      <p:sp>
+        <p:nvSpPr>
+          <p:cNvPr id="2" name="Title 1"/>
+          <p:cNvSpPr>
+            <a:spLocks noGrp="1"/>
+          </p:cNvSpPr>
+          <p:nvPr>
+            <p:ph type="title"/>
+          </p:nvPr>
+        </p:nvSpPr>
+        <p:spPr/>
+        <p:txBody>
+          <a:bodyPr>
+            <a:normAutofit/>
+          </a:bodyPr>
+          <a:lstStyle/>
+          <a:p>
+            <a:r>
               <a:rPr lang="en-US" sz="3600" dirty="0" smtClean="0"/>
               <a:t>Exercise 3. The essence</a:t>
             </a:r>
@@ -9547,7 +10622,7 @@
 </p:sld>
 </file>
 
-<file path=ppt/slides/slide32.xml><?xml version="1.0" encoding="utf-8"?>
+<file path=ppt/slides/slide38.xml><?xml version="1.0" encoding="utf-8"?>
 <p:sld xmlns:a="http://schemas.openxmlformats.org/drawingml/2006/main" xmlns:r="http://schemas.openxmlformats.org/officeDocument/2006/relationships" xmlns:p="http://schemas.openxmlformats.org/presentationml/2006/main">
   <p:cSld>
     <p:spTree>
@@ -9767,7 +10842,7 @@
 </p:sld>
 </file>
 
-<file path=ppt/slides/slide33.xml><?xml version="1.0" encoding="utf-8"?>
+<file path=ppt/slides/slide39.xml><?xml version="1.0" encoding="utf-8"?>
 <p:sld xmlns:a="http://schemas.openxmlformats.org/drawingml/2006/main" xmlns:r="http://schemas.openxmlformats.org/officeDocument/2006/relationships" xmlns:p="http://schemas.openxmlformats.org/presentationml/2006/main">
   <p:cSld>
     <p:spTree>
@@ -9956,7 +11031,188 @@
 </p:sld>
 </file>
 
-<file path=ppt/slides/slide34.xml><?xml version="1.0" encoding="utf-8"?>
+<file path=ppt/slides/slide4.xml><?xml version="1.0" encoding="utf-8"?>
+<p:sld xmlns:a="http://schemas.openxmlformats.org/drawingml/2006/main" xmlns:r="http://schemas.openxmlformats.org/officeDocument/2006/relationships" xmlns:p="http://schemas.openxmlformats.org/presentationml/2006/main">
+  <p:cSld>
+    <p:spTree>
+      <p:nvGrpSpPr>
+        <p:cNvPr id="1" name=""/>
+        <p:cNvGrpSpPr/>
+        <p:nvPr/>
+      </p:nvGrpSpPr>
+      <p:grpSpPr>
+        <a:xfrm>
+          <a:off x="0" y="0"/>
+          <a:ext cx="0" cy="0"/>
+          <a:chOff x="0" y="0"/>
+          <a:chExt cx="0" cy="0"/>
+        </a:xfrm>
+      </p:grpSpPr>
+      <p:sp>
+        <p:nvSpPr>
+          <p:cNvPr id="2" name="Title 1"/>
+          <p:cNvSpPr>
+            <a:spLocks noGrp="1"/>
+          </p:cNvSpPr>
+          <p:nvPr>
+            <p:ph type="title"/>
+          </p:nvPr>
+        </p:nvSpPr>
+        <p:spPr/>
+        <p:txBody>
+          <a:bodyPr>
+            <a:normAutofit/>
+          </a:bodyPr>
+          <a:lstStyle/>
+          <a:p>
+            <a:r>
+              <a:rPr lang="en-US" sz="3600" dirty="0" smtClean="0"/>
+              <a:t>AWS </a:t>
+            </a:r>
+            <a:r>
+              <a:rPr lang="en-US" sz="3600" dirty="0" err="1" smtClean="0"/>
+              <a:t>Globality</a:t>
+            </a:r>
+            <a:endParaRPr lang="pl-PL" sz="3600" dirty="0"/>
+          </a:p>
+        </p:txBody>
+      </p:sp>
+      <p:pic>
+        <p:nvPicPr>
+          <p:cNvPr id="5" name="Picture 2"/>
+          <p:cNvPicPr>
+            <a:picLocks noChangeAspect="1" noChangeArrowheads="1"/>
+          </p:cNvPicPr>
+          <p:nvPr/>
+        </p:nvPicPr>
+        <p:blipFill>
+          <a:blip r:embed="rId2">
+            <a:extLst>
+              <a:ext uri="{28A0092B-C50C-407E-A947-70E740481C1C}">
+                <a14:useLocalDpi xmlns:a14="http://schemas.microsoft.com/office/drawing/2010/main" val="0"/>
+              </a:ext>
+            </a:extLst>
+          </a:blip>
+          <a:srcRect/>
+          <a:stretch>
+            <a:fillRect/>
+          </a:stretch>
+        </p:blipFill>
+        <p:spPr bwMode="auto">
+          <a:xfrm>
+            <a:off x="2476500" y="2655168"/>
+            <a:ext cx="4191000" cy="2286000"/>
+          </a:xfrm>
+          <a:prstGeom prst="rect">
+            <a:avLst/>
+          </a:prstGeom>
+          <a:noFill/>
+          <a:ln>
+            <a:noFill/>
+          </a:ln>
+          <a:extLst>
+            <a:ext uri="{909E8E84-426E-40DD-AFC4-6F175D3DCCD1}">
+              <a14:hiddenFill xmlns:a14="http://schemas.microsoft.com/office/drawing/2010/main">
+                <a:solidFill>
+                  <a:schemeClr val="accent1"/>
+                </a:solidFill>
+              </a14:hiddenFill>
+            </a:ext>
+            <a:ext uri="{91240B29-F687-4F45-9708-019B960494DF}">
+              <a14:hiddenLine xmlns:a14="http://schemas.microsoft.com/office/drawing/2010/main" w="9525">
+                <a:solidFill>
+                  <a:schemeClr val="tx1"/>
+                </a:solidFill>
+                <a:miter lim="800000"/>
+                <a:headEnd/>
+                <a:tailEnd/>
+              </a14:hiddenLine>
+            </a:ext>
+          </a:extLst>
+        </p:spPr>
+      </p:pic>
+      <p:pic>
+        <p:nvPicPr>
+          <p:cNvPr id="6" name="Picture 2"/>
+          <p:cNvPicPr>
+            <a:picLocks noChangeAspect="1" noChangeArrowheads="1"/>
+          </p:cNvPicPr>
+          <p:nvPr/>
+        </p:nvPicPr>
+        <p:blipFill>
+          <a:blip r:embed="rId3">
+            <a:extLst>
+              <a:ext uri="{28A0092B-C50C-407E-A947-70E740481C1C}">
+                <a14:useLocalDpi xmlns:a14="http://schemas.microsoft.com/office/drawing/2010/main" val="0"/>
+              </a:ext>
+            </a:extLst>
+          </a:blip>
+          <a:srcRect/>
+          <a:stretch>
+            <a:fillRect/>
+          </a:stretch>
+        </p:blipFill>
+        <p:spPr bwMode="auto">
+          <a:xfrm>
+            <a:off x="89173" y="6263811"/>
+            <a:ext cx="2114209" cy="549565"/>
+          </a:xfrm>
+          <a:prstGeom prst="rect">
+            <a:avLst/>
+          </a:prstGeom>
+          <a:noFill/>
+          <a:ln>
+            <a:noFill/>
+          </a:ln>
+          <a:effectLst>
+            <a:outerShdw blurRad="50800" dist="50800" dir="5400000" algn="ctr" rotWithShape="0">
+              <a:srgbClr val="000000">
+                <a:alpha val="3000"/>
+              </a:srgbClr>
+            </a:outerShdw>
+          </a:effectLst>
+          <a:extLst>
+            <a:ext uri="{909E8E84-426E-40DD-AFC4-6F175D3DCCD1}">
+              <a14:hiddenFill xmlns:a14="http://schemas.microsoft.com/office/drawing/2010/main">
+                <a:solidFill>
+                  <a:schemeClr val="accent1"/>
+                </a:solidFill>
+              </a14:hiddenFill>
+            </a:ext>
+            <a:ext uri="{91240B29-F687-4F45-9708-019B960494DF}">
+              <a14:hiddenLine xmlns:a14="http://schemas.microsoft.com/office/drawing/2010/main" w="9525">
+                <a:solidFill>
+                  <a:schemeClr val="tx1"/>
+                </a:solidFill>
+                <a:miter lim="800000"/>
+                <a:headEnd/>
+                <a:tailEnd/>
+              </a14:hiddenLine>
+            </a:ext>
+          </a:extLst>
+        </p:spPr>
+      </p:pic>
+    </p:spTree>
+    <p:extLst>
+      <p:ext uri="{BB962C8B-B14F-4D97-AF65-F5344CB8AC3E}">
+        <p14:creationId xmlns:p14="http://schemas.microsoft.com/office/powerpoint/2010/main" val="2807477333"/>
+      </p:ext>
+    </p:extLst>
+  </p:cSld>
+  <p:clrMapOvr>
+    <a:masterClrMapping/>
+  </p:clrMapOvr>
+  <p:timing>
+    <p:tnLst>
+      <p:par>
+        <p:cTn id="1" dur="indefinite" restart="never" nodeType="tmRoot"/>
+      </p:par>
+    </p:tnLst>
+  </p:timing>
+</p:sld>
+</file>
+
+<file path=ppt/slides/slide40.xml><?xml version="1.0" encoding="utf-8"?>
 <p:sld xmlns:a="http://schemas.openxmlformats.org/drawingml/2006/main" xmlns:r="http://schemas.openxmlformats.org/officeDocument/2006/relationships" xmlns:p="http://schemas.openxmlformats.org/presentationml/2006/main">
   <p:cSld>
     <p:spTree>
@@ -13787,7 +15043,7 @@
 </p:sld>
 </file>
 
-<file path=ppt/slides/slide35.xml><?xml version="1.0" encoding="utf-8"?>
+<file path=ppt/slides/slide41.xml><?xml version="1.0" encoding="utf-8"?>
 <p:sld xmlns:a="http://schemas.openxmlformats.org/drawingml/2006/main" xmlns:r="http://schemas.openxmlformats.org/officeDocument/2006/relationships" xmlns:p="http://schemas.openxmlformats.org/presentationml/2006/main">
   <p:cSld>
     <p:spTree>
@@ -15241,7 +16497,7 @@
 </p:sld>
 </file>
 
-<file path=ppt/slides/slide36.xml><?xml version="1.0" encoding="utf-8"?>
+<file path=ppt/slides/slide42.xml><?xml version="1.0" encoding="utf-8"?>
 <p:sld xmlns:a="http://schemas.openxmlformats.org/drawingml/2006/main" xmlns:r="http://schemas.openxmlformats.org/officeDocument/2006/relationships" xmlns:p="http://schemas.openxmlformats.org/presentationml/2006/main">
   <p:cSld>
     <p:spTree>
@@ -15629,7 +16885,7 @@
 </p:sld>
 </file>
 
-<file path=ppt/slides/slide37.xml><?xml version="1.0" encoding="utf-8"?>
+<file path=ppt/slides/slide43.xml><?xml version="1.0" encoding="utf-8"?>
 <p:sld xmlns:a="http://schemas.openxmlformats.org/drawingml/2006/main" xmlns:r="http://schemas.openxmlformats.org/officeDocument/2006/relationships" xmlns:p="http://schemas.openxmlformats.org/presentationml/2006/main">
   <p:cSld>
     <p:spTree>
@@ -15815,134 +17071,7 @@
 </p:sld>
 </file>
 
-<file path=ppt/slides/slide38.xml><?xml version="1.0" encoding="utf-8"?>
-<p:sld xmlns:a="http://schemas.openxmlformats.org/drawingml/2006/main" xmlns:r="http://schemas.openxmlformats.org/officeDocument/2006/relationships" xmlns:p="http://schemas.openxmlformats.org/presentationml/2006/main">
-  <p:cSld>
-    <p:spTree>
-      <p:nvGrpSpPr>
-        <p:cNvPr id="1" name=""/>
-        <p:cNvGrpSpPr/>
-        <p:nvPr/>
-      </p:nvGrpSpPr>
-      <p:grpSpPr>
-        <a:xfrm>
-          <a:off x="0" y="0"/>
-          <a:ext cx="0" cy="0"/>
-          <a:chOff x="0" y="0"/>
-          <a:chExt cx="0" cy="0"/>
-        </a:xfrm>
-      </p:grpSpPr>
-      <p:sp>
-        <p:nvSpPr>
-          <p:cNvPr id="2" name="Title 1"/>
-          <p:cNvSpPr>
-            <a:spLocks noGrp="1"/>
-          </p:cNvSpPr>
-          <p:nvPr>
-            <p:ph type="title"/>
-          </p:nvPr>
-        </p:nvSpPr>
-        <p:spPr/>
-        <p:txBody>
-          <a:bodyPr>
-            <a:normAutofit/>
-          </a:bodyPr>
-          <a:lstStyle/>
-          <a:p>
-            <a:r>
-              <a:rPr lang="en-US" sz="3600" dirty="0"/>
-              <a:t>Exercise </a:t>
-            </a:r>
-            <a:r>
-              <a:rPr lang="en-US" sz="3600" dirty="0" smtClean="0"/>
-              <a:t>3. Build and deploy</a:t>
-            </a:r>
-            <a:endParaRPr lang="pl-PL" sz="3600" dirty="0"/>
-          </a:p>
-        </p:txBody>
-      </p:sp>
-      <p:pic>
-        <p:nvPicPr>
-          <p:cNvPr id="4" name="Picture 2"/>
-          <p:cNvPicPr>
-            <a:picLocks noChangeAspect="1" noChangeArrowheads="1"/>
-          </p:cNvPicPr>
-          <p:nvPr/>
-        </p:nvPicPr>
-        <p:blipFill>
-          <a:blip r:embed="rId2">
-            <a:extLst>
-              <a:ext uri="{28A0092B-C50C-407E-A947-70E740481C1C}">
-                <a14:useLocalDpi xmlns:a14="http://schemas.microsoft.com/office/drawing/2010/main" val="0"/>
-              </a:ext>
-            </a:extLst>
-          </a:blip>
-          <a:srcRect/>
-          <a:stretch>
-            <a:fillRect/>
-          </a:stretch>
-        </p:blipFill>
-        <p:spPr bwMode="auto">
-          <a:xfrm>
-            <a:off x="89173" y="6263811"/>
-            <a:ext cx="2114209" cy="549565"/>
-          </a:xfrm>
-          <a:prstGeom prst="rect">
-            <a:avLst/>
-          </a:prstGeom>
-          <a:noFill/>
-          <a:ln>
-            <a:noFill/>
-          </a:ln>
-          <a:effectLst>
-            <a:outerShdw blurRad="50800" dist="50800" dir="5400000" algn="ctr" rotWithShape="0">
-              <a:srgbClr val="000000">
-                <a:alpha val="3000"/>
-              </a:srgbClr>
-            </a:outerShdw>
-          </a:effectLst>
-          <a:extLst>
-            <a:ext uri="{909E8E84-426E-40DD-AFC4-6F175D3DCCD1}">
-              <a14:hiddenFill xmlns:a14="http://schemas.microsoft.com/office/drawing/2010/main">
-                <a:solidFill>
-                  <a:schemeClr val="accent1"/>
-                </a:solidFill>
-              </a14:hiddenFill>
-            </a:ext>
-            <a:ext uri="{91240B29-F687-4F45-9708-019B960494DF}">
-              <a14:hiddenLine xmlns:a14="http://schemas.microsoft.com/office/drawing/2010/main" w="9525">
-                <a:solidFill>
-                  <a:schemeClr val="tx1"/>
-                </a:solidFill>
-                <a:miter lim="800000"/>
-                <a:headEnd/>
-                <a:tailEnd/>
-              </a14:hiddenLine>
-            </a:ext>
-          </a:extLst>
-        </p:spPr>
-      </p:pic>
-    </p:spTree>
-    <p:extLst>
-      <p:ext uri="{BB962C8B-B14F-4D97-AF65-F5344CB8AC3E}">
-        <p14:creationId xmlns:p14="http://schemas.microsoft.com/office/powerpoint/2010/main" val="4195114840"/>
-      </p:ext>
-    </p:extLst>
-  </p:cSld>
-  <p:clrMapOvr>
-    <a:masterClrMapping/>
-  </p:clrMapOvr>
-  <p:timing>
-    <p:tnLst>
-      <p:par>
-        <p:cTn id="1" dur="indefinite" restart="never" nodeType="tmRoot"/>
-      </p:par>
-    </p:tnLst>
-  </p:timing>
-</p:sld>
-</file>
-
-<file path=ppt/slides/slide39.xml><?xml version="1.0" encoding="utf-8"?>
+<file path=ppt/slides/slide44.xml><?xml version="1.0" encoding="utf-8"?>
 <p:sld xmlns:a="http://schemas.openxmlformats.org/drawingml/2006/main" xmlns:r="http://schemas.openxmlformats.org/officeDocument/2006/relationships" xmlns:p="http://schemas.openxmlformats.org/presentationml/2006/main">
   <p:cSld>
     <p:spTree>
@@ -16128,188 +17257,7 @@
 </p:sld>
 </file>
 
-<file path=ppt/slides/slide4.xml><?xml version="1.0" encoding="utf-8"?>
-<p:sld xmlns:a="http://schemas.openxmlformats.org/drawingml/2006/main" xmlns:r="http://schemas.openxmlformats.org/officeDocument/2006/relationships" xmlns:p="http://schemas.openxmlformats.org/presentationml/2006/main">
-  <p:cSld>
-    <p:spTree>
-      <p:nvGrpSpPr>
-        <p:cNvPr id="1" name=""/>
-        <p:cNvGrpSpPr/>
-        <p:nvPr/>
-      </p:nvGrpSpPr>
-      <p:grpSpPr>
-        <a:xfrm>
-          <a:off x="0" y="0"/>
-          <a:ext cx="0" cy="0"/>
-          <a:chOff x="0" y="0"/>
-          <a:chExt cx="0" cy="0"/>
-        </a:xfrm>
-      </p:grpSpPr>
-      <p:sp>
-        <p:nvSpPr>
-          <p:cNvPr id="2" name="Title 1"/>
-          <p:cNvSpPr>
-            <a:spLocks noGrp="1"/>
-          </p:cNvSpPr>
-          <p:nvPr>
-            <p:ph type="title"/>
-          </p:nvPr>
-        </p:nvSpPr>
-        <p:spPr/>
-        <p:txBody>
-          <a:bodyPr>
-            <a:normAutofit/>
-          </a:bodyPr>
-          <a:lstStyle/>
-          <a:p>
-            <a:r>
-              <a:rPr lang="en-US" sz="3600" dirty="0" smtClean="0"/>
-              <a:t>AWS </a:t>
-            </a:r>
-            <a:r>
-              <a:rPr lang="en-US" sz="3600" dirty="0" err="1" smtClean="0"/>
-              <a:t>Globality</a:t>
-            </a:r>
-            <a:endParaRPr lang="pl-PL" sz="3600" dirty="0"/>
-          </a:p>
-        </p:txBody>
-      </p:sp>
-      <p:pic>
-        <p:nvPicPr>
-          <p:cNvPr id="5" name="Picture 2"/>
-          <p:cNvPicPr>
-            <a:picLocks noChangeAspect="1" noChangeArrowheads="1"/>
-          </p:cNvPicPr>
-          <p:nvPr/>
-        </p:nvPicPr>
-        <p:blipFill>
-          <a:blip r:embed="rId2">
-            <a:extLst>
-              <a:ext uri="{28A0092B-C50C-407E-A947-70E740481C1C}">
-                <a14:useLocalDpi xmlns:a14="http://schemas.microsoft.com/office/drawing/2010/main" val="0"/>
-              </a:ext>
-            </a:extLst>
-          </a:blip>
-          <a:srcRect/>
-          <a:stretch>
-            <a:fillRect/>
-          </a:stretch>
-        </p:blipFill>
-        <p:spPr bwMode="auto">
-          <a:xfrm>
-            <a:off x="2476500" y="2655168"/>
-            <a:ext cx="4191000" cy="2286000"/>
-          </a:xfrm>
-          <a:prstGeom prst="rect">
-            <a:avLst/>
-          </a:prstGeom>
-          <a:noFill/>
-          <a:ln>
-            <a:noFill/>
-          </a:ln>
-          <a:extLst>
-            <a:ext uri="{909E8E84-426E-40DD-AFC4-6F175D3DCCD1}">
-              <a14:hiddenFill xmlns:a14="http://schemas.microsoft.com/office/drawing/2010/main">
-                <a:solidFill>
-                  <a:schemeClr val="accent1"/>
-                </a:solidFill>
-              </a14:hiddenFill>
-            </a:ext>
-            <a:ext uri="{91240B29-F687-4F45-9708-019B960494DF}">
-              <a14:hiddenLine xmlns:a14="http://schemas.microsoft.com/office/drawing/2010/main" w="9525">
-                <a:solidFill>
-                  <a:schemeClr val="tx1"/>
-                </a:solidFill>
-                <a:miter lim="800000"/>
-                <a:headEnd/>
-                <a:tailEnd/>
-              </a14:hiddenLine>
-            </a:ext>
-          </a:extLst>
-        </p:spPr>
-      </p:pic>
-      <p:pic>
-        <p:nvPicPr>
-          <p:cNvPr id="6" name="Picture 2"/>
-          <p:cNvPicPr>
-            <a:picLocks noChangeAspect="1" noChangeArrowheads="1"/>
-          </p:cNvPicPr>
-          <p:nvPr/>
-        </p:nvPicPr>
-        <p:blipFill>
-          <a:blip r:embed="rId3">
-            <a:extLst>
-              <a:ext uri="{28A0092B-C50C-407E-A947-70E740481C1C}">
-                <a14:useLocalDpi xmlns:a14="http://schemas.microsoft.com/office/drawing/2010/main" val="0"/>
-              </a:ext>
-            </a:extLst>
-          </a:blip>
-          <a:srcRect/>
-          <a:stretch>
-            <a:fillRect/>
-          </a:stretch>
-        </p:blipFill>
-        <p:spPr bwMode="auto">
-          <a:xfrm>
-            <a:off x="89173" y="6263811"/>
-            <a:ext cx="2114209" cy="549565"/>
-          </a:xfrm>
-          <a:prstGeom prst="rect">
-            <a:avLst/>
-          </a:prstGeom>
-          <a:noFill/>
-          <a:ln>
-            <a:noFill/>
-          </a:ln>
-          <a:effectLst>
-            <a:outerShdw blurRad="50800" dist="50800" dir="5400000" algn="ctr" rotWithShape="0">
-              <a:srgbClr val="000000">
-                <a:alpha val="3000"/>
-              </a:srgbClr>
-            </a:outerShdw>
-          </a:effectLst>
-          <a:extLst>
-            <a:ext uri="{909E8E84-426E-40DD-AFC4-6F175D3DCCD1}">
-              <a14:hiddenFill xmlns:a14="http://schemas.microsoft.com/office/drawing/2010/main">
-                <a:solidFill>
-                  <a:schemeClr val="accent1"/>
-                </a:solidFill>
-              </a14:hiddenFill>
-            </a:ext>
-            <a:ext uri="{91240B29-F687-4F45-9708-019B960494DF}">
-              <a14:hiddenLine xmlns:a14="http://schemas.microsoft.com/office/drawing/2010/main" w="9525">
-                <a:solidFill>
-                  <a:schemeClr val="tx1"/>
-                </a:solidFill>
-                <a:miter lim="800000"/>
-                <a:headEnd/>
-                <a:tailEnd/>
-              </a14:hiddenLine>
-            </a:ext>
-          </a:extLst>
-        </p:spPr>
-      </p:pic>
-    </p:spTree>
-    <p:extLst>
-      <p:ext uri="{BB962C8B-B14F-4D97-AF65-F5344CB8AC3E}">
-        <p14:creationId xmlns:p14="http://schemas.microsoft.com/office/powerpoint/2010/main" val="2807477333"/>
-      </p:ext>
-    </p:extLst>
-  </p:cSld>
-  <p:clrMapOvr>
-    <a:masterClrMapping/>
-  </p:clrMapOvr>
-  <p:timing>
-    <p:tnLst>
-      <p:par>
-        <p:cTn id="1" dur="indefinite" restart="never" nodeType="tmRoot"/>
-      </p:par>
-    </p:tnLst>
-  </p:timing>
-</p:sld>
-</file>
-
-<file path=ppt/slides/slide40.xml><?xml version="1.0" encoding="utf-8"?>
+<file path=ppt/slides/slide45.xml><?xml version="1.0" encoding="utf-8"?>
 <p:sld xmlns:a="http://schemas.openxmlformats.org/drawingml/2006/main" xmlns:r="http://schemas.openxmlformats.org/officeDocument/2006/relationships" xmlns:p="http://schemas.openxmlformats.org/presentationml/2006/main">
   <p:cSld>
     <p:spTree>
@@ -16498,7 +17446,134 @@
 </p:sld>
 </file>
 
-<file path=ppt/slides/slide41.xml><?xml version="1.0" encoding="utf-8"?>
+<file path=ppt/slides/slide46.xml><?xml version="1.0" encoding="utf-8"?>
+<p:sld xmlns:a="http://schemas.openxmlformats.org/drawingml/2006/main" xmlns:r="http://schemas.openxmlformats.org/officeDocument/2006/relationships" xmlns:p="http://schemas.openxmlformats.org/presentationml/2006/main">
+  <p:cSld>
+    <p:spTree>
+      <p:nvGrpSpPr>
+        <p:cNvPr id="1" name=""/>
+        <p:cNvGrpSpPr/>
+        <p:nvPr/>
+      </p:nvGrpSpPr>
+      <p:grpSpPr>
+        <a:xfrm>
+          <a:off x="0" y="0"/>
+          <a:ext cx="0" cy="0"/>
+          <a:chOff x="0" y="0"/>
+          <a:chExt cx="0" cy="0"/>
+        </a:xfrm>
+      </p:grpSpPr>
+      <p:sp>
+        <p:nvSpPr>
+          <p:cNvPr id="2" name="Title 1"/>
+          <p:cNvSpPr>
+            <a:spLocks noGrp="1"/>
+          </p:cNvSpPr>
+          <p:nvPr>
+            <p:ph type="title"/>
+          </p:nvPr>
+        </p:nvSpPr>
+        <p:spPr/>
+        <p:txBody>
+          <a:bodyPr>
+            <a:normAutofit/>
+          </a:bodyPr>
+          <a:lstStyle/>
+          <a:p>
+            <a:r>
+              <a:rPr lang="en-US" sz="3600" dirty="0"/>
+              <a:t>Exercise </a:t>
+            </a:r>
+            <a:r>
+              <a:rPr lang="en-US" sz="3600" dirty="0" smtClean="0"/>
+              <a:t>3. Build and deploy</a:t>
+            </a:r>
+            <a:endParaRPr lang="pl-PL" sz="3600" dirty="0"/>
+          </a:p>
+        </p:txBody>
+      </p:sp>
+      <p:pic>
+        <p:nvPicPr>
+          <p:cNvPr id="4" name="Picture 2"/>
+          <p:cNvPicPr>
+            <a:picLocks noChangeAspect="1" noChangeArrowheads="1"/>
+          </p:cNvPicPr>
+          <p:nvPr/>
+        </p:nvPicPr>
+        <p:blipFill>
+          <a:blip r:embed="rId2">
+            <a:extLst>
+              <a:ext uri="{28A0092B-C50C-407E-A947-70E740481C1C}">
+                <a14:useLocalDpi xmlns:a14="http://schemas.microsoft.com/office/drawing/2010/main" val="0"/>
+              </a:ext>
+            </a:extLst>
+          </a:blip>
+          <a:srcRect/>
+          <a:stretch>
+            <a:fillRect/>
+          </a:stretch>
+        </p:blipFill>
+        <p:spPr bwMode="auto">
+          <a:xfrm>
+            <a:off x="89173" y="6263811"/>
+            <a:ext cx="2114209" cy="549565"/>
+          </a:xfrm>
+          <a:prstGeom prst="rect">
+            <a:avLst/>
+          </a:prstGeom>
+          <a:noFill/>
+          <a:ln>
+            <a:noFill/>
+          </a:ln>
+          <a:effectLst>
+            <a:outerShdw blurRad="50800" dist="50800" dir="5400000" algn="ctr" rotWithShape="0">
+              <a:srgbClr val="000000">
+                <a:alpha val="3000"/>
+              </a:srgbClr>
+            </a:outerShdw>
+          </a:effectLst>
+          <a:extLst>
+            <a:ext uri="{909E8E84-426E-40DD-AFC4-6F175D3DCCD1}">
+              <a14:hiddenFill xmlns:a14="http://schemas.microsoft.com/office/drawing/2010/main">
+                <a:solidFill>
+                  <a:schemeClr val="accent1"/>
+                </a:solidFill>
+              </a14:hiddenFill>
+            </a:ext>
+            <a:ext uri="{91240B29-F687-4F45-9708-019B960494DF}">
+              <a14:hiddenLine xmlns:a14="http://schemas.microsoft.com/office/drawing/2010/main" w="9525">
+                <a:solidFill>
+                  <a:schemeClr val="tx1"/>
+                </a:solidFill>
+                <a:miter lim="800000"/>
+                <a:headEnd/>
+                <a:tailEnd/>
+              </a14:hiddenLine>
+            </a:ext>
+          </a:extLst>
+        </p:spPr>
+      </p:pic>
+    </p:spTree>
+    <p:extLst>
+      <p:ext uri="{BB962C8B-B14F-4D97-AF65-F5344CB8AC3E}">
+        <p14:creationId xmlns:p14="http://schemas.microsoft.com/office/powerpoint/2010/main" val="4195114840"/>
+      </p:ext>
+    </p:extLst>
+  </p:cSld>
+  <p:clrMapOvr>
+    <a:masterClrMapping/>
+  </p:clrMapOvr>
+  <p:timing>
+    <p:tnLst>
+      <p:par>
+        <p:cTn id="1" dur="indefinite" restart="never" nodeType="tmRoot"/>
+      </p:par>
+    </p:tnLst>
+  </p:timing>
+</p:sld>
+</file>
+
+<file path=ppt/slides/slide47.xml><?xml version="1.0" encoding="utf-8"?>
 <p:sld xmlns:a="http://schemas.openxmlformats.org/drawingml/2006/main" xmlns:r="http://schemas.openxmlformats.org/officeDocument/2006/relationships" xmlns:p="http://schemas.openxmlformats.org/presentationml/2006/main">
   <p:cSld>
     <p:spTree>
@@ -18163,7 +19238,7 @@
 </p:sld>
 </file>
 
-<file path=ppt/slides/slide42.xml><?xml version="1.0" encoding="utf-8"?>
+<file path=ppt/slides/slide48.xml><?xml version="1.0" encoding="utf-8"?>
 <p:sld xmlns:a="http://schemas.openxmlformats.org/drawingml/2006/main" xmlns:r="http://schemas.openxmlformats.org/officeDocument/2006/relationships" xmlns:p="http://schemas.openxmlformats.org/presentationml/2006/main">
   <p:cSld>
     <p:spTree>
@@ -18331,7 +19406,7 @@
 </p:sld>
 </file>
 
-<file path=ppt/slides/slide43.xml><?xml version="1.0" encoding="utf-8"?>
+<file path=ppt/slides/slide49.xml><?xml version="1.0" encoding="utf-8"?>
 <p:sld xmlns:a="http://schemas.openxmlformats.org/drawingml/2006/main" xmlns:r="http://schemas.openxmlformats.org/officeDocument/2006/relationships" xmlns:p="http://schemas.openxmlformats.org/presentationml/2006/main">
   <p:cSld>
     <p:spTree>
@@ -18833,11 +19908,7 @@
           <a:p>
             <a:r>
               <a:rPr lang="en-US" sz="3600" dirty="0" smtClean="0"/>
-              <a:t>Set the </a:t>
-            </a:r>
-            <a:r>
-              <a:rPr lang="en-US" sz="3600" dirty="0" smtClean="0"/>
-              <a:t>appropriate Region</a:t>
+              <a:t>Set the appropriate Region</a:t>
             </a:r>
             <a:endParaRPr lang="pl-PL" sz="3600" dirty="0"/>
           </a:p>
@@ -19645,7 +20716,7 @@
       </p:grpSpPr>
       <p:pic>
         <p:nvPicPr>
-          <p:cNvPr id="2050" name="Picture 2" descr="C:\visio\ns_arch.png"/>
+          <p:cNvPr id="3" name="Picture 2"/>
           <p:cNvPicPr>
             <a:picLocks noChangeAspect="1" noChangeArrowheads="1"/>
           </p:cNvPicPr>
@@ -19653,47 +20724,6 @@
         </p:nvPicPr>
         <p:blipFill>
           <a:blip r:embed="rId2">
-            <a:extLst>
-              <a:ext uri="{28A0092B-C50C-407E-A947-70E740481C1C}">
-                <a14:useLocalDpi xmlns:a14="http://schemas.microsoft.com/office/drawing/2010/main" val="0"/>
-              </a:ext>
-            </a:extLst>
-          </a:blip>
-          <a:srcRect/>
-          <a:stretch>
-            <a:fillRect/>
-          </a:stretch>
-        </p:blipFill>
-        <p:spPr bwMode="auto">
-          <a:xfrm>
-            <a:off x="107504" y="332656"/>
-            <a:ext cx="8712968" cy="5289077"/>
-          </a:xfrm>
-          <a:prstGeom prst="rect">
-            <a:avLst/>
-          </a:prstGeom>
-          <a:noFill/>
-          <a:extLst>
-            <a:ext uri="{909E8E84-426E-40DD-AFC4-6F175D3DCCD1}">
-              <a14:hiddenFill xmlns:a14="http://schemas.microsoft.com/office/drawing/2010/main">
-                <a:solidFill>
-                  <a:srgbClr val="FFFFFF"/>
-                </a:solidFill>
-              </a14:hiddenFill>
-            </a:ext>
-          </a:extLst>
-        </p:spPr>
-      </p:pic>
-      <p:pic>
-        <p:nvPicPr>
-          <p:cNvPr id="3" name="Picture 2"/>
-          <p:cNvPicPr>
-            <a:picLocks noChangeAspect="1" noChangeArrowheads="1"/>
-          </p:cNvPicPr>
-          <p:nvPr/>
-        </p:nvPicPr>
-        <p:blipFill>
-          <a:blip r:embed="rId3">
             <a:extLst>
               <a:ext uri="{28A0092B-C50C-407E-A947-70E740481C1C}">
                 <a14:useLocalDpi xmlns:a14="http://schemas.microsoft.com/office/drawing/2010/main" val="0"/>
@@ -19753,8 +20783,8 @@
         </p:nvSpPr>
         <p:spPr>
           <a:xfrm>
-            <a:off x="179512" y="345430"/>
-            <a:ext cx="4259268" cy="923330"/>
+            <a:off x="2106636" y="2749550"/>
+            <a:ext cx="6857852" cy="1384995"/>
           </a:xfrm>
           <a:prstGeom prst="rect">
             <a:avLst/>
@@ -19768,70 +20798,86 @@
           <a:lstStyle/>
           <a:p>
             <a:r>
-              <a:rPr lang="en-US" dirty="0" smtClean="0"/>
-              <a:t>You say “</a:t>
-            </a:r>
-            <a:r>
-              <a:rPr lang="en-US" dirty="0"/>
-              <a:t>web </a:t>
-            </a:r>
-            <a:r>
-              <a:rPr lang="en-US" dirty="0" smtClean="0"/>
-              <a:t>service” or “web app” - you typically think of</a:t>
-            </a:r>
-            <a:br>
-              <a:rPr lang="en-US" dirty="0" smtClean="0"/>
-            </a:br>
-            <a:r>
-              <a:rPr lang="en-US" b="1" dirty="0" smtClean="0"/>
-              <a:t>“war” or “ear” file</a:t>
-            </a:r>
-            <a:endParaRPr lang="pl-PL" b="1" dirty="0"/>
+              <a:rPr lang="en-US" sz="2800" dirty="0" smtClean="0"/>
+              <a:t>You say </a:t>
+            </a:r>
+            <a:r>
+              <a:rPr lang="en-US" sz="2800" dirty="0" smtClean="0"/>
+              <a:t>“service”, “web service” </a:t>
+            </a:r>
+            <a:r>
+              <a:rPr lang="en-US" sz="2800" dirty="0" smtClean="0"/>
+              <a:t>or “web </a:t>
+            </a:r>
+            <a:r>
+              <a:rPr lang="en-US" sz="2800" dirty="0" smtClean="0"/>
+              <a:t>app” and </a:t>
+            </a:r>
+            <a:r>
+              <a:rPr lang="en-US" sz="2800" dirty="0" smtClean="0"/>
+              <a:t>you typically think of </a:t>
+            </a:r>
+            <a:r>
+              <a:rPr lang="en-US" sz="2800" b="1" dirty="0" smtClean="0"/>
+              <a:t>“jar”</a:t>
+            </a:r>
+            <a:r>
+              <a:rPr lang="en-US" sz="2800" dirty="0" smtClean="0"/>
+              <a:t>, </a:t>
+            </a:r>
+            <a:r>
+              <a:rPr lang="en-US" sz="2800" b="1" dirty="0" smtClean="0"/>
+              <a:t>“</a:t>
+            </a:r>
+            <a:r>
+              <a:rPr lang="en-US" sz="2800" b="1" dirty="0" smtClean="0"/>
+              <a:t>war” or “ear” file</a:t>
+            </a:r>
+            <a:endParaRPr lang="pl-PL" sz="2800" dirty="0"/>
           </a:p>
         </p:txBody>
       </p:sp>
-      <p:sp>
-        <p:nvSpPr>
-          <p:cNvPr id="5" name="TextBox 4"/>
-          <p:cNvSpPr txBox="1"/>
+      <p:pic>
+        <p:nvPicPr>
+          <p:cNvPr id="1026" name="Picture 2" descr="C:\Users\asmolnik\AppData\Local\Microsoft\Windows\Temporary Internet Files\Content.IE5\T0AD01OT\MC900363172[1].wmf"/>
+          <p:cNvPicPr>
+            <a:picLocks noChangeAspect="1" noChangeArrowheads="1"/>
+          </p:cNvPicPr>
           <p:nvPr/>
-        </p:nvSpPr>
-        <p:spPr>
+        </p:nvPicPr>
+        <p:blipFill>
+          <a:blip r:embed="rId3" cstate="print">
+            <a:extLst>
+              <a:ext uri="{28A0092B-C50C-407E-A947-70E740481C1C}">
+                <a14:useLocalDpi xmlns:a14="http://schemas.microsoft.com/office/drawing/2010/main" val="0"/>
+              </a:ext>
+            </a:extLst>
+          </a:blip>
+          <a:srcRect/>
+          <a:stretch>
+            <a:fillRect/>
+          </a:stretch>
+        </p:blipFill>
+        <p:spPr bwMode="auto">
           <a:xfrm>
-            <a:off x="3282067" y="5802146"/>
-            <a:ext cx="5718400" cy="923330"/>
+            <a:off x="202282" y="2923682"/>
+            <a:ext cx="1849438" cy="971550"/>
           </a:xfrm>
           <a:prstGeom prst="rect">
             <a:avLst/>
           </a:prstGeom>
           <a:noFill/>
+          <a:extLst>
+            <a:ext uri="{909E8E84-426E-40DD-AFC4-6F175D3DCCD1}">
+              <a14:hiddenFill xmlns:a14="http://schemas.microsoft.com/office/drawing/2010/main">
+                <a:solidFill>
+                  <a:srgbClr val="FFFFFF"/>
+                </a:solidFill>
+              </a14:hiddenFill>
+            </a:ext>
+          </a:extLst>
         </p:spPr>
-        <p:txBody>
-          <a:bodyPr wrap="square" rtlCol="0">
-            <a:spAutoFit/>
-          </a:bodyPr>
-          <a:lstStyle/>
-          <a:p>
-            <a:r>
-              <a:rPr lang="en-US" dirty="0" smtClean="0"/>
-              <a:t>I say “</a:t>
-            </a:r>
-            <a:r>
-              <a:rPr lang="en-US" dirty="0"/>
-              <a:t>web </a:t>
-            </a:r>
-            <a:r>
-              <a:rPr lang="en-US" dirty="0" smtClean="0"/>
-              <a:t>service” or “web app” - I think of set of components making up a new notion of “service”: </a:t>
-            </a:r>
-            <a:r>
-              <a:rPr lang="en-US" b="1" dirty="0" smtClean="0"/>
-              <a:t>“war/ear” file + ASG + ELB</a:t>
-            </a:r>
-            <a:endParaRPr lang="pl-PL" b="1" dirty="0"/>
-          </a:p>
-        </p:txBody>
-      </p:sp>
+      </p:pic>
     </p:spTree>
     <p:extLst>
       <p:ext uri="{BB962C8B-B14F-4D97-AF65-F5344CB8AC3E}">

--- a/presentations/aws_ha_workshops.pptx
+++ b/presentations/aws_ha_workshops.pptx
@@ -5518,11 +5518,7 @@
           <a:p>
             <a:r>
               <a:rPr lang="en-US" sz="3600" dirty="0" smtClean="0"/>
-              <a:t>At times setbacks </a:t>
-            </a:r>
-            <a:r>
-              <a:rPr lang="en-US" sz="3600" dirty="0" smtClean="0"/>
-              <a:t>happen</a:t>
+              <a:t>At times setbacks happen</a:t>
             </a:r>
             <a:endParaRPr lang="pl-PL" sz="3600" dirty="0"/>
           </a:p>
@@ -9273,7 +9269,7 @@
         </p:blipFill>
         <p:spPr bwMode="auto">
           <a:xfrm>
-            <a:off x="395536" y="2479415"/>
+            <a:off x="395536" y="2060848"/>
             <a:ext cx="8186237" cy="3335439"/>
           </a:xfrm>
           <a:prstGeom prst="rect">
@@ -20799,23 +20795,7 @@
           <a:p>
             <a:r>
               <a:rPr lang="en-US" sz="2800" dirty="0" smtClean="0"/>
-              <a:t>You say </a:t>
-            </a:r>
-            <a:r>
-              <a:rPr lang="en-US" sz="2800" dirty="0" smtClean="0"/>
-              <a:t>“service”, “web service” </a:t>
-            </a:r>
-            <a:r>
-              <a:rPr lang="en-US" sz="2800" dirty="0" smtClean="0"/>
-              <a:t>or “web </a:t>
-            </a:r>
-            <a:r>
-              <a:rPr lang="en-US" sz="2800" dirty="0" smtClean="0"/>
-              <a:t>app” and </a:t>
-            </a:r>
-            <a:r>
-              <a:rPr lang="en-US" sz="2800" dirty="0" smtClean="0"/>
-              <a:t>you typically think of </a:t>
+              <a:t>You say “service”, “web service” or “web app” and you typically think of </a:t>
             </a:r>
             <a:r>
               <a:rPr lang="en-US" sz="2800" b="1" dirty="0" smtClean="0"/>
@@ -20827,11 +20807,7 @@
             </a:r>
             <a:r>
               <a:rPr lang="en-US" sz="2800" b="1" dirty="0" smtClean="0"/>
-              <a:t>“</a:t>
-            </a:r>
-            <a:r>
-              <a:rPr lang="en-US" sz="2800" b="1" dirty="0" smtClean="0"/>
-              <a:t>war” or “ear” file</a:t>
+              <a:t>“war” or “ear” file</a:t>
             </a:r>
             <a:endParaRPr lang="pl-PL" sz="2800" dirty="0"/>
           </a:p>

--- a/presentations/aws_ha_workshops.pptx
+++ b/presentations/aws_ha_workshops.pptx
@@ -5,7 +5,7 @@
     <p:sldMasterId id="2147483648" r:id="rId1"/>
   </p:sldMasterIdLst>
   <p:notesMasterIdLst>
-    <p:notesMasterId r:id="rId51"/>
+    <p:notesMasterId r:id="rId53"/>
   </p:notesMasterIdLst>
   <p:sldIdLst>
     <p:sldId id="256" r:id="rId2"/>
@@ -43,20 +43,22 @@
     <p:sldId id="305" r:id="rId34"/>
     <p:sldId id="306" r:id="rId35"/>
     <p:sldId id="309" r:id="rId36"/>
-    <p:sldId id="307" r:id="rId37"/>
-    <p:sldId id="285" r:id="rId38"/>
-    <p:sldId id="303" r:id="rId39"/>
-    <p:sldId id="289" r:id="rId40"/>
-    <p:sldId id="298" r:id="rId41"/>
-    <p:sldId id="293" r:id="rId42"/>
-    <p:sldId id="280" r:id="rId43"/>
-    <p:sldId id="294" r:id="rId44"/>
-    <p:sldId id="283" r:id="rId45"/>
-    <p:sldId id="282" r:id="rId46"/>
-    <p:sldId id="296" r:id="rId47"/>
-    <p:sldId id="286" r:id="rId48"/>
-    <p:sldId id="297" r:id="rId49"/>
-    <p:sldId id="299" r:id="rId50"/>
+    <p:sldId id="310" r:id="rId37"/>
+    <p:sldId id="307" r:id="rId38"/>
+    <p:sldId id="285" r:id="rId39"/>
+    <p:sldId id="303" r:id="rId40"/>
+    <p:sldId id="289" r:id="rId41"/>
+    <p:sldId id="298" r:id="rId42"/>
+    <p:sldId id="293" r:id="rId43"/>
+    <p:sldId id="280" r:id="rId44"/>
+    <p:sldId id="294" r:id="rId45"/>
+    <p:sldId id="283" r:id="rId46"/>
+    <p:sldId id="282" r:id="rId47"/>
+    <p:sldId id="296" r:id="rId48"/>
+    <p:sldId id="286" r:id="rId49"/>
+    <p:sldId id="297" r:id="rId50"/>
+    <p:sldId id="311" r:id="rId51"/>
+    <p:sldId id="299" r:id="rId52"/>
   </p:sldIdLst>
   <p:sldSz cx="9144000" cy="6858000" type="screen4x3"/>
   <p:notesSz cx="6858000" cy="9144000"/>
@@ -240,7 +242,7 @@
           <a:p>
             <a:fld id="{4FCB940D-A35E-492A-9AF7-403ECB6582B3}" type="datetimeFigureOut">
               <a:rPr lang="pl-PL" smtClean="0"/>
-              <a:t>2014-09-23</a:t>
+              <a:t>2014-09-25</a:t>
             </a:fld>
             <a:endParaRPr lang="pl-PL"/>
           </a:p>
@@ -573,7 +575,7 @@
           <a:p>
             <a:fld id="{B968731D-1AB3-4882-B6B0-BF5E3F29E4E1}" type="slidenum">
               <a:rPr lang="pl-PL" smtClean="0"/>
-              <a:t>40</a:t>
+              <a:t>41</a:t>
             </a:fld>
             <a:endParaRPr lang="pl-PL"/>
           </a:p>
@@ -857,7 +859,7 @@
           <a:p>
             <a:fld id="{457CC8CD-1B12-42F7-8F2A-8D88273D1FDC}" type="datetimeFigureOut">
               <a:rPr lang="pl-PL" smtClean="0"/>
-              <a:t>2014-09-23</a:t>
+              <a:t>2014-09-25</a:t>
             </a:fld>
             <a:endParaRPr lang="pl-PL"/>
           </a:p>
@@ -1037,7 +1039,7 @@
           <a:p>
             <a:fld id="{457CC8CD-1B12-42F7-8F2A-8D88273D1FDC}" type="datetimeFigureOut">
               <a:rPr lang="pl-PL" smtClean="0"/>
-              <a:t>2014-09-23</a:t>
+              <a:t>2014-09-25</a:t>
             </a:fld>
             <a:endParaRPr lang="pl-PL"/>
           </a:p>
@@ -1207,7 +1209,7 @@
           <a:p>
             <a:fld id="{457CC8CD-1B12-42F7-8F2A-8D88273D1FDC}" type="datetimeFigureOut">
               <a:rPr lang="pl-PL" smtClean="0"/>
-              <a:t>2014-09-23</a:t>
+              <a:t>2014-09-25</a:t>
             </a:fld>
             <a:endParaRPr lang="pl-PL"/>
           </a:p>
@@ -1453,7 +1455,7 @@
           <a:p>
             <a:fld id="{457CC8CD-1B12-42F7-8F2A-8D88273D1FDC}" type="datetimeFigureOut">
               <a:rPr lang="pl-PL" smtClean="0"/>
-              <a:t>2014-09-23</a:t>
+              <a:t>2014-09-25</a:t>
             </a:fld>
             <a:endParaRPr lang="pl-PL"/>
           </a:p>
@@ -1748,7 +1750,7 @@
           <a:p>
             <a:fld id="{457CC8CD-1B12-42F7-8F2A-8D88273D1FDC}" type="datetimeFigureOut">
               <a:rPr lang="pl-PL" smtClean="0"/>
-              <a:t>2014-09-23</a:t>
+              <a:t>2014-09-25</a:t>
             </a:fld>
             <a:endParaRPr lang="pl-PL"/>
           </a:p>
@@ -2177,7 +2179,7 @@
           <a:p>
             <a:fld id="{457CC8CD-1B12-42F7-8F2A-8D88273D1FDC}" type="datetimeFigureOut">
               <a:rPr lang="pl-PL" smtClean="0"/>
-              <a:t>2014-09-23</a:t>
+              <a:t>2014-09-25</a:t>
             </a:fld>
             <a:endParaRPr lang="pl-PL"/>
           </a:p>
@@ -2302,7 +2304,7 @@
           <a:p>
             <a:fld id="{457CC8CD-1B12-42F7-8F2A-8D88273D1FDC}" type="datetimeFigureOut">
               <a:rPr lang="pl-PL" smtClean="0"/>
-              <a:t>2014-09-23</a:t>
+              <a:t>2014-09-25</a:t>
             </a:fld>
             <a:endParaRPr lang="pl-PL"/>
           </a:p>
@@ -2404,7 +2406,7 @@
           <a:p>
             <a:fld id="{457CC8CD-1B12-42F7-8F2A-8D88273D1FDC}" type="datetimeFigureOut">
               <a:rPr lang="pl-PL" smtClean="0"/>
-              <a:t>2014-09-23</a:t>
+              <a:t>2014-09-25</a:t>
             </a:fld>
             <a:endParaRPr lang="pl-PL"/>
           </a:p>
@@ -2681,7 +2683,7 @@
           <a:p>
             <a:fld id="{457CC8CD-1B12-42F7-8F2A-8D88273D1FDC}" type="datetimeFigureOut">
               <a:rPr lang="pl-PL" smtClean="0"/>
-              <a:t>2014-09-23</a:t>
+              <a:t>2014-09-25</a:t>
             </a:fld>
             <a:endParaRPr lang="pl-PL"/>
           </a:p>
@@ -2934,7 +2936,7 @@
           <a:p>
             <a:fld id="{457CC8CD-1B12-42F7-8F2A-8D88273D1FDC}" type="datetimeFigureOut">
               <a:rPr lang="pl-PL" smtClean="0"/>
-              <a:t>2014-09-23</a:t>
+              <a:t>2014-09-25</a:t>
             </a:fld>
             <a:endParaRPr lang="pl-PL"/>
           </a:p>
@@ -3147,7 +3149,7 @@
           <a:p>
             <a:fld id="{457CC8CD-1B12-42F7-8F2A-8D88273D1FDC}" type="datetimeFigureOut">
               <a:rPr lang="pl-PL" smtClean="0"/>
-              <a:t>2014-09-23</a:t>
+              <a:t>2014-09-25</a:t>
             </a:fld>
             <a:endParaRPr lang="pl-PL"/>
           </a:p>
@@ -3826,13 +3828,13 @@
             </a:r>
             <a:r>
               <a:rPr lang="en-US" sz="2000" dirty="0" smtClean="0"/>
-              <a:t>service” or “web app” and</a:t>
+              <a:t>service” or “web app” and I think of</a:t>
             </a:r>
           </a:p>
           <a:p>
             <a:r>
               <a:rPr lang="en-US" sz="2000" dirty="0" smtClean="0"/>
-              <a:t>I think of a set of components making up a new notion of “service”: </a:t>
+              <a:t>a set of components making up a new notion of “service” in the Cloud: </a:t>
             </a:r>
             <a:r>
               <a:rPr lang="en-US" sz="2000" b="1" u="sng" dirty="0" smtClean="0"/>
@@ -5762,14 +5764,15 @@
             <a:pPr lvl="1"/>
             <a:r>
               <a:rPr lang="en-US" dirty="0" smtClean="0"/>
-              <a:t>Bakery process used by us to bake</a:t>
-            </a:r>
-            <a:br>
+              <a:t>Staged </a:t>
+            </a:r>
+            <a:r>
+              <a:rPr lang="en-US" dirty="0"/>
+              <a:t>b</a:t>
+            </a:r>
+            <a:r>
               <a:rPr lang="en-US" dirty="0" smtClean="0"/>
-            </a:br>
-            <a:r>
-              <a:rPr lang="en-US" dirty="0" smtClean="0"/>
-              <a:t>the right machine instance image</a:t>
+              <a:t>akery process used by us to bake the right machine instance image</a:t>
             </a:r>
           </a:p>
           <a:p>
@@ -7807,6 +7810,58 @@
           </a:extLst>
         </p:spPr>
       </p:pic>
+      <p:sp>
+        <p:nvSpPr>
+          <p:cNvPr id="3" name="Rectangle 2"/>
+          <p:cNvSpPr/>
+          <p:nvPr/>
+        </p:nvSpPr>
+        <p:spPr>
+          <a:xfrm>
+            <a:off x="93290" y="1377642"/>
+            <a:ext cx="4572000" cy="584775"/>
+          </a:xfrm>
+          <a:prstGeom prst="rect">
+            <a:avLst/>
+          </a:prstGeom>
+        </p:spPr>
+        <p:txBody>
+          <a:bodyPr>
+            <a:spAutoFit/>
+          </a:bodyPr>
+          <a:lstStyle/>
+          <a:p>
+            <a:r>
+              <a:rPr lang="pl-PL" sz="1600" dirty="0">
+                <a:hlinkClick r:id="rId4"/>
+              </a:rPr>
+              <a:t>https://</a:t>
+            </a:r>
+            <a:r>
+              <a:rPr lang="pl-PL" sz="1600" dirty="0" smtClean="0">
+                <a:hlinkClick r:id="rId4"/>
+              </a:rPr>
+              <a:t>github.com/smolnik/client-test.git</a:t>
+            </a:r>
+            <a:endParaRPr lang="en-US" sz="1600" dirty="0" smtClean="0"/>
+          </a:p>
+          <a:p>
+            <a:r>
+              <a:rPr lang="en-US" sz="1600" dirty="0"/>
+              <a:t>Or S3: </a:t>
+            </a:r>
+            <a:r>
+              <a:rPr lang="en-US" sz="1600" dirty="0" err="1"/>
+              <a:t>warsjawa</a:t>
+            </a:r>
+            <a:r>
+              <a:rPr lang="en-US" sz="1600" dirty="0"/>
+              <a:t>-apps/client-test.zip </a:t>
+            </a:r>
+            <a:endParaRPr lang="pl-PL" sz="1600" dirty="0"/>
+          </a:p>
+        </p:txBody>
+      </p:sp>
     </p:spTree>
     <p:extLst>
       <p:ext uri="{BB962C8B-B14F-4D97-AF65-F5344CB8AC3E}">
@@ -9321,6 +9376,169 @@
 </file>
 
 <file path=ppt/slides/slide36.xml><?xml version="1.0" encoding="utf-8"?>
+<p:sld xmlns:a="http://schemas.openxmlformats.org/drawingml/2006/main" xmlns:r="http://schemas.openxmlformats.org/officeDocument/2006/relationships" xmlns:p="http://schemas.openxmlformats.org/presentationml/2006/main">
+  <p:cSld>
+    <p:spTree>
+      <p:nvGrpSpPr>
+        <p:cNvPr id="1" name=""/>
+        <p:cNvGrpSpPr/>
+        <p:nvPr/>
+      </p:nvGrpSpPr>
+      <p:grpSpPr>
+        <a:xfrm>
+          <a:off x="0" y="0"/>
+          <a:ext cx="0" cy="0"/>
+          <a:chOff x="0" y="0"/>
+          <a:chExt cx="0" cy="0"/>
+        </a:xfrm>
+      </p:grpSpPr>
+      <p:sp>
+        <p:nvSpPr>
+          <p:cNvPr id="2" name="Title 1"/>
+          <p:cNvSpPr>
+            <a:spLocks noGrp="1"/>
+          </p:cNvSpPr>
+          <p:nvPr>
+            <p:ph type="title"/>
+          </p:nvPr>
+        </p:nvSpPr>
+        <p:spPr/>
+        <p:txBody>
+          <a:bodyPr>
+            <a:normAutofit/>
+          </a:bodyPr>
+          <a:lstStyle/>
+          <a:p>
+            <a:r>
+              <a:rPr lang="en-US" sz="3600" dirty="0" smtClean="0"/>
+              <a:t>Overload the service</a:t>
+            </a:r>
+            <a:endParaRPr lang="pl-PL" sz="3600" dirty="0"/>
+          </a:p>
+        </p:txBody>
+      </p:sp>
+      <p:pic>
+        <p:nvPicPr>
+          <p:cNvPr id="1029" name="Picture 5"/>
+          <p:cNvPicPr>
+            <a:picLocks noChangeAspect="1" noChangeArrowheads="1"/>
+          </p:cNvPicPr>
+          <p:nvPr/>
+        </p:nvPicPr>
+        <p:blipFill>
+          <a:blip r:embed="rId2">
+            <a:extLst>
+              <a:ext uri="{28A0092B-C50C-407E-A947-70E740481C1C}">
+                <a14:useLocalDpi xmlns:a14="http://schemas.microsoft.com/office/drawing/2010/main" val="0"/>
+              </a:ext>
+            </a:extLst>
+          </a:blip>
+          <a:srcRect/>
+          <a:stretch>
+            <a:fillRect/>
+          </a:stretch>
+        </p:blipFill>
+        <p:spPr bwMode="auto">
+          <a:xfrm>
+            <a:off x="1356592" y="3804910"/>
+            <a:ext cx="7583959" cy="2782498"/>
+          </a:xfrm>
+          <a:prstGeom prst="rect">
+            <a:avLst/>
+          </a:prstGeom>
+          <a:noFill/>
+          <a:ln>
+            <a:noFill/>
+          </a:ln>
+          <a:extLst>
+            <a:ext uri="{909E8E84-426E-40DD-AFC4-6F175D3DCCD1}">
+              <a14:hiddenFill xmlns:a14="http://schemas.microsoft.com/office/drawing/2010/main">
+                <a:solidFill>
+                  <a:schemeClr val="accent1"/>
+                </a:solidFill>
+              </a14:hiddenFill>
+            </a:ext>
+            <a:ext uri="{91240B29-F687-4F45-9708-019B960494DF}">
+              <a14:hiddenLine xmlns:a14="http://schemas.microsoft.com/office/drawing/2010/main" w="9525">
+                <a:solidFill>
+                  <a:schemeClr val="tx1"/>
+                </a:solidFill>
+                <a:miter lim="800000"/>
+                <a:headEnd/>
+                <a:tailEnd/>
+              </a14:hiddenLine>
+            </a:ext>
+          </a:extLst>
+        </p:spPr>
+      </p:pic>
+      <p:pic>
+        <p:nvPicPr>
+          <p:cNvPr id="1030" name="Picture 6"/>
+          <p:cNvPicPr>
+            <a:picLocks noChangeAspect="1" noChangeArrowheads="1"/>
+          </p:cNvPicPr>
+          <p:nvPr/>
+        </p:nvPicPr>
+        <p:blipFill>
+          <a:blip r:embed="rId3">
+            <a:extLst>
+              <a:ext uri="{28A0092B-C50C-407E-A947-70E740481C1C}">
+                <a14:useLocalDpi xmlns:a14="http://schemas.microsoft.com/office/drawing/2010/main" val="0"/>
+              </a:ext>
+            </a:extLst>
+          </a:blip>
+          <a:srcRect/>
+          <a:stretch>
+            <a:fillRect/>
+          </a:stretch>
+        </p:blipFill>
+        <p:spPr bwMode="auto">
+          <a:xfrm>
+            <a:off x="335474" y="1440169"/>
+            <a:ext cx="2714625" cy="2381250"/>
+          </a:xfrm>
+          <a:prstGeom prst="rect">
+            <a:avLst/>
+          </a:prstGeom>
+          <a:noFill/>
+          <a:ln>
+            <a:noFill/>
+          </a:ln>
+          <a:extLst>
+            <a:ext uri="{909E8E84-426E-40DD-AFC4-6F175D3DCCD1}">
+              <a14:hiddenFill xmlns:a14="http://schemas.microsoft.com/office/drawing/2010/main">
+                <a:solidFill>
+                  <a:schemeClr val="accent1"/>
+                </a:solidFill>
+              </a14:hiddenFill>
+            </a:ext>
+            <a:ext uri="{91240B29-F687-4F45-9708-019B960494DF}">
+              <a14:hiddenLine xmlns:a14="http://schemas.microsoft.com/office/drawing/2010/main" w="9525">
+                <a:solidFill>
+                  <a:schemeClr val="tx1"/>
+                </a:solidFill>
+                <a:miter lim="800000"/>
+                <a:headEnd/>
+                <a:tailEnd/>
+              </a14:hiddenLine>
+            </a:ext>
+          </a:extLst>
+        </p:spPr>
+      </p:pic>
+    </p:spTree>
+    <p:extLst>
+      <p:ext uri="{BB962C8B-B14F-4D97-AF65-F5344CB8AC3E}">
+        <p14:creationId xmlns:p14="http://schemas.microsoft.com/office/powerpoint/2010/main" val="3321045169"/>
+      </p:ext>
+    </p:extLst>
+  </p:cSld>
+  <p:clrMapOvr>
+    <a:masterClrMapping/>
+  </p:clrMapOvr>
+</p:sld>
+</file>
+
+<file path=ppt/slides/slide37.xml><?xml version="1.0" encoding="utf-8"?>
 <p:sld xmlns:a="http://schemas.openxmlformats.org/drawingml/2006/main" xmlns:r="http://schemas.openxmlformats.org/officeDocument/2006/relationships" xmlns:p="http://schemas.openxmlformats.org/presentationml/2006/main">
   <p:cSld>
     <p:spTree>
@@ -9604,7 +9822,7 @@
 </p:sld>
 </file>
 
-<file path=ppt/slides/slide37.xml><?xml version="1.0" encoding="utf-8"?>
+<file path=ppt/slides/slide38.xml><?xml version="1.0" encoding="utf-8"?>
 <p:sld xmlns:a="http://schemas.openxmlformats.org/drawingml/2006/main" xmlns:r="http://schemas.openxmlformats.org/officeDocument/2006/relationships" xmlns:p="http://schemas.openxmlformats.org/presentationml/2006/main">
   <p:cSld>
     <p:spTree>
@@ -10618,7 +10836,7 @@
 </p:sld>
 </file>
 
-<file path=ppt/slides/slide38.xml><?xml version="1.0" encoding="utf-8"?>
+<file path=ppt/slides/slide39.xml><?xml version="1.0" encoding="utf-8"?>
 <p:sld xmlns:a="http://schemas.openxmlformats.org/drawingml/2006/main" xmlns:r="http://schemas.openxmlformats.org/officeDocument/2006/relationships" xmlns:p="http://schemas.openxmlformats.org/presentationml/2006/main">
   <p:cSld>
     <p:spTree>
@@ -10838,7 +11056,188 @@
 </p:sld>
 </file>
 
-<file path=ppt/slides/slide39.xml><?xml version="1.0" encoding="utf-8"?>
+<file path=ppt/slides/slide4.xml><?xml version="1.0" encoding="utf-8"?>
+<p:sld xmlns:a="http://schemas.openxmlformats.org/drawingml/2006/main" xmlns:r="http://schemas.openxmlformats.org/officeDocument/2006/relationships" xmlns:p="http://schemas.openxmlformats.org/presentationml/2006/main">
+  <p:cSld>
+    <p:spTree>
+      <p:nvGrpSpPr>
+        <p:cNvPr id="1" name=""/>
+        <p:cNvGrpSpPr/>
+        <p:nvPr/>
+      </p:nvGrpSpPr>
+      <p:grpSpPr>
+        <a:xfrm>
+          <a:off x="0" y="0"/>
+          <a:ext cx="0" cy="0"/>
+          <a:chOff x="0" y="0"/>
+          <a:chExt cx="0" cy="0"/>
+        </a:xfrm>
+      </p:grpSpPr>
+      <p:sp>
+        <p:nvSpPr>
+          <p:cNvPr id="2" name="Title 1"/>
+          <p:cNvSpPr>
+            <a:spLocks noGrp="1"/>
+          </p:cNvSpPr>
+          <p:nvPr>
+            <p:ph type="title"/>
+          </p:nvPr>
+        </p:nvSpPr>
+        <p:spPr/>
+        <p:txBody>
+          <a:bodyPr>
+            <a:normAutofit/>
+          </a:bodyPr>
+          <a:lstStyle/>
+          <a:p>
+            <a:r>
+              <a:rPr lang="en-US" sz="3600" dirty="0" smtClean="0"/>
+              <a:t>AWS </a:t>
+            </a:r>
+            <a:r>
+              <a:rPr lang="en-US" sz="3600" dirty="0" err="1" smtClean="0"/>
+              <a:t>Globality</a:t>
+            </a:r>
+            <a:endParaRPr lang="pl-PL" sz="3600" dirty="0"/>
+          </a:p>
+        </p:txBody>
+      </p:sp>
+      <p:pic>
+        <p:nvPicPr>
+          <p:cNvPr id="5" name="Picture 2"/>
+          <p:cNvPicPr>
+            <a:picLocks noChangeAspect="1" noChangeArrowheads="1"/>
+          </p:cNvPicPr>
+          <p:nvPr/>
+        </p:nvPicPr>
+        <p:blipFill>
+          <a:blip r:embed="rId2">
+            <a:extLst>
+              <a:ext uri="{28A0092B-C50C-407E-A947-70E740481C1C}">
+                <a14:useLocalDpi xmlns:a14="http://schemas.microsoft.com/office/drawing/2010/main" val="0"/>
+              </a:ext>
+            </a:extLst>
+          </a:blip>
+          <a:srcRect/>
+          <a:stretch>
+            <a:fillRect/>
+          </a:stretch>
+        </p:blipFill>
+        <p:spPr bwMode="auto">
+          <a:xfrm>
+            <a:off x="2476500" y="2655168"/>
+            <a:ext cx="4191000" cy="2286000"/>
+          </a:xfrm>
+          <a:prstGeom prst="rect">
+            <a:avLst/>
+          </a:prstGeom>
+          <a:noFill/>
+          <a:ln>
+            <a:noFill/>
+          </a:ln>
+          <a:extLst>
+            <a:ext uri="{909E8E84-426E-40DD-AFC4-6F175D3DCCD1}">
+              <a14:hiddenFill xmlns:a14="http://schemas.microsoft.com/office/drawing/2010/main">
+                <a:solidFill>
+                  <a:schemeClr val="accent1"/>
+                </a:solidFill>
+              </a14:hiddenFill>
+            </a:ext>
+            <a:ext uri="{91240B29-F687-4F45-9708-019B960494DF}">
+              <a14:hiddenLine xmlns:a14="http://schemas.microsoft.com/office/drawing/2010/main" w="9525">
+                <a:solidFill>
+                  <a:schemeClr val="tx1"/>
+                </a:solidFill>
+                <a:miter lim="800000"/>
+                <a:headEnd/>
+                <a:tailEnd/>
+              </a14:hiddenLine>
+            </a:ext>
+          </a:extLst>
+        </p:spPr>
+      </p:pic>
+      <p:pic>
+        <p:nvPicPr>
+          <p:cNvPr id="6" name="Picture 2"/>
+          <p:cNvPicPr>
+            <a:picLocks noChangeAspect="1" noChangeArrowheads="1"/>
+          </p:cNvPicPr>
+          <p:nvPr/>
+        </p:nvPicPr>
+        <p:blipFill>
+          <a:blip r:embed="rId3">
+            <a:extLst>
+              <a:ext uri="{28A0092B-C50C-407E-A947-70E740481C1C}">
+                <a14:useLocalDpi xmlns:a14="http://schemas.microsoft.com/office/drawing/2010/main" val="0"/>
+              </a:ext>
+            </a:extLst>
+          </a:blip>
+          <a:srcRect/>
+          <a:stretch>
+            <a:fillRect/>
+          </a:stretch>
+        </p:blipFill>
+        <p:spPr bwMode="auto">
+          <a:xfrm>
+            <a:off x="89173" y="6263811"/>
+            <a:ext cx="2114209" cy="549565"/>
+          </a:xfrm>
+          <a:prstGeom prst="rect">
+            <a:avLst/>
+          </a:prstGeom>
+          <a:noFill/>
+          <a:ln>
+            <a:noFill/>
+          </a:ln>
+          <a:effectLst>
+            <a:outerShdw blurRad="50800" dist="50800" dir="5400000" algn="ctr" rotWithShape="0">
+              <a:srgbClr val="000000">
+                <a:alpha val="3000"/>
+              </a:srgbClr>
+            </a:outerShdw>
+          </a:effectLst>
+          <a:extLst>
+            <a:ext uri="{909E8E84-426E-40DD-AFC4-6F175D3DCCD1}">
+              <a14:hiddenFill xmlns:a14="http://schemas.microsoft.com/office/drawing/2010/main">
+                <a:solidFill>
+                  <a:schemeClr val="accent1"/>
+                </a:solidFill>
+              </a14:hiddenFill>
+            </a:ext>
+            <a:ext uri="{91240B29-F687-4F45-9708-019B960494DF}">
+              <a14:hiddenLine xmlns:a14="http://schemas.microsoft.com/office/drawing/2010/main" w="9525">
+                <a:solidFill>
+                  <a:schemeClr val="tx1"/>
+                </a:solidFill>
+                <a:miter lim="800000"/>
+                <a:headEnd/>
+                <a:tailEnd/>
+              </a14:hiddenLine>
+            </a:ext>
+          </a:extLst>
+        </p:spPr>
+      </p:pic>
+    </p:spTree>
+    <p:extLst>
+      <p:ext uri="{BB962C8B-B14F-4D97-AF65-F5344CB8AC3E}">
+        <p14:creationId xmlns:p14="http://schemas.microsoft.com/office/powerpoint/2010/main" val="2807477333"/>
+      </p:ext>
+    </p:extLst>
+  </p:cSld>
+  <p:clrMapOvr>
+    <a:masterClrMapping/>
+  </p:clrMapOvr>
+  <p:timing>
+    <p:tnLst>
+      <p:par>
+        <p:cTn id="1" dur="indefinite" restart="never" nodeType="tmRoot"/>
+      </p:par>
+    </p:tnLst>
+  </p:timing>
+</p:sld>
+</file>
+
+<file path=ppt/slides/slide40.xml><?xml version="1.0" encoding="utf-8"?>
 <p:sld xmlns:a="http://schemas.openxmlformats.org/drawingml/2006/main" xmlns:r="http://schemas.openxmlformats.org/officeDocument/2006/relationships" xmlns:p="http://schemas.openxmlformats.org/presentationml/2006/main">
   <p:cSld>
     <p:spTree>
@@ -11027,188 +11426,7 @@
 </p:sld>
 </file>
 
-<file path=ppt/slides/slide4.xml><?xml version="1.0" encoding="utf-8"?>
-<p:sld xmlns:a="http://schemas.openxmlformats.org/drawingml/2006/main" xmlns:r="http://schemas.openxmlformats.org/officeDocument/2006/relationships" xmlns:p="http://schemas.openxmlformats.org/presentationml/2006/main">
-  <p:cSld>
-    <p:spTree>
-      <p:nvGrpSpPr>
-        <p:cNvPr id="1" name=""/>
-        <p:cNvGrpSpPr/>
-        <p:nvPr/>
-      </p:nvGrpSpPr>
-      <p:grpSpPr>
-        <a:xfrm>
-          <a:off x="0" y="0"/>
-          <a:ext cx="0" cy="0"/>
-          <a:chOff x="0" y="0"/>
-          <a:chExt cx="0" cy="0"/>
-        </a:xfrm>
-      </p:grpSpPr>
-      <p:sp>
-        <p:nvSpPr>
-          <p:cNvPr id="2" name="Title 1"/>
-          <p:cNvSpPr>
-            <a:spLocks noGrp="1"/>
-          </p:cNvSpPr>
-          <p:nvPr>
-            <p:ph type="title"/>
-          </p:nvPr>
-        </p:nvSpPr>
-        <p:spPr/>
-        <p:txBody>
-          <a:bodyPr>
-            <a:normAutofit/>
-          </a:bodyPr>
-          <a:lstStyle/>
-          <a:p>
-            <a:r>
-              <a:rPr lang="en-US" sz="3600" dirty="0" smtClean="0"/>
-              <a:t>AWS </a:t>
-            </a:r>
-            <a:r>
-              <a:rPr lang="en-US" sz="3600" dirty="0" err="1" smtClean="0"/>
-              <a:t>Globality</a:t>
-            </a:r>
-            <a:endParaRPr lang="pl-PL" sz="3600" dirty="0"/>
-          </a:p>
-        </p:txBody>
-      </p:sp>
-      <p:pic>
-        <p:nvPicPr>
-          <p:cNvPr id="5" name="Picture 2"/>
-          <p:cNvPicPr>
-            <a:picLocks noChangeAspect="1" noChangeArrowheads="1"/>
-          </p:cNvPicPr>
-          <p:nvPr/>
-        </p:nvPicPr>
-        <p:blipFill>
-          <a:blip r:embed="rId2">
-            <a:extLst>
-              <a:ext uri="{28A0092B-C50C-407E-A947-70E740481C1C}">
-                <a14:useLocalDpi xmlns:a14="http://schemas.microsoft.com/office/drawing/2010/main" val="0"/>
-              </a:ext>
-            </a:extLst>
-          </a:blip>
-          <a:srcRect/>
-          <a:stretch>
-            <a:fillRect/>
-          </a:stretch>
-        </p:blipFill>
-        <p:spPr bwMode="auto">
-          <a:xfrm>
-            <a:off x="2476500" y="2655168"/>
-            <a:ext cx="4191000" cy="2286000"/>
-          </a:xfrm>
-          <a:prstGeom prst="rect">
-            <a:avLst/>
-          </a:prstGeom>
-          <a:noFill/>
-          <a:ln>
-            <a:noFill/>
-          </a:ln>
-          <a:extLst>
-            <a:ext uri="{909E8E84-426E-40DD-AFC4-6F175D3DCCD1}">
-              <a14:hiddenFill xmlns:a14="http://schemas.microsoft.com/office/drawing/2010/main">
-                <a:solidFill>
-                  <a:schemeClr val="accent1"/>
-                </a:solidFill>
-              </a14:hiddenFill>
-            </a:ext>
-            <a:ext uri="{91240B29-F687-4F45-9708-019B960494DF}">
-              <a14:hiddenLine xmlns:a14="http://schemas.microsoft.com/office/drawing/2010/main" w="9525">
-                <a:solidFill>
-                  <a:schemeClr val="tx1"/>
-                </a:solidFill>
-                <a:miter lim="800000"/>
-                <a:headEnd/>
-                <a:tailEnd/>
-              </a14:hiddenLine>
-            </a:ext>
-          </a:extLst>
-        </p:spPr>
-      </p:pic>
-      <p:pic>
-        <p:nvPicPr>
-          <p:cNvPr id="6" name="Picture 2"/>
-          <p:cNvPicPr>
-            <a:picLocks noChangeAspect="1" noChangeArrowheads="1"/>
-          </p:cNvPicPr>
-          <p:nvPr/>
-        </p:nvPicPr>
-        <p:blipFill>
-          <a:blip r:embed="rId3">
-            <a:extLst>
-              <a:ext uri="{28A0092B-C50C-407E-A947-70E740481C1C}">
-                <a14:useLocalDpi xmlns:a14="http://schemas.microsoft.com/office/drawing/2010/main" val="0"/>
-              </a:ext>
-            </a:extLst>
-          </a:blip>
-          <a:srcRect/>
-          <a:stretch>
-            <a:fillRect/>
-          </a:stretch>
-        </p:blipFill>
-        <p:spPr bwMode="auto">
-          <a:xfrm>
-            <a:off x="89173" y="6263811"/>
-            <a:ext cx="2114209" cy="549565"/>
-          </a:xfrm>
-          <a:prstGeom prst="rect">
-            <a:avLst/>
-          </a:prstGeom>
-          <a:noFill/>
-          <a:ln>
-            <a:noFill/>
-          </a:ln>
-          <a:effectLst>
-            <a:outerShdw blurRad="50800" dist="50800" dir="5400000" algn="ctr" rotWithShape="0">
-              <a:srgbClr val="000000">
-                <a:alpha val="3000"/>
-              </a:srgbClr>
-            </a:outerShdw>
-          </a:effectLst>
-          <a:extLst>
-            <a:ext uri="{909E8E84-426E-40DD-AFC4-6F175D3DCCD1}">
-              <a14:hiddenFill xmlns:a14="http://schemas.microsoft.com/office/drawing/2010/main">
-                <a:solidFill>
-                  <a:schemeClr val="accent1"/>
-                </a:solidFill>
-              </a14:hiddenFill>
-            </a:ext>
-            <a:ext uri="{91240B29-F687-4F45-9708-019B960494DF}">
-              <a14:hiddenLine xmlns:a14="http://schemas.microsoft.com/office/drawing/2010/main" w="9525">
-                <a:solidFill>
-                  <a:schemeClr val="tx1"/>
-                </a:solidFill>
-                <a:miter lim="800000"/>
-                <a:headEnd/>
-                <a:tailEnd/>
-              </a14:hiddenLine>
-            </a:ext>
-          </a:extLst>
-        </p:spPr>
-      </p:pic>
-    </p:spTree>
-    <p:extLst>
-      <p:ext uri="{BB962C8B-B14F-4D97-AF65-F5344CB8AC3E}">
-        <p14:creationId xmlns:p14="http://schemas.microsoft.com/office/powerpoint/2010/main" val="2807477333"/>
-      </p:ext>
-    </p:extLst>
-  </p:cSld>
-  <p:clrMapOvr>
-    <a:masterClrMapping/>
-  </p:clrMapOvr>
-  <p:timing>
-    <p:tnLst>
-      <p:par>
-        <p:cTn id="1" dur="indefinite" restart="never" nodeType="tmRoot"/>
-      </p:par>
-    </p:tnLst>
-  </p:timing>
-</p:sld>
-</file>
-
-<file path=ppt/slides/slide40.xml><?xml version="1.0" encoding="utf-8"?>
+<file path=ppt/slides/slide41.xml><?xml version="1.0" encoding="utf-8"?>
 <p:sld xmlns:a="http://schemas.openxmlformats.org/drawingml/2006/main" xmlns:r="http://schemas.openxmlformats.org/officeDocument/2006/relationships" xmlns:p="http://schemas.openxmlformats.org/presentationml/2006/main">
   <p:cSld>
     <p:spTree>
@@ -15039,7 +15257,7 @@
 </p:sld>
 </file>
 
-<file path=ppt/slides/slide41.xml><?xml version="1.0" encoding="utf-8"?>
+<file path=ppt/slides/slide42.xml><?xml version="1.0" encoding="utf-8"?>
 <p:sld xmlns:a="http://schemas.openxmlformats.org/drawingml/2006/main" xmlns:r="http://schemas.openxmlformats.org/officeDocument/2006/relationships" xmlns:p="http://schemas.openxmlformats.org/presentationml/2006/main">
   <p:cSld>
     <p:spTree>
@@ -16493,7 +16711,7 @@
 </p:sld>
 </file>
 
-<file path=ppt/slides/slide42.xml><?xml version="1.0" encoding="utf-8"?>
+<file path=ppt/slides/slide43.xml><?xml version="1.0" encoding="utf-8"?>
 <p:sld xmlns:a="http://schemas.openxmlformats.org/drawingml/2006/main" xmlns:r="http://schemas.openxmlformats.org/officeDocument/2006/relationships" xmlns:p="http://schemas.openxmlformats.org/presentationml/2006/main">
   <p:cSld>
     <p:spTree>
@@ -16881,7 +17099,7 @@
 </p:sld>
 </file>
 
-<file path=ppt/slides/slide43.xml><?xml version="1.0" encoding="utf-8"?>
+<file path=ppt/slides/slide44.xml><?xml version="1.0" encoding="utf-8"?>
 <p:sld xmlns:a="http://schemas.openxmlformats.org/drawingml/2006/main" xmlns:r="http://schemas.openxmlformats.org/officeDocument/2006/relationships" xmlns:p="http://schemas.openxmlformats.org/presentationml/2006/main">
   <p:cSld>
     <p:spTree>
@@ -16934,7 +17152,7 @@
       </p:sp>
       <p:pic>
         <p:nvPicPr>
-          <p:cNvPr id="3074" name="Picture 2"/>
+          <p:cNvPr id="4" name="Picture 2"/>
           <p:cNvPicPr>
             <a:picLocks noChangeAspect="1" noChangeArrowheads="1"/>
           </p:cNvPicPr>
@@ -16955,8 +17173,383 @@
         </p:blipFill>
         <p:spPr bwMode="auto">
           <a:xfrm>
-            <a:off x="539551" y="1916832"/>
-            <a:ext cx="8031807" cy="3425058"/>
+            <a:off x="89173" y="6263811"/>
+            <a:ext cx="2114209" cy="549565"/>
+          </a:xfrm>
+          <a:prstGeom prst="rect">
+            <a:avLst/>
+          </a:prstGeom>
+          <a:noFill/>
+          <a:ln>
+            <a:noFill/>
+          </a:ln>
+          <a:effectLst>
+            <a:outerShdw blurRad="50800" dist="50800" dir="5400000" algn="ctr" rotWithShape="0">
+              <a:srgbClr val="000000">
+                <a:alpha val="3000"/>
+              </a:srgbClr>
+            </a:outerShdw>
+          </a:effectLst>
+          <a:extLst>
+            <a:ext uri="{909E8E84-426E-40DD-AFC4-6F175D3DCCD1}">
+              <a14:hiddenFill xmlns:a14="http://schemas.microsoft.com/office/drawing/2010/main">
+                <a:solidFill>
+                  <a:schemeClr val="accent1"/>
+                </a:solidFill>
+              </a14:hiddenFill>
+            </a:ext>
+            <a:ext uri="{91240B29-F687-4F45-9708-019B960494DF}">
+              <a14:hiddenLine xmlns:a14="http://schemas.microsoft.com/office/drawing/2010/main" w="9525">
+                <a:solidFill>
+                  <a:schemeClr val="tx1"/>
+                </a:solidFill>
+                <a:miter lim="800000"/>
+                <a:headEnd/>
+                <a:tailEnd/>
+              </a14:hiddenLine>
+            </a:ext>
+          </a:extLst>
+        </p:spPr>
+      </p:pic>
+      <p:pic>
+        <p:nvPicPr>
+          <p:cNvPr id="3" name="Picture 2"/>
+          <p:cNvPicPr>
+            <a:picLocks noChangeAspect="1" noChangeArrowheads="1"/>
+          </p:cNvPicPr>
+          <p:nvPr/>
+        </p:nvPicPr>
+        <p:blipFill>
+          <a:blip r:embed="rId3">
+            <a:extLst>
+              <a:ext uri="{28A0092B-C50C-407E-A947-70E740481C1C}">
+                <a14:useLocalDpi xmlns:a14="http://schemas.microsoft.com/office/drawing/2010/main" val="0"/>
+              </a:ext>
+            </a:extLst>
+          </a:blip>
+          <a:srcRect/>
+          <a:stretch>
+            <a:fillRect/>
+          </a:stretch>
+        </p:blipFill>
+        <p:spPr bwMode="auto">
+          <a:xfrm>
+            <a:off x="209955" y="2214522"/>
+            <a:ext cx="8748464" cy="2966940"/>
+          </a:xfrm>
+          <a:prstGeom prst="rect">
+            <a:avLst/>
+          </a:prstGeom>
+          <a:noFill/>
+          <a:ln>
+            <a:noFill/>
+          </a:ln>
+          <a:extLst>
+            <a:ext uri="{909E8E84-426E-40DD-AFC4-6F175D3DCCD1}">
+              <a14:hiddenFill xmlns:a14="http://schemas.microsoft.com/office/drawing/2010/main">
+                <a:solidFill>
+                  <a:schemeClr val="accent1"/>
+                </a:solidFill>
+              </a14:hiddenFill>
+            </a:ext>
+            <a:ext uri="{91240B29-F687-4F45-9708-019B960494DF}">
+              <a14:hiddenLine xmlns:a14="http://schemas.microsoft.com/office/drawing/2010/main" w="9525">
+                <a:solidFill>
+                  <a:schemeClr val="tx1"/>
+                </a:solidFill>
+                <a:miter lim="800000"/>
+                <a:headEnd/>
+                <a:tailEnd/>
+              </a14:hiddenLine>
+            </a:ext>
+          </a:extLst>
+        </p:spPr>
+      </p:pic>
+    </p:spTree>
+    <p:extLst>
+      <p:ext uri="{BB962C8B-B14F-4D97-AF65-F5344CB8AC3E}">
+        <p14:creationId xmlns:p14="http://schemas.microsoft.com/office/powerpoint/2010/main" val="3300361214"/>
+      </p:ext>
+    </p:extLst>
+  </p:cSld>
+  <p:clrMapOvr>
+    <a:masterClrMapping/>
+  </p:clrMapOvr>
+  <p:timing>
+    <p:tnLst>
+      <p:par>
+        <p:cTn id="1" dur="indefinite" restart="never" nodeType="tmRoot"/>
+      </p:par>
+    </p:tnLst>
+  </p:timing>
+</p:sld>
+</file>
+
+<file path=ppt/slides/slide45.xml><?xml version="1.0" encoding="utf-8"?>
+<p:sld xmlns:a="http://schemas.openxmlformats.org/drawingml/2006/main" xmlns:r="http://schemas.openxmlformats.org/officeDocument/2006/relationships" xmlns:p="http://schemas.openxmlformats.org/presentationml/2006/main">
+  <p:cSld>
+    <p:spTree>
+      <p:nvGrpSpPr>
+        <p:cNvPr id="1" name=""/>
+        <p:cNvGrpSpPr/>
+        <p:nvPr/>
+      </p:nvGrpSpPr>
+      <p:grpSpPr>
+        <a:xfrm>
+          <a:off x="0" y="0"/>
+          <a:ext cx="0" cy="0"/>
+          <a:chOff x="0" y="0"/>
+          <a:chExt cx="0" cy="0"/>
+        </a:xfrm>
+      </p:grpSpPr>
+      <p:sp>
+        <p:nvSpPr>
+          <p:cNvPr id="2" name="Title 1"/>
+          <p:cNvSpPr>
+            <a:spLocks noGrp="1"/>
+          </p:cNvSpPr>
+          <p:nvPr>
+            <p:ph type="title"/>
+          </p:nvPr>
+        </p:nvSpPr>
+        <p:spPr>
+          <a:xfrm>
+            <a:off x="457200" y="274638"/>
+            <a:ext cx="8470776" cy="1143000"/>
+          </a:xfrm>
+        </p:spPr>
+        <p:txBody>
+          <a:bodyPr>
+            <a:normAutofit/>
+          </a:bodyPr>
+          <a:lstStyle/>
+          <a:p>
+            <a:r>
+              <a:rPr lang="en-US" sz="3600" dirty="0"/>
+              <a:t>Exercise 3. </a:t>
+            </a:r>
+            <a:r>
+              <a:rPr lang="en-US" sz="3600" dirty="0" smtClean="0"/>
+              <a:t>Create SQS queues</a:t>
+            </a:r>
+            <a:endParaRPr lang="pl-PL" sz="3600" dirty="0"/>
+          </a:p>
+        </p:txBody>
+      </p:sp>
+      <p:pic>
+        <p:nvPicPr>
+          <p:cNvPr id="2050" name="Picture 2"/>
+          <p:cNvPicPr>
+            <a:picLocks noChangeAspect="1" noChangeArrowheads="1"/>
+          </p:cNvPicPr>
+          <p:nvPr/>
+        </p:nvPicPr>
+        <p:blipFill>
+          <a:blip r:embed="rId2">
+            <a:extLst>
+              <a:ext uri="{28A0092B-C50C-407E-A947-70E740481C1C}">
+                <a14:useLocalDpi xmlns:a14="http://schemas.microsoft.com/office/drawing/2010/main" val="0"/>
+              </a:ext>
+            </a:extLst>
+          </a:blip>
+          <a:srcRect/>
+          <a:stretch>
+            <a:fillRect/>
+          </a:stretch>
+        </p:blipFill>
+        <p:spPr bwMode="auto">
+          <a:xfrm>
+            <a:off x="179512" y="1838413"/>
+            <a:ext cx="8748464" cy="4398899"/>
+          </a:xfrm>
+          <a:prstGeom prst="rect">
+            <a:avLst/>
+          </a:prstGeom>
+          <a:noFill/>
+          <a:ln>
+            <a:noFill/>
+          </a:ln>
+          <a:extLst>
+            <a:ext uri="{909E8E84-426E-40DD-AFC4-6F175D3DCCD1}">
+              <a14:hiddenFill xmlns:a14="http://schemas.microsoft.com/office/drawing/2010/main">
+                <a:solidFill>
+                  <a:schemeClr val="accent1"/>
+                </a:solidFill>
+              </a14:hiddenFill>
+            </a:ext>
+            <a:ext uri="{91240B29-F687-4F45-9708-019B960494DF}">
+              <a14:hiddenLine xmlns:a14="http://schemas.microsoft.com/office/drawing/2010/main" w="9525">
+                <a:solidFill>
+                  <a:schemeClr val="tx1"/>
+                </a:solidFill>
+                <a:miter lim="800000"/>
+                <a:headEnd/>
+                <a:tailEnd/>
+              </a14:hiddenLine>
+            </a:ext>
+          </a:extLst>
+        </p:spPr>
+      </p:pic>
+      <p:pic>
+        <p:nvPicPr>
+          <p:cNvPr id="5" name="Picture 2"/>
+          <p:cNvPicPr>
+            <a:picLocks noChangeAspect="1" noChangeArrowheads="1"/>
+          </p:cNvPicPr>
+          <p:nvPr/>
+        </p:nvPicPr>
+        <p:blipFill>
+          <a:blip r:embed="rId3">
+            <a:extLst>
+              <a:ext uri="{28A0092B-C50C-407E-A947-70E740481C1C}">
+                <a14:useLocalDpi xmlns:a14="http://schemas.microsoft.com/office/drawing/2010/main" val="0"/>
+              </a:ext>
+            </a:extLst>
+          </a:blip>
+          <a:srcRect/>
+          <a:stretch>
+            <a:fillRect/>
+          </a:stretch>
+        </p:blipFill>
+        <p:spPr bwMode="auto">
+          <a:xfrm>
+            <a:off x="89173" y="6263811"/>
+            <a:ext cx="2114209" cy="549565"/>
+          </a:xfrm>
+          <a:prstGeom prst="rect">
+            <a:avLst/>
+          </a:prstGeom>
+          <a:noFill/>
+          <a:ln>
+            <a:noFill/>
+          </a:ln>
+          <a:effectLst>
+            <a:outerShdw blurRad="50800" dist="50800" dir="5400000" algn="ctr" rotWithShape="0">
+              <a:srgbClr val="000000">
+                <a:alpha val="3000"/>
+              </a:srgbClr>
+            </a:outerShdw>
+          </a:effectLst>
+          <a:extLst>
+            <a:ext uri="{909E8E84-426E-40DD-AFC4-6F175D3DCCD1}">
+              <a14:hiddenFill xmlns:a14="http://schemas.microsoft.com/office/drawing/2010/main">
+                <a:solidFill>
+                  <a:schemeClr val="accent1"/>
+                </a:solidFill>
+              </a14:hiddenFill>
+            </a:ext>
+            <a:ext uri="{91240B29-F687-4F45-9708-019B960494DF}">
+              <a14:hiddenLine xmlns:a14="http://schemas.microsoft.com/office/drawing/2010/main" w="9525">
+                <a:solidFill>
+                  <a:schemeClr val="tx1"/>
+                </a:solidFill>
+                <a:miter lim="800000"/>
+                <a:headEnd/>
+                <a:tailEnd/>
+              </a14:hiddenLine>
+            </a:ext>
+          </a:extLst>
+        </p:spPr>
+      </p:pic>
+    </p:spTree>
+    <p:extLst>
+      <p:ext uri="{BB962C8B-B14F-4D97-AF65-F5344CB8AC3E}">
+        <p14:creationId xmlns:p14="http://schemas.microsoft.com/office/powerpoint/2010/main" val="4061465987"/>
+      </p:ext>
+    </p:extLst>
+  </p:cSld>
+  <p:clrMapOvr>
+    <a:masterClrMapping/>
+  </p:clrMapOvr>
+  <p:timing>
+    <p:tnLst>
+      <p:par>
+        <p:cTn id="1" dur="indefinite" restart="never" nodeType="tmRoot"/>
+      </p:par>
+    </p:tnLst>
+  </p:timing>
+</p:sld>
+</file>
+
+<file path=ppt/slides/slide46.xml><?xml version="1.0" encoding="utf-8"?>
+<p:sld xmlns:a="http://schemas.openxmlformats.org/drawingml/2006/main" xmlns:r="http://schemas.openxmlformats.org/officeDocument/2006/relationships" xmlns:p="http://schemas.openxmlformats.org/presentationml/2006/main">
+  <p:cSld>
+    <p:spTree>
+      <p:nvGrpSpPr>
+        <p:cNvPr id="1" name=""/>
+        <p:cNvGrpSpPr/>
+        <p:nvPr/>
+      </p:nvGrpSpPr>
+      <p:grpSpPr>
+        <a:xfrm>
+          <a:off x="0" y="0"/>
+          <a:ext cx="0" cy="0"/>
+          <a:chOff x="0" y="0"/>
+          <a:chExt cx="0" cy="0"/>
+        </a:xfrm>
+      </p:grpSpPr>
+      <p:sp>
+        <p:nvSpPr>
+          <p:cNvPr id="2" name="Title 1"/>
+          <p:cNvSpPr>
+            <a:spLocks noGrp="1"/>
+          </p:cNvSpPr>
+          <p:nvPr>
+            <p:ph type="title"/>
+          </p:nvPr>
+        </p:nvSpPr>
+        <p:spPr/>
+        <p:txBody>
+          <a:bodyPr>
+            <a:normAutofit/>
+          </a:bodyPr>
+          <a:lstStyle/>
+          <a:p>
+            <a:r>
+              <a:rPr lang="en-US" sz="3600" dirty="0"/>
+              <a:t>Exercise 3</a:t>
+            </a:r>
+            <a:r>
+              <a:rPr lang="en-US" sz="3600" dirty="0" smtClean="0"/>
+              <a:t>. </a:t>
+            </a:r>
+            <a:r>
+              <a:rPr lang="en-US" sz="3600" dirty="0"/>
+              <a:t>F</a:t>
+            </a:r>
+            <a:r>
+              <a:rPr lang="en-US" sz="3600" dirty="0" smtClean="0"/>
+              <a:t>ire the flow</a:t>
+            </a:r>
+            <a:endParaRPr lang="pl-PL" sz="3600" dirty="0"/>
+          </a:p>
+        </p:txBody>
+      </p:sp>
+      <p:pic>
+        <p:nvPicPr>
+          <p:cNvPr id="1027" name="Picture 3"/>
+          <p:cNvPicPr>
+            <a:picLocks noChangeAspect="1" noChangeArrowheads="1"/>
+          </p:cNvPicPr>
+          <p:nvPr/>
+        </p:nvPicPr>
+        <p:blipFill>
+          <a:blip r:embed="rId2">
+            <a:extLst>
+              <a:ext uri="{28A0092B-C50C-407E-A947-70E740481C1C}">
+                <a14:useLocalDpi xmlns:a14="http://schemas.microsoft.com/office/drawing/2010/main" val="0"/>
+              </a:ext>
+            </a:extLst>
+          </a:blip>
+          <a:srcRect/>
+          <a:stretch>
+            <a:fillRect/>
+          </a:stretch>
+        </p:blipFill>
+        <p:spPr bwMode="auto">
+          <a:xfrm>
+            <a:off x="395536" y="1545080"/>
+            <a:ext cx="8280920" cy="4692232"/>
           </a:xfrm>
           <a:prstGeom prst="rect">
             <a:avLst/>
@@ -17050,7 +17643,7 @@
     </p:spTree>
     <p:extLst>
       <p:ext uri="{BB962C8B-B14F-4D97-AF65-F5344CB8AC3E}">
-        <p14:creationId xmlns:p14="http://schemas.microsoft.com/office/powerpoint/2010/main" val="3300361214"/>
+        <p14:creationId xmlns:p14="http://schemas.microsoft.com/office/powerpoint/2010/main" val="2365543400"/>
       </p:ext>
     </p:extLst>
   </p:cSld>
@@ -17067,7 +17660,2245 @@
 </p:sld>
 </file>
 
-<file path=ppt/slides/slide44.xml><?xml version="1.0" encoding="utf-8"?>
+<file path=ppt/slides/slide47.xml><?xml version="1.0" encoding="utf-8"?>
+<p:sld xmlns:a="http://schemas.openxmlformats.org/drawingml/2006/main" xmlns:r="http://schemas.openxmlformats.org/officeDocument/2006/relationships" xmlns:p="http://schemas.openxmlformats.org/presentationml/2006/main">
+  <p:cSld>
+    <p:spTree>
+      <p:nvGrpSpPr>
+        <p:cNvPr id="1" name=""/>
+        <p:cNvGrpSpPr/>
+        <p:nvPr/>
+      </p:nvGrpSpPr>
+      <p:grpSpPr>
+        <a:xfrm>
+          <a:off x="0" y="0"/>
+          <a:ext cx="0" cy="0"/>
+          <a:chOff x="0" y="0"/>
+          <a:chExt cx="0" cy="0"/>
+        </a:xfrm>
+      </p:grpSpPr>
+      <p:sp>
+        <p:nvSpPr>
+          <p:cNvPr id="2" name="Title 1"/>
+          <p:cNvSpPr>
+            <a:spLocks noGrp="1"/>
+          </p:cNvSpPr>
+          <p:nvPr>
+            <p:ph type="title"/>
+          </p:nvPr>
+        </p:nvSpPr>
+        <p:spPr/>
+        <p:txBody>
+          <a:bodyPr>
+            <a:normAutofit/>
+          </a:bodyPr>
+          <a:lstStyle/>
+          <a:p>
+            <a:r>
+              <a:rPr lang="en-US" sz="3600" dirty="0"/>
+              <a:t>Exercise </a:t>
+            </a:r>
+            <a:r>
+              <a:rPr lang="en-US" sz="3600" dirty="0" smtClean="0"/>
+              <a:t>3. Build and deploy</a:t>
+            </a:r>
+            <a:endParaRPr lang="pl-PL" sz="3600" dirty="0"/>
+          </a:p>
+        </p:txBody>
+      </p:sp>
+      <p:pic>
+        <p:nvPicPr>
+          <p:cNvPr id="4" name="Picture 2"/>
+          <p:cNvPicPr>
+            <a:picLocks noChangeAspect="1" noChangeArrowheads="1"/>
+          </p:cNvPicPr>
+          <p:nvPr/>
+        </p:nvPicPr>
+        <p:blipFill>
+          <a:blip r:embed="rId2">
+            <a:extLst>
+              <a:ext uri="{28A0092B-C50C-407E-A947-70E740481C1C}">
+                <a14:useLocalDpi xmlns:a14="http://schemas.microsoft.com/office/drawing/2010/main" val="0"/>
+              </a:ext>
+            </a:extLst>
+          </a:blip>
+          <a:srcRect/>
+          <a:stretch>
+            <a:fillRect/>
+          </a:stretch>
+        </p:blipFill>
+        <p:spPr bwMode="auto">
+          <a:xfrm>
+            <a:off x="89173" y="6263811"/>
+            <a:ext cx="2114209" cy="549565"/>
+          </a:xfrm>
+          <a:prstGeom prst="rect">
+            <a:avLst/>
+          </a:prstGeom>
+          <a:noFill/>
+          <a:ln>
+            <a:noFill/>
+          </a:ln>
+          <a:effectLst>
+            <a:outerShdw blurRad="50800" dist="50800" dir="5400000" algn="ctr" rotWithShape="0">
+              <a:srgbClr val="000000">
+                <a:alpha val="3000"/>
+              </a:srgbClr>
+            </a:outerShdw>
+          </a:effectLst>
+          <a:extLst>
+            <a:ext uri="{909E8E84-426E-40DD-AFC4-6F175D3DCCD1}">
+              <a14:hiddenFill xmlns:a14="http://schemas.microsoft.com/office/drawing/2010/main">
+                <a:solidFill>
+                  <a:schemeClr val="accent1"/>
+                </a:solidFill>
+              </a14:hiddenFill>
+            </a:ext>
+            <a:ext uri="{91240B29-F687-4F45-9708-019B960494DF}">
+              <a14:hiddenLine xmlns:a14="http://schemas.microsoft.com/office/drawing/2010/main" w="9525">
+                <a:solidFill>
+                  <a:schemeClr val="tx1"/>
+                </a:solidFill>
+                <a:miter lim="800000"/>
+                <a:headEnd/>
+                <a:tailEnd/>
+              </a14:hiddenLine>
+            </a:ext>
+          </a:extLst>
+        </p:spPr>
+      </p:pic>
+    </p:spTree>
+    <p:extLst>
+      <p:ext uri="{BB962C8B-B14F-4D97-AF65-F5344CB8AC3E}">
+        <p14:creationId xmlns:p14="http://schemas.microsoft.com/office/powerpoint/2010/main" val="4195114840"/>
+      </p:ext>
+    </p:extLst>
+  </p:cSld>
+  <p:clrMapOvr>
+    <a:masterClrMapping/>
+  </p:clrMapOvr>
+  <p:timing>
+    <p:tnLst>
+      <p:par>
+        <p:cTn id="1" dur="indefinite" restart="never" nodeType="tmRoot"/>
+      </p:par>
+    </p:tnLst>
+  </p:timing>
+</p:sld>
+</file>
+
+<file path=ppt/slides/slide48.xml><?xml version="1.0" encoding="utf-8"?>
+<p:sld xmlns:a="http://schemas.openxmlformats.org/drawingml/2006/main" xmlns:r="http://schemas.openxmlformats.org/officeDocument/2006/relationships" xmlns:p="http://schemas.openxmlformats.org/presentationml/2006/main">
+  <p:cSld>
+    <p:spTree>
+      <p:nvGrpSpPr>
+        <p:cNvPr id="1" name=""/>
+        <p:cNvGrpSpPr/>
+        <p:nvPr/>
+      </p:nvGrpSpPr>
+      <p:grpSpPr>
+        <a:xfrm>
+          <a:off x="0" y="0"/>
+          <a:ext cx="0" cy="0"/>
+          <a:chOff x="0" y="0"/>
+          <a:chExt cx="0" cy="0"/>
+        </a:xfrm>
+      </p:grpSpPr>
+      <p:sp>
+        <p:nvSpPr>
+          <p:cNvPr id="2" name="Title 1"/>
+          <p:cNvSpPr>
+            <a:spLocks noGrp="1"/>
+          </p:cNvSpPr>
+          <p:nvPr>
+            <p:ph type="title"/>
+          </p:nvPr>
+        </p:nvSpPr>
+        <p:spPr/>
+        <p:txBody>
+          <a:bodyPr>
+            <a:normAutofit/>
+          </a:bodyPr>
+          <a:lstStyle/>
+          <a:p>
+            <a:r>
+              <a:rPr lang="en-US" sz="3600" dirty="0"/>
+              <a:t>Exercise </a:t>
+            </a:r>
+            <a:r>
+              <a:rPr lang="en-US" sz="3600" dirty="0" smtClean="0"/>
+              <a:t>4. More involved case</a:t>
+            </a:r>
+            <a:endParaRPr lang="pl-PL" sz="3600" dirty="0"/>
+          </a:p>
+        </p:txBody>
+      </p:sp>
+      <p:sp>
+        <p:nvSpPr>
+          <p:cNvPr id="4" name="Rectangle 3"/>
+          <p:cNvSpPr/>
+          <p:nvPr/>
+        </p:nvSpPr>
+        <p:spPr>
+          <a:xfrm>
+            <a:off x="179512" y="1916832"/>
+            <a:ext cx="8784976" cy="4154984"/>
+          </a:xfrm>
+          <a:prstGeom prst="rect">
+            <a:avLst/>
+          </a:prstGeom>
+        </p:spPr>
+        <p:txBody>
+          <a:bodyPr wrap="square">
+            <a:spAutoFit/>
+          </a:bodyPr>
+          <a:lstStyle/>
+          <a:p>
+            <a:r>
+              <a:rPr lang="pl-PL" sz="1100" dirty="0" err="1" smtClean="0">
+                <a:solidFill>
+                  <a:srgbClr val="000000"/>
+                </a:solidFill>
+                <a:latin typeface="Consolas"/>
+              </a:rPr>
+              <a:t>FallbackServerInstanceBuilder</a:t>
+            </a:r>
+            <a:r>
+              <a:rPr lang="pl-PL" sz="1100" dirty="0" smtClean="0">
+                <a:solidFill>
+                  <a:srgbClr val="000000"/>
+                </a:solidFill>
+                <a:latin typeface="Consolas"/>
+              </a:rPr>
+              <a:t> </a:t>
+            </a:r>
+            <a:r>
+              <a:rPr lang="pl-PL" sz="1100" dirty="0" err="1" smtClean="0">
+                <a:solidFill>
+                  <a:srgbClr val="0000C0"/>
+                </a:solidFill>
+                <a:latin typeface="Consolas"/>
+              </a:rPr>
+              <a:t>fsib</a:t>
+            </a:r>
+            <a:r>
+              <a:rPr lang="en-US" sz="1100" dirty="0" smtClean="0">
+                <a:solidFill>
+                  <a:srgbClr val="0000C0"/>
+                </a:solidFill>
+                <a:latin typeface="Consolas"/>
+              </a:rPr>
+              <a:t> = ...</a:t>
+            </a:r>
+            <a:r>
+              <a:rPr lang="pl-PL" sz="1100" dirty="0" smtClean="0">
+                <a:solidFill>
+                  <a:srgbClr val="000000"/>
+                </a:solidFill>
+                <a:latin typeface="Consolas"/>
+              </a:rPr>
+              <a:t>;</a:t>
+            </a:r>
+            <a:endParaRPr lang="pl-PL" sz="1100" dirty="0">
+              <a:solidFill>
+                <a:srgbClr val="000000"/>
+              </a:solidFill>
+              <a:latin typeface="Consolas"/>
+            </a:endParaRPr>
+          </a:p>
+          <a:p>
+            <a:r>
+              <a:rPr lang="en-US" sz="1100" dirty="0" smtClean="0">
+                <a:solidFill>
+                  <a:srgbClr val="000000"/>
+                </a:solidFill>
+                <a:latin typeface="Consolas"/>
+              </a:rPr>
+              <a:t>   </a:t>
+            </a:r>
+          </a:p>
+          <a:p>
+            <a:r>
+              <a:rPr lang="en-US" sz="1100" b="1" dirty="0" smtClean="0">
+                <a:solidFill>
+                  <a:srgbClr val="7F0055"/>
+                </a:solidFill>
+                <a:latin typeface="Consolas"/>
+              </a:rPr>
+              <a:t>      </a:t>
+            </a:r>
+            <a:r>
+              <a:rPr lang="pl-PL" sz="1100" b="1" dirty="0" err="1" smtClean="0">
+                <a:solidFill>
+                  <a:srgbClr val="7F0055"/>
+                </a:solidFill>
+                <a:latin typeface="Consolas"/>
+              </a:rPr>
+              <a:t>try</a:t>
+            </a:r>
+            <a:r>
+              <a:rPr lang="pl-PL" sz="1100" b="1" dirty="0" smtClean="0">
+                <a:solidFill>
+                  <a:srgbClr val="000000"/>
+                </a:solidFill>
+                <a:latin typeface="Consolas"/>
+              </a:rPr>
+              <a:t> </a:t>
+            </a:r>
+            <a:r>
+              <a:rPr lang="pl-PL" sz="1100" dirty="0">
+                <a:solidFill>
+                  <a:srgbClr val="000000"/>
+                </a:solidFill>
+                <a:latin typeface="Consolas"/>
+              </a:rPr>
+              <a:t>{</a:t>
+            </a:r>
+          </a:p>
+          <a:p>
+            <a:r>
+              <a:rPr lang="pl-PL" sz="1100" dirty="0" smtClean="0">
+                <a:solidFill>
+                  <a:srgbClr val="000000"/>
+                </a:solidFill>
+                <a:latin typeface="Consolas"/>
+              </a:rPr>
+              <a:t>      </a:t>
+            </a:r>
+            <a:r>
+              <a:rPr lang="en-US" sz="1100" dirty="0" smtClean="0">
+                <a:solidFill>
+                  <a:srgbClr val="000000"/>
+                </a:solidFill>
+                <a:latin typeface="Consolas"/>
+              </a:rPr>
+              <a:t>  </a:t>
+            </a:r>
+            <a:r>
+              <a:rPr lang="pl-PL" sz="1100" dirty="0" err="1" smtClean="0">
+                <a:solidFill>
+                  <a:srgbClr val="0000C0"/>
+                </a:solidFill>
+                <a:latin typeface="Consolas"/>
+              </a:rPr>
+              <a:t>sender</a:t>
+            </a:r>
+            <a:r>
+              <a:rPr lang="pl-PL" sz="1100" dirty="0" err="1" smtClean="0">
+                <a:solidFill>
+                  <a:srgbClr val="000000"/>
+                </a:solidFill>
+                <a:latin typeface="Consolas"/>
+              </a:rPr>
+              <a:t>.trySending</a:t>
+            </a:r>
+            <a:r>
+              <a:rPr lang="pl-PL" sz="1100" dirty="0" smtClean="0">
+                <a:solidFill>
+                  <a:srgbClr val="000000"/>
+                </a:solidFill>
+                <a:latin typeface="Consolas"/>
+              </a:rPr>
+              <a:t>(</a:t>
+            </a:r>
+            <a:r>
+              <a:rPr lang="pl-PL" sz="1100" dirty="0" err="1" smtClean="0">
+                <a:solidFill>
+                  <a:srgbClr val="0000C0"/>
+                </a:solidFill>
+                <a:latin typeface="Consolas"/>
+              </a:rPr>
+              <a:t>basicServiceUrl</a:t>
+            </a:r>
+            <a:r>
+              <a:rPr lang="pl-PL" sz="1100" dirty="0">
+                <a:solidFill>
+                  <a:srgbClr val="000000"/>
+                </a:solidFill>
+                <a:latin typeface="Consolas"/>
+              </a:rPr>
+              <a:t>, </a:t>
+            </a:r>
+            <a:r>
+              <a:rPr lang="pl-PL" sz="1100" dirty="0" err="1">
+                <a:solidFill>
+                  <a:srgbClr val="0000C0"/>
+                </a:solidFill>
+                <a:latin typeface="Consolas"/>
+              </a:rPr>
+              <a:t>digestRequest</a:t>
+            </a:r>
+            <a:r>
+              <a:rPr lang="pl-PL" sz="1100" dirty="0">
+                <a:solidFill>
+                  <a:srgbClr val="000000"/>
+                </a:solidFill>
+                <a:latin typeface="Consolas"/>
+              </a:rPr>
+              <a:t>);</a:t>
+            </a:r>
+          </a:p>
+          <a:p>
+            <a:r>
+              <a:rPr lang="pl-PL" sz="1100" dirty="0" smtClean="0">
+                <a:solidFill>
+                  <a:srgbClr val="000000"/>
+                </a:solidFill>
+                <a:latin typeface="Consolas"/>
+              </a:rPr>
+              <a:t>      </a:t>
+            </a:r>
+            <a:r>
+              <a:rPr lang="pl-PL" sz="1100" dirty="0">
+                <a:solidFill>
+                  <a:srgbClr val="000000"/>
+                </a:solidFill>
+                <a:latin typeface="Consolas"/>
+              </a:rPr>
+              <a:t>} </a:t>
+            </a:r>
+            <a:r>
+              <a:rPr lang="pl-PL" sz="1100" b="1" dirty="0" err="1">
+                <a:solidFill>
+                  <a:srgbClr val="7F0055"/>
+                </a:solidFill>
+                <a:latin typeface="Consolas"/>
+              </a:rPr>
+              <a:t>catch</a:t>
+            </a:r>
+            <a:r>
+              <a:rPr lang="pl-PL" sz="1100" b="1" dirty="0">
+                <a:solidFill>
+                  <a:srgbClr val="000000"/>
+                </a:solidFill>
+                <a:latin typeface="Consolas"/>
+              </a:rPr>
+              <a:t> (</a:t>
+            </a:r>
+            <a:r>
+              <a:rPr lang="pl-PL" sz="1100" b="1" dirty="0" err="1">
+                <a:solidFill>
+                  <a:srgbClr val="000000"/>
+                </a:solidFill>
+                <a:latin typeface="Consolas"/>
+              </a:rPr>
+              <a:t>OutOfMemoryError</a:t>
+            </a:r>
+            <a:r>
+              <a:rPr lang="pl-PL" sz="1100" b="1" dirty="0">
+                <a:solidFill>
+                  <a:srgbClr val="000000"/>
+                </a:solidFill>
+                <a:latin typeface="Consolas"/>
+              </a:rPr>
+              <a:t> </a:t>
+            </a:r>
+            <a:r>
+              <a:rPr lang="pl-PL" sz="1100" b="1" dirty="0" err="1">
+                <a:solidFill>
+                  <a:srgbClr val="6A3E3E"/>
+                </a:solidFill>
+                <a:latin typeface="Consolas"/>
+              </a:rPr>
+              <a:t>outOfMemoryErrorFromTargetServerMachineInstance</a:t>
+            </a:r>
+            <a:r>
+              <a:rPr lang="pl-PL" sz="1100" b="1" dirty="0">
+                <a:solidFill>
+                  <a:srgbClr val="000000"/>
+                </a:solidFill>
+                <a:latin typeface="Consolas"/>
+              </a:rPr>
+              <a:t>) {</a:t>
+            </a:r>
+          </a:p>
+          <a:p>
+            <a:r>
+              <a:rPr lang="pl-PL" sz="1100" dirty="0" smtClean="0">
+                <a:solidFill>
+                  <a:srgbClr val="000000"/>
+                </a:solidFill>
+                <a:latin typeface="Consolas"/>
+              </a:rPr>
+              <a:t>         </a:t>
+            </a:r>
+            <a:endParaRPr lang="pl-PL" sz="1100" dirty="0">
+              <a:solidFill>
+                <a:srgbClr val="000000"/>
+              </a:solidFill>
+              <a:latin typeface="Consolas"/>
+            </a:endParaRPr>
+          </a:p>
+          <a:p>
+            <a:r>
+              <a:rPr lang="pl-PL" sz="1100" dirty="0" smtClean="0">
+                <a:solidFill>
+                  <a:srgbClr val="000000"/>
+                </a:solidFill>
+                <a:latin typeface="Consolas"/>
+              </a:rPr>
+              <a:t>          </a:t>
+            </a:r>
+            <a:r>
+              <a:rPr lang="pl-PL" sz="1100" b="1" dirty="0" err="1">
+                <a:solidFill>
+                  <a:srgbClr val="7F0055"/>
+                </a:solidFill>
+                <a:latin typeface="Consolas"/>
+              </a:rPr>
+              <a:t>try</a:t>
+            </a:r>
+            <a:r>
+              <a:rPr lang="pl-PL" sz="1100" b="1" dirty="0">
+                <a:solidFill>
+                  <a:srgbClr val="000000"/>
+                </a:solidFill>
+                <a:latin typeface="Consolas"/>
+              </a:rPr>
+              <a:t> {</a:t>
+            </a:r>
+          </a:p>
+          <a:p>
+            <a:r>
+              <a:rPr lang="en-US" sz="1100" dirty="0" smtClean="0">
+                <a:solidFill>
+                  <a:srgbClr val="000000"/>
+                </a:solidFill>
+                <a:latin typeface="Consolas"/>
+              </a:rPr>
+              <a:t>              </a:t>
+            </a:r>
+            <a:r>
+              <a:rPr lang="en-US" sz="1100" dirty="0" err="1">
+                <a:solidFill>
+                  <a:srgbClr val="000000"/>
+                </a:solidFill>
+                <a:latin typeface="Consolas"/>
+              </a:rPr>
+              <a:t>FallbackSetupParams</a:t>
+            </a:r>
+            <a:r>
+              <a:rPr lang="en-US" sz="1100" dirty="0">
+                <a:solidFill>
+                  <a:srgbClr val="000000"/>
+                </a:solidFill>
+                <a:latin typeface="Consolas"/>
+              </a:rPr>
+              <a:t> </a:t>
+            </a:r>
+            <a:r>
+              <a:rPr lang="en-US" sz="1100" dirty="0" err="1">
+                <a:solidFill>
+                  <a:srgbClr val="6A3E3E"/>
+                </a:solidFill>
+                <a:latin typeface="Consolas"/>
+              </a:rPr>
+              <a:t>fsp</a:t>
+            </a:r>
+            <a:r>
+              <a:rPr lang="en-US" sz="1100" dirty="0">
+                <a:solidFill>
+                  <a:srgbClr val="000000"/>
+                </a:solidFill>
+                <a:latin typeface="Consolas"/>
+              </a:rPr>
+              <a:t> = </a:t>
+            </a:r>
+            <a:r>
+              <a:rPr lang="en-US" sz="1100" b="1" dirty="0">
+                <a:solidFill>
+                  <a:srgbClr val="7F0055"/>
+                </a:solidFill>
+                <a:latin typeface="Consolas"/>
+              </a:rPr>
+              <a:t>new</a:t>
+            </a:r>
+            <a:r>
+              <a:rPr lang="en-US" sz="1100" b="1" dirty="0">
+                <a:solidFill>
+                  <a:srgbClr val="000000"/>
+                </a:solidFill>
+                <a:latin typeface="Consolas"/>
+              </a:rPr>
+              <a:t> </a:t>
+            </a:r>
+            <a:r>
+              <a:rPr lang="en-US" sz="1100" b="1" dirty="0" err="1">
+                <a:solidFill>
+                  <a:srgbClr val="000000"/>
+                </a:solidFill>
+                <a:latin typeface="Consolas"/>
+              </a:rPr>
+              <a:t>FallbackSetupParams</a:t>
+            </a:r>
+            <a:r>
+              <a:rPr lang="en-US" sz="1100" b="1" dirty="0">
+                <a:solidFill>
+                  <a:srgbClr val="000000"/>
+                </a:solidFill>
+                <a:latin typeface="Consolas"/>
+              </a:rPr>
+              <a:t>().</a:t>
+            </a:r>
+            <a:r>
+              <a:rPr lang="en-US" sz="1100" b="1" dirty="0" err="1">
+                <a:solidFill>
+                  <a:srgbClr val="000000"/>
+                </a:solidFill>
+                <a:latin typeface="Consolas"/>
+              </a:rPr>
+              <a:t>withLabel</a:t>
+            </a:r>
+            <a:r>
+              <a:rPr lang="en-US" sz="1100" b="1" dirty="0">
+                <a:solidFill>
+                  <a:srgbClr val="000000"/>
+                </a:solidFill>
+                <a:latin typeface="Consolas"/>
+              </a:rPr>
+              <a:t>(</a:t>
+            </a:r>
+            <a:r>
+              <a:rPr lang="en-US" sz="1100" b="1" dirty="0">
+                <a:solidFill>
+                  <a:srgbClr val="2A00FF"/>
+                </a:solidFill>
+                <a:latin typeface="Consolas"/>
+              </a:rPr>
+              <a:t>"..."</a:t>
+            </a:r>
+            <a:r>
+              <a:rPr lang="en-US" sz="1100" b="1" dirty="0">
+                <a:solidFill>
+                  <a:srgbClr val="000000"/>
+                </a:solidFill>
+                <a:latin typeface="Consolas"/>
+              </a:rPr>
+              <a:t>);</a:t>
+            </a:r>
+          </a:p>
+          <a:p>
+            <a:r>
+              <a:rPr lang="pl-PL" sz="1100" dirty="0" smtClean="0">
+                <a:solidFill>
+                  <a:srgbClr val="000000"/>
+                </a:solidFill>
+                <a:latin typeface="Consolas"/>
+              </a:rPr>
+              <a:t>              </a:t>
+            </a:r>
+            <a:r>
+              <a:rPr lang="pl-PL" sz="1100" dirty="0" err="1">
+                <a:solidFill>
+                  <a:srgbClr val="000000"/>
+                </a:solidFill>
+                <a:latin typeface="Consolas"/>
+              </a:rPr>
+              <a:t>FallbackServerInstance</a:t>
+            </a:r>
+            <a:r>
+              <a:rPr lang="pl-PL" sz="1100" dirty="0">
+                <a:solidFill>
+                  <a:srgbClr val="000000"/>
+                </a:solidFill>
+                <a:latin typeface="Consolas"/>
+              </a:rPr>
+              <a:t> </a:t>
+            </a:r>
+            <a:r>
+              <a:rPr lang="pl-PL" sz="1100" dirty="0" err="1">
+                <a:solidFill>
+                  <a:srgbClr val="6A3E3E"/>
+                </a:solidFill>
+                <a:latin typeface="Consolas"/>
+              </a:rPr>
+              <a:t>newMediumFallbackInstance</a:t>
+            </a:r>
+            <a:r>
+              <a:rPr lang="pl-PL" sz="1100" dirty="0">
+                <a:solidFill>
+                  <a:srgbClr val="000000"/>
+                </a:solidFill>
+                <a:latin typeface="Consolas"/>
+              </a:rPr>
+              <a:t> = </a:t>
+            </a:r>
+            <a:r>
+              <a:rPr lang="pl-PL" sz="1100" dirty="0" err="1">
+                <a:solidFill>
+                  <a:srgbClr val="0000C0"/>
+                </a:solidFill>
+                <a:latin typeface="Consolas"/>
+              </a:rPr>
+              <a:t>fsib</a:t>
+            </a:r>
+            <a:r>
+              <a:rPr lang="pl-PL" sz="1100" dirty="0" err="1">
+                <a:solidFill>
+                  <a:srgbClr val="000000"/>
+                </a:solidFill>
+                <a:latin typeface="Consolas"/>
+              </a:rPr>
+              <a:t>.build</a:t>
+            </a:r>
+            <a:r>
+              <a:rPr lang="pl-PL" sz="1100" dirty="0">
+                <a:solidFill>
+                  <a:srgbClr val="000000"/>
+                </a:solidFill>
+                <a:latin typeface="Consolas"/>
+              </a:rPr>
+              <a:t>(</a:t>
+            </a:r>
+            <a:r>
+              <a:rPr lang="pl-PL" sz="1100" dirty="0" err="1">
+                <a:solidFill>
+                  <a:srgbClr val="6A3E3E"/>
+                </a:solidFill>
+                <a:latin typeface="Consolas"/>
+              </a:rPr>
+              <a:t>fsp</a:t>
+            </a:r>
+            <a:r>
+              <a:rPr lang="pl-PL" sz="1100" dirty="0">
+                <a:solidFill>
+                  <a:srgbClr val="000000"/>
+                </a:solidFill>
+                <a:latin typeface="Consolas"/>
+              </a:rPr>
+              <a:t>);</a:t>
+            </a:r>
+          </a:p>
+          <a:p>
+            <a:r>
+              <a:rPr lang="pl-PL" sz="1100" dirty="0" smtClean="0">
+                <a:solidFill>
+                  <a:srgbClr val="000000"/>
+                </a:solidFill>
+                <a:latin typeface="Consolas"/>
+              </a:rPr>
+              <a:t>              </a:t>
+            </a:r>
+            <a:r>
+              <a:rPr lang="pl-PL" sz="1100" dirty="0">
+                <a:solidFill>
+                  <a:srgbClr val="000000"/>
+                </a:solidFill>
+                <a:latin typeface="Consolas"/>
+              </a:rPr>
+              <a:t>String </a:t>
+            </a:r>
+            <a:r>
+              <a:rPr lang="pl-PL" sz="1100" dirty="0" err="1">
+                <a:solidFill>
+                  <a:srgbClr val="6A3E3E"/>
+                </a:solidFill>
+                <a:latin typeface="Consolas"/>
+              </a:rPr>
+              <a:t>newMediumServiceUrl</a:t>
+            </a:r>
+            <a:r>
+              <a:rPr lang="pl-PL" sz="1100" dirty="0">
+                <a:solidFill>
+                  <a:srgbClr val="000000"/>
+                </a:solidFill>
+                <a:latin typeface="Consolas"/>
+              </a:rPr>
+              <a:t> = </a:t>
+            </a:r>
+            <a:r>
+              <a:rPr lang="pl-PL" sz="1100" dirty="0" err="1">
+                <a:solidFill>
+                  <a:srgbClr val="000000"/>
+                </a:solidFill>
+                <a:latin typeface="Consolas"/>
+              </a:rPr>
+              <a:t>buildServiceUrl</a:t>
+            </a:r>
+            <a:r>
+              <a:rPr lang="pl-PL" sz="1100" dirty="0">
+                <a:solidFill>
+                  <a:srgbClr val="000000"/>
+                </a:solidFill>
+                <a:latin typeface="Consolas"/>
+              </a:rPr>
+              <a:t>(</a:t>
+            </a:r>
+            <a:r>
+              <a:rPr lang="pl-PL" sz="1100" dirty="0" err="1">
+                <a:solidFill>
+                  <a:srgbClr val="6A3E3E"/>
+                </a:solidFill>
+                <a:latin typeface="Consolas"/>
+              </a:rPr>
+              <a:t>newMediumFallbackInstance</a:t>
+            </a:r>
+            <a:r>
+              <a:rPr lang="pl-PL" sz="1100" dirty="0" err="1">
+                <a:solidFill>
+                  <a:srgbClr val="000000"/>
+                </a:solidFill>
+                <a:latin typeface="Consolas"/>
+              </a:rPr>
+              <a:t>.getPublicIpAddress</a:t>
+            </a:r>
+            <a:r>
+              <a:rPr lang="pl-PL" sz="1100" dirty="0">
+                <a:solidFill>
+                  <a:srgbClr val="000000"/>
+                </a:solidFill>
+                <a:latin typeface="Consolas"/>
+              </a:rPr>
+              <a:t>());</a:t>
+            </a:r>
+          </a:p>
+          <a:p>
+            <a:r>
+              <a:rPr lang="pl-PL" sz="1100" dirty="0" smtClean="0">
+                <a:solidFill>
+                  <a:srgbClr val="000000"/>
+                </a:solidFill>
+                <a:latin typeface="Consolas"/>
+              </a:rPr>
+              <a:t>              </a:t>
+            </a:r>
+            <a:r>
+              <a:rPr lang="pl-PL" sz="1100" dirty="0" err="1">
+                <a:solidFill>
+                  <a:srgbClr val="000000"/>
+                </a:solidFill>
+                <a:latin typeface="Consolas"/>
+              </a:rPr>
+              <a:t>DigestResponse</a:t>
+            </a:r>
+            <a:r>
+              <a:rPr lang="pl-PL" sz="1100" dirty="0">
+                <a:solidFill>
+                  <a:srgbClr val="000000"/>
+                </a:solidFill>
+                <a:latin typeface="Consolas"/>
+              </a:rPr>
+              <a:t> </a:t>
+            </a:r>
+            <a:r>
+              <a:rPr lang="pl-PL" sz="1100" dirty="0" err="1">
+                <a:solidFill>
+                  <a:srgbClr val="6A3E3E"/>
+                </a:solidFill>
+                <a:latin typeface="Consolas"/>
+              </a:rPr>
+              <a:t>response</a:t>
+            </a:r>
+            <a:r>
+              <a:rPr lang="pl-PL" sz="1100" dirty="0">
+                <a:solidFill>
+                  <a:srgbClr val="000000"/>
+                </a:solidFill>
+                <a:latin typeface="Consolas"/>
+              </a:rPr>
+              <a:t> = </a:t>
+            </a:r>
+            <a:r>
+              <a:rPr lang="pl-PL" sz="1100" dirty="0" err="1">
+                <a:solidFill>
+                  <a:srgbClr val="0000C0"/>
+                </a:solidFill>
+                <a:latin typeface="Consolas"/>
+              </a:rPr>
+              <a:t>sender</a:t>
+            </a:r>
+            <a:r>
+              <a:rPr lang="pl-PL" sz="1100" dirty="0" err="1">
+                <a:solidFill>
+                  <a:srgbClr val="000000"/>
+                </a:solidFill>
+                <a:latin typeface="Consolas"/>
+              </a:rPr>
+              <a:t>.trySending</a:t>
+            </a:r>
+            <a:r>
+              <a:rPr lang="pl-PL" sz="1100" dirty="0">
+                <a:solidFill>
+                  <a:srgbClr val="000000"/>
+                </a:solidFill>
+                <a:latin typeface="Consolas"/>
+              </a:rPr>
+              <a:t>(</a:t>
+            </a:r>
+            <a:r>
+              <a:rPr lang="pl-PL" sz="1100" dirty="0" err="1">
+                <a:solidFill>
+                  <a:srgbClr val="6A3E3E"/>
+                </a:solidFill>
+                <a:latin typeface="Consolas"/>
+              </a:rPr>
+              <a:t>newMediumServiceUrl</a:t>
+            </a:r>
+            <a:r>
+              <a:rPr lang="pl-PL" sz="1100" dirty="0">
+                <a:solidFill>
+                  <a:srgbClr val="000000"/>
+                </a:solidFill>
+                <a:latin typeface="Consolas"/>
+              </a:rPr>
+              <a:t>, </a:t>
+            </a:r>
+            <a:r>
+              <a:rPr lang="pl-PL" sz="1100" dirty="0" err="1">
+                <a:solidFill>
+                  <a:srgbClr val="0000C0"/>
+                </a:solidFill>
+                <a:latin typeface="Consolas"/>
+              </a:rPr>
+              <a:t>digestRequest</a:t>
+            </a:r>
+            <a:r>
+              <a:rPr lang="pl-PL" sz="1100" dirty="0">
+                <a:solidFill>
+                  <a:srgbClr val="000000"/>
+                </a:solidFill>
+                <a:latin typeface="Consolas"/>
+              </a:rPr>
+              <a:t>);</a:t>
+            </a:r>
+          </a:p>
+          <a:p>
+            <a:r>
+              <a:rPr lang="pl-PL" sz="1100" dirty="0" smtClean="0">
+                <a:solidFill>
+                  <a:srgbClr val="000000"/>
+                </a:solidFill>
+                <a:latin typeface="Consolas"/>
+              </a:rPr>
+              <a:t>              </a:t>
+            </a:r>
+            <a:r>
+              <a:rPr lang="pl-PL" sz="1100" dirty="0" err="1">
+                <a:solidFill>
+                  <a:srgbClr val="6A3E3E"/>
+                </a:solidFill>
+                <a:latin typeface="Consolas"/>
+              </a:rPr>
+              <a:t>newMediumFallbackInstance</a:t>
+            </a:r>
+            <a:r>
+              <a:rPr lang="pl-PL" sz="1100" dirty="0" err="1">
+                <a:solidFill>
+                  <a:srgbClr val="000000"/>
+                </a:solidFill>
+                <a:latin typeface="Consolas"/>
+              </a:rPr>
+              <a:t>.scheduleCleanup</a:t>
+            </a:r>
+            <a:r>
+              <a:rPr lang="pl-PL" sz="1100" dirty="0">
+                <a:solidFill>
+                  <a:srgbClr val="000000"/>
+                </a:solidFill>
+                <a:latin typeface="Consolas"/>
+              </a:rPr>
+              <a:t>(55, </a:t>
+            </a:r>
+            <a:r>
+              <a:rPr lang="pl-PL" sz="1100" dirty="0" err="1">
+                <a:solidFill>
+                  <a:srgbClr val="000000"/>
+                </a:solidFill>
+                <a:latin typeface="Consolas"/>
+              </a:rPr>
+              <a:t>TimeUnit.</a:t>
+            </a:r>
+            <a:r>
+              <a:rPr lang="pl-PL" sz="1100" b="1" i="1" dirty="0" err="1">
+                <a:solidFill>
+                  <a:srgbClr val="0000C0"/>
+                </a:solidFill>
+                <a:latin typeface="Consolas"/>
+              </a:rPr>
+              <a:t>MINUTES</a:t>
+            </a:r>
+            <a:r>
+              <a:rPr lang="pl-PL" sz="1100" b="1" i="1" dirty="0">
+                <a:solidFill>
+                  <a:srgbClr val="000000"/>
+                </a:solidFill>
+                <a:latin typeface="Consolas"/>
+              </a:rPr>
+              <a:t>);</a:t>
+            </a:r>
+          </a:p>
+          <a:p>
+            <a:r>
+              <a:rPr lang="pl-PL" sz="1100" dirty="0" smtClean="0">
+                <a:solidFill>
+                  <a:srgbClr val="000000"/>
+                </a:solidFill>
+                <a:latin typeface="Consolas"/>
+              </a:rPr>
+              <a:t>              </a:t>
+            </a:r>
+            <a:r>
+              <a:rPr lang="pl-PL" sz="1100" b="1" dirty="0">
+                <a:solidFill>
+                  <a:srgbClr val="7F0055"/>
+                </a:solidFill>
+                <a:latin typeface="Consolas"/>
+              </a:rPr>
+              <a:t>return</a:t>
+            </a:r>
+            <a:r>
+              <a:rPr lang="pl-PL" sz="1100" b="1" dirty="0">
+                <a:solidFill>
+                  <a:srgbClr val="000000"/>
+                </a:solidFill>
+                <a:latin typeface="Consolas"/>
+              </a:rPr>
+              <a:t> </a:t>
+            </a:r>
+            <a:r>
+              <a:rPr lang="pl-PL" sz="1100" b="1" dirty="0" err="1">
+                <a:solidFill>
+                  <a:srgbClr val="6A3E3E"/>
+                </a:solidFill>
+                <a:latin typeface="Consolas"/>
+              </a:rPr>
+              <a:t>response</a:t>
+            </a:r>
+            <a:r>
+              <a:rPr lang="pl-PL" sz="1100" b="1" dirty="0">
+                <a:solidFill>
+                  <a:srgbClr val="000000"/>
+                </a:solidFill>
+                <a:latin typeface="Consolas"/>
+              </a:rPr>
+              <a:t>;</a:t>
+            </a:r>
+          </a:p>
+          <a:p>
+            <a:r>
+              <a:rPr lang="pl-PL" sz="1100" dirty="0" smtClean="0">
+                <a:solidFill>
+                  <a:srgbClr val="000000"/>
+                </a:solidFill>
+                <a:latin typeface="Consolas"/>
+              </a:rPr>
+              <a:t>          </a:t>
+            </a:r>
+            <a:r>
+              <a:rPr lang="pl-PL" sz="1100" dirty="0">
+                <a:solidFill>
+                  <a:srgbClr val="000000"/>
+                </a:solidFill>
+                <a:latin typeface="Consolas"/>
+              </a:rPr>
+              <a:t>} </a:t>
+            </a:r>
+            <a:r>
+              <a:rPr lang="pl-PL" sz="1100" b="1" dirty="0" err="1">
+                <a:solidFill>
+                  <a:srgbClr val="7F0055"/>
+                </a:solidFill>
+                <a:latin typeface="Consolas"/>
+              </a:rPr>
+              <a:t>catch</a:t>
+            </a:r>
+            <a:r>
+              <a:rPr lang="pl-PL" sz="1100" b="1" dirty="0">
+                <a:solidFill>
+                  <a:srgbClr val="000000"/>
+                </a:solidFill>
+                <a:latin typeface="Consolas"/>
+              </a:rPr>
+              <a:t> (</a:t>
+            </a:r>
+            <a:r>
+              <a:rPr lang="pl-PL" sz="1100" b="1" dirty="0" err="1">
+                <a:solidFill>
+                  <a:srgbClr val="000000"/>
+                </a:solidFill>
+                <a:latin typeface="Consolas"/>
+              </a:rPr>
+              <a:t>OutOfMemoryError</a:t>
+            </a:r>
+            <a:r>
+              <a:rPr lang="pl-PL" sz="1100" b="1" dirty="0">
+                <a:solidFill>
+                  <a:srgbClr val="000000"/>
+                </a:solidFill>
+                <a:latin typeface="Consolas"/>
+              </a:rPr>
+              <a:t> </a:t>
+            </a:r>
+            <a:r>
+              <a:rPr lang="pl-PL" sz="1100" b="1" dirty="0" err="1">
+                <a:solidFill>
+                  <a:srgbClr val="6A3E3E"/>
+                </a:solidFill>
+                <a:latin typeface="Consolas"/>
+              </a:rPr>
+              <a:t>outOfMemoryFromMediumTargetServerMachineInstance</a:t>
+            </a:r>
+            <a:r>
+              <a:rPr lang="pl-PL" sz="1100" b="1" dirty="0">
+                <a:solidFill>
+                  <a:srgbClr val="000000"/>
+                </a:solidFill>
+                <a:latin typeface="Consolas"/>
+              </a:rPr>
+              <a:t>) {</a:t>
+            </a:r>
+          </a:p>
+          <a:p>
+            <a:r>
+              <a:rPr lang="pl-PL" sz="1100" dirty="0" smtClean="0">
+                <a:solidFill>
+                  <a:srgbClr val="000000"/>
+                </a:solidFill>
+                <a:latin typeface="Consolas"/>
+              </a:rPr>
+              <a:t>              </a:t>
+            </a:r>
+            <a:endParaRPr lang="pl-PL" sz="1100" dirty="0">
+              <a:solidFill>
+                <a:srgbClr val="000000"/>
+              </a:solidFill>
+              <a:latin typeface="Consolas"/>
+            </a:endParaRPr>
+          </a:p>
+          <a:p>
+            <a:r>
+              <a:rPr lang="en-US" sz="1100" dirty="0" smtClean="0">
+                <a:solidFill>
+                  <a:srgbClr val="000000"/>
+                </a:solidFill>
+                <a:latin typeface="Consolas"/>
+              </a:rPr>
+              <a:t>              </a:t>
+            </a:r>
+            <a:r>
+              <a:rPr lang="en-US" sz="1100" dirty="0" err="1">
+                <a:solidFill>
+                  <a:srgbClr val="000000"/>
+                </a:solidFill>
+                <a:latin typeface="Consolas"/>
+              </a:rPr>
+              <a:t>FallbackSetupParams</a:t>
+            </a:r>
+            <a:r>
+              <a:rPr lang="en-US" sz="1100" dirty="0">
+                <a:solidFill>
+                  <a:srgbClr val="000000"/>
+                </a:solidFill>
+                <a:latin typeface="Consolas"/>
+              </a:rPr>
+              <a:t> </a:t>
+            </a:r>
+            <a:r>
+              <a:rPr lang="en-US" sz="1100" dirty="0" err="1">
+                <a:solidFill>
+                  <a:srgbClr val="6A3E3E"/>
+                </a:solidFill>
+                <a:latin typeface="Consolas"/>
+              </a:rPr>
+              <a:t>fsp</a:t>
+            </a:r>
+            <a:r>
+              <a:rPr lang="en-US" sz="1100" dirty="0">
+                <a:solidFill>
+                  <a:srgbClr val="000000"/>
+                </a:solidFill>
+                <a:latin typeface="Consolas"/>
+              </a:rPr>
+              <a:t> = </a:t>
+            </a:r>
+            <a:r>
+              <a:rPr lang="en-US" sz="1100" b="1" dirty="0">
+                <a:solidFill>
+                  <a:srgbClr val="7F0055"/>
+                </a:solidFill>
+                <a:latin typeface="Consolas"/>
+              </a:rPr>
+              <a:t>new</a:t>
+            </a:r>
+            <a:r>
+              <a:rPr lang="en-US" sz="1100" b="1" dirty="0">
+                <a:solidFill>
+                  <a:srgbClr val="000000"/>
+                </a:solidFill>
+                <a:latin typeface="Consolas"/>
+              </a:rPr>
+              <a:t> </a:t>
+            </a:r>
+            <a:r>
+              <a:rPr lang="en-US" sz="1100" b="1" dirty="0" err="1">
+                <a:solidFill>
+                  <a:srgbClr val="000000"/>
+                </a:solidFill>
+                <a:latin typeface="Consolas"/>
+              </a:rPr>
+              <a:t>FallbackSetupParams</a:t>
+            </a:r>
+            <a:r>
+              <a:rPr lang="en-US" sz="1100" b="1" dirty="0">
+                <a:solidFill>
+                  <a:srgbClr val="000000"/>
+                </a:solidFill>
+                <a:latin typeface="Consolas"/>
+              </a:rPr>
+              <a:t>().</a:t>
+            </a:r>
+            <a:r>
+              <a:rPr lang="en-US" sz="1100" b="1" dirty="0" err="1">
+                <a:solidFill>
+                  <a:srgbClr val="000000"/>
+                </a:solidFill>
+                <a:latin typeface="Consolas"/>
+              </a:rPr>
+              <a:t>withLabel</a:t>
+            </a:r>
+            <a:r>
+              <a:rPr lang="en-US" sz="1100" b="1" dirty="0">
+                <a:solidFill>
+                  <a:srgbClr val="000000"/>
+                </a:solidFill>
+                <a:latin typeface="Consolas"/>
+              </a:rPr>
+              <a:t>(</a:t>
+            </a:r>
+            <a:r>
+              <a:rPr lang="en-US" sz="1100" b="1" dirty="0">
+                <a:solidFill>
+                  <a:srgbClr val="2A00FF"/>
+                </a:solidFill>
+                <a:latin typeface="Consolas"/>
+              </a:rPr>
+              <a:t>"..."</a:t>
+            </a:r>
+            <a:r>
+              <a:rPr lang="en-US" sz="1100" b="1" dirty="0">
+                <a:solidFill>
+                  <a:srgbClr val="000000"/>
+                </a:solidFill>
+                <a:latin typeface="Consolas"/>
+              </a:rPr>
+              <a:t>);</a:t>
+            </a:r>
+          </a:p>
+          <a:p>
+            <a:r>
+              <a:rPr lang="pl-PL" sz="1100" dirty="0" smtClean="0">
+                <a:solidFill>
+                  <a:srgbClr val="000000"/>
+                </a:solidFill>
+                <a:latin typeface="Consolas"/>
+              </a:rPr>
+              <a:t>              </a:t>
+            </a:r>
+            <a:r>
+              <a:rPr lang="pl-PL" sz="1100" dirty="0" err="1">
+                <a:solidFill>
+                  <a:srgbClr val="000000"/>
+                </a:solidFill>
+                <a:latin typeface="Consolas"/>
+              </a:rPr>
+              <a:t>FallbackServerInstance</a:t>
+            </a:r>
+            <a:r>
+              <a:rPr lang="pl-PL" sz="1100" dirty="0">
+                <a:solidFill>
+                  <a:srgbClr val="000000"/>
+                </a:solidFill>
+                <a:latin typeface="Consolas"/>
+              </a:rPr>
+              <a:t> </a:t>
+            </a:r>
+            <a:r>
+              <a:rPr lang="pl-PL" sz="1100" dirty="0" err="1">
+                <a:solidFill>
+                  <a:srgbClr val="6A3E3E"/>
+                </a:solidFill>
+                <a:latin typeface="Consolas"/>
+              </a:rPr>
+              <a:t>newLargestFallbackInstance</a:t>
+            </a:r>
+            <a:r>
+              <a:rPr lang="pl-PL" sz="1100" dirty="0">
+                <a:solidFill>
+                  <a:srgbClr val="000000"/>
+                </a:solidFill>
+                <a:latin typeface="Consolas"/>
+              </a:rPr>
+              <a:t> = </a:t>
+            </a:r>
+            <a:r>
+              <a:rPr lang="pl-PL" sz="1100" dirty="0" err="1">
+                <a:solidFill>
+                  <a:srgbClr val="0000C0"/>
+                </a:solidFill>
+                <a:latin typeface="Consolas"/>
+              </a:rPr>
+              <a:t>fsib</a:t>
+            </a:r>
+            <a:r>
+              <a:rPr lang="pl-PL" sz="1100" dirty="0" err="1">
+                <a:solidFill>
+                  <a:srgbClr val="000000"/>
+                </a:solidFill>
+                <a:latin typeface="Consolas"/>
+              </a:rPr>
+              <a:t>.build</a:t>
+            </a:r>
+            <a:r>
+              <a:rPr lang="pl-PL" sz="1100" dirty="0">
+                <a:solidFill>
+                  <a:srgbClr val="000000"/>
+                </a:solidFill>
+                <a:latin typeface="Consolas"/>
+              </a:rPr>
+              <a:t>(</a:t>
+            </a:r>
+            <a:r>
+              <a:rPr lang="pl-PL" sz="1100" dirty="0" err="1">
+                <a:solidFill>
+                  <a:srgbClr val="6A3E3E"/>
+                </a:solidFill>
+                <a:latin typeface="Consolas"/>
+              </a:rPr>
+              <a:t>fsp</a:t>
+            </a:r>
+            <a:r>
+              <a:rPr lang="pl-PL" sz="1100" dirty="0">
+                <a:solidFill>
+                  <a:srgbClr val="000000"/>
+                </a:solidFill>
+                <a:latin typeface="Consolas"/>
+              </a:rPr>
+              <a:t>);</a:t>
+            </a:r>
+          </a:p>
+          <a:p>
+            <a:r>
+              <a:rPr lang="pl-PL" sz="1100" dirty="0" smtClean="0">
+                <a:solidFill>
+                  <a:srgbClr val="000000"/>
+                </a:solidFill>
+                <a:latin typeface="Consolas"/>
+              </a:rPr>
+              <a:t>              </a:t>
+            </a:r>
+            <a:r>
+              <a:rPr lang="pl-PL" sz="1100" dirty="0">
+                <a:solidFill>
+                  <a:srgbClr val="000000"/>
+                </a:solidFill>
+                <a:latin typeface="Consolas"/>
+              </a:rPr>
+              <a:t>String </a:t>
+            </a:r>
+            <a:r>
+              <a:rPr lang="pl-PL" sz="1100" dirty="0" err="1">
+                <a:solidFill>
+                  <a:srgbClr val="6A3E3E"/>
+                </a:solidFill>
+                <a:latin typeface="Consolas"/>
+              </a:rPr>
+              <a:t>newLargestServiceUrl</a:t>
+            </a:r>
+            <a:r>
+              <a:rPr lang="pl-PL" sz="1100" dirty="0">
+                <a:solidFill>
+                  <a:srgbClr val="000000"/>
+                </a:solidFill>
+                <a:latin typeface="Consolas"/>
+              </a:rPr>
+              <a:t> = </a:t>
+            </a:r>
+            <a:r>
+              <a:rPr lang="pl-PL" sz="1100" dirty="0" err="1">
+                <a:solidFill>
+                  <a:srgbClr val="000000"/>
+                </a:solidFill>
+                <a:latin typeface="Consolas"/>
+              </a:rPr>
+              <a:t>buildServiceUrl</a:t>
+            </a:r>
+            <a:r>
+              <a:rPr lang="pl-PL" sz="1100" dirty="0">
+                <a:solidFill>
+                  <a:srgbClr val="000000"/>
+                </a:solidFill>
+                <a:latin typeface="Consolas"/>
+              </a:rPr>
+              <a:t>(</a:t>
+            </a:r>
+            <a:r>
+              <a:rPr lang="pl-PL" sz="1100" dirty="0" err="1">
+                <a:solidFill>
+                  <a:srgbClr val="6A3E3E"/>
+                </a:solidFill>
+                <a:latin typeface="Consolas"/>
+              </a:rPr>
+              <a:t>newLargestFallbackInstance</a:t>
+            </a:r>
+            <a:r>
+              <a:rPr lang="pl-PL" sz="1100" dirty="0" err="1">
+                <a:solidFill>
+                  <a:srgbClr val="000000"/>
+                </a:solidFill>
+                <a:latin typeface="Consolas"/>
+              </a:rPr>
+              <a:t>.getPublicIpAddress</a:t>
+            </a:r>
+            <a:r>
+              <a:rPr lang="pl-PL" sz="1100" dirty="0">
+                <a:solidFill>
+                  <a:srgbClr val="000000"/>
+                </a:solidFill>
+                <a:latin typeface="Consolas"/>
+              </a:rPr>
+              <a:t>());</a:t>
+            </a:r>
+          </a:p>
+          <a:p>
+            <a:r>
+              <a:rPr lang="pl-PL" sz="1100" dirty="0" smtClean="0">
+                <a:solidFill>
+                  <a:srgbClr val="000000"/>
+                </a:solidFill>
+                <a:latin typeface="Consolas"/>
+              </a:rPr>
+              <a:t>              </a:t>
+            </a:r>
+            <a:r>
+              <a:rPr lang="pl-PL" sz="1100" dirty="0" err="1">
+                <a:solidFill>
+                  <a:srgbClr val="000000"/>
+                </a:solidFill>
+                <a:latin typeface="Consolas"/>
+              </a:rPr>
+              <a:t>DigestResponse</a:t>
+            </a:r>
+            <a:r>
+              <a:rPr lang="pl-PL" sz="1100" dirty="0">
+                <a:solidFill>
+                  <a:srgbClr val="000000"/>
+                </a:solidFill>
+                <a:latin typeface="Consolas"/>
+              </a:rPr>
+              <a:t> </a:t>
+            </a:r>
+            <a:r>
+              <a:rPr lang="pl-PL" sz="1100" dirty="0" err="1">
+                <a:solidFill>
+                  <a:srgbClr val="6A3E3E"/>
+                </a:solidFill>
+                <a:latin typeface="Consolas"/>
+              </a:rPr>
+              <a:t>response</a:t>
+            </a:r>
+            <a:r>
+              <a:rPr lang="pl-PL" sz="1100" dirty="0">
+                <a:solidFill>
+                  <a:srgbClr val="000000"/>
+                </a:solidFill>
+                <a:latin typeface="Consolas"/>
+              </a:rPr>
+              <a:t> = </a:t>
+            </a:r>
+            <a:r>
+              <a:rPr lang="pl-PL" sz="1100" dirty="0" err="1">
+                <a:solidFill>
+                  <a:srgbClr val="0000C0"/>
+                </a:solidFill>
+                <a:latin typeface="Consolas"/>
+              </a:rPr>
+              <a:t>sender</a:t>
+            </a:r>
+            <a:r>
+              <a:rPr lang="pl-PL" sz="1100" dirty="0" err="1">
+                <a:solidFill>
+                  <a:srgbClr val="000000"/>
+                </a:solidFill>
+                <a:latin typeface="Consolas"/>
+              </a:rPr>
+              <a:t>.trySending</a:t>
+            </a:r>
+            <a:r>
+              <a:rPr lang="pl-PL" sz="1100" dirty="0">
+                <a:solidFill>
+                  <a:srgbClr val="000000"/>
+                </a:solidFill>
+                <a:latin typeface="Consolas"/>
+              </a:rPr>
+              <a:t>(</a:t>
+            </a:r>
+            <a:r>
+              <a:rPr lang="pl-PL" sz="1100" dirty="0" err="1">
+                <a:solidFill>
+                  <a:srgbClr val="6A3E3E"/>
+                </a:solidFill>
+                <a:latin typeface="Consolas"/>
+              </a:rPr>
+              <a:t>newLargestServiceUrl</a:t>
+            </a:r>
+            <a:r>
+              <a:rPr lang="pl-PL" sz="1100" dirty="0">
+                <a:solidFill>
+                  <a:srgbClr val="000000"/>
+                </a:solidFill>
+                <a:latin typeface="Consolas"/>
+              </a:rPr>
+              <a:t>, </a:t>
+            </a:r>
+            <a:r>
+              <a:rPr lang="pl-PL" sz="1100" dirty="0" err="1">
+                <a:solidFill>
+                  <a:srgbClr val="0000C0"/>
+                </a:solidFill>
+                <a:latin typeface="Consolas"/>
+              </a:rPr>
+              <a:t>digestRequest</a:t>
+            </a:r>
+            <a:r>
+              <a:rPr lang="pl-PL" sz="1100" dirty="0">
+                <a:solidFill>
+                  <a:srgbClr val="000000"/>
+                </a:solidFill>
+                <a:latin typeface="Consolas"/>
+              </a:rPr>
+              <a:t>);</a:t>
+            </a:r>
+          </a:p>
+          <a:p>
+            <a:r>
+              <a:rPr lang="pl-PL" sz="1100" dirty="0" smtClean="0">
+                <a:solidFill>
+                  <a:srgbClr val="000000"/>
+                </a:solidFill>
+                <a:latin typeface="Consolas"/>
+              </a:rPr>
+              <a:t>              </a:t>
+            </a:r>
+            <a:r>
+              <a:rPr lang="pl-PL" sz="1100" dirty="0" err="1">
+                <a:solidFill>
+                  <a:srgbClr val="6A3E3E"/>
+                </a:solidFill>
+                <a:latin typeface="Consolas"/>
+              </a:rPr>
+              <a:t>newLargestFallbackInstance</a:t>
+            </a:r>
+            <a:r>
+              <a:rPr lang="pl-PL" sz="1100" dirty="0" err="1">
+                <a:solidFill>
+                  <a:srgbClr val="000000"/>
+                </a:solidFill>
+                <a:latin typeface="Consolas"/>
+              </a:rPr>
+              <a:t>.scheduleCleanup</a:t>
+            </a:r>
+            <a:r>
+              <a:rPr lang="pl-PL" sz="1100" dirty="0">
+                <a:solidFill>
+                  <a:srgbClr val="000000"/>
+                </a:solidFill>
+                <a:latin typeface="Consolas"/>
+              </a:rPr>
+              <a:t>(55, </a:t>
+            </a:r>
+            <a:r>
+              <a:rPr lang="pl-PL" sz="1100" dirty="0" err="1">
+                <a:solidFill>
+                  <a:srgbClr val="000000"/>
+                </a:solidFill>
+                <a:latin typeface="Consolas"/>
+              </a:rPr>
+              <a:t>TimeUnit.</a:t>
+            </a:r>
+            <a:r>
+              <a:rPr lang="pl-PL" sz="1100" b="1" i="1" dirty="0" err="1">
+                <a:solidFill>
+                  <a:srgbClr val="0000C0"/>
+                </a:solidFill>
+                <a:latin typeface="Consolas"/>
+              </a:rPr>
+              <a:t>MINUTES</a:t>
+            </a:r>
+            <a:r>
+              <a:rPr lang="pl-PL" sz="1100" b="1" i="1" dirty="0">
+                <a:solidFill>
+                  <a:srgbClr val="000000"/>
+                </a:solidFill>
+                <a:latin typeface="Consolas"/>
+              </a:rPr>
+              <a:t>);</a:t>
+            </a:r>
+          </a:p>
+          <a:p>
+            <a:r>
+              <a:rPr lang="pl-PL" sz="1100" dirty="0" smtClean="0">
+                <a:solidFill>
+                  <a:srgbClr val="000000"/>
+                </a:solidFill>
+                <a:latin typeface="Consolas"/>
+              </a:rPr>
+              <a:t>              </a:t>
+            </a:r>
+            <a:r>
+              <a:rPr lang="pl-PL" sz="1100" b="1" dirty="0">
+                <a:solidFill>
+                  <a:srgbClr val="7F0055"/>
+                </a:solidFill>
+                <a:latin typeface="Consolas"/>
+              </a:rPr>
+              <a:t>return</a:t>
+            </a:r>
+            <a:r>
+              <a:rPr lang="pl-PL" sz="1100" b="1" dirty="0">
+                <a:solidFill>
+                  <a:srgbClr val="000000"/>
+                </a:solidFill>
+                <a:latin typeface="Consolas"/>
+              </a:rPr>
+              <a:t> </a:t>
+            </a:r>
+            <a:r>
+              <a:rPr lang="pl-PL" sz="1100" b="1" dirty="0" err="1">
+                <a:solidFill>
+                  <a:srgbClr val="6A3E3E"/>
+                </a:solidFill>
+                <a:latin typeface="Consolas"/>
+              </a:rPr>
+              <a:t>response</a:t>
+            </a:r>
+            <a:r>
+              <a:rPr lang="pl-PL" sz="1100" b="1" dirty="0">
+                <a:solidFill>
+                  <a:srgbClr val="000000"/>
+                </a:solidFill>
+                <a:latin typeface="Consolas"/>
+              </a:rPr>
+              <a:t>;</a:t>
+            </a:r>
+          </a:p>
+          <a:p>
+            <a:r>
+              <a:rPr lang="pl-PL" sz="1100" dirty="0" smtClean="0">
+                <a:solidFill>
+                  <a:srgbClr val="000000"/>
+                </a:solidFill>
+                <a:latin typeface="Consolas"/>
+              </a:rPr>
+              <a:t>          </a:t>
+            </a:r>
+            <a:r>
+              <a:rPr lang="pl-PL" sz="1100" dirty="0">
+                <a:solidFill>
+                  <a:srgbClr val="000000"/>
+                </a:solidFill>
+                <a:latin typeface="Consolas"/>
+              </a:rPr>
+              <a:t>}</a:t>
+            </a:r>
+          </a:p>
+          <a:p>
+            <a:r>
+              <a:rPr lang="pl-PL" sz="1100" dirty="0" smtClean="0">
+                <a:solidFill>
+                  <a:srgbClr val="000000"/>
+                </a:solidFill>
+                <a:latin typeface="Consolas"/>
+              </a:rPr>
+              <a:t>      </a:t>
+            </a:r>
+            <a:r>
+              <a:rPr lang="pl-PL" sz="1100" dirty="0">
+                <a:solidFill>
+                  <a:srgbClr val="000000"/>
+                </a:solidFill>
+                <a:latin typeface="Consolas"/>
+              </a:rPr>
+              <a:t>}</a:t>
+            </a:r>
+          </a:p>
+          <a:p>
+            <a:r>
+              <a:rPr lang="pl-PL" sz="1100" dirty="0" smtClean="0">
+                <a:solidFill>
+                  <a:srgbClr val="000000"/>
+                </a:solidFill>
+                <a:latin typeface="Consolas"/>
+              </a:rPr>
+              <a:t>      </a:t>
+            </a:r>
+            <a:r>
+              <a:rPr lang="pl-PL" sz="1100" b="1" dirty="0">
+                <a:solidFill>
+                  <a:srgbClr val="7F0055"/>
+                </a:solidFill>
+                <a:latin typeface="Consolas"/>
+              </a:rPr>
+              <a:t>return</a:t>
+            </a:r>
+            <a:r>
+              <a:rPr lang="pl-PL" sz="1100" b="1" dirty="0">
+                <a:solidFill>
+                  <a:srgbClr val="000000"/>
+                </a:solidFill>
+                <a:latin typeface="Consolas"/>
+              </a:rPr>
+              <a:t> </a:t>
+            </a:r>
+            <a:r>
+              <a:rPr lang="pl-PL" sz="1100" b="1" dirty="0" err="1">
+                <a:solidFill>
+                  <a:srgbClr val="0000C0"/>
+                </a:solidFill>
+                <a:latin typeface="Consolas"/>
+              </a:rPr>
+              <a:t>response</a:t>
+            </a:r>
+            <a:r>
+              <a:rPr lang="pl-PL" sz="1100" b="1" dirty="0">
+                <a:solidFill>
+                  <a:srgbClr val="000000"/>
+                </a:solidFill>
+                <a:latin typeface="Consolas"/>
+              </a:rPr>
+              <a:t>;</a:t>
+            </a:r>
+            <a:endParaRPr lang="pl-PL" sz="1100" dirty="0"/>
+          </a:p>
+        </p:txBody>
+      </p:sp>
+      <p:pic>
+        <p:nvPicPr>
+          <p:cNvPr id="5" name="Picture 2"/>
+          <p:cNvPicPr>
+            <a:picLocks noChangeAspect="1" noChangeArrowheads="1"/>
+          </p:cNvPicPr>
+          <p:nvPr/>
+        </p:nvPicPr>
+        <p:blipFill>
+          <a:blip r:embed="rId2">
+            <a:extLst>
+              <a:ext uri="{28A0092B-C50C-407E-A947-70E740481C1C}">
+                <a14:useLocalDpi xmlns:a14="http://schemas.microsoft.com/office/drawing/2010/main" val="0"/>
+              </a:ext>
+            </a:extLst>
+          </a:blip>
+          <a:srcRect/>
+          <a:stretch>
+            <a:fillRect/>
+          </a:stretch>
+        </p:blipFill>
+        <p:spPr bwMode="auto">
+          <a:xfrm>
+            <a:off x="89173" y="6263811"/>
+            <a:ext cx="2114209" cy="549565"/>
+          </a:xfrm>
+          <a:prstGeom prst="rect">
+            <a:avLst/>
+          </a:prstGeom>
+          <a:noFill/>
+          <a:ln>
+            <a:noFill/>
+          </a:ln>
+          <a:effectLst>
+            <a:outerShdw blurRad="50800" dist="50800" dir="5400000" algn="ctr" rotWithShape="0">
+              <a:srgbClr val="000000">
+                <a:alpha val="3000"/>
+              </a:srgbClr>
+            </a:outerShdw>
+          </a:effectLst>
+          <a:extLst>
+            <a:ext uri="{909E8E84-426E-40DD-AFC4-6F175D3DCCD1}">
+              <a14:hiddenFill xmlns:a14="http://schemas.microsoft.com/office/drawing/2010/main">
+                <a:solidFill>
+                  <a:schemeClr val="accent1"/>
+                </a:solidFill>
+              </a14:hiddenFill>
+            </a:ext>
+            <a:ext uri="{91240B29-F687-4F45-9708-019B960494DF}">
+              <a14:hiddenLine xmlns:a14="http://schemas.microsoft.com/office/drawing/2010/main" w="9525">
+                <a:solidFill>
+                  <a:schemeClr val="tx1"/>
+                </a:solidFill>
+                <a:miter lim="800000"/>
+                <a:headEnd/>
+                <a:tailEnd/>
+              </a14:hiddenLine>
+            </a:ext>
+          </a:extLst>
+        </p:spPr>
+      </p:pic>
+    </p:spTree>
+    <p:extLst>
+      <p:ext uri="{BB962C8B-B14F-4D97-AF65-F5344CB8AC3E}">
+        <p14:creationId xmlns:p14="http://schemas.microsoft.com/office/powerpoint/2010/main" val="2796664311"/>
+      </p:ext>
+    </p:extLst>
+  </p:cSld>
+  <p:clrMapOvr>
+    <a:masterClrMapping/>
+  </p:clrMapOvr>
+  <p:timing>
+    <p:tnLst>
+      <p:par>
+        <p:cTn id="1" dur="indefinite" restart="never" nodeType="tmRoot"/>
+      </p:par>
+    </p:tnLst>
+  </p:timing>
+</p:sld>
+</file>
+
+<file path=ppt/slides/slide49.xml><?xml version="1.0" encoding="utf-8"?>
+<p:sld xmlns:a="http://schemas.openxmlformats.org/drawingml/2006/main" xmlns:r="http://schemas.openxmlformats.org/officeDocument/2006/relationships" xmlns:p="http://schemas.openxmlformats.org/presentationml/2006/main">
+  <p:cSld>
+    <p:spTree>
+      <p:nvGrpSpPr>
+        <p:cNvPr id="1" name=""/>
+        <p:cNvGrpSpPr/>
+        <p:nvPr/>
+      </p:nvGrpSpPr>
+      <p:grpSpPr>
+        <a:xfrm>
+          <a:off x="0" y="0"/>
+          <a:ext cx="0" cy="0"/>
+          <a:chOff x="0" y="0"/>
+          <a:chExt cx="0" cy="0"/>
+        </a:xfrm>
+      </p:grpSpPr>
+      <p:sp>
+        <p:nvSpPr>
+          <p:cNvPr id="2" name="Title 1"/>
+          <p:cNvSpPr>
+            <a:spLocks noGrp="1"/>
+          </p:cNvSpPr>
+          <p:nvPr>
+            <p:ph type="title"/>
+          </p:nvPr>
+        </p:nvSpPr>
+        <p:spPr/>
+        <p:txBody>
+          <a:bodyPr>
+            <a:normAutofit/>
+          </a:bodyPr>
+          <a:lstStyle/>
+          <a:p>
+            <a:r>
+              <a:rPr lang="en-US" sz="3600" dirty="0"/>
+              <a:t>Exercise 4. </a:t>
+            </a:r>
+            <a:r>
+              <a:rPr lang="en-US" sz="3600" dirty="0" smtClean="0"/>
+              <a:t>More complex flow</a:t>
+            </a:r>
+            <a:endParaRPr lang="pl-PL" sz="3600" dirty="0"/>
+          </a:p>
+        </p:txBody>
+      </p:sp>
+      <p:pic>
+        <p:nvPicPr>
+          <p:cNvPr id="1026" name="Picture 2" descr="C:\visio\fallback.bmp"/>
+          <p:cNvPicPr>
+            <a:picLocks noChangeAspect="1" noChangeArrowheads="1"/>
+          </p:cNvPicPr>
+          <p:nvPr/>
+        </p:nvPicPr>
+        <p:blipFill>
+          <a:blip r:embed="rId2">
+            <a:extLst>
+              <a:ext uri="{28A0092B-C50C-407E-A947-70E740481C1C}">
+                <a14:useLocalDpi xmlns:a14="http://schemas.microsoft.com/office/drawing/2010/main" val="0"/>
+              </a:ext>
+            </a:extLst>
+          </a:blip>
+          <a:srcRect/>
+          <a:stretch>
+            <a:fillRect/>
+          </a:stretch>
+        </p:blipFill>
+        <p:spPr bwMode="auto">
+          <a:xfrm>
+            <a:off x="251520" y="1628800"/>
+            <a:ext cx="8640960" cy="4447192"/>
+          </a:xfrm>
+          <a:prstGeom prst="rect">
+            <a:avLst/>
+          </a:prstGeom>
+          <a:noFill/>
+          <a:extLst>
+            <a:ext uri="{909E8E84-426E-40DD-AFC4-6F175D3DCCD1}">
+              <a14:hiddenFill xmlns:a14="http://schemas.microsoft.com/office/drawing/2010/main">
+                <a:solidFill>
+                  <a:srgbClr val="FFFFFF"/>
+                </a:solidFill>
+              </a14:hiddenFill>
+            </a:ext>
+          </a:extLst>
+        </p:spPr>
+      </p:pic>
+      <p:pic>
+        <p:nvPicPr>
+          <p:cNvPr id="5" name="Picture 2"/>
+          <p:cNvPicPr>
+            <a:picLocks noChangeAspect="1" noChangeArrowheads="1"/>
+          </p:cNvPicPr>
+          <p:nvPr/>
+        </p:nvPicPr>
+        <p:blipFill>
+          <a:blip r:embed="rId3">
+            <a:extLst>
+              <a:ext uri="{28A0092B-C50C-407E-A947-70E740481C1C}">
+                <a14:useLocalDpi xmlns:a14="http://schemas.microsoft.com/office/drawing/2010/main" val="0"/>
+              </a:ext>
+            </a:extLst>
+          </a:blip>
+          <a:srcRect/>
+          <a:stretch>
+            <a:fillRect/>
+          </a:stretch>
+        </p:blipFill>
+        <p:spPr bwMode="auto">
+          <a:xfrm>
+            <a:off x="89173" y="6263811"/>
+            <a:ext cx="2114209" cy="549565"/>
+          </a:xfrm>
+          <a:prstGeom prst="rect">
+            <a:avLst/>
+          </a:prstGeom>
+          <a:noFill/>
+          <a:ln>
+            <a:noFill/>
+          </a:ln>
+          <a:effectLst>
+            <a:outerShdw blurRad="50800" dist="50800" dir="5400000" algn="ctr" rotWithShape="0">
+              <a:srgbClr val="000000">
+                <a:alpha val="3000"/>
+              </a:srgbClr>
+            </a:outerShdw>
+          </a:effectLst>
+          <a:extLst>
+            <a:ext uri="{909E8E84-426E-40DD-AFC4-6F175D3DCCD1}">
+              <a14:hiddenFill xmlns:a14="http://schemas.microsoft.com/office/drawing/2010/main">
+                <a:solidFill>
+                  <a:schemeClr val="accent1"/>
+                </a:solidFill>
+              </a14:hiddenFill>
+            </a:ext>
+            <a:ext uri="{91240B29-F687-4F45-9708-019B960494DF}">
+              <a14:hiddenLine xmlns:a14="http://schemas.microsoft.com/office/drawing/2010/main" w="9525">
+                <a:solidFill>
+                  <a:schemeClr val="tx1"/>
+                </a:solidFill>
+                <a:miter lim="800000"/>
+                <a:headEnd/>
+                <a:tailEnd/>
+              </a14:hiddenLine>
+            </a:ext>
+          </a:extLst>
+        </p:spPr>
+      </p:pic>
+    </p:spTree>
+    <p:extLst>
+      <p:ext uri="{BB962C8B-B14F-4D97-AF65-F5344CB8AC3E}">
+        <p14:creationId xmlns:p14="http://schemas.microsoft.com/office/powerpoint/2010/main" val="3654672351"/>
+      </p:ext>
+    </p:extLst>
+  </p:cSld>
+  <p:clrMapOvr>
+    <a:masterClrMapping/>
+  </p:clrMapOvr>
+  <p:timing>
+    <p:tnLst>
+      <p:par>
+        <p:cTn id="1" dur="indefinite" restart="never" nodeType="tmRoot"/>
+      </p:par>
+    </p:tnLst>
+  </p:timing>
+</p:sld>
+</file>
+
+<file path=ppt/slides/slide5.xml><?xml version="1.0" encoding="utf-8"?>
+<p:sld xmlns:a="http://schemas.openxmlformats.org/drawingml/2006/main" xmlns:r="http://schemas.openxmlformats.org/officeDocument/2006/relationships" xmlns:p="http://schemas.openxmlformats.org/presentationml/2006/main">
+  <p:cSld>
+    <p:spTree>
+      <p:nvGrpSpPr>
+        <p:cNvPr id="1" name=""/>
+        <p:cNvGrpSpPr/>
+        <p:nvPr/>
+      </p:nvGrpSpPr>
+      <p:grpSpPr>
+        <a:xfrm>
+          <a:off x="0" y="0"/>
+          <a:ext cx="0" cy="0"/>
+          <a:chOff x="0" y="0"/>
+          <a:chExt cx="0" cy="0"/>
+        </a:xfrm>
+      </p:grpSpPr>
+      <p:sp>
+        <p:nvSpPr>
+          <p:cNvPr id="2" name="Title 1"/>
+          <p:cNvSpPr>
+            <a:spLocks noGrp="1"/>
+          </p:cNvSpPr>
+          <p:nvPr>
+            <p:ph type="title"/>
+          </p:nvPr>
+        </p:nvSpPr>
+        <p:spPr/>
+        <p:txBody>
+          <a:bodyPr>
+            <a:normAutofit/>
+          </a:bodyPr>
+          <a:lstStyle/>
+          <a:p>
+            <a:r>
+              <a:rPr lang="en-US" sz="3600" dirty="0" smtClean="0"/>
+              <a:t>AWS Console</a:t>
+            </a:r>
+            <a:endParaRPr lang="pl-PL" sz="3600" dirty="0"/>
+          </a:p>
+        </p:txBody>
+      </p:sp>
+      <p:sp>
+        <p:nvSpPr>
+          <p:cNvPr id="3" name="Content Placeholder 2"/>
+          <p:cNvSpPr>
+            <a:spLocks noGrp="1"/>
+          </p:cNvSpPr>
+          <p:nvPr>
+            <p:ph idx="1"/>
+          </p:nvPr>
+        </p:nvSpPr>
+        <p:spPr/>
+        <p:txBody>
+          <a:bodyPr>
+            <a:normAutofit/>
+          </a:bodyPr>
+          <a:lstStyle/>
+          <a:p>
+            <a:pPr marL="0" indent="0">
+              <a:buNone/>
+            </a:pPr>
+            <a:r>
+              <a:rPr lang="en-US" sz="2700" dirty="0" smtClean="0">
+                <a:hlinkClick r:id="rId2"/>
+              </a:rPr>
+              <a:t>https</a:t>
+            </a:r>
+            <a:r>
+              <a:rPr lang="en-US" sz="2700" dirty="0">
+                <a:hlinkClick r:id="rId2"/>
+              </a:rPr>
+              <a:t>://</a:t>
+            </a:r>
+            <a:r>
+              <a:rPr lang="en-US" sz="2700" dirty="0" smtClean="0">
+                <a:hlinkClick r:id="rId2"/>
+              </a:rPr>
+              <a:t>adams.signin.aws.amazon.com/console</a:t>
+            </a:r>
+            <a:endParaRPr lang="en-US" sz="2700" dirty="0" smtClean="0"/>
+          </a:p>
+          <a:p>
+            <a:pPr marL="0" indent="0">
+              <a:buNone/>
+            </a:pPr>
+            <a:endParaRPr lang="en-US" sz="2700" dirty="0" smtClean="0"/>
+          </a:p>
+          <a:p>
+            <a:pPr marL="0" indent="0">
+              <a:buNone/>
+            </a:pPr>
+            <a:r>
+              <a:rPr lang="en-US" sz="2400" dirty="0" smtClean="0"/>
+              <a:t>Account: </a:t>
+            </a:r>
+            <a:r>
+              <a:rPr lang="en-US" sz="2400" dirty="0" err="1" smtClean="0"/>
+              <a:t>adams</a:t>
+            </a:r>
+            <a:endParaRPr lang="en-US" sz="2400" dirty="0"/>
+          </a:p>
+          <a:p>
+            <a:pPr marL="0" indent="0">
+              <a:buNone/>
+            </a:pPr>
+            <a:r>
+              <a:rPr lang="en-US" sz="2400" dirty="0" smtClean="0"/>
+              <a:t>User Name: </a:t>
+            </a:r>
+            <a:r>
+              <a:rPr lang="en-US" sz="2400" dirty="0" err="1" smtClean="0"/>
+              <a:t>studentXYZ</a:t>
+            </a:r>
+            <a:r>
+              <a:rPr lang="en-US" sz="2400" dirty="0" smtClean="0"/>
+              <a:t> e.g. student002</a:t>
+            </a:r>
+          </a:p>
+          <a:p>
+            <a:pPr marL="0" indent="0">
+              <a:buNone/>
+            </a:pPr>
+            <a:r>
+              <a:rPr lang="en-US" sz="2400" dirty="0" smtClean="0"/>
+              <a:t>Password: </a:t>
+            </a:r>
+            <a:r>
+              <a:rPr lang="en-US" sz="2400" dirty="0" err="1" smtClean="0"/>
+              <a:t>wj!studentXYZ</a:t>
+            </a:r>
+            <a:r>
+              <a:rPr lang="en-US" sz="2400" dirty="0" smtClean="0"/>
+              <a:t>@# e.g. </a:t>
+            </a:r>
+            <a:r>
+              <a:rPr lang="en-US" sz="2400" dirty="0"/>
+              <a:t>wj!student002@#</a:t>
+            </a:r>
+            <a:endParaRPr lang="pl-PL" sz="2400" dirty="0"/>
+          </a:p>
+        </p:txBody>
+      </p:sp>
+      <p:pic>
+        <p:nvPicPr>
+          <p:cNvPr id="1026" name="Picture 2"/>
+          <p:cNvPicPr>
+            <a:picLocks noChangeAspect="1" noChangeArrowheads="1"/>
+          </p:cNvPicPr>
+          <p:nvPr/>
+        </p:nvPicPr>
+        <p:blipFill>
+          <a:blip r:embed="rId3">
+            <a:extLst>
+              <a:ext uri="{28A0092B-C50C-407E-A947-70E740481C1C}">
+                <a14:useLocalDpi xmlns:a14="http://schemas.microsoft.com/office/drawing/2010/main" val="0"/>
+              </a:ext>
+            </a:extLst>
+          </a:blip>
+          <a:srcRect/>
+          <a:stretch>
+            <a:fillRect/>
+          </a:stretch>
+        </p:blipFill>
+        <p:spPr bwMode="auto">
+          <a:xfrm>
+            <a:off x="4644008" y="4293096"/>
+            <a:ext cx="3781425" cy="1895475"/>
+          </a:xfrm>
+          <a:prstGeom prst="rect">
+            <a:avLst/>
+          </a:prstGeom>
+          <a:noFill/>
+          <a:ln>
+            <a:noFill/>
+          </a:ln>
+          <a:extLst>
+            <a:ext uri="{909E8E84-426E-40DD-AFC4-6F175D3DCCD1}">
+              <a14:hiddenFill xmlns:a14="http://schemas.microsoft.com/office/drawing/2010/main">
+                <a:solidFill>
+                  <a:schemeClr val="accent1"/>
+                </a:solidFill>
+              </a14:hiddenFill>
+            </a:ext>
+            <a:ext uri="{91240B29-F687-4F45-9708-019B960494DF}">
+              <a14:hiddenLine xmlns:a14="http://schemas.microsoft.com/office/drawing/2010/main" w="9525">
+                <a:solidFill>
+                  <a:schemeClr val="tx1"/>
+                </a:solidFill>
+                <a:miter lim="800000"/>
+                <a:headEnd/>
+                <a:tailEnd/>
+              </a14:hiddenLine>
+            </a:ext>
+          </a:extLst>
+        </p:spPr>
+      </p:pic>
+      <p:pic>
+        <p:nvPicPr>
+          <p:cNvPr id="5" name="Picture 2"/>
+          <p:cNvPicPr>
+            <a:picLocks noChangeAspect="1" noChangeArrowheads="1"/>
+          </p:cNvPicPr>
+          <p:nvPr/>
+        </p:nvPicPr>
+        <p:blipFill>
+          <a:blip r:embed="rId4">
+            <a:extLst>
+              <a:ext uri="{28A0092B-C50C-407E-A947-70E740481C1C}">
+                <a14:useLocalDpi xmlns:a14="http://schemas.microsoft.com/office/drawing/2010/main" val="0"/>
+              </a:ext>
+            </a:extLst>
+          </a:blip>
+          <a:srcRect/>
+          <a:stretch>
+            <a:fillRect/>
+          </a:stretch>
+        </p:blipFill>
+        <p:spPr bwMode="auto">
+          <a:xfrm>
+            <a:off x="89173" y="6263811"/>
+            <a:ext cx="2114209" cy="549565"/>
+          </a:xfrm>
+          <a:prstGeom prst="rect">
+            <a:avLst/>
+          </a:prstGeom>
+          <a:noFill/>
+          <a:ln>
+            <a:noFill/>
+          </a:ln>
+          <a:effectLst>
+            <a:outerShdw blurRad="50800" dist="50800" dir="5400000" algn="ctr" rotWithShape="0">
+              <a:srgbClr val="000000">
+                <a:alpha val="3000"/>
+              </a:srgbClr>
+            </a:outerShdw>
+          </a:effectLst>
+          <a:extLst>
+            <a:ext uri="{909E8E84-426E-40DD-AFC4-6F175D3DCCD1}">
+              <a14:hiddenFill xmlns:a14="http://schemas.microsoft.com/office/drawing/2010/main">
+                <a:solidFill>
+                  <a:schemeClr val="accent1"/>
+                </a:solidFill>
+              </a14:hiddenFill>
+            </a:ext>
+            <a:ext uri="{91240B29-F687-4F45-9708-019B960494DF}">
+              <a14:hiddenLine xmlns:a14="http://schemas.microsoft.com/office/drawing/2010/main" w="9525">
+                <a:solidFill>
+                  <a:schemeClr val="tx1"/>
+                </a:solidFill>
+                <a:miter lim="800000"/>
+                <a:headEnd/>
+                <a:tailEnd/>
+              </a14:hiddenLine>
+            </a:ext>
+          </a:extLst>
+        </p:spPr>
+      </p:pic>
+    </p:spTree>
+    <p:extLst>
+      <p:ext uri="{BB962C8B-B14F-4D97-AF65-F5344CB8AC3E}">
+        <p14:creationId xmlns:p14="http://schemas.microsoft.com/office/powerpoint/2010/main" val="1026100270"/>
+      </p:ext>
+    </p:extLst>
+  </p:cSld>
+  <p:clrMapOvr>
+    <a:masterClrMapping/>
+  </p:clrMapOvr>
+  <p:timing>
+    <p:tnLst>
+      <p:par>
+        <p:cTn id="1" dur="indefinite" restart="never" nodeType="tmRoot"/>
+      </p:par>
+    </p:tnLst>
+  </p:timing>
+</p:sld>
+</file>
+
+<file path=ppt/slides/slide50.xml><?xml version="1.0" encoding="utf-8"?>
 <p:sld xmlns:a="http://schemas.openxmlformats.org/drawingml/2006/main" xmlns:r="http://schemas.openxmlformats.org/officeDocument/2006/relationships" xmlns:p="http://schemas.openxmlformats.org/presentationml/2006/main">
   <p:cSld>
     <p:spTree>
@@ -17096,10 +19927,47 @@
         </p:nvSpPr>
         <p:spPr>
           <a:xfrm>
-            <a:off x="457200" y="274638"/>
-            <a:ext cx="8470776" cy="1143000"/>
+            <a:off x="89173" y="274638"/>
+            <a:ext cx="8875315" cy="1143000"/>
           </a:xfrm>
         </p:spPr>
+        <p:txBody>
+          <a:bodyPr>
+            <a:noAutofit/>
+          </a:bodyPr>
+          <a:lstStyle/>
+          <a:p>
+            <a:r>
+              <a:rPr lang="en-US" sz="3600" dirty="0"/>
+              <a:t>Exercise </a:t>
+            </a:r>
+            <a:r>
+              <a:rPr lang="en-US" sz="3600" dirty="0" smtClean="0"/>
+              <a:t>4. Check </a:t>
+            </a:r>
+            <a:r>
+              <a:rPr lang="en-US" sz="3600" dirty="0"/>
+              <a:t>out app’s </a:t>
+            </a:r>
+            <a:r>
+              <a:rPr lang="en-US" sz="3600" dirty="0" smtClean="0"/>
+              <a:t>code</a:t>
+            </a:r>
+            <a:endParaRPr lang="pl-PL" sz="3600" dirty="0"/>
+          </a:p>
+        </p:txBody>
+      </p:sp>
+      <p:sp>
+        <p:nvSpPr>
+          <p:cNvPr id="3" name="Content Placeholder 2"/>
+          <p:cNvSpPr>
+            <a:spLocks noGrp="1"/>
+          </p:cNvSpPr>
+          <p:nvPr>
+            <p:ph idx="1"/>
+          </p:nvPr>
+        </p:nvSpPr>
+        <p:spPr/>
         <p:txBody>
           <a:bodyPr>
             <a:normAutofit/>
@@ -17107,20 +19975,72 @@
           <a:lstStyle/>
           <a:p>
             <a:r>
-              <a:rPr lang="en-US" sz="3600" dirty="0"/>
-              <a:t>Exercise 3. </a:t>
-            </a:r>
-            <a:r>
-              <a:rPr lang="en-US" sz="3600" dirty="0" smtClean="0"/>
-              <a:t>Create SQS queues</a:t>
-            </a:r>
-            <a:endParaRPr lang="pl-PL" sz="3600" dirty="0"/>
+              <a:rPr lang="en-US" sz="1800" dirty="0"/>
+              <a:t>https://github.com/smolnik/exercise-digest-controller-service.git</a:t>
+            </a:r>
+            <a:r>
+              <a:rPr lang="en-US" sz="1800" dirty="0" smtClean="0"/>
+              <a:t/>
+            </a:r>
+            <a:br>
+              <a:rPr lang="en-US" sz="1800" dirty="0" smtClean="0"/>
+            </a:br>
+            <a:r>
+              <a:rPr lang="en-US" sz="1800" dirty="0" smtClean="0"/>
+              <a:t>with </a:t>
+            </a:r>
+            <a:r>
+              <a:rPr lang="en-US" sz="1800" dirty="0"/>
+              <a:t>dependent projects </a:t>
+            </a:r>
+            <a:endParaRPr lang="en-US" sz="1800" dirty="0" smtClean="0"/>
+          </a:p>
+          <a:p>
+            <a:r>
+              <a:rPr lang="en-US" sz="1800" dirty="0" smtClean="0"/>
+              <a:t>Or just import </a:t>
+            </a:r>
+            <a:r>
+              <a:rPr lang="en-US" sz="1800" dirty="0"/>
+              <a:t>the zipped Eclipse project from S3:</a:t>
+            </a:r>
+            <a:br>
+              <a:rPr lang="en-US" sz="1800" dirty="0"/>
+            </a:br>
+            <a:r>
+              <a:rPr lang="en-US" sz="1800" b="1" dirty="0" err="1" smtClean="0"/>
+              <a:t>warsjawa</a:t>
+            </a:r>
+            <a:r>
+              <a:rPr lang="en-US" sz="1800" b="1" dirty="0" smtClean="0"/>
+              <a:t>-apps/</a:t>
+            </a:r>
+            <a:r>
+              <a:rPr lang="en-US" sz="1800" b="1" dirty="0"/>
+              <a:t>exercise-digest-controller-service</a:t>
+            </a:r>
+            <a:r>
+              <a:rPr lang="en-US" sz="1800" b="1" dirty="0" smtClean="0"/>
+              <a:t>.zip</a:t>
+            </a:r>
+          </a:p>
+          <a:p>
+            <a:pPr marL="0" indent="0">
+              <a:buNone/>
+            </a:pPr>
+            <a:endParaRPr lang="en-US" sz="1800" dirty="0" smtClean="0"/>
+          </a:p>
+          <a:p>
+            <a:endParaRPr lang="pl-PL" sz="1800" dirty="0"/>
+          </a:p>
+          <a:p>
+            <a:endParaRPr lang="pl-PL" sz="1800" dirty="0"/>
           </a:p>
         </p:txBody>
       </p:sp>
       <p:pic>
         <p:nvPicPr>
-          <p:cNvPr id="2050" name="Picture 2"/>
+          <p:cNvPr id="6" name="Picture 2"/>
           <p:cNvPicPr>
             <a:picLocks noChangeAspect="1" noChangeArrowheads="1"/>
           </p:cNvPicPr>
@@ -17141,8 +20061,220 @@
         </p:blipFill>
         <p:spPr bwMode="auto">
           <a:xfrm>
-            <a:off x="179512" y="1838413"/>
-            <a:ext cx="8748464" cy="4398899"/>
+            <a:off x="89173" y="6263811"/>
+            <a:ext cx="2114209" cy="549565"/>
+          </a:xfrm>
+          <a:prstGeom prst="rect">
+            <a:avLst/>
+          </a:prstGeom>
+          <a:noFill/>
+          <a:ln>
+            <a:noFill/>
+          </a:ln>
+          <a:effectLst>
+            <a:outerShdw blurRad="50800" dist="50800" dir="5400000" algn="ctr" rotWithShape="0">
+              <a:srgbClr val="000000">
+                <a:alpha val="3000"/>
+              </a:srgbClr>
+            </a:outerShdw>
+          </a:effectLst>
+          <a:extLst>
+            <a:ext uri="{909E8E84-426E-40DD-AFC4-6F175D3DCCD1}">
+              <a14:hiddenFill xmlns:a14="http://schemas.microsoft.com/office/drawing/2010/main">
+                <a:solidFill>
+                  <a:schemeClr val="accent1"/>
+                </a:solidFill>
+              </a14:hiddenFill>
+            </a:ext>
+            <a:ext uri="{91240B29-F687-4F45-9708-019B960494DF}">
+              <a14:hiddenLine xmlns:a14="http://schemas.microsoft.com/office/drawing/2010/main" w="9525">
+                <a:solidFill>
+                  <a:schemeClr val="tx1"/>
+                </a:solidFill>
+                <a:miter lim="800000"/>
+                <a:headEnd/>
+                <a:tailEnd/>
+              </a14:hiddenLine>
+            </a:ext>
+          </a:extLst>
+        </p:spPr>
+      </p:pic>
+    </p:spTree>
+    <p:extLst>
+      <p:ext uri="{BB962C8B-B14F-4D97-AF65-F5344CB8AC3E}">
+        <p14:creationId xmlns:p14="http://schemas.microsoft.com/office/powerpoint/2010/main" val="1158350345"/>
+      </p:ext>
+    </p:extLst>
+  </p:cSld>
+  <p:clrMapOvr>
+    <a:masterClrMapping/>
+  </p:clrMapOvr>
+  <p:timing>
+    <p:tnLst>
+      <p:par>
+        <p:cTn id="1" dur="indefinite" restart="never" nodeType="tmRoot"/>
+      </p:par>
+    </p:tnLst>
+  </p:timing>
+</p:sld>
+</file>
+
+<file path=ppt/slides/slide51.xml><?xml version="1.0" encoding="utf-8"?>
+<p:sld xmlns:a="http://schemas.openxmlformats.org/drawingml/2006/main" xmlns:r="http://schemas.openxmlformats.org/officeDocument/2006/relationships" xmlns:p="http://schemas.openxmlformats.org/presentationml/2006/main">
+  <p:cSld>
+    <p:spTree>
+      <p:nvGrpSpPr>
+        <p:cNvPr id="1" name=""/>
+        <p:cNvGrpSpPr/>
+        <p:nvPr/>
+      </p:nvGrpSpPr>
+      <p:grpSpPr>
+        <a:xfrm>
+          <a:off x="0" y="0"/>
+          <a:ext cx="0" cy="0"/>
+          <a:chOff x="0" y="0"/>
+          <a:chExt cx="0" cy="0"/>
+        </a:xfrm>
+      </p:grpSpPr>
+      <p:sp>
+        <p:nvSpPr>
+          <p:cNvPr id="2" name="Title 1"/>
+          <p:cNvSpPr>
+            <a:spLocks noGrp="1"/>
+          </p:cNvSpPr>
+          <p:nvPr>
+            <p:ph type="title"/>
+          </p:nvPr>
+        </p:nvSpPr>
+        <p:spPr/>
+        <p:txBody>
+          <a:bodyPr/>
+          <a:lstStyle/>
+          <a:p>
+            <a:r>
+              <a:rPr lang="en-US" sz="3600" dirty="0" smtClean="0"/>
+              <a:t>Challenges</a:t>
+            </a:r>
+            <a:endParaRPr lang="pl-PL" dirty="0"/>
+          </a:p>
+        </p:txBody>
+      </p:sp>
+      <p:sp>
+        <p:nvSpPr>
+          <p:cNvPr id="3" name="Content Placeholder 2"/>
+          <p:cNvSpPr>
+            <a:spLocks noGrp="1"/>
+          </p:cNvSpPr>
+          <p:nvPr>
+            <p:ph idx="1"/>
+          </p:nvPr>
+        </p:nvSpPr>
+        <p:spPr>
+          <a:xfrm>
+            <a:off x="467544" y="1340768"/>
+            <a:ext cx="8229600" cy="5112568"/>
+          </a:xfrm>
+        </p:spPr>
+        <p:txBody>
+          <a:bodyPr>
+            <a:normAutofit fontScale="85000" lnSpcReduction="20000"/>
+          </a:bodyPr>
+          <a:lstStyle/>
+          <a:p>
+            <a:r>
+              <a:rPr lang="en-US" sz="2800" dirty="0" smtClean="0"/>
+              <a:t>Scaling down is extremely tricky…</a:t>
+            </a:r>
+          </a:p>
+          <a:p>
+            <a:endParaRPr lang="en-US" sz="2800" dirty="0" smtClean="0"/>
+          </a:p>
+          <a:p>
+            <a:endParaRPr lang="en-US" sz="2800" dirty="0"/>
+          </a:p>
+          <a:p>
+            <a:endParaRPr lang="en-US" sz="2800" dirty="0" smtClean="0"/>
+          </a:p>
+          <a:p>
+            <a:endParaRPr lang="en-US" sz="2800" dirty="0"/>
+          </a:p>
+          <a:p>
+            <a:endParaRPr lang="en-US" sz="2800" dirty="0" smtClean="0"/>
+          </a:p>
+          <a:p>
+            <a:endParaRPr lang="en-US" sz="2800" dirty="0"/>
+          </a:p>
+          <a:p>
+            <a:endParaRPr lang="en-US" sz="800" dirty="0" smtClean="0"/>
+          </a:p>
+          <a:p>
+            <a:r>
+              <a:rPr lang="en-US" sz="2800" dirty="0" smtClean="0"/>
+              <a:t>Our approach: Assassin and Seppuku</a:t>
+            </a:r>
+          </a:p>
+          <a:p>
+            <a:r>
+              <a:rPr lang="en-US" sz="2800" dirty="0" smtClean="0"/>
+              <a:t>Think of a “machine” as sort of a</a:t>
+            </a:r>
+            <a:r>
+              <a:rPr lang="en-US" sz="2800" dirty="0"/>
+              <a:t> </a:t>
+            </a:r>
+            <a:r>
+              <a:rPr lang="en-US" sz="2800" dirty="0" smtClean="0"/>
+              <a:t>process or thread rather than a stable infrastructure component</a:t>
+            </a:r>
+          </a:p>
+          <a:p>
+            <a:r>
+              <a:rPr lang="en-US" sz="2800" dirty="0" smtClean="0"/>
+              <a:t>Possibility of falling into an infinite loop when launching new EC2 instances</a:t>
+            </a:r>
+          </a:p>
+          <a:p>
+            <a:r>
+              <a:rPr lang="en-US" sz="2800" dirty="0" smtClean="0"/>
+              <a:t>“Turn off the light” </a:t>
+            </a:r>
+            <a:r>
+              <a:rPr lang="en-US" sz="2800" dirty="0" smtClean="0"/>
+              <a:t>once EC2s </a:t>
+            </a:r>
+            <a:r>
+              <a:rPr lang="en-US" sz="2800" dirty="0" smtClean="0"/>
+              <a:t>are idle</a:t>
+            </a:r>
+            <a:endParaRPr lang="pl-PL" sz="2800" dirty="0"/>
+          </a:p>
+        </p:txBody>
+      </p:sp>
+      <p:pic>
+        <p:nvPicPr>
+          <p:cNvPr id="1026" name="Picture 2"/>
+          <p:cNvPicPr>
+            <a:picLocks noChangeAspect="1" noChangeArrowheads="1"/>
+          </p:cNvPicPr>
+          <p:nvPr/>
+        </p:nvPicPr>
+        <p:blipFill>
+          <a:blip r:embed="rId2">
+            <a:extLst>
+              <a:ext uri="{28A0092B-C50C-407E-A947-70E740481C1C}">
+                <a14:useLocalDpi xmlns:a14="http://schemas.microsoft.com/office/drawing/2010/main" val="0"/>
+              </a:ext>
+            </a:extLst>
+          </a:blip>
+          <a:srcRect/>
+          <a:stretch>
+            <a:fillRect/>
+          </a:stretch>
+        </p:blipFill>
+        <p:spPr bwMode="auto">
+          <a:xfrm>
+            <a:off x="1979712" y="1844824"/>
+            <a:ext cx="5166572" cy="2016224"/>
           </a:xfrm>
           <a:prstGeom prst="rect">
             <a:avLst/>
@@ -17236,2622 +20368,7 @@
     </p:spTree>
     <p:extLst>
       <p:ext uri="{BB962C8B-B14F-4D97-AF65-F5344CB8AC3E}">
-        <p14:creationId xmlns:p14="http://schemas.microsoft.com/office/powerpoint/2010/main" val="4061465987"/>
-      </p:ext>
-    </p:extLst>
-  </p:cSld>
-  <p:clrMapOvr>
-    <a:masterClrMapping/>
-  </p:clrMapOvr>
-  <p:timing>
-    <p:tnLst>
-      <p:par>
-        <p:cTn id="1" dur="indefinite" restart="never" nodeType="tmRoot"/>
-      </p:par>
-    </p:tnLst>
-  </p:timing>
-</p:sld>
-</file>
-
-<file path=ppt/slides/slide45.xml><?xml version="1.0" encoding="utf-8"?>
-<p:sld xmlns:a="http://schemas.openxmlformats.org/drawingml/2006/main" xmlns:r="http://schemas.openxmlformats.org/officeDocument/2006/relationships" xmlns:p="http://schemas.openxmlformats.org/presentationml/2006/main">
-  <p:cSld>
-    <p:spTree>
-      <p:nvGrpSpPr>
-        <p:cNvPr id="1" name=""/>
-        <p:cNvGrpSpPr/>
-        <p:nvPr/>
-      </p:nvGrpSpPr>
-      <p:grpSpPr>
-        <a:xfrm>
-          <a:off x="0" y="0"/>
-          <a:ext cx="0" cy="0"/>
-          <a:chOff x="0" y="0"/>
-          <a:chExt cx="0" cy="0"/>
-        </a:xfrm>
-      </p:grpSpPr>
-      <p:sp>
-        <p:nvSpPr>
-          <p:cNvPr id="2" name="Title 1"/>
-          <p:cNvSpPr>
-            <a:spLocks noGrp="1"/>
-          </p:cNvSpPr>
-          <p:nvPr>
-            <p:ph type="title"/>
-          </p:nvPr>
-        </p:nvSpPr>
-        <p:spPr/>
-        <p:txBody>
-          <a:bodyPr>
-            <a:normAutofit/>
-          </a:bodyPr>
-          <a:lstStyle/>
-          <a:p>
-            <a:r>
-              <a:rPr lang="en-US" sz="3600" dirty="0"/>
-              <a:t>Exercise 3</a:t>
-            </a:r>
-            <a:r>
-              <a:rPr lang="en-US" sz="3600" dirty="0" smtClean="0"/>
-              <a:t>. </a:t>
-            </a:r>
-            <a:r>
-              <a:rPr lang="en-US" sz="3600" dirty="0"/>
-              <a:t>F</a:t>
-            </a:r>
-            <a:r>
-              <a:rPr lang="en-US" sz="3600" dirty="0" smtClean="0"/>
-              <a:t>ire the flow</a:t>
-            </a:r>
-            <a:endParaRPr lang="pl-PL" sz="3600" dirty="0"/>
-          </a:p>
-        </p:txBody>
-      </p:sp>
-      <p:pic>
-        <p:nvPicPr>
-          <p:cNvPr id="1027" name="Picture 3"/>
-          <p:cNvPicPr>
-            <a:picLocks noChangeAspect="1" noChangeArrowheads="1"/>
-          </p:cNvPicPr>
-          <p:nvPr/>
-        </p:nvPicPr>
-        <p:blipFill>
-          <a:blip r:embed="rId2">
-            <a:extLst>
-              <a:ext uri="{28A0092B-C50C-407E-A947-70E740481C1C}">
-                <a14:useLocalDpi xmlns:a14="http://schemas.microsoft.com/office/drawing/2010/main" val="0"/>
-              </a:ext>
-            </a:extLst>
-          </a:blip>
-          <a:srcRect/>
-          <a:stretch>
-            <a:fillRect/>
-          </a:stretch>
-        </p:blipFill>
-        <p:spPr bwMode="auto">
-          <a:xfrm>
-            <a:off x="395536" y="1545080"/>
-            <a:ext cx="8280920" cy="4692232"/>
-          </a:xfrm>
-          <a:prstGeom prst="rect">
-            <a:avLst/>
-          </a:prstGeom>
-          <a:noFill/>
-          <a:ln>
-            <a:noFill/>
-          </a:ln>
-          <a:extLst>
-            <a:ext uri="{909E8E84-426E-40DD-AFC4-6F175D3DCCD1}">
-              <a14:hiddenFill xmlns:a14="http://schemas.microsoft.com/office/drawing/2010/main">
-                <a:solidFill>
-                  <a:schemeClr val="accent1"/>
-                </a:solidFill>
-              </a14:hiddenFill>
-            </a:ext>
-            <a:ext uri="{91240B29-F687-4F45-9708-019B960494DF}">
-              <a14:hiddenLine xmlns:a14="http://schemas.microsoft.com/office/drawing/2010/main" w="9525">
-                <a:solidFill>
-                  <a:schemeClr val="tx1"/>
-                </a:solidFill>
-                <a:miter lim="800000"/>
-                <a:headEnd/>
-                <a:tailEnd/>
-              </a14:hiddenLine>
-            </a:ext>
-          </a:extLst>
-        </p:spPr>
-      </p:pic>
-      <p:pic>
-        <p:nvPicPr>
-          <p:cNvPr id="4" name="Picture 2"/>
-          <p:cNvPicPr>
-            <a:picLocks noChangeAspect="1" noChangeArrowheads="1"/>
-          </p:cNvPicPr>
-          <p:nvPr/>
-        </p:nvPicPr>
-        <p:blipFill>
-          <a:blip r:embed="rId3">
-            <a:extLst>
-              <a:ext uri="{28A0092B-C50C-407E-A947-70E740481C1C}">
-                <a14:useLocalDpi xmlns:a14="http://schemas.microsoft.com/office/drawing/2010/main" val="0"/>
-              </a:ext>
-            </a:extLst>
-          </a:blip>
-          <a:srcRect/>
-          <a:stretch>
-            <a:fillRect/>
-          </a:stretch>
-        </p:blipFill>
-        <p:spPr bwMode="auto">
-          <a:xfrm>
-            <a:off x="89173" y="6263811"/>
-            <a:ext cx="2114209" cy="549565"/>
-          </a:xfrm>
-          <a:prstGeom prst="rect">
-            <a:avLst/>
-          </a:prstGeom>
-          <a:noFill/>
-          <a:ln>
-            <a:noFill/>
-          </a:ln>
-          <a:effectLst>
-            <a:outerShdw blurRad="50800" dist="50800" dir="5400000" algn="ctr" rotWithShape="0">
-              <a:srgbClr val="000000">
-                <a:alpha val="3000"/>
-              </a:srgbClr>
-            </a:outerShdw>
-          </a:effectLst>
-          <a:extLst>
-            <a:ext uri="{909E8E84-426E-40DD-AFC4-6F175D3DCCD1}">
-              <a14:hiddenFill xmlns:a14="http://schemas.microsoft.com/office/drawing/2010/main">
-                <a:solidFill>
-                  <a:schemeClr val="accent1"/>
-                </a:solidFill>
-              </a14:hiddenFill>
-            </a:ext>
-            <a:ext uri="{91240B29-F687-4F45-9708-019B960494DF}">
-              <a14:hiddenLine xmlns:a14="http://schemas.microsoft.com/office/drawing/2010/main" w="9525">
-                <a:solidFill>
-                  <a:schemeClr val="tx1"/>
-                </a:solidFill>
-                <a:miter lim="800000"/>
-                <a:headEnd/>
-                <a:tailEnd/>
-              </a14:hiddenLine>
-            </a:ext>
-          </a:extLst>
-        </p:spPr>
-      </p:pic>
-    </p:spTree>
-    <p:extLst>
-      <p:ext uri="{BB962C8B-B14F-4D97-AF65-F5344CB8AC3E}">
-        <p14:creationId xmlns:p14="http://schemas.microsoft.com/office/powerpoint/2010/main" val="2365543400"/>
-      </p:ext>
-    </p:extLst>
-  </p:cSld>
-  <p:clrMapOvr>
-    <a:masterClrMapping/>
-  </p:clrMapOvr>
-  <p:timing>
-    <p:tnLst>
-      <p:par>
-        <p:cTn id="1" dur="indefinite" restart="never" nodeType="tmRoot"/>
-      </p:par>
-    </p:tnLst>
-  </p:timing>
-</p:sld>
-</file>
-
-<file path=ppt/slides/slide46.xml><?xml version="1.0" encoding="utf-8"?>
-<p:sld xmlns:a="http://schemas.openxmlformats.org/drawingml/2006/main" xmlns:r="http://schemas.openxmlformats.org/officeDocument/2006/relationships" xmlns:p="http://schemas.openxmlformats.org/presentationml/2006/main">
-  <p:cSld>
-    <p:spTree>
-      <p:nvGrpSpPr>
-        <p:cNvPr id="1" name=""/>
-        <p:cNvGrpSpPr/>
-        <p:nvPr/>
-      </p:nvGrpSpPr>
-      <p:grpSpPr>
-        <a:xfrm>
-          <a:off x="0" y="0"/>
-          <a:ext cx="0" cy="0"/>
-          <a:chOff x="0" y="0"/>
-          <a:chExt cx="0" cy="0"/>
-        </a:xfrm>
-      </p:grpSpPr>
-      <p:sp>
-        <p:nvSpPr>
-          <p:cNvPr id="2" name="Title 1"/>
-          <p:cNvSpPr>
-            <a:spLocks noGrp="1"/>
-          </p:cNvSpPr>
-          <p:nvPr>
-            <p:ph type="title"/>
-          </p:nvPr>
-        </p:nvSpPr>
-        <p:spPr/>
-        <p:txBody>
-          <a:bodyPr>
-            <a:normAutofit/>
-          </a:bodyPr>
-          <a:lstStyle/>
-          <a:p>
-            <a:r>
-              <a:rPr lang="en-US" sz="3600" dirty="0"/>
-              <a:t>Exercise </a:t>
-            </a:r>
-            <a:r>
-              <a:rPr lang="en-US" sz="3600" dirty="0" smtClean="0"/>
-              <a:t>3. Build and deploy</a:t>
-            </a:r>
-            <a:endParaRPr lang="pl-PL" sz="3600" dirty="0"/>
-          </a:p>
-        </p:txBody>
-      </p:sp>
-      <p:pic>
-        <p:nvPicPr>
-          <p:cNvPr id="4" name="Picture 2"/>
-          <p:cNvPicPr>
-            <a:picLocks noChangeAspect="1" noChangeArrowheads="1"/>
-          </p:cNvPicPr>
-          <p:nvPr/>
-        </p:nvPicPr>
-        <p:blipFill>
-          <a:blip r:embed="rId2">
-            <a:extLst>
-              <a:ext uri="{28A0092B-C50C-407E-A947-70E740481C1C}">
-                <a14:useLocalDpi xmlns:a14="http://schemas.microsoft.com/office/drawing/2010/main" val="0"/>
-              </a:ext>
-            </a:extLst>
-          </a:blip>
-          <a:srcRect/>
-          <a:stretch>
-            <a:fillRect/>
-          </a:stretch>
-        </p:blipFill>
-        <p:spPr bwMode="auto">
-          <a:xfrm>
-            <a:off x="89173" y="6263811"/>
-            <a:ext cx="2114209" cy="549565"/>
-          </a:xfrm>
-          <a:prstGeom prst="rect">
-            <a:avLst/>
-          </a:prstGeom>
-          <a:noFill/>
-          <a:ln>
-            <a:noFill/>
-          </a:ln>
-          <a:effectLst>
-            <a:outerShdw blurRad="50800" dist="50800" dir="5400000" algn="ctr" rotWithShape="0">
-              <a:srgbClr val="000000">
-                <a:alpha val="3000"/>
-              </a:srgbClr>
-            </a:outerShdw>
-          </a:effectLst>
-          <a:extLst>
-            <a:ext uri="{909E8E84-426E-40DD-AFC4-6F175D3DCCD1}">
-              <a14:hiddenFill xmlns:a14="http://schemas.microsoft.com/office/drawing/2010/main">
-                <a:solidFill>
-                  <a:schemeClr val="accent1"/>
-                </a:solidFill>
-              </a14:hiddenFill>
-            </a:ext>
-            <a:ext uri="{91240B29-F687-4F45-9708-019B960494DF}">
-              <a14:hiddenLine xmlns:a14="http://schemas.microsoft.com/office/drawing/2010/main" w="9525">
-                <a:solidFill>
-                  <a:schemeClr val="tx1"/>
-                </a:solidFill>
-                <a:miter lim="800000"/>
-                <a:headEnd/>
-                <a:tailEnd/>
-              </a14:hiddenLine>
-            </a:ext>
-          </a:extLst>
-        </p:spPr>
-      </p:pic>
-    </p:spTree>
-    <p:extLst>
-      <p:ext uri="{BB962C8B-B14F-4D97-AF65-F5344CB8AC3E}">
-        <p14:creationId xmlns:p14="http://schemas.microsoft.com/office/powerpoint/2010/main" val="4195114840"/>
-      </p:ext>
-    </p:extLst>
-  </p:cSld>
-  <p:clrMapOvr>
-    <a:masterClrMapping/>
-  </p:clrMapOvr>
-  <p:timing>
-    <p:tnLst>
-      <p:par>
-        <p:cTn id="1" dur="indefinite" restart="never" nodeType="tmRoot"/>
-      </p:par>
-    </p:tnLst>
-  </p:timing>
-</p:sld>
-</file>
-
-<file path=ppt/slides/slide47.xml><?xml version="1.0" encoding="utf-8"?>
-<p:sld xmlns:a="http://schemas.openxmlformats.org/drawingml/2006/main" xmlns:r="http://schemas.openxmlformats.org/officeDocument/2006/relationships" xmlns:p="http://schemas.openxmlformats.org/presentationml/2006/main">
-  <p:cSld>
-    <p:spTree>
-      <p:nvGrpSpPr>
-        <p:cNvPr id="1" name=""/>
-        <p:cNvGrpSpPr/>
-        <p:nvPr/>
-      </p:nvGrpSpPr>
-      <p:grpSpPr>
-        <a:xfrm>
-          <a:off x="0" y="0"/>
-          <a:ext cx="0" cy="0"/>
-          <a:chOff x="0" y="0"/>
-          <a:chExt cx="0" cy="0"/>
-        </a:xfrm>
-      </p:grpSpPr>
-      <p:sp>
-        <p:nvSpPr>
-          <p:cNvPr id="2" name="Title 1"/>
-          <p:cNvSpPr>
-            <a:spLocks noGrp="1"/>
-          </p:cNvSpPr>
-          <p:nvPr>
-            <p:ph type="title"/>
-          </p:nvPr>
-        </p:nvSpPr>
-        <p:spPr/>
-        <p:txBody>
-          <a:bodyPr>
-            <a:normAutofit/>
-          </a:bodyPr>
-          <a:lstStyle/>
-          <a:p>
-            <a:r>
-              <a:rPr lang="en-US" sz="3600" dirty="0"/>
-              <a:t>Exercise </a:t>
-            </a:r>
-            <a:r>
-              <a:rPr lang="en-US" sz="3600" dirty="0" smtClean="0"/>
-              <a:t>4. More involved case</a:t>
-            </a:r>
-            <a:endParaRPr lang="pl-PL" sz="3600" dirty="0"/>
-          </a:p>
-        </p:txBody>
-      </p:sp>
-      <p:sp>
-        <p:nvSpPr>
-          <p:cNvPr id="4" name="Rectangle 3"/>
-          <p:cNvSpPr/>
-          <p:nvPr/>
-        </p:nvSpPr>
-        <p:spPr>
-          <a:xfrm>
-            <a:off x="179512" y="1916832"/>
-            <a:ext cx="8784976" cy="4154984"/>
-          </a:xfrm>
-          <a:prstGeom prst="rect">
-            <a:avLst/>
-          </a:prstGeom>
-        </p:spPr>
-        <p:txBody>
-          <a:bodyPr wrap="square">
-            <a:spAutoFit/>
-          </a:bodyPr>
-          <a:lstStyle/>
-          <a:p>
-            <a:r>
-              <a:rPr lang="pl-PL" sz="1100" dirty="0" err="1" smtClean="0">
-                <a:solidFill>
-                  <a:srgbClr val="000000"/>
-                </a:solidFill>
-                <a:latin typeface="Consolas"/>
-              </a:rPr>
-              <a:t>FallbackServerInstanceBuilder</a:t>
-            </a:r>
-            <a:r>
-              <a:rPr lang="pl-PL" sz="1100" dirty="0" smtClean="0">
-                <a:solidFill>
-                  <a:srgbClr val="000000"/>
-                </a:solidFill>
-                <a:latin typeface="Consolas"/>
-              </a:rPr>
-              <a:t> </a:t>
-            </a:r>
-            <a:r>
-              <a:rPr lang="pl-PL" sz="1100" dirty="0" err="1" smtClean="0">
-                <a:solidFill>
-                  <a:srgbClr val="0000C0"/>
-                </a:solidFill>
-                <a:latin typeface="Consolas"/>
-              </a:rPr>
-              <a:t>fsib</a:t>
-            </a:r>
-            <a:r>
-              <a:rPr lang="en-US" sz="1100" dirty="0" smtClean="0">
-                <a:solidFill>
-                  <a:srgbClr val="0000C0"/>
-                </a:solidFill>
-                <a:latin typeface="Consolas"/>
-              </a:rPr>
-              <a:t> = ...</a:t>
-            </a:r>
-            <a:r>
-              <a:rPr lang="pl-PL" sz="1100" dirty="0" smtClean="0">
-                <a:solidFill>
-                  <a:srgbClr val="000000"/>
-                </a:solidFill>
-                <a:latin typeface="Consolas"/>
-              </a:rPr>
-              <a:t>;</a:t>
-            </a:r>
-            <a:endParaRPr lang="pl-PL" sz="1100" dirty="0">
-              <a:solidFill>
-                <a:srgbClr val="000000"/>
-              </a:solidFill>
-              <a:latin typeface="Consolas"/>
-            </a:endParaRPr>
-          </a:p>
-          <a:p>
-            <a:r>
-              <a:rPr lang="en-US" sz="1100" dirty="0" smtClean="0">
-                <a:solidFill>
-                  <a:srgbClr val="000000"/>
-                </a:solidFill>
-                <a:latin typeface="Consolas"/>
-              </a:rPr>
-              <a:t>   </a:t>
-            </a:r>
-          </a:p>
-          <a:p>
-            <a:r>
-              <a:rPr lang="en-US" sz="1100" b="1" dirty="0" smtClean="0">
-                <a:solidFill>
-                  <a:srgbClr val="7F0055"/>
-                </a:solidFill>
-                <a:latin typeface="Consolas"/>
-              </a:rPr>
-              <a:t>      </a:t>
-            </a:r>
-            <a:r>
-              <a:rPr lang="pl-PL" sz="1100" b="1" dirty="0" err="1" smtClean="0">
-                <a:solidFill>
-                  <a:srgbClr val="7F0055"/>
-                </a:solidFill>
-                <a:latin typeface="Consolas"/>
-              </a:rPr>
-              <a:t>try</a:t>
-            </a:r>
-            <a:r>
-              <a:rPr lang="pl-PL" sz="1100" b="1" dirty="0" smtClean="0">
-                <a:solidFill>
-                  <a:srgbClr val="000000"/>
-                </a:solidFill>
-                <a:latin typeface="Consolas"/>
-              </a:rPr>
-              <a:t> </a:t>
-            </a:r>
-            <a:r>
-              <a:rPr lang="pl-PL" sz="1100" dirty="0">
-                <a:solidFill>
-                  <a:srgbClr val="000000"/>
-                </a:solidFill>
-                <a:latin typeface="Consolas"/>
-              </a:rPr>
-              <a:t>{</a:t>
-            </a:r>
-          </a:p>
-          <a:p>
-            <a:r>
-              <a:rPr lang="pl-PL" sz="1100" dirty="0" smtClean="0">
-                <a:solidFill>
-                  <a:srgbClr val="000000"/>
-                </a:solidFill>
-                <a:latin typeface="Consolas"/>
-              </a:rPr>
-              <a:t>      </a:t>
-            </a:r>
-            <a:r>
-              <a:rPr lang="en-US" sz="1100" dirty="0" smtClean="0">
-                <a:solidFill>
-                  <a:srgbClr val="000000"/>
-                </a:solidFill>
-                <a:latin typeface="Consolas"/>
-              </a:rPr>
-              <a:t>  </a:t>
-            </a:r>
-            <a:r>
-              <a:rPr lang="pl-PL" sz="1100" dirty="0" err="1" smtClean="0">
-                <a:solidFill>
-                  <a:srgbClr val="0000C0"/>
-                </a:solidFill>
-                <a:latin typeface="Consolas"/>
-              </a:rPr>
-              <a:t>sender</a:t>
-            </a:r>
-            <a:r>
-              <a:rPr lang="pl-PL" sz="1100" dirty="0" err="1" smtClean="0">
-                <a:solidFill>
-                  <a:srgbClr val="000000"/>
-                </a:solidFill>
-                <a:latin typeface="Consolas"/>
-              </a:rPr>
-              <a:t>.trySending</a:t>
-            </a:r>
-            <a:r>
-              <a:rPr lang="pl-PL" sz="1100" dirty="0" smtClean="0">
-                <a:solidFill>
-                  <a:srgbClr val="000000"/>
-                </a:solidFill>
-                <a:latin typeface="Consolas"/>
-              </a:rPr>
-              <a:t>(</a:t>
-            </a:r>
-            <a:r>
-              <a:rPr lang="pl-PL" sz="1100" dirty="0" err="1" smtClean="0">
-                <a:solidFill>
-                  <a:srgbClr val="0000C0"/>
-                </a:solidFill>
-                <a:latin typeface="Consolas"/>
-              </a:rPr>
-              <a:t>basicServiceUrl</a:t>
-            </a:r>
-            <a:r>
-              <a:rPr lang="pl-PL" sz="1100" dirty="0">
-                <a:solidFill>
-                  <a:srgbClr val="000000"/>
-                </a:solidFill>
-                <a:latin typeface="Consolas"/>
-              </a:rPr>
-              <a:t>, </a:t>
-            </a:r>
-            <a:r>
-              <a:rPr lang="pl-PL" sz="1100" dirty="0" err="1">
-                <a:solidFill>
-                  <a:srgbClr val="0000C0"/>
-                </a:solidFill>
-                <a:latin typeface="Consolas"/>
-              </a:rPr>
-              <a:t>digestRequest</a:t>
-            </a:r>
-            <a:r>
-              <a:rPr lang="pl-PL" sz="1100" dirty="0">
-                <a:solidFill>
-                  <a:srgbClr val="000000"/>
-                </a:solidFill>
-                <a:latin typeface="Consolas"/>
-              </a:rPr>
-              <a:t>);</a:t>
-            </a:r>
-          </a:p>
-          <a:p>
-            <a:r>
-              <a:rPr lang="pl-PL" sz="1100" dirty="0" smtClean="0">
-                <a:solidFill>
-                  <a:srgbClr val="000000"/>
-                </a:solidFill>
-                <a:latin typeface="Consolas"/>
-              </a:rPr>
-              <a:t>      </a:t>
-            </a:r>
-            <a:r>
-              <a:rPr lang="pl-PL" sz="1100" dirty="0">
-                <a:solidFill>
-                  <a:srgbClr val="000000"/>
-                </a:solidFill>
-                <a:latin typeface="Consolas"/>
-              </a:rPr>
-              <a:t>} </a:t>
-            </a:r>
-            <a:r>
-              <a:rPr lang="pl-PL" sz="1100" b="1" dirty="0" err="1">
-                <a:solidFill>
-                  <a:srgbClr val="7F0055"/>
-                </a:solidFill>
-                <a:latin typeface="Consolas"/>
-              </a:rPr>
-              <a:t>catch</a:t>
-            </a:r>
-            <a:r>
-              <a:rPr lang="pl-PL" sz="1100" b="1" dirty="0">
-                <a:solidFill>
-                  <a:srgbClr val="000000"/>
-                </a:solidFill>
-                <a:latin typeface="Consolas"/>
-              </a:rPr>
-              <a:t> (</a:t>
-            </a:r>
-            <a:r>
-              <a:rPr lang="pl-PL" sz="1100" b="1" dirty="0" err="1">
-                <a:solidFill>
-                  <a:srgbClr val="000000"/>
-                </a:solidFill>
-                <a:latin typeface="Consolas"/>
-              </a:rPr>
-              <a:t>OutOfMemoryError</a:t>
-            </a:r>
-            <a:r>
-              <a:rPr lang="pl-PL" sz="1100" b="1" dirty="0">
-                <a:solidFill>
-                  <a:srgbClr val="000000"/>
-                </a:solidFill>
-                <a:latin typeface="Consolas"/>
-              </a:rPr>
-              <a:t> </a:t>
-            </a:r>
-            <a:r>
-              <a:rPr lang="pl-PL" sz="1100" b="1" dirty="0" err="1">
-                <a:solidFill>
-                  <a:srgbClr val="6A3E3E"/>
-                </a:solidFill>
-                <a:latin typeface="Consolas"/>
-              </a:rPr>
-              <a:t>outOfMemoryErrorFromTargetServerMachineInstance</a:t>
-            </a:r>
-            <a:r>
-              <a:rPr lang="pl-PL" sz="1100" b="1" dirty="0">
-                <a:solidFill>
-                  <a:srgbClr val="000000"/>
-                </a:solidFill>
-                <a:latin typeface="Consolas"/>
-              </a:rPr>
-              <a:t>) {</a:t>
-            </a:r>
-          </a:p>
-          <a:p>
-            <a:r>
-              <a:rPr lang="pl-PL" sz="1100" dirty="0" smtClean="0">
-                <a:solidFill>
-                  <a:srgbClr val="000000"/>
-                </a:solidFill>
-                <a:latin typeface="Consolas"/>
-              </a:rPr>
-              <a:t>         </a:t>
-            </a:r>
-            <a:endParaRPr lang="pl-PL" sz="1100" dirty="0">
-              <a:solidFill>
-                <a:srgbClr val="000000"/>
-              </a:solidFill>
-              <a:latin typeface="Consolas"/>
-            </a:endParaRPr>
-          </a:p>
-          <a:p>
-            <a:r>
-              <a:rPr lang="pl-PL" sz="1100" dirty="0" smtClean="0">
-                <a:solidFill>
-                  <a:srgbClr val="000000"/>
-                </a:solidFill>
-                <a:latin typeface="Consolas"/>
-              </a:rPr>
-              <a:t>          </a:t>
-            </a:r>
-            <a:r>
-              <a:rPr lang="pl-PL" sz="1100" b="1" dirty="0" err="1">
-                <a:solidFill>
-                  <a:srgbClr val="7F0055"/>
-                </a:solidFill>
-                <a:latin typeface="Consolas"/>
-              </a:rPr>
-              <a:t>try</a:t>
-            </a:r>
-            <a:r>
-              <a:rPr lang="pl-PL" sz="1100" b="1" dirty="0">
-                <a:solidFill>
-                  <a:srgbClr val="000000"/>
-                </a:solidFill>
-                <a:latin typeface="Consolas"/>
-              </a:rPr>
-              <a:t> {</a:t>
-            </a:r>
-          </a:p>
-          <a:p>
-            <a:r>
-              <a:rPr lang="en-US" sz="1100" dirty="0" smtClean="0">
-                <a:solidFill>
-                  <a:srgbClr val="000000"/>
-                </a:solidFill>
-                <a:latin typeface="Consolas"/>
-              </a:rPr>
-              <a:t>              </a:t>
-            </a:r>
-            <a:r>
-              <a:rPr lang="en-US" sz="1100" dirty="0" err="1">
-                <a:solidFill>
-                  <a:srgbClr val="000000"/>
-                </a:solidFill>
-                <a:latin typeface="Consolas"/>
-              </a:rPr>
-              <a:t>FallbackSetupParams</a:t>
-            </a:r>
-            <a:r>
-              <a:rPr lang="en-US" sz="1100" dirty="0">
-                <a:solidFill>
-                  <a:srgbClr val="000000"/>
-                </a:solidFill>
-                <a:latin typeface="Consolas"/>
-              </a:rPr>
-              <a:t> </a:t>
-            </a:r>
-            <a:r>
-              <a:rPr lang="en-US" sz="1100" dirty="0" err="1">
-                <a:solidFill>
-                  <a:srgbClr val="6A3E3E"/>
-                </a:solidFill>
-                <a:latin typeface="Consolas"/>
-              </a:rPr>
-              <a:t>fsp</a:t>
-            </a:r>
-            <a:r>
-              <a:rPr lang="en-US" sz="1100" dirty="0">
-                <a:solidFill>
-                  <a:srgbClr val="000000"/>
-                </a:solidFill>
-                <a:latin typeface="Consolas"/>
-              </a:rPr>
-              <a:t> = </a:t>
-            </a:r>
-            <a:r>
-              <a:rPr lang="en-US" sz="1100" b="1" dirty="0">
-                <a:solidFill>
-                  <a:srgbClr val="7F0055"/>
-                </a:solidFill>
-                <a:latin typeface="Consolas"/>
-              </a:rPr>
-              <a:t>new</a:t>
-            </a:r>
-            <a:r>
-              <a:rPr lang="en-US" sz="1100" b="1" dirty="0">
-                <a:solidFill>
-                  <a:srgbClr val="000000"/>
-                </a:solidFill>
-                <a:latin typeface="Consolas"/>
-              </a:rPr>
-              <a:t> </a:t>
-            </a:r>
-            <a:r>
-              <a:rPr lang="en-US" sz="1100" b="1" dirty="0" err="1">
-                <a:solidFill>
-                  <a:srgbClr val="000000"/>
-                </a:solidFill>
-                <a:latin typeface="Consolas"/>
-              </a:rPr>
-              <a:t>FallbackSetupParams</a:t>
-            </a:r>
-            <a:r>
-              <a:rPr lang="en-US" sz="1100" b="1" dirty="0">
-                <a:solidFill>
-                  <a:srgbClr val="000000"/>
-                </a:solidFill>
-                <a:latin typeface="Consolas"/>
-              </a:rPr>
-              <a:t>().</a:t>
-            </a:r>
-            <a:r>
-              <a:rPr lang="en-US" sz="1100" b="1" dirty="0" err="1">
-                <a:solidFill>
-                  <a:srgbClr val="000000"/>
-                </a:solidFill>
-                <a:latin typeface="Consolas"/>
-              </a:rPr>
-              <a:t>withLabel</a:t>
-            </a:r>
-            <a:r>
-              <a:rPr lang="en-US" sz="1100" b="1" dirty="0">
-                <a:solidFill>
-                  <a:srgbClr val="000000"/>
-                </a:solidFill>
-                <a:latin typeface="Consolas"/>
-              </a:rPr>
-              <a:t>(</a:t>
-            </a:r>
-            <a:r>
-              <a:rPr lang="en-US" sz="1100" b="1" dirty="0">
-                <a:solidFill>
-                  <a:srgbClr val="2A00FF"/>
-                </a:solidFill>
-                <a:latin typeface="Consolas"/>
-              </a:rPr>
-              <a:t>"..."</a:t>
-            </a:r>
-            <a:r>
-              <a:rPr lang="en-US" sz="1100" b="1" dirty="0">
-                <a:solidFill>
-                  <a:srgbClr val="000000"/>
-                </a:solidFill>
-                <a:latin typeface="Consolas"/>
-              </a:rPr>
-              <a:t>);</a:t>
-            </a:r>
-          </a:p>
-          <a:p>
-            <a:r>
-              <a:rPr lang="pl-PL" sz="1100" dirty="0" smtClean="0">
-                <a:solidFill>
-                  <a:srgbClr val="000000"/>
-                </a:solidFill>
-                <a:latin typeface="Consolas"/>
-              </a:rPr>
-              <a:t>              </a:t>
-            </a:r>
-            <a:r>
-              <a:rPr lang="pl-PL" sz="1100" dirty="0" err="1">
-                <a:solidFill>
-                  <a:srgbClr val="000000"/>
-                </a:solidFill>
-                <a:latin typeface="Consolas"/>
-              </a:rPr>
-              <a:t>FallbackServerInstance</a:t>
-            </a:r>
-            <a:r>
-              <a:rPr lang="pl-PL" sz="1100" dirty="0">
-                <a:solidFill>
-                  <a:srgbClr val="000000"/>
-                </a:solidFill>
-                <a:latin typeface="Consolas"/>
-              </a:rPr>
-              <a:t> </a:t>
-            </a:r>
-            <a:r>
-              <a:rPr lang="pl-PL" sz="1100" dirty="0" err="1">
-                <a:solidFill>
-                  <a:srgbClr val="6A3E3E"/>
-                </a:solidFill>
-                <a:latin typeface="Consolas"/>
-              </a:rPr>
-              <a:t>newMediumFallbackInstance</a:t>
-            </a:r>
-            <a:r>
-              <a:rPr lang="pl-PL" sz="1100" dirty="0">
-                <a:solidFill>
-                  <a:srgbClr val="000000"/>
-                </a:solidFill>
-                <a:latin typeface="Consolas"/>
-              </a:rPr>
-              <a:t> = </a:t>
-            </a:r>
-            <a:r>
-              <a:rPr lang="pl-PL" sz="1100" dirty="0" err="1">
-                <a:solidFill>
-                  <a:srgbClr val="0000C0"/>
-                </a:solidFill>
-                <a:latin typeface="Consolas"/>
-              </a:rPr>
-              <a:t>fsib</a:t>
-            </a:r>
-            <a:r>
-              <a:rPr lang="pl-PL" sz="1100" dirty="0" err="1">
-                <a:solidFill>
-                  <a:srgbClr val="000000"/>
-                </a:solidFill>
-                <a:latin typeface="Consolas"/>
-              </a:rPr>
-              <a:t>.build</a:t>
-            </a:r>
-            <a:r>
-              <a:rPr lang="pl-PL" sz="1100" dirty="0">
-                <a:solidFill>
-                  <a:srgbClr val="000000"/>
-                </a:solidFill>
-                <a:latin typeface="Consolas"/>
-              </a:rPr>
-              <a:t>(</a:t>
-            </a:r>
-            <a:r>
-              <a:rPr lang="pl-PL" sz="1100" dirty="0" err="1">
-                <a:solidFill>
-                  <a:srgbClr val="6A3E3E"/>
-                </a:solidFill>
-                <a:latin typeface="Consolas"/>
-              </a:rPr>
-              <a:t>fsp</a:t>
-            </a:r>
-            <a:r>
-              <a:rPr lang="pl-PL" sz="1100" dirty="0">
-                <a:solidFill>
-                  <a:srgbClr val="000000"/>
-                </a:solidFill>
-                <a:latin typeface="Consolas"/>
-              </a:rPr>
-              <a:t>);</a:t>
-            </a:r>
-          </a:p>
-          <a:p>
-            <a:r>
-              <a:rPr lang="pl-PL" sz="1100" dirty="0" smtClean="0">
-                <a:solidFill>
-                  <a:srgbClr val="000000"/>
-                </a:solidFill>
-                <a:latin typeface="Consolas"/>
-              </a:rPr>
-              <a:t>              </a:t>
-            </a:r>
-            <a:r>
-              <a:rPr lang="pl-PL" sz="1100" dirty="0">
-                <a:solidFill>
-                  <a:srgbClr val="000000"/>
-                </a:solidFill>
-                <a:latin typeface="Consolas"/>
-              </a:rPr>
-              <a:t>String </a:t>
-            </a:r>
-            <a:r>
-              <a:rPr lang="pl-PL" sz="1100" dirty="0" err="1">
-                <a:solidFill>
-                  <a:srgbClr val="6A3E3E"/>
-                </a:solidFill>
-                <a:latin typeface="Consolas"/>
-              </a:rPr>
-              <a:t>newMediumServiceUrl</a:t>
-            </a:r>
-            <a:r>
-              <a:rPr lang="pl-PL" sz="1100" dirty="0">
-                <a:solidFill>
-                  <a:srgbClr val="000000"/>
-                </a:solidFill>
-                <a:latin typeface="Consolas"/>
-              </a:rPr>
-              <a:t> = </a:t>
-            </a:r>
-            <a:r>
-              <a:rPr lang="pl-PL" sz="1100" dirty="0" err="1">
-                <a:solidFill>
-                  <a:srgbClr val="000000"/>
-                </a:solidFill>
-                <a:latin typeface="Consolas"/>
-              </a:rPr>
-              <a:t>buildServiceUrl</a:t>
-            </a:r>
-            <a:r>
-              <a:rPr lang="pl-PL" sz="1100" dirty="0">
-                <a:solidFill>
-                  <a:srgbClr val="000000"/>
-                </a:solidFill>
-                <a:latin typeface="Consolas"/>
-              </a:rPr>
-              <a:t>(</a:t>
-            </a:r>
-            <a:r>
-              <a:rPr lang="pl-PL" sz="1100" dirty="0" err="1">
-                <a:solidFill>
-                  <a:srgbClr val="6A3E3E"/>
-                </a:solidFill>
-                <a:latin typeface="Consolas"/>
-              </a:rPr>
-              <a:t>newMediumFallbackInstance</a:t>
-            </a:r>
-            <a:r>
-              <a:rPr lang="pl-PL" sz="1100" dirty="0" err="1">
-                <a:solidFill>
-                  <a:srgbClr val="000000"/>
-                </a:solidFill>
-                <a:latin typeface="Consolas"/>
-              </a:rPr>
-              <a:t>.getPublicIpAddress</a:t>
-            </a:r>
-            <a:r>
-              <a:rPr lang="pl-PL" sz="1100" dirty="0">
-                <a:solidFill>
-                  <a:srgbClr val="000000"/>
-                </a:solidFill>
-                <a:latin typeface="Consolas"/>
-              </a:rPr>
-              <a:t>());</a:t>
-            </a:r>
-          </a:p>
-          <a:p>
-            <a:r>
-              <a:rPr lang="pl-PL" sz="1100" dirty="0" smtClean="0">
-                <a:solidFill>
-                  <a:srgbClr val="000000"/>
-                </a:solidFill>
-                <a:latin typeface="Consolas"/>
-              </a:rPr>
-              <a:t>              </a:t>
-            </a:r>
-            <a:r>
-              <a:rPr lang="pl-PL" sz="1100" dirty="0" err="1">
-                <a:solidFill>
-                  <a:srgbClr val="000000"/>
-                </a:solidFill>
-                <a:latin typeface="Consolas"/>
-              </a:rPr>
-              <a:t>DigestResponse</a:t>
-            </a:r>
-            <a:r>
-              <a:rPr lang="pl-PL" sz="1100" dirty="0">
-                <a:solidFill>
-                  <a:srgbClr val="000000"/>
-                </a:solidFill>
-                <a:latin typeface="Consolas"/>
-              </a:rPr>
-              <a:t> </a:t>
-            </a:r>
-            <a:r>
-              <a:rPr lang="pl-PL" sz="1100" dirty="0" err="1">
-                <a:solidFill>
-                  <a:srgbClr val="6A3E3E"/>
-                </a:solidFill>
-                <a:latin typeface="Consolas"/>
-              </a:rPr>
-              <a:t>response</a:t>
-            </a:r>
-            <a:r>
-              <a:rPr lang="pl-PL" sz="1100" dirty="0">
-                <a:solidFill>
-                  <a:srgbClr val="000000"/>
-                </a:solidFill>
-                <a:latin typeface="Consolas"/>
-              </a:rPr>
-              <a:t> = </a:t>
-            </a:r>
-            <a:r>
-              <a:rPr lang="pl-PL" sz="1100" dirty="0" err="1">
-                <a:solidFill>
-                  <a:srgbClr val="0000C0"/>
-                </a:solidFill>
-                <a:latin typeface="Consolas"/>
-              </a:rPr>
-              <a:t>sender</a:t>
-            </a:r>
-            <a:r>
-              <a:rPr lang="pl-PL" sz="1100" dirty="0" err="1">
-                <a:solidFill>
-                  <a:srgbClr val="000000"/>
-                </a:solidFill>
-                <a:latin typeface="Consolas"/>
-              </a:rPr>
-              <a:t>.trySending</a:t>
-            </a:r>
-            <a:r>
-              <a:rPr lang="pl-PL" sz="1100" dirty="0">
-                <a:solidFill>
-                  <a:srgbClr val="000000"/>
-                </a:solidFill>
-                <a:latin typeface="Consolas"/>
-              </a:rPr>
-              <a:t>(</a:t>
-            </a:r>
-            <a:r>
-              <a:rPr lang="pl-PL" sz="1100" dirty="0" err="1">
-                <a:solidFill>
-                  <a:srgbClr val="6A3E3E"/>
-                </a:solidFill>
-                <a:latin typeface="Consolas"/>
-              </a:rPr>
-              <a:t>newMediumServiceUrl</a:t>
-            </a:r>
-            <a:r>
-              <a:rPr lang="pl-PL" sz="1100" dirty="0">
-                <a:solidFill>
-                  <a:srgbClr val="000000"/>
-                </a:solidFill>
-                <a:latin typeface="Consolas"/>
-              </a:rPr>
-              <a:t>, </a:t>
-            </a:r>
-            <a:r>
-              <a:rPr lang="pl-PL" sz="1100" dirty="0" err="1">
-                <a:solidFill>
-                  <a:srgbClr val="0000C0"/>
-                </a:solidFill>
-                <a:latin typeface="Consolas"/>
-              </a:rPr>
-              <a:t>digestRequest</a:t>
-            </a:r>
-            <a:r>
-              <a:rPr lang="pl-PL" sz="1100" dirty="0">
-                <a:solidFill>
-                  <a:srgbClr val="000000"/>
-                </a:solidFill>
-                <a:latin typeface="Consolas"/>
-              </a:rPr>
-              <a:t>);</a:t>
-            </a:r>
-          </a:p>
-          <a:p>
-            <a:r>
-              <a:rPr lang="pl-PL" sz="1100" dirty="0" smtClean="0">
-                <a:solidFill>
-                  <a:srgbClr val="000000"/>
-                </a:solidFill>
-                <a:latin typeface="Consolas"/>
-              </a:rPr>
-              <a:t>              </a:t>
-            </a:r>
-            <a:r>
-              <a:rPr lang="pl-PL" sz="1100" dirty="0" err="1">
-                <a:solidFill>
-                  <a:srgbClr val="6A3E3E"/>
-                </a:solidFill>
-                <a:latin typeface="Consolas"/>
-              </a:rPr>
-              <a:t>newMediumFallbackInstance</a:t>
-            </a:r>
-            <a:r>
-              <a:rPr lang="pl-PL" sz="1100" dirty="0" err="1">
-                <a:solidFill>
-                  <a:srgbClr val="000000"/>
-                </a:solidFill>
-                <a:latin typeface="Consolas"/>
-              </a:rPr>
-              <a:t>.scheduleCleanup</a:t>
-            </a:r>
-            <a:r>
-              <a:rPr lang="pl-PL" sz="1100" dirty="0">
-                <a:solidFill>
-                  <a:srgbClr val="000000"/>
-                </a:solidFill>
-                <a:latin typeface="Consolas"/>
-              </a:rPr>
-              <a:t>(55, </a:t>
-            </a:r>
-            <a:r>
-              <a:rPr lang="pl-PL" sz="1100" dirty="0" err="1">
-                <a:solidFill>
-                  <a:srgbClr val="000000"/>
-                </a:solidFill>
-                <a:latin typeface="Consolas"/>
-              </a:rPr>
-              <a:t>TimeUnit.</a:t>
-            </a:r>
-            <a:r>
-              <a:rPr lang="pl-PL" sz="1100" b="1" i="1" dirty="0" err="1">
-                <a:solidFill>
-                  <a:srgbClr val="0000C0"/>
-                </a:solidFill>
-                <a:latin typeface="Consolas"/>
-              </a:rPr>
-              <a:t>MINUTES</a:t>
-            </a:r>
-            <a:r>
-              <a:rPr lang="pl-PL" sz="1100" b="1" i="1" dirty="0">
-                <a:solidFill>
-                  <a:srgbClr val="000000"/>
-                </a:solidFill>
-                <a:latin typeface="Consolas"/>
-              </a:rPr>
-              <a:t>);</a:t>
-            </a:r>
-          </a:p>
-          <a:p>
-            <a:r>
-              <a:rPr lang="pl-PL" sz="1100" dirty="0" smtClean="0">
-                <a:solidFill>
-                  <a:srgbClr val="000000"/>
-                </a:solidFill>
-                <a:latin typeface="Consolas"/>
-              </a:rPr>
-              <a:t>              </a:t>
-            </a:r>
-            <a:r>
-              <a:rPr lang="pl-PL" sz="1100" b="1" dirty="0">
-                <a:solidFill>
-                  <a:srgbClr val="7F0055"/>
-                </a:solidFill>
-                <a:latin typeface="Consolas"/>
-              </a:rPr>
-              <a:t>return</a:t>
-            </a:r>
-            <a:r>
-              <a:rPr lang="pl-PL" sz="1100" b="1" dirty="0">
-                <a:solidFill>
-                  <a:srgbClr val="000000"/>
-                </a:solidFill>
-                <a:latin typeface="Consolas"/>
-              </a:rPr>
-              <a:t> </a:t>
-            </a:r>
-            <a:r>
-              <a:rPr lang="pl-PL" sz="1100" b="1" dirty="0" err="1">
-                <a:solidFill>
-                  <a:srgbClr val="6A3E3E"/>
-                </a:solidFill>
-                <a:latin typeface="Consolas"/>
-              </a:rPr>
-              <a:t>response</a:t>
-            </a:r>
-            <a:r>
-              <a:rPr lang="pl-PL" sz="1100" b="1" dirty="0">
-                <a:solidFill>
-                  <a:srgbClr val="000000"/>
-                </a:solidFill>
-                <a:latin typeface="Consolas"/>
-              </a:rPr>
-              <a:t>;</a:t>
-            </a:r>
-          </a:p>
-          <a:p>
-            <a:r>
-              <a:rPr lang="pl-PL" sz="1100" dirty="0" smtClean="0">
-                <a:solidFill>
-                  <a:srgbClr val="000000"/>
-                </a:solidFill>
-                <a:latin typeface="Consolas"/>
-              </a:rPr>
-              <a:t>          </a:t>
-            </a:r>
-            <a:r>
-              <a:rPr lang="pl-PL" sz="1100" dirty="0">
-                <a:solidFill>
-                  <a:srgbClr val="000000"/>
-                </a:solidFill>
-                <a:latin typeface="Consolas"/>
-              </a:rPr>
-              <a:t>} </a:t>
-            </a:r>
-            <a:r>
-              <a:rPr lang="pl-PL" sz="1100" b="1" dirty="0" err="1">
-                <a:solidFill>
-                  <a:srgbClr val="7F0055"/>
-                </a:solidFill>
-                <a:latin typeface="Consolas"/>
-              </a:rPr>
-              <a:t>catch</a:t>
-            </a:r>
-            <a:r>
-              <a:rPr lang="pl-PL" sz="1100" b="1" dirty="0">
-                <a:solidFill>
-                  <a:srgbClr val="000000"/>
-                </a:solidFill>
-                <a:latin typeface="Consolas"/>
-              </a:rPr>
-              <a:t> (</a:t>
-            </a:r>
-            <a:r>
-              <a:rPr lang="pl-PL" sz="1100" b="1" dirty="0" err="1">
-                <a:solidFill>
-                  <a:srgbClr val="000000"/>
-                </a:solidFill>
-                <a:latin typeface="Consolas"/>
-              </a:rPr>
-              <a:t>OutOfMemoryError</a:t>
-            </a:r>
-            <a:r>
-              <a:rPr lang="pl-PL" sz="1100" b="1" dirty="0">
-                <a:solidFill>
-                  <a:srgbClr val="000000"/>
-                </a:solidFill>
-                <a:latin typeface="Consolas"/>
-              </a:rPr>
-              <a:t> </a:t>
-            </a:r>
-            <a:r>
-              <a:rPr lang="pl-PL" sz="1100" b="1" dirty="0" err="1">
-                <a:solidFill>
-                  <a:srgbClr val="6A3E3E"/>
-                </a:solidFill>
-                <a:latin typeface="Consolas"/>
-              </a:rPr>
-              <a:t>outOfMemoryFromMediumTargetServerMachineInstance</a:t>
-            </a:r>
-            <a:r>
-              <a:rPr lang="pl-PL" sz="1100" b="1" dirty="0">
-                <a:solidFill>
-                  <a:srgbClr val="000000"/>
-                </a:solidFill>
-                <a:latin typeface="Consolas"/>
-              </a:rPr>
-              <a:t>) {</a:t>
-            </a:r>
-          </a:p>
-          <a:p>
-            <a:r>
-              <a:rPr lang="pl-PL" sz="1100" dirty="0" smtClean="0">
-                <a:solidFill>
-                  <a:srgbClr val="000000"/>
-                </a:solidFill>
-                <a:latin typeface="Consolas"/>
-              </a:rPr>
-              <a:t>              </a:t>
-            </a:r>
-            <a:endParaRPr lang="pl-PL" sz="1100" dirty="0">
-              <a:solidFill>
-                <a:srgbClr val="000000"/>
-              </a:solidFill>
-              <a:latin typeface="Consolas"/>
-            </a:endParaRPr>
-          </a:p>
-          <a:p>
-            <a:r>
-              <a:rPr lang="en-US" sz="1100" dirty="0" smtClean="0">
-                <a:solidFill>
-                  <a:srgbClr val="000000"/>
-                </a:solidFill>
-                <a:latin typeface="Consolas"/>
-              </a:rPr>
-              <a:t>              </a:t>
-            </a:r>
-            <a:r>
-              <a:rPr lang="en-US" sz="1100" dirty="0" err="1">
-                <a:solidFill>
-                  <a:srgbClr val="000000"/>
-                </a:solidFill>
-                <a:latin typeface="Consolas"/>
-              </a:rPr>
-              <a:t>FallbackSetupParams</a:t>
-            </a:r>
-            <a:r>
-              <a:rPr lang="en-US" sz="1100" dirty="0">
-                <a:solidFill>
-                  <a:srgbClr val="000000"/>
-                </a:solidFill>
-                <a:latin typeface="Consolas"/>
-              </a:rPr>
-              <a:t> </a:t>
-            </a:r>
-            <a:r>
-              <a:rPr lang="en-US" sz="1100" dirty="0" err="1">
-                <a:solidFill>
-                  <a:srgbClr val="6A3E3E"/>
-                </a:solidFill>
-                <a:latin typeface="Consolas"/>
-              </a:rPr>
-              <a:t>fsp</a:t>
-            </a:r>
-            <a:r>
-              <a:rPr lang="en-US" sz="1100" dirty="0">
-                <a:solidFill>
-                  <a:srgbClr val="000000"/>
-                </a:solidFill>
-                <a:latin typeface="Consolas"/>
-              </a:rPr>
-              <a:t> = </a:t>
-            </a:r>
-            <a:r>
-              <a:rPr lang="en-US" sz="1100" b="1" dirty="0">
-                <a:solidFill>
-                  <a:srgbClr val="7F0055"/>
-                </a:solidFill>
-                <a:latin typeface="Consolas"/>
-              </a:rPr>
-              <a:t>new</a:t>
-            </a:r>
-            <a:r>
-              <a:rPr lang="en-US" sz="1100" b="1" dirty="0">
-                <a:solidFill>
-                  <a:srgbClr val="000000"/>
-                </a:solidFill>
-                <a:latin typeface="Consolas"/>
-              </a:rPr>
-              <a:t> </a:t>
-            </a:r>
-            <a:r>
-              <a:rPr lang="en-US" sz="1100" b="1" dirty="0" err="1">
-                <a:solidFill>
-                  <a:srgbClr val="000000"/>
-                </a:solidFill>
-                <a:latin typeface="Consolas"/>
-              </a:rPr>
-              <a:t>FallbackSetupParams</a:t>
-            </a:r>
-            <a:r>
-              <a:rPr lang="en-US" sz="1100" b="1" dirty="0">
-                <a:solidFill>
-                  <a:srgbClr val="000000"/>
-                </a:solidFill>
-                <a:latin typeface="Consolas"/>
-              </a:rPr>
-              <a:t>().</a:t>
-            </a:r>
-            <a:r>
-              <a:rPr lang="en-US" sz="1100" b="1" dirty="0" err="1">
-                <a:solidFill>
-                  <a:srgbClr val="000000"/>
-                </a:solidFill>
-                <a:latin typeface="Consolas"/>
-              </a:rPr>
-              <a:t>withLabel</a:t>
-            </a:r>
-            <a:r>
-              <a:rPr lang="en-US" sz="1100" b="1" dirty="0">
-                <a:solidFill>
-                  <a:srgbClr val="000000"/>
-                </a:solidFill>
-                <a:latin typeface="Consolas"/>
-              </a:rPr>
-              <a:t>(</a:t>
-            </a:r>
-            <a:r>
-              <a:rPr lang="en-US" sz="1100" b="1" dirty="0">
-                <a:solidFill>
-                  <a:srgbClr val="2A00FF"/>
-                </a:solidFill>
-                <a:latin typeface="Consolas"/>
-              </a:rPr>
-              <a:t>"..."</a:t>
-            </a:r>
-            <a:r>
-              <a:rPr lang="en-US" sz="1100" b="1" dirty="0">
-                <a:solidFill>
-                  <a:srgbClr val="000000"/>
-                </a:solidFill>
-                <a:latin typeface="Consolas"/>
-              </a:rPr>
-              <a:t>);</a:t>
-            </a:r>
-          </a:p>
-          <a:p>
-            <a:r>
-              <a:rPr lang="pl-PL" sz="1100" dirty="0" smtClean="0">
-                <a:solidFill>
-                  <a:srgbClr val="000000"/>
-                </a:solidFill>
-                <a:latin typeface="Consolas"/>
-              </a:rPr>
-              <a:t>              </a:t>
-            </a:r>
-            <a:r>
-              <a:rPr lang="pl-PL" sz="1100" dirty="0" err="1">
-                <a:solidFill>
-                  <a:srgbClr val="000000"/>
-                </a:solidFill>
-                <a:latin typeface="Consolas"/>
-              </a:rPr>
-              <a:t>FallbackServerInstance</a:t>
-            </a:r>
-            <a:r>
-              <a:rPr lang="pl-PL" sz="1100" dirty="0">
-                <a:solidFill>
-                  <a:srgbClr val="000000"/>
-                </a:solidFill>
-                <a:latin typeface="Consolas"/>
-              </a:rPr>
-              <a:t> </a:t>
-            </a:r>
-            <a:r>
-              <a:rPr lang="pl-PL" sz="1100" dirty="0" err="1">
-                <a:solidFill>
-                  <a:srgbClr val="6A3E3E"/>
-                </a:solidFill>
-                <a:latin typeface="Consolas"/>
-              </a:rPr>
-              <a:t>newLargestFallbackInstance</a:t>
-            </a:r>
-            <a:r>
-              <a:rPr lang="pl-PL" sz="1100" dirty="0">
-                <a:solidFill>
-                  <a:srgbClr val="000000"/>
-                </a:solidFill>
-                <a:latin typeface="Consolas"/>
-              </a:rPr>
-              <a:t> = </a:t>
-            </a:r>
-            <a:r>
-              <a:rPr lang="pl-PL" sz="1100" dirty="0" err="1">
-                <a:solidFill>
-                  <a:srgbClr val="0000C0"/>
-                </a:solidFill>
-                <a:latin typeface="Consolas"/>
-              </a:rPr>
-              <a:t>fsib</a:t>
-            </a:r>
-            <a:r>
-              <a:rPr lang="pl-PL" sz="1100" dirty="0" err="1">
-                <a:solidFill>
-                  <a:srgbClr val="000000"/>
-                </a:solidFill>
-                <a:latin typeface="Consolas"/>
-              </a:rPr>
-              <a:t>.build</a:t>
-            </a:r>
-            <a:r>
-              <a:rPr lang="pl-PL" sz="1100" dirty="0">
-                <a:solidFill>
-                  <a:srgbClr val="000000"/>
-                </a:solidFill>
-                <a:latin typeface="Consolas"/>
-              </a:rPr>
-              <a:t>(</a:t>
-            </a:r>
-            <a:r>
-              <a:rPr lang="pl-PL" sz="1100" dirty="0" err="1">
-                <a:solidFill>
-                  <a:srgbClr val="6A3E3E"/>
-                </a:solidFill>
-                <a:latin typeface="Consolas"/>
-              </a:rPr>
-              <a:t>fsp</a:t>
-            </a:r>
-            <a:r>
-              <a:rPr lang="pl-PL" sz="1100" dirty="0">
-                <a:solidFill>
-                  <a:srgbClr val="000000"/>
-                </a:solidFill>
-                <a:latin typeface="Consolas"/>
-              </a:rPr>
-              <a:t>);</a:t>
-            </a:r>
-          </a:p>
-          <a:p>
-            <a:r>
-              <a:rPr lang="pl-PL" sz="1100" dirty="0" smtClean="0">
-                <a:solidFill>
-                  <a:srgbClr val="000000"/>
-                </a:solidFill>
-                <a:latin typeface="Consolas"/>
-              </a:rPr>
-              <a:t>              </a:t>
-            </a:r>
-            <a:r>
-              <a:rPr lang="pl-PL" sz="1100" dirty="0">
-                <a:solidFill>
-                  <a:srgbClr val="000000"/>
-                </a:solidFill>
-                <a:latin typeface="Consolas"/>
-              </a:rPr>
-              <a:t>String </a:t>
-            </a:r>
-            <a:r>
-              <a:rPr lang="pl-PL" sz="1100" dirty="0" err="1">
-                <a:solidFill>
-                  <a:srgbClr val="6A3E3E"/>
-                </a:solidFill>
-                <a:latin typeface="Consolas"/>
-              </a:rPr>
-              <a:t>newLargestServiceUrl</a:t>
-            </a:r>
-            <a:r>
-              <a:rPr lang="pl-PL" sz="1100" dirty="0">
-                <a:solidFill>
-                  <a:srgbClr val="000000"/>
-                </a:solidFill>
-                <a:latin typeface="Consolas"/>
-              </a:rPr>
-              <a:t> = </a:t>
-            </a:r>
-            <a:r>
-              <a:rPr lang="pl-PL" sz="1100" dirty="0" err="1">
-                <a:solidFill>
-                  <a:srgbClr val="000000"/>
-                </a:solidFill>
-                <a:latin typeface="Consolas"/>
-              </a:rPr>
-              <a:t>buildServiceUrl</a:t>
-            </a:r>
-            <a:r>
-              <a:rPr lang="pl-PL" sz="1100" dirty="0">
-                <a:solidFill>
-                  <a:srgbClr val="000000"/>
-                </a:solidFill>
-                <a:latin typeface="Consolas"/>
-              </a:rPr>
-              <a:t>(</a:t>
-            </a:r>
-            <a:r>
-              <a:rPr lang="pl-PL" sz="1100" dirty="0" err="1">
-                <a:solidFill>
-                  <a:srgbClr val="6A3E3E"/>
-                </a:solidFill>
-                <a:latin typeface="Consolas"/>
-              </a:rPr>
-              <a:t>newLargestFallbackInstance</a:t>
-            </a:r>
-            <a:r>
-              <a:rPr lang="pl-PL" sz="1100" dirty="0" err="1">
-                <a:solidFill>
-                  <a:srgbClr val="000000"/>
-                </a:solidFill>
-                <a:latin typeface="Consolas"/>
-              </a:rPr>
-              <a:t>.getPublicIpAddress</a:t>
-            </a:r>
-            <a:r>
-              <a:rPr lang="pl-PL" sz="1100" dirty="0">
-                <a:solidFill>
-                  <a:srgbClr val="000000"/>
-                </a:solidFill>
-                <a:latin typeface="Consolas"/>
-              </a:rPr>
-              <a:t>());</a:t>
-            </a:r>
-          </a:p>
-          <a:p>
-            <a:r>
-              <a:rPr lang="pl-PL" sz="1100" dirty="0" smtClean="0">
-                <a:solidFill>
-                  <a:srgbClr val="000000"/>
-                </a:solidFill>
-                <a:latin typeface="Consolas"/>
-              </a:rPr>
-              <a:t>              </a:t>
-            </a:r>
-            <a:r>
-              <a:rPr lang="pl-PL" sz="1100" dirty="0" err="1">
-                <a:solidFill>
-                  <a:srgbClr val="000000"/>
-                </a:solidFill>
-                <a:latin typeface="Consolas"/>
-              </a:rPr>
-              <a:t>DigestResponse</a:t>
-            </a:r>
-            <a:r>
-              <a:rPr lang="pl-PL" sz="1100" dirty="0">
-                <a:solidFill>
-                  <a:srgbClr val="000000"/>
-                </a:solidFill>
-                <a:latin typeface="Consolas"/>
-              </a:rPr>
-              <a:t> </a:t>
-            </a:r>
-            <a:r>
-              <a:rPr lang="pl-PL" sz="1100" dirty="0" err="1">
-                <a:solidFill>
-                  <a:srgbClr val="6A3E3E"/>
-                </a:solidFill>
-                <a:latin typeface="Consolas"/>
-              </a:rPr>
-              <a:t>response</a:t>
-            </a:r>
-            <a:r>
-              <a:rPr lang="pl-PL" sz="1100" dirty="0">
-                <a:solidFill>
-                  <a:srgbClr val="000000"/>
-                </a:solidFill>
-                <a:latin typeface="Consolas"/>
-              </a:rPr>
-              <a:t> = </a:t>
-            </a:r>
-            <a:r>
-              <a:rPr lang="pl-PL" sz="1100" dirty="0" err="1">
-                <a:solidFill>
-                  <a:srgbClr val="0000C0"/>
-                </a:solidFill>
-                <a:latin typeface="Consolas"/>
-              </a:rPr>
-              <a:t>sender</a:t>
-            </a:r>
-            <a:r>
-              <a:rPr lang="pl-PL" sz="1100" dirty="0" err="1">
-                <a:solidFill>
-                  <a:srgbClr val="000000"/>
-                </a:solidFill>
-                <a:latin typeface="Consolas"/>
-              </a:rPr>
-              <a:t>.trySending</a:t>
-            </a:r>
-            <a:r>
-              <a:rPr lang="pl-PL" sz="1100" dirty="0">
-                <a:solidFill>
-                  <a:srgbClr val="000000"/>
-                </a:solidFill>
-                <a:latin typeface="Consolas"/>
-              </a:rPr>
-              <a:t>(</a:t>
-            </a:r>
-            <a:r>
-              <a:rPr lang="pl-PL" sz="1100" dirty="0" err="1">
-                <a:solidFill>
-                  <a:srgbClr val="6A3E3E"/>
-                </a:solidFill>
-                <a:latin typeface="Consolas"/>
-              </a:rPr>
-              <a:t>newLargestServiceUrl</a:t>
-            </a:r>
-            <a:r>
-              <a:rPr lang="pl-PL" sz="1100" dirty="0">
-                <a:solidFill>
-                  <a:srgbClr val="000000"/>
-                </a:solidFill>
-                <a:latin typeface="Consolas"/>
-              </a:rPr>
-              <a:t>, </a:t>
-            </a:r>
-            <a:r>
-              <a:rPr lang="pl-PL" sz="1100" dirty="0" err="1">
-                <a:solidFill>
-                  <a:srgbClr val="0000C0"/>
-                </a:solidFill>
-                <a:latin typeface="Consolas"/>
-              </a:rPr>
-              <a:t>digestRequest</a:t>
-            </a:r>
-            <a:r>
-              <a:rPr lang="pl-PL" sz="1100" dirty="0">
-                <a:solidFill>
-                  <a:srgbClr val="000000"/>
-                </a:solidFill>
-                <a:latin typeface="Consolas"/>
-              </a:rPr>
-              <a:t>);</a:t>
-            </a:r>
-          </a:p>
-          <a:p>
-            <a:r>
-              <a:rPr lang="pl-PL" sz="1100" dirty="0" smtClean="0">
-                <a:solidFill>
-                  <a:srgbClr val="000000"/>
-                </a:solidFill>
-                <a:latin typeface="Consolas"/>
-              </a:rPr>
-              <a:t>              </a:t>
-            </a:r>
-            <a:r>
-              <a:rPr lang="pl-PL" sz="1100" dirty="0" err="1">
-                <a:solidFill>
-                  <a:srgbClr val="6A3E3E"/>
-                </a:solidFill>
-                <a:latin typeface="Consolas"/>
-              </a:rPr>
-              <a:t>newLargestFallbackInstance</a:t>
-            </a:r>
-            <a:r>
-              <a:rPr lang="pl-PL" sz="1100" dirty="0" err="1">
-                <a:solidFill>
-                  <a:srgbClr val="000000"/>
-                </a:solidFill>
-                <a:latin typeface="Consolas"/>
-              </a:rPr>
-              <a:t>.scheduleCleanup</a:t>
-            </a:r>
-            <a:r>
-              <a:rPr lang="pl-PL" sz="1100" dirty="0">
-                <a:solidFill>
-                  <a:srgbClr val="000000"/>
-                </a:solidFill>
-                <a:latin typeface="Consolas"/>
-              </a:rPr>
-              <a:t>(55, </a:t>
-            </a:r>
-            <a:r>
-              <a:rPr lang="pl-PL" sz="1100" dirty="0" err="1">
-                <a:solidFill>
-                  <a:srgbClr val="000000"/>
-                </a:solidFill>
-                <a:latin typeface="Consolas"/>
-              </a:rPr>
-              <a:t>TimeUnit.</a:t>
-            </a:r>
-            <a:r>
-              <a:rPr lang="pl-PL" sz="1100" b="1" i="1" dirty="0" err="1">
-                <a:solidFill>
-                  <a:srgbClr val="0000C0"/>
-                </a:solidFill>
-                <a:latin typeface="Consolas"/>
-              </a:rPr>
-              <a:t>MINUTES</a:t>
-            </a:r>
-            <a:r>
-              <a:rPr lang="pl-PL" sz="1100" b="1" i="1" dirty="0">
-                <a:solidFill>
-                  <a:srgbClr val="000000"/>
-                </a:solidFill>
-                <a:latin typeface="Consolas"/>
-              </a:rPr>
-              <a:t>);</a:t>
-            </a:r>
-          </a:p>
-          <a:p>
-            <a:r>
-              <a:rPr lang="pl-PL" sz="1100" dirty="0" smtClean="0">
-                <a:solidFill>
-                  <a:srgbClr val="000000"/>
-                </a:solidFill>
-                <a:latin typeface="Consolas"/>
-              </a:rPr>
-              <a:t>              </a:t>
-            </a:r>
-            <a:r>
-              <a:rPr lang="pl-PL" sz="1100" b="1" dirty="0">
-                <a:solidFill>
-                  <a:srgbClr val="7F0055"/>
-                </a:solidFill>
-                <a:latin typeface="Consolas"/>
-              </a:rPr>
-              <a:t>return</a:t>
-            </a:r>
-            <a:r>
-              <a:rPr lang="pl-PL" sz="1100" b="1" dirty="0">
-                <a:solidFill>
-                  <a:srgbClr val="000000"/>
-                </a:solidFill>
-                <a:latin typeface="Consolas"/>
-              </a:rPr>
-              <a:t> </a:t>
-            </a:r>
-            <a:r>
-              <a:rPr lang="pl-PL" sz="1100" b="1" dirty="0" err="1">
-                <a:solidFill>
-                  <a:srgbClr val="6A3E3E"/>
-                </a:solidFill>
-                <a:latin typeface="Consolas"/>
-              </a:rPr>
-              <a:t>response</a:t>
-            </a:r>
-            <a:r>
-              <a:rPr lang="pl-PL" sz="1100" b="1" dirty="0">
-                <a:solidFill>
-                  <a:srgbClr val="000000"/>
-                </a:solidFill>
-                <a:latin typeface="Consolas"/>
-              </a:rPr>
-              <a:t>;</a:t>
-            </a:r>
-          </a:p>
-          <a:p>
-            <a:r>
-              <a:rPr lang="pl-PL" sz="1100" dirty="0" smtClean="0">
-                <a:solidFill>
-                  <a:srgbClr val="000000"/>
-                </a:solidFill>
-                <a:latin typeface="Consolas"/>
-              </a:rPr>
-              <a:t>          </a:t>
-            </a:r>
-            <a:r>
-              <a:rPr lang="pl-PL" sz="1100" dirty="0">
-                <a:solidFill>
-                  <a:srgbClr val="000000"/>
-                </a:solidFill>
-                <a:latin typeface="Consolas"/>
-              </a:rPr>
-              <a:t>}</a:t>
-            </a:r>
-          </a:p>
-          <a:p>
-            <a:r>
-              <a:rPr lang="pl-PL" sz="1100" dirty="0" smtClean="0">
-                <a:solidFill>
-                  <a:srgbClr val="000000"/>
-                </a:solidFill>
-                <a:latin typeface="Consolas"/>
-              </a:rPr>
-              <a:t>      </a:t>
-            </a:r>
-            <a:r>
-              <a:rPr lang="pl-PL" sz="1100" dirty="0">
-                <a:solidFill>
-                  <a:srgbClr val="000000"/>
-                </a:solidFill>
-                <a:latin typeface="Consolas"/>
-              </a:rPr>
-              <a:t>}</a:t>
-            </a:r>
-          </a:p>
-          <a:p>
-            <a:r>
-              <a:rPr lang="pl-PL" sz="1100" dirty="0" smtClean="0">
-                <a:solidFill>
-                  <a:srgbClr val="000000"/>
-                </a:solidFill>
-                <a:latin typeface="Consolas"/>
-              </a:rPr>
-              <a:t>      </a:t>
-            </a:r>
-            <a:r>
-              <a:rPr lang="pl-PL" sz="1100" b="1" dirty="0">
-                <a:solidFill>
-                  <a:srgbClr val="7F0055"/>
-                </a:solidFill>
-                <a:latin typeface="Consolas"/>
-              </a:rPr>
-              <a:t>return</a:t>
-            </a:r>
-            <a:r>
-              <a:rPr lang="pl-PL" sz="1100" b="1" dirty="0">
-                <a:solidFill>
-                  <a:srgbClr val="000000"/>
-                </a:solidFill>
-                <a:latin typeface="Consolas"/>
-              </a:rPr>
-              <a:t> </a:t>
-            </a:r>
-            <a:r>
-              <a:rPr lang="pl-PL" sz="1100" b="1" dirty="0" err="1">
-                <a:solidFill>
-                  <a:srgbClr val="0000C0"/>
-                </a:solidFill>
-                <a:latin typeface="Consolas"/>
-              </a:rPr>
-              <a:t>response</a:t>
-            </a:r>
-            <a:r>
-              <a:rPr lang="pl-PL" sz="1100" b="1" dirty="0">
-                <a:solidFill>
-                  <a:srgbClr val="000000"/>
-                </a:solidFill>
-                <a:latin typeface="Consolas"/>
-              </a:rPr>
-              <a:t>;</a:t>
-            </a:r>
-            <a:endParaRPr lang="pl-PL" sz="1100" dirty="0"/>
-          </a:p>
-        </p:txBody>
-      </p:sp>
-      <p:pic>
-        <p:nvPicPr>
-          <p:cNvPr id="5" name="Picture 2"/>
-          <p:cNvPicPr>
-            <a:picLocks noChangeAspect="1" noChangeArrowheads="1"/>
-          </p:cNvPicPr>
-          <p:nvPr/>
-        </p:nvPicPr>
-        <p:blipFill>
-          <a:blip r:embed="rId2">
-            <a:extLst>
-              <a:ext uri="{28A0092B-C50C-407E-A947-70E740481C1C}">
-                <a14:useLocalDpi xmlns:a14="http://schemas.microsoft.com/office/drawing/2010/main" val="0"/>
-              </a:ext>
-            </a:extLst>
-          </a:blip>
-          <a:srcRect/>
-          <a:stretch>
-            <a:fillRect/>
-          </a:stretch>
-        </p:blipFill>
-        <p:spPr bwMode="auto">
-          <a:xfrm>
-            <a:off x="89173" y="6263811"/>
-            <a:ext cx="2114209" cy="549565"/>
-          </a:xfrm>
-          <a:prstGeom prst="rect">
-            <a:avLst/>
-          </a:prstGeom>
-          <a:noFill/>
-          <a:ln>
-            <a:noFill/>
-          </a:ln>
-          <a:effectLst>
-            <a:outerShdw blurRad="50800" dist="50800" dir="5400000" algn="ctr" rotWithShape="0">
-              <a:srgbClr val="000000">
-                <a:alpha val="3000"/>
-              </a:srgbClr>
-            </a:outerShdw>
-          </a:effectLst>
-          <a:extLst>
-            <a:ext uri="{909E8E84-426E-40DD-AFC4-6F175D3DCCD1}">
-              <a14:hiddenFill xmlns:a14="http://schemas.microsoft.com/office/drawing/2010/main">
-                <a:solidFill>
-                  <a:schemeClr val="accent1"/>
-                </a:solidFill>
-              </a14:hiddenFill>
-            </a:ext>
-            <a:ext uri="{91240B29-F687-4F45-9708-019B960494DF}">
-              <a14:hiddenLine xmlns:a14="http://schemas.microsoft.com/office/drawing/2010/main" w="9525">
-                <a:solidFill>
-                  <a:schemeClr val="tx1"/>
-                </a:solidFill>
-                <a:miter lim="800000"/>
-                <a:headEnd/>
-                <a:tailEnd/>
-              </a14:hiddenLine>
-            </a:ext>
-          </a:extLst>
-        </p:spPr>
-      </p:pic>
-    </p:spTree>
-    <p:extLst>
-      <p:ext uri="{BB962C8B-B14F-4D97-AF65-F5344CB8AC3E}">
-        <p14:creationId xmlns:p14="http://schemas.microsoft.com/office/powerpoint/2010/main" val="2796664311"/>
-      </p:ext>
-    </p:extLst>
-  </p:cSld>
-  <p:clrMapOvr>
-    <a:masterClrMapping/>
-  </p:clrMapOvr>
-  <p:timing>
-    <p:tnLst>
-      <p:par>
-        <p:cTn id="1" dur="indefinite" restart="never" nodeType="tmRoot"/>
-      </p:par>
-    </p:tnLst>
-  </p:timing>
-</p:sld>
-</file>
-
-<file path=ppt/slides/slide48.xml><?xml version="1.0" encoding="utf-8"?>
-<p:sld xmlns:a="http://schemas.openxmlformats.org/drawingml/2006/main" xmlns:r="http://schemas.openxmlformats.org/officeDocument/2006/relationships" xmlns:p="http://schemas.openxmlformats.org/presentationml/2006/main">
-  <p:cSld>
-    <p:spTree>
-      <p:nvGrpSpPr>
-        <p:cNvPr id="1" name=""/>
-        <p:cNvGrpSpPr/>
-        <p:nvPr/>
-      </p:nvGrpSpPr>
-      <p:grpSpPr>
-        <a:xfrm>
-          <a:off x="0" y="0"/>
-          <a:ext cx="0" cy="0"/>
-          <a:chOff x="0" y="0"/>
-          <a:chExt cx="0" cy="0"/>
-        </a:xfrm>
-      </p:grpSpPr>
-      <p:sp>
-        <p:nvSpPr>
-          <p:cNvPr id="2" name="Title 1"/>
-          <p:cNvSpPr>
-            <a:spLocks noGrp="1"/>
-          </p:cNvSpPr>
-          <p:nvPr>
-            <p:ph type="title"/>
-          </p:nvPr>
-        </p:nvSpPr>
-        <p:spPr/>
-        <p:txBody>
-          <a:bodyPr>
-            <a:normAutofit/>
-          </a:bodyPr>
-          <a:lstStyle/>
-          <a:p>
-            <a:r>
-              <a:rPr lang="en-US" sz="3600" dirty="0"/>
-              <a:t>Exercise 4. </a:t>
-            </a:r>
-            <a:r>
-              <a:rPr lang="en-US" sz="3600" dirty="0" smtClean="0"/>
-              <a:t>More complex flow</a:t>
-            </a:r>
-            <a:endParaRPr lang="pl-PL" sz="3600" dirty="0"/>
-          </a:p>
-        </p:txBody>
-      </p:sp>
-      <p:pic>
-        <p:nvPicPr>
-          <p:cNvPr id="1026" name="Picture 2" descr="C:\visio\fallback.bmp"/>
-          <p:cNvPicPr>
-            <a:picLocks noChangeAspect="1" noChangeArrowheads="1"/>
-          </p:cNvPicPr>
-          <p:nvPr/>
-        </p:nvPicPr>
-        <p:blipFill>
-          <a:blip r:embed="rId2">
-            <a:extLst>
-              <a:ext uri="{28A0092B-C50C-407E-A947-70E740481C1C}">
-                <a14:useLocalDpi xmlns:a14="http://schemas.microsoft.com/office/drawing/2010/main" val="0"/>
-              </a:ext>
-            </a:extLst>
-          </a:blip>
-          <a:srcRect/>
-          <a:stretch>
-            <a:fillRect/>
-          </a:stretch>
-        </p:blipFill>
-        <p:spPr bwMode="auto">
-          <a:xfrm>
-            <a:off x="251520" y="1628800"/>
-            <a:ext cx="8640960" cy="4447192"/>
-          </a:xfrm>
-          <a:prstGeom prst="rect">
-            <a:avLst/>
-          </a:prstGeom>
-          <a:noFill/>
-          <a:extLst>
-            <a:ext uri="{909E8E84-426E-40DD-AFC4-6F175D3DCCD1}">
-              <a14:hiddenFill xmlns:a14="http://schemas.microsoft.com/office/drawing/2010/main">
-                <a:solidFill>
-                  <a:srgbClr val="FFFFFF"/>
-                </a:solidFill>
-              </a14:hiddenFill>
-            </a:ext>
-          </a:extLst>
-        </p:spPr>
-      </p:pic>
-      <p:pic>
-        <p:nvPicPr>
-          <p:cNvPr id="5" name="Picture 2"/>
-          <p:cNvPicPr>
-            <a:picLocks noChangeAspect="1" noChangeArrowheads="1"/>
-          </p:cNvPicPr>
-          <p:nvPr/>
-        </p:nvPicPr>
-        <p:blipFill>
-          <a:blip r:embed="rId3">
-            <a:extLst>
-              <a:ext uri="{28A0092B-C50C-407E-A947-70E740481C1C}">
-                <a14:useLocalDpi xmlns:a14="http://schemas.microsoft.com/office/drawing/2010/main" val="0"/>
-              </a:ext>
-            </a:extLst>
-          </a:blip>
-          <a:srcRect/>
-          <a:stretch>
-            <a:fillRect/>
-          </a:stretch>
-        </p:blipFill>
-        <p:spPr bwMode="auto">
-          <a:xfrm>
-            <a:off x="89173" y="6263811"/>
-            <a:ext cx="2114209" cy="549565"/>
-          </a:xfrm>
-          <a:prstGeom prst="rect">
-            <a:avLst/>
-          </a:prstGeom>
-          <a:noFill/>
-          <a:ln>
-            <a:noFill/>
-          </a:ln>
-          <a:effectLst>
-            <a:outerShdw blurRad="50800" dist="50800" dir="5400000" algn="ctr" rotWithShape="0">
-              <a:srgbClr val="000000">
-                <a:alpha val="3000"/>
-              </a:srgbClr>
-            </a:outerShdw>
-          </a:effectLst>
-          <a:extLst>
-            <a:ext uri="{909E8E84-426E-40DD-AFC4-6F175D3DCCD1}">
-              <a14:hiddenFill xmlns:a14="http://schemas.microsoft.com/office/drawing/2010/main">
-                <a:solidFill>
-                  <a:schemeClr val="accent1"/>
-                </a:solidFill>
-              </a14:hiddenFill>
-            </a:ext>
-            <a:ext uri="{91240B29-F687-4F45-9708-019B960494DF}">
-              <a14:hiddenLine xmlns:a14="http://schemas.microsoft.com/office/drawing/2010/main" w="9525">
-                <a:solidFill>
-                  <a:schemeClr val="tx1"/>
-                </a:solidFill>
-                <a:miter lim="800000"/>
-                <a:headEnd/>
-                <a:tailEnd/>
-              </a14:hiddenLine>
-            </a:ext>
-          </a:extLst>
-        </p:spPr>
-      </p:pic>
-    </p:spTree>
-    <p:extLst>
-      <p:ext uri="{BB962C8B-B14F-4D97-AF65-F5344CB8AC3E}">
-        <p14:creationId xmlns:p14="http://schemas.microsoft.com/office/powerpoint/2010/main" val="3654672351"/>
-      </p:ext>
-    </p:extLst>
-  </p:cSld>
-  <p:clrMapOvr>
-    <a:masterClrMapping/>
-  </p:clrMapOvr>
-  <p:timing>
-    <p:tnLst>
-      <p:par>
-        <p:cTn id="1" dur="indefinite" restart="never" nodeType="tmRoot"/>
-      </p:par>
-    </p:tnLst>
-  </p:timing>
-</p:sld>
-</file>
-
-<file path=ppt/slides/slide49.xml><?xml version="1.0" encoding="utf-8"?>
-<p:sld xmlns:a="http://schemas.openxmlformats.org/drawingml/2006/main" xmlns:r="http://schemas.openxmlformats.org/officeDocument/2006/relationships" xmlns:p="http://schemas.openxmlformats.org/presentationml/2006/main">
-  <p:cSld>
-    <p:spTree>
-      <p:nvGrpSpPr>
-        <p:cNvPr id="1" name=""/>
-        <p:cNvGrpSpPr/>
-        <p:nvPr/>
-      </p:nvGrpSpPr>
-      <p:grpSpPr>
-        <a:xfrm>
-          <a:off x="0" y="0"/>
-          <a:ext cx="0" cy="0"/>
-          <a:chOff x="0" y="0"/>
-          <a:chExt cx="0" cy="0"/>
-        </a:xfrm>
-      </p:grpSpPr>
-      <p:sp>
-        <p:nvSpPr>
-          <p:cNvPr id="2" name="Title 1"/>
-          <p:cNvSpPr>
-            <a:spLocks noGrp="1"/>
-          </p:cNvSpPr>
-          <p:nvPr>
-            <p:ph type="title"/>
-          </p:nvPr>
-        </p:nvSpPr>
-        <p:spPr/>
-        <p:txBody>
-          <a:bodyPr/>
-          <a:lstStyle/>
-          <a:p>
-            <a:r>
-              <a:rPr lang="en-US" sz="3600" dirty="0" smtClean="0"/>
-              <a:t>Challenges</a:t>
-            </a:r>
-            <a:endParaRPr lang="pl-PL" dirty="0"/>
-          </a:p>
-        </p:txBody>
-      </p:sp>
-      <p:sp>
-        <p:nvSpPr>
-          <p:cNvPr id="3" name="Content Placeholder 2"/>
-          <p:cNvSpPr>
-            <a:spLocks noGrp="1"/>
-          </p:cNvSpPr>
-          <p:nvPr>
-            <p:ph idx="1"/>
-          </p:nvPr>
-        </p:nvSpPr>
-        <p:spPr>
-          <a:xfrm>
-            <a:off x="457200" y="1600200"/>
-            <a:ext cx="8229600" cy="4997152"/>
-          </a:xfrm>
-        </p:spPr>
-        <p:txBody>
-          <a:bodyPr>
-            <a:normAutofit fontScale="85000" lnSpcReduction="20000"/>
-          </a:bodyPr>
-          <a:lstStyle/>
-          <a:p>
-            <a:r>
-              <a:rPr lang="en-US" sz="2800" dirty="0" smtClean="0"/>
-              <a:t>Scaling down is extremely tricky…</a:t>
-            </a:r>
-          </a:p>
-          <a:p>
-            <a:endParaRPr lang="en-US" sz="2800" dirty="0" smtClean="0"/>
-          </a:p>
-          <a:p>
-            <a:endParaRPr lang="en-US" sz="2800" dirty="0"/>
-          </a:p>
-          <a:p>
-            <a:endParaRPr lang="en-US" sz="2800" dirty="0" smtClean="0"/>
-          </a:p>
-          <a:p>
-            <a:endParaRPr lang="en-US" sz="2800" dirty="0"/>
-          </a:p>
-          <a:p>
-            <a:endParaRPr lang="en-US" sz="2800" dirty="0" smtClean="0"/>
-          </a:p>
-          <a:p>
-            <a:endParaRPr lang="en-US" sz="2800" dirty="0"/>
-          </a:p>
-          <a:p>
-            <a:endParaRPr lang="en-US" sz="2800" dirty="0" smtClean="0"/>
-          </a:p>
-          <a:p>
-            <a:endParaRPr lang="en-US" sz="2800" dirty="0" smtClean="0"/>
-          </a:p>
-          <a:p>
-            <a:r>
-              <a:rPr lang="en-US" sz="2800" dirty="0" smtClean="0"/>
-              <a:t>Our approach: Assassin and Seppuku</a:t>
-            </a:r>
-          </a:p>
-          <a:p>
-            <a:r>
-              <a:rPr lang="en-US" sz="2800" dirty="0" smtClean="0"/>
-              <a:t>Think of a “machine” as sort of a</a:t>
-            </a:r>
-            <a:r>
-              <a:rPr lang="en-US" sz="2800" dirty="0"/>
-              <a:t> </a:t>
-            </a:r>
-            <a:r>
-              <a:rPr lang="en-US" sz="2800" dirty="0" smtClean="0"/>
-              <a:t>process or thread rather than a stable infrastructure component</a:t>
-            </a:r>
-            <a:endParaRPr lang="pl-PL" sz="2800" dirty="0"/>
-          </a:p>
-        </p:txBody>
-      </p:sp>
-      <p:pic>
-        <p:nvPicPr>
-          <p:cNvPr id="1026" name="Picture 2"/>
-          <p:cNvPicPr>
-            <a:picLocks noChangeAspect="1" noChangeArrowheads="1"/>
-          </p:cNvPicPr>
-          <p:nvPr/>
-        </p:nvPicPr>
-        <p:blipFill>
-          <a:blip r:embed="rId2">
-            <a:extLst>
-              <a:ext uri="{28A0092B-C50C-407E-A947-70E740481C1C}">
-                <a14:useLocalDpi xmlns:a14="http://schemas.microsoft.com/office/drawing/2010/main" val="0"/>
-              </a:ext>
-            </a:extLst>
-          </a:blip>
-          <a:srcRect/>
-          <a:stretch>
-            <a:fillRect/>
-          </a:stretch>
-        </p:blipFill>
-        <p:spPr bwMode="auto">
-          <a:xfrm>
-            <a:off x="1115616" y="2067873"/>
-            <a:ext cx="6624736" cy="2585263"/>
-          </a:xfrm>
-          <a:prstGeom prst="rect">
-            <a:avLst/>
-          </a:prstGeom>
-          <a:noFill/>
-          <a:ln>
-            <a:noFill/>
-          </a:ln>
-          <a:extLst>
-            <a:ext uri="{909E8E84-426E-40DD-AFC4-6F175D3DCCD1}">
-              <a14:hiddenFill xmlns:a14="http://schemas.microsoft.com/office/drawing/2010/main">
-                <a:solidFill>
-                  <a:schemeClr val="accent1"/>
-                </a:solidFill>
-              </a14:hiddenFill>
-            </a:ext>
-            <a:ext uri="{91240B29-F687-4F45-9708-019B960494DF}">
-              <a14:hiddenLine xmlns:a14="http://schemas.microsoft.com/office/drawing/2010/main" w="9525">
-                <a:solidFill>
-                  <a:schemeClr val="tx1"/>
-                </a:solidFill>
-                <a:miter lim="800000"/>
-                <a:headEnd/>
-                <a:tailEnd/>
-              </a14:hiddenLine>
-            </a:ext>
-          </a:extLst>
-        </p:spPr>
-      </p:pic>
-    </p:spTree>
-    <p:extLst>
-      <p:ext uri="{BB962C8B-B14F-4D97-AF65-F5344CB8AC3E}">
         <p14:creationId xmlns:p14="http://schemas.microsoft.com/office/powerpoint/2010/main" val="1378695000"/>
-      </p:ext>
-    </p:extLst>
-  </p:cSld>
-  <p:clrMapOvr>
-    <a:masterClrMapping/>
-  </p:clrMapOvr>
-  <p:timing>
-    <p:tnLst>
-      <p:par>
-        <p:cTn id="1" dur="indefinite" restart="never" nodeType="tmRoot"/>
-      </p:par>
-    </p:tnLst>
-  </p:timing>
-</p:sld>
-</file>
-
-<file path=ppt/slides/slide5.xml><?xml version="1.0" encoding="utf-8"?>
-<p:sld xmlns:a="http://schemas.openxmlformats.org/drawingml/2006/main" xmlns:r="http://schemas.openxmlformats.org/officeDocument/2006/relationships" xmlns:p="http://schemas.openxmlformats.org/presentationml/2006/main">
-  <p:cSld>
-    <p:spTree>
-      <p:nvGrpSpPr>
-        <p:cNvPr id="1" name=""/>
-        <p:cNvGrpSpPr/>
-        <p:nvPr/>
-      </p:nvGrpSpPr>
-      <p:grpSpPr>
-        <a:xfrm>
-          <a:off x="0" y="0"/>
-          <a:ext cx="0" cy="0"/>
-          <a:chOff x="0" y="0"/>
-          <a:chExt cx="0" cy="0"/>
-        </a:xfrm>
-      </p:grpSpPr>
-      <p:sp>
-        <p:nvSpPr>
-          <p:cNvPr id="2" name="Title 1"/>
-          <p:cNvSpPr>
-            <a:spLocks noGrp="1"/>
-          </p:cNvSpPr>
-          <p:nvPr>
-            <p:ph type="title"/>
-          </p:nvPr>
-        </p:nvSpPr>
-        <p:spPr/>
-        <p:txBody>
-          <a:bodyPr>
-            <a:normAutofit/>
-          </a:bodyPr>
-          <a:lstStyle/>
-          <a:p>
-            <a:r>
-              <a:rPr lang="en-US" sz="3600" dirty="0" smtClean="0"/>
-              <a:t>AWS Console</a:t>
-            </a:r>
-            <a:endParaRPr lang="pl-PL" sz="3600" dirty="0"/>
-          </a:p>
-        </p:txBody>
-      </p:sp>
-      <p:sp>
-        <p:nvSpPr>
-          <p:cNvPr id="3" name="Content Placeholder 2"/>
-          <p:cNvSpPr>
-            <a:spLocks noGrp="1"/>
-          </p:cNvSpPr>
-          <p:nvPr>
-            <p:ph idx="1"/>
-          </p:nvPr>
-        </p:nvSpPr>
-        <p:spPr/>
-        <p:txBody>
-          <a:bodyPr>
-            <a:normAutofit/>
-          </a:bodyPr>
-          <a:lstStyle/>
-          <a:p>
-            <a:pPr marL="0" indent="0">
-              <a:buNone/>
-            </a:pPr>
-            <a:r>
-              <a:rPr lang="en-US" sz="2700" dirty="0" smtClean="0">
-                <a:hlinkClick r:id="rId2"/>
-              </a:rPr>
-              <a:t>https</a:t>
-            </a:r>
-            <a:r>
-              <a:rPr lang="en-US" sz="2700" dirty="0">
-                <a:hlinkClick r:id="rId2"/>
-              </a:rPr>
-              <a:t>://</a:t>
-            </a:r>
-            <a:r>
-              <a:rPr lang="en-US" sz="2700" dirty="0" smtClean="0">
-                <a:hlinkClick r:id="rId2"/>
-              </a:rPr>
-              <a:t>adams.signin.aws.amazon.com/console</a:t>
-            </a:r>
-            <a:endParaRPr lang="en-US" sz="2700" dirty="0" smtClean="0"/>
-          </a:p>
-          <a:p>
-            <a:pPr marL="0" indent="0">
-              <a:buNone/>
-            </a:pPr>
-            <a:endParaRPr lang="en-US" sz="2700" dirty="0" smtClean="0"/>
-          </a:p>
-          <a:p>
-            <a:pPr marL="0" indent="0">
-              <a:buNone/>
-            </a:pPr>
-            <a:r>
-              <a:rPr lang="en-US" sz="2400" dirty="0" smtClean="0"/>
-              <a:t>Account: </a:t>
-            </a:r>
-            <a:r>
-              <a:rPr lang="en-US" sz="2400" dirty="0" err="1" smtClean="0"/>
-              <a:t>adams</a:t>
-            </a:r>
-            <a:endParaRPr lang="en-US" sz="2400" dirty="0"/>
-          </a:p>
-          <a:p>
-            <a:pPr marL="0" indent="0">
-              <a:buNone/>
-            </a:pPr>
-            <a:r>
-              <a:rPr lang="en-US" sz="2400" dirty="0" smtClean="0"/>
-              <a:t>User Name: </a:t>
-            </a:r>
-            <a:r>
-              <a:rPr lang="en-US" sz="2400" dirty="0" err="1" smtClean="0"/>
-              <a:t>studentXYZ</a:t>
-            </a:r>
-            <a:r>
-              <a:rPr lang="en-US" sz="2400" dirty="0" smtClean="0"/>
-              <a:t> e.g. student002</a:t>
-            </a:r>
-          </a:p>
-          <a:p>
-            <a:pPr marL="0" indent="0">
-              <a:buNone/>
-            </a:pPr>
-            <a:r>
-              <a:rPr lang="en-US" sz="2400" dirty="0" smtClean="0"/>
-              <a:t>Password: </a:t>
-            </a:r>
-            <a:r>
-              <a:rPr lang="en-US" sz="2400" dirty="0" err="1" smtClean="0"/>
-              <a:t>wj!studentXYZ</a:t>
-            </a:r>
-            <a:r>
-              <a:rPr lang="en-US" sz="2400" dirty="0" smtClean="0"/>
-              <a:t>@# e.g. </a:t>
-            </a:r>
-            <a:r>
-              <a:rPr lang="en-US" sz="2400" dirty="0"/>
-              <a:t>wj!student002@#</a:t>
-            </a:r>
-            <a:endParaRPr lang="pl-PL" sz="2400" dirty="0"/>
-          </a:p>
-        </p:txBody>
-      </p:sp>
-      <p:pic>
-        <p:nvPicPr>
-          <p:cNvPr id="1026" name="Picture 2"/>
-          <p:cNvPicPr>
-            <a:picLocks noChangeAspect="1" noChangeArrowheads="1"/>
-          </p:cNvPicPr>
-          <p:nvPr/>
-        </p:nvPicPr>
-        <p:blipFill>
-          <a:blip r:embed="rId3">
-            <a:extLst>
-              <a:ext uri="{28A0092B-C50C-407E-A947-70E740481C1C}">
-                <a14:useLocalDpi xmlns:a14="http://schemas.microsoft.com/office/drawing/2010/main" val="0"/>
-              </a:ext>
-            </a:extLst>
-          </a:blip>
-          <a:srcRect/>
-          <a:stretch>
-            <a:fillRect/>
-          </a:stretch>
-        </p:blipFill>
-        <p:spPr bwMode="auto">
-          <a:xfrm>
-            <a:off x="4644008" y="4293096"/>
-            <a:ext cx="3781425" cy="1895475"/>
-          </a:xfrm>
-          <a:prstGeom prst="rect">
-            <a:avLst/>
-          </a:prstGeom>
-          <a:noFill/>
-          <a:ln>
-            <a:noFill/>
-          </a:ln>
-          <a:extLst>
-            <a:ext uri="{909E8E84-426E-40DD-AFC4-6F175D3DCCD1}">
-              <a14:hiddenFill xmlns:a14="http://schemas.microsoft.com/office/drawing/2010/main">
-                <a:solidFill>
-                  <a:schemeClr val="accent1"/>
-                </a:solidFill>
-              </a14:hiddenFill>
-            </a:ext>
-            <a:ext uri="{91240B29-F687-4F45-9708-019B960494DF}">
-              <a14:hiddenLine xmlns:a14="http://schemas.microsoft.com/office/drawing/2010/main" w="9525">
-                <a:solidFill>
-                  <a:schemeClr val="tx1"/>
-                </a:solidFill>
-                <a:miter lim="800000"/>
-                <a:headEnd/>
-                <a:tailEnd/>
-              </a14:hiddenLine>
-            </a:ext>
-          </a:extLst>
-        </p:spPr>
-      </p:pic>
-      <p:pic>
-        <p:nvPicPr>
-          <p:cNvPr id="5" name="Picture 2"/>
-          <p:cNvPicPr>
-            <a:picLocks noChangeAspect="1" noChangeArrowheads="1"/>
-          </p:cNvPicPr>
-          <p:nvPr/>
-        </p:nvPicPr>
-        <p:blipFill>
-          <a:blip r:embed="rId4">
-            <a:extLst>
-              <a:ext uri="{28A0092B-C50C-407E-A947-70E740481C1C}">
-                <a14:useLocalDpi xmlns:a14="http://schemas.microsoft.com/office/drawing/2010/main" val="0"/>
-              </a:ext>
-            </a:extLst>
-          </a:blip>
-          <a:srcRect/>
-          <a:stretch>
-            <a:fillRect/>
-          </a:stretch>
-        </p:blipFill>
-        <p:spPr bwMode="auto">
-          <a:xfrm>
-            <a:off x="89173" y="6263811"/>
-            <a:ext cx="2114209" cy="549565"/>
-          </a:xfrm>
-          <a:prstGeom prst="rect">
-            <a:avLst/>
-          </a:prstGeom>
-          <a:noFill/>
-          <a:ln>
-            <a:noFill/>
-          </a:ln>
-          <a:effectLst>
-            <a:outerShdw blurRad="50800" dist="50800" dir="5400000" algn="ctr" rotWithShape="0">
-              <a:srgbClr val="000000">
-                <a:alpha val="3000"/>
-              </a:srgbClr>
-            </a:outerShdw>
-          </a:effectLst>
-          <a:extLst>
-            <a:ext uri="{909E8E84-426E-40DD-AFC4-6F175D3DCCD1}">
-              <a14:hiddenFill xmlns:a14="http://schemas.microsoft.com/office/drawing/2010/main">
-                <a:solidFill>
-                  <a:schemeClr val="accent1"/>
-                </a:solidFill>
-              </a14:hiddenFill>
-            </a:ext>
-            <a:ext uri="{91240B29-F687-4F45-9708-019B960494DF}">
-              <a14:hiddenLine xmlns:a14="http://schemas.microsoft.com/office/drawing/2010/main" w="9525">
-                <a:solidFill>
-                  <a:schemeClr val="tx1"/>
-                </a:solidFill>
-                <a:miter lim="800000"/>
-                <a:headEnd/>
-                <a:tailEnd/>
-              </a14:hiddenLine>
-            </a:ext>
-          </a:extLst>
-        </p:spPr>
-      </p:pic>
-    </p:spTree>
-    <p:extLst>
-      <p:ext uri="{BB962C8B-B14F-4D97-AF65-F5344CB8AC3E}">
-        <p14:creationId xmlns:p14="http://schemas.microsoft.com/office/powerpoint/2010/main" val="1026100270"/>
       </p:ext>
     </p:extLst>
   </p:cSld>
